--- a/dissertacao-docs/apresentacoes/Dissertação - RDM - EMA - Imagens-Retrato.pptx
+++ b/dissertacao-docs/apresentacoes/Dissertação - RDM - EMA - Imagens-Retrato.pptx
@@ -14,6 +14,7 @@
     <p:sldId id="260" r:id="rId8"/>
     <p:sldId id="261" r:id="rId9"/>
     <p:sldId id="266" r:id="rId10"/>
+    <p:sldId id="268" r:id="rId11"/>
   </p:sldIdLst>
   <p:sldSz cx="5759450" cy="8640763"/>
   <p:notesSz cx="6858000" cy="9144000"/>
@@ -131,6 +132,10 @@
 </p:presentation>
 </file>
 
+<file path=ppt/revisionInfo.xml><?xml version="1.0" encoding="utf-8"?>
+<p1510:revInfo xmlns:a="http://schemas.openxmlformats.org/drawingml/2006/main" xmlns:r="http://schemas.openxmlformats.org/officeDocument/2006/relationships" xmlns:p1510="http://schemas.microsoft.com/office/powerpoint/2015/10/main"/>
+</file>
+
 <file path=ppt/slideLayouts/slideLayout1.xml><?xml version="1.0" encoding="utf-8"?>
 <p:sldLayout xmlns:a="http://schemas.openxmlformats.org/drawingml/2006/main" xmlns:r="http://schemas.openxmlformats.org/officeDocument/2006/relationships" xmlns:p="http://schemas.openxmlformats.org/presentationml/2006/main" type="title" preserve="1">
   <p:cSld name="Slide de título">
@@ -310,7 +315,7 @@
           <a:p>
             <a:fld id="{2E700DB3-DBF0-4086-B675-117E7A9610B8}" type="datetimeFigureOut">
               <a:rPr lang="pt-BR" smtClean="0"/>
-              <a:t>19/05/2017</a:t>
+              <a:t>24/01/2018</a:t>
             </a:fld>
             <a:endParaRPr lang="pt-BR"/>
           </a:p>
@@ -473,7 +478,7 @@
           <a:p>
             <a:fld id="{2E700DB3-DBF0-4086-B675-117E7A9610B8}" type="datetimeFigureOut">
               <a:rPr lang="pt-BR" smtClean="0"/>
-              <a:t>19/05/2017</a:t>
+              <a:t>24/01/2018</a:t>
             </a:fld>
             <a:endParaRPr lang="pt-BR"/>
           </a:p>
@@ -646,7 +651,7 @@
           <a:p>
             <a:fld id="{2E700DB3-DBF0-4086-B675-117E7A9610B8}" type="datetimeFigureOut">
               <a:rPr lang="pt-BR" smtClean="0"/>
-              <a:t>19/05/2017</a:t>
+              <a:t>24/01/2018</a:t>
             </a:fld>
             <a:endParaRPr lang="pt-BR"/>
           </a:p>
@@ -809,7 +814,7 @@
           <a:p>
             <a:fld id="{2E700DB3-DBF0-4086-B675-117E7A9610B8}" type="datetimeFigureOut">
               <a:rPr lang="pt-BR" smtClean="0"/>
-              <a:t>19/05/2017</a:t>
+              <a:t>24/01/2018</a:t>
             </a:fld>
             <a:endParaRPr lang="pt-BR"/>
           </a:p>
@@ -1049,7 +1054,7 @@
           <a:p>
             <a:fld id="{2E700DB3-DBF0-4086-B675-117E7A9610B8}" type="datetimeFigureOut">
               <a:rPr lang="pt-BR" smtClean="0"/>
-              <a:t>19/05/2017</a:t>
+              <a:t>24/01/2018</a:t>
             </a:fld>
             <a:endParaRPr lang="pt-BR"/>
           </a:p>
@@ -1329,7 +1334,7 @@
           <a:p>
             <a:fld id="{2E700DB3-DBF0-4086-B675-117E7A9610B8}" type="datetimeFigureOut">
               <a:rPr lang="pt-BR" smtClean="0"/>
-              <a:t>19/05/2017</a:t>
+              <a:t>24/01/2018</a:t>
             </a:fld>
             <a:endParaRPr lang="pt-BR"/>
           </a:p>
@@ -1743,7 +1748,7 @@
           <a:p>
             <a:fld id="{2E700DB3-DBF0-4086-B675-117E7A9610B8}" type="datetimeFigureOut">
               <a:rPr lang="pt-BR" smtClean="0"/>
-              <a:t>19/05/2017</a:t>
+              <a:t>24/01/2018</a:t>
             </a:fld>
             <a:endParaRPr lang="pt-BR"/>
           </a:p>
@@ -1855,7 +1860,7 @@
           <a:p>
             <a:fld id="{2E700DB3-DBF0-4086-B675-117E7A9610B8}" type="datetimeFigureOut">
               <a:rPr lang="pt-BR" smtClean="0"/>
-              <a:t>19/05/2017</a:t>
+              <a:t>24/01/2018</a:t>
             </a:fld>
             <a:endParaRPr lang="pt-BR"/>
           </a:p>
@@ -1945,7 +1950,7 @@
           <a:p>
             <a:fld id="{2E700DB3-DBF0-4086-B675-117E7A9610B8}" type="datetimeFigureOut">
               <a:rPr lang="pt-BR" smtClean="0"/>
-              <a:t>19/05/2017</a:t>
+              <a:t>24/01/2018</a:t>
             </a:fld>
             <a:endParaRPr lang="pt-BR"/>
           </a:p>
@@ -2215,7 +2220,7 @@
           <a:p>
             <a:fld id="{2E700DB3-DBF0-4086-B675-117E7A9610B8}" type="datetimeFigureOut">
               <a:rPr lang="pt-BR" smtClean="0"/>
-              <a:t>19/05/2017</a:t>
+              <a:t>24/01/2018</a:t>
             </a:fld>
             <a:endParaRPr lang="pt-BR"/>
           </a:p>
@@ -2462,7 +2467,7 @@
           <a:p>
             <a:fld id="{2E700DB3-DBF0-4086-B675-117E7A9610B8}" type="datetimeFigureOut">
               <a:rPr lang="pt-BR" smtClean="0"/>
-              <a:t>19/05/2017</a:t>
+              <a:t>24/01/2018</a:t>
             </a:fld>
             <a:endParaRPr lang="pt-BR"/>
           </a:p>
@@ -2668,7 +2673,7 @@
           <a:p>
             <a:fld id="{2E700DB3-DBF0-4086-B675-117E7A9610B8}" type="datetimeFigureOut">
               <a:rPr lang="pt-BR" smtClean="0"/>
-              <a:t>19/05/2017</a:t>
+              <a:t>24/01/2018</a:t>
             </a:fld>
             <a:endParaRPr lang="pt-BR"/>
           </a:p>
@@ -4093,6 +4098,2917 @@
     <p:extLst>
       <p:ext uri="{BB962C8B-B14F-4D97-AF65-F5344CB8AC3E}">
         <p14:creationId xmlns:p14="http://schemas.microsoft.com/office/powerpoint/2010/main" val="3858673892"/>
+      </p:ext>
+    </p:extLst>
+  </p:cSld>
+  <p:clrMapOvr>
+    <a:masterClrMapping/>
+  </p:clrMapOvr>
+</p:sld>
+</file>
+
+<file path=ppt/slides/slide10.xml><?xml version="1.0" encoding="utf-8"?>
+<p:sld xmlns:a="http://schemas.openxmlformats.org/drawingml/2006/main" xmlns:r="http://schemas.openxmlformats.org/officeDocument/2006/relationships" xmlns:p="http://schemas.openxmlformats.org/presentationml/2006/main">
+  <p:cSld>
+    <p:spTree>
+      <p:nvGrpSpPr>
+        <p:cNvPr id="1" name=""/>
+        <p:cNvGrpSpPr/>
+        <p:nvPr/>
+      </p:nvGrpSpPr>
+      <p:grpSpPr>
+        <a:xfrm>
+          <a:off x="0" y="0"/>
+          <a:ext cx="0" cy="0"/>
+          <a:chOff x="0" y="0"/>
+          <a:chExt cx="0" cy="0"/>
+        </a:xfrm>
+      </p:grpSpPr>
+      <p:sp>
+        <p:nvSpPr>
+          <p:cNvPr id="15" name="Retângulo de cantos arredondados 99"/>
+          <p:cNvSpPr/>
+          <p:nvPr/>
+        </p:nvSpPr>
+        <p:spPr>
+          <a:xfrm>
+            <a:off x="16266" y="30071"/>
+            <a:ext cx="5759450" cy="8610692"/>
+          </a:xfrm>
+          <a:prstGeom prst="roundRect">
+            <a:avLst>
+              <a:gd name="adj" fmla="val 6337"/>
+            </a:avLst>
+          </a:prstGeom>
+          <a:solidFill>
+            <a:schemeClr val="bg1">
+              <a:lumMod val="95000"/>
+            </a:schemeClr>
+          </a:solidFill>
+          <a:ln>
+            <a:noFill/>
+          </a:ln>
+        </p:spPr>
+        <p:style>
+          <a:lnRef idx="1">
+            <a:schemeClr val="accent1"/>
+          </a:lnRef>
+          <a:fillRef idx="3">
+            <a:schemeClr val="accent1"/>
+          </a:fillRef>
+          <a:effectRef idx="2">
+            <a:schemeClr val="accent1"/>
+          </a:effectRef>
+          <a:fontRef idx="minor">
+            <a:schemeClr val="lt1"/>
+          </a:fontRef>
+        </p:style>
+        <p:txBody>
+          <a:bodyPr rtlCol="0" anchor="t"/>
+          <a:lstStyle/>
+          <a:p>
+            <a:pPr algn="ctr"/>
+            <a:r>
+              <a:rPr lang="pt-BR" sz="1100" b="1" dirty="0">
+                <a:solidFill>
+                  <a:schemeClr val="tx1"/>
+                </a:solidFill>
+                <a:latin typeface="Arial" panose="020B0604020202020204" pitchFamily="34" charset="0"/>
+                <a:cs typeface="Arial" panose="020B0604020202020204" pitchFamily="34" charset="0"/>
+              </a:rPr>
+              <a:t>Desenvolvimento da Instanciação – Detalhes do RDM.</a:t>
+            </a:r>
+          </a:p>
+        </p:txBody>
+      </p:sp>
+      <p:sp>
+        <p:nvSpPr>
+          <p:cNvPr id="36" name="Retângulo de cantos arredondados 6"/>
+          <p:cNvSpPr/>
+          <p:nvPr/>
+        </p:nvSpPr>
+        <p:spPr>
+          <a:xfrm>
+            <a:off x="359445" y="1152028"/>
+            <a:ext cx="2829600" cy="1889969"/>
+          </a:xfrm>
+          <a:prstGeom prst="roundRect">
+            <a:avLst/>
+          </a:prstGeom>
+          <a:ln/>
+        </p:spPr>
+        <p:style>
+          <a:lnRef idx="1">
+            <a:schemeClr val="accent4"/>
+          </a:lnRef>
+          <a:fillRef idx="3">
+            <a:schemeClr val="accent4"/>
+          </a:fillRef>
+          <a:effectRef idx="2">
+            <a:schemeClr val="accent4"/>
+          </a:effectRef>
+          <a:fontRef idx="minor">
+            <a:schemeClr val="lt1"/>
+          </a:fontRef>
+        </p:style>
+        <p:txBody>
+          <a:bodyPr rtlCol="0" anchor="t"/>
+          <a:lstStyle/>
+          <a:p>
+            <a:pPr algn="ctr"/>
+            <a:r>
+              <a:rPr lang="en-US" sz="1000" b="1" dirty="0">
+                <a:latin typeface="Arial" panose="020B0604020202020204" pitchFamily="34" charset="0"/>
+                <a:cs typeface="Arial" panose="020B0604020202020204" pitchFamily="34" charset="0"/>
+              </a:rPr>
+              <a:t>1-Estruturação do </a:t>
+            </a:r>
+            <a:r>
+              <a:rPr lang="en-US" sz="1000" b="1" dirty="0" err="1">
+                <a:latin typeface="Arial" panose="020B0604020202020204" pitchFamily="34" charset="0"/>
+                <a:cs typeface="Arial" panose="020B0604020202020204" pitchFamily="34" charset="0"/>
+              </a:rPr>
+              <a:t>Problema</a:t>
+            </a:r>
+            <a:endParaRPr lang="en-US" sz="1000" b="1" dirty="0">
+              <a:latin typeface="Arial" panose="020B0604020202020204" pitchFamily="34" charset="0"/>
+              <a:cs typeface="Arial" panose="020B0604020202020204" pitchFamily="34" charset="0"/>
+            </a:endParaRPr>
+          </a:p>
+        </p:txBody>
+      </p:sp>
+      <p:sp>
+        <p:nvSpPr>
+          <p:cNvPr id="37" name="Retângulo de cantos arredondados 6"/>
+          <p:cNvSpPr/>
+          <p:nvPr/>
+        </p:nvSpPr>
+        <p:spPr>
+          <a:xfrm>
+            <a:off x="359445" y="3133693"/>
+            <a:ext cx="2829600" cy="1965569"/>
+          </a:xfrm>
+          <a:prstGeom prst="roundRect">
+            <a:avLst/>
+          </a:prstGeom>
+          <a:ln/>
+        </p:spPr>
+        <p:style>
+          <a:lnRef idx="1">
+            <a:schemeClr val="accent4"/>
+          </a:lnRef>
+          <a:fillRef idx="3">
+            <a:schemeClr val="accent4"/>
+          </a:fillRef>
+          <a:effectRef idx="2">
+            <a:schemeClr val="accent4"/>
+          </a:effectRef>
+          <a:fontRef idx="minor">
+            <a:schemeClr val="lt1"/>
+          </a:fontRef>
+        </p:style>
+        <p:txBody>
+          <a:bodyPr rtlCol="0" anchor="t"/>
+          <a:lstStyle/>
+          <a:p>
+            <a:pPr algn="ctr"/>
+            <a:r>
+              <a:rPr lang="en-US" sz="1000" b="1" dirty="0">
+                <a:latin typeface="Arial" panose="020B0604020202020204" pitchFamily="34" charset="0"/>
+                <a:cs typeface="Arial" panose="020B0604020202020204" pitchFamily="34" charset="0"/>
+              </a:rPr>
+              <a:t>2 </a:t>
+            </a:r>
+            <a:r>
+              <a:rPr lang="en-US" sz="1000" b="1" dirty="0" err="1">
+                <a:latin typeface="Arial" panose="020B0604020202020204" pitchFamily="34" charset="0"/>
+                <a:cs typeface="Arial" panose="020B0604020202020204" pitchFamily="34" charset="0"/>
+              </a:rPr>
+              <a:t>Geração</a:t>
+            </a:r>
+            <a:r>
+              <a:rPr lang="en-US" sz="1000" b="1" dirty="0">
+                <a:latin typeface="Arial" panose="020B0604020202020204" pitchFamily="34" charset="0"/>
+                <a:cs typeface="Arial" panose="020B0604020202020204" pitchFamily="34" charset="0"/>
+              </a:rPr>
+              <a:t> de </a:t>
+            </a:r>
+            <a:r>
+              <a:rPr lang="en-US" sz="1000" b="1" dirty="0" err="1">
+                <a:latin typeface="Arial" panose="020B0604020202020204" pitchFamily="34" charset="0"/>
+                <a:cs typeface="Arial" panose="020B0604020202020204" pitchFamily="34" charset="0"/>
+              </a:rPr>
+              <a:t>Casos</a:t>
+            </a:r>
+            <a:endParaRPr lang="en-US" sz="1000" b="1" dirty="0">
+              <a:latin typeface="Arial" panose="020B0604020202020204" pitchFamily="34" charset="0"/>
+              <a:cs typeface="Arial" panose="020B0604020202020204" pitchFamily="34" charset="0"/>
+            </a:endParaRPr>
+          </a:p>
+          <a:p>
+            <a:endParaRPr lang="en-US" sz="1000" dirty="0">
+              <a:latin typeface="Arial" panose="020B0604020202020204" pitchFamily="34" charset="0"/>
+              <a:cs typeface="Arial" panose="020B0604020202020204" pitchFamily="34" charset="0"/>
+            </a:endParaRPr>
+          </a:p>
+        </p:txBody>
+      </p:sp>
+      <p:sp>
+        <p:nvSpPr>
+          <p:cNvPr id="38" name="Retângulo de cantos arredondados 6"/>
+          <p:cNvSpPr/>
+          <p:nvPr/>
+        </p:nvSpPr>
+        <p:spPr>
+          <a:xfrm>
+            <a:off x="359445" y="5232368"/>
+            <a:ext cx="2829600" cy="1752309"/>
+          </a:xfrm>
+          <a:prstGeom prst="roundRect">
+            <a:avLst/>
+          </a:prstGeom>
+          <a:ln/>
+        </p:spPr>
+        <p:style>
+          <a:lnRef idx="1">
+            <a:schemeClr val="accent4"/>
+          </a:lnRef>
+          <a:fillRef idx="3">
+            <a:schemeClr val="accent4"/>
+          </a:fillRef>
+          <a:effectRef idx="2">
+            <a:schemeClr val="accent4"/>
+          </a:effectRef>
+          <a:fontRef idx="minor">
+            <a:schemeClr val="lt1"/>
+          </a:fontRef>
+        </p:style>
+        <p:txBody>
+          <a:bodyPr rtlCol="0" anchor="t"/>
+          <a:lstStyle/>
+          <a:p>
+            <a:pPr algn="ctr"/>
+            <a:r>
+              <a:rPr lang="en-US" sz="1000" b="1" dirty="0">
+                <a:latin typeface="Arial" panose="020B0604020202020204" pitchFamily="34" charset="0"/>
+                <a:cs typeface="Arial" panose="020B0604020202020204" pitchFamily="34" charset="0"/>
+              </a:rPr>
+              <a:t>3 </a:t>
+            </a:r>
+            <a:r>
+              <a:rPr lang="en-US" sz="1000" b="1" dirty="0" err="1">
+                <a:latin typeface="Arial" panose="020B0604020202020204" pitchFamily="34" charset="0"/>
+                <a:cs typeface="Arial" panose="020B0604020202020204" pitchFamily="34" charset="0"/>
+              </a:rPr>
+              <a:t>Descoberta</a:t>
+            </a:r>
+            <a:r>
+              <a:rPr lang="en-US" sz="1000" b="1" dirty="0">
+                <a:latin typeface="Arial" panose="020B0604020202020204" pitchFamily="34" charset="0"/>
+                <a:cs typeface="Arial" panose="020B0604020202020204" pitchFamily="34" charset="0"/>
+              </a:rPr>
+              <a:t> de </a:t>
+            </a:r>
+            <a:r>
+              <a:rPr lang="en-US" sz="1000" b="1" dirty="0" err="1">
+                <a:latin typeface="Arial" panose="020B0604020202020204" pitchFamily="34" charset="0"/>
+                <a:cs typeface="Arial" panose="020B0604020202020204" pitchFamily="34" charset="0"/>
+              </a:rPr>
+              <a:t>Cenários</a:t>
+            </a:r>
+            <a:endParaRPr lang="en-US" sz="1000" b="1" dirty="0">
+              <a:latin typeface="Arial" panose="020B0604020202020204" pitchFamily="34" charset="0"/>
+              <a:cs typeface="Arial" panose="020B0604020202020204" pitchFamily="34" charset="0"/>
+            </a:endParaRPr>
+          </a:p>
+          <a:p>
+            <a:endParaRPr lang="en-US" sz="1000" dirty="0">
+              <a:latin typeface="Arial" panose="020B0604020202020204" pitchFamily="34" charset="0"/>
+              <a:cs typeface="Arial" panose="020B0604020202020204" pitchFamily="34" charset="0"/>
+            </a:endParaRPr>
+          </a:p>
+          <a:p>
+            <a:endParaRPr lang="en-US" sz="1000" dirty="0">
+              <a:latin typeface="Arial" panose="020B0604020202020204" pitchFamily="34" charset="0"/>
+              <a:cs typeface="Arial" panose="020B0604020202020204" pitchFamily="34" charset="0"/>
+            </a:endParaRPr>
+          </a:p>
+          <a:p>
+            <a:endParaRPr lang="en-US" sz="1000" dirty="0">
+              <a:latin typeface="Arial" panose="020B0604020202020204" pitchFamily="34" charset="0"/>
+              <a:cs typeface="Arial" panose="020B0604020202020204" pitchFamily="34" charset="0"/>
+            </a:endParaRPr>
+          </a:p>
+          <a:p>
+            <a:endParaRPr lang="en-US" sz="1000" dirty="0">
+              <a:latin typeface="Arial" panose="020B0604020202020204" pitchFamily="34" charset="0"/>
+              <a:cs typeface="Arial" panose="020B0604020202020204" pitchFamily="34" charset="0"/>
+            </a:endParaRPr>
+          </a:p>
+          <a:p>
+            <a:endParaRPr lang="en-US" sz="1000" dirty="0">
+              <a:latin typeface="Arial" panose="020B0604020202020204" pitchFamily="34" charset="0"/>
+              <a:cs typeface="Arial" panose="020B0604020202020204" pitchFamily="34" charset="0"/>
+            </a:endParaRPr>
+          </a:p>
+          <a:p>
+            <a:endParaRPr lang="en-US" sz="1000" dirty="0">
+              <a:latin typeface="Arial" panose="020B0604020202020204" pitchFamily="34" charset="0"/>
+              <a:cs typeface="Arial" panose="020B0604020202020204" pitchFamily="34" charset="0"/>
+            </a:endParaRPr>
+          </a:p>
+        </p:txBody>
+      </p:sp>
+      <p:sp>
+        <p:nvSpPr>
+          <p:cNvPr id="41" name="Retângulo de cantos arredondados 6"/>
+          <p:cNvSpPr/>
+          <p:nvPr/>
+        </p:nvSpPr>
+        <p:spPr>
+          <a:xfrm>
+            <a:off x="359445" y="7114411"/>
+            <a:ext cx="2829600" cy="1238418"/>
+          </a:xfrm>
+          <a:prstGeom prst="roundRect">
+            <a:avLst/>
+          </a:prstGeom>
+          <a:ln/>
+        </p:spPr>
+        <p:style>
+          <a:lnRef idx="1">
+            <a:schemeClr val="accent4"/>
+          </a:lnRef>
+          <a:fillRef idx="3">
+            <a:schemeClr val="accent4"/>
+          </a:fillRef>
+          <a:effectRef idx="2">
+            <a:schemeClr val="accent4"/>
+          </a:effectRef>
+          <a:fontRef idx="minor">
+            <a:schemeClr val="lt1"/>
+          </a:fontRef>
+        </p:style>
+        <p:txBody>
+          <a:bodyPr rtlCol="0" anchor="t"/>
+          <a:lstStyle/>
+          <a:p>
+            <a:pPr algn="ctr"/>
+            <a:r>
+              <a:rPr lang="en-US" sz="1000" b="1" dirty="0">
+                <a:latin typeface="Arial" panose="020B0604020202020204" pitchFamily="34" charset="0"/>
+                <a:cs typeface="Arial" panose="020B0604020202020204" pitchFamily="34" charset="0"/>
+              </a:rPr>
+              <a:t>4 </a:t>
+            </a:r>
+            <a:r>
+              <a:rPr lang="en-US" sz="1000" b="1" dirty="0" err="1">
+                <a:latin typeface="Arial" panose="020B0604020202020204" pitchFamily="34" charset="0"/>
+                <a:cs typeface="Arial" panose="020B0604020202020204" pitchFamily="34" charset="0"/>
+              </a:rPr>
+              <a:t>Análise</a:t>
+            </a:r>
+            <a:r>
+              <a:rPr lang="en-US" sz="1000" b="1" dirty="0">
+                <a:latin typeface="Arial" panose="020B0604020202020204" pitchFamily="34" charset="0"/>
+                <a:cs typeface="Arial" panose="020B0604020202020204" pitchFamily="34" charset="0"/>
+              </a:rPr>
+              <a:t> de Tradeoff</a:t>
+            </a:r>
+          </a:p>
+        </p:txBody>
+      </p:sp>
+      <p:cxnSp>
+        <p:nvCxnSpPr>
+          <p:cNvPr id="17" name="Conector de Seta Reta 16"/>
+          <p:cNvCxnSpPr>
+            <a:stCxn id="28" idx="2"/>
+            <a:endCxn id="37" idx="0"/>
+          </p:cNvCxnSpPr>
+          <p:nvPr/>
+        </p:nvCxnSpPr>
+        <p:spPr>
+          <a:xfrm>
+            <a:off x="1774245" y="2932232"/>
+            <a:ext cx="0" cy="201461"/>
+          </a:xfrm>
+          <a:prstGeom prst="straightConnector1">
+            <a:avLst/>
+          </a:prstGeom>
+          <a:ln>
+            <a:tailEnd type="triangle"/>
+          </a:ln>
+        </p:spPr>
+        <p:style>
+          <a:lnRef idx="1">
+            <a:schemeClr val="dk1"/>
+          </a:lnRef>
+          <a:fillRef idx="0">
+            <a:schemeClr val="dk1"/>
+          </a:fillRef>
+          <a:effectRef idx="0">
+            <a:schemeClr val="dk1"/>
+          </a:effectRef>
+          <a:fontRef idx="minor">
+            <a:schemeClr val="tx1"/>
+          </a:fontRef>
+        </p:style>
+      </p:cxnSp>
+      <p:sp>
+        <p:nvSpPr>
+          <p:cNvPr id="39" name="Retângulo de cantos arredondados 99"/>
+          <p:cNvSpPr/>
+          <p:nvPr/>
+        </p:nvSpPr>
+        <p:spPr>
+          <a:xfrm>
+            <a:off x="71413" y="431948"/>
+            <a:ext cx="5614526" cy="8146763"/>
+          </a:xfrm>
+          <a:prstGeom prst="roundRect">
+            <a:avLst>
+              <a:gd name="adj" fmla="val 6337"/>
+            </a:avLst>
+          </a:prstGeom>
+          <a:noFill/>
+          <a:ln w="12700">
+            <a:prstDash val="dash"/>
+          </a:ln>
+        </p:spPr>
+        <p:style>
+          <a:lnRef idx="2">
+            <a:schemeClr val="dk1"/>
+          </a:lnRef>
+          <a:fillRef idx="1">
+            <a:schemeClr val="lt1"/>
+          </a:fillRef>
+          <a:effectRef idx="0">
+            <a:schemeClr val="dk1"/>
+          </a:effectRef>
+          <a:fontRef idx="minor">
+            <a:schemeClr val="dk1"/>
+          </a:fontRef>
+        </p:style>
+        <p:txBody>
+          <a:bodyPr rtlCol="0" anchor="t"/>
+          <a:lstStyle/>
+          <a:p>
+            <a:pPr algn="ctr"/>
+            <a:r>
+              <a:rPr lang="pt-BR" sz="1100" b="1" dirty="0">
+                <a:solidFill>
+                  <a:schemeClr val="tx1"/>
+                </a:solidFill>
+                <a:latin typeface="Arial" panose="020B0604020202020204" pitchFamily="34" charset="0"/>
+                <a:cs typeface="Arial" panose="020B0604020202020204" pitchFamily="34" charset="0"/>
+              </a:rPr>
+              <a:t>RDM – Robust Decision Making – Visão Linear:  Etapas / Outputs</a:t>
+            </a:r>
+            <a:endParaRPr lang="pt-BR" sz="1100" b="1" dirty="0">
+              <a:latin typeface="Arial" panose="020B0604020202020204" pitchFamily="34" charset="0"/>
+              <a:cs typeface="Arial" panose="020B0604020202020204" pitchFamily="34" charset="0"/>
+            </a:endParaRPr>
+          </a:p>
+        </p:txBody>
+      </p:sp>
+      <p:sp>
+        <p:nvSpPr>
+          <p:cNvPr id="25" name="Retângulo de cantos arredondados 6"/>
+          <p:cNvSpPr/>
+          <p:nvPr/>
+        </p:nvSpPr>
+        <p:spPr>
+          <a:xfrm>
+            <a:off x="628817" y="1499675"/>
+            <a:ext cx="2290856" cy="241222"/>
+          </a:xfrm>
+          <a:prstGeom prst="roundRect">
+            <a:avLst/>
+          </a:prstGeom>
+          <a:gradFill>
+            <a:gsLst>
+              <a:gs pos="0">
+                <a:schemeClr val="accent4"/>
+              </a:gs>
+              <a:gs pos="80000">
+                <a:schemeClr val="accent4"/>
+              </a:gs>
+              <a:gs pos="100000">
+                <a:schemeClr val="accent4"/>
+              </a:gs>
+            </a:gsLst>
+          </a:gradFill>
+          <a:ln/>
+        </p:spPr>
+        <p:style>
+          <a:lnRef idx="1">
+            <a:schemeClr val="accent4"/>
+          </a:lnRef>
+          <a:fillRef idx="3">
+            <a:schemeClr val="accent4"/>
+          </a:fillRef>
+          <a:effectRef idx="2">
+            <a:schemeClr val="accent4"/>
+          </a:effectRef>
+          <a:fontRef idx="minor">
+            <a:schemeClr val="lt1"/>
+          </a:fontRef>
+        </p:style>
+        <p:txBody>
+          <a:bodyPr rtlCol="0" anchor="ctr"/>
+          <a:lstStyle/>
+          <a:p>
+            <a:pPr algn="ctr"/>
+            <a:r>
+              <a:rPr lang="en-US" sz="1000" dirty="0" err="1">
+                <a:latin typeface="Arial" panose="020B0604020202020204" pitchFamily="34" charset="0"/>
+                <a:cs typeface="Arial" panose="020B0604020202020204" pitchFamily="34" charset="0"/>
+              </a:rPr>
+              <a:t>Definição</a:t>
+            </a:r>
+            <a:r>
+              <a:rPr lang="en-US" sz="1000" dirty="0">
+                <a:latin typeface="Arial" panose="020B0604020202020204" pitchFamily="34" charset="0"/>
+                <a:cs typeface="Arial" panose="020B0604020202020204" pitchFamily="34" charset="0"/>
+              </a:rPr>
+              <a:t> de </a:t>
+            </a:r>
+            <a:r>
+              <a:rPr lang="en-US" sz="1000" dirty="0" err="1">
+                <a:latin typeface="Arial" panose="020B0604020202020204" pitchFamily="34" charset="0"/>
+                <a:cs typeface="Arial" panose="020B0604020202020204" pitchFamily="34" charset="0"/>
+              </a:rPr>
+              <a:t>Incertezas</a:t>
+            </a:r>
+            <a:r>
+              <a:rPr lang="en-US" sz="1000" dirty="0">
+                <a:latin typeface="Arial" panose="020B0604020202020204" pitchFamily="34" charset="0"/>
+                <a:cs typeface="Arial" panose="020B0604020202020204" pitchFamily="34" charset="0"/>
+              </a:rPr>
+              <a:t> (X)</a:t>
+            </a:r>
+          </a:p>
+        </p:txBody>
+      </p:sp>
+      <p:sp>
+        <p:nvSpPr>
+          <p:cNvPr id="26" name="Retângulo de cantos arredondados 6"/>
+          <p:cNvSpPr/>
+          <p:nvPr/>
+        </p:nvSpPr>
+        <p:spPr>
+          <a:xfrm>
+            <a:off x="628817" y="1896787"/>
+            <a:ext cx="2290856" cy="241222"/>
+          </a:xfrm>
+          <a:prstGeom prst="roundRect">
+            <a:avLst/>
+          </a:prstGeom>
+          <a:gradFill>
+            <a:gsLst>
+              <a:gs pos="0">
+                <a:schemeClr val="accent4"/>
+              </a:gs>
+              <a:gs pos="80000">
+                <a:schemeClr val="accent4"/>
+              </a:gs>
+              <a:gs pos="100000">
+                <a:schemeClr val="accent4"/>
+              </a:gs>
+            </a:gsLst>
+          </a:gradFill>
+          <a:ln/>
+        </p:spPr>
+        <p:style>
+          <a:lnRef idx="1">
+            <a:schemeClr val="accent4"/>
+          </a:lnRef>
+          <a:fillRef idx="3">
+            <a:schemeClr val="accent4"/>
+          </a:fillRef>
+          <a:effectRef idx="2">
+            <a:schemeClr val="accent4"/>
+          </a:effectRef>
+          <a:fontRef idx="minor">
+            <a:schemeClr val="lt1"/>
+          </a:fontRef>
+        </p:style>
+        <p:txBody>
+          <a:bodyPr rtlCol="0" anchor="ctr"/>
+          <a:lstStyle/>
+          <a:p>
+            <a:pPr algn="ctr"/>
+            <a:r>
+              <a:rPr lang="en-US" sz="1000" dirty="0" err="1">
+                <a:latin typeface="Arial" panose="020B0604020202020204" pitchFamily="34" charset="0"/>
+                <a:cs typeface="Arial" panose="020B0604020202020204" pitchFamily="34" charset="0"/>
+              </a:rPr>
+              <a:t>Definição</a:t>
+            </a:r>
+            <a:r>
+              <a:rPr lang="en-US" sz="1000" dirty="0">
+                <a:latin typeface="Arial" panose="020B0604020202020204" pitchFamily="34" charset="0"/>
+                <a:cs typeface="Arial" panose="020B0604020202020204" pitchFamily="34" charset="0"/>
+              </a:rPr>
+              <a:t> de </a:t>
+            </a:r>
+            <a:r>
+              <a:rPr lang="en-US" sz="1000" dirty="0" err="1">
+                <a:latin typeface="Arial" panose="020B0604020202020204" pitchFamily="34" charset="0"/>
+                <a:cs typeface="Arial" panose="020B0604020202020204" pitchFamily="34" charset="0"/>
+              </a:rPr>
+              <a:t>Estratégias</a:t>
+            </a:r>
+            <a:r>
+              <a:rPr lang="en-US" sz="1000" dirty="0">
+                <a:latin typeface="Arial" panose="020B0604020202020204" pitchFamily="34" charset="0"/>
+                <a:cs typeface="Arial" panose="020B0604020202020204" pitchFamily="34" charset="0"/>
+              </a:rPr>
+              <a:t> (L)</a:t>
+            </a:r>
+          </a:p>
+        </p:txBody>
+      </p:sp>
+      <p:sp>
+        <p:nvSpPr>
+          <p:cNvPr id="27" name="Retângulo de cantos arredondados 6"/>
+          <p:cNvSpPr/>
+          <p:nvPr/>
+        </p:nvSpPr>
+        <p:spPr>
+          <a:xfrm>
+            <a:off x="628817" y="2293899"/>
+            <a:ext cx="2290856" cy="241222"/>
+          </a:xfrm>
+          <a:prstGeom prst="roundRect">
+            <a:avLst/>
+          </a:prstGeom>
+          <a:gradFill>
+            <a:gsLst>
+              <a:gs pos="0">
+                <a:schemeClr val="accent4"/>
+              </a:gs>
+              <a:gs pos="80000">
+                <a:schemeClr val="accent4"/>
+              </a:gs>
+              <a:gs pos="100000">
+                <a:schemeClr val="accent4"/>
+              </a:gs>
+            </a:gsLst>
+          </a:gradFill>
+          <a:ln/>
+        </p:spPr>
+        <p:style>
+          <a:lnRef idx="1">
+            <a:schemeClr val="accent4"/>
+          </a:lnRef>
+          <a:fillRef idx="3">
+            <a:schemeClr val="accent4"/>
+          </a:fillRef>
+          <a:effectRef idx="2">
+            <a:schemeClr val="accent4"/>
+          </a:effectRef>
+          <a:fontRef idx="minor">
+            <a:schemeClr val="lt1"/>
+          </a:fontRef>
+        </p:style>
+        <p:txBody>
+          <a:bodyPr rtlCol="0" anchor="ctr"/>
+          <a:lstStyle/>
+          <a:p>
+            <a:pPr algn="ctr"/>
+            <a:r>
+              <a:rPr lang="en-US" sz="1000" dirty="0" err="1">
+                <a:latin typeface="Arial" panose="020B0604020202020204" pitchFamily="34" charset="0"/>
+                <a:cs typeface="Arial" panose="020B0604020202020204" pitchFamily="34" charset="0"/>
+              </a:rPr>
+              <a:t>Definição</a:t>
+            </a:r>
+            <a:r>
+              <a:rPr lang="en-US" sz="1000" dirty="0">
+                <a:latin typeface="Arial" panose="020B0604020202020204" pitchFamily="34" charset="0"/>
+                <a:cs typeface="Arial" panose="020B0604020202020204" pitchFamily="34" charset="0"/>
+              </a:rPr>
+              <a:t> de </a:t>
+            </a:r>
+            <a:r>
+              <a:rPr lang="en-US" sz="1000" dirty="0" err="1">
+                <a:latin typeface="Arial" panose="020B0604020202020204" pitchFamily="34" charset="0"/>
+                <a:cs typeface="Arial" panose="020B0604020202020204" pitchFamily="34" charset="0"/>
+              </a:rPr>
+              <a:t>Métricas</a:t>
+            </a:r>
+            <a:r>
+              <a:rPr lang="en-US" sz="1000" dirty="0">
+                <a:latin typeface="Arial" panose="020B0604020202020204" pitchFamily="34" charset="0"/>
+                <a:cs typeface="Arial" panose="020B0604020202020204" pitchFamily="34" charset="0"/>
+              </a:rPr>
+              <a:t> (M)</a:t>
+            </a:r>
+          </a:p>
+        </p:txBody>
+      </p:sp>
+      <p:sp>
+        <p:nvSpPr>
+          <p:cNvPr id="28" name="Retângulo de cantos arredondados 6"/>
+          <p:cNvSpPr/>
+          <p:nvPr/>
+        </p:nvSpPr>
+        <p:spPr>
+          <a:xfrm>
+            <a:off x="628817" y="2691010"/>
+            <a:ext cx="2290856" cy="241222"/>
+          </a:xfrm>
+          <a:prstGeom prst="roundRect">
+            <a:avLst/>
+          </a:prstGeom>
+          <a:gradFill>
+            <a:gsLst>
+              <a:gs pos="0">
+                <a:schemeClr val="accent4"/>
+              </a:gs>
+              <a:gs pos="80000">
+                <a:schemeClr val="accent4"/>
+              </a:gs>
+              <a:gs pos="100000">
+                <a:schemeClr val="accent4"/>
+              </a:gs>
+            </a:gsLst>
+          </a:gradFill>
+          <a:ln/>
+        </p:spPr>
+        <p:style>
+          <a:lnRef idx="1">
+            <a:schemeClr val="accent4"/>
+          </a:lnRef>
+          <a:fillRef idx="3">
+            <a:schemeClr val="accent4"/>
+          </a:fillRef>
+          <a:effectRef idx="2">
+            <a:schemeClr val="accent4"/>
+          </a:effectRef>
+          <a:fontRef idx="minor">
+            <a:schemeClr val="lt1"/>
+          </a:fontRef>
+        </p:style>
+        <p:txBody>
+          <a:bodyPr rtlCol="0" anchor="ctr"/>
+          <a:lstStyle/>
+          <a:p>
+            <a:pPr algn="ctr"/>
+            <a:r>
+              <a:rPr lang="en-US" sz="1000" dirty="0" err="1">
+                <a:latin typeface="Arial" panose="020B0604020202020204" pitchFamily="34" charset="0"/>
+                <a:cs typeface="Arial" panose="020B0604020202020204" pitchFamily="34" charset="0"/>
+              </a:rPr>
+              <a:t>Definição</a:t>
+            </a:r>
+            <a:r>
+              <a:rPr lang="en-US" sz="1000" dirty="0">
+                <a:latin typeface="Arial" panose="020B0604020202020204" pitchFamily="34" charset="0"/>
+                <a:cs typeface="Arial" panose="020B0604020202020204" pitchFamily="34" charset="0"/>
+              </a:rPr>
+              <a:t> do </a:t>
+            </a:r>
+            <a:r>
+              <a:rPr lang="en-US" sz="1000" dirty="0" err="1">
+                <a:latin typeface="Arial" panose="020B0604020202020204" pitchFamily="34" charset="0"/>
+                <a:cs typeface="Arial" panose="020B0604020202020204" pitchFamily="34" charset="0"/>
+              </a:rPr>
+              <a:t>Modelo</a:t>
+            </a:r>
+            <a:r>
+              <a:rPr lang="en-US" sz="1000" dirty="0">
+                <a:latin typeface="Arial" panose="020B0604020202020204" pitchFamily="34" charset="0"/>
+                <a:cs typeface="Arial" panose="020B0604020202020204" pitchFamily="34" charset="0"/>
+              </a:rPr>
+              <a:t> (R)</a:t>
+            </a:r>
+          </a:p>
+        </p:txBody>
+      </p:sp>
+      <p:cxnSp>
+        <p:nvCxnSpPr>
+          <p:cNvPr id="42" name="Conector de Seta Reta 41"/>
+          <p:cNvCxnSpPr>
+            <a:stCxn id="25" idx="2"/>
+            <a:endCxn id="26" idx="0"/>
+          </p:cNvCxnSpPr>
+          <p:nvPr/>
+        </p:nvCxnSpPr>
+        <p:spPr>
+          <a:xfrm>
+            <a:off x="1774245" y="1740897"/>
+            <a:ext cx="0" cy="155890"/>
+          </a:xfrm>
+          <a:prstGeom prst="straightConnector1">
+            <a:avLst/>
+          </a:prstGeom>
+          <a:ln>
+            <a:tailEnd type="triangle"/>
+          </a:ln>
+        </p:spPr>
+        <p:style>
+          <a:lnRef idx="1">
+            <a:schemeClr val="dk1"/>
+          </a:lnRef>
+          <a:fillRef idx="0">
+            <a:schemeClr val="dk1"/>
+          </a:fillRef>
+          <a:effectRef idx="0">
+            <a:schemeClr val="dk1"/>
+          </a:effectRef>
+          <a:fontRef idx="minor">
+            <a:schemeClr val="tx1"/>
+          </a:fontRef>
+        </p:style>
+      </p:cxnSp>
+      <p:cxnSp>
+        <p:nvCxnSpPr>
+          <p:cNvPr id="51" name="Conector de Seta Reta 50"/>
+          <p:cNvCxnSpPr>
+            <a:stCxn id="26" idx="2"/>
+            <a:endCxn id="27" idx="0"/>
+          </p:cNvCxnSpPr>
+          <p:nvPr/>
+        </p:nvCxnSpPr>
+        <p:spPr>
+          <a:xfrm>
+            <a:off x="1774245" y="2138009"/>
+            <a:ext cx="0" cy="155890"/>
+          </a:xfrm>
+          <a:prstGeom prst="straightConnector1">
+            <a:avLst/>
+          </a:prstGeom>
+          <a:ln>
+            <a:tailEnd type="triangle"/>
+          </a:ln>
+        </p:spPr>
+        <p:style>
+          <a:lnRef idx="1">
+            <a:schemeClr val="dk1"/>
+          </a:lnRef>
+          <a:fillRef idx="0">
+            <a:schemeClr val="dk1"/>
+          </a:fillRef>
+          <a:effectRef idx="0">
+            <a:schemeClr val="dk1"/>
+          </a:effectRef>
+          <a:fontRef idx="minor">
+            <a:schemeClr val="tx1"/>
+          </a:fontRef>
+        </p:style>
+      </p:cxnSp>
+      <p:cxnSp>
+        <p:nvCxnSpPr>
+          <p:cNvPr id="56" name="Conector de Seta Reta 55"/>
+          <p:cNvCxnSpPr>
+            <a:stCxn id="27" idx="2"/>
+            <a:endCxn id="28" idx="0"/>
+          </p:cNvCxnSpPr>
+          <p:nvPr/>
+        </p:nvCxnSpPr>
+        <p:spPr>
+          <a:xfrm>
+            <a:off x="1774245" y="2535121"/>
+            <a:ext cx="0" cy="155889"/>
+          </a:xfrm>
+          <a:prstGeom prst="straightConnector1">
+            <a:avLst/>
+          </a:prstGeom>
+          <a:ln>
+            <a:tailEnd type="triangle"/>
+          </a:ln>
+        </p:spPr>
+        <p:style>
+          <a:lnRef idx="1">
+            <a:schemeClr val="dk1"/>
+          </a:lnRef>
+          <a:fillRef idx="0">
+            <a:schemeClr val="dk1"/>
+          </a:fillRef>
+          <a:effectRef idx="0">
+            <a:schemeClr val="dk1"/>
+          </a:effectRef>
+          <a:fontRef idx="minor">
+            <a:schemeClr val="tx1"/>
+          </a:fontRef>
+        </p:style>
+      </p:cxnSp>
+      <p:sp>
+        <p:nvSpPr>
+          <p:cNvPr id="73" name="Retângulo de cantos arredondados 6"/>
+          <p:cNvSpPr/>
+          <p:nvPr/>
+        </p:nvSpPr>
+        <p:spPr>
+          <a:xfrm>
+            <a:off x="628817" y="3528293"/>
+            <a:ext cx="2290856" cy="199357"/>
+          </a:xfrm>
+          <a:prstGeom prst="roundRect">
+            <a:avLst/>
+          </a:prstGeom>
+          <a:gradFill>
+            <a:gsLst>
+              <a:gs pos="0">
+                <a:schemeClr val="accent4"/>
+              </a:gs>
+              <a:gs pos="80000">
+                <a:schemeClr val="accent4"/>
+              </a:gs>
+              <a:gs pos="100000">
+                <a:schemeClr val="accent4"/>
+              </a:gs>
+            </a:gsLst>
+          </a:gradFill>
+          <a:ln/>
+        </p:spPr>
+        <p:style>
+          <a:lnRef idx="1">
+            <a:schemeClr val="accent4"/>
+          </a:lnRef>
+          <a:fillRef idx="3">
+            <a:schemeClr val="accent4"/>
+          </a:fillRef>
+          <a:effectRef idx="2">
+            <a:schemeClr val="accent4"/>
+          </a:effectRef>
+          <a:fontRef idx="minor">
+            <a:schemeClr val="lt1"/>
+          </a:fontRef>
+        </p:style>
+        <p:txBody>
+          <a:bodyPr rtlCol="0" anchor="ctr"/>
+          <a:lstStyle/>
+          <a:p>
+            <a:pPr algn="ctr"/>
+            <a:r>
+              <a:rPr lang="en-US" sz="1000" dirty="0" err="1">
+                <a:latin typeface="Arial" panose="020B0604020202020204" pitchFamily="34" charset="0"/>
+                <a:cs typeface="Arial" panose="020B0604020202020204" pitchFamily="34" charset="0"/>
+              </a:rPr>
+              <a:t>Construção</a:t>
+            </a:r>
+            <a:r>
+              <a:rPr lang="en-US" sz="1000" dirty="0">
+                <a:latin typeface="Arial" panose="020B0604020202020204" pitchFamily="34" charset="0"/>
+                <a:cs typeface="Arial" panose="020B0604020202020204" pitchFamily="34" charset="0"/>
+              </a:rPr>
+              <a:t> do </a:t>
+            </a:r>
+            <a:r>
+              <a:rPr lang="en-US" sz="1000" dirty="0" err="1">
+                <a:latin typeface="Arial" panose="020B0604020202020204" pitchFamily="34" charset="0"/>
+                <a:cs typeface="Arial" panose="020B0604020202020204" pitchFamily="34" charset="0"/>
+              </a:rPr>
+              <a:t>Modelo</a:t>
+            </a:r>
+            <a:endParaRPr lang="en-US" sz="1000" dirty="0">
+              <a:latin typeface="Arial" panose="020B0604020202020204" pitchFamily="34" charset="0"/>
+              <a:cs typeface="Arial" panose="020B0604020202020204" pitchFamily="34" charset="0"/>
+            </a:endParaRPr>
+          </a:p>
+        </p:txBody>
+      </p:sp>
+      <p:sp>
+        <p:nvSpPr>
+          <p:cNvPr id="75" name="Retângulo de cantos arredondados 6"/>
+          <p:cNvSpPr/>
+          <p:nvPr/>
+        </p:nvSpPr>
+        <p:spPr>
+          <a:xfrm>
+            <a:off x="628817" y="3925082"/>
+            <a:ext cx="2290856" cy="199357"/>
+          </a:xfrm>
+          <a:prstGeom prst="roundRect">
+            <a:avLst/>
+          </a:prstGeom>
+          <a:gradFill>
+            <a:gsLst>
+              <a:gs pos="0">
+                <a:schemeClr val="accent4"/>
+              </a:gs>
+              <a:gs pos="80000">
+                <a:schemeClr val="accent4"/>
+              </a:gs>
+              <a:gs pos="100000">
+                <a:schemeClr val="accent4"/>
+              </a:gs>
+            </a:gsLst>
+          </a:gradFill>
+          <a:ln/>
+        </p:spPr>
+        <p:style>
+          <a:lnRef idx="1">
+            <a:schemeClr val="accent4"/>
+          </a:lnRef>
+          <a:fillRef idx="3">
+            <a:schemeClr val="accent4"/>
+          </a:fillRef>
+          <a:effectRef idx="2">
+            <a:schemeClr val="accent4"/>
+          </a:effectRef>
+          <a:fontRef idx="minor">
+            <a:schemeClr val="lt1"/>
+          </a:fontRef>
+        </p:style>
+        <p:txBody>
+          <a:bodyPr rtlCol="0" anchor="ctr"/>
+          <a:lstStyle/>
+          <a:p>
+            <a:pPr algn="ctr"/>
+            <a:r>
+              <a:rPr lang="en-US" sz="1000" dirty="0" err="1">
+                <a:latin typeface="Arial" panose="020B0604020202020204" pitchFamily="34" charset="0"/>
+                <a:cs typeface="Arial" panose="020B0604020202020204" pitchFamily="34" charset="0"/>
+              </a:rPr>
+              <a:t>Definição</a:t>
+            </a:r>
+            <a:r>
+              <a:rPr lang="en-US" sz="1000" dirty="0">
+                <a:latin typeface="Arial" panose="020B0604020202020204" pitchFamily="34" charset="0"/>
+                <a:cs typeface="Arial" panose="020B0604020202020204" pitchFamily="34" charset="0"/>
+              </a:rPr>
+              <a:t> dos </a:t>
+            </a:r>
+            <a:r>
+              <a:rPr lang="en-US" sz="1000" dirty="0" err="1">
+                <a:latin typeface="Arial" panose="020B0604020202020204" pitchFamily="34" charset="0"/>
+                <a:cs typeface="Arial" panose="020B0604020202020204" pitchFamily="34" charset="0"/>
+              </a:rPr>
+              <a:t>Experimentos</a:t>
+            </a:r>
+            <a:endParaRPr lang="en-US" sz="1000" dirty="0">
+              <a:latin typeface="Arial" panose="020B0604020202020204" pitchFamily="34" charset="0"/>
+              <a:cs typeface="Arial" panose="020B0604020202020204" pitchFamily="34" charset="0"/>
+            </a:endParaRPr>
+          </a:p>
+        </p:txBody>
+      </p:sp>
+      <p:sp>
+        <p:nvSpPr>
+          <p:cNvPr id="76" name="Retângulo de cantos arredondados 6"/>
+          <p:cNvSpPr/>
+          <p:nvPr/>
+        </p:nvSpPr>
+        <p:spPr>
+          <a:xfrm>
+            <a:off x="628817" y="4304508"/>
+            <a:ext cx="2290856" cy="199357"/>
+          </a:xfrm>
+          <a:prstGeom prst="roundRect">
+            <a:avLst/>
+          </a:prstGeom>
+          <a:gradFill>
+            <a:gsLst>
+              <a:gs pos="0">
+                <a:schemeClr val="accent4"/>
+              </a:gs>
+              <a:gs pos="80000">
+                <a:schemeClr val="accent4"/>
+              </a:gs>
+              <a:gs pos="100000">
+                <a:schemeClr val="accent4"/>
+              </a:gs>
+            </a:gsLst>
+          </a:gradFill>
+          <a:ln/>
+        </p:spPr>
+        <p:style>
+          <a:lnRef idx="1">
+            <a:schemeClr val="accent4"/>
+          </a:lnRef>
+          <a:fillRef idx="3">
+            <a:schemeClr val="accent4"/>
+          </a:fillRef>
+          <a:effectRef idx="2">
+            <a:schemeClr val="accent4"/>
+          </a:effectRef>
+          <a:fontRef idx="minor">
+            <a:schemeClr val="lt1"/>
+          </a:fontRef>
+        </p:style>
+        <p:txBody>
+          <a:bodyPr rtlCol="0" anchor="ctr"/>
+          <a:lstStyle/>
+          <a:p>
+            <a:pPr algn="ctr"/>
+            <a:r>
+              <a:rPr lang="en-US" sz="1000" dirty="0" err="1">
+                <a:latin typeface="Arial" panose="020B0604020202020204" pitchFamily="34" charset="0"/>
+                <a:cs typeface="Arial" panose="020B0604020202020204" pitchFamily="34" charset="0"/>
+              </a:rPr>
+              <a:t>Geração</a:t>
+            </a:r>
+            <a:r>
+              <a:rPr lang="en-US" sz="1000" dirty="0">
+                <a:latin typeface="Arial" panose="020B0604020202020204" pitchFamily="34" charset="0"/>
+                <a:cs typeface="Arial" panose="020B0604020202020204" pitchFamily="34" charset="0"/>
+              </a:rPr>
+              <a:t> dos </a:t>
+            </a:r>
+            <a:r>
+              <a:rPr lang="en-US" sz="1000" dirty="0" err="1">
+                <a:latin typeface="Arial" panose="020B0604020202020204" pitchFamily="34" charset="0"/>
+                <a:cs typeface="Arial" panose="020B0604020202020204" pitchFamily="34" charset="0"/>
+              </a:rPr>
+              <a:t>Casos</a:t>
+            </a:r>
+            <a:endParaRPr lang="en-US" sz="1000" dirty="0">
+              <a:latin typeface="Arial" panose="020B0604020202020204" pitchFamily="34" charset="0"/>
+              <a:cs typeface="Arial" panose="020B0604020202020204" pitchFamily="34" charset="0"/>
+            </a:endParaRPr>
+          </a:p>
+        </p:txBody>
+      </p:sp>
+      <p:cxnSp>
+        <p:nvCxnSpPr>
+          <p:cNvPr id="78" name="Conector de Seta Reta 77"/>
+          <p:cNvCxnSpPr>
+            <a:stCxn id="73" idx="2"/>
+            <a:endCxn id="75" idx="0"/>
+          </p:cNvCxnSpPr>
+          <p:nvPr/>
+        </p:nvCxnSpPr>
+        <p:spPr>
+          <a:xfrm>
+            <a:off x="1774245" y="3727650"/>
+            <a:ext cx="0" cy="197432"/>
+          </a:xfrm>
+          <a:prstGeom prst="straightConnector1">
+            <a:avLst/>
+          </a:prstGeom>
+          <a:ln>
+            <a:tailEnd type="triangle"/>
+          </a:ln>
+        </p:spPr>
+        <p:style>
+          <a:lnRef idx="1">
+            <a:schemeClr val="dk1"/>
+          </a:lnRef>
+          <a:fillRef idx="0">
+            <a:schemeClr val="dk1"/>
+          </a:fillRef>
+          <a:effectRef idx="0">
+            <a:schemeClr val="dk1"/>
+          </a:effectRef>
+          <a:fontRef idx="minor">
+            <a:schemeClr val="tx1"/>
+          </a:fontRef>
+        </p:style>
+      </p:cxnSp>
+      <p:cxnSp>
+        <p:nvCxnSpPr>
+          <p:cNvPr id="88" name="Conector de Seta Reta 87"/>
+          <p:cNvCxnSpPr>
+            <a:stCxn id="75" idx="2"/>
+            <a:endCxn id="76" idx="0"/>
+          </p:cNvCxnSpPr>
+          <p:nvPr/>
+        </p:nvCxnSpPr>
+        <p:spPr>
+          <a:xfrm>
+            <a:off x="1774245" y="4124439"/>
+            <a:ext cx="0" cy="180069"/>
+          </a:xfrm>
+          <a:prstGeom prst="straightConnector1">
+            <a:avLst/>
+          </a:prstGeom>
+          <a:ln>
+            <a:tailEnd type="triangle"/>
+          </a:ln>
+        </p:spPr>
+        <p:style>
+          <a:lnRef idx="1">
+            <a:schemeClr val="dk1"/>
+          </a:lnRef>
+          <a:fillRef idx="0">
+            <a:schemeClr val="dk1"/>
+          </a:fillRef>
+          <a:effectRef idx="0">
+            <a:schemeClr val="dk1"/>
+          </a:effectRef>
+          <a:fontRef idx="minor">
+            <a:schemeClr val="tx1"/>
+          </a:fontRef>
+        </p:style>
+      </p:cxnSp>
+      <p:sp>
+        <p:nvSpPr>
+          <p:cNvPr id="104" name="Retângulo de cantos arredondados 6"/>
+          <p:cNvSpPr/>
+          <p:nvPr/>
+        </p:nvSpPr>
+        <p:spPr>
+          <a:xfrm>
+            <a:off x="468814" y="6033885"/>
+            <a:ext cx="2610862" cy="267034"/>
+          </a:xfrm>
+          <a:prstGeom prst="roundRect">
+            <a:avLst/>
+          </a:prstGeom>
+          <a:gradFill>
+            <a:gsLst>
+              <a:gs pos="0">
+                <a:schemeClr val="accent4"/>
+              </a:gs>
+              <a:gs pos="80000">
+                <a:schemeClr val="accent4"/>
+              </a:gs>
+              <a:gs pos="100000">
+                <a:schemeClr val="accent4"/>
+              </a:gs>
+            </a:gsLst>
+          </a:gradFill>
+          <a:ln/>
+        </p:spPr>
+        <p:style>
+          <a:lnRef idx="1">
+            <a:schemeClr val="accent4"/>
+          </a:lnRef>
+          <a:fillRef idx="3">
+            <a:schemeClr val="accent4"/>
+          </a:fillRef>
+          <a:effectRef idx="2">
+            <a:schemeClr val="accent4"/>
+          </a:effectRef>
+          <a:fontRef idx="minor">
+            <a:schemeClr val="lt1"/>
+          </a:fontRef>
+        </p:style>
+        <p:txBody>
+          <a:bodyPr rtlCol="0" anchor="t"/>
+          <a:lstStyle/>
+          <a:p>
+            <a:pPr algn="ctr"/>
+            <a:r>
+              <a:rPr lang="en-US" sz="1000" dirty="0" err="1">
+                <a:latin typeface="Arial" panose="020B0604020202020204" pitchFamily="34" charset="0"/>
+                <a:cs typeface="Arial" panose="020B0604020202020204" pitchFamily="34" charset="0"/>
+              </a:rPr>
+              <a:t>Definição</a:t>
+            </a:r>
+            <a:r>
+              <a:rPr lang="en-US" sz="1000" dirty="0">
+                <a:latin typeface="Arial" panose="020B0604020202020204" pitchFamily="34" charset="0"/>
+                <a:cs typeface="Arial" panose="020B0604020202020204" pitchFamily="34" charset="0"/>
+              </a:rPr>
+              <a:t> de </a:t>
+            </a:r>
+            <a:r>
+              <a:rPr lang="en-US" sz="1000" dirty="0" err="1">
+                <a:latin typeface="Arial" panose="020B0604020202020204" pitchFamily="34" charset="0"/>
+                <a:cs typeface="Arial" panose="020B0604020202020204" pitchFamily="34" charset="0"/>
+              </a:rPr>
+              <a:t>Critérios</a:t>
+            </a:r>
+            <a:r>
+              <a:rPr lang="en-US" sz="1000" dirty="0">
+                <a:latin typeface="Arial" panose="020B0604020202020204" pitchFamily="34" charset="0"/>
+                <a:cs typeface="Arial" panose="020B0604020202020204" pitchFamily="34" charset="0"/>
+              </a:rPr>
+              <a:t> de </a:t>
+            </a:r>
+            <a:r>
+              <a:rPr lang="en-US" sz="1000" dirty="0" err="1">
+                <a:latin typeface="Arial" panose="020B0604020202020204" pitchFamily="34" charset="0"/>
+                <a:cs typeface="Arial" panose="020B0604020202020204" pitchFamily="34" charset="0"/>
+              </a:rPr>
+              <a:t>Vulnerabilidade</a:t>
+            </a:r>
+            <a:endParaRPr lang="en-US" sz="1000" dirty="0">
+              <a:latin typeface="Arial" panose="020B0604020202020204" pitchFamily="34" charset="0"/>
+              <a:cs typeface="Arial" panose="020B0604020202020204" pitchFamily="34" charset="0"/>
+            </a:endParaRPr>
+          </a:p>
+        </p:txBody>
+      </p:sp>
+      <p:sp>
+        <p:nvSpPr>
+          <p:cNvPr id="105" name="Retângulo de cantos arredondados 6"/>
+          <p:cNvSpPr/>
+          <p:nvPr/>
+        </p:nvSpPr>
+        <p:spPr>
+          <a:xfrm>
+            <a:off x="468814" y="6479086"/>
+            <a:ext cx="2610862" cy="417582"/>
+          </a:xfrm>
+          <a:prstGeom prst="roundRect">
+            <a:avLst/>
+          </a:prstGeom>
+          <a:gradFill>
+            <a:gsLst>
+              <a:gs pos="0">
+                <a:schemeClr val="accent4"/>
+              </a:gs>
+              <a:gs pos="80000">
+                <a:schemeClr val="accent4"/>
+              </a:gs>
+              <a:gs pos="100000">
+                <a:schemeClr val="accent4"/>
+              </a:gs>
+            </a:gsLst>
+          </a:gradFill>
+          <a:ln/>
+        </p:spPr>
+        <p:style>
+          <a:lnRef idx="1">
+            <a:schemeClr val="accent4"/>
+          </a:lnRef>
+          <a:fillRef idx="3">
+            <a:schemeClr val="accent4"/>
+          </a:fillRef>
+          <a:effectRef idx="2">
+            <a:schemeClr val="accent4"/>
+          </a:effectRef>
+          <a:fontRef idx="minor">
+            <a:schemeClr val="lt1"/>
+          </a:fontRef>
+        </p:style>
+        <p:txBody>
+          <a:bodyPr rtlCol="0" anchor="t"/>
+          <a:lstStyle/>
+          <a:p>
+            <a:pPr algn="ctr"/>
+            <a:r>
+              <a:rPr lang="en-US" sz="1000" dirty="0" err="1">
+                <a:latin typeface="Arial" panose="020B0604020202020204" pitchFamily="34" charset="0"/>
+                <a:cs typeface="Arial" panose="020B0604020202020204" pitchFamily="34" charset="0"/>
+              </a:rPr>
+              <a:t>Identificação</a:t>
+            </a:r>
+            <a:r>
+              <a:rPr lang="en-US" sz="1000" dirty="0">
+                <a:latin typeface="Arial" panose="020B0604020202020204" pitchFamily="34" charset="0"/>
+                <a:cs typeface="Arial" panose="020B0604020202020204" pitchFamily="34" charset="0"/>
+              </a:rPr>
+              <a:t> dos </a:t>
+            </a:r>
+            <a:r>
+              <a:rPr lang="en-US" sz="1000" dirty="0" err="1">
+                <a:latin typeface="Arial" panose="020B0604020202020204" pitchFamily="34" charset="0"/>
+                <a:cs typeface="Arial" panose="020B0604020202020204" pitchFamily="34" charset="0"/>
+              </a:rPr>
+              <a:t>Cenários</a:t>
+            </a:r>
+            <a:r>
+              <a:rPr lang="en-US" sz="1000" dirty="0">
+                <a:latin typeface="Arial" panose="020B0604020202020204" pitchFamily="34" charset="0"/>
+                <a:cs typeface="Arial" panose="020B0604020202020204" pitchFamily="34" charset="0"/>
+              </a:rPr>
+              <a:t> de </a:t>
+            </a:r>
+            <a:r>
+              <a:rPr lang="en-US" sz="1000" dirty="0" err="1">
+                <a:latin typeface="Arial" panose="020B0604020202020204" pitchFamily="34" charset="0"/>
+                <a:cs typeface="Arial" panose="020B0604020202020204" pitchFamily="34" charset="0"/>
+              </a:rPr>
+              <a:t>Vulnerabilidade</a:t>
+            </a:r>
+            <a:r>
+              <a:rPr lang="en-US" sz="1000" dirty="0">
+                <a:latin typeface="Arial" panose="020B0604020202020204" pitchFamily="34" charset="0"/>
+                <a:cs typeface="Arial" panose="020B0604020202020204" pitchFamily="34" charset="0"/>
+              </a:rPr>
+              <a:t>.</a:t>
+            </a:r>
+          </a:p>
+        </p:txBody>
+      </p:sp>
+      <p:cxnSp>
+        <p:nvCxnSpPr>
+          <p:cNvPr id="106" name="Conector de Seta Reta 105"/>
+          <p:cNvCxnSpPr>
+            <a:stCxn id="104" idx="2"/>
+            <a:endCxn id="105" idx="0"/>
+          </p:cNvCxnSpPr>
+          <p:nvPr/>
+        </p:nvCxnSpPr>
+        <p:spPr>
+          <a:xfrm>
+            <a:off x="1774245" y="6300919"/>
+            <a:ext cx="0" cy="178167"/>
+          </a:xfrm>
+          <a:prstGeom prst="straightConnector1">
+            <a:avLst/>
+          </a:prstGeom>
+          <a:ln>
+            <a:tailEnd type="triangle"/>
+          </a:ln>
+        </p:spPr>
+        <p:style>
+          <a:lnRef idx="1">
+            <a:schemeClr val="dk1"/>
+          </a:lnRef>
+          <a:fillRef idx="0">
+            <a:schemeClr val="dk1"/>
+          </a:fillRef>
+          <a:effectRef idx="0">
+            <a:schemeClr val="dk1"/>
+          </a:effectRef>
+          <a:fontRef idx="minor">
+            <a:schemeClr val="tx1"/>
+          </a:fontRef>
+        </p:style>
+      </p:cxnSp>
+      <p:sp>
+        <p:nvSpPr>
+          <p:cNvPr id="113" name="Retângulo de cantos arredondados 6"/>
+          <p:cNvSpPr/>
+          <p:nvPr/>
+        </p:nvSpPr>
+        <p:spPr>
+          <a:xfrm>
+            <a:off x="468814" y="7491551"/>
+            <a:ext cx="2610862" cy="285214"/>
+          </a:xfrm>
+          <a:prstGeom prst="roundRect">
+            <a:avLst/>
+          </a:prstGeom>
+          <a:gradFill>
+            <a:gsLst>
+              <a:gs pos="0">
+                <a:schemeClr val="accent4"/>
+              </a:gs>
+              <a:gs pos="80000">
+                <a:schemeClr val="accent4"/>
+              </a:gs>
+              <a:gs pos="100000">
+                <a:schemeClr val="accent4"/>
+              </a:gs>
+            </a:gsLst>
+          </a:gradFill>
+          <a:ln/>
+        </p:spPr>
+        <p:style>
+          <a:lnRef idx="1">
+            <a:schemeClr val="accent4"/>
+          </a:lnRef>
+          <a:fillRef idx="3">
+            <a:schemeClr val="accent4"/>
+          </a:fillRef>
+          <a:effectRef idx="2">
+            <a:schemeClr val="accent4"/>
+          </a:effectRef>
+          <a:fontRef idx="minor">
+            <a:schemeClr val="lt1"/>
+          </a:fontRef>
+        </p:style>
+        <p:txBody>
+          <a:bodyPr rtlCol="0" anchor="t"/>
+          <a:lstStyle/>
+          <a:p>
+            <a:pPr algn="ctr"/>
+            <a:r>
+              <a:rPr lang="en-US" sz="1000" dirty="0" err="1">
+                <a:latin typeface="Arial" panose="020B0604020202020204" pitchFamily="34" charset="0"/>
+                <a:cs typeface="Arial" panose="020B0604020202020204" pitchFamily="34" charset="0"/>
+              </a:rPr>
+              <a:t>Identificação</a:t>
+            </a:r>
+            <a:r>
+              <a:rPr lang="en-US" sz="1000" dirty="0">
+                <a:latin typeface="Arial" panose="020B0604020202020204" pitchFamily="34" charset="0"/>
+                <a:cs typeface="Arial" panose="020B0604020202020204" pitchFamily="34" charset="0"/>
+              </a:rPr>
+              <a:t> da </a:t>
+            </a:r>
+            <a:r>
+              <a:rPr lang="en-US" sz="1000" dirty="0" err="1">
+                <a:latin typeface="Arial" panose="020B0604020202020204" pitchFamily="34" charset="0"/>
+                <a:cs typeface="Arial" panose="020B0604020202020204" pitchFamily="34" charset="0"/>
+              </a:rPr>
+              <a:t>Fronteira</a:t>
+            </a:r>
+            <a:r>
+              <a:rPr lang="en-US" sz="1000" dirty="0">
+                <a:latin typeface="Arial" panose="020B0604020202020204" pitchFamily="34" charset="0"/>
+                <a:cs typeface="Arial" panose="020B0604020202020204" pitchFamily="34" charset="0"/>
+              </a:rPr>
+              <a:t> de Tradeoff</a:t>
+            </a:r>
+          </a:p>
+        </p:txBody>
+      </p:sp>
+      <p:sp>
+        <p:nvSpPr>
+          <p:cNvPr id="114" name="Retângulo de cantos arredondados 6"/>
+          <p:cNvSpPr/>
+          <p:nvPr/>
+        </p:nvSpPr>
+        <p:spPr>
+          <a:xfrm>
+            <a:off x="468814" y="7946711"/>
+            <a:ext cx="2610862" cy="259285"/>
+          </a:xfrm>
+          <a:prstGeom prst="roundRect">
+            <a:avLst/>
+          </a:prstGeom>
+          <a:gradFill>
+            <a:gsLst>
+              <a:gs pos="0">
+                <a:schemeClr val="accent4"/>
+              </a:gs>
+              <a:gs pos="80000">
+                <a:schemeClr val="accent4"/>
+              </a:gs>
+              <a:gs pos="100000">
+                <a:schemeClr val="accent4"/>
+              </a:gs>
+            </a:gsLst>
+          </a:gradFill>
+          <a:ln/>
+        </p:spPr>
+        <p:style>
+          <a:lnRef idx="1">
+            <a:schemeClr val="accent4"/>
+          </a:lnRef>
+          <a:fillRef idx="3">
+            <a:schemeClr val="accent4"/>
+          </a:fillRef>
+          <a:effectRef idx="2">
+            <a:schemeClr val="accent4"/>
+          </a:effectRef>
+          <a:fontRef idx="minor">
+            <a:schemeClr val="lt1"/>
+          </a:fontRef>
+        </p:style>
+        <p:txBody>
+          <a:bodyPr rtlCol="0" anchor="t"/>
+          <a:lstStyle/>
+          <a:p>
+            <a:pPr algn="ctr"/>
+            <a:r>
+              <a:rPr lang="en-US" sz="1000" dirty="0" err="1">
+                <a:latin typeface="Arial" panose="020B0604020202020204" pitchFamily="34" charset="0"/>
+                <a:cs typeface="Arial" panose="020B0604020202020204" pitchFamily="34" charset="0"/>
+              </a:rPr>
+              <a:t>Avaliação</a:t>
+            </a:r>
+            <a:r>
+              <a:rPr lang="en-US" sz="1000" dirty="0">
+                <a:latin typeface="Arial" panose="020B0604020202020204" pitchFamily="34" charset="0"/>
+                <a:cs typeface="Arial" panose="020B0604020202020204" pitchFamily="34" charset="0"/>
+              </a:rPr>
+              <a:t> da </a:t>
+            </a:r>
+            <a:r>
+              <a:rPr lang="en-US" sz="1000" dirty="0" err="1">
+                <a:latin typeface="Arial" panose="020B0604020202020204" pitchFamily="34" charset="0"/>
+                <a:cs typeface="Arial" panose="020B0604020202020204" pitchFamily="34" charset="0"/>
+              </a:rPr>
+              <a:t>Robustez</a:t>
+            </a:r>
+            <a:r>
+              <a:rPr lang="en-US" sz="1000" dirty="0">
+                <a:latin typeface="Arial" panose="020B0604020202020204" pitchFamily="34" charset="0"/>
+                <a:cs typeface="Arial" panose="020B0604020202020204" pitchFamily="34" charset="0"/>
+              </a:rPr>
+              <a:t> de </a:t>
+            </a:r>
+            <a:r>
+              <a:rPr lang="en-US" sz="1000" dirty="0" err="1">
+                <a:latin typeface="Arial" panose="020B0604020202020204" pitchFamily="34" charset="0"/>
+                <a:cs typeface="Arial" panose="020B0604020202020204" pitchFamily="34" charset="0"/>
+              </a:rPr>
+              <a:t>Estratégias</a:t>
+            </a:r>
+            <a:endParaRPr lang="en-US" sz="1000" dirty="0">
+              <a:latin typeface="Arial" panose="020B0604020202020204" pitchFamily="34" charset="0"/>
+              <a:cs typeface="Arial" panose="020B0604020202020204" pitchFamily="34" charset="0"/>
+            </a:endParaRPr>
+          </a:p>
+        </p:txBody>
+      </p:sp>
+      <p:sp>
+        <p:nvSpPr>
+          <p:cNvPr id="117" name="Retângulo de cantos arredondados 6"/>
+          <p:cNvSpPr/>
+          <p:nvPr/>
+        </p:nvSpPr>
+        <p:spPr>
+          <a:xfrm>
+            <a:off x="468814" y="5573290"/>
+            <a:ext cx="2610862" cy="282428"/>
+          </a:xfrm>
+          <a:prstGeom prst="roundRect">
+            <a:avLst/>
+          </a:prstGeom>
+          <a:gradFill>
+            <a:gsLst>
+              <a:gs pos="0">
+                <a:schemeClr val="accent4"/>
+              </a:gs>
+              <a:gs pos="80000">
+                <a:schemeClr val="accent4"/>
+              </a:gs>
+              <a:gs pos="100000">
+                <a:schemeClr val="accent4"/>
+              </a:gs>
+            </a:gsLst>
+          </a:gradFill>
+          <a:ln/>
+        </p:spPr>
+        <p:style>
+          <a:lnRef idx="1">
+            <a:schemeClr val="accent4"/>
+          </a:lnRef>
+          <a:fillRef idx="3">
+            <a:schemeClr val="accent4"/>
+          </a:fillRef>
+          <a:effectRef idx="2">
+            <a:schemeClr val="accent4"/>
+          </a:effectRef>
+          <a:fontRef idx="minor">
+            <a:schemeClr val="lt1"/>
+          </a:fontRef>
+        </p:style>
+        <p:txBody>
+          <a:bodyPr rtlCol="0" anchor="t"/>
+          <a:lstStyle/>
+          <a:p>
+            <a:pPr algn="ctr"/>
+            <a:r>
+              <a:rPr lang="en-US" sz="1000" dirty="0" err="1">
+                <a:latin typeface="Arial" panose="020B0604020202020204" pitchFamily="34" charset="0"/>
+                <a:cs typeface="Arial" panose="020B0604020202020204" pitchFamily="34" charset="0"/>
+              </a:rPr>
+              <a:t>Identificação</a:t>
+            </a:r>
+            <a:r>
+              <a:rPr lang="en-US" sz="1000" dirty="0">
+                <a:latin typeface="Arial" panose="020B0604020202020204" pitchFamily="34" charset="0"/>
+                <a:cs typeface="Arial" panose="020B0604020202020204" pitchFamily="34" charset="0"/>
+              </a:rPr>
+              <a:t> das </a:t>
+            </a:r>
+            <a:r>
+              <a:rPr lang="en-US" sz="1000" dirty="0" err="1">
+                <a:latin typeface="Arial" panose="020B0604020202020204" pitchFamily="34" charset="0"/>
+                <a:cs typeface="Arial" panose="020B0604020202020204" pitchFamily="34" charset="0"/>
+              </a:rPr>
+              <a:t>Estratégias</a:t>
+            </a:r>
+            <a:r>
+              <a:rPr lang="en-US" sz="1000" dirty="0">
+                <a:latin typeface="Arial" panose="020B0604020202020204" pitchFamily="34" charset="0"/>
+                <a:cs typeface="Arial" panose="020B0604020202020204" pitchFamily="34" charset="0"/>
+              </a:rPr>
+              <a:t> para </a:t>
+            </a:r>
+            <a:r>
+              <a:rPr lang="en-US" sz="1000" dirty="0" err="1">
+                <a:latin typeface="Arial" panose="020B0604020202020204" pitchFamily="34" charset="0"/>
+                <a:cs typeface="Arial" panose="020B0604020202020204" pitchFamily="34" charset="0"/>
+              </a:rPr>
+              <a:t>Análise</a:t>
+            </a:r>
+            <a:endParaRPr lang="en-US" sz="1000" dirty="0">
+              <a:latin typeface="Arial" panose="020B0604020202020204" pitchFamily="34" charset="0"/>
+              <a:cs typeface="Arial" panose="020B0604020202020204" pitchFamily="34" charset="0"/>
+            </a:endParaRPr>
+          </a:p>
+        </p:txBody>
+      </p:sp>
+      <p:cxnSp>
+        <p:nvCxnSpPr>
+          <p:cNvPr id="119" name="Conector de Seta Reta 118"/>
+          <p:cNvCxnSpPr>
+            <a:stCxn id="117" idx="2"/>
+            <a:endCxn id="104" idx="0"/>
+          </p:cNvCxnSpPr>
+          <p:nvPr/>
+        </p:nvCxnSpPr>
+        <p:spPr>
+          <a:xfrm>
+            <a:off x="1774245" y="5855718"/>
+            <a:ext cx="0" cy="178167"/>
+          </a:xfrm>
+          <a:prstGeom prst="straightConnector1">
+            <a:avLst/>
+          </a:prstGeom>
+          <a:ln>
+            <a:tailEnd type="triangle"/>
+          </a:ln>
+        </p:spPr>
+        <p:style>
+          <a:lnRef idx="1">
+            <a:schemeClr val="dk1"/>
+          </a:lnRef>
+          <a:fillRef idx="0">
+            <a:schemeClr val="dk1"/>
+          </a:fillRef>
+          <a:effectRef idx="0">
+            <a:schemeClr val="dk1"/>
+          </a:effectRef>
+          <a:fontRef idx="minor">
+            <a:schemeClr val="tx1"/>
+          </a:fontRef>
+        </p:style>
+      </p:cxnSp>
+      <p:cxnSp>
+        <p:nvCxnSpPr>
+          <p:cNvPr id="125" name="Conector de Seta Reta 124"/>
+          <p:cNvCxnSpPr>
+            <a:stCxn id="113" idx="2"/>
+            <a:endCxn id="114" idx="0"/>
+          </p:cNvCxnSpPr>
+          <p:nvPr/>
+        </p:nvCxnSpPr>
+        <p:spPr>
+          <a:xfrm>
+            <a:off x="1774245" y="7776765"/>
+            <a:ext cx="0" cy="169946"/>
+          </a:xfrm>
+          <a:prstGeom prst="straightConnector1">
+            <a:avLst/>
+          </a:prstGeom>
+          <a:ln>
+            <a:tailEnd type="triangle"/>
+          </a:ln>
+        </p:spPr>
+        <p:style>
+          <a:lnRef idx="1">
+            <a:schemeClr val="dk1"/>
+          </a:lnRef>
+          <a:fillRef idx="0">
+            <a:schemeClr val="dk1"/>
+          </a:fillRef>
+          <a:effectRef idx="0">
+            <a:schemeClr val="dk1"/>
+          </a:effectRef>
+          <a:fontRef idx="minor">
+            <a:schemeClr val="tx1"/>
+          </a:fontRef>
+        </p:style>
+      </p:cxnSp>
+      <p:cxnSp>
+        <p:nvCxnSpPr>
+          <p:cNvPr id="69" name="Conector de Seta Reta 68"/>
+          <p:cNvCxnSpPr>
+            <a:stCxn id="57" idx="2"/>
+            <a:endCxn id="38" idx="0"/>
+          </p:cNvCxnSpPr>
+          <p:nvPr/>
+        </p:nvCxnSpPr>
+        <p:spPr>
+          <a:xfrm>
+            <a:off x="1774245" y="4914464"/>
+            <a:ext cx="0" cy="317904"/>
+          </a:xfrm>
+          <a:prstGeom prst="straightConnector1">
+            <a:avLst/>
+          </a:prstGeom>
+          <a:ln>
+            <a:tailEnd type="triangle"/>
+          </a:ln>
+        </p:spPr>
+        <p:style>
+          <a:lnRef idx="1">
+            <a:schemeClr val="dk1"/>
+          </a:lnRef>
+          <a:fillRef idx="0">
+            <a:schemeClr val="dk1"/>
+          </a:fillRef>
+          <a:effectRef idx="0">
+            <a:schemeClr val="dk1"/>
+          </a:effectRef>
+          <a:fontRef idx="minor">
+            <a:schemeClr val="tx1"/>
+          </a:fontRef>
+        </p:style>
+      </p:cxnSp>
+      <p:cxnSp>
+        <p:nvCxnSpPr>
+          <p:cNvPr id="80" name="Conector de Seta Reta 79"/>
+          <p:cNvCxnSpPr>
+            <a:stCxn id="105" idx="2"/>
+            <a:endCxn id="41" idx="0"/>
+          </p:cNvCxnSpPr>
+          <p:nvPr/>
+        </p:nvCxnSpPr>
+        <p:spPr>
+          <a:xfrm>
+            <a:off x="1774245" y="6896668"/>
+            <a:ext cx="0" cy="217743"/>
+          </a:xfrm>
+          <a:prstGeom prst="straightConnector1">
+            <a:avLst/>
+          </a:prstGeom>
+          <a:ln>
+            <a:tailEnd type="triangle"/>
+          </a:ln>
+        </p:spPr>
+        <p:style>
+          <a:lnRef idx="1">
+            <a:schemeClr val="dk1"/>
+          </a:lnRef>
+          <a:fillRef idx="0">
+            <a:schemeClr val="dk1"/>
+          </a:fillRef>
+          <a:effectRef idx="0">
+            <a:schemeClr val="dk1"/>
+          </a:effectRef>
+          <a:fontRef idx="minor">
+            <a:schemeClr val="tx1"/>
+          </a:fontRef>
+        </p:style>
+      </p:cxnSp>
+      <p:cxnSp>
+        <p:nvCxnSpPr>
+          <p:cNvPr id="67" name="Conector: Angulado 66"/>
+          <p:cNvCxnSpPr>
+            <a:stCxn id="105" idx="1"/>
+            <a:endCxn id="36" idx="1"/>
+          </p:cNvCxnSpPr>
+          <p:nvPr/>
+        </p:nvCxnSpPr>
+        <p:spPr>
+          <a:xfrm rot="10800000">
+            <a:off x="359446" y="2097013"/>
+            <a:ext cx="109369" cy="4590864"/>
+          </a:xfrm>
+          <a:prstGeom prst="bentConnector3">
+            <a:avLst>
+              <a:gd name="adj1" fmla="val 217254"/>
+            </a:avLst>
+          </a:prstGeom>
+          <a:ln>
+            <a:tailEnd type="triangle"/>
+          </a:ln>
+        </p:spPr>
+        <p:style>
+          <a:lnRef idx="1">
+            <a:schemeClr val="dk1"/>
+          </a:lnRef>
+          <a:fillRef idx="0">
+            <a:schemeClr val="dk1"/>
+          </a:fillRef>
+          <a:effectRef idx="0">
+            <a:schemeClr val="dk1"/>
+          </a:effectRef>
+          <a:fontRef idx="minor">
+            <a:schemeClr val="tx1"/>
+          </a:fontRef>
+        </p:style>
+      </p:cxnSp>
+      <p:cxnSp>
+        <p:nvCxnSpPr>
+          <p:cNvPr id="86" name="Conector: Angulado 85"/>
+          <p:cNvCxnSpPr>
+            <a:stCxn id="114" idx="1"/>
+            <a:endCxn id="36" idx="1"/>
+          </p:cNvCxnSpPr>
+          <p:nvPr/>
+        </p:nvCxnSpPr>
+        <p:spPr>
+          <a:xfrm rot="10800000">
+            <a:off x="359446" y="2097014"/>
+            <a:ext cx="109369" cy="5979341"/>
+          </a:xfrm>
+          <a:prstGeom prst="bentConnector3">
+            <a:avLst>
+              <a:gd name="adj1" fmla="val 309017"/>
+            </a:avLst>
+          </a:prstGeom>
+          <a:ln>
+            <a:tailEnd type="triangle"/>
+          </a:ln>
+        </p:spPr>
+        <p:style>
+          <a:lnRef idx="1">
+            <a:schemeClr val="dk1"/>
+          </a:lnRef>
+          <a:fillRef idx="0">
+            <a:schemeClr val="dk1"/>
+          </a:fillRef>
+          <a:effectRef idx="0">
+            <a:schemeClr val="dk1"/>
+          </a:effectRef>
+          <a:fontRef idx="minor">
+            <a:schemeClr val="tx1"/>
+          </a:fontRef>
+        </p:style>
+      </p:cxnSp>
+      <p:sp>
+        <p:nvSpPr>
+          <p:cNvPr id="93" name="Retângulo de cantos arredondados 6"/>
+          <p:cNvSpPr/>
+          <p:nvPr/>
+        </p:nvSpPr>
+        <p:spPr>
+          <a:xfrm>
+            <a:off x="359445" y="862194"/>
+            <a:ext cx="2829600" cy="242881"/>
+          </a:xfrm>
+          <a:prstGeom prst="roundRect">
+            <a:avLst/>
+          </a:prstGeom>
+          <a:ln/>
+        </p:spPr>
+        <p:style>
+          <a:lnRef idx="1">
+            <a:schemeClr val="accent4"/>
+          </a:lnRef>
+          <a:fillRef idx="3">
+            <a:schemeClr val="accent4"/>
+          </a:fillRef>
+          <a:effectRef idx="2">
+            <a:schemeClr val="accent4"/>
+          </a:effectRef>
+          <a:fontRef idx="minor">
+            <a:schemeClr val="lt1"/>
+          </a:fontRef>
+        </p:style>
+        <p:txBody>
+          <a:bodyPr rtlCol="0" anchor="t"/>
+          <a:lstStyle/>
+          <a:p>
+            <a:pPr algn="ctr"/>
+            <a:r>
+              <a:rPr lang="en-US" sz="1000" b="1" dirty="0" err="1">
+                <a:latin typeface="Arial" panose="020B0604020202020204" pitchFamily="34" charset="0"/>
+                <a:cs typeface="Arial" panose="020B0604020202020204" pitchFamily="34" charset="0"/>
+              </a:rPr>
+              <a:t>Etapas</a:t>
+            </a:r>
+            <a:r>
+              <a:rPr lang="en-US" sz="1000" b="1" dirty="0">
+                <a:latin typeface="Arial" panose="020B0604020202020204" pitchFamily="34" charset="0"/>
+                <a:cs typeface="Arial" panose="020B0604020202020204" pitchFamily="34" charset="0"/>
+              </a:rPr>
+              <a:t> do RDM</a:t>
+            </a:r>
+          </a:p>
+        </p:txBody>
+      </p:sp>
+      <p:sp>
+        <p:nvSpPr>
+          <p:cNvPr id="94" name="Retângulo de cantos arredondados 6"/>
+          <p:cNvSpPr/>
+          <p:nvPr/>
+        </p:nvSpPr>
+        <p:spPr>
+          <a:xfrm>
+            <a:off x="3357372" y="862194"/>
+            <a:ext cx="2160240" cy="242881"/>
+          </a:xfrm>
+          <a:prstGeom prst="roundRect">
+            <a:avLst/>
+          </a:prstGeom>
+          <a:ln>
+            <a:noFill/>
+          </a:ln>
+        </p:spPr>
+        <p:style>
+          <a:lnRef idx="1">
+            <a:schemeClr val="dk1"/>
+          </a:lnRef>
+          <a:fillRef idx="2">
+            <a:schemeClr val="dk1"/>
+          </a:fillRef>
+          <a:effectRef idx="1">
+            <a:schemeClr val="dk1"/>
+          </a:effectRef>
+          <a:fontRef idx="minor">
+            <a:schemeClr val="dk1"/>
+          </a:fontRef>
+        </p:style>
+        <p:txBody>
+          <a:bodyPr rtlCol="0" anchor="ctr"/>
+          <a:lstStyle/>
+          <a:p>
+            <a:pPr algn="ctr"/>
+            <a:r>
+              <a:rPr lang="pt-BR" sz="1100" b="1" dirty="0">
+                <a:latin typeface="Arial" panose="020B0604020202020204" pitchFamily="34" charset="0"/>
+                <a:cs typeface="Arial" panose="020B0604020202020204" pitchFamily="34" charset="0"/>
+              </a:rPr>
+              <a:t>Etapas do Método de Modelagem</a:t>
+            </a:r>
+          </a:p>
+        </p:txBody>
+      </p:sp>
+      <p:sp>
+        <p:nvSpPr>
+          <p:cNvPr id="95" name="Retângulo de cantos arredondados 6"/>
+          <p:cNvSpPr/>
+          <p:nvPr/>
+        </p:nvSpPr>
+        <p:spPr>
+          <a:xfrm>
+            <a:off x="3671813" y="1284228"/>
+            <a:ext cx="1785323" cy="351720"/>
+          </a:xfrm>
+          <a:prstGeom prst="roundRect">
+            <a:avLst/>
+          </a:prstGeom>
+          <a:ln>
+            <a:noFill/>
+          </a:ln>
+        </p:spPr>
+        <p:style>
+          <a:lnRef idx="1">
+            <a:schemeClr val="dk1"/>
+          </a:lnRef>
+          <a:fillRef idx="2">
+            <a:schemeClr val="dk1"/>
+          </a:fillRef>
+          <a:effectRef idx="1">
+            <a:schemeClr val="dk1"/>
+          </a:effectRef>
+          <a:fontRef idx="minor">
+            <a:schemeClr val="dk1"/>
+          </a:fontRef>
+        </p:style>
+        <p:txBody>
+          <a:bodyPr rtlCol="0" anchor="ctr"/>
+          <a:lstStyle/>
+          <a:p>
+            <a:pPr algn="ctr"/>
+            <a:r>
+              <a:rPr lang="pt-BR" sz="1100" dirty="0">
+                <a:latin typeface="Arial" panose="020B0604020202020204" pitchFamily="34" charset="0"/>
+                <a:cs typeface="Arial" panose="020B0604020202020204" pitchFamily="34" charset="0"/>
+              </a:rPr>
+              <a:t>Quadro XLRM</a:t>
+            </a:r>
+          </a:p>
+        </p:txBody>
+      </p:sp>
+      <p:sp>
+        <p:nvSpPr>
+          <p:cNvPr id="96" name="Retângulo de cantos arredondados 6"/>
+          <p:cNvSpPr/>
+          <p:nvPr/>
+        </p:nvSpPr>
+        <p:spPr>
+          <a:xfrm>
+            <a:off x="3671813" y="1917429"/>
+            <a:ext cx="1785323" cy="351720"/>
+          </a:xfrm>
+          <a:prstGeom prst="roundRect">
+            <a:avLst/>
+          </a:prstGeom>
+          <a:ln>
+            <a:noFill/>
+          </a:ln>
+        </p:spPr>
+        <p:style>
+          <a:lnRef idx="1">
+            <a:schemeClr val="dk1"/>
+          </a:lnRef>
+          <a:fillRef idx="2">
+            <a:schemeClr val="dk1"/>
+          </a:fillRef>
+          <a:effectRef idx="1">
+            <a:schemeClr val="dk1"/>
+          </a:effectRef>
+          <a:fontRef idx="minor">
+            <a:schemeClr val="dk1"/>
+          </a:fontRef>
+        </p:style>
+        <p:txBody>
+          <a:bodyPr rtlCol="0" anchor="ctr"/>
+          <a:lstStyle/>
+          <a:p>
+            <a:pPr algn="ctr"/>
+            <a:r>
+              <a:rPr lang="pt-BR" sz="1100" dirty="0">
+                <a:latin typeface="Arial" panose="020B0604020202020204" pitchFamily="34" charset="0"/>
+                <a:cs typeface="Arial" panose="020B0604020202020204" pitchFamily="34" charset="0"/>
+              </a:rPr>
+              <a:t>Faixas de Incerteza Plausível</a:t>
+            </a:r>
+          </a:p>
+        </p:txBody>
+      </p:sp>
+      <p:sp>
+        <p:nvSpPr>
+          <p:cNvPr id="97" name="Retângulo de cantos arredondados 6"/>
+          <p:cNvSpPr/>
+          <p:nvPr/>
+        </p:nvSpPr>
+        <p:spPr>
+          <a:xfrm>
+            <a:off x="3671813" y="2617146"/>
+            <a:ext cx="1785323" cy="351720"/>
+          </a:xfrm>
+          <a:prstGeom prst="roundRect">
+            <a:avLst/>
+          </a:prstGeom>
+          <a:ln>
+            <a:noFill/>
+          </a:ln>
+        </p:spPr>
+        <p:style>
+          <a:lnRef idx="1">
+            <a:schemeClr val="dk1"/>
+          </a:lnRef>
+          <a:fillRef idx="2">
+            <a:schemeClr val="dk1"/>
+          </a:fillRef>
+          <a:effectRef idx="1">
+            <a:schemeClr val="dk1"/>
+          </a:effectRef>
+          <a:fontRef idx="minor">
+            <a:schemeClr val="dk1"/>
+          </a:fontRef>
+        </p:style>
+        <p:txBody>
+          <a:bodyPr rtlCol="0" anchor="ctr"/>
+          <a:lstStyle/>
+          <a:p>
+            <a:pPr algn="ctr"/>
+            <a:r>
+              <a:rPr lang="pt-BR" sz="1100" dirty="0">
+                <a:latin typeface="Arial" panose="020B0604020202020204" pitchFamily="34" charset="0"/>
+                <a:cs typeface="Arial" panose="020B0604020202020204" pitchFamily="34" charset="0"/>
+              </a:rPr>
+              <a:t>Modelo Conceitual</a:t>
+            </a:r>
+          </a:p>
+        </p:txBody>
+      </p:sp>
+      <p:sp>
+        <p:nvSpPr>
+          <p:cNvPr id="98" name="Retângulo de cantos arredondados 6"/>
+          <p:cNvSpPr/>
+          <p:nvPr/>
+        </p:nvSpPr>
+        <p:spPr>
+          <a:xfrm>
+            <a:off x="3671813" y="3130498"/>
+            <a:ext cx="1785323" cy="976578"/>
+          </a:xfrm>
+          <a:prstGeom prst="roundRect">
+            <a:avLst/>
+          </a:prstGeom>
+          <a:ln>
+            <a:noFill/>
+          </a:ln>
+        </p:spPr>
+        <p:style>
+          <a:lnRef idx="1">
+            <a:schemeClr val="dk1"/>
+          </a:lnRef>
+          <a:fillRef idx="2">
+            <a:schemeClr val="dk1"/>
+          </a:fillRef>
+          <a:effectRef idx="1">
+            <a:schemeClr val="dk1"/>
+          </a:effectRef>
+          <a:fontRef idx="minor">
+            <a:schemeClr val="dk1"/>
+          </a:fontRef>
+        </p:style>
+        <p:txBody>
+          <a:bodyPr rtlCol="0" anchor="ctr"/>
+          <a:lstStyle/>
+          <a:p>
+            <a:pPr algn="ctr"/>
+            <a:r>
+              <a:rPr lang="pt-BR" sz="1100" dirty="0">
+                <a:latin typeface="Arial" panose="020B0604020202020204" pitchFamily="34" charset="0"/>
+                <a:cs typeface="Arial" panose="020B0604020202020204" pitchFamily="34" charset="0"/>
+              </a:rPr>
+              <a:t>Gerador de Casos (Modelo)</a:t>
+            </a:r>
+          </a:p>
+        </p:txBody>
+      </p:sp>
+      <p:sp>
+        <p:nvSpPr>
+          <p:cNvPr id="99" name="Retângulo de cantos arredondados 6"/>
+          <p:cNvSpPr/>
+          <p:nvPr/>
+        </p:nvSpPr>
+        <p:spPr>
+          <a:xfrm>
+            <a:off x="3671813" y="4176366"/>
+            <a:ext cx="1785323" cy="768582"/>
+          </a:xfrm>
+          <a:prstGeom prst="roundRect">
+            <a:avLst/>
+          </a:prstGeom>
+          <a:ln>
+            <a:noFill/>
+          </a:ln>
+        </p:spPr>
+        <p:style>
+          <a:lnRef idx="1">
+            <a:schemeClr val="dk1"/>
+          </a:lnRef>
+          <a:fillRef idx="2">
+            <a:schemeClr val="dk1"/>
+          </a:fillRef>
+          <a:effectRef idx="1">
+            <a:schemeClr val="dk1"/>
+          </a:effectRef>
+          <a:fontRef idx="minor">
+            <a:schemeClr val="dk1"/>
+          </a:fontRef>
+        </p:style>
+        <p:txBody>
+          <a:bodyPr rtlCol="0" anchor="ctr"/>
+          <a:lstStyle/>
+          <a:p>
+            <a:pPr algn="ctr"/>
+            <a:r>
+              <a:rPr lang="pt-BR" sz="1100" dirty="0">
+                <a:latin typeface="Arial" panose="020B0604020202020204" pitchFamily="34" charset="0"/>
+                <a:cs typeface="Arial" panose="020B0604020202020204" pitchFamily="34" charset="0"/>
+              </a:rPr>
+              <a:t>Base de Casos Gerados</a:t>
+            </a:r>
+          </a:p>
+        </p:txBody>
+      </p:sp>
+      <p:sp>
+        <p:nvSpPr>
+          <p:cNvPr id="100" name="Retângulo de cantos arredondados 6"/>
+          <p:cNvSpPr/>
+          <p:nvPr/>
+        </p:nvSpPr>
+        <p:spPr>
+          <a:xfrm>
+            <a:off x="3671813" y="5409738"/>
+            <a:ext cx="1785323" cy="624147"/>
+          </a:xfrm>
+          <a:prstGeom prst="roundRect">
+            <a:avLst/>
+          </a:prstGeom>
+          <a:ln>
+            <a:noFill/>
+          </a:ln>
+        </p:spPr>
+        <p:style>
+          <a:lnRef idx="1">
+            <a:schemeClr val="dk1"/>
+          </a:lnRef>
+          <a:fillRef idx="2">
+            <a:schemeClr val="dk1"/>
+          </a:fillRef>
+          <a:effectRef idx="1">
+            <a:schemeClr val="dk1"/>
+          </a:effectRef>
+          <a:fontRef idx="minor">
+            <a:schemeClr val="dk1"/>
+          </a:fontRef>
+        </p:style>
+        <p:txBody>
+          <a:bodyPr rtlCol="0" anchor="ctr"/>
+          <a:lstStyle/>
+          <a:p>
+            <a:pPr algn="ctr"/>
+            <a:r>
+              <a:rPr lang="pt-BR" sz="1100" dirty="0">
+                <a:latin typeface="Arial" panose="020B0604020202020204" pitchFamily="34" charset="0"/>
+                <a:cs typeface="Arial" panose="020B0604020202020204" pitchFamily="34" charset="0"/>
+              </a:rPr>
+              <a:t>Estratégias Preliminares</a:t>
+            </a:r>
+          </a:p>
+        </p:txBody>
+      </p:sp>
+      <p:sp>
+        <p:nvSpPr>
+          <p:cNvPr id="101" name="Retângulo de cantos arredondados 6"/>
+          <p:cNvSpPr/>
+          <p:nvPr/>
+        </p:nvSpPr>
+        <p:spPr>
+          <a:xfrm>
+            <a:off x="3671813" y="6200020"/>
+            <a:ext cx="1785323" cy="624147"/>
+          </a:xfrm>
+          <a:prstGeom prst="roundRect">
+            <a:avLst/>
+          </a:prstGeom>
+          <a:ln>
+            <a:noFill/>
+          </a:ln>
+        </p:spPr>
+        <p:style>
+          <a:lnRef idx="1">
+            <a:schemeClr val="dk1"/>
+          </a:lnRef>
+          <a:fillRef idx="2">
+            <a:schemeClr val="dk1"/>
+          </a:fillRef>
+          <a:effectRef idx="1">
+            <a:schemeClr val="dk1"/>
+          </a:effectRef>
+          <a:fontRef idx="minor">
+            <a:schemeClr val="dk1"/>
+          </a:fontRef>
+        </p:style>
+        <p:txBody>
+          <a:bodyPr rtlCol="0" anchor="ctr"/>
+          <a:lstStyle/>
+          <a:p>
+            <a:pPr algn="ctr"/>
+            <a:r>
+              <a:rPr lang="pt-BR" sz="1100" dirty="0">
+                <a:latin typeface="Arial" panose="020B0604020202020204" pitchFamily="34" charset="0"/>
+                <a:cs typeface="Arial" panose="020B0604020202020204" pitchFamily="34" charset="0"/>
+              </a:rPr>
+              <a:t>Cenários de Vulnerabilidade</a:t>
+            </a:r>
+          </a:p>
+        </p:txBody>
+      </p:sp>
+      <p:sp>
+        <p:nvSpPr>
+          <p:cNvPr id="102" name="Retângulo de cantos arredondados 6"/>
+          <p:cNvSpPr/>
+          <p:nvPr/>
+        </p:nvSpPr>
+        <p:spPr>
+          <a:xfrm>
+            <a:off x="3671813" y="7131303"/>
+            <a:ext cx="1785323" cy="567406"/>
+          </a:xfrm>
+          <a:prstGeom prst="roundRect">
+            <a:avLst/>
+          </a:prstGeom>
+          <a:ln>
+            <a:noFill/>
+          </a:ln>
+        </p:spPr>
+        <p:style>
+          <a:lnRef idx="1">
+            <a:schemeClr val="dk1"/>
+          </a:lnRef>
+          <a:fillRef idx="2">
+            <a:schemeClr val="dk1"/>
+          </a:fillRef>
+          <a:effectRef idx="1">
+            <a:schemeClr val="dk1"/>
+          </a:effectRef>
+          <a:fontRef idx="minor">
+            <a:schemeClr val="dk1"/>
+          </a:fontRef>
+        </p:style>
+        <p:txBody>
+          <a:bodyPr rtlCol="0" anchor="ctr"/>
+          <a:lstStyle/>
+          <a:p>
+            <a:pPr algn="ctr"/>
+            <a:r>
+              <a:rPr lang="pt-BR" sz="1100" dirty="0">
+                <a:latin typeface="Arial" panose="020B0604020202020204" pitchFamily="34" charset="0"/>
+                <a:cs typeface="Arial" panose="020B0604020202020204" pitchFamily="34" charset="0"/>
+              </a:rPr>
+              <a:t>Estratégias na Fronteira de Tradeoff</a:t>
+            </a:r>
+          </a:p>
+        </p:txBody>
+      </p:sp>
+      <p:sp>
+        <p:nvSpPr>
+          <p:cNvPr id="103" name="Retângulo de cantos arredondados 6"/>
+          <p:cNvSpPr/>
+          <p:nvPr/>
+        </p:nvSpPr>
+        <p:spPr>
+          <a:xfrm>
+            <a:off x="3671813" y="7856978"/>
+            <a:ext cx="1785323" cy="495851"/>
+          </a:xfrm>
+          <a:prstGeom prst="roundRect">
+            <a:avLst/>
+          </a:prstGeom>
+          <a:ln>
+            <a:noFill/>
+          </a:ln>
+        </p:spPr>
+        <p:style>
+          <a:lnRef idx="1">
+            <a:schemeClr val="dk1"/>
+          </a:lnRef>
+          <a:fillRef idx="2">
+            <a:schemeClr val="dk1"/>
+          </a:fillRef>
+          <a:effectRef idx="1">
+            <a:schemeClr val="dk1"/>
+          </a:effectRef>
+          <a:fontRef idx="minor">
+            <a:schemeClr val="dk1"/>
+          </a:fontRef>
+        </p:style>
+        <p:txBody>
+          <a:bodyPr rtlCol="0" anchor="ctr"/>
+          <a:lstStyle/>
+          <a:p>
+            <a:pPr algn="ctr"/>
+            <a:r>
+              <a:rPr lang="pt-BR" sz="1100" dirty="0">
+                <a:latin typeface="Arial" panose="020B0604020202020204" pitchFamily="34" charset="0"/>
+                <a:cs typeface="Arial" panose="020B0604020202020204" pitchFamily="34" charset="0"/>
+              </a:rPr>
+              <a:t>Caracterização das Estratégias Robustas</a:t>
+            </a:r>
+          </a:p>
+        </p:txBody>
+      </p:sp>
+      <p:cxnSp>
+        <p:nvCxnSpPr>
+          <p:cNvPr id="85" name="Conector: Angulado 84"/>
+          <p:cNvCxnSpPr>
+            <a:stCxn id="36" idx="3"/>
+            <a:endCxn id="95" idx="1"/>
+          </p:cNvCxnSpPr>
+          <p:nvPr/>
+        </p:nvCxnSpPr>
+        <p:spPr>
+          <a:xfrm flipV="1">
+            <a:off x="3189045" y="1460088"/>
+            <a:ext cx="482768" cy="636925"/>
+          </a:xfrm>
+          <a:prstGeom prst="bentConnector3">
+            <a:avLst/>
+          </a:prstGeom>
+          <a:ln>
+            <a:tailEnd type="triangle"/>
+          </a:ln>
+        </p:spPr>
+        <p:style>
+          <a:lnRef idx="2">
+            <a:schemeClr val="accent4"/>
+          </a:lnRef>
+          <a:fillRef idx="0">
+            <a:schemeClr val="accent4"/>
+          </a:fillRef>
+          <a:effectRef idx="1">
+            <a:schemeClr val="accent4"/>
+          </a:effectRef>
+          <a:fontRef idx="minor">
+            <a:schemeClr val="tx1"/>
+          </a:fontRef>
+        </p:style>
+      </p:cxnSp>
+      <p:cxnSp>
+        <p:nvCxnSpPr>
+          <p:cNvPr id="110" name="Conector: Angulado 109"/>
+          <p:cNvCxnSpPr>
+            <a:stCxn id="36" idx="3"/>
+            <a:endCxn id="96" idx="1"/>
+          </p:cNvCxnSpPr>
+          <p:nvPr/>
+        </p:nvCxnSpPr>
+        <p:spPr>
+          <a:xfrm flipV="1">
+            <a:off x="3189045" y="2093289"/>
+            <a:ext cx="482768" cy="3724"/>
+          </a:xfrm>
+          <a:prstGeom prst="bentConnector3">
+            <a:avLst>
+              <a:gd name="adj1" fmla="val 50000"/>
+            </a:avLst>
+          </a:prstGeom>
+          <a:ln>
+            <a:tailEnd type="triangle"/>
+          </a:ln>
+        </p:spPr>
+        <p:style>
+          <a:lnRef idx="2">
+            <a:schemeClr val="accent4"/>
+          </a:lnRef>
+          <a:fillRef idx="0">
+            <a:schemeClr val="accent4"/>
+          </a:fillRef>
+          <a:effectRef idx="1">
+            <a:schemeClr val="accent4"/>
+          </a:effectRef>
+          <a:fontRef idx="minor">
+            <a:schemeClr val="tx1"/>
+          </a:fontRef>
+        </p:style>
+      </p:cxnSp>
+      <p:cxnSp>
+        <p:nvCxnSpPr>
+          <p:cNvPr id="115" name="Conector: Angulado 114"/>
+          <p:cNvCxnSpPr>
+            <a:stCxn id="36" idx="3"/>
+            <a:endCxn id="97" idx="1"/>
+          </p:cNvCxnSpPr>
+          <p:nvPr/>
+        </p:nvCxnSpPr>
+        <p:spPr>
+          <a:xfrm>
+            <a:off x="3189045" y="2097013"/>
+            <a:ext cx="482768" cy="695993"/>
+          </a:xfrm>
+          <a:prstGeom prst="bentConnector3">
+            <a:avLst>
+              <a:gd name="adj1" fmla="val 50000"/>
+            </a:avLst>
+          </a:prstGeom>
+          <a:ln>
+            <a:tailEnd type="triangle"/>
+          </a:ln>
+        </p:spPr>
+        <p:style>
+          <a:lnRef idx="2">
+            <a:schemeClr val="accent4"/>
+          </a:lnRef>
+          <a:fillRef idx="0">
+            <a:schemeClr val="accent4"/>
+          </a:fillRef>
+          <a:effectRef idx="1">
+            <a:schemeClr val="accent4"/>
+          </a:effectRef>
+          <a:fontRef idx="minor">
+            <a:schemeClr val="tx1"/>
+          </a:fontRef>
+        </p:style>
+      </p:cxnSp>
+      <p:cxnSp>
+        <p:nvCxnSpPr>
+          <p:cNvPr id="118" name="Conector: Angulado 117"/>
+          <p:cNvCxnSpPr>
+            <a:stCxn id="37" idx="3"/>
+            <a:endCxn id="98" idx="1"/>
+          </p:cNvCxnSpPr>
+          <p:nvPr/>
+        </p:nvCxnSpPr>
+        <p:spPr>
+          <a:xfrm flipV="1">
+            <a:off x="3189045" y="3618787"/>
+            <a:ext cx="482768" cy="497691"/>
+          </a:xfrm>
+          <a:prstGeom prst="bentConnector3">
+            <a:avLst>
+              <a:gd name="adj1" fmla="val 50000"/>
+            </a:avLst>
+          </a:prstGeom>
+          <a:ln>
+            <a:tailEnd type="triangle"/>
+          </a:ln>
+        </p:spPr>
+        <p:style>
+          <a:lnRef idx="2">
+            <a:schemeClr val="accent4"/>
+          </a:lnRef>
+          <a:fillRef idx="0">
+            <a:schemeClr val="accent4"/>
+          </a:fillRef>
+          <a:effectRef idx="1">
+            <a:schemeClr val="accent4"/>
+          </a:effectRef>
+          <a:fontRef idx="minor">
+            <a:schemeClr val="tx1"/>
+          </a:fontRef>
+        </p:style>
+      </p:cxnSp>
+      <p:cxnSp>
+        <p:nvCxnSpPr>
+          <p:cNvPr id="120" name="Conector: Angulado 119"/>
+          <p:cNvCxnSpPr>
+            <a:stCxn id="37" idx="3"/>
+            <a:endCxn id="99" idx="1"/>
+          </p:cNvCxnSpPr>
+          <p:nvPr/>
+        </p:nvCxnSpPr>
+        <p:spPr>
+          <a:xfrm>
+            <a:off x="3189045" y="4116478"/>
+            <a:ext cx="482768" cy="444179"/>
+          </a:xfrm>
+          <a:prstGeom prst="bentConnector3">
+            <a:avLst>
+              <a:gd name="adj1" fmla="val 50000"/>
+            </a:avLst>
+          </a:prstGeom>
+          <a:ln>
+            <a:tailEnd type="triangle"/>
+          </a:ln>
+        </p:spPr>
+        <p:style>
+          <a:lnRef idx="2">
+            <a:schemeClr val="accent4"/>
+          </a:lnRef>
+          <a:fillRef idx="0">
+            <a:schemeClr val="accent4"/>
+          </a:fillRef>
+          <a:effectRef idx="1">
+            <a:schemeClr val="accent4"/>
+          </a:effectRef>
+          <a:fontRef idx="minor">
+            <a:schemeClr val="tx1"/>
+          </a:fontRef>
+        </p:style>
+      </p:cxnSp>
+      <p:cxnSp>
+        <p:nvCxnSpPr>
+          <p:cNvPr id="123" name="Conector: Angulado 122"/>
+          <p:cNvCxnSpPr>
+            <a:stCxn id="38" idx="3"/>
+            <a:endCxn id="100" idx="1"/>
+          </p:cNvCxnSpPr>
+          <p:nvPr/>
+        </p:nvCxnSpPr>
+        <p:spPr>
+          <a:xfrm flipV="1">
+            <a:off x="3189045" y="5721812"/>
+            <a:ext cx="482768" cy="386711"/>
+          </a:xfrm>
+          <a:prstGeom prst="bentConnector3">
+            <a:avLst>
+              <a:gd name="adj1" fmla="val 50000"/>
+            </a:avLst>
+          </a:prstGeom>
+          <a:ln>
+            <a:tailEnd type="triangle"/>
+          </a:ln>
+        </p:spPr>
+        <p:style>
+          <a:lnRef idx="2">
+            <a:schemeClr val="accent4"/>
+          </a:lnRef>
+          <a:fillRef idx="0">
+            <a:schemeClr val="accent4"/>
+          </a:fillRef>
+          <a:effectRef idx="1">
+            <a:schemeClr val="accent4"/>
+          </a:effectRef>
+          <a:fontRef idx="minor">
+            <a:schemeClr val="tx1"/>
+          </a:fontRef>
+        </p:style>
+      </p:cxnSp>
+      <p:cxnSp>
+        <p:nvCxnSpPr>
+          <p:cNvPr id="126" name="Conector: Angulado 125"/>
+          <p:cNvCxnSpPr>
+            <a:stCxn id="38" idx="3"/>
+            <a:endCxn id="101" idx="1"/>
+          </p:cNvCxnSpPr>
+          <p:nvPr/>
+        </p:nvCxnSpPr>
+        <p:spPr>
+          <a:xfrm>
+            <a:off x="3189045" y="6108523"/>
+            <a:ext cx="482768" cy="403571"/>
+          </a:xfrm>
+          <a:prstGeom prst="bentConnector3">
+            <a:avLst>
+              <a:gd name="adj1" fmla="val 50000"/>
+            </a:avLst>
+          </a:prstGeom>
+          <a:ln>
+            <a:tailEnd type="triangle"/>
+          </a:ln>
+        </p:spPr>
+        <p:style>
+          <a:lnRef idx="2">
+            <a:schemeClr val="accent4"/>
+          </a:lnRef>
+          <a:fillRef idx="0">
+            <a:schemeClr val="accent4"/>
+          </a:fillRef>
+          <a:effectRef idx="1">
+            <a:schemeClr val="accent4"/>
+          </a:effectRef>
+          <a:fontRef idx="minor">
+            <a:schemeClr val="tx1"/>
+          </a:fontRef>
+        </p:style>
+      </p:cxnSp>
+      <p:cxnSp>
+        <p:nvCxnSpPr>
+          <p:cNvPr id="129" name="Conector: Angulado 128"/>
+          <p:cNvCxnSpPr>
+            <a:stCxn id="41" idx="3"/>
+            <a:endCxn id="102" idx="1"/>
+          </p:cNvCxnSpPr>
+          <p:nvPr/>
+        </p:nvCxnSpPr>
+        <p:spPr>
+          <a:xfrm flipV="1">
+            <a:off x="3189045" y="7415006"/>
+            <a:ext cx="482768" cy="318614"/>
+          </a:xfrm>
+          <a:prstGeom prst="bentConnector3">
+            <a:avLst>
+              <a:gd name="adj1" fmla="val 50000"/>
+            </a:avLst>
+          </a:prstGeom>
+          <a:ln>
+            <a:tailEnd type="triangle"/>
+          </a:ln>
+        </p:spPr>
+        <p:style>
+          <a:lnRef idx="2">
+            <a:schemeClr val="accent4"/>
+          </a:lnRef>
+          <a:fillRef idx="0">
+            <a:schemeClr val="accent4"/>
+          </a:fillRef>
+          <a:effectRef idx="1">
+            <a:schemeClr val="accent4"/>
+          </a:effectRef>
+          <a:fontRef idx="minor">
+            <a:schemeClr val="tx1"/>
+          </a:fontRef>
+        </p:style>
+      </p:cxnSp>
+      <p:cxnSp>
+        <p:nvCxnSpPr>
+          <p:cNvPr id="132" name="Conector: Angulado 131"/>
+          <p:cNvCxnSpPr>
+            <a:stCxn id="41" idx="3"/>
+            <a:endCxn id="103" idx="1"/>
+          </p:cNvCxnSpPr>
+          <p:nvPr/>
+        </p:nvCxnSpPr>
+        <p:spPr>
+          <a:xfrm>
+            <a:off x="3189045" y="7733620"/>
+            <a:ext cx="482768" cy="371284"/>
+          </a:xfrm>
+          <a:prstGeom prst="bentConnector3">
+            <a:avLst>
+              <a:gd name="adj1" fmla="val 50000"/>
+            </a:avLst>
+          </a:prstGeom>
+          <a:ln>
+            <a:tailEnd type="triangle"/>
+          </a:ln>
+        </p:spPr>
+        <p:style>
+          <a:lnRef idx="2">
+            <a:schemeClr val="accent4"/>
+          </a:lnRef>
+          <a:fillRef idx="0">
+            <a:schemeClr val="accent4"/>
+          </a:fillRef>
+          <a:effectRef idx="1">
+            <a:schemeClr val="accent4"/>
+          </a:effectRef>
+          <a:fontRef idx="minor">
+            <a:schemeClr val="tx1"/>
+          </a:fontRef>
+        </p:style>
+      </p:cxnSp>
+      <p:sp>
+        <p:nvSpPr>
+          <p:cNvPr id="57" name="Retângulo de cantos arredondados 6"/>
+          <p:cNvSpPr/>
+          <p:nvPr/>
+        </p:nvSpPr>
+        <p:spPr>
+          <a:xfrm>
+            <a:off x="628817" y="4715107"/>
+            <a:ext cx="2290856" cy="199357"/>
+          </a:xfrm>
+          <a:prstGeom prst="roundRect">
+            <a:avLst/>
+          </a:prstGeom>
+          <a:gradFill>
+            <a:gsLst>
+              <a:gs pos="0">
+                <a:schemeClr val="accent4"/>
+              </a:gs>
+              <a:gs pos="80000">
+                <a:schemeClr val="accent4"/>
+              </a:gs>
+              <a:gs pos="100000">
+                <a:schemeClr val="accent4"/>
+              </a:gs>
+            </a:gsLst>
+          </a:gradFill>
+          <a:ln/>
+        </p:spPr>
+        <p:style>
+          <a:lnRef idx="1">
+            <a:schemeClr val="accent4"/>
+          </a:lnRef>
+          <a:fillRef idx="3">
+            <a:schemeClr val="accent4"/>
+          </a:fillRef>
+          <a:effectRef idx="2">
+            <a:schemeClr val="accent4"/>
+          </a:effectRef>
+          <a:fontRef idx="minor">
+            <a:schemeClr val="lt1"/>
+          </a:fontRef>
+        </p:style>
+        <p:txBody>
+          <a:bodyPr rtlCol="0" anchor="ctr"/>
+          <a:lstStyle/>
+          <a:p>
+            <a:pPr algn="ctr"/>
+            <a:r>
+              <a:rPr lang="en-US" sz="1000" dirty="0" err="1">
+                <a:latin typeface="Arial" panose="020B0604020202020204" pitchFamily="34" charset="0"/>
+                <a:cs typeface="Arial" panose="020B0604020202020204" pitchFamily="34" charset="0"/>
+              </a:rPr>
+              <a:t>Avaliação</a:t>
+            </a:r>
+            <a:r>
+              <a:rPr lang="en-US" sz="1000" dirty="0">
+                <a:latin typeface="Arial" panose="020B0604020202020204" pitchFamily="34" charset="0"/>
+                <a:cs typeface="Arial" panose="020B0604020202020204" pitchFamily="34" charset="0"/>
+              </a:rPr>
+              <a:t> do </a:t>
+            </a:r>
+            <a:r>
+              <a:rPr lang="en-US" sz="1000" dirty="0" err="1">
+                <a:latin typeface="Arial" panose="020B0604020202020204" pitchFamily="34" charset="0"/>
+                <a:cs typeface="Arial" panose="020B0604020202020204" pitchFamily="34" charset="0"/>
+              </a:rPr>
+              <a:t>Modelo</a:t>
+            </a:r>
+            <a:endParaRPr lang="en-US" sz="1000" dirty="0">
+              <a:latin typeface="Arial" panose="020B0604020202020204" pitchFamily="34" charset="0"/>
+              <a:cs typeface="Arial" panose="020B0604020202020204" pitchFamily="34" charset="0"/>
+            </a:endParaRPr>
+          </a:p>
+        </p:txBody>
+      </p:sp>
+      <p:cxnSp>
+        <p:nvCxnSpPr>
+          <p:cNvPr id="64" name="Conector de Seta Reta 63"/>
+          <p:cNvCxnSpPr>
+            <a:stCxn id="76" idx="2"/>
+            <a:endCxn id="57" idx="0"/>
+          </p:cNvCxnSpPr>
+          <p:nvPr/>
+        </p:nvCxnSpPr>
+        <p:spPr>
+          <a:xfrm>
+            <a:off x="1774245" y="4503865"/>
+            <a:ext cx="0" cy="211242"/>
+          </a:xfrm>
+          <a:prstGeom prst="straightConnector1">
+            <a:avLst/>
+          </a:prstGeom>
+          <a:ln>
+            <a:tailEnd type="triangle"/>
+          </a:ln>
+        </p:spPr>
+        <p:style>
+          <a:lnRef idx="1">
+            <a:schemeClr val="dk1"/>
+          </a:lnRef>
+          <a:fillRef idx="0">
+            <a:schemeClr val="dk1"/>
+          </a:fillRef>
+          <a:effectRef idx="0">
+            <a:schemeClr val="dk1"/>
+          </a:effectRef>
+          <a:fontRef idx="minor">
+            <a:schemeClr val="tx1"/>
+          </a:fontRef>
+        </p:style>
+      </p:cxnSp>
+      <p:cxnSp>
+        <p:nvCxnSpPr>
+          <p:cNvPr id="68" name="Conector: Angulado 67"/>
+          <p:cNvCxnSpPr>
+            <a:stCxn id="57" idx="1"/>
+            <a:endCxn id="73" idx="1"/>
+          </p:cNvCxnSpPr>
+          <p:nvPr/>
+        </p:nvCxnSpPr>
+        <p:spPr>
+          <a:xfrm rot="10800000">
+            <a:off x="628817" y="3627972"/>
+            <a:ext cx="12700" cy="1186814"/>
+          </a:xfrm>
+          <a:prstGeom prst="bentConnector3">
+            <a:avLst>
+              <a:gd name="adj1" fmla="val 1800000"/>
+            </a:avLst>
+          </a:prstGeom>
+          <a:ln>
+            <a:tailEnd type="triangle"/>
+          </a:ln>
+        </p:spPr>
+        <p:style>
+          <a:lnRef idx="1">
+            <a:schemeClr val="dk1"/>
+          </a:lnRef>
+          <a:fillRef idx="0">
+            <a:schemeClr val="dk1"/>
+          </a:fillRef>
+          <a:effectRef idx="0">
+            <a:schemeClr val="dk1"/>
+          </a:effectRef>
+          <a:fontRef idx="minor">
+            <a:schemeClr val="tx1"/>
+          </a:fontRef>
+        </p:style>
+      </p:cxnSp>
+    </p:spTree>
+    <p:extLst>
+      <p:ext uri="{BB962C8B-B14F-4D97-AF65-F5344CB8AC3E}">
+        <p14:creationId xmlns:p14="http://schemas.microsoft.com/office/powerpoint/2010/main" val="477443239"/>
       </p:ext>
     </p:extLst>
   </p:cSld>

--- a/dissertacao-docs/apresentacoes/Dissertação - RDM - EMA - Imagens-Retrato.pptx
+++ b/dissertacao-docs/apresentacoes/Dissertação - RDM - EMA - Imagens-Retrato.pptx
@@ -15,6 +15,7 @@
     <p:sldId id="261" r:id="rId9"/>
     <p:sldId id="266" r:id="rId10"/>
     <p:sldId id="268" r:id="rId11"/>
+    <p:sldId id="269" r:id="rId12"/>
   </p:sldIdLst>
   <p:sldSz cx="5759450" cy="8640763"/>
   <p:notesSz cx="6858000" cy="9144000"/>
@@ -4132,7 +4133,7 @@
         </p:nvSpPr>
         <p:spPr>
           <a:xfrm>
-            <a:off x="16266" y="30071"/>
+            <a:off x="-89288" y="100614"/>
             <a:ext cx="5759450" cy="8610692"/>
           </a:xfrm>
           <a:prstGeom prst="roundRect">
@@ -6094,155 +6095,14 @@
       </p:sp>
       <p:sp>
         <p:nvSpPr>
-          <p:cNvPr id="95" name="Retângulo de cantos arredondados 6"/>
-          <p:cNvSpPr/>
-          <p:nvPr/>
-        </p:nvSpPr>
-        <p:spPr>
-          <a:xfrm>
-            <a:off x="3671813" y="1284228"/>
-            <a:ext cx="1785323" cy="351720"/>
-          </a:xfrm>
-          <a:prstGeom prst="roundRect">
-            <a:avLst/>
-          </a:prstGeom>
-          <a:ln>
-            <a:noFill/>
-          </a:ln>
-        </p:spPr>
-        <p:style>
-          <a:lnRef idx="1">
-            <a:schemeClr val="dk1"/>
-          </a:lnRef>
-          <a:fillRef idx="2">
-            <a:schemeClr val="dk1"/>
-          </a:fillRef>
-          <a:effectRef idx="1">
-            <a:schemeClr val="dk1"/>
-          </a:effectRef>
-          <a:fontRef idx="minor">
-            <a:schemeClr val="dk1"/>
-          </a:fontRef>
-        </p:style>
-        <p:txBody>
-          <a:bodyPr rtlCol="0" anchor="ctr"/>
-          <a:lstStyle/>
-          <a:p>
-            <a:pPr algn="ctr"/>
-            <a:r>
-              <a:rPr lang="pt-BR" sz="1100" dirty="0">
-                <a:latin typeface="Arial" panose="020B0604020202020204" pitchFamily="34" charset="0"/>
-                <a:cs typeface="Arial" panose="020B0604020202020204" pitchFamily="34" charset="0"/>
-              </a:rPr>
-              <a:t>Quadro XLRM</a:t>
-            </a:r>
-          </a:p>
-        </p:txBody>
-      </p:sp>
-      <p:sp>
-        <p:nvSpPr>
-          <p:cNvPr id="96" name="Retângulo de cantos arredondados 6"/>
-          <p:cNvSpPr/>
-          <p:nvPr/>
-        </p:nvSpPr>
-        <p:spPr>
-          <a:xfrm>
-            <a:off x="3671813" y="1917429"/>
-            <a:ext cx="1785323" cy="351720"/>
-          </a:xfrm>
-          <a:prstGeom prst="roundRect">
-            <a:avLst/>
-          </a:prstGeom>
-          <a:ln>
-            <a:noFill/>
-          </a:ln>
-        </p:spPr>
-        <p:style>
-          <a:lnRef idx="1">
-            <a:schemeClr val="dk1"/>
-          </a:lnRef>
-          <a:fillRef idx="2">
-            <a:schemeClr val="dk1"/>
-          </a:fillRef>
-          <a:effectRef idx="1">
-            <a:schemeClr val="dk1"/>
-          </a:effectRef>
-          <a:fontRef idx="minor">
-            <a:schemeClr val="dk1"/>
-          </a:fontRef>
-        </p:style>
-        <p:txBody>
-          <a:bodyPr rtlCol="0" anchor="ctr"/>
-          <a:lstStyle/>
-          <a:p>
-            <a:pPr algn="ctr"/>
-            <a:r>
-              <a:rPr lang="pt-BR" sz="1100" dirty="0">
-                <a:latin typeface="Arial" panose="020B0604020202020204" pitchFamily="34" charset="0"/>
-                <a:cs typeface="Arial" panose="020B0604020202020204" pitchFamily="34" charset="0"/>
-              </a:rPr>
-              <a:t>Faixas de Incerteza Plausível</a:t>
-            </a:r>
-          </a:p>
-        </p:txBody>
-      </p:sp>
-      <p:sp>
-        <p:nvSpPr>
-          <p:cNvPr id="97" name="Retângulo de cantos arredondados 6"/>
-          <p:cNvSpPr/>
-          <p:nvPr/>
-        </p:nvSpPr>
-        <p:spPr>
-          <a:xfrm>
-            <a:off x="3671813" y="2617146"/>
-            <a:ext cx="1785323" cy="351720"/>
-          </a:xfrm>
-          <a:prstGeom prst="roundRect">
-            <a:avLst/>
-          </a:prstGeom>
-          <a:ln>
-            <a:noFill/>
-          </a:ln>
-        </p:spPr>
-        <p:style>
-          <a:lnRef idx="1">
-            <a:schemeClr val="dk1"/>
-          </a:lnRef>
-          <a:fillRef idx="2">
-            <a:schemeClr val="dk1"/>
-          </a:fillRef>
-          <a:effectRef idx="1">
-            <a:schemeClr val="dk1"/>
-          </a:effectRef>
-          <a:fontRef idx="minor">
-            <a:schemeClr val="dk1"/>
-          </a:fontRef>
-        </p:style>
-        <p:txBody>
-          <a:bodyPr rtlCol="0" anchor="ctr"/>
-          <a:lstStyle/>
-          <a:p>
-            <a:pPr algn="ctr"/>
-            <a:r>
-              <a:rPr lang="pt-BR" sz="1100" dirty="0">
-                <a:latin typeface="Arial" panose="020B0604020202020204" pitchFamily="34" charset="0"/>
-                <a:cs typeface="Arial" panose="020B0604020202020204" pitchFamily="34" charset="0"/>
-              </a:rPr>
-              <a:t>Modelo Conceitual</a:t>
-            </a:r>
-          </a:p>
-        </p:txBody>
-      </p:sp>
-      <p:sp>
-        <p:nvSpPr>
           <p:cNvPr id="98" name="Retângulo de cantos arredondados 6"/>
           <p:cNvSpPr/>
           <p:nvPr/>
         </p:nvSpPr>
         <p:spPr>
           <a:xfrm>
-            <a:off x="3671813" y="3130498"/>
-            <a:ext cx="1785323" cy="976578"/>
+            <a:off x="3561962" y="3264210"/>
+            <a:ext cx="1785323" cy="606377"/>
           </a:xfrm>
           <a:prstGeom prst="roundRect">
             <a:avLst/>
@@ -6275,7 +6135,7 @@
                 <a:latin typeface="Arial" panose="020B0604020202020204" pitchFamily="34" charset="0"/>
                 <a:cs typeface="Arial" panose="020B0604020202020204" pitchFamily="34" charset="0"/>
               </a:rPr>
-              <a:t>Gerador de Casos (Modelo)</a:t>
+              <a:t>Formulação do Modelo</a:t>
             </a:r>
           </a:p>
         </p:txBody>
@@ -6288,8 +6148,8 @@
         </p:nvSpPr>
         <p:spPr>
           <a:xfrm>
-            <a:off x="3671813" y="4176366"/>
-            <a:ext cx="1785323" cy="768582"/>
+            <a:off x="3490120" y="4031432"/>
+            <a:ext cx="1785323" cy="477229"/>
           </a:xfrm>
           <a:prstGeom prst="roundRect">
             <a:avLst/>
@@ -6322,7 +6182,7 @@
                 <a:latin typeface="Arial" panose="020B0604020202020204" pitchFamily="34" charset="0"/>
                 <a:cs typeface="Arial" panose="020B0604020202020204" pitchFamily="34" charset="0"/>
               </a:rPr>
-              <a:t>Base de Casos Gerados</a:t>
+              <a:t>Implementação do modelo Computacional</a:t>
             </a:r>
           </a:p>
         </p:txBody>
@@ -6335,7 +6195,7 @@
         </p:nvSpPr>
         <p:spPr>
           <a:xfrm>
-            <a:off x="3671813" y="5409738"/>
+            <a:off x="3692087" y="5456773"/>
             <a:ext cx="1785323" cy="624147"/>
           </a:xfrm>
           <a:prstGeom prst="roundRect">
@@ -6369,7 +6229,7 @@
                 <a:latin typeface="Arial" panose="020B0604020202020204" pitchFamily="34" charset="0"/>
                 <a:cs typeface="Arial" panose="020B0604020202020204" pitchFamily="34" charset="0"/>
               </a:rPr>
-              <a:t>Estratégias Preliminares</a:t>
+              <a:t>Execução do Modelo Computacional</a:t>
             </a:r>
           </a:p>
         </p:txBody>
@@ -6382,7 +6242,7 @@
         </p:nvSpPr>
         <p:spPr>
           <a:xfrm>
-            <a:off x="3671813" y="6200020"/>
+            <a:off x="3591415" y="7634637"/>
             <a:ext cx="1785323" cy="624147"/>
           </a:xfrm>
           <a:prstGeom prst="roundRect">
@@ -6416,217 +6276,11 @@
                 <a:latin typeface="Arial" panose="020B0604020202020204" pitchFamily="34" charset="0"/>
                 <a:cs typeface="Arial" panose="020B0604020202020204" pitchFamily="34" charset="0"/>
               </a:rPr>
-              <a:t>Cenários de Vulnerabilidade</a:t>
-            </a:r>
-          </a:p>
-        </p:txBody>
-      </p:sp>
-      <p:sp>
-        <p:nvSpPr>
-          <p:cNvPr id="102" name="Retângulo de cantos arredondados 6"/>
-          <p:cNvSpPr/>
-          <p:nvPr/>
-        </p:nvSpPr>
-        <p:spPr>
-          <a:xfrm>
-            <a:off x="3671813" y="7131303"/>
-            <a:ext cx="1785323" cy="567406"/>
-          </a:xfrm>
-          <a:prstGeom prst="roundRect">
-            <a:avLst/>
-          </a:prstGeom>
-          <a:ln>
-            <a:noFill/>
-          </a:ln>
-        </p:spPr>
-        <p:style>
-          <a:lnRef idx="1">
-            <a:schemeClr val="dk1"/>
-          </a:lnRef>
-          <a:fillRef idx="2">
-            <a:schemeClr val="dk1"/>
-          </a:fillRef>
-          <a:effectRef idx="1">
-            <a:schemeClr val="dk1"/>
-          </a:effectRef>
-          <a:fontRef idx="minor">
-            <a:schemeClr val="dk1"/>
-          </a:fontRef>
-        </p:style>
-        <p:txBody>
-          <a:bodyPr rtlCol="0" anchor="ctr"/>
-          <a:lstStyle/>
-          <a:p>
-            <a:pPr algn="ctr"/>
-            <a:r>
-              <a:rPr lang="pt-BR" sz="1100" dirty="0">
-                <a:latin typeface="Arial" panose="020B0604020202020204" pitchFamily="34" charset="0"/>
-                <a:cs typeface="Arial" panose="020B0604020202020204" pitchFamily="34" charset="0"/>
-              </a:rPr>
-              <a:t>Estratégias na Fronteira de Tradeoff</a:t>
-            </a:r>
-          </a:p>
-        </p:txBody>
-      </p:sp>
-      <p:sp>
-        <p:nvSpPr>
-          <p:cNvPr id="103" name="Retângulo de cantos arredondados 6"/>
-          <p:cNvSpPr/>
-          <p:nvPr/>
-        </p:nvSpPr>
-        <p:spPr>
-          <a:xfrm>
-            <a:off x="3671813" y="7856978"/>
-            <a:ext cx="1785323" cy="495851"/>
-          </a:xfrm>
-          <a:prstGeom prst="roundRect">
-            <a:avLst/>
-          </a:prstGeom>
-          <a:ln>
-            <a:noFill/>
-          </a:ln>
-        </p:spPr>
-        <p:style>
-          <a:lnRef idx="1">
-            <a:schemeClr val="dk1"/>
-          </a:lnRef>
-          <a:fillRef idx="2">
-            <a:schemeClr val="dk1"/>
-          </a:fillRef>
-          <a:effectRef idx="1">
-            <a:schemeClr val="dk1"/>
-          </a:effectRef>
-          <a:fontRef idx="minor">
-            <a:schemeClr val="dk1"/>
-          </a:fontRef>
-        </p:style>
-        <p:txBody>
-          <a:bodyPr rtlCol="0" anchor="ctr"/>
-          <a:lstStyle/>
-          <a:p>
-            <a:pPr algn="ctr"/>
-            <a:r>
-              <a:rPr lang="pt-BR" sz="1100" dirty="0">
-                <a:latin typeface="Arial" panose="020B0604020202020204" pitchFamily="34" charset="0"/>
-                <a:cs typeface="Arial" panose="020B0604020202020204" pitchFamily="34" charset="0"/>
-              </a:rPr>
-              <a:t>Caracterização das Estratégias Robustas</a:t>
-            </a:r>
-          </a:p>
-        </p:txBody>
-      </p:sp>
-      <p:cxnSp>
-        <p:nvCxnSpPr>
-          <p:cNvPr id="85" name="Conector: Angulado 84"/>
-          <p:cNvCxnSpPr>
-            <a:stCxn id="36" idx="3"/>
-            <a:endCxn id="95" idx="1"/>
-          </p:cNvCxnSpPr>
-          <p:nvPr/>
-        </p:nvCxnSpPr>
-        <p:spPr>
-          <a:xfrm flipV="1">
-            <a:off x="3189045" y="1460088"/>
-            <a:ext cx="482768" cy="636925"/>
-          </a:xfrm>
-          <a:prstGeom prst="bentConnector3">
-            <a:avLst/>
-          </a:prstGeom>
-          <a:ln>
-            <a:tailEnd type="triangle"/>
-          </a:ln>
-        </p:spPr>
-        <p:style>
-          <a:lnRef idx="2">
-            <a:schemeClr val="accent4"/>
-          </a:lnRef>
-          <a:fillRef idx="0">
-            <a:schemeClr val="accent4"/>
-          </a:fillRef>
-          <a:effectRef idx="1">
-            <a:schemeClr val="accent4"/>
-          </a:effectRef>
-          <a:fontRef idx="minor">
-            <a:schemeClr val="tx1"/>
-          </a:fontRef>
-        </p:style>
-      </p:cxnSp>
-      <p:cxnSp>
-        <p:nvCxnSpPr>
-          <p:cNvPr id="110" name="Conector: Angulado 109"/>
-          <p:cNvCxnSpPr>
-            <a:stCxn id="36" idx="3"/>
-            <a:endCxn id="96" idx="1"/>
-          </p:cNvCxnSpPr>
-          <p:nvPr/>
-        </p:nvCxnSpPr>
-        <p:spPr>
-          <a:xfrm flipV="1">
-            <a:off x="3189045" y="2093289"/>
-            <a:ext cx="482768" cy="3724"/>
-          </a:xfrm>
-          <a:prstGeom prst="bentConnector3">
-            <a:avLst>
-              <a:gd name="adj1" fmla="val 50000"/>
-            </a:avLst>
-          </a:prstGeom>
-          <a:ln>
-            <a:tailEnd type="triangle"/>
-          </a:ln>
-        </p:spPr>
-        <p:style>
-          <a:lnRef idx="2">
-            <a:schemeClr val="accent4"/>
-          </a:lnRef>
-          <a:fillRef idx="0">
-            <a:schemeClr val="accent4"/>
-          </a:fillRef>
-          <a:effectRef idx="1">
-            <a:schemeClr val="accent4"/>
-          </a:effectRef>
-          <a:fontRef idx="minor">
-            <a:schemeClr val="tx1"/>
-          </a:fontRef>
-        </p:style>
-      </p:cxnSp>
-      <p:cxnSp>
-        <p:nvCxnSpPr>
-          <p:cNvPr id="115" name="Conector: Angulado 114"/>
-          <p:cNvCxnSpPr>
-            <a:stCxn id="36" idx="3"/>
-            <a:endCxn id="97" idx="1"/>
-          </p:cNvCxnSpPr>
-          <p:nvPr/>
-        </p:nvCxnSpPr>
-        <p:spPr>
-          <a:xfrm>
-            <a:off x="3189045" y="2097013"/>
-            <a:ext cx="482768" cy="695993"/>
-          </a:xfrm>
-          <a:prstGeom prst="bentConnector3">
-            <a:avLst>
-              <a:gd name="adj1" fmla="val 50000"/>
-            </a:avLst>
-          </a:prstGeom>
-          <a:ln>
-            <a:tailEnd type="triangle"/>
-          </a:ln>
-        </p:spPr>
-        <p:style>
-          <a:lnRef idx="2">
-            <a:schemeClr val="accent4"/>
-          </a:lnRef>
-          <a:fillRef idx="0">
-            <a:schemeClr val="accent4"/>
-          </a:fillRef>
-          <a:effectRef idx="1">
-            <a:schemeClr val="accent4"/>
-          </a:effectRef>
-          <a:fontRef idx="minor">
-            <a:schemeClr val="tx1"/>
-          </a:fontRef>
-        </p:style>
-      </p:cxnSp>
+              <a:t>Análise dos Resultados</a:t>
+            </a:r>
+          </a:p>
+        </p:txBody>
+      </p:sp>
       <p:cxnSp>
         <p:nvCxnSpPr>
           <p:cNvPr id="118" name="Conector: Angulado 117"/>
@@ -6638,8 +6292,8 @@
         </p:nvCxnSpPr>
         <p:spPr>
           <a:xfrm flipV="1">
-            <a:off x="3189045" y="3618787"/>
-            <a:ext cx="482768" cy="497691"/>
+            <a:off x="3189045" y="3567399"/>
+            <a:ext cx="372917" cy="549079"/>
           </a:xfrm>
           <a:prstGeom prst="bentConnector3">
             <a:avLst>
@@ -6677,159 +6331,7 @@
         <p:spPr>
           <a:xfrm>
             <a:off x="3189045" y="4116478"/>
-            <a:ext cx="482768" cy="444179"/>
-          </a:xfrm>
-          <a:prstGeom prst="bentConnector3">
-            <a:avLst>
-              <a:gd name="adj1" fmla="val 50000"/>
-            </a:avLst>
-          </a:prstGeom>
-          <a:ln>
-            <a:tailEnd type="triangle"/>
-          </a:ln>
-        </p:spPr>
-        <p:style>
-          <a:lnRef idx="2">
-            <a:schemeClr val="accent4"/>
-          </a:lnRef>
-          <a:fillRef idx="0">
-            <a:schemeClr val="accent4"/>
-          </a:fillRef>
-          <a:effectRef idx="1">
-            <a:schemeClr val="accent4"/>
-          </a:effectRef>
-          <a:fontRef idx="minor">
-            <a:schemeClr val="tx1"/>
-          </a:fontRef>
-        </p:style>
-      </p:cxnSp>
-      <p:cxnSp>
-        <p:nvCxnSpPr>
-          <p:cNvPr id="123" name="Conector: Angulado 122"/>
-          <p:cNvCxnSpPr>
-            <a:stCxn id="38" idx="3"/>
-            <a:endCxn id="100" idx="1"/>
-          </p:cNvCxnSpPr>
-          <p:nvPr/>
-        </p:nvCxnSpPr>
-        <p:spPr>
-          <a:xfrm flipV="1">
-            <a:off x="3189045" y="5721812"/>
-            <a:ext cx="482768" cy="386711"/>
-          </a:xfrm>
-          <a:prstGeom prst="bentConnector3">
-            <a:avLst>
-              <a:gd name="adj1" fmla="val 50000"/>
-            </a:avLst>
-          </a:prstGeom>
-          <a:ln>
-            <a:tailEnd type="triangle"/>
-          </a:ln>
-        </p:spPr>
-        <p:style>
-          <a:lnRef idx="2">
-            <a:schemeClr val="accent4"/>
-          </a:lnRef>
-          <a:fillRef idx="0">
-            <a:schemeClr val="accent4"/>
-          </a:fillRef>
-          <a:effectRef idx="1">
-            <a:schemeClr val="accent4"/>
-          </a:effectRef>
-          <a:fontRef idx="minor">
-            <a:schemeClr val="tx1"/>
-          </a:fontRef>
-        </p:style>
-      </p:cxnSp>
-      <p:cxnSp>
-        <p:nvCxnSpPr>
-          <p:cNvPr id="126" name="Conector: Angulado 125"/>
-          <p:cNvCxnSpPr>
-            <a:stCxn id="38" idx="3"/>
-            <a:endCxn id="101" idx="1"/>
-          </p:cNvCxnSpPr>
-          <p:nvPr/>
-        </p:nvCxnSpPr>
-        <p:spPr>
-          <a:xfrm>
-            <a:off x="3189045" y="6108523"/>
-            <a:ext cx="482768" cy="403571"/>
-          </a:xfrm>
-          <a:prstGeom prst="bentConnector3">
-            <a:avLst>
-              <a:gd name="adj1" fmla="val 50000"/>
-            </a:avLst>
-          </a:prstGeom>
-          <a:ln>
-            <a:tailEnd type="triangle"/>
-          </a:ln>
-        </p:spPr>
-        <p:style>
-          <a:lnRef idx="2">
-            <a:schemeClr val="accent4"/>
-          </a:lnRef>
-          <a:fillRef idx="0">
-            <a:schemeClr val="accent4"/>
-          </a:fillRef>
-          <a:effectRef idx="1">
-            <a:schemeClr val="accent4"/>
-          </a:effectRef>
-          <a:fontRef idx="minor">
-            <a:schemeClr val="tx1"/>
-          </a:fontRef>
-        </p:style>
-      </p:cxnSp>
-      <p:cxnSp>
-        <p:nvCxnSpPr>
-          <p:cNvPr id="129" name="Conector: Angulado 128"/>
-          <p:cNvCxnSpPr>
-            <a:stCxn id="41" idx="3"/>
-            <a:endCxn id="102" idx="1"/>
-          </p:cNvCxnSpPr>
-          <p:nvPr/>
-        </p:nvCxnSpPr>
-        <p:spPr>
-          <a:xfrm flipV="1">
-            <a:off x="3189045" y="7415006"/>
-            <a:ext cx="482768" cy="318614"/>
-          </a:xfrm>
-          <a:prstGeom prst="bentConnector3">
-            <a:avLst>
-              <a:gd name="adj1" fmla="val 50000"/>
-            </a:avLst>
-          </a:prstGeom>
-          <a:ln>
-            <a:tailEnd type="triangle"/>
-          </a:ln>
-        </p:spPr>
-        <p:style>
-          <a:lnRef idx="2">
-            <a:schemeClr val="accent4"/>
-          </a:lnRef>
-          <a:fillRef idx="0">
-            <a:schemeClr val="accent4"/>
-          </a:fillRef>
-          <a:effectRef idx="1">
-            <a:schemeClr val="accent4"/>
-          </a:effectRef>
-          <a:fontRef idx="minor">
-            <a:schemeClr val="tx1"/>
-          </a:fontRef>
-        </p:style>
-      </p:cxnSp>
-      <p:cxnSp>
-        <p:nvCxnSpPr>
-          <p:cNvPr id="132" name="Conector: Angulado 131"/>
-          <p:cNvCxnSpPr>
-            <a:stCxn id="41" idx="3"/>
-            <a:endCxn id="103" idx="1"/>
-          </p:cNvCxnSpPr>
-          <p:nvPr/>
-        </p:nvCxnSpPr>
-        <p:spPr>
-          <a:xfrm>
-            <a:off x="3189045" y="7733620"/>
-            <a:ext cx="482768" cy="371284"/>
+            <a:ext cx="301075" cy="153569"/>
           </a:xfrm>
           <a:prstGeom prst="bentConnector3">
             <a:avLst>
@@ -7005,10 +6507,1274 @@
           </a:fontRef>
         </p:style>
       </p:cxnSp>
+      <p:sp>
+        <p:nvSpPr>
+          <p:cNvPr id="58" name="Retângulo de cantos arredondados 6">
+            <a:extLst>
+              <a:ext uri="{FF2B5EF4-FFF2-40B4-BE49-F238E27FC236}">
+                <a16:creationId xmlns:a16="http://schemas.microsoft.com/office/drawing/2014/main" id="{2AD629CB-3FCD-42E5-940D-8B12EE4753B4}"/>
+              </a:ext>
+            </a:extLst>
+          </p:cNvPr>
+          <p:cNvSpPr/>
+          <p:nvPr/>
+        </p:nvSpPr>
+        <p:spPr>
+          <a:xfrm>
+            <a:off x="3455564" y="1349388"/>
+            <a:ext cx="1963855" cy="1667082"/>
+          </a:xfrm>
+          <a:prstGeom prst="roundRect">
+            <a:avLst/>
+          </a:prstGeom>
+          <a:ln>
+            <a:noFill/>
+          </a:ln>
+        </p:spPr>
+        <p:style>
+          <a:lnRef idx="1">
+            <a:schemeClr val="dk1"/>
+          </a:lnRef>
+          <a:fillRef idx="2">
+            <a:schemeClr val="dk1"/>
+          </a:fillRef>
+          <a:effectRef idx="1">
+            <a:schemeClr val="dk1"/>
+          </a:effectRef>
+          <a:fontRef idx="minor">
+            <a:schemeClr val="dk1"/>
+          </a:fontRef>
+        </p:style>
+        <p:txBody>
+          <a:bodyPr rtlCol="0" anchor="ctr"/>
+          <a:lstStyle/>
+          <a:p>
+            <a:pPr algn="ctr"/>
+            <a:r>
+              <a:rPr lang="pt-BR" sz="1100" dirty="0">
+                <a:latin typeface="Arial" panose="020B0604020202020204" pitchFamily="34" charset="0"/>
+                <a:cs typeface="Arial" panose="020B0604020202020204" pitchFamily="34" charset="0"/>
+              </a:rPr>
+              <a:t>Definição do Problema</a:t>
+            </a:r>
+          </a:p>
+        </p:txBody>
+      </p:sp>
+      <p:sp>
+        <p:nvSpPr>
+          <p:cNvPr id="59" name="Retângulo de cantos arredondados 6">
+            <a:extLst>
+              <a:ext uri="{FF2B5EF4-FFF2-40B4-BE49-F238E27FC236}">
+                <a16:creationId xmlns:a16="http://schemas.microsoft.com/office/drawing/2014/main" id="{1B79CA95-7D5D-4315-A53D-5952671CAE34}"/>
+              </a:ext>
+            </a:extLst>
+          </p:cNvPr>
+          <p:cNvSpPr/>
+          <p:nvPr/>
+        </p:nvSpPr>
+        <p:spPr>
+          <a:xfrm>
+            <a:off x="3477077" y="4680421"/>
+            <a:ext cx="1785323" cy="433845"/>
+          </a:xfrm>
+          <a:prstGeom prst="roundRect">
+            <a:avLst/>
+          </a:prstGeom>
+          <a:ln>
+            <a:noFill/>
+          </a:ln>
+        </p:spPr>
+        <p:style>
+          <a:lnRef idx="1">
+            <a:schemeClr val="dk1"/>
+          </a:lnRef>
+          <a:fillRef idx="2">
+            <a:schemeClr val="dk1"/>
+          </a:fillRef>
+          <a:effectRef idx="1">
+            <a:schemeClr val="dk1"/>
+          </a:effectRef>
+          <a:fontRef idx="minor">
+            <a:schemeClr val="dk1"/>
+          </a:fontRef>
+        </p:style>
+        <p:txBody>
+          <a:bodyPr rtlCol="0" anchor="ctr"/>
+          <a:lstStyle/>
+          <a:p>
+            <a:pPr algn="ctr"/>
+            <a:r>
+              <a:rPr lang="pt-BR" sz="1100" dirty="0">
+                <a:latin typeface="Arial" panose="020B0604020202020204" pitchFamily="34" charset="0"/>
+                <a:cs typeface="Arial" panose="020B0604020202020204" pitchFamily="34" charset="0"/>
+              </a:rPr>
+              <a:t>Validação do Modelo Computacional</a:t>
+            </a:r>
+          </a:p>
+        </p:txBody>
+      </p:sp>
     </p:spTree>
     <p:extLst>
       <p:ext uri="{BB962C8B-B14F-4D97-AF65-F5344CB8AC3E}">
         <p14:creationId xmlns:p14="http://schemas.microsoft.com/office/powerpoint/2010/main" val="477443239"/>
+      </p:ext>
+    </p:extLst>
+  </p:cSld>
+  <p:clrMapOvr>
+    <a:masterClrMapping/>
+  </p:clrMapOvr>
+</p:sld>
+</file>
+
+<file path=ppt/slides/slide11.xml><?xml version="1.0" encoding="utf-8"?>
+<p:sld xmlns:a="http://schemas.openxmlformats.org/drawingml/2006/main" xmlns:r="http://schemas.openxmlformats.org/officeDocument/2006/relationships" xmlns:p="http://schemas.openxmlformats.org/presentationml/2006/main">
+  <p:cSld>
+    <p:spTree>
+      <p:nvGrpSpPr>
+        <p:cNvPr id="1" name=""/>
+        <p:cNvGrpSpPr/>
+        <p:nvPr/>
+      </p:nvGrpSpPr>
+      <p:grpSpPr>
+        <a:xfrm>
+          <a:off x="0" y="0"/>
+          <a:ext cx="0" cy="0"/>
+          <a:chOff x="0" y="0"/>
+          <a:chExt cx="0" cy="0"/>
+        </a:xfrm>
+      </p:grpSpPr>
+      <p:sp>
+        <p:nvSpPr>
+          <p:cNvPr id="15" name="Retângulo de cantos arredondados 99"/>
+          <p:cNvSpPr/>
+          <p:nvPr/>
+        </p:nvSpPr>
+        <p:spPr>
+          <a:xfrm>
+            <a:off x="172488" y="647972"/>
+            <a:ext cx="5497674" cy="7344817"/>
+          </a:xfrm>
+          <a:prstGeom prst="roundRect">
+            <a:avLst>
+              <a:gd name="adj" fmla="val 6337"/>
+            </a:avLst>
+          </a:prstGeom>
+          <a:solidFill>
+            <a:schemeClr val="bg1">
+              <a:lumMod val="95000"/>
+            </a:schemeClr>
+          </a:solidFill>
+          <a:ln>
+            <a:noFill/>
+          </a:ln>
+        </p:spPr>
+        <p:style>
+          <a:lnRef idx="1">
+            <a:schemeClr val="accent1"/>
+          </a:lnRef>
+          <a:fillRef idx="3">
+            <a:schemeClr val="accent1"/>
+          </a:fillRef>
+          <a:effectRef idx="2">
+            <a:schemeClr val="accent1"/>
+          </a:effectRef>
+          <a:fontRef idx="minor">
+            <a:schemeClr val="lt1"/>
+          </a:fontRef>
+        </p:style>
+        <p:txBody>
+          <a:bodyPr rtlCol="0" anchor="t"/>
+          <a:lstStyle/>
+          <a:p>
+            <a:pPr algn="ctr"/>
+            <a:endParaRPr lang="pt-BR" sz="1200" b="1" dirty="0">
+              <a:solidFill>
+                <a:schemeClr val="tx1"/>
+              </a:solidFill>
+              <a:latin typeface="Arial" panose="020B0604020202020204" pitchFamily="34" charset="0"/>
+              <a:cs typeface="Arial" panose="020B0604020202020204" pitchFamily="34" charset="0"/>
+            </a:endParaRPr>
+          </a:p>
+        </p:txBody>
+      </p:sp>
+      <p:cxnSp>
+        <p:nvCxnSpPr>
+          <p:cNvPr id="40" name="Conector reto 39">
+            <a:extLst>
+              <a:ext uri="{FF2B5EF4-FFF2-40B4-BE49-F238E27FC236}">
+                <a16:creationId xmlns:a16="http://schemas.microsoft.com/office/drawing/2014/main" id="{25A69AD0-D39C-4C01-9485-DD7BAE79A11A}"/>
+              </a:ext>
+            </a:extLst>
+          </p:cNvPr>
+          <p:cNvCxnSpPr/>
+          <p:nvPr/>
+        </p:nvCxnSpPr>
+        <p:spPr>
+          <a:xfrm>
+            <a:off x="312386" y="2823917"/>
+            <a:ext cx="5256584" cy="0"/>
+          </a:xfrm>
+          <a:prstGeom prst="line">
+            <a:avLst/>
+          </a:prstGeom>
+        </p:spPr>
+        <p:style>
+          <a:lnRef idx="1">
+            <a:schemeClr val="dk1"/>
+          </a:lnRef>
+          <a:fillRef idx="0">
+            <a:schemeClr val="dk1"/>
+          </a:fillRef>
+          <a:effectRef idx="0">
+            <a:schemeClr val="dk1"/>
+          </a:effectRef>
+          <a:fontRef idx="minor">
+            <a:schemeClr val="tx1"/>
+          </a:fontRef>
+        </p:style>
+      </p:cxnSp>
+      <p:sp>
+        <p:nvSpPr>
+          <p:cNvPr id="36" name="Retângulo de cantos arredondados 6"/>
+          <p:cNvSpPr/>
+          <p:nvPr/>
+        </p:nvSpPr>
+        <p:spPr>
+          <a:xfrm>
+            <a:off x="3050404" y="1706292"/>
+            <a:ext cx="2160000" cy="903657"/>
+          </a:xfrm>
+          <a:prstGeom prst="roundRect">
+            <a:avLst/>
+          </a:prstGeom>
+          <a:ln/>
+        </p:spPr>
+        <p:style>
+          <a:lnRef idx="1">
+            <a:schemeClr val="accent4"/>
+          </a:lnRef>
+          <a:fillRef idx="3">
+            <a:schemeClr val="accent4"/>
+          </a:fillRef>
+          <a:effectRef idx="2">
+            <a:schemeClr val="accent4"/>
+          </a:effectRef>
+          <a:fontRef idx="minor">
+            <a:schemeClr val="lt1"/>
+          </a:fontRef>
+        </p:style>
+        <p:txBody>
+          <a:bodyPr rtlCol="0" anchor="ctr"/>
+          <a:lstStyle/>
+          <a:p>
+            <a:pPr algn="ctr"/>
+            <a:r>
+              <a:rPr lang="en-US" sz="1050" b="1" dirty="0" err="1">
+                <a:latin typeface="Arial" panose="020B0604020202020204" pitchFamily="34" charset="0"/>
+                <a:cs typeface="Arial" panose="020B0604020202020204" pitchFamily="34" charset="0"/>
+              </a:rPr>
+              <a:t>Estruturação</a:t>
+            </a:r>
+            <a:r>
+              <a:rPr lang="en-US" sz="1050" b="1" dirty="0">
+                <a:latin typeface="Arial" panose="020B0604020202020204" pitchFamily="34" charset="0"/>
+                <a:cs typeface="Arial" panose="020B0604020202020204" pitchFamily="34" charset="0"/>
+              </a:rPr>
+              <a:t> do </a:t>
+            </a:r>
+            <a:r>
+              <a:rPr lang="en-US" sz="1050" b="1" dirty="0" err="1">
+                <a:latin typeface="Arial" panose="020B0604020202020204" pitchFamily="34" charset="0"/>
+                <a:cs typeface="Arial" panose="020B0604020202020204" pitchFamily="34" charset="0"/>
+              </a:rPr>
+              <a:t>Problema</a:t>
+            </a:r>
+            <a:endParaRPr lang="en-US" sz="1050" b="1" dirty="0">
+              <a:latin typeface="Arial" panose="020B0604020202020204" pitchFamily="34" charset="0"/>
+              <a:cs typeface="Arial" panose="020B0604020202020204" pitchFamily="34" charset="0"/>
+            </a:endParaRPr>
+          </a:p>
+        </p:txBody>
+      </p:sp>
+      <p:sp>
+        <p:nvSpPr>
+          <p:cNvPr id="37" name="Retângulo de cantos arredondados 6"/>
+          <p:cNvSpPr/>
+          <p:nvPr/>
+        </p:nvSpPr>
+        <p:spPr>
+          <a:xfrm>
+            <a:off x="3050404" y="3050158"/>
+            <a:ext cx="2160000" cy="3020216"/>
+          </a:xfrm>
+          <a:prstGeom prst="roundRect">
+            <a:avLst/>
+          </a:prstGeom>
+          <a:ln/>
+        </p:spPr>
+        <p:style>
+          <a:lnRef idx="1">
+            <a:schemeClr val="accent4"/>
+          </a:lnRef>
+          <a:fillRef idx="3">
+            <a:schemeClr val="accent4"/>
+          </a:fillRef>
+          <a:effectRef idx="2">
+            <a:schemeClr val="accent4"/>
+          </a:effectRef>
+          <a:fontRef idx="minor">
+            <a:schemeClr val="lt1"/>
+          </a:fontRef>
+        </p:style>
+        <p:txBody>
+          <a:bodyPr rtlCol="0" anchor="ctr"/>
+          <a:lstStyle/>
+          <a:p>
+            <a:pPr algn="ctr"/>
+            <a:r>
+              <a:rPr lang="en-US" sz="1050" b="1" dirty="0" err="1">
+                <a:latin typeface="Arial" panose="020B0604020202020204" pitchFamily="34" charset="0"/>
+                <a:cs typeface="Arial" panose="020B0604020202020204" pitchFamily="34" charset="0"/>
+              </a:rPr>
+              <a:t>Geração</a:t>
+            </a:r>
+            <a:r>
+              <a:rPr lang="en-US" sz="1050" b="1" dirty="0">
+                <a:latin typeface="Arial" panose="020B0604020202020204" pitchFamily="34" charset="0"/>
+                <a:cs typeface="Arial" panose="020B0604020202020204" pitchFamily="34" charset="0"/>
+              </a:rPr>
+              <a:t> de </a:t>
+            </a:r>
+            <a:r>
+              <a:rPr lang="en-US" sz="1050" b="1" dirty="0" err="1">
+                <a:latin typeface="Arial" panose="020B0604020202020204" pitchFamily="34" charset="0"/>
+                <a:cs typeface="Arial" panose="020B0604020202020204" pitchFamily="34" charset="0"/>
+              </a:rPr>
+              <a:t>Casos</a:t>
+            </a:r>
+            <a:endParaRPr lang="en-US" sz="1050" b="1" dirty="0">
+              <a:latin typeface="Arial" panose="020B0604020202020204" pitchFamily="34" charset="0"/>
+              <a:cs typeface="Arial" panose="020B0604020202020204" pitchFamily="34" charset="0"/>
+            </a:endParaRPr>
+          </a:p>
+          <a:p>
+            <a:endParaRPr lang="en-US" sz="1050" dirty="0">
+              <a:latin typeface="Arial" panose="020B0604020202020204" pitchFamily="34" charset="0"/>
+              <a:cs typeface="Arial" panose="020B0604020202020204" pitchFamily="34" charset="0"/>
+            </a:endParaRPr>
+          </a:p>
+        </p:txBody>
+      </p:sp>
+      <p:sp>
+        <p:nvSpPr>
+          <p:cNvPr id="38" name="Retângulo de cantos arredondados 6"/>
+          <p:cNvSpPr/>
+          <p:nvPr/>
+        </p:nvSpPr>
+        <p:spPr>
+          <a:xfrm>
+            <a:off x="3050404" y="6442688"/>
+            <a:ext cx="2160000" cy="490670"/>
+          </a:xfrm>
+          <a:prstGeom prst="roundRect">
+            <a:avLst/>
+          </a:prstGeom>
+          <a:ln/>
+        </p:spPr>
+        <p:style>
+          <a:lnRef idx="1">
+            <a:schemeClr val="accent4"/>
+          </a:lnRef>
+          <a:fillRef idx="3">
+            <a:schemeClr val="accent4"/>
+          </a:fillRef>
+          <a:effectRef idx="2">
+            <a:schemeClr val="accent4"/>
+          </a:effectRef>
+          <a:fontRef idx="minor">
+            <a:schemeClr val="lt1"/>
+          </a:fontRef>
+        </p:style>
+        <p:txBody>
+          <a:bodyPr rtlCol="0" anchor="ctr"/>
+          <a:lstStyle/>
+          <a:p>
+            <a:pPr algn="ctr"/>
+            <a:r>
+              <a:rPr lang="en-US" sz="1050" b="1" dirty="0" err="1">
+                <a:latin typeface="Arial" panose="020B0604020202020204" pitchFamily="34" charset="0"/>
+                <a:cs typeface="Arial" panose="020B0604020202020204" pitchFamily="34" charset="0"/>
+              </a:rPr>
+              <a:t>Descoberta</a:t>
+            </a:r>
+            <a:r>
+              <a:rPr lang="en-US" sz="1050" b="1" dirty="0">
+                <a:latin typeface="Arial" panose="020B0604020202020204" pitchFamily="34" charset="0"/>
+                <a:cs typeface="Arial" panose="020B0604020202020204" pitchFamily="34" charset="0"/>
+              </a:rPr>
+              <a:t> de </a:t>
+            </a:r>
+            <a:r>
+              <a:rPr lang="en-US" sz="1050" b="1" dirty="0" err="1">
+                <a:latin typeface="Arial" panose="020B0604020202020204" pitchFamily="34" charset="0"/>
+                <a:cs typeface="Arial" panose="020B0604020202020204" pitchFamily="34" charset="0"/>
+              </a:rPr>
+              <a:t>Cenários</a:t>
+            </a:r>
+            <a:endParaRPr lang="en-US" sz="1050" dirty="0">
+              <a:latin typeface="Arial" panose="020B0604020202020204" pitchFamily="34" charset="0"/>
+              <a:cs typeface="Arial" panose="020B0604020202020204" pitchFamily="34" charset="0"/>
+            </a:endParaRPr>
+          </a:p>
+        </p:txBody>
+      </p:sp>
+      <p:sp>
+        <p:nvSpPr>
+          <p:cNvPr id="41" name="Retângulo de cantos arredondados 6"/>
+          <p:cNvSpPr/>
+          <p:nvPr/>
+        </p:nvSpPr>
+        <p:spPr>
+          <a:xfrm>
+            <a:off x="3050404" y="7328607"/>
+            <a:ext cx="2160000" cy="515128"/>
+          </a:xfrm>
+          <a:prstGeom prst="roundRect">
+            <a:avLst/>
+          </a:prstGeom>
+          <a:ln/>
+        </p:spPr>
+        <p:style>
+          <a:lnRef idx="1">
+            <a:schemeClr val="accent4"/>
+          </a:lnRef>
+          <a:fillRef idx="3">
+            <a:schemeClr val="accent4"/>
+          </a:fillRef>
+          <a:effectRef idx="2">
+            <a:schemeClr val="accent4"/>
+          </a:effectRef>
+          <a:fontRef idx="minor">
+            <a:schemeClr val="lt1"/>
+          </a:fontRef>
+        </p:style>
+        <p:txBody>
+          <a:bodyPr rtlCol="0" anchor="ctr"/>
+          <a:lstStyle/>
+          <a:p>
+            <a:pPr algn="ctr"/>
+            <a:r>
+              <a:rPr lang="en-US" sz="1050" b="1">
+                <a:latin typeface="Arial" panose="020B0604020202020204" pitchFamily="34" charset="0"/>
+                <a:cs typeface="Arial" panose="020B0604020202020204" pitchFamily="34" charset="0"/>
+              </a:rPr>
+              <a:t> </a:t>
+            </a:r>
+            <a:r>
+              <a:rPr lang="en-US" sz="1050" b="1" dirty="0" err="1">
+                <a:latin typeface="Arial" panose="020B0604020202020204" pitchFamily="34" charset="0"/>
+                <a:cs typeface="Arial" panose="020B0604020202020204" pitchFamily="34" charset="0"/>
+              </a:rPr>
+              <a:t>Análise</a:t>
+            </a:r>
+            <a:r>
+              <a:rPr lang="en-US" sz="1050" b="1" dirty="0">
+                <a:latin typeface="Arial" panose="020B0604020202020204" pitchFamily="34" charset="0"/>
+                <a:cs typeface="Arial" panose="020B0604020202020204" pitchFamily="34" charset="0"/>
+              </a:rPr>
+              <a:t> de Tradeoff</a:t>
+            </a:r>
+          </a:p>
+        </p:txBody>
+      </p:sp>
+      <p:sp>
+        <p:nvSpPr>
+          <p:cNvPr id="93" name="Retângulo de cantos arredondados 6"/>
+          <p:cNvSpPr/>
+          <p:nvPr/>
+        </p:nvSpPr>
+        <p:spPr>
+          <a:xfrm>
+            <a:off x="3050404" y="843309"/>
+            <a:ext cx="2160000" cy="624147"/>
+          </a:xfrm>
+          <a:prstGeom prst="roundRect">
+            <a:avLst/>
+          </a:prstGeom>
+          <a:ln/>
+        </p:spPr>
+        <p:style>
+          <a:lnRef idx="1">
+            <a:schemeClr val="accent4"/>
+          </a:lnRef>
+          <a:fillRef idx="3">
+            <a:schemeClr val="accent4"/>
+          </a:fillRef>
+          <a:effectRef idx="2">
+            <a:schemeClr val="accent4"/>
+          </a:effectRef>
+          <a:fontRef idx="minor">
+            <a:schemeClr val="lt1"/>
+          </a:fontRef>
+        </p:style>
+        <p:txBody>
+          <a:bodyPr rtlCol="0" anchor="ctr"/>
+          <a:lstStyle/>
+          <a:p>
+            <a:pPr algn="ctr"/>
+            <a:r>
+              <a:rPr lang="en-US" sz="1050" b="1" dirty="0">
+                <a:latin typeface="Arial" panose="020B0604020202020204" pitchFamily="34" charset="0"/>
+                <a:cs typeface="Arial" panose="020B0604020202020204" pitchFamily="34" charset="0"/>
+              </a:rPr>
+              <a:t>Macro-</a:t>
+            </a:r>
+            <a:r>
+              <a:rPr lang="en-US" sz="1050" b="1" dirty="0" err="1">
+                <a:latin typeface="Arial" panose="020B0604020202020204" pitchFamily="34" charset="0"/>
+                <a:cs typeface="Arial" panose="020B0604020202020204" pitchFamily="34" charset="0"/>
+              </a:rPr>
+              <a:t>Etapas</a:t>
+            </a:r>
+            <a:r>
+              <a:rPr lang="en-US" sz="1050" b="1" dirty="0">
+                <a:latin typeface="Arial" panose="020B0604020202020204" pitchFamily="34" charset="0"/>
+                <a:cs typeface="Arial" panose="020B0604020202020204" pitchFamily="34" charset="0"/>
+              </a:rPr>
+              <a:t> do RDM</a:t>
+            </a:r>
+          </a:p>
+        </p:txBody>
+      </p:sp>
+      <p:sp>
+        <p:nvSpPr>
+          <p:cNvPr id="94" name="Retângulo de cantos arredondados 6"/>
+          <p:cNvSpPr/>
+          <p:nvPr/>
+        </p:nvSpPr>
+        <p:spPr>
+          <a:xfrm>
+            <a:off x="306255" y="843309"/>
+            <a:ext cx="2160000" cy="624147"/>
+          </a:xfrm>
+          <a:prstGeom prst="roundRect">
+            <a:avLst/>
+          </a:prstGeom>
+          <a:ln>
+            <a:noFill/>
+          </a:ln>
+        </p:spPr>
+        <p:style>
+          <a:lnRef idx="1">
+            <a:schemeClr val="dk1"/>
+          </a:lnRef>
+          <a:fillRef idx="2">
+            <a:schemeClr val="dk1"/>
+          </a:fillRef>
+          <a:effectRef idx="1">
+            <a:schemeClr val="dk1"/>
+          </a:effectRef>
+          <a:fontRef idx="minor">
+            <a:schemeClr val="dk1"/>
+          </a:fontRef>
+        </p:style>
+        <p:txBody>
+          <a:bodyPr rtlCol="0" anchor="ctr"/>
+          <a:lstStyle/>
+          <a:p>
+            <a:pPr algn="ctr"/>
+            <a:r>
+              <a:rPr lang="pt-BR" sz="1200" b="1" dirty="0">
+                <a:latin typeface="Arial" panose="020B0604020202020204" pitchFamily="34" charset="0"/>
+                <a:cs typeface="Arial" panose="020B0604020202020204" pitchFamily="34" charset="0"/>
+              </a:rPr>
+              <a:t>Etapas do Método de Modelagem</a:t>
+            </a:r>
+          </a:p>
+        </p:txBody>
+      </p:sp>
+      <p:sp>
+        <p:nvSpPr>
+          <p:cNvPr id="98" name="Retângulo de cantos arredondados 6"/>
+          <p:cNvSpPr/>
+          <p:nvPr/>
+        </p:nvSpPr>
+        <p:spPr>
+          <a:xfrm>
+            <a:off x="306255" y="3057061"/>
+            <a:ext cx="2160000" cy="455580"/>
+          </a:xfrm>
+          <a:prstGeom prst="roundRect">
+            <a:avLst/>
+          </a:prstGeom>
+          <a:ln>
+            <a:noFill/>
+          </a:ln>
+        </p:spPr>
+        <p:style>
+          <a:lnRef idx="1">
+            <a:schemeClr val="dk1"/>
+          </a:lnRef>
+          <a:fillRef idx="2">
+            <a:schemeClr val="dk1"/>
+          </a:fillRef>
+          <a:effectRef idx="1">
+            <a:schemeClr val="dk1"/>
+          </a:effectRef>
+          <a:fontRef idx="minor">
+            <a:schemeClr val="dk1"/>
+          </a:fontRef>
+        </p:style>
+        <p:txBody>
+          <a:bodyPr rtlCol="0" anchor="ctr"/>
+          <a:lstStyle/>
+          <a:p>
+            <a:pPr algn="ctr"/>
+            <a:r>
+              <a:rPr lang="pt-BR" sz="1200" dirty="0">
+                <a:latin typeface="Arial" panose="020B0604020202020204" pitchFamily="34" charset="0"/>
+                <a:cs typeface="Arial" panose="020B0604020202020204" pitchFamily="34" charset="0"/>
+              </a:rPr>
+              <a:t>Formulação do Modelo</a:t>
+            </a:r>
+          </a:p>
+        </p:txBody>
+      </p:sp>
+      <p:sp>
+        <p:nvSpPr>
+          <p:cNvPr id="99" name="Retângulo de cantos arredondados 6"/>
+          <p:cNvSpPr/>
+          <p:nvPr/>
+        </p:nvSpPr>
+        <p:spPr>
+          <a:xfrm>
+            <a:off x="306255" y="3908651"/>
+            <a:ext cx="2160000" cy="477229"/>
+          </a:xfrm>
+          <a:prstGeom prst="roundRect">
+            <a:avLst/>
+          </a:prstGeom>
+          <a:ln>
+            <a:noFill/>
+          </a:ln>
+        </p:spPr>
+        <p:style>
+          <a:lnRef idx="1">
+            <a:schemeClr val="dk1"/>
+          </a:lnRef>
+          <a:fillRef idx="2">
+            <a:schemeClr val="dk1"/>
+          </a:fillRef>
+          <a:effectRef idx="1">
+            <a:schemeClr val="dk1"/>
+          </a:effectRef>
+          <a:fontRef idx="minor">
+            <a:schemeClr val="dk1"/>
+          </a:fontRef>
+        </p:style>
+        <p:txBody>
+          <a:bodyPr rtlCol="0" anchor="ctr"/>
+          <a:lstStyle/>
+          <a:p>
+            <a:pPr algn="ctr"/>
+            <a:r>
+              <a:rPr lang="pt-BR" sz="1200" dirty="0">
+                <a:latin typeface="Arial" panose="020B0604020202020204" pitchFamily="34" charset="0"/>
+                <a:cs typeface="Arial" panose="020B0604020202020204" pitchFamily="34" charset="0"/>
+              </a:rPr>
+              <a:t>Implementação do modelo Computacional</a:t>
+            </a:r>
+          </a:p>
+        </p:txBody>
+      </p:sp>
+      <p:sp>
+        <p:nvSpPr>
+          <p:cNvPr id="100" name="Retângulo de cantos arredondados 6"/>
+          <p:cNvSpPr/>
+          <p:nvPr/>
+        </p:nvSpPr>
+        <p:spPr>
+          <a:xfrm>
+            <a:off x="306255" y="5484785"/>
+            <a:ext cx="2160000" cy="624147"/>
+          </a:xfrm>
+          <a:prstGeom prst="roundRect">
+            <a:avLst/>
+          </a:prstGeom>
+          <a:ln>
+            <a:noFill/>
+          </a:ln>
+        </p:spPr>
+        <p:style>
+          <a:lnRef idx="1">
+            <a:schemeClr val="dk1"/>
+          </a:lnRef>
+          <a:fillRef idx="2">
+            <a:schemeClr val="dk1"/>
+          </a:fillRef>
+          <a:effectRef idx="1">
+            <a:schemeClr val="dk1"/>
+          </a:effectRef>
+          <a:fontRef idx="minor">
+            <a:schemeClr val="dk1"/>
+          </a:fontRef>
+        </p:style>
+        <p:txBody>
+          <a:bodyPr rtlCol="0" anchor="ctr"/>
+          <a:lstStyle/>
+          <a:p>
+            <a:pPr algn="ctr"/>
+            <a:r>
+              <a:rPr lang="pt-BR" sz="1200" dirty="0">
+                <a:latin typeface="Arial" panose="020B0604020202020204" pitchFamily="34" charset="0"/>
+                <a:cs typeface="Arial" panose="020B0604020202020204" pitchFamily="34" charset="0"/>
+              </a:rPr>
+              <a:t>Execução do Modelo Computacional</a:t>
+            </a:r>
+          </a:p>
+        </p:txBody>
+      </p:sp>
+      <p:sp>
+        <p:nvSpPr>
+          <p:cNvPr id="101" name="Retângulo de cantos arredondados 6"/>
+          <p:cNvSpPr/>
+          <p:nvPr/>
+        </p:nvSpPr>
+        <p:spPr>
+          <a:xfrm>
+            <a:off x="306255" y="6408612"/>
+            <a:ext cx="2160000" cy="1435123"/>
+          </a:xfrm>
+          <a:prstGeom prst="roundRect">
+            <a:avLst/>
+          </a:prstGeom>
+          <a:ln>
+            <a:noFill/>
+          </a:ln>
+        </p:spPr>
+        <p:style>
+          <a:lnRef idx="1">
+            <a:schemeClr val="dk1"/>
+          </a:lnRef>
+          <a:fillRef idx="2">
+            <a:schemeClr val="dk1"/>
+          </a:fillRef>
+          <a:effectRef idx="1">
+            <a:schemeClr val="dk1"/>
+          </a:effectRef>
+          <a:fontRef idx="minor">
+            <a:schemeClr val="dk1"/>
+          </a:fontRef>
+        </p:style>
+        <p:txBody>
+          <a:bodyPr rtlCol="0" anchor="ctr"/>
+          <a:lstStyle/>
+          <a:p>
+            <a:pPr algn="ctr"/>
+            <a:r>
+              <a:rPr lang="pt-BR" sz="1200" dirty="0">
+                <a:latin typeface="Arial" panose="020B0604020202020204" pitchFamily="34" charset="0"/>
+                <a:cs typeface="Arial" panose="020B0604020202020204" pitchFamily="34" charset="0"/>
+              </a:rPr>
+              <a:t>Análise dos Resultados</a:t>
+            </a:r>
+          </a:p>
+        </p:txBody>
+      </p:sp>
+      <p:sp>
+        <p:nvSpPr>
+          <p:cNvPr id="58" name="Retângulo de cantos arredondados 6">
+            <a:extLst>
+              <a:ext uri="{FF2B5EF4-FFF2-40B4-BE49-F238E27FC236}">
+                <a16:creationId xmlns:a16="http://schemas.microsoft.com/office/drawing/2014/main" id="{2AD629CB-3FCD-42E5-940D-8B12EE4753B4}"/>
+              </a:ext>
+            </a:extLst>
+          </p:cNvPr>
+          <p:cNvSpPr/>
+          <p:nvPr/>
+        </p:nvSpPr>
+        <p:spPr>
+          <a:xfrm>
+            <a:off x="306255" y="1706292"/>
+            <a:ext cx="2160000" cy="935216"/>
+          </a:xfrm>
+          <a:prstGeom prst="roundRect">
+            <a:avLst/>
+          </a:prstGeom>
+          <a:ln>
+            <a:noFill/>
+          </a:ln>
+        </p:spPr>
+        <p:style>
+          <a:lnRef idx="1">
+            <a:schemeClr val="dk1"/>
+          </a:lnRef>
+          <a:fillRef idx="2">
+            <a:schemeClr val="dk1"/>
+          </a:fillRef>
+          <a:effectRef idx="1">
+            <a:schemeClr val="dk1"/>
+          </a:effectRef>
+          <a:fontRef idx="minor">
+            <a:schemeClr val="dk1"/>
+          </a:fontRef>
+        </p:style>
+        <p:txBody>
+          <a:bodyPr rtlCol="0" anchor="ctr"/>
+          <a:lstStyle/>
+          <a:p>
+            <a:pPr algn="ctr"/>
+            <a:r>
+              <a:rPr lang="pt-BR" sz="1200" dirty="0">
+                <a:latin typeface="Arial" panose="020B0604020202020204" pitchFamily="34" charset="0"/>
+                <a:cs typeface="Arial" panose="020B0604020202020204" pitchFamily="34" charset="0"/>
+              </a:rPr>
+              <a:t>Definição do Problema</a:t>
+            </a:r>
+          </a:p>
+        </p:txBody>
+      </p:sp>
+      <p:sp>
+        <p:nvSpPr>
+          <p:cNvPr id="59" name="Retângulo de cantos arredondados 6">
+            <a:extLst>
+              <a:ext uri="{FF2B5EF4-FFF2-40B4-BE49-F238E27FC236}">
+                <a16:creationId xmlns:a16="http://schemas.microsoft.com/office/drawing/2014/main" id="{1B79CA95-7D5D-4315-A53D-5952671CAE34}"/>
+              </a:ext>
+            </a:extLst>
+          </p:cNvPr>
+          <p:cNvSpPr/>
+          <p:nvPr/>
+        </p:nvSpPr>
+        <p:spPr>
+          <a:xfrm>
+            <a:off x="306255" y="4718410"/>
+            <a:ext cx="2160000" cy="433845"/>
+          </a:xfrm>
+          <a:prstGeom prst="roundRect">
+            <a:avLst/>
+          </a:prstGeom>
+          <a:ln>
+            <a:noFill/>
+          </a:ln>
+        </p:spPr>
+        <p:style>
+          <a:lnRef idx="1">
+            <a:schemeClr val="dk1"/>
+          </a:lnRef>
+          <a:fillRef idx="2">
+            <a:schemeClr val="dk1"/>
+          </a:fillRef>
+          <a:effectRef idx="1">
+            <a:schemeClr val="dk1"/>
+          </a:effectRef>
+          <a:fontRef idx="minor">
+            <a:schemeClr val="dk1"/>
+          </a:fontRef>
+        </p:style>
+        <p:txBody>
+          <a:bodyPr rtlCol="0" anchor="ctr"/>
+          <a:lstStyle/>
+          <a:p>
+            <a:pPr algn="ctr"/>
+            <a:r>
+              <a:rPr lang="pt-BR" sz="1200" dirty="0">
+                <a:latin typeface="Arial" panose="020B0604020202020204" pitchFamily="34" charset="0"/>
+                <a:cs typeface="Arial" panose="020B0604020202020204" pitchFamily="34" charset="0"/>
+              </a:rPr>
+              <a:t>Validação do Modelo Computacional</a:t>
+            </a:r>
+          </a:p>
+        </p:txBody>
+      </p:sp>
+      <p:cxnSp>
+        <p:nvCxnSpPr>
+          <p:cNvPr id="70" name="Conector: Angulado 65">
+            <a:extLst>
+              <a:ext uri="{FF2B5EF4-FFF2-40B4-BE49-F238E27FC236}">
+                <a16:creationId xmlns:a16="http://schemas.microsoft.com/office/drawing/2014/main" id="{91075764-ABBF-49BD-9566-2BD8DEB73D75}"/>
+              </a:ext>
+            </a:extLst>
+          </p:cNvPr>
+          <p:cNvCxnSpPr>
+            <a:cxnSpLocks/>
+            <a:stCxn id="36" idx="2"/>
+            <a:endCxn id="37" idx="0"/>
+          </p:cNvCxnSpPr>
+          <p:nvPr/>
+        </p:nvCxnSpPr>
+        <p:spPr>
+          <a:xfrm>
+            <a:off x="4130404" y="2609949"/>
+            <a:ext cx="0" cy="440209"/>
+          </a:xfrm>
+          <a:prstGeom prst="straightConnector1">
+            <a:avLst/>
+          </a:prstGeom>
+          <a:ln>
+            <a:tailEnd type="triangle"/>
+          </a:ln>
+        </p:spPr>
+        <p:style>
+          <a:lnRef idx="2">
+            <a:schemeClr val="accent4"/>
+          </a:lnRef>
+          <a:fillRef idx="0">
+            <a:schemeClr val="accent4"/>
+          </a:fillRef>
+          <a:effectRef idx="1">
+            <a:schemeClr val="accent4"/>
+          </a:effectRef>
+          <a:fontRef idx="minor">
+            <a:schemeClr val="tx1"/>
+          </a:fontRef>
+        </p:style>
+      </p:cxnSp>
+      <p:cxnSp>
+        <p:nvCxnSpPr>
+          <p:cNvPr id="71" name="Conector: Angulado 65">
+            <a:extLst>
+              <a:ext uri="{FF2B5EF4-FFF2-40B4-BE49-F238E27FC236}">
+                <a16:creationId xmlns:a16="http://schemas.microsoft.com/office/drawing/2014/main" id="{2C8C53F8-71F7-45A8-ABBF-94E98D4FE393}"/>
+              </a:ext>
+            </a:extLst>
+          </p:cNvPr>
+          <p:cNvCxnSpPr>
+            <a:cxnSpLocks/>
+            <a:stCxn id="38" idx="2"/>
+            <a:endCxn id="41" idx="0"/>
+          </p:cNvCxnSpPr>
+          <p:nvPr/>
+        </p:nvCxnSpPr>
+        <p:spPr>
+          <a:xfrm>
+            <a:off x="4130404" y="6933358"/>
+            <a:ext cx="0" cy="395249"/>
+          </a:xfrm>
+          <a:prstGeom prst="straightConnector1">
+            <a:avLst/>
+          </a:prstGeom>
+          <a:ln>
+            <a:tailEnd type="triangle"/>
+          </a:ln>
+        </p:spPr>
+        <p:style>
+          <a:lnRef idx="2">
+            <a:schemeClr val="accent4"/>
+          </a:lnRef>
+          <a:fillRef idx="0">
+            <a:schemeClr val="accent4"/>
+          </a:fillRef>
+          <a:effectRef idx="1">
+            <a:schemeClr val="accent4"/>
+          </a:effectRef>
+          <a:fontRef idx="minor">
+            <a:schemeClr val="tx1"/>
+          </a:fontRef>
+        </p:style>
+      </p:cxnSp>
+      <p:cxnSp>
+        <p:nvCxnSpPr>
+          <p:cNvPr id="74" name="Conector: Angulado 65">
+            <a:extLst>
+              <a:ext uri="{FF2B5EF4-FFF2-40B4-BE49-F238E27FC236}">
+                <a16:creationId xmlns:a16="http://schemas.microsoft.com/office/drawing/2014/main" id="{AF5C585C-85DA-475A-84E6-BB38F506F91C}"/>
+              </a:ext>
+            </a:extLst>
+          </p:cNvPr>
+          <p:cNvCxnSpPr>
+            <a:cxnSpLocks/>
+            <a:stCxn id="37" idx="2"/>
+            <a:endCxn id="38" idx="0"/>
+          </p:cNvCxnSpPr>
+          <p:nvPr/>
+        </p:nvCxnSpPr>
+        <p:spPr>
+          <a:xfrm>
+            <a:off x="4130404" y="6070374"/>
+            <a:ext cx="0" cy="372314"/>
+          </a:xfrm>
+          <a:prstGeom prst="straightConnector1">
+            <a:avLst/>
+          </a:prstGeom>
+          <a:ln>
+            <a:tailEnd type="triangle"/>
+          </a:ln>
+        </p:spPr>
+        <p:style>
+          <a:lnRef idx="2">
+            <a:schemeClr val="accent4"/>
+          </a:lnRef>
+          <a:fillRef idx="0">
+            <a:schemeClr val="accent4"/>
+          </a:fillRef>
+          <a:effectRef idx="1">
+            <a:schemeClr val="accent4"/>
+          </a:effectRef>
+          <a:fontRef idx="minor">
+            <a:schemeClr val="tx1"/>
+          </a:fontRef>
+        </p:style>
+      </p:cxnSp>
+      <p:cxnSp>
+        <p:nvCxnSpPr>
+          <p:cNvPr id="90" name="Conector: Angulado 65">
+            <a:extLst>
+              <a:ext uri="{FF2B5EF4-FFF2-40B4-BE49-F238E27FC236}">
+                <a16:creationId xmlns:a16="http://schemas.microsoft.com/office/drawing/2014/main" id="{74D1D46E-BFAC-48CA-85AF-E16FA4F49004}"/>
+              </a:ext>
+            </a:extLst>
+          </p:cNvPr>
+          <p:cNvCxnSpPr>
+            <a:cxnSpLocks/>
+            <a:endCxn id="98" idx="0"/>
+          </p:cNvCxnSpPr>
+          <p:nvPr/>
+        </p:nvCxnSpPr>
+        <p:spPr>
+          <a:xfrm flipH="1">
+            <a:off x="1386255" y="2641508"/>
+            <a:ext cx="6131" cy="415553"/>
+          </a:xfrm>
+          <a:prstGeom prst="straightConnector1">
+            <a:avLst/>
+          </a:prstGeom>
+          <a:ln>
+            <a:headEnd type="none" w="med" len="med"/>
+            <a:tailEnd type="triangle" w="med" len="med"/>
+          </a:ln>
+        </p:spPr>
+        <p:style>
+          <a:lnRef idx="2">
+            <a:schemeClr val="dk1"/>
+          </a:lnRef>
+          <a:fillRef idx="0">
+            <a:schemeClr val="dk1"/>
+          </a:fillRef>
+          <a:effectRef idx="1">
+            <a:schemeClr val="dk1"/>
+          </a:effectRef>
+          <a:fontRef idx="minor">
+            <a:schemeClr val="tx1"/>
+          </a:fontRef>
+        </p:style>
+      </p:cxnSp>
+      <p:cxnSp>
+        <p:nvCxnSpPr>
+          <p:cNvPr id="95" name="Conector: Angulado 65">
+            <a:extLst>
+              <a:ext uri="{FF2B5EF4-FFF2-40B4-BE49-F238E27FC236}">
+                <a16:creationId xmlns:a16="http://schemas.microsoft.com/office/drawing/2014/main" id="{5938BB38-29AA-477F-920A-9837854D7011}"/>
+              </a:ext>
+            </a:extLst>
+          </p:cNvPr>
+          <p:cNvCxnSpPr>
+            <a:cxnSpLocks/>
+            <a:stCxn id="98" idx="2"/>
+            <a:endCxn id="99" idx="0"/>
+          </p:cNvCxnSpPr>
+          <p:nvPr/>
+        </p:nvCxnSpPr>
+        <p:spPr>
+          <a:xfrm>
+            <a:off x="1386255" y="3512641"/>
+            <a:ext cx="0" cy="396010"/>
+          </a:xfrm>
+          <a:prstGeom prst="straightConnector1">
+            <a:avLst/>
+          </a:prstGeom>
+          <a:ln>
+            <a:headEnd type="none" w="med" len="med"/>
+            <a:tailEnd type="triangle" w="med" len="med"/>
+          </a:ln>
+        </p:spPr>
+        <p:style>
+          <a:lnRef idx="2">
+            <a:schemeClr val="dk1"/>
+          </a:lnRef>
+          <a:fillRef idx="0">
+            <a:schemeClr val="dk1"/>
+          </a:fillRef>
+          <a:effectRef idx="1">
+            <a:schemeClr val="dk1"/>
+          </a:effectRef>
+          <a:fontRef idx="minor">
+            <a:schemeClr val="tx1"/>
+          </a:fontRef>
+        </p:style>
+      </p:cxnSp>
+      <p:cxnSp>
+        <p:nvCxnSpPr>
+          <p:cNvPr id="110" name="Conector: Angulado 65">
+            <a:extLst>
+              <a:ext uri="{FF2B5EF4-FFF2-40B4-BE49-F238E27FC236}">
+                <a16:creationId xmlns:a16="http://schemas.microsoft.com/office/drawing/2014/main" id="{2A36C1D4-B13C-4504-8809-48AFCAD6BE08}"/>
+              </a:ext>
+            </a:extLst>
+          </p:cNvPr>
+          <p:cNvCxnSpPr>
+            <a:cxnSpLocks/>
+            <a:stCxn id="99" idx="2"/>
+            <a:endCxn id="59" idx="0"/>
+          </p:cNvCxnSpPr>
+          <p:nvPr/>
+        </p:nvCxnSpPr>
+        <p:spPr>
+          <a:xfrm>
+            <a:off x="1386255" y="4385880"/>
+            <a:ext cx="0" cy="332530"/>
+          </a:xfrm>
+          <a:prstGeom prst="straightConnector1">
+            <a:avLst/>
+          </a:prstGeom>
+          <a:ln>
+            <a:headEnd type="none" w="med" len="med"/>
+            <a:tailEnd type="triangle" w="med" len="med"/>
+          </a:ln>
+        </p:spPr>
+        <p:style>
+          <a:lnRef idx="2">
+            <a:schemeClr val="dk1"/>
+          </a:lnRef>
+          <a:fillRef idx="0">
+            <a:schemeClr val="dk1"/>
+          </a:fillRef>
+          <a:effectRef idx="1">
+            <a:schemeClr val="dk1"/>
+          </a:effectRef>
+          <a:fontRef idx="minor">
+            <a:schemeClr val="tx1"/>
+          </a:fontRef>
+        </p:style>
+      </p:cxnSp>
+      <p:cxnSp>
+        <p:nvCxnSpPr>
+          <p:cNvPr id="115" name="Conector: Angulado 65">
+            <a:extLst>
+              <a:ext uri="{FF2B5EF4-FFF2-40B4-BE49-F238E27FC236}">
+                <a16:creationId xmlns:a16="http://schemas.microsoft.com/office/drawing/2014/main" id="{C8BD0B93-7B5E-4478-B271-E762C3CB3CC7}"/>
+              </a:ext>
+            </a:extLst>
+          </p:cNvPr>
+          <p:cNvCxnSpPr>
+            <a:cxnSpLocks/>
+            <a:stCxn id="59" idx="2"/>
+            <a:endCxn id="100" idx="0"/>
+          </p:cNvCxnSpPr>
+          <p:nvPr/>
+        </p:nvCxnSpPr>
+        <p:spPr>
+          <a:xfrm>
+            <a:off x="1386255" y="5152255"/>
+            <a:ext cx="0" cy="332530"/>
+          </a:xfrm>
+          <a:prstGeom prst="straightConnector1">
+            <a:avLst/>
+          </a:prstGeom>
+          <a:ln>
+            <a:headEnd type="none" w="med" len="med"/>
+            <a:tailEnd type="triangle" w="med" len="med"/>
+          </a:ln>
+        </p:spPr>
+        <p:style>
+          <a:lnRef idx="2">
+            <a:schemeClr val="dk1"/>
+          </a:lnRef>
+          <a:fillRef idx="0">
+            <a:schemeClr val="dk1"/>
+          </a:fillRef>
+          <a:effectRef idx="1">
+            <a:schemeClr val="dk1"/>
+          </a:effectRef>
+          <a:fontRef idx="minor">
+            <a:schemeClr val="tx1"/>
+          </a:fontRef>
+        </p:style>
+      </p:cxnSp>
+      <p:cxnSp>
+        <p:nvCxnSpPr>
+          <p:cNvPr id="121" name="Conector: Angulado 65">
+            <a:extLst>
+              <a:ext uri="{FF2B5EF4-FFF2-40B4-BE49-F238E27FC236}">
+                <a16:creationId xmlns:a16="http://schemas.microsoft.com/office/drawing/2014/main" id="{A9E02D62-B624-4E52-966B-CBEDE1C133BE}"/>
+              </a:ext>
+            </a:extLst>
+          </p:cNvPr>
+          <p:cNvCxnSpPr>
+            <a:cxnSpLocks/>
+            <a:stCxn id="100" idx="2"/>
+            <a:endCxn id="101" idx="0"/>
+          </p:cNvCxnSpPr>
+          <p:nvPr/>
+        </p:nvCxnSpPr>
+        <p:spPr>
+          <a:xfrm>
+            <a:off x="1386255" y="6108932"/>
+            <a:ext cx="0" cy="299680"/>
+          </a:xfrm>
+          <a:prstGeom prst="straightConnector1">
+            <a:avLst/>
+          </a:prstGeom>
+          <a:ln>
+            <a:headEnd type="none" w="med" len="med"/>
+            <a:tailEnd type="triangle" w="med" len="med"/>
+          </a:ln>
+        </p:spPr>
+        <p:style>
+          <a:lnRef idx="2">
+            <a:schemeClr val="dk1"/>
+          </a:lnRef>
+          <a:fillRef idx="0">
+            <a:schemeClr val="dk1"/>
+          </a:fillRef>
+          <a:effectRef idx="1">
+            <a:schemeClr val="dk1"/>
+          </a:effectRef>
+          <a:fontRef idx="minor">
+            <a:schemeClr val="tx1"/>
+          </a:fontRef>
+        </p:style>
+      </p:cxnSp>
+      <p:cxnSp>
+        <p:nvCxnSpPr>
+          <p:cNvPr id="124" name="Conector reto 123">
+            <a:extLst>
+              <a:ext uri="{FF2B5EF4-FFF2-40B4-BE49-F238E27FC236}">
+                <a16:creationId xmlns:a16="http://schemas.microsoft.com/office/drawing/2014/main" id="{84C27648-D9A0-40B8-9535-7B314F4CCF21}"/>
+              </a:ext>
+            </a:extLst>
+          </p:cNvPr>
+          <p:cNvCxnSpPr/>
+          <p:nvPr/>
+        </p:nvCxnSpPr>
+        <p:spPr>
+          <a:xfrm>
+            <a:off x="330378" y="6256531"/>
+            <a:ext cx="5256584" cy="0"/>
+          </a:xfrm>
+          <a:prstGeom prst="line">
+            <a:avLst/>
+          </a:prstGeom>
+        </p:spPr>
+        <p:style>
+          <a:lnRef idx="1">
+            <a:schemeClr val="dk1"/>
+          </a:lnRef>
+          <a:fillRef idx="0">
+            <a:schemeClr val="dk1"/>
+          </a:fillRef>
+          <a:effectRef idx="0">
+            <a:schemeClr val="dk1"/>
+          </a:effectRef>
+          <a:fontRef idx="minor">
+            <a:schemeClr val="tx1"/>
+          </a:fontRef>
+        </p:style>
+      </p:cxnSp>
+    </p:spTree>
+    <p:extLst>
+      <p:ext uri="{BB962C8B-B14F-4D97-AF65-F5344CB8AC3E}">
+        <p14:creationId xmlns:p14="http://schemas.microsoft.com/office/powerpoint/2010/main" val="308656528"/>
       </p:ext>
     </p:extLst>
   </p:cSld>
@@ -20009,8 +20775,8 @@
         </p:nvSpPr>
         <p:spPr>
           <a:xfrm>
-            <a:off x="16266" y="30071"/>
-            <a:ext cx="5759450" cy="8610692"/>
+            <a:off x="16266" y="287933"/>
+            <a:ext cx="5759450" cy="8352829"/>
           </a:xfrm>
           <a:prstGeom prst="roundRect">
             <a:avLst>
@@ -20045,16 +20811,13 @@
           <a:lstStyle/>
           <a:p>
             <a:pPr algn="ctr"/>
-            <a:r>
-              <a:rPr lang="pt-BR" sz="1100" b="1" dirty="0">
-                <a:solidFill>
-                  <a:schemeClr val="tx1"/>
-                </a:solidFill>
-                <a:latin typeface="Arial" panose="020B0604020202020204" pitchFamily="34" charset="0"/>
-                <a:cs typeface="Arial" panose="020B0604020202020204" pitchFamily="34" charset="0"/>
-              </a:rPr>
-              <a:t>Desenvolvimento da Instanciação – Detalhes do RDM.</a:t>
-            </a:r>
+            <a:endParaRPr lang="pt-BR" sz="1100" b="1" dirty="0">
+              <a:solidFill>
+                <a:schemeClr val="tx1"/>
+              </a:solidFill>
+              <a:latin typeface="Arial" panose="020B0604020202020204" pitchFamily="34" charset="0"/>
+              <a:cs typeface="Arial" panose="020B0604020202020204" pitchFamily="34" charset="0"/>
+            </a:endParaRPr>
           </a:p>
         </p:txBody>
       </p:sp>
@@ -20409,6 +21172,7 @@
           </a:prstGeom>
           <a:noFill/>
           <a:ln w="12700">
+            <a:noFill/>
             <a:prstDash val="dash"/>
           </a:ln>
         </p:spPr>
@@ -20439,7 +21203,7 @@
                 <a:latin typeface="Arial" panose="020B0604020202020204" pitchFamily="34" charset="0"/>
                 <a:cs typeface="Arial" panose="020B0604020202020204" pitchFamily="34" charset="0"/>
               </a:rPr>
-              <a:t>RDM – Robust Decision Making – Visão Linear:  Etapas / Técnicas</a:t>
+              <a:t>Etapas do Método de Trabalho                            Técnicas Empregadas</a:t>
             </a:r>
             <a:endParaRPr lang="pt-BR" sz="1100" b="1" dirty="0">
               <a:latin typeface="Arial" panose="020B0604020202020204" pitchFamily="34" charset="0"/>
@@ -21794,82 +22558,6 @@
           </a:fontRef>
         </p:style>
       </p:cxnSp>
-      <p:cxnSp>
-        <p:nvCxnSpPr>
-          <p:cNvPr id="67" name="Conector: Angulado 66"/>
-          <p:cNvCxnSpPr>
-            <a:stCxn id="105" idx="1"/>
-            <a:endCxn id="36" idx="1"/>
-          </p:cNvCxnSpPr>
-          <p:nvPr/>
-        </p:nvCxnSpPr>
-        <p:spPr>
-          <a:xfrm rot="10800000">
-            <a:off x="359446" y="2097013"/>
-            <a:ext cx="109369" cy="4590864"/>
-          </a:xfrm>
-          <a:prstGeom prst="bentConnector3">
-            <a:avLst>
-              <a:gd name="adj1" fmla="val 217254"/>
-            </a:avLst>
-          </a:prstGeom>
-          <a:ln>
-            <a:tailEnd type="triangle"/>
-          </a:ln>
-        </p:spPr>
-        <p:style>
-          <a:lnRef idx="1">
-            <a:schemeClr val="dk1"/>
-          </a:lnRef>
-          <a:fillRef idx="0">
-            <a:schemeClr val="dk1"/>
-          </a:fillRef>
-          <a:effectRef idx="0">
-            <a:schemeClr val="dk1"/>
-          </a:effectRef>
-          <a:fontRef idx="minor">
-            <a:schemeClr val="tx1"/>
-          </a:fontRef>
-        </p:style>
-      </p:cxnSp>
-      <p:cxnSp>
-        <p:nvCxnSpPr>
-          <p:cNvPr id="86" name="Conector: Angulado 85"/>
-          <p:cNvCxnSpPr>
-            <a:stCxn id="114" idx="1"/>
-            <a:endCxn id="36" idx="1"/>
-          </p:cNvCxnSpPr>
-          <p:nvPr/>
-        </p:nvCxnSpPr>
-        <p:spPr>
-          <a:xfrm rot="10800000">
-            <a:off x="359446" y="2097014"/>
-            <a:ext cx="109369" cy="5979341"/>
-          </a:xfrm>
-          <a:prstGeom prst="bentConnector3">
-            <a:avLst>
-              <a:gd name="adj1" fmla="val 309017"/>
-            </a:avLst>
-          </a:prstGeom>
-          <a:ln>
-            <a:tailEnd type="triangle"/>
-          </a:ln>
-        </p:spPr>
-        <p:style>
-          <a:lnRef idx="1">
-            <a:schemeClr val="dk1"/>
-          </a:lnRef>
-          <a:fillRef idx="0">
-            <a:schemeClr val="dk1"/>
-          </a:fillRef>
-          <a:effectRef idx="0">
-            <a:schemeClr val="dk1"/>
-          </a:effectRef>
-          <a:fontRef idx="minor">
-            <a:schemeClr val="tx1"/>
-          </a:fontRef>
-        </p:style>
-      </p:cxnSp>
       <p:sp>
         <p:nvSpPr>
           <p:cNvPr id="93" name="Retângulo de cantos arredondados 6"/>
@@ -21964,44 +22652,6 @@
           </a:p>
         </p:txBody>
       </p:sp>
-      <p:cxnSp>
-        <p:nvCxnSpPr>
-          <p:cNvPr id="118" name="Conector: Angulado 117"/>
-          <p:cNvCxnSpPr>
-            <a:stCxn id="37" idx="3"/>
-            <a:endCxn id="63" idx="1"/>
-          </p:cNvCxnSpPr>
-          <p:nvPr/>
-        </p:nvCxnSpPr>
-        <p:spPr>
-          <a:xfrm flipV="1">
-            <a:off x="3189045" y="3347130"/>
-            <a:ext cx="322846" cy="769348"/>
-          </a:xfrm>
-          <a:prstGeom prst="bentConnector3">
-            <a:avLst>
-              <a:gd name="adj1" fmla="val 50000"/>
-            </a:avLst>
-          </a:prstGeom>
-          <a:ln>
-            <a:tailEnd type="triangle"/>
-          </a:ln>
-        </p:spPr>
-        <p:style>
-          <a:lnRef idx="2">
-            <a:schemeClr val="accent4"/>
-          </a:lnRef>
-          <a:fillRef idx="0">
-            <a:schemeClr val="accent4"/>
-          </a:fillRef>
-          <a:effectRef idx="1">
-            <a:schemeClr val="accent4"/>
-          </a:effectRef>
-          <a:fontRef idx="minor">
-            <a:schemeClr val="tx1"/>
-          </a:fontRef>
-        </p:style>
-      </p:cxnSp>
       <p:cxnSp>
         <p:nvCxnSpPr>
           <p:cNvPr id="120" name="Conector: Angulado 119"/>
@@ -22012,9 +22662,9 @@
           <p:nvPr/>
         </p:nvCxnSpPr>
         <p:spPr>
-          <a:xfrm>
-            <a:off x="3189045" y="4116478"/>
-            <a:ext cx="322846" cy="7320"/>
+          <a:xfrm flipV="1">
+            <a:off x="3189045" y="3633759"/>
+            <a:ext cx="322846" cy="482719"/>
           </a:xfrm>
           <a:prstGeom prst="bentConnector3">
             <a:avLst>
@@ -22198,7 +22848,7 @@
         </p:nvSpPr>
         <p:spPr>
           <a:xfrm>
-            <a:off x="3511891" y="1439586"/>
+            <a:off x="3528251" y="1794505"/>
             <a:ext cx="1963636" cy="605014"/>
           </a:xfrm>
           <a:prstGeom prst="roundRect">
@@ -22243,8 +22893,8 @@
         </p:nvSpPr>
         <p:spPr>
           <a:xfrm>
-            <a:off x="3511891" y="3848791"/>
-            <a:ext cx="1963636" cy="550013"/>
+            <a:off x="3511891" y="3301001"/>
+            <a:ext cx="1963636" cy="665515"/>
           </a:xfrm>
           <a:prstGeom prst="roundRect">
             <a:avLst/>
@@ -22275,7 +22925,7 @@
                 <a:latin typeface="Arial" panose="020B0604020202020204" pitchFamily="34" charset="0"/>
                 <a:cs typeface="Arial" panose="020B0604020202020204" pitchFamily="34" charset="0"/>
               </a:rPr>
-              <a:t>Simulação Computacional</a:t>
+              <a:t>Simulação de Dinâmica de Sistemas</a:t>
             </a:r>
           </a:p>
         </p:txBody>
@@ -22288,8 +22938,8 @@
         </p:nvSpPr>
         <p:spPr>
           <a:xfrm>
-            <a:off x="3511891" y="6227895"/>
-            <a:ext cx="1963636" cy="556186"/>
+            <a:off x="3511891" y="5971032"/>
+            <a:ext cx="1963636" cy="360000"/>
           </a:xfrm>
           <a:prstGeom prst="roundRect">
             <a:avLst/>
@@ -22316,12 +22966,30 @@
           <a:p>
             <a:pPr algn="ctr"/>
             <a:r>
+              <a:rPr lang="pt-BR" sz="1100" b="1" dirty="0" err="1">
+                <a:latin typeface="Arial" panose="020B0604020202020204" pitchFamily="34" charset="0"/>
+                <a:cs typeface="Arial" panose="020B0604020202020204" pitchFamily="34" charset="0"/>
+              </a:rPr>
+              <a:t>Random</a:t>
+            </a:r>
+            <a:r>
               <a:rPr lang="pt-BR" sz="1100" b="1" dirty="0">
                 <a:latin typeface="Arial" panose="020B0604020202020204" pitchFamily="34" charset="0"/>
                 <a:cs typeface="Arial" panose="020B0604020202020204" pitchFamily="34" charset="0"/>
               </a:rPr>
-              <a:t>Estatística Descritiva</a:t>
-            </a:r>
+              <a:t> </a:t>
+            </a:r>
+            <a:r>
+              <a:rPr lang="pt-BR" sz="1100" b="1" dirty="0" err="1">
+                <a:latin typeface="Arial" panose="020B0604020202020204" pitchFamily="34" charset="0"/>
+                <a:cs typeface="Arial" panose="020B0604020202020204" pitchFamily="34" charset="0"/>
+              </a:rPr>
+              <a:t>Forests</a:t>
+            </a:r>
+            <a:endParaRPr lang="pt-BR" sz="1100" b="1" dirty="0">
+              <a:latin typeface="Arial" panose="020B0604020202020204" pitchFamily="34" charset="0"/>
+              <a:cs typeface="Arial" panose="020B0604020202020204" pitchFamily="34" charset="0"/>
+            </a:endParaRPr>
           </a:p>
         </p:txBody>
       </p:sp>
@@ -22427,59 +23095,14 @@
       </p:sp>
       <p:sp>
         <p:nvSpPr>
-          <p:cNvPr id="63" name="Retângulo de cantos arredondados 6"/>
-          <p:cNvSpPr/>
-          <p:nvPr/>
-        </p:nvSpPr>
-        <p:spPr>
-          <a:xfrm>
-            <a:off x="3511891" y="3072123"/>
-            <a:ext cx="1963636" cy="550013"/>
-          </a:xfrm>
-          <a:prstGeom prst="roundRect">
-            <a:avLst/>
-          </a:prstGeom>
-          <a:ln/>
-        </p:spPr>
-        <p:style>
-          <a:lnRef idx="1">
-            <a:schemeClr val="accent3"/>
-          </a:lnRef>
-          <a:fillRef idx="3">
-            <a:schemeClr val="accent3"/>
-          </a:fillRef>
-          <a:effectRef idx="2">
-            <a:schemeClr val="accent3"/>
-          </a:effectRef>
-          <a:fontRef idx="minor">
-            <a:schemeClr val="lt1"/>
-          </a:fontRef>
-        </p:style>
-        <p:txBody>
-          <a:bodyPr rtlCol="0" anchor="ctr"/>
-          <a:lstStyle/>
-          <a:p>
-            <a:pPr algn="ctr"/>
-            <a:r>
-              <a:rPr lang="pt-BR" sz="1100" b="1" dirty="0">
-                <a:latin typeface="Arial" panose="020B0604020202020204" pitchFamily="34" charset="0"/>
-                <a:cs typeface="Arial" panose="020B0604020202020204" pitchFamily="34" charset="0"/>
-              </a:rPr>
-              <a:t>Projeto de Experimentos</a:t>
-            </a:r>
-          </a:p>
-        </p:txBody>
-      </p:sp>
-      <p:sp>
-        <p:nvSpPr>
           <p:cNvPr id="65" name="Retângulo de cantos arredondados 6"/>
           <p:cNvSpPr/>
           <p:nvPr/>
         </p:nvSpPr>
         <p:spPr>
           <a:xfrm>
-            <a:off x="3511891" y="5288492"/>
-            <a:ext cx="1963636" cy="685511"/>
+            <a:off x="3511891" y="6882911"/>
+            <a:ext cx="1963636" cy="360000"/>
           </a:xfrm>
           <a:prstGeom prst="roundRect">
             <a:avLst/>
@@ -22510,63 +23133,7 @@
                 <a:latin typeface="Arial" panose="020B0604020202020204" pitchFamily="34" charset="0"/>
                 <a:cs typeface="Arial" panose="020B0604020202020204" pitchFamily="34" charset="0"/>
               </a:rPr>
-              <a:t>Análise de Clusters – Algoritmo PRIM (</a:t>
-            </a:r>
-            <a:r>
-              <a:rPr lang="pt-BR" sz="1100" b="1" dirty="0" err="1">
-                <a:latin typeface="Arial" panose="020B0604020202020204" pitchFamily="34" charset="0"/>
-                <a:cs typeface="Arial" panose="020B0604020202020204" pitchFamily="34" charset="0"/>
-              </a:rPr>
-              <a:t>Patient</a:t>
-            </a:r>
-            <a:r>
-              <a:rPr lang="pt-BR" sz="1100" b="1" dirty="0">
-                <a:latin typeface="Arial" panose="020B0604020202020204" pitchFamily="34" charset="0"/>
-                <a:cs typeface="Arial" panose="020B0604020202020204" pitchFamily="34" charset="0"/>
-              </a:rPr>
-              <a:t> </a:t>
-            </a:r>
-            <a:r>
-              <a:rPr lang="pt-BR" sz="1100" b="1" dirty="0" err="1">
-                <a:latin typeface="Arial" panose="020B0604020202020204" pitchFamily="34" charset="0"/>
-                <a:cs typeface="Arial" panose="020B0604020202020204" pitchFamily="34" charset="0"/>
-              </a:rPr>
-              <a:t>Rule</a:t>
-            </a:r>
-            <a:r>
-              <a:rPr lang="pt-BR" sz="1100" b="1" dirty="0">
-                <a:latin typeface="Arial" panose="020B0604020202020204" pitchFamily="34" charset="0"/>
-                <a:cs typeface="Arial" panose="020B0604020202020204" pitchFamily="34" charset="0"/>
-              </a:rPr>
-              <a:t> </a:t>
-            </a:r>
-            <a:r>
-              <a:rPr lang="pt-BR" sz="1100" b="1" dirty="0" err="1">
-                <a:latin typeface="Arial" panose="020B0604020202020204" pitchFamily="34" charset="0"/>
-                <a:cs typeface="Arial" panose="020B0604020202020204" pitchFamily="34" charset="0"/>
-              </a:rPr>
-              <a:t>Induction</a:t>
-            </a:r>
-            <a:r>
-              <a:rPr lang="pt-BR" sz="1100" b="1" dirty="0">
-                <a:latin typeface="Arial" panose="020B0604020202020204" pitchFamily="34" charset="0"/>
-                <a:cs typeface="Arial" panose="020B0604020202020204" pitchFamily="34" charset="0"/>
-              </a:rPr>
-              <a:t> </a:t>
-            </a:r>
-            <a:r>
-              <a:rPr lang="pt-BR" sz="1100" b="1" dirty="0" err="1">
-                <a:latin typeface="Arial" panose="020B0604020202020204" pitchFamily="34" charset="0"/>
-                <a:cs typeface="Arial" panose="020B0604020202020204" pitchFamily="34" charset="0"/>
-              </a:rPr>
-              <a:t>Method</a:t>
-            </a:r>
-            <a:r>
-              <a:rPr lang="pt-BR" sz="1100" b="1" dirty="0">
-                <a:latin typeface="Arial" panose="020B0604020202020204" pitchFamily="34" charset="0"/>
-                <a:cs typeface="Arial" panose="020B0604020202020204" pitchFamily="34" charset="0"/>
-              </a:rPr>
-              <a:t>)</a:t>
+              <a:t>Algoritmo PRIM</a:t>
             </a:r>
           </a:p>
         </p:txBody>
@@ -22575,6 +23142,7 @@
         <p:nvCxnSpPr>
           <p:cNvPr id="47" name="Conector: Angulado 46"/>
           <p:cNvCxnSpPr>
+            <a:cxnSpLocks/>
             <a:stCxn id="38" idx="3"/>
             <a:endCxn id="60" idx="1"/>
           </p:cNvCxnSpPr>
@@ -22583,7 +23151,7 @@
         <p:spPr>
           <a:xfrm>
             <a:off x="3189045" y="6108523"/>
-            <a:ext cx="322846" cy="397465"/>
+            <a:ext cx="322846" cy="42509"/>
           </a:xfrm>
           <a:prstGeom prst="bentConnector3">
             <a:avLst>
@@ -22619,9 +23187,9 @@
           <p:nvPr/>
         </p:nvCxnSpPr>
         <p:spPr>
-          <a:xfrm flipV="1">
-            <a:off x="3189045" y="5631248"/>
-            <a:ext cx="322846" cy="477275"/>
+          <a:xfrm>
+            <a:off x="3189045" y="6108523"/>
+            <a:ext cx="322846" cy="954388"/>
           </a:xfrm>
           <a:prstGeom prst="bentConnector3">
             <a:avLst>
@@ -22647,51 +23215,6 @@
           </a:fontRef>
         </p:style>
       </p:cxnSp>
-      <p:sp>
-        <p:nvSpPr>
-          <p:cNvPr id="53" name="Retângulo de cantos arredondados 6"/>
-          <p:cNvSpPr/>
-          <p:nvPr/>
-        </p:nvSpPr>
-        <p:spPr>
-          <a:xfrm>
-            <a:off x="3511891" y="2120181"/>
-            <a:ext cx="1963636" cy="605014"/>
-          </a:xfrm>
-          <a:prstGeom prst="roundRect">
-            <a:avLst/>
-          </a:prstGeom>
-          <a:ln/>
-        </p:spPr>
-        <p:style>
-          <a:lnRef idx="1">
-            <a:schemeClr val="accent3"/>
-          </a:lnRef>
-          <a:fillRef idx="3">
-            <a:schemeClr val="accent3"/>
-          </a:fillRef>
-          <a:effectRef idx="2">
-            <a:schemeClr val="accent3"/>
-          </a:effectRef>
-          <a:fontRef idx="minor">
-            <a:schemeClr val="lt1"/>
-          </a:fontRef>
-        </p:style>
-        <p:txBody>
-          <a:bodyPr rtlCol="0" anchor="ctr"/>
-          <a:lstStyle/>
-          <a:p>
-            <a:pPr algn="ctr"/>
-            <a:r>
-              <a:rPr lang="pt-BR" sz="1100" b="1" dirty="0">
-                <a:latin typeface="Arial" panose="020B0604020202020204" pitchFamily="34" charset="0"/>
-                <a:cs typeface="Arial" panose="020B0604020202020204" pitchFamily="34" charset="0"/>
-              </a:rPr>
-              <a:t>Entrevista Semiestruturada</a:t>
-            </a:r>
-          </a:p>
-        </p:txBody>
-      </p:sp>
       <p:cxnSp>
         <p:nvCxnSpPr>
           <p:cNvPr id="54" name="Conector: Angulado 53"/>
@@ -22703,46 +23226,8 @@
         </p:nvCxnSpPr>
         <p:spPr>
           <a:xfrm flipV="1">
-            <a:off x="3189045" y="1742093"/>
-            <a:ext cx="322846" cy="354920"/>
-          </a:xfrm>
-          <a:prstGeom prst="bentConnector3">
-            <a:avLst>
-              <a:gd name="adj1" fmla="val 50000"/>
-            </a:avLst>
-          </a:prstGeom>
-          <a:ln>
-            <a:tailEnd type="triangle"/>
-          </a:ln>
-        </p:spPr>
-        <p:style>
-          <a:lnRef idx="2">
-            <a:schemeClr val="accent4"/>
-          </a:lnRef>
-          <a:fillRef idx="0">
-            <a:schemeClr val="accent4"/>
-          </a:fillRef>
-          <a:effectRef idx="1">
-            <a:schemeClr val="accent4"/>
-          </a:effectRef>
-          <a:fontRef idx="minor">
-            <a:schemeClr val="tx1"/>
-          </a:fontRef>
-        </p:style>
-      </p:cxnSp>
-      <p:cxnSp>
-        <p:nvCxnSpPr>
-          <p:cNvPr id="66" name="Conector: Angulado 65"/>
-          <p:cNvCxnSpPr>
-            <a:stCxn id="36" idx="3"/>
-            <a:endCxn id="53" idx="1"/>
-          </p:cNvCxnSpPr>
-          <p:nvPr/>
-        </p:nvCxnSpPr>
-        <p:spPr>
-          <a:xfrm>
-            <a:off x="3189045" y="2097013"/>
-            <a:ext cx="322846" cy="325675"/>
+            <a:off x="3189045" y="2097012"/>
+            <a:ext cx="339206" cy="1"/>
           </a:xfrm>
           <a:prstGeom prst="bentConnector3">
             <a:avLst>
@@ -22812,7 +23297,7 @@
         </p:nvSpPr>
         <p:spPr>
           <a:xfrm>
-            <a:off x="3511891" y="4565967"/>
+            <a:off x="3511891" y="4231001"/>
             <a:ext cx="1963636" cy="556186"/>
           </a:xfrm>
           <a:prstGeom prst="roundRect">
@@ -22844,7 +23329,7 @@
                 <a:latin typeface="Arial" panose="020B0604020202020204" pitchFamily="34" charset="0"/>
                 <a:cs typeface="Arial" panose="020B0604020202020204" pitchFamily="34" charset="0"/>
               </a:rPr>
-              <a:t>Estatística Descritiva</a:t>
+              <a:t>Estatísticas Descritivas para Avaliação do Modelo</a:t>
             </a:r>
           </a:p>
         </p:txBody>
@@ -22861,7 +23346,306 @@
         <p:spPr>
           <a:xfrm>
             <a:off x="3189045" y="4116478"/>
-            <a:ext cx="322846" cy="727582"/>
+            <a:ext cx="322846" cy="392616"/>
+          </a:xfrm>
+          <a:prstGeom prst="bentConnector3">
+            <a:avLst>
+              <a:gd name="adj1" fmla="val 50000"/>
+            </a:avLst>
+          </a:prstGeom>
+          <a:ln>
+            <a:tailEnd type="triangle"/>
+          </a:ln>
+        </p:spPr>
+        <p:style>
+          <a:lnRef idx="2">
+            <a:schemeClr val="accent4"/>
+          </a:lnRef>
+          <a:fillRef idx="0">
+            <a:schemeClr val="accent4"/>
+          </a:fillRef>
+          <a:effectRef idx="1">
+            <a:schemeClr val="accent4"/>
+          </a:effectRef>
+          <a:fontRef idx="minor">
+            <a:schemeClr val="tx1"/>
+          </a:fontRef>
+        </p:style>
+      </p:cxnSp>
+      <p:sp>
+        <p:nvSpPr>
+          <p:cNvPr id="72" name="Retângulo de cantos arredondados 6">
+            <a:extLst>
+              <a:ext uri="{FF2B5EF4-FFF2-40B4-BE49-F238E27FC236}">
+                <a16:creationId xmlns:a16="http://schemas.microsoft.com/office/drawing/2014/main" id="{0C64E006-7D2B-4040-9A4C-51EB97542D45}"/>
+              </a:ext>
+            </a:extLst>
+          </p:cNvPr>
+          <p:cNvSpPr/>
+          <p:nvPr/>
+        </p:nvSpPr>
+        <p:spPr>
+          <a:xfrm>
+            <a:off x="3511891" y="5515092"/>
+            <a:ext cx="1963636" cy="360000"/>
+          </a:xfrm>
+          <a:prstGeom prst="roundRect">
+            <a:avLst/>
+          </a:prstGeom>
+          <a:ln/>
+        </p:spPr>
+        <p:style>
+          <a:lnRef idx="1">
+            <a:schemeClr val="accent2"/>
+          </a:lnRef>
+          <a:fillRef idx="3">
+            <a:schemeClr val="accent2"/>
+          </a:fillRef>
+          <a:effectRef idx="2">
+            <a:schemeClr val="accent2"/>
+          </a:effectRef>
+          <a:fontRef idx="minor">
+            <a:schemeClr val="lt1"/>
+          </a:fontRef>
+        </p:style>
+        <p:txBody>
+          <a:bodyPr rtlCol="0" anchor="ctr"/>
+          <a:lstStyle/>
+          <a:p>
+            <a:pPr algn="ctr"/>
+            <a:r>
+              <a:rPr lang="pt-BR" sz="1100" b="1" dirty="0">
+                <a:latin typeface="Arial" panose="020B0604020202020204" pitchFamily="34" charset="0"/>
+                <a:cs typeface="Arial" panose="020B0604020202020204" pitchFamily="34" charset="0"/>
+              </a:rPr>
+              <a:t>Teste t de Hipóteses</a:t>
+            </a:r>
+          </a:p>
+        </p:txBody>
+      </p:sp>
+      <p:cxnSp>
+        <p:nvCxnSpPr>
+          <p:cNvPr id="74" name="Conector: Angulado 73">
+            <a:extLst>
+              <a:ext uri="{FF2B5EF4-FFF2-40B4-BE49-F238E27FC236}">
+                <a16:creationId xmlns:a16="http://schemas.microsoft.com/office/drawing/2014/main" id="{64226768-7245-4E96-B555-EE413BB446F4}"/>
+              </a:ext>
+            </a:extLst>
+          </p:cNvPr>
+          <p:cNvCxnSpPr>
+            <a:cxnSpLocks/>
+            <a:stCxn id="38" idx="3"/>
+            <a:endCxn id="72" idx="1"/>
+          </p:cNvCxnSpPr>
+          <p:nvPr/>
+        </p:nvCxnSpPr>
+        <p:spPr>
+          <a:xfrm flipV="1">
+            <a:off x="3189045" y="5695092"/>
+            <a:ext cx="322846" cy="413431"/>
+          </a:xfrm>
+          <a:prstGeom prst="bentConnector3">
+            <a:avLst>
+              <a:gd name="adj1" fmla="val 50000"/>
+            </a:avLst>
+          </a:prstGeom>
+          <a:ln>
+            <a:tailEnd type="triangle"/>
+          </a:ln>
+        </p:spPr>
+        <p:style>
+          <a:lnRef idx="2">
+            <a:schemeClr val="accent4"/>
+          </a:lnRef>
+          <a:fillRef idx="0">
+            <a:schemeClr val="accent4"/>
+          </a:fillRef>
+          <a:effectRef idx="1">
+            <a:schemeClr val="accent4"/>
+          </a:effectRef>
+          <a:fontRef idx="minor">
+            <a:schemeClr val="tx1"/>
+          </a:fontRef>
+        </p:style>
+      </p:cxnSp>
+      <p:sp>
+        <p:nvSpPr>
+          <p:cNvPr id="77" name="Retângulo de cantos arredondados 6">
+            <a:extLst>
+              <a:ext uri="{FF2B5EF4-FFF2-40B4-BE49-F238E27FC236}">
+                <a16:creationId xmlns:a16="http://schemas.microsoft.com/office/drawing/2014/main" id="{859283DC-A392-40ED-9980-C8BAB19F0B8B}"/>
+              </a:ext>
+            </a:extLst>
+          </p:cNvPr>
+          <p:cNvSpPr/>
+          <p:nvPr/>
+        </p:nvSpPr>
+        <p:spPr>
+          <a:xfrm>
+            <a:off x="3511891" y="5059152"/>
+            <a:ext cx="1963636" cy="360000"/>
+          </a:xfrm>
+          <a:prstGeom prst="roundRect">
+            <a:avLst/>
+          </a:prstGeom>
+          <a:ln/>
+        </p:spPr>
+        <p:style>
+          <a:lnRef idx="1">
+            <a:schemeClr val="accent2"/>
+          </a:lnRef>
+          <a:fillRef idx="3">
+            <a:schemeClr val="accent2"/>
+          </a:fillRef>
+          <a:effectRef idx="2">
+            <a:schemeClr val="accent2"/>
+          </a:effectRef>
+          <a:fontRef idx="minor">
+            <a:schemeClr val="lt1"/>
+          </a:fontRef>
+        </p:style>
+        <p:txBody>
+          <a:bodyPr rtlCol="0" anchor="ctr"/>
+          <a:lstStyle/>
+          <a:p>
+            <a:pPr algn="ctr"/>
+            <a:r>
+              <a:rPr lang="pt-BR" sz="1100" b="1" dirty="0">
+                <a:latin typeface="Arial" panose="020B0604020202020204" pitchFamily="34" charset="0"/>
+                <a:cs typeface="Arial" panose="020B0604020202020204" pitchFamily="34" charset="0"/>
+              </a:rPr>
+              <a:t>Estatística Descritiva</a:t>
+            </a:r>
+          </a:p>
+        </p:txBody>
+      </p:sp>
+      <p:sp>
+        <p:nvSpPr>
+          <p:cNvPr id="82" name="Retângulo de cantos arredondados 6">
+            <a:extLst>
+              <a:ext uri="{FF2B5EF4-FFF2-40B4-BE49-F238E27FC236}">
+                <a16:creationId xmlns:a16="http://schemas.microsoft.com/office/drawing/2014/main" id="{7D28D911-FE82-44C7-8590-634B08ECF8C8}"/>
+              </a:ext>
+            </a:extLst>
+          </p:cNvPr>
+          <p:cNvSpPr/>
+          <p:nvPr/>
+        </p:nvSpPr>
+        <p:spPr>
+          <a:xfrm>
+            <a:off x="3511891" y="6426972"/>
+            <a:ext cx="1963636" cy="360000"/>
+          </a:xfrm>
+          <a:prstGeom prst="roundRect">
+            <a:avLst/>
+          </a:prstGeom>
+          <a:ln/>
+        </p:spPr>
+        <p:style>
+          <a:lnRef idx="1">
+            <a:schemeClr val="accent2"/>
+          </a:lnRef>
+          <a:fillRef idx="3">
+            <a:schemeClr val="accent2"/>
+          </a:fillRef>
+          <a:effectRef idx="2">
+            <a:schemeClr val="accent2"/>
+          </a:effectRef>
+          <a:fontRef idx="minor">
+            <a:schemeClr val="lt1"/>
+          </a:fontRef>
+        </p:style>
+        <p:txBody>
+          <a:bodyPr rtlCol="0" anchor="ctr"/>
+          <a:lstStyle/>
+          <a:p>
+            <a:pPr algn="ctr"/>
+            <a:r>
+              <a:rPr lang="pt-BR" sz="1100" b="1" dirty="0">
+                <a:latin typeface="Arial" panose="020B0604020202020204" pitchFamily="34" charset="0"/>
+                <a:cs typeface="Arial" panose="020B0604020202020204" pitchFamily="34" charset="0"/>
+              </a:rPr>
+              <a:t>Algoritmo </a:t>
+            </a:r>
+            <a:r>
+              <a:rPr lang="pt-BR" sz="1100" b="1" dirty="0" err="1">
+                <a:latin typeface="Arial" panose="020B0604020202020204" pitchFamily="34" charset="0"/>
+                <a:cs typeface="Arial" panose="020B0604020202020204" pitchFamily="34" charset="0"/>
+              </a:rPr>
+              <a:t>Boruta</a:t>
+            </a:r>
+            <a:endParaRPr lang="pt-BR" sz="1100" b="1" dirty="0">
+              <a:latin typeface="Arial" panose="020B0604020202020204" pitchFamily="34" charset="0"/>
+              <a:cs typeface="Arial" panose="020B0604020202020204" pitchFamily="34" charset="0"/>
+            </a:endParaRPr>
+          </a:p>
+        </p:txBody>
+      </p:sp>
+      <p:cxnSp>
+        <p:nvCxnSpPr>
+          <p:cNvPr id="83" name="Conector: Angulado 82">
+            <a:extLst>
+              <a:ext uri="{FF2B5EF4-FFF2-40B4-BE49-F238E27FC236}">
+                <a16:creationId xmlns:a16="http://schemas.microsoft.com/office/drawing/2014/main" id="{E741E903-8621-478C-BD88-962677B4A291}"/>
+              </a:ext>
+            </a:extLst>
+          </p:cNvPr>
+          <p:cNvCxnSpPr>
+            <a:cxnSpLocks/>
+            <a:stCxn id="38" idx="3"/>
+            <a:endCxn id="82" idx="1"/>
+          </p:cNvCxnSpPr>
+          <p:nvPr/>
+        </p:nvCxnSpPr>
+        <p:spPr>
+          <a:xfrm>
+            <a:off x="3189045" y="6108523"/>
+            <a:ext cx="322846" cy="498449"/>
+          </a:xfrm>
+          <a:prstGeom prst="bentConnector3">
+            <a:avLst>
+              <a:gd name="adj1" fmla="val 50000"/>
+            </a:avLst>
+          </a:prstGeom>
+          <a:ln>
+            <a:tailEnd type="triangle"/>
+          </a:ln>
+        </p:spPr>
+        <p:style>
+          <a:lnRef idx="2">
+            <a:schemeClr val="accent4"/>
+          </a:lnRef>
+          <a:fillRef idx="0">
+            <a:schemeClr val="accent4"/>
+          </a:fillRef>
+          <a:effectRef idx="1">
+            <a:schemeClr val="accent4"/>
+          </a:effectRef>
+          <a:fontRef idx="minor">
+            <a:schemeClr val="tx1"/>
+          </a:fontRef>
+        </p:style>
+      </p:cxnSp>
+      <p:cxnSp>
+        <p:nvCxnSpPr>
+          <p:cNvPr id="92" name="Conector: Angulado 91">
+            <a:extLst>
+              <a:ext uri="{FF2B5EF4-FFF2-40B4-BE49-F238E27FC236}">
+                <a16:creationId xmlns:a16="http://schemas.microsoft.com/office/drawing/2014/main" id="{50A1F954-AE3F-4D12-9C01-E7993759C978}"/>
+              </a:ext>
+            </a:extLst>
+          </p:cNvPr>
+          <p:cNvCxnSpPr>
+            <a:cxnSpLocks/>
+            <a:stCxn id="38" idx="3"/>
+            <a:endCxn id="77" idx="1"/>
+          </p:cNvCxnSpPr>
+          <p:nvPr/>
+        </p:nvCxnSpPr>
+        <p:spPr>
+          <a:xfrm flipV="1">
+            <a:off x="3189045" y="5239152"/>
+            <a:ext cx="322846" cy="869371"/>
           </a:xfrm>
           <a:prstGeom prst="bentConnector3">
             <a:avLst>

--- a/dissertacao-docs/apresentacoes/Dissertação - RDM - EMA - Imagens-Retrato.pptx
+++ b/dissertacao-docs/apresentacoes/Dissertação - RDM - EMA - Imagens-Retrato.pptx
@@ -20829,7 +20829,7 @@
         </p:nvSpPr>
         <p:spPr>
           <a:xfrm>
-            <a:off x="359445" y="1152028"/>
+            <a:off x="697150" y="1152028"/>
             <a:ext cx="2829600" cy="1889969"/>
           </a:xfrm>
           <a:prstGeom prst="roundRect">
@@ -20885,7 +20885,7 @@
         </p:nvSpPr>
         <p:spPr>
           <a:xfrm>
-            <a:off x="359445" y="3133693"/>
+            <a:off x="697150" y="3133693"/>
             <a:ext cx="2829600" cy="1965569"/>
           </a:xfrm>
           <a:prstGeom prst="roundRect">
@@ -20961,7 +20961,7 @@
         </p:nvSpPr>
         <p:spPr>
           <a:xfrm>
-            <a:off x="359445" y="5232368"/>
+            <a:off x="697150" y="5232368"/>
             <a:ext cx="2829600" cy="1752309"/>
           </a:xfrm>
           <a:prstGeom prst="roundRect">
@@ -21067,7 +21067,7 @@
         </p:nvSpPr>
         <p:spPr>
           <a:xfrm>
-            <a:off x="359445" y="7114411"/>
+            <a:off x="697150" y="7114411"/>
             <a:ext cx="2829600" cy="1238418"/>
           </a:xfrm>
           <a:prstGeom prst="roundRect">
@@ -21129,7 +21129,7 @@
         </p:nvCxnSpPr>
         <p:spPr>
           <a:xfrm>
-            <a:off x="1774245" y="2932232"/>
+            <a:off x="2111950" y="2932232"/>
             <a:ext cx="0" cy="201461"/>
           </a:xfrm>
           <a:prstGeom prst="straightConnector1">
@@ -21203,7 +21203,7 @@
                 <a:latin typeface="Arial" panose="020B0604020202020204" pitchFamily="34" charset="0"/>
                 <a:cs typeface="Arial" panose="020B0604020202020204" pitchFamily="34" charset="0"/>
               </a:rPr>
-              <a:t>Etapas do Método de Trabalho                            Técnicas Empregadas</a:t>
+              <a:t>                     Etapas do Método de Trabalho                     Técnicas Empregadas</a:t>
             </a:r>
             <a:endParaRPr lang="pt-BR" sz="1100" b="1" dirty="0">
               <a:latin typeface="Arial" panose="020B0604020202020204" pitchFamily="34" charset="0"/>
@@ -21220,7 +21220,7 @@
         </p:nvSpPr>
         <p:spPr>
           <a:xfrm>
-            <a:off x="628817" y="1499675"/>
+            <a:off x="966522" y="1499675"/>
             <a:ext cx="2290856" cy="241222"/>
           </a:xfrm>
           <a:prstGeom prst="roundRect">
@@ -21299,7 +21299,7 @@
         </p:nvSpPr>
         <p:spPr>
           <a:xfrm>
-            <a:off x="628817" y="1896787"/>
+            <a:off x="966522" y="1896787"/>
             <a:ext cx="2290856" cy="241222"/>
           </a:xfrm>
           <a:prstGeom prst="roundRect">
@@ -21378,7 +21378,7 @@
         </p:nvSpPr>
         <p:spPr>
           <a:xfrm>
-            <a:off x="628817" y="2293899"/>
+            <a:off x="966522" y="2293899"/>
             <a:ext cx="2290856" cy="241222"/>
           </a:xfrm>
           <a:prstGeom prst="roundRect">
@@ -21457,7 +21457,7 @@
         </p:nvSpPr>
         <p:spPr>
           <a:xfrm>
-            <a:off x="628817" y="2691010"/>
+            <a:off x="966522" y="2691010"/>
             <a:ext cx="2290856" cy="241222"/>
           </a:xfrm>
           <a:prstGeom prst="roundRect">
@@ -21539,7 +21539,7 @@
         </p:nvCxnSpPr>
         <p:spPr>
           <a:xfrm>
-            <a:off x="1774245" y="1740897"/>
+            <a:off x="2111950" y="1740897"/>
             <a:ext cx="0" cy="155890"/>
           </a:xfrm>
           <a:prstGeom prst="straightConnector1">
@@ -21575,7 +21575,7 @@
         </p:nvCxnSpPr>
         <p:spPr>
           <a:xfrm>
-            <a:off x="1774245" y="2138009"/>
+            <a:off x="2111950" y="2138009"/>
             <a:ext cx="0" cy="155890"/>
           </a:xfrm>
           <a:prstGeom prst="straightConnector1">
@@ -21611,7 +21611,7 @@
         </p:nvCxnSpPr>
         <p:spPr>
           <a:xfrm>
-            <a:off x="1774245" y="2535121"/>
+            <a:off x="2111950" y="2535121"/>
             <a:ext cx="0" cy="155889"/>
           </a:xfrm>
           <a:prstGeom prst="straightConnector1">
@@ -21644,7 +21644,7 @@
         </p:nvSpPr>
         <p:spPr>
           <a:xfrm>
-            <a:off x="628817" y="3528293"/>
+            <a:off x="966522" y="3528293"/>
             <a:ext cx="2290856" cy="199357"/>
           </a:xfrm>
           <a:prstGeom prst="roundRect">
@@ -21720,7 +21720,7 @@
         </p:nvSpPr>
         <p:spPr>
           <a:xfrm>
-            <a:off x="628817" y="3925082"/>
+            <a:off x="966522" y="3925082"/>
             <a:ext cx="2290856" cy="199357"/>
           </a:xfrm>
           <a:prstGeom prst="roundRect">
@@ -21796,7 +21796,7 @@
         </p:nvSpPr>
         <p:spPr>
           <a:xfrm>
-            <a:off x="628817" y="4304508"/>
+            <a:off x="966522" y="4304508"/>
             <a:ext cx="2290856" cy="199357"/>
           </a:xfrm>
           <a:prstGeom prst="roundRect">
@@ -21875,7 +21875,7 @@
         </p:nvCxnSpPr>
         <p:spPr>
           <a:xfrm>
-            <a:off x="1774245" y="3727650"/>
+            <a:off x="2111950" y="3727650"/>
             <a:ext cx="0" cy="197432"/>
           </a:xfrm>
           <a:prstGeom prst="straightConnector1">
@@ -21911,7 +21911,7 @@
         </p:nvCxnSpPr>
         <p:spPr>
           <a:xfrm>
-            <a:off x="1774245" y="4124439"/>
+            <a:off x="2111950" y="4124439"/>
             <a:ext cx="0" cy="180069"/>
           </a:xfrm>
           <a:prstGeom prst="straightConnector1">
@@ -21944,7 +21944,7 @@
         </p:nvSpPr>
         <p:spPr>
           <a:xfrm>
-            <a:off x="468814" y="6033885"/>
+            <a:off x="806519" y="6033885"/>
             <a:ext cx="2610862" cy="267034"/>
           </a:xfrm>
           <a:prstGeom prst="roundRect">
@@ -22034,7 +22034,7 @@
         </p:nvSpPr>
         <p:spPr>
           <a:xfrm>
-            <a:off x="468814" y="6479086"/>
+            <a:off x="806519" y="6479086"/>
             <a:ext cx="2610862" cy="417582"/>
           </a:xfrm>
           <a:prstGeom prst="roundRect">
@@ -22130,7 +22130,7 @@
         </p:nvCxnSpPr>
         <p:spPr>
           <a:xfrm>
-            <a:off x="1774245" y="6300919"/>
+            <a:off x="2111950" y="6300919"/>
             <a:ext cx="0" cy="178167"/>
           </a:xfrm>
           <a:prstGeom prst="straightConnector1">
@@ -22163,7 +22163,7 @@
         </p:nvSpPr>
         <p:spPr>
           <a:xfrm>
-            <a:off x="468814" y="7491551"/>
+            <a:off x="806519" y="7491551"/>
             <a:ext cx="2610862" cy="285214"/>
           </a:xfrm>
           <a:prstGeom prst="roundRect">
@@ -22242,7 +22242,7 @@
         </p:nvSpPr>
         <p:spPr>
           <a:xfrm>
-            <a:off x="468814" y="7946711"/>
+            <a:off x="806519" y="7946711"/>
             <a:ext cx="2610862" cy="259285"/>
           </a:xfrm>
           <a:prstGeom prst="roundRect">
@@ -22332,7 +22332,7 @@
         </p:nvSpPr>
         <p:spPr>
           <a:xfrm>
-            <a:off x="468814" y="5573290"/>
+            <a:off x="806519" y="5573290"/>
             <a:ext cx="2610862" cy="282428"/>
           </a:xfrm>
           <a:prstGeom prst="roundRect">
@@ -22425,7 +22425,7 @@
         </p:nvCxnSpPr>
         <p:spPr>
           <a:xfrm>
-            <a:off x="1774245" y="5855718"/>
+            <a:off x="2111950" y="5855718"/>
             <a:ext cx="0" cy="178167"/>
           </a:xfrm>
           <a:prstGeom prst="straightConnector1">
@@ -22461,7 +22461,7 @@
         </p:nvCxnSpPr>
         <p:spPr>
           <a:xfrm>
-            <a:off x="1774245" y="7776765"/>
+            <a:off x="2111950" y="7776765"/>
             <a:ext cx="0" cy="169946"/>
           </a:xfrm>
           <a:prstGeom prst="straightConnector1">
@@ -22497,7 +22497,7 @@
         </p:nvCxnSpPr>
         <p:spPr>
           <a:xfrm>
-            <a:off x="1774245" y="4914464"/>
+            <a:off x="2111950" y="4914464"/>
             <a:ext cx="0" cy="317904"/>
           </a:xfrm>
           <a:prstGeom prst="straightConnector1">
@@ -22533,7 +22533,7 @@
         </p:nvCxnSpPr>
         <p:spPr>
           <a:xfrm>
-            <a:off x="1774245" y="6896668"/>
+            <a:off x="2111950" y="6896668"/>
             <a:ext cx="0" cy="217743"/>
           </a:xfrm>
           <a:prstGeom prst="straightConnector1">
@@ -22566,7 +22566,7 @@
         </p:nvSpPr>
         <p:spPr>
           <a:xfrm>
-            <a:off x="359445" y="862194"/>
+            <a:off x="697150" y="806303"/>
             <a:ext cx="2829600" cy="242881"/>
           </a:xfrm>
           <a:prstGeom prst="roundRect">
@@ -22615,7 +22615,7 @@
         </p:nvSpPr>
         <p:spPr>
           <a:xfrm>
-            <a:off x="3511891" y="822738"/>
+            <a:off x="3764311" y="822738"/>
             <a:ext cx="890505" cy="473307"/>
           </a:xfrm>
           <a:prstGeom prst="roundRect">
@@ -22663,8 +22663,8 @@
         </p:nvCxnSpPr>
         <p:spPr>
           <a:xfrm flipV="1">
-            <a:off x="3189045" y="3633759"/>
-            <a:ext cx="322846" cy="482719"/>
+            <a:off x="3526750" y="3633759"/>
+            <a:ext cx="289079" cy="482719"/>
           </a:xfrm>
           <a:prstGeom prst="bentConnector3">
             <a:avLst>
@@ -22698,7 +22698,7 @@
         </p:nvSpPr>
         <p:spPr>
           <a:xfrm>
-            <a:off x="628817" y="4715107"/>
+            <a:off x="966522" y="4715107"/>
             <a:ext cx="2290856" cy="199357"/>
           </a:xfrm>
           <a:prstGeom prst="roundRect">
@@ -22777,7 +22777,7 @@
         </p:nvCxnSpPr>
         <p:spPr>
           <a:xfrm>
-            <a:off x="1774245" y="4503865"/>
+            <a:off x="2111950" y="4503865"/>
             <a:ext cx="0" cy="211242"/>
           </a:xfrm>
           <a:prstGeom prst="straightConnector1">
@@ -22813,7 +22813,7 @@
         </p:nvCxnSpPr>
         <p:spPr>
           <a:xfrm rot="10800000">
-            <a:off x="628817" y="3627972"/>
+            <a:off x="966522" y="3627972"/>
             <a:ext cx="12700" cy="1186814"/>
           </a:xfrm>
           <a:prstGeom prst="bentConnector3">
@@ -22848,8 +22848,8 @@
         </p:nvSpPr>
         <p:spPr>
           <a:xfrm>
-            <a:off x="3528251" y="1794505"/>
-            <a:ext cx="1963636" cy="605014"/>
+            <a:off x="3832189" y="1794505"/>
+            <a:ext cx="1785124" cy="605014"/>
           </a:xfrm>
           <a:prstGeom prst="roundRect">
             <a:avLst/>
@@ -22893,8 +22893,8 @@
         </p:nvSpPr>
         <p:spPr>
           <a:xfrm>
-            <a:off x="3511891" y="3301001"/>
-            <a:ext cx="1963636" cy="665515"/>
+            <a:off x="3815829" y="3301001"/>
+            <a:ext cx="1785124" cy="665515"/>
           </a:xfrm>
           <a:prstGeom prst="roundRect">
             <a:avLst/>
@@ -22938,8 +22938,8 @@
         </p:nvSpPr>
         <p:spPr>
           <a:xfrm>
-            <a:off x="3511891" y="5971032"/>
-            <a:ext cx="1963636" cy="360000"/>
+            <a:off x="3815829" y="5971032"/>
+            <a:ext cx="1785124" cy="360000"/>
           </a:xfrm>
           <a:prstGeom prst="roundRect">
             <a:avLst/>
@@ -23001,8 +23001,8 @@
         </p:nvSpPr>
         <p:spPr>
           <a:xfrm>
-            <a:off x="3511891" y="7423190"/>
-            <a:ext cx="1963636" cy="620860"/>
+            <a:off x="3815829" y="7423190"/>
+            <a:ext cx="1785124" cy="620860"/>
           </a:xfrm>
           <a:prstGeom prst="roundRect">
             <a:avLst/>
@@ -23056,7 +23056,7 @@
         </p:nvSpPr>
         <p:spPr>
           <a:xfrm>
-            <a:off x="4585022" y="822738"/>
+            <a:off x="4738700" y="822738"/>
             <a:ext cx="890505" cy="473307"/>
           </a:xfrm>
           <a:prstGeom prst="roundRect">
@@ -23101,8 +23101,8 @@
         </p:nvSpPr>
         <p:spPr>
           <a:xfrm>
-            <a:off x="3511891" y="6882911"/>
-            <a:ext cx="1963636" cy="360000"/>
+            <a:off x="3815829" y="6882911"/>
+            <a:ext cx="1785124" cy="360000"/>
           </a:xfrm>
           <a:prstGeom prst="roundRect">
             <a:avLst/>
@@ -23150,8 +23150,8 @@
         </p:nvCxnSpPr>
         <p:spPr>
           <a:xfrm>
-            <a:off x="3189045" y="6108523"/>
-            <a:ext cx="322846" cy="42509"/>
+            <a:off x="3526750" y="6108523"/>
+            <a:ext cx="289079" cy="42509"/>
           </a:xfrm>
           <a:prstGeom prst="bentConnector3">
             <a:avLst>
@@ -23188,8 +23188,8 @@
         </p:nvCxnSpPr>
         <p:spPr>
           <a:xfrm>
-            <a:off x="3189045" y="6108523"/>
-            <a:ext cx="322846" cy="954388"/>
+            <a:off x="3526750" y="6108523"/>
+            <a:ext cx="289079" cy="954388"/>
           </a:xfrm>
           <a:prstGeom prst="bentConnector3">
             <a:avLst>
@@ -23226,8 +23226,8 @@
         </p:nvCxnSpPr>
         <p:spPr>
           <a:xfrm flipV="1">
-            <a:off x="3189045" y="2097012"/>
-            <a:ext cx="339206" cy="1"/>
+            <a:off x="3526750" y="2097012"/>
+            <a:ext cx="305439" cy="1"/>
           </a:xfrm>
           <a:prstGeom prst="bentConnector3">
             <a:avLst>
@@ -23264,8 +23264,8 @@
         </p:nvCxnSpPr>
         <p:spPr>
           <a:xfrm>
-            <a:off x="3189045" y="7733620"/>
-            <a:ext cx="322846" cy="0"/>
+            <a:off x="3526750" y="7733620"/>
+            <a:ext cx="289079" cy="0"/>
           </a:xfrm>
           <a:prstGeom prst="straightConnector1">
             <a:avLst/>
@@ -23297,8 +23297,8 @@
         </p:nvSpPr>
         <p:spPr>
           <a:xfrm>
-            <a:off x="3511891" y="4231001"/>
-            <a:ext cx="1963636" cy="556186"/>
+            <a:off x="3815829" y="4231001"/>
+            <a:ext cx="1785124" cy="556186"/>
           </a:xfrm>
           <a:prstGeom prst="roundRect">
             <a:avLst/>
@@ -23345,8 +23345,8 @@
         </p:nvCxnSpPr>
         <p:spPr>
           <a:xfrm>
-            <a:off x="3189045" y="4116478"/>
-            <a:ext cx="322846" cy="392616"/>
+            <a:off x="3526750" y="4116478"/>
+            <a:ext cx="289079" cy="392616"/>
           </a:xfrm>
           <a:prstGeom prst="bentConnector3">
             <a:avLst>
@@ -23386,8 +23386,8 @@
         </p:nvSpPr>
         <p:spPr>
           <a:xfrm>
-            <a:off x="3511891" y="5515092"/>
-            <a:ext cx="1963636" cy="360000"/>
+            <a:off x="3815829" y="5515092"/>
+            <a:ext cx="1785124" cy="360000"/>
           </a:xfrm>
           <a:prstGeom prst="roundRect">
             <a:avLst/>
@@ -23441,8 +23441,8 @@
         </p:nvCxnSpPr>
         <p:spPr>
           <a:xfrm flipV="1">
-            <a:off x="3189045" y="5695092"/>
-            <a:ext cx="322846" cy="413431"/>
+            <a:off x="3526750" y="5695092"/>
+            <a:ext cx="289079" cy="413431"/>
           </a:xfrm>
           <a:prstGeom prst="bentConnector3">
             <a:avLst>
@@ -23482,8 +23482,8 @@
         </p:nvSpPr>
         <p:spPr>
           <a:xfrm>
-            <a:off x="3511891" y="5059152"/>
-            <a:ext cx="1963636" cy="360000"/>
+            <a:off x="3815829" y="5059152"/>
+            <a:ext cx="1785124" cy="360000"/>
           </a:xfrm>
           <a:prstGeom prst="roundRect">
             <a:avLst/>
@@ -23533,8 +23533,8 @@
         </p:nvSpPr>
         <p:spPr>
           <a:xfrm>
-            <a:off x="3511891" y="6426972"/>
-            <a:ext cx="1963636" cy="360000"/>
+            <a:off x="3815829" y="6426972"/>
+            <a:ext cx="1785124" cy="360000"/>
           </a:xfrm>
           <a:prstGeom prst="roundRect">
             <a:avLst/>
@@ -23599,8 +23599,8 @@
         </p:nvCxnSpPr>
         <p:spPr>
           <a:xfrm>
-            <a:off x="3189045" y="6108523"/>
-            <a:ext cx="322846" cy="498449"/>
+            <a:off x="3526750" y="6108523"/>
+            <a:ext cx="289079" cy="498449"/>
           </a:xfrm>
           <a:prstGeom prst="bentConnector3">
             <a:avLst>
@@ -23644,8 +23644,244 @@
         </p:nvCxnSpPr>
         <p:spPr>
           <a:xfrm flipV="1">
-            <a:off x="3189045" y="5239152"/>
-            <a:ext cx="322846" cy="869371"/>
+            <a:off x="3526750" y="5239152"/>
+            <a:ext cx="289079" cy="869371"/>
+          </a:xfrm>
+          <a:prstGeom prst="bentConnector3">
+            <a:avLst>
+              <a:gd name="adj1" fmla="val 50000"/>
+            </a:avLst>
+          </a:prstGeom>
+          <a:ln>
+            <a:tailEnd type="triangle"/>
+          </a:ln>
+        </p:spPr>
+        <p:style>
+          <a:lnRef idx="2">
+            <a:schemeClr val="accent4"/>
+          </a:lnRef>
+          <a:fillRef idx="0">
+            <a:schemeClr val="accent4"/>
+          </a:fillRef>
+          <a:effectRef idx="1">
+            <a:schemeClr val="accent4"/>
+          </a:effectRef>
+          <a:fontRef idx="minor">
+            <a:schemeClr val="tx1"/>
+          </a:fontRef>
+        </p:style>
+      </p:cxnSp>
+      <p:sp>
+        <p:nvSpPr>
+          <p:cNvPr id="79" name="Retângulo de cantos arredondados 6">
+            <a:extLst>
+              <a:ext uri="{FF2B5EF4-FFF2-40B4-BE49-F238E27FC236}">
+                <a16:creationId xmlns:a16="http://schemas.microsoft.com/office/drawing/2014/main" id="{6DF4A156-3B90-437B-A5C7-C7A896F00A7C}"/>
+              </a:ext>
+            </a:extLst>
+          </p:cNvPr>
+          <p:cNvSpPr/>
+          <p:nvPr/>
+        </p:nvSpPr>
+        <p:spPr>
+          <a:xfrm rot="5400000">
+            <a:off x="-2231318" y="5633992"/>
+            <a:ext cx="5116287" cy="321386"/>
+          </a:xfrm>
+          <a:prstGeom prst="roundRect">
+            <a:avLst/>
+          </a:prstGeom>
+          <a:ln/>
+        </p:spPr>
+        <p:style>
+          <a:lnRef idx="1">
+            <a:schemeClr val="accent4"/>
+          </a:lnRef>
+          <a:fillRef idx="3">
+            <a:schemeClr val="accent4"/>
+          </a:fillRef>
+          <a:effectRef idx="2">
+            <a:schemeClr val="accent4"/>
+          </a:effectRef>
+          <a:fontRef idx="minor">
+            <a:schemeClr val="lt1"/>
+          </a:fontRef>
+        </p:style>
+        <p:txBody>
+          <a:bodyPr rtlCol="0" anchor="t"/>
+          <a:lstStyle/>
+          <a:p>
+            <a:pPr algn="ctr"/>
+            <a:r>
+              <a:rPr lang="en-US" sz="1000" b="1" dirty="0" err="1">
+                <a:latin typeface="Arial" panose="020B0604020202020204" pitchFamily="34" charset="0"/>
+                <a:cs typeface="Arial" panose="020B0604020202020204" pitchFamily="34" charset="0"/>
+              </a:rPr>
+              <a:t>Desenvolvimento</a:t>
+            </a:r>
+            <a:r>
+              <a:rPr lang="en-US" sz="1000" b="1" dirty="0">
+                <a:latin typeface="Arial" panose="020B0604020202020204" pitchFamily="34" charset="0"/>
+                <a:cs typeface="Arial" panose="020B0604020202020204" pitchFamily="34" charset="0"/>
+              </a:rPr>
+              <a:t> de </a:t>
+            </a:r>
+            <a:r>
+              <a:rPr lang="en-US" sz="1000" b="1" dirty="0" err="1">
+                <a:latin typeface="Arial" panose="020B0604020202020204" pitchFamily="34" charset="0"/>
+                <a:cs typeface="Arial" panose="020B0604020202020204" pitchFamily="34" charset="0"/>
+              </a:rPr>
+              <a:t>Algoritmos</a:t>
+            </a:r>
+            <a:r>
+              <a:rPr lang="en-US" sz="1000" b="1" dirty="0">
+                <a:latin typeface="Arial" panose="020B0604020202020204" pitchFamily="34" charset="0"/>
+                <a:cs typeface="Arial" panose="020B0604020202020204" pitchFamily="34" charset="0"/>
+              </a:rPr>
+              <a:t> para a </a:t>
+            </a:r>
+            <a:r>
+              <a:rPr lang="en-US" sz="1000" b="1" dirty="0" err="1">
+                <a:latin typeface="Arial" panose="020B0604020202020204" pitchFamily="34" charset="0"/>
+                <a:cs typeface="Arial" panose="020B0604020202020204" pitchFamily="34" charset="0"/>
+              </a:rPr>
+              <a:t>Simulação</a:t>
+            </a:r>
+            <a:r>
+              <a:rPr lang="en-US" sz="1000" b="1" dirty="0">
+                <a:latin typeface="Arial" panose="020B0604020202020204" pitchFamily="34" charset="0"/>
+                <a:cs typeface="Arial" panose="020B0604020202020204" pitchFamily="34" charset="0"/>
+              </a:rPr>
+              <a:t> e </a:t>
+            </a:r>
+            <a:r>
+              <a:rPr lang="en-US" sz="1000" b="1" dirty="0" err="1">
+                <a:latin typeface="Arial" panose="020B0604020202020204" pitchFamily="34" charset="0"/>
+                <a:cs typeface="Arial" panose="020B0604020202020204" pitchFamily="34" charset="0"/>
+              </a:rPr>
+              <a:t>Análise</a:t>
+            </a:r>
+            <a:r>
+              <a:rPr lang="en-US" sz="1000" b="1" dirty="0">
+                <a:latin typeface="Arial" panose="020B0604020202020204" pitchFamily="34" charset="0"/>
+                <a:cs typeface="Arial" panose="020B0604020202020204" pitchFamily="34" charset="0"/>
+              </a:rPr>
+              <a:t> RDM</a:t>
+            </a:r>
+          </a:p>
+          <a:p>
+            <a:endParaRPr lang="en-US" sz="1000" dirty="0">
+              <a:latin typeface="Arial" panose="020B0604020202020204" pitchFamily="34" charset="0"/>
+              <a:cs typeface="Arial" panose="020B0604020202020204" pitchFamily="34" charset="0"/>
+            </a:endParaRPr>
+          </a:p>
+        </p:txBody>
+      </p:sp>
+      <p:cxnSp>
+        <p:nvCxnSpPr>
+          <p:cNvPr id="81" name="Conector: Angulado 80">
+            <a:extLst>
+              <a:ext uri="{FF2B5EF4-FFF2-40B4-BE49-F238E27FC236}">
+                <a16:creationId xmlns:a16="http://schemas.microsoft.com/office/drawing/2014/main" id="{3F24E7A3-ACAA-4324-B3DC-DBE275FF6E5D}"/>
+              </a:ext>
+            </a:extLst>
+          </p:cNvPr>
+          <p:cNvCxnSpPr>
+            <a:cxnSpLocks/>
+            <a:endCxn id="37" idx="1"/>
+          </p:cNvCxnSpPr>
+          <p:nvPr/>
+        </p:nvCxnSpPr>
+        <p:spPr>
+          <a:xfrm>
+            <a:off x="487519" y="4116477"/>
+            <a:ext cx="209631" cy="1"/>
+          </a:xfrm>
+          <a:prstGeom prst="bentConnector3">
+            <a:avLst>
+              <a:gd name="adj1" fmla="val 50000"/>
+            </a:avLst>
+          </a:prstGeom>
+          <a:ln>
+            <a:tailEnd type="triangle"/>
+          </a:ln>
+        </p:spPr>
+        <p:style>
+          <a:lnRef idx="2">
+            <a:schemeClr val="accent4"/>
+          </a:lnRef>
+          <a:fillRef idx="0">
+            <a:schemeClr val="accent4"/>
+          </a:fillRef>
+          <a:effectRef idx="1">
+            <a:schemeClr val="accent4"/>
+          </a:effectRef>
+          <a:fontRef idx="minor">
+            <a:schemeClr val="tx1"/>
+          </a:fontRef>
+        </p:style>
+      </p:cxnSp>
+      <p:cxnSp>
+        <p:nvCxnSpPr>
+          <p:cNvPr id="84" name="Conector: Angulado 83">
+            <a:extLst>
+              <a:ext uri="{FF2B5EF4-FFF2-40B4-BE49-F238E27FC236}">
+                <a16:creationId xmlns:a16="http://schemas.microsoft.com/office/drawing/2014/main" id="{866870BD-32DD-4E1A-9F96-E858226D9177}"/>
+              </a:ext>
+            </a:extLst>
+          </p:cNvPr>
+          <p:cNvCxnSpPr>
+            <a:cxnSpLocks/>
+          </p:cNvCxnSpPr>
+          <p:nvPr/>
+        </p:nvCxnSpPr>
+        <p:spPr>
+          <a:xfrm>
+            <a:off x="487519" y="6160107"/>
+            <a:ext cx="209631" cy="1"/>
+          </a:xfrm>
+          <a:prstGeom prst="bentConnector3">
+            <a:avLst>
+              <a:gd name="adj1" fmla="val 50000"/>
+            </a:avLst>
+          </a:prstGeom>
+          <a:ln>
+            <a:tailEnd type="triangle"/>
+          </a:ln>
+        </p:spPr>
+        <p:style>
+          <a:lnRef idx="2">
+            <a:schemeClr val="accent4"/>
+          </a:lnRef>
+          <a:fillRef idx="0">
+            <a:schemeClr val="accent4"/>
+          </a:fillRef>
+          <a:effectRef idx="1">
+            <a:schemeClr val="accent4"/>
+          </a:effectRef>
+          <a:fontRef idx="minor">
+            <a:schemeClr val="tx1"/>
+          </a:fontRef>
+        </p:style>
+      </p:cxnSp>
+      <p:cxnSp>
+        <p:nvCxnSpPr>
+          <p:cNvPr id="85" name="Conector: Angulado 84">
+            <a:extLst>
+              <a:ext uri="{FF2B5EF4-FFF2-40B4-BE49-F238E27FC236}">
+                <a16:creationId xmlns:a16="http://schemas.microsoft.com/office/drawing/2014/main" id="{7B872C92-8FFC-4AC9-BEBB-6012CB171E1A}"/>
+              </a:ext>
+            </a:extLst>
+          </p:cNvPr>
+          <p:cNvCxnSpPr>
+            <a:cxnSpLocks/>
+          </p:cNvCxnSpPr>
+          <p:nvPr/>
+        </p:nvCxnSpPr>
+        <p:spPr>
+          <a:xfrm>
+            <a:off x="487519" y="7799594"/>
+            <a:ext cx="209631" cy="1"/>
           </a:xfrm>
           <a:prstGeom prst="bentConnector3">
             <a:avLst>

--- a/dissertacao-docs/apresentacoes/Dissertação - RDM - EMA - Imagens-Retrato.pptx
+++ b/dissertacao-docs/apresentacoes/Dissertação - RDM - EMA - Imagens-Retrato.pptx
@@ -316,7 +316,7 @@
           <a:p>
             <a:fld id="{2E700DB3-DBF0-4086-B675-117E7A9610B8}" type="datetimeFigureOut">
               <a:rPr lang="pt-BR" smtClean="0"/>
-              <a:t>24/01/2018</a:t>
+              <a:t>26/01/2018</a:t>
             </a:fld>
             <a:endParaRPr lang="pt-BR"/>
           </a:p>
@@ -479,7 +479,7 @@
           <a:p>
             <a:fld id="{2E700DB3-DBF0-4086-B675-117E7A9610B8}" type="datetimeFigureOut">
               <a:rPr lang="pt-BR" smtClean="0"/>
-              <a:t>24/01/2018</a:t>
+              <a:t>26/01/2018</a:t>
             </a:fld>
             <a:endParaRPr lang="pt-BR"/>
           </a:p>
@@ -652,7 +652,7 @@
           <a:p>
             <a:fld id="{2E700DB3-DBF0-4086-B675-117E7A9610B8}" type="datetimeFigureOut">
               <a:rPr lang="pt-BR" smtClean="0"/>
-              <a:t>24/01/2018</a:t>
+              <a:t>26/01/2018</a:t>
             </a:fld>
             <a:endParaRPr lang="pt-BR"/>
           </a:p>
@@ -815,7 +815,7 @@
           <a:p>
             <a:fld id="{2E700DB3-DBF0-4086-B675-117E7A9610B8}" type="datetimeFigureOut">
               <a:rPr lang="pt-BR" smtClean="0"/>
-              <a:t>24/01/2018</a:t>
+              <a:t>26/01/2018</a:t>
             </a:fld>
             <a:endParaRPr lang="pt-BR"/>
           </a:p>
@@ -1055,7 +1055,7 @@
           <a:p>
             <a:fld id="{2E700DB3-DBF0-4086-B675-117E7A9610B8}" type="datetimeFigureOut">
               <a:rPr lang="pt-BR" smtClean="0"/>
-              <a:t>24/01/2018</a:t>
+              <a:t>26/01/2018</a:t>
             </a:fld>
             <a:endParaRPr lang="pt-BR"/>
           </a:p>
@@ -1335,7 +1335,7 @@
           <a:p>
             <a:fld id="{2E700DB3-DBF0-4086-B675-117E7A9610B8}" type="datetimeFigureOut">
               <a:rPr lang="pt-BR" smtClean="0"/>
-              <a:t>24/01/2018</a:t>
+              <a:t>26/01/2018</a:t>
             </a:fld>
             <a:endParaRPr lang="pt-BR"/>
           </a:p>
@@ -1749,7 +1749,7 @@
           <a:p>
             <a:fld id="{2E700DB3-DBF0-4086-B675-117E7A9610B8}" type="datetimeFigureOut">
               <a:rPr lang="pt-BR" smtClean="0"/>
-              <a:t>24/01/2018</a:t>
+              <a:t>26/01/2018</a:t>
             </a:fld>
             <a:endParaRPr lang="pt-BR"/>
           </a:p>
@@ -1861,7 +1861,7 @@
           <a:p>
             <a:fld id="{2E700DB3-DBF0-4086-B675-117E7A9610B8}" type="datetimeFigureOut">
               <a:rPr lang="pt-BR" smtClean="0"/>
-              <a:t>24/01/2018</a:t>
+              <a:t>26/01/2018</a:t>
             </a:fld>
             <a:endParaRPr lang="pt-BR"/>
           </a:p>
@@ -1951,7 +1951,7 @@
           <a:p>
             <a:fld id="{2E700DB3-DBF0-4086-B675-117E7A9610B8}" type="datetimeFigureOut">
               <a:rPr lang="pt-BR" smtClean="0"/>
-              <a:t>24/01/2018</a:t>
+              <a:t>26/01/2018</a:t>
             </a:fld>
             <a:endParaRPr lang="pt-BR"/>
           </a:p>
@@ -2221,7 +2221,7 @@
           <a:p>
             <a:fld id="{2E700DB3-DBF0-4086-B675-117E7A9610B8}" type="datetimeFigureOut">
               <a:rPr lang="pt-BR" smtClean="0"/>
-              <a:t>24/01/2018</a:t>
+              <a:t>26/01/2018</a:t>
             </a:fld>
             <a:endParaRPr lang="pt-BR"/>
           </a:p>
@@ -2468,7 +2468,7 @@
           <a:p>
             <a:fld id="{2E700DB3-DBF0-4086-B675-117E7A9610B8}" type="datetimeFigureOut">
               <a:rPr lang="pt-BR" smtClean="0"/>
-              <a:t>24/01/2018</a:t>
+              <a:t>26/01/2018</a:t>
             </a:fld>
             <a:endParaRPr lang="pt-BR"/>
           </a:p>
@@ -2674,7 +2674,7 @@
           <a:p>
             <a:fld id="{2E700DB3-DBF0-4086-B675-117E7A9610B8}" type="datetimeFigureOut">
               <a:rPr lang="pt-BR" smtClean="0"/>
-              <a:t>24/01/2018</a:t>
+              <a:t>26/01/2018</a:t>
             </a:fld>
             <a:endParaRPr lang="pt-BR"/>
           </a:p>
@@ -7054,7 +7054,7 @@
         </p:nvSpPr>
         <p:spPr>
           <a:xfrm>
-            <a:off x="306255" y="843309"/>
+            <a:off x="549047" y="843309"/>
             <a:ext cx="2160000" cy="624147"/>
           </a:xfrm>
           <a:prstGeom prst="roundRect">
@@ -7101,8 +7101,8 @@
         </p:nvSpPr>
         <p:spPr>
           <a:xfrm>
-            <a:off x="306255" y="3057061"/>
-            <a:ext cx="2160000" cy="455580"/>
+            <a:off x="549047" y="3050158"/>
+            <a:ext cx="2160000" cy="733717"/>
           </a:xfrm>
           <a:prstGeom prst="roundRect">
             <a:avLst/>
@@ -7135,7 +7135,7 @@
                 <a:latin typeface="Arial" panose="020B0604020202020204" pitchFamily="34" charset="0"/>
                 <a:cs typeface="Arial" panose="020B0604020202020204" pitchFamily="34" charset="0"/>
               </a:rPr>
-              <a:t>Formulação do Modelo</a:t>
+              <a:t>Construção do Modelo</a:t>
             </a:r>
           </a:p>
         </p:txBody>
@@ -7148,8 +7148,8 @@
         </p:nvSpPr>
         <p:spPr>
           <a:xfrm>
-            <a:off x="306255" y="3908651"/>
-            <a:ext cx="2160000" cy="477229"/>
+            <a:off x="549047" y="4175975"/>
+            <a:ext cx="2160000" cy="768582"/>
           </a:xfrm>
           <a:prstGeom prst="roundRect">
             <a:avLst/>
@@ -7182,54 +7182,7 @@
                 <a:latin typeface="Arial" panose="020B0604020202020204" pitchFamily="34" charset="0"/>
                 <a:cs typeface="Arial" panose="020B0604020202020204" pitchFamily="34" charset="0"/>
               </a:rPr>
-              <a:t>Implementação do modelo Computacional</a:t>
-            </a:r>
-          </a:p>
-        </p:txBody>
-      </p:sp>
-      <p:sp>
-        <p:nvSpPr>
-          <p:cNvPr id="100" name="Retângulo de cantos arredondados 6"/>
-          <p:cNvSpPr/>
-          <p:nvPr/>
-        </p:nvSpPr>
-        <p:spPr>
-          <a:xfrm>
-            <a:off x="306255" y="5484785"/>
-            <a:ext cx="2160000" cy="624147"/>
-          </a:xfrm>
-          <a:prstGeom prst="roundRect">
-            <a:avLst/>
-          </a:prstGeom>
-          <a:ln>
-            <a:noFill/>
-          </a:ln>
-        </p:spPr>
-        <p:style>
-          <a:lnRef idx="1">
-            <a:schemeClr val="dk1"/>
-          </a:lnRef>
-          <a:fillRef idx="2">
-            <a:schemeClr val="dk1"/>
-          </a:fillRef>
-          <a:effectRef idx="1">
-            <a:schemeClr val="dk1"/>
-          </a:effectRef>
-          <a:fontRef idx="minor">
-            <a:schemeClr val="dk1"/>
-          </a:fontRef>
-        </p:style>
-        <p:txBody>
-          <a:bodyPr rtlCol="0" anchor="ctr"/>
-          <a:lstStyle/>
-          <a:p>
-            <a:pPr algn="ctr"/>
-            <a:r>
-              <a:rPr lang="pt-BR" sz="1200" dirty="0">
-                <a:latin typeface="Arial" panose="020B0604020202020204" pitchFamily="34" charset="0"/>
-                <a:cs typeface="Arial" panose="020B0604020202020204" pitchFamily="34" charset="0"/>
-              </a:rPr>
-              <a:t>Execução do Modelo Computacional</a:t>
+              <a:t>Solução do Modelo</a:t>
             </a:r>
           </a:p>
         </p:txBody>
@@ -7242,8 +7195,8 @@
         </p:nvSpPr>
         <p:spPr>
           <a:xfrm>
-            <a:off x="306255" y="6408612"/>
-            <a:ext cx="2160000" cy="1435123"/>
+            <a:off x="549047" y="6408613"/>
+            <a:ext cx="2160000" cy="1388842"/>
           </a:xfrm>
           <a:prstGeom prst="roundRect">
             <a:avLst/>
@@ -7295,7 +7248,7 @@
         </p:nvSpPr>
         <p:spPr>
           <a:xfrm>
-            <a:off x="306255" y="1706292"/>
+            <a:off x="549047" y="1706292"/>
             <a:ext cx="2160000" cy="935216"/>
           </a:xfrm>
           <a:prstGeom prst="roundRect">
@@ -7348,8 +7301,8 @@
         </p:nvSpPr>
         <p:spPr>
           <a:xfrm>
-            <a:off x="306255" y="4718410"/>
-            <a:ext cx="2160000" cy="433845"/>
+            <a:off x="549047" y="5371662"/>
+            <a:ext cx="2160000" cy="698712"/>
           </a:xfrm>
           <a:prstGeom prst="roundRect">
             <a:avLst/>
@@ -7382,7 +7335,7 @@
                 <a:latin typeface="Arial" panose="020B0604020202020204" pitchFamily="34" charset="0"/>
                 <a:cs typeface="Arial" panose="020B0604020202020204" pitchFamily="34" charset="0"/>
               </a:rPr>
-              <a:t>Validação do Modelo Computacional</a:t>
+              <a:t>Validação do Modelo</a:t>
             </a:r>
           </a:p>
         </p:txBody>
@@ -7527,14 +7480,15 @@
           </p:cNvPr>
           <p:cNvCxnSpPr>
             <a:cxnSpLocks/>
+            <a:stCxn id="58" idx="2"/>
             <a:endCxn id="98" idx="0"/>
           </p:cNvCxnSpPr>
           <p:nvPr/>
         </p:nvCxnSpPr>
         <p:spPr>
-          <a:xfrm flipH="1">
-            <a:off x="1386255" y="2641508"/>
-            <a:ext cx="6131" cy="415553"/>
+          <a:xfrm>
+            <a:off x="1629047" y="2641508"/>
+            <a:ext cx="0" cy="408650"/>
           </a:xfrm>
           <a:prstGeom prst="straightConnector1">
             <a:avLst/>
@@ -7577,8 +7531,8 @@
         </p:nvCxnSpPr>
         <p:spPr>
           <a:xfrm>
-            <a:off x="1386255" y="3512641"/>
-            <a:ext cx="0" cy="396010"/>
+            <a:off x="1629047" y="3783875"/>
+            <a:ext cx="0" cy="392100"/>
           </a:xfrm>
           <a:prstGeom prst="straightConnector1">
             <a:avLst/>
@@ -7621,52 +7575,8 @@
         </p:nvCxnSpPr>
         <p:spPr>
           <a:xfrm>
-            <a:off x="1386255" y="4385880"/>
-            <a:ext cx="0" cy="332530"/>
-          </a:xfrm>
-          <a:prstGeom prst="straightConnector1">
-            <a:avLst/>
-          </a:prstGeom>
-          <a:ln>
-            <a:headEnd type="none" w="med" len="med"/>
-            <a:tailEnd type="triangle" w="med" len="med"/>
-          </a:ln>
-        </p:spPr>
-        <p:style>
-          <a:lnRef idx="2">
-            <a:schemeClr val="dk1"/>
-          </a:lnRef>
-          <a:fillRef idx="0">
-            <a:schemeClr val="dk1"/>
-          </a:fillRef>
-          <a:effectRef idx="1">
-            <a:schemeClr val="dk1"/>
-          </a:effectRef>
-          <a:fontRef idx="minor">
-            <a:schemeClr val="tx1"/>
-          </a:fontRef>
-        </p:style>
-      </p:cxnSp>
-      <p:cxnSp>
-        <p:nvCxnSpPr>
-          <p:cNvPr id="115" name="Conector: Angulado 65">
-            <a:extLst>
-              <a:ext uri="{FF2B5EF4-FFF2-40B4-BE49-F238E27FC236}">
-                <a16:creationId xmlns:a16="http://schemas.microsoft.com/office/drawing/2014/main" id="{C8BD0B93-7B5E-4478-B271-E762C3CB3CC7}"/>
-              </a:ext>
-            </a:extLst>
-          </p:cNvPr>
-          <p:cNvCxnSpPr>
-            <a:cxnSpLocks/>
-            <a:stCxn id="59" idx="2"/>
-            <a:endCxn id="100" idx="0"/>
-          </p:cNvCxnSpPr>
-          <p:nvPr/>
-        </p:nvCxnSpPr>
-        <p:spPr>
-          <a:xfrm>
-            <a:off x="1386255" y="5152255"/>
-            <a:ext cx="0" cy="332530"/>
+            <a:off x="1629047" y="4944557"/>
+            <a:ext cx="0" cy="427105"/>
           </a:xfrm>
           <a:prstGeom prst="straightConnector1">
             <a:avLst/>
@@ -7702,15 +7612,15 @@
           </p:cNvPr>
           <p:cNvCxnSpPr>
             <a:cxnSpLocks/>
-            <a:stCxn id="100" idx="2"/>
+            <a:stCxn id="59" idx="2"/>
             <a:endCxn id="101" idx="0"/>
           </p:cNvCxnSpPr>
           <p:nvPr/>
         </p:nvCxnSpPr>
         <p:spPr>
           <a:xfrm>
-            <a:off x="1386255" y="6108932"/>
-            <a:ext cx="0" cy="299680"/>
+            <a:off x="1629047" y="6070374"/>
+            <a:ext cx="0" cy="338239"/>
           </a:xfrm>
           <a:prstGeom prst="straightConnector1">
             <a:avLst/>
@@ -7764,6 +7674,52 @@
             <a:schemeClr val="dk1"/>
           </a:fillRef>
           <a:effectRef idx="0">
+            <a:schemeClr val="dk1"/>
+          </a:effectRef>
+          <a:fontRef idx="minor">
+            <a:schemeClr val="tx1"/>
+          </a:fontRef>
+        </p:style>
+      </p:cxnSp>
+      <p:cxnSp>
+        <p:nvCxnSpPr>
+          <p:cNvPr id="42" name="Conector: Angulado 65">
+            <a:extLst>
+              <a:ext uri="{FF2B5EF4-FFF2-40B4-BE49-F238E27FC236}">
+                <a16:creationId xmlns:a16="http://schemas.microsoft.com/office/drawing/2014/main" id="{CDECCAE2-4883-41D7-893F-B176777A85E6}"/>
+              </a:ext>
+            </a:extLst>
+          </p:cNvPr>
+          <p:cNvCxnSpPr>
+            <a:cxnSpLocks/>
+            <a:stCxn id="59" idx="1"/>
+            <a:endCxn id="98" idx="1"/>
+          </p:cNvCxnSpPr>
+          <p:nvPr/>
+        </p:nvCxnSpPr>
+        <p:spPr>
+          <a:xfrm rot="10800000">
+            <a:off x="549047" y="3417018"/>
+            <a:ext cx="12700" cy="2304001"/>
+          </a:xfrm>
+          <a:prstGeom prst="bentConnector3">
+            <a:avLst>
+              <a:gd name="adj1" fmla="val 1800000"/>
+            </a:avLst>
+          </a:prstGeom>
+          <a:ln>
+            <a:headEnd type="none" w="med" len="med"/>
+            <a:tailEnd type="triangle" w="med" len="med"/>
+          </a:ln>
+        </p:spPr>
+        <p:style>
+          <a:lnRef idx="2">
+            <a:schemeClr val="dk1"/>
+          </a:lnRef>
+          <a:fillRef idx="0">
+            <a:schemeClr val="dk1"/>
+          </a:fillRef>
+          <a:effectRef idx="1">
             <a:schemeClr val="dk1"/>
           </a:effectRef>
           <a:fontRef idx="minor">
@@ -20775,8 +20731,8 @@
         </p:nvSpPr>
         <p:spPr>
           <a:xfrm>
-            <a:off x="16266" y="287933"/>
-            <a:ext cx="5759450" cy="8352829"/>
+            <a:off x="16266" y="431948"/>
+            <a:ext cx="5759450" cy="8064897"/>
           </a:xfrm>
           <a:prstGeom prst="roundRect">
             <a:avLst>
@@ -20857,11 +20813,18 @@
           <a:p>
             <a:pPr algn="ctr"/>
             <a:r>
+              <a:rPr lang="en-US" sz="1000" b="1" dirty="0" err="1">
+                <a:latin typeface="Arial" panose="020B0604020202020204" pitchFamily="34" charset="0"/>
+                <a:cs typeface="Arial" panose="020B0604020202020204" pitchFamily="34" charset="0"/>
+              </a:rPr>
+              <a:t>Estruturação</a:t>
+            </a:r>
+            <a:r>
               <a:rPr lang="en-US" sz="1000" b="1" dirty="0">
                 <a:latin typeface="Arial" panose="020B0604020202020204" pitchFamily="34" charset="0"/>
                 <a:cs typeface="Arial" panose="020B0604020202020204" pitchFamily="34" charset="0"/>
               </a:rPr>
-              <a:t>1-Estruturação do </a:t>
+              <a:t> do </a:t>
             </a:r>
             <a:r>
               <a:rPr lang="en-US" sz="1000" b="1" dirty="0" err="1">
@@ -20913,13 +20876,6 @@
           <a:p>
             <a:pPr algn="ctr"/>
             <a:r>
-              <a:rPr lang="en-US" sz="1000" b="1" dirty="0">
-                <a:latin typeface="Arial" panose="020B0604020202020204" pitchFamily="34" charset="0"/>
-                <a:cs typeface="Arial" panose="020B0604020202020204" pitchFamily="34" charset="0"/>
-              </a:rPr>
-              <a:t>2 </a:t>
-            </a:r>
-            <a:r>
               <a:rPr lang="en-US" sz="1000" b="1" dirty="0" err="1">
                 <a:latin typeface="Arial" panose="020B0604020202020204" pitchFamily="34" charset="0"/>
                 <a:cs typeface="Arial" panose="020B0604020202020204" pitchFamily="34" charset="0"/>
@@ -20989,13 +20945,6 @@
           <a:p>
             <a:pPr algn="ctr"/>
             <a:r>
-              <a:rPr lang="en-US" sz="1000" b="1" dirty="0">
-                <a:latin typeface="Arial" panose="020B0604020202020204" pitchFamily="34" charset="0"/>
-                <a:cs typeface="Arial" panose="020B0604020202020204" pitchFamily="34" charset="0"/>
-              </a:rPr>
-              <a:t>3 </a:t>
-            </a:r>
-            <a:r>
               <a:rPr lang="en-US" sz="1000" b="1" dirty="0" err="1">
                 <a:latin typeface="Arial" panose="020B0604020202020204" pitchFamily="34" charset="0"/>
                 <a:cs typeface="Arial" panose="020B0604020202020204" pitchFamily="34" charset="0"/>
@@ -21095,13 +21044,6 @@
           <a:p>
             <a:pPr algn="ctr"/>
             <a:r>
-              <a:rPr lang="en-US" sz="1000" b="1" dirty="0">
-                <a:latin typeface="Arial" panose="020B0604020202020204" pitchFamily="34" charset="0"/>
-                <a:cs typeface="Arial" panose="020B0604020202020204" pitchFamily="34" charset="0"/>
-              </a:rPr>
-              <a:t>4 </a:t>
-            </a:r>
-            <a:r>
               <a:rPr lang="en-US" sz="1000" b="1" dirty="0" err="1">
                 <a:latin typeface="Arial" panose="020B0604020202020204" pitchFamily="34" charset="0"/>
                 <a:cs typeface="Arial" panose="020B0604020202020204" pitchFamily="34" charset="0"/>
@@ -21122,15 +21064,16 @@
         <p:nvCxnSpPr>
           <p:cNvPr id="17" name="Conector de Seta Reta 16"/>
           <p:cNvCxnSpPr>
-            <a:stCxn id="28" idx="2"/>
+            <a:cxnSpLocks/>
+            <a:stCxn id="27" idx="2"/>
             <a:endCxn id="37" idx="0"/>
           </p:cNvCxnSpPr>
           <p:nvPr/>
         </p:nvCxnSpPr>
         <p:spPr>
           <a:xfrm>
-            <a:off x="2111950" y="2932232"/>
-            <a:ext cx="0" cy="201461"/>
+            <a:off x="2111950" y="2963528"/>
+            <a:ext cx="0" cy="170165"/>
           </a:xfrm>
           <a:prstGeom prst="straightConnector1">
             <a:avLst/>
@@ -21378,7 +21321,7 @@
         </p:nvSpPr>
         <p:spPr>
           <a:xfrm>
-            <a:off x="966522" y="2293899"/>
+            <a:off x="966522" y="2722306"/>
             <a:ext cx="2290856" cy="241222"/>
           </a:xfrm>
           <a:prstGeom prst="roundRect">
@@ -21457,7 +21400,7 @@
         </p:nvSpPr>
         <p:spPr>
           <a:xfrm>
-            <a:off x="966522" y="2691010"/>
+            <a:off x="966522" y="2341567"/>
             <a:ext cx="2290856" cy="241222"/>
           </a:xfrm>
           <a:prstGeom prst="roundRect">
@@ -21568,51 +21511,16 @@
         <p:nvCxnSpPr>
           <p:cNvPr id="51" name="Conector de Seta Reta 50"/>
           <p:cNvCxnSpPr>
+            <a:cxnSpLocks/>
             <a:stCxn id="26" idx="2"/>
-            <a:endCxn id="27" idx="0"/>
-          </p:cNvCxnSpPr>
-          <p:nvPr/>
-        </p:nvCxnSpPr>
-        <p:spPr>
-          <a:xfrm>
-            <a:off x="2111950" y="2138009"/>
-            <a:ext cx="0" cy="155890"/>
-          </a:xfrm>
-          <a:prstGeom prst="straightConnector1">
-            <a:avLst/>
-          </a:prstGeom>
-          <a:ln>
-            <a:tailEnd type="triangle"/>
-          </a:ln>
-        </p:spPr>
-        <p:style>
-          <a:lnRef idx="1">
-            <a:schemeClr val="dk1"/>
-          </a:lnRef>
-          <a:fillRef idx="0">
-            <a:schemeClr val="dk1"/>
-          </a:fillRef>
-          <a:effectRef idx="0">
-            <a:schemeClr val="dk1"/>
-          </a:effectRef>
-          <a:fontRef idx="minor">
-            <a:schemeClr val="tx1"/>
-          </a:fontRef>
-        </p:style>
-      </p:cxnSp>
-      <p:cxnSp>
-        <p:nvCxnSpPr>
-          <p:cNvPr id="56" name="Conector de Seta Reta 55"/>
-          <p:cNvCxnSpPr>
-            <a:stCxn id="27" idx="2"/>
             <a:endCxn id="28" idx="0"/>
           </p:cNvCxnSpPr>
           <p:nvPr/>
         </p:nvCxnSpPr>
         <p:spPr>
           <a:xfrm>
-            <a:off x="2111950" y="2535121"/>
-            <a:ext cx="0" cy="155889"/>
+            <a:off x="2111950" y="2138009"/>
+            <a:ext cx="0" cy="203558"/>
           </a:xfrm>
           <a:prstGeom prst="straightConnector1">
             <a:avLst/>
@@ -21720,7 +21628,7 @@
         </p:nvSpPr>
         <p:spPr>
           <a:xfrm>
-            <a:off x="966522" y="3925082"/>
+            <a:off x="966522" y="3964740"/>
             <a:ext cx="2290856" cy="199357"/>
           </a:xfrm>
           <a:prstGeom prst="roundRect">
@@ -21796,7 +21704,7 @@
         </p:nvSpPr>
         <p:spPr>
           <a:xfrm>
-            <a:off x="966522" y="4304508"/>
+            <a:off x="966522" y="4344166"/>
             <a:ext cx="2290856" cy="199357"/>
           </a:xfrm>
           <a:prstGeom prst="roundRect">
@@ -21876,7 +21784,7 @@
         <p:spPr>
           <a:xfrm>
             <a:off x="2111950" y="3727650"/>
-            <a:ext cx="0" cy="197432"/>
+            <a:ext cx="0" cy="237090"/>
           </a:xfrm>
           <a:prstGeom prst="straightConnector1">
             <a:avLst/>
@@ -21911,7 +21819,7 @@
         </p:nvCxnSpPr>
         <p:spPr>
           <a:xfrm>
-            <a:off x="2111950" y="4124439"/>
+            <a:off x="2111950" y="4164097"/>
             <a:ext cx="0" cy="180069"/>
           </a:xfrm>
           <a:prstGeom prst="straightConnector1">
@@ -21989,7 +21897,7 @@
                 <a:latin typeface="Arial" panose="020B0604020202020204" pitchFamily="34" charset="0"/>
                 <a:cs typeface="Arial" panose="020B0604020202020204" pitchFamily="34" charset="0"/>
               </a:rPr>
-              <a:t>Definição</a:t>
+              <a:t>Identificação</a:t>
             </a:r>
             <a:r>
               <a:rPr lang="en-US" sz="1000" dirty="0">
@@ -22003,21 +21911,21 @@
                 <a:latin typeface="Arial" panose="020B0604020202020204" pitchFamily="34" charset="0"/>
                 <a:cs typeface="Arial" panose="020B0604020202020204" pitchFamily="34" charset="0"/>
               </a:rPr>
-              <a:t>Critérios</a:t>
+              <a:t>Incertezas</a:t>
             </a:r>
             <a:r>
               <a:rPr lang="en-US" sz="1000" dirty="0">
                 <a:latin typeface="Arial" panose="020B0604020202020204" pitchFamily="34" charset="0"/>
                 <a:cs typeface="Arial" panose="020B0604020202020204" pitchFamily="34" charset="0"/>
               </a:rPr>
-              <a:t> de </a:t>
+              <a:t> </a:t>
             </a:r>
             <a:r>
               <a:rPr lang="en-US" sz="1000" dirty="0" err="1">
                 <a:latin typeface="Arial" panose="020B0604020202020204" pitchFamily="34" charset="0"/>
                 <a:cs typeface="Arial" panose="020B0604020202020204" pitchFamily="34" charset="0"/>
               </a:rPr>
-              <a:t>Vulnerabilidade</a:t>
+              <a:t>Críticas</a:t>
             </a:r>
             <a:endParaRPr lang="en-US" sz="1000" dirty="0">
               <a:latin typeface="Arial" panose="020B0604020202020204" pitchFamily="34" charset="0"/>
@@ -22377,35 +22285,35 @@
                 <a:latin typeface="Arial" panose="020B0604020202020204" pitchFamily="34" charset="0"/>
                 <a:cs typeface="Arial" panose="020B0604020202020204" pitchFamily="34" charset="0"/>
               </a:rPr>
-              <a:t>Identificação</a:t>
+              <a:t>Avaliação</a:t>
             </a:r>
             <a:r>
               <a:rPr lang="en-US" sz="1000" dirty="0">
                 <a:latin typeface="Arial" panose="020B0604020202020204" pitchFamily="34" charset="0"/>
                 <a:cs typeface="Arial" panose="020B0604020202020204" pitchFamily="34" charset="0"/>
               </a:rPr>
-              <a:t> das </a:t>
+              <a:t> da </a:t>
             </a:r>
             <a:r>
               <a:rPr lang="en-US" sz="1000" dirty="0" err="1">
                 <a:latin typeface="Arial" panose="020B0604020202020204" pitchFamily="34" charset="0"/>
                 <a:cs typeface="Arial" panose="020B0604020202020204" pitchFamily="34" charset="0"/>
               </a:rPr>
+              <a:t>Robustez</a:t>
+            </a:r>
+            <a:r>
+              <a:rPr lang="en-US" sz="1000" dirty="0">
+                <a:latin typeface="Arial" panose="020B0604020202020204" pitchFamily="34" charset="0"/>
+                <a:cs typeface="Arial" panose="020B0604020202020204" pitchFamily="34" charset="0"/>
+              </a:rPr>
+              <a:t> de </a:t>
+            </a:r>
+            <a:r>
+              <a:rPr lang="en-US" sz="1000" dirty="0" err="1">
+                <a:latin typeface="Arial" panose="020B0604020202020204" pitchFamily="34" charset="0"/>
+                <a:cs typeface="Arial" panose="020B0604020202020204" pitchFamily="34" charset="0"/>
+              </a:rPr>
               <a:t>Estratégias</a:t>
-            </a:r>
-            <a:r>
-              <a:rPr lang="en-US" sz="1000" dirty="0">
-                <a:latin typeface="Arial" panose="020B0604020202020204" pitchFamily="34" charset="0"/>
-                <a:cs typeface="Arial" panose="020B0604020202020204" pitchFamily="34" charset="0"/>
-              </a:rPr>
-              <a:t> para </a:t>
-            </a:r>
-            <a:r>
-              <a:rPr lang="en-US" sz="1000" dirty="0" err="1">
-                <a:latin typeface="Arial" panose="020B0604020202020204" pitchFamily="34" charset="0"/>
-                <a:cs typeface="Arial" panose="020B0604020202020204" pitchFamily="34" charset="0"/>
-              </a:rPr>
-              <a:t>Análise</a:t>
             </a:r>
             <a:endParaRPr lang="en-US" sz="1000" dirty="0">
               <a:latin typeface="Arial" panose="020B0604020202020204" pitchFamily="34" charset="0"/>
@@ -22497,8 +22405,8 @@
         </p:nvCxnSpPr>
         <p:spPr>
           <a:xfrm>
-            <a:off x="2111950" y="4914464"/>
-            <a:ext cx="0" cy="317904"/>
+            <a:off x="2111950" y="4954122"/>
+            <a:ext cx="0" cy="278246"/>
           </a:xfrm>
           <a:prstGeom prst="straightConnector1">
             <a:avLst/>
@@ -22698,7 +22606,7 @@
         </p:nvSpPr>
         <p:spPr>
           <a:xfrm>
-            <a:off x="966522" y="4715107"/>
+            <a:off x="966522" y="4754765"/>
             <a:ext cx="2290856" cy="199357"/>
           </a:xfrm>
           <a:prstGeom prst="roundRect">
@@ -22777,7 +22685,7 @@
         </p:nvCxnSpPr>
         <p:spPr>
           <a:xfrm>
-            <a:off x="2111950" y="4503865"/>
+            <a:off x="2111950" y="4543523"/>
             <a:ext cx="0" cy="211242"/>
           </a:xfrm>
           <a:prstGeom prst="straightConnector1">
@@ -22814,7 +22722,7 @@
         <p:spPr>
           <a:xfrm rot="10800000">
             <a:off x="966522" y="3627972"/>
-            <a:ext cx="12700" cy="1186814"/>
+            <a:ext cx="12700" cy="1226472"/>
           </a:xfrm>
           <a:prstGeom prst="bentConnector3">
             <a:avLst>
@@ -23901,6 +23809,49 @@
           </a:fillRef>
           <a:effectRef idx="1">
             <a:schemeClr val="accent4"/>
+          </a:effectRef>
+          <a:fontRef idx="minor">
+            <a:schemeClr val="tx1"/>
+          </a:fontRef>
+        </p:style>
+      </p:cxnSp>
+      <p:cxnSp>
+        <p:nvCxnSpPr>
+          <p:cNvPr id="89" name="Conector de Seta Reta 88">
+            <a:extLst>
+              <a:ext uri="{FF2B5EF4-FFF2-40B4-BE49-F238E27FC236}">
+                <a16:creationId xmlns:a16="http://schemas.microsoft.com/office/drawing/2014/main" id="{A91C68C8-7EDB-4C35-AFEA-BD3B1D4F4222}"/>
+              </a:ext>
+            </a:extLst>
+          </p:cNvPr>
+          <p:cNvCxnSpPr>
+            <a:cxnSpLocks/>
+            <a:stCxn id="28" idx="2"/>
+            <a:endCxn id="27" idx="0"/>
+          </p:cNvCxnSpPr>
+          <p:nvPr/>
+        </p:nvCxnSpPr>
+        <p:spPr>
+          <a:xfrm>
+            <a:off x="2111950" y="2582789"/>
+            <a:ext cx="0" cy="139517"/>
+          </a:xfrm>
+          <a:prstGeom prst="straightConnector1">
+            <a:avLst/>
+          </a:prstGeom>
+          <a:ln>
+            <a:tailEnd type="triangle"/>
+          </a:ln>
+        </p:spPr>
+        <p:style>
+          <a:lnRef idx="1">
+            <a:schemeClr val="dk1"/>
+          </a:lnRef>
+          <a:fillRef idx="0">
+            <a:schemeClr val="dk1"/>
+          </a:fillRef>
+          <a:effectRef idx="0">
+            <a:schemeClr val="dk1"/>
           </a:effectRef>
           <a:fontRef idx="minor">
             <a:schemeClr val="tx1"/>

--- a/dissertacao-docs/apresentacoes/Dissertação - RDM - EMA - Imagens-Retrato.pptx
+++ b/dissertacao-docs/apresentacoes/Dissertação - RDM - EMA - Imagens-Retrato.pptx
@@ -16,6 +16,8 @@
     <p:sldId id="266" r:id="rId10"/>
     <p:sldId id="268" r:id="rId11"/>
     <p:sldId id="269" r:id="rId12"/>
+    <p:sldId id="270" r:id="rId13"/>
+    <p:sldId id="271" r:id="rId14"/>
   </p:sldIdLst>
   <p:sldSz cx="5759450" cy="8640763"/>
   <p:notesSz cx="6858000" cy="9144000"/>
@@ -316,7 +318,7 @@
           <a:p>
             <a:fld id="{2E700DB3-DBF0-4086-B675-117E7A9610B8}" type="datetimeFigureOut">
               <a:rPr lang="pt-BR" smtClean="0"/>
-              <a:t>26/01/2018</a:t>
+              <a:t>30/01/2018</a:t>
             </a:fld>
             <a:endParaRPr lang="pt-BR"/>
           </a:p>
@@ -479,7 +481,7 @@
           <a:p>
             <a:fld id="{2E700DB3-DBF0-4086-B675-117E7A9610B8}" type="datetimeFigureOut">
               <a:rPr lang="pt-BR" smtClean="0"/>
-              <a:t>26/01/2018</a:t>
+              <a:t>30/01/2018</a:t>
             </a:fld>
             <a:endParaRPr lang="pt-BR"/>
           </a:p>
@@ -652,7 +654,7 @@
           <a:p>
             <a:fld id="{2E700DB3-DBF0-4086-B675-117E7A9610B8}" type="datetimeFigureOut">
               <a:rPr lang="pt-BR" smtClean="0"/>
-              <a:t>26/01/2018</a:t>
+              <a:t>30/01/2018</a:t>
             </a:fld>
             <a:endParaRPr lang="pt-BR"/>
           </a:p>
@@ -815,7 +817,7 @@
           <a:p>
             <a:fld id="{2E700DB3-DBF0-4086-B675-117E7A9610B8}" type="datetimeFigureOut">
               <a:rPr lang="pt-BR" smtClean="0"/>
-              <a:t>26/01/2018</a:t>
+              <a:t>30/01/2018</a:t>
             </a:fld>
             <a:endParaRPr lang="pt-BR"/>
           </a:p>
@@ -1055,7 +1057,7 @@
           <a:p>
             <a:fld id="{2E700DB3-DBF0-4086-B675-117E7A9610B8}" type="datetimeFigureOut">
               <a:rPr lang="pt-BR" smtClean="0"/>
-              <a:t>26/01/2018</a:t>
+              <a:t>30/01/2018</a:t>
             </a:fld>
             <a:endParaRPr lang="pt-BR"/>
           </a:p>
@@ -1335,7 +1337,7 @@
           <a:p>
             <a:fld id="{2E700DB3-DBF0-4086-B675-117E7A9610B8}" type="datetimeFigureOut">
               <a:rPr lang="pt-BR" smtClean="0"/>
-              <a:t>26/01/2018</a:t>
+              <a:t>30/01/2018</a:t>
             </a:fld>
             <a:endParaRPr lang="pt-BR"/>
           </a:p>
@@ -1749,7 +1751,7 @@
           <a:p>
             <a:fld id="{2E700DB3-DBF0-4086-B675-117E7A9610B8}" type="datetimeFigureOut">
               <a:rPr lang="pt-BR" smtClean="0"/>
-              <a:t>26/01/2018</a:t>
+              <a:t>30/01/2018</a:t>
             </a:fld>
             <a:endParaRPr lang="pt-BR"/>
           </a:p>
@@ -1861,7 +1863,7 @@
           <a:p>
             <a:fld id="{2E700DB3-DBF0-4086-B675-117E7A9610B8}" type="datetimeFigureOut">
               <a:rPr lang="pt-BR" smtClean="0"/>
-              <a:t>26/01/2018</a:t>
+              <a:t>30/01/2018</a:t>
             </a:fld>
             <a:endParaRPr lang="pt-BR"/>
           </a:p>
@@ -1951,7 +1953,7 @@
           <a:p>
             <a:fld id="{2E700DB3-DBF0-4086-B675-117E7A9610B8}" type="datetimeFigureOut">
               <a:rPr lang="pt-BR" smtClean="0"/>
-              <a:t>26/01/2018</a:t>
+              <a:t>30/01/2018</a:t>
             </a:fld>
             <a:endParaRPr lang="pt-BR"/>
           </a:p>
@@ -2221,7 +2223,7 @@
           <a:p>
             <a:fld id="{2E700DB3-DBF0-4086-B675-117E7A9610B8}" type="datetimeFigureOut">
               <a:rPr lang="pt-BR" smtClean="0"/>
-              <a:t>26/01/2018</a:t>
+              <a:t>30/01/2018</a:t>
             </a:fld>
             <a:endParaRPr lang="pt-BR"/>
           </a:p>
@@ -2468,7 +2470,7 @@
           <a:p>
             <a:fld id="{2E700DB3-DBF0-4086-B675-117E7A9610B8}" type="datetimeFigureOut">
               <a:rPr lang="pt-BR" smtClean="0"/>
-              <a:t>26/01/2018</a:t>
+              <a:t>30/01/2018</a:t>
             </a:fld>
             <a:endParaRPr lang="pt-BR"/>
           </a:p>
@@ -2674,7 +2676,7 @@
           <a:p>
             <a:fld id="{2E700DB3-DBF0-4086-B675-117E7A9610B8}" type="datetimeFigureOut">
               <a:rPr lang="pt-BR" smtClean="0"/>
-              <a:t>26/01/2018</a:t>
+              <a:t>30/01/2018</a:t>
             </a:fld>
             <a:endParaRPr lang="pt-BR"/>
           </a:p>
@@ -7731,6 +7733,1997 @@
     <p:extLst>
       <p:ext uri="{BB962C8B-B14F-4D97-AF65-F5344CB8AC3E}">
         <p14:creationId xmlns:p14="http://schemas.microsoft.com/office/powerpoint/2010/main" val="308656528"/>
+      </p:ext>
+    </p:extLst>
+  </p:cSld>
+  <p:clrMapOvr>
+    <a:masterClrMapping/>
+  </p:clrMapOvr>
+</p:sld>
+</file>
+
+<file path=ppt/slides/slide12.xml><?xml version="1.0" encoding="utf-8"?>
+<p:sld xmlns:a="http://schemas.openxmlformats.org/drawingml/2006/main" xmlns:r="http://schemas.openxmlformats.org/officeDocument/2006/relationships" xmlns:p="http://schemas.openxmlformats.org/presentationml/2006/main">
+  <p:cSld>
+    <p:spTree>
+      <p:nvGrpSpPr>
+        <p:cNvPr id="1" name=""/>
+        <p:cNvGrpSpPr/>
+        <p:nvPr/>
+      </p:nvGrpSpPr>
+      <p:grpSpPr>
+        <a:xfrm>
+          <a:off x="0" y="0"/>
+          <a:ext cx="0" cy="0"/>
+          <a:chOff x="0" y="0"/>
+          <a:chExt cx="0" cy="0"/>
+        </a:xfrm>
+      </p:grpSpPr>
+      <p:sp>
+        <p:nvSpPr>
+          <p:cNvPr id="74" name="Retângulo 73">
+            <a:extLst>
+              <a:ext uri="{FF2B5EF4-FFF2-40B4-BE49-F238E27FC236}">
+                <a16:creationId xmlns:a16="http://schemas.microsoft.com/office/drawing/2014/main" id="{F6D1D441-B28C-4043-A600-C2E06BD99386}"/>
+              </a:ext>
+            </a:extLst>
+          </p:cNvPr>
+          <p:cNvSpPr/>
+          <p:nvPr/>
+        </p:nvSpPr>
+        <p:spPr>
+          <a:xfrm>
+            <a:off x="129332" y="215925"/>
+            <a:ext cx="5580025" cy="7862390"/>
+          </a:xfrm>
+          <a:prstGeom prst="rect">
+            <a:avLst/>
+          </a:prstGeom>
+        </p:spPr>
+        <p:style>
+          <a:lnRef idx="2">
+            <a:schemeClr val="dk1"/>
+          </a:lnRef>
+          <a:fillRef idx="1">
+            <a:schemeClr val="lt1"/>
+          </a:fillRef>
+          <a:effectRef idx="0">
+            <a:schemeClr val="dk1"/>
+          </a:effectRef>
+          <a:fontRef idx="minor">
+            <a:schemeClr val="dk1"/>
+          </a:fontRef>
+        </p:style>
+        <p:txBody>
+          <a:bodyPr rtlCol="0" anchor="t"/>
+          <a:lstStyle/>
+          <a:p>
+            <a:pPr algn="ctr"/>
+            <a:r>
+              <a:rPr lang="pt-BR" sz="1400" b="1" dirty="0">
+                <a:latin typeface="Arial" panose="020B0604020202020204" pitchFamily="34" charset="0"/>
+                <a:cs typeface="Arial" panose="020B0604020202020204" pitchFamily="34" charset="0"/>
+              </a:rPr>
+              <a:t>Resultados do Algoritmo PRIM</a:t>
+            </a:r>
+          </a:p>
+          <a:p>
+            <a:pPr algn="ctr"/>
+            <a:r>
+              <a:rPr lang="pt-BR" sz="1200" b="1" dirty="0">
+                <a:latin typeface="Arial" panose="020B0604020202020204" pitchFamily="34" charset="0"/>
+                <a:cs typeface="Arial" panose="020B0604020202020204" pitchFamily="34" charset="0"/>
+              </a:rPr>
+              <a:t>Definição de Condições onde a Estratégia 31 falha</a:t>
+            </a:r>
+          </a:p>
+        </p:txBody>
+      </p:sp>
+      <p:pic>
+        <p:nvPicPr>
+          <p:cNvPr id="5" name="Imagem 4">
+            <a:extLst>
+              <a:ext uri="{FF2B5EF4-FFF2-40B4-BE49-F238E27FC236}">
+                <a16:creationId xmlns:a16="http://schemas.microsoft.com/office/drawing/2014/main" id="{1BE41894-C87C-462D-84AE-86EA576E25E9}"/>
+              </a:ext>
+            </a:extLst>
+          </p:cNvPr>
+          <p:cNvPicPr/>
+          <p:nvPr/>
+        </p:nvPicPr>
+        <p:blipFill rotWithShape="1">
+          <a:blip r:embed="rId2">
+            <a:extLst>
+              <a:ext uri="{28A0092B-C50C-407E-A947-70E740481C1C}">
+                <a14:useLocalDpi xmlns:a14="http://schemas.microsoft.com/office/drawing/2010/main" val="0"/>
+              </a:ext>
+            </a:extLst>
+          </a:blip>
+          <a:srcRect l="51828"/>
+          <a:stretch/>
+        </p:blipFill>
+        <p:spPr bwMode="auto">
+          <a:xfrm rot="5400000">
+            <a:off x="-2347433" y="8755451"/>
+            <a:ext cx="9158173" cy="9505057"/>
+          </a:xfrm>
+          <a:prstGeom prst="rect">
+            <a:avLst/>
+          </a:prstGeom>
+          <a:noFill/>
+          <a:ln>
+            <a:noFill/>
+          </a:ln>
+        </p:spPr>
+      </p:pic>
+      <p:graphicFrame>
+        <p:nvGraphicFramePr>
+          <p:cNvPr id="4" name="Tabela 3">
+            <a:extLst>
+              <a:ext uri="{FF2B5EF4-FFF2-40B4-BE49-F238E27FC236}">
+                <a16:creationId xmlns:a16="http://schemas.microsoft.com/office/drawing/2014/main" id="{E2DE5C17-10EC-4452-9155-F29BC6A6DA5B}"/>
+              </a:ext>
+            </a:extLst>
+          </p:cNvPr>
+          <p:cNvGraphicFramePr>
+            <a:graphicFrameLocks noGrp="1"/>
+          </p:cNvGraphicFramePr>
+          <p:nvPr>
+            <p:extLst>
+              <p:ext uri="{D42A27DB-BD31-4B8C-83A1-F6EECF244321}">
+                <p14:modId xmlns:p14="http://schemas.microsoft.com/office/powerpoint/2010/main" val="906253622"/>
+              </p:ext>
+            </p:extLst>
+          </p:nvPr>
+        </p:nvGraphicFramePr>
+        <p:xfrm>
+          <a:off x="129332" y="731221"/>
+          <a:ext cx="5400600" cy="5205084"/>
+        </p:xfrm>
+        <a:graphic>
+          <a:graphicData uri="http://schemas.openxmlformats.org/drawingml/2006/table">
+            <a:tbl>
+              <a:tblPr firstRow="1" bandRow="1">
+                <a:tableStyleId>{5940675A-B579-460E-94D1-54222C63F5DA}</a:tableStyleId>
+              </a:tblPr>
+              <a:tblGrid>
+                <a:gridCol w="1908212">
+                  <a:extLst>
+                    <a:ext uri="{9D8B030D-6E8A-4147-A177-3AD203B41FA5}">
+                      <a16:colId xmlns:a16="http://schemas.microsoft.com/office/drawing/2014/main" val="4202968456"/>
+                    </a:ext>
+                  </a:extLst>
+                </a:gridCol>
+                <a:gridCol w="3492388">
+                  <a:extLst>
+                    <a:ext uri="{9D8B030D-6E8A-4147-A177-3AD203B41FA5}">
+                      <a16:colId xmlns:a16="http://schemas.microsoft.com/office/drawing/2014/main" val="1938842175"/>
+                    </a:ext>
+                  </a:extLst>
+                </a:gridCol>
+              </a:tblGrid>
+              <a:tr h="536336">
+                <a:tc>
+                  <a:txBody>
+                    <a:bodyPr/>
+                    <a:lstStyle/>
+                    <a:p>
+                      <a:pPr algn="r"/>
+                      <a:r>
+                        <a:rPr lang="pt-BR" sz="1200" b="1" dirty="0">
+                          <a:latin typeface="Arial" panose="020B0604020202020204" pitchFamily="34" charset="0"/>
+                          <a:cs typeface="Arial" panose="020B0604020202020204" pitchFamily="34" charset="0"/>
+                        </a:rPr>
+                        <a:t>Incerteza</a:t>
+                      </a:r>
+                    </a:p>
+                  </a:txBody>
+                  <a:tcPr anchor="b">
+                    <a:lnL w="12700" cmpd="sng">
+                      <a:noFill/>
+                    </a:lnL>
+                    <a:lnR w="12700" cmpd="sng">
+                      <a:noFill/>
+                    </a:lnR>
+                    <a:lnT w="12700" cmpd="sng">
+                      <a:noFill/>
+                    </a:lnT>
+                    <a:lnB w="12700" cmpd="sng">
+                      <a:noFill/>
+                    </a:lnB>
+                    <a:lnTlToBr w="12700" cmpd="sng">
+                      <a:noFill/>
+                      <a:prstDash val="solid"/>
+                    </a:lnTlToBr>
+                    <a:lnBlToTr w="12700" cmpd="sng">
+                      <a:noFill/>
+                      <a:prstDash val="solid"/>
+                    </a:lnBlToTr>
+                  </a:tcPr>
+                </a:tc>
+                <a:tc>
+                  <a:txBody>
+                    <a:bodyPr/>
+                    <a:lstStyle/>
+                    <a:p>
+                      <a:pPr algn="ctr"/>
+                      <a:r>
+                        <a:rPr lang="pt-BR" sz="1200" b="1" dirty="0">
+                          <a:latin typeface="Arial" panose="020B0604020202020204" pitchFamily="34" charset="0"/>
+                          <a:cs typeface="Arial" panose="020B0604020202020204" pitchFamily="34" charset="0"/>
+                        </a:rPr>
+                        <a:t>Range de Vulnerabilidade</a:t>
+                      </a:r>
+                    </a:p>
+                  </a:txBody>
+                  <a:tcPr anchor="b">
+                    <a:lnL w="12700" cmpd="sng">
+                      <a:noFill/>
+                    </a:lnL>
+                    <a:lnR w="12700" cmpd="sng">
+                      <a:noFill/>
+                    </a:lnR>
+                    <a:lnT w="12700" cmpd="sng">
+                      <a:noFill/>
+                    </a:lnT>
+                    <a:lnB w="12700" cmpd="sng">
+                      <a:noFill/>
+                    </a:lnB>
+                    <a:lnTlToBr w="12700" cmpd="sng">
+                      <a:noFill/>
+                      <a:prstDash val="solid"/>
+                    </a:lnTlToBr>
+                    <a:lnBlToTr w="12700" cmpd="sng">
+                      <a:noFill/>
+                      <a:prstDash val="solid"/>
+                    </a:lnBlToTr>
+                  </a:tcPr>
+                </a:tc>
+                <a:extLst>
+                  <a:ext uri="{0D108BD9-81ED-4DB2-BD59-A6C34878D82A}">
+                    <a16:rowId xmlns:a16="http://schemas.microsoft.com/office/drawing/2014/main" val="145143281"/>
+                  </a:ext>
+                </a:extLst>
+              </a:tr>
+              <a:tr h="536336">
+                <a:tc rowSpan="2">
+                  <a:txBody>
+                    <a:bodyPr/>
+                    <a:lstStyle/>
+                    <a:p>
+                      <a:pPr algn="r"/>
+                      <a:r>
+                        <a:rPr lang="pt-BR" sz="1200" dirty="0">
+                          <a:latin typeface="Arial" panose="020B0604020202020204" pitchFamily="34" charset="0"/>
+                          <a:cs typeface="Arial" panose="020B0604020202020204" pitchFamily="34" charset="0"/>
+                        </a:rPr>
+                        <a:t>Tamanho do Mercado de Referência</a:t>
+                      </a:r>
+                    </a:p>
+                  </a:txBody>
+                  <a:tcPr anchor="ctr">
+                    <a:lnL w="12700" cmpd="sng">
+                      <a:noFill/>
+                    </a:lnL>
+                    <a:lnR w="12700" cmpd="sng">
+                      <a:noFill/>
+                    </a:lnR>
+                    <a:lnT w="12700" cmpd="sng">
+                      <a:noFill/>
+                    </a:lnT>
+                    <a:lnB w="12700" cmpd="sng">
+                      <a:noFill/>
+                    </a:lnB>
+                    <a:lnTlToBr w="12700" cmpd="sng">
+                      <a:noFill/>
+                      <a:prstDash val="solid"/>
+                    </a:lnTlToBr>
+                    <a:lnBlToTr w="12700" cmpd="sng">
+                      <a:noFill/>
+                      <a:prstDash val="solid"/>
+                    </a:lnBlToTr>
+                  </a:tcPr>
+                </a:tc>
+                <a:tc>
+                  <a:txBody>
+                    <a:bodyPr/>
+                    <a:lstStyle/>
+                    <a:p>
+                      <a:pPr algn="l"/>
+                      <a:r>
+                        <a:rPr lang="pt-BR" sz="1200" dirty="0">
+                          <a:solidFill>
+                            <a:schemeClr val="bg1">
+                              <a:lumMod val="50000"/>
+                            </a:schemeClr>
+                          </a:solidFill>
+                          <a:latin typeface="Arial" panose="020B0604020202020204" pitchFamily="34" charset="0"/>
+                          <a:cs typeface="Arial" panose="020B0604020202020204" pitchFamily="34" charset="0"/>
+                        </a:rPr>
+                        <a:t>25K                                                              100K</a:t>
+                      </a:r>
+                    </a:p>
+                  </a:txBody>
+                  <a:tcPr anchor="b">
+                    <a:lnL w="12700" cmpd="sng">
+                      <a:noFill/>
+                    </a:lnL>
+                    <a:lnR w="12700" cmpd="sng">
+                      <a:noFill/>
+                    </a:lnR>
+                    <a:lnT w="12700" cmpd="sng">
+                      <a:noFill/>
+                    </a:lnT>
+                    <a:lnB w="12700" cap="flat" cmpd="sng" algn="ctr">
+                      <a:solidFill>
+                        <a:schemeClr val="bg1">
+                          <a:lumMod val="75000"/>
+                        </a:schemeClr>
+                      </a:solidFill>
+                      <a:prstDash val="solid"/>
+                      <a:round/>
+                      <a:headEnd type="none" w="med" len="med"/>
+                      <a:tailEnd type="none" w="med" len="med"/>
+                    </a:lnB>
+                    <a:lnTlToBr w="12700" cmpd="sng">
+                      <a:noFill/>
+                      <a:prstDash val="solid"/>
+                    </a:lnTlToBr>
+                    <a:lnBlToTr w="12700" cmpd="sng">
+                      <a:noFill/>
+                      <a:prstDash val="solid"/>
+                    </a:lnBlToTr>
+                  </a:tcPr>
+                </a:tc>
+                <a:extLst>
+                  <a:ext uri="{0D108BD9-81ED-4DB2-BD59-A6C34878D82A}">
+                    <a16:rowId xmlns:a16="http://schemas.microsoft.com/office/drawing/2014/main" val="1941192736"/>
+                  </a:ext>
+                </a:extLst>
+              </a:tr>
+              <a:tr h="536336">
+                <a:tc vMerge="1">
+                  <a:txBody>
+                    <a:bodyPr/>
+                    <a:lstStyle/>
+                    <a:p>
+                      <a:endParaRPr lang="pt-BR"/>
+                    </a:p>
+                  </a:txBody>
+                  <a:tcPr/>
+                </a:tc>
+                <a:tc>
+                  <a:txBody>
+                    <a:bodyPr/>
+                    <a:lstStyle/>
+                    <a:p>
+                      <a:pPr algn="l"/>
+                      <a:r>
+                        <a:rPr lang="pt-BR" sz="1200" dirty="0">
+                          <a:latin typeface="Arial" panose="020B0604020202020204" pitchFamily="34" charset="0"/>
+                          <a:cs typeface="Arial" panose="020B0604020202020204" pitchFamily="34" charset="0"/>
+                        </a:rPr>
+                        <a:t>                               58K                               100K</a:t>
+                      </a:r>
+                    </a:p>
+                  </a:txBody>
+                  <a:tcPr>
+                    <a:lnL w="12700" cmpd="sng">
+                      <a:noFill/>
+                    </a:lnL>
+                    <a:lnR w="12700" cmpd="sng">
+                      <a:noFill/>
+                    </a:lnR>
+                    <a:lnT w="12700" cap="flat" cmpd="sng" algn="ctr">
+                      <a:solidFill>
+                        <a:schemeClr val="bg1">
+                          <a:lumMod val="75000"/>
+                        </a:schemeClr>
+                      </a:solidFill>
+                      <a:prstDash val="solid"/>
+                      <a:round/>
+                      <a:headEnd type="none" w="med" len="med"/>
+                      <a:tailEnd type="none" w="med" len="med"/>
+                    </a:lnT>
+                    <a:lnB w="12700" cmpd="sng">
+                      <a:noFill/>
+                    </a:lnB>
+                    <a:lnTlToBr w="12700" cmpd="sng">
+                      <a:noFill/>
+                      <a:prstDash val="solid"/>
+                    </a:lnTlToBr>
+                    <a:lnBlToTr w="12700" cmpd="sng">
+                      <a:noFill/>
+                      <a:prstDash val="solid"/>
+                    </a:lnBlToTr>
+                  </a:tcPr>
+                </a:tc>
+                <a:extLst>
+                  <a:ext uri="{0D108BD9-81ED-4DB2-BD59-A6C34878D82A}">
+                    <a16:rowId xmlns:a16="http://schemas.microsoft.com/office/drawing/2014/main" val="1639889444"/>
+                  </a:ext>
+                </a:extLst>
+              </a:tr>
+              <a:tr h="446946">
+                <a:tc rowSpan="2">
+                  <a:txBody>
+                    <a:bodyPr/>
+                    <a:lstStyle/>
+                    <a:p>
+                      <a:pPr algn="r"/>
+                      <a:r>
+                        <a:rPr lang="pt-BR" sz="1200" dirty="0">
+                          <a:latin typeface="Arial" panose="020B0604020202020204" pitchFamily="34" charset="0"/>
+                          <a:cs typeface="Arial" panose="020B0604020202020204" pitchFamily="34" charset="0"/>
+                        </a:rPr>
+                        <a:t>% de Utilização da Capacidade</a:t>
+                      </a:r>
+                    </a:p>
+                  </a:txBody>
+                  <a:tcPr anchor="ctr">
+                    <a:lnL w="12700" cmpd="sng">
+                      <a:noFill/>
+                    </a:lnL>
+                    <a:lnR w="12700" cmpd="sng">
+                      <a:noFill/>
+                    </a:lnR>
+                    <a:lnT w="12700" cmpd="sng">
+                      <a:noFill/>
+                    </a:lnT>
+                    <a:lnB w="12700" cmpd="sng">
+                      <a:noFill/>
+                    </a:lnB>
+                    <a:lnTlToBr w="12700" cmpd="sng">
+                      <a:noFill/>
+                      <a:prstDash val="solid"/>
+                    </a:lnTlToBr>
+                    <a:lnBlToTr w="12700" cmpd="sng">
+                      <a:noFill/>
+                      <a:prstDash val="solid"/>
+                    </a:lnBlToTr>
+                  </a:tcPr>
+                </a:tc>
+                <a:tc>
+                  <a:txBody>
+                    <a:bodyPr/>
+                    <a:lstStyle/>
+                    <a:p>
+                      <a:pPr algn="l"/>
+                      <a:r>
+                        <a:rPr lang="pt-BR" sz="1200" dirty="0">
+                          <a:solidFill>
+                            <a:schemeClr val="bg1">
+                              <a:lumMod val="50000"/>
+                            </a:schemeClr>
+                          </a:solidFill>
+                          <a:latin typeface="Arial" panose="020B0604020202020204" pitchFamily="34" charset="0"/>
+                          <a:cs typeface="Arial" panose="020B0604020202020204" pitchFamily="34" charset="0"/>
+                        </a:rPr>
+                        <a:t>0,6                                                                      1</a:t>
+                      </a:r>
+                    </a:p>
+                  </a:txBody>
+                  <a:tcPr anchor="b">
+                    <a:lnL w="12700" cmpd="sng">
+                      <a:noFill/>
+                    </a:lnL>
+                    <a:lnR w="12700" cmpd="sng">
+                      <a:noFill/>
+                    </a:lnR>
+                    <a:lnT w="12700" cmpd="sng">
+                      <a:noFill/>
+                    </a:lnT>
+                    <a:lnB w="12700" cap="flat" cmpd="sng" algn="ctr">
+                      <a:solidFill>
+                        <a:schemeClr val="bg1">
+                          <a:lumMod val="75000"/>
+                        </a:schemeClr>
+                      </a:solidFill>
+                      <a:prstDash val="solid"/>
+                      <a:round/>
+                      <a:headEnd type="none" w="med" len="med"/>
+                      <a:tailEnd type="none" w="med" len="med"/>
+                    </a:lnB>
+                    <a:lnTlToBr w="12700" cmpd="sng">
+                      <a:noFill/>
+                      <a:prstDash val="solid"/>
+                    </a:lnTlToBr>
+                    <a:lnBlToTr w="12700" cmpd="sng">
+                      <a:noFill/>
+                      <a:prstDash val="solid"/>
+                    </a:lnBlToTr>
+                  </a:tcPr>
+                </a:tc>
+                <a:extLst>
+                  <a:ext uri="{0D108BD9-81ED-4DB2-BD59-A6C34878D82A}">
+                    <a16:rowId xmlns:a16="http://schemas.microsoft.com/office/drawing/2014/main" val="1642731224"/>
+                  </a:ext>
+                </a:extLst>
+              </a:tr>
+              <a:tr h="446946">
+                <a:tc vMerge="1">
+                  <a:txBody>
+                    <a:bodyPr/>
+                    <a:lstStyle/>
+                    <a:p>
+                      <a:endParaRPr lang="pt-BR"/>
+                    </a:p>
+                  </a:txBody>
+                  <a:tcPr/>
+                </a:tc>
+                <a:tc>
+                  <a:txBody>
+                    <a:bodyPr/>
+                    <a:lstStyle/>
+                    <a:p>
+                      <a:pPr algn="l"/>
+                      <a:r>
+                        <a:rPr lang="pt-BR" sz="1200" dirty="0">
+                          <a:latin typeface="Arial" panose="020B0604020202020204" pitchFamily="34" charset="0"/>
+                          <a:cs typeface="Arial" panose="020B0604020202020204" pitchFamily="34" charset="0"/>
+                        </a:rPr>
+                        <a:t>0,626                                      0,864</a:t>
+                      </a:r>
+                    </a:p>
+                  </a:txBody>
+                  <a:tcPr>
+                    <a:lnL w="12700" cmpd="sng">
+                      <a:noFill/>
+                    </a:lnL>
+                    <a:lnR w="12700" cmpd="sng">
+                      <a:noFill/>
+                    </a:lnR>
+                    <a:lnT w="12700" cap="flat" cmpd="sng" algn="ctr">
+                      <a:solidFill>
+                        <a:schemeClr val="bg1">
+                          <a:lumMod val="75000"/>
+                        </a:schemeClr>
+                      </a:solidFill>
+                      <a:prstDash val="solid"/>
+                      <a:round/>
+                      <a:headEnd type="none" w="med" len="med"/>
+                      <a:tailEnd type="none" w="med" len="med"/>
+                    </a:lnT>
+                    <a:lnB w="12700" cmpd="sng">
+                      <a:noFill/>
+                    </a:lnB>
+                    <a:lnTlToBr w="12700" cmpd="sng">
+                      <a:noFill/>
+                      <a:prstDash val="solid"/>
+                    </a:lnTlToBr>
+                    <a:lnBlToTr w="12700" cmpd="sng">
+                      <a:noFill/>
+                      <a:prstDash val="solid"/>
+                    </a:lnBlToTr>
+                  </a:tcPr>
+                </a:tc>
+                <a:extLst>
+                  <a:ext uri="{0D108BD9-81ED-4DB2-BD59-A6C34878D82A}">
+                    <a16:rowId xmlns:a16="http://schemas.microsoft.com/office/drawing/2014/main" val="1361060795"/>
+                  </a:ext>
+                </a:extLst>
+              </a:tr>
+              <a:tr h="446946">
+                <a:tc rowSpan="2">
+                  <a:txBody>
+                    <a:bodyPr/>
+                    <a:lstStyle/>
+                    <a:p>
+                      <a:pPr algn="r"/>
+                      <a:r>
+                        <a:rPr lang="en-US" sz="1200" dirty="0">
+                          <a:latin typeface="Arial" panose="020B0604020202020204" pitchFamily="34" charset="0"/>
+                          <a:cs typeface="Arial" panose="020B0604020202020204" pitchFamily="34" charset="0"/>
+                        </a:rPr>
+                        <a:t>Market Share </a:t>
+                      </a:r>
+                      <a:r>
+                        <a:rPr lang="en-US" sz="1200" dirty="0" err="1">
+                          <a:latin typeface="Arial" panose="020B0604020202020204" pitchFamily="34" charset="0"/>
+                          <a:cs typeface="Arial" panose="020B0604020202020204" pitchFamily="34" charset="0"/>
+                        </a:rPr>
+                        <a:t>Desejado</a:t>
+                      </a:r>
+                      <a:r>
+                        <a:rPr lang="en-US" sz="1200" dirty="0">
+                          <a:latin typeface="Arial" panose="020B0604020202020204" pitchFamily="34" charset="0"/>
+                          <a:cs typeface="Arial" panose="020B0604020202020204" pitchFamily="34" charset="0"/>
+                        </a:rPr>
+                        <a:t> Player 2</a:t>
+                      </a:r>
+                    </a:p>
+                  </a:txBody>
+                  <a:tcPr anchor="ctr">
+                    <a:lnL w="12700" cmpd="sng">
+                      <a:noFill/>
+                    </a:lnL>
+                    <a:lnR w="12700" cmpd="sng">
+                      <a:noFill/>
+                    </a:lnR>
+                    <a:lnT w="12700" cmpd="sng">
+                      <a:noFill/>
+                    </a:lnT>
+                    <a:lnB w="12700" cmpd="sng">
+                      <a:noFill/>
+                    </a:lnB>
+                    <a:lnTlToBr w="12700" cmpd="sng">
+                      <a:noFill/>
+                      <a:prstDash val="solid"/>
+                    </a:lnTlToBr>
+                    <a:lnBlToTr w="12700" cmpd="sng">
+                      <a:noFill/>
+                      <a:prstDash val="solid"/>
+                    </a:lnBlToTr>
+                  </a:tcPr>
+                </a:tc>
+                <a:tc>
+                  <a:txBody>
+                    <a:bodyPr/>
+                    <a:lstStyle/>
+                    <a:p>
+                      <a:pPr marL="0" marR="0" lvl="0" indent="0" algn="r" defTabSz="575981" rtl="0" eaLnBrk="1" fontAlgn="auto" latinLnBrk="0" hangingPunct="1">
+                        <a:lnSpc>
+                          <a:spcPct val="100000"/>
+                        </a:lnSpc>
+                        <a:spcBef>
+                          <a:spcPts val="0"/>
+                        </a:spcBef>
+                        <a:spcAft>
+                          <a:spcPts val="0"/>
+                        </a:spcAft>
+                        <a:buClrTx/>
+                        <a:buSzTx/>
+                        <a:buFontTx/>
+                        <a:buNone/>
+                        <a:tabLst/>
+                        <a:defRPr/>
+                      </a:pPr>
+                      <a:r>
+                        <a:rPr lang="pt-BR" sz="1200" dirty="0">
+                          <a:solidFill>
+                            <a:schemeClr val="bg1">
+                              <a:lumMod val="50000"/>
+                            </a:schemeClr>
+                          </a:solidFill>
+                          <a:latin typeface="Arial" panose="020B0604020202020204" pitchFamily="34" charset="0"/>
+                          <a:cs typeface="Arial" panose="020B0604020202020204" pitchFamily="34" charset="0"/>
+                        </a:rPr>
+                        <a:t>0,29                                                               0,58</a:t>
+                      </a:r>
+                    </a:p>
+                  </a:txBody>
+                  <a:tcPr anchor="b">
+                    <a:lnL w="12700" cmpd="sng">
+                      <a:noFill/>
+                    </a:lnL>
+                    <a:lnR w="12700" cmpd="sng">
+                      <a:noFill/>
+                    </a:lnR>
+                    <a:lnT w="12700" cmpd="sng">
+                      <a:noFill/>
+                    </a:lnT>
+                    <a:lnB w="12700" cap="flat" cmpd="sng" algn="ctr">
+                      <a:solidFill>
+                        <a:schemeClr val="bg1">
+                          <a:lumMod val="75000"/>
+                        </a:schemeClr>
+                      </a:solidFill>
+                      <a:prstDash val="solid"/>
+                      <a:round/>
+                      <a:headEnd type="none" w="med" len="med"/>
+                      <a:tailEnd type="none" w="med" len="med"/>
+                    </a:lnB>
+                    <a:lnTlToBr w="12700" cmpd="sng">
+                      <a:noFill/>
+                      <a:prstDash val="solid"/>
+                    </a:lnTlToBr>
+                    <a:lnBlToTr w="12700" cmpd="sng">
+                      <a:noFill/>
+                      <a:prstDash val="solid"/>
+                    </a:lnBlToTr>
+                  </a:tcPr>
+                </a:tc>
+                <a:extLst>
+                  <a:ext uri="{0D108BD9-81ED-4DB2-BD59-A6C34878D82A}">
+                    <a16:rowId xmlns:a16="http://schemas.microsoft.com/office/drawing/2014/main" val="1404429461"/>
+                  </a:ext>
+                </a:extLst>
+              </a:tr>
+              <a:tr h="446946">
+                <a:tc vMerge="1">
+                  <a:txBody>
+                    <a:bodyPr/>
+                    <a:lstStyle/>
+                    <a:p>
+                      <a:endParaRPr lang="pt-BR"/>
+                    </a:p>
+                  </a:txBody>
+                  <a:tcPr/>
+                </a:tc>
+                <a:tc>
+                  <a:txBody>
+                    <a:bodyPr/>
+                    <a:lstStyle/>
+                    <a:p>
+                      <a:pPr marL="0" marR="0" lvl="0" indent="0" algn="l" defTabSz="575981" rtl="0" eaLnBrk="1" fontAlgn="auto" latinLnBrk="0" hangingPunct="1">
+                        <a:lnSpc>
+                          <a:spcPct val="100000"/>
+                        </a:lnSpc>
+                        <a:spcBef>
+                          <a:spcPts val="0"/>
+                        </a:spcBef>
+                        <a:spcAft>
+                          <a:spcPts val="0"/>
+                        </a:spcAft>
+                        <a:buClrTx/>
+                        <a:buSzTx/>
+                        <a:buFontTx/>
+                        <a:buNone/>
+                        <a:tabLst/>
+                        <a:defRPr/>
+                      </a:pPr>
+                      <a:r>
+                        <a:rPr lang="pt-BR" sz="1200" dirty="0">
+                          <a:latin typeface="Arial" panose="020B0604020202020204" pitchFamily="34" charset="0"/>
+                          <a:cs typeface="Arial" panose="020B0604020202020204" pitchFamily="34" charset="0"/>
+                        </a:rPr>
+                        <a:t>0,325                                      0,528</a:t>
+                      </a:r>
+                    </a:p>
+                    <a:p>
+                      <a:pPr algn="r"/>
+                      <a:endParaRPr lang="pt-BR" sz="1200" dirty="0">
+                        <a:latin typeface="Arial" panose="020B0604020202020204" pitchFamily="34" charset="0"/>
+                        <a:cs typeface="Arial" panose="020B0604020202020204" pitchFamily="34" charset="0"/>
+                      </a:endParaRPr>
+                    </a:p>
+                  </a:txBody>
+                  <a:tcPr>
+                    <a:lnL w="12700" cmpd="sng">
+                      <a:noFill/>
+                    </a:lnL>
+                    <a:lnR w="12700" cmpd="sng">
+                      <a:noFill/>
+                    </a:lnR>
+                    <a:lnT w="12700" cap="flat" cmpd="sng" algn="ctr">
+                      <a:solidFill>
+                        <a:schemeClr val="bg1">
+                          <a:lumMod val="75000"/>
+                        </a:schemeClr>
+                      </a:solidFill>
+                      <a:prstDash val="solid"/>
+                      <a:round/>
+                      <a:headEnd type="none" w="med" len="med"/>
+                      <a:tailEnd type="none" w="med" len="med"/>
+                    </a:lnT>
+                    <a:lnB w="12700" cmpd="sng">
+                      <a:noFill/>
+                    </a:lnB>
+                    <a:lnTlToBr w="12700" cmpd="sng">
+                      <a:noFill/>
+                      <a:prstDash val="solid"/>
+                    </a:lnTlToBr>
+                    <a:lnBlToTr w="12700" cmpd="sng">
+                      <a:noFill/>
+                      <a:prstDash val="solid"/>
+                    </a:lnBlToTr>
+                  </a:tcPr>
+                </a:tc>
+                <a:extLst>
+                  <a:ext uri="{0D108BD9-81ED-4DB2-BD59-A6C34878D82A}">
+                    <a16:rowId xmlns:a16="http://schemas.microsoft.com/office/drawing/2014/main" val="3494853704"/>
+                  </a:ext>
+                </a:extLst>
+              </a:tr>
+              <a:tr h="446946">
+                <a:tc rowSpan="2">
+                  <a:txBody>
+                    <a:bodyPr/>
+                    <a:lstStyle/>
+                    <a:p>
+                      <a:pPr algn="r"/>
+                      <a:r>
+                        <a:rPr lang="pt-BR" sz="1200" dirty="0">
+                          <a:latin typeface="Arial" panose="020B0604020202020204" pitchFamily="34" charset="0"/>
+                          <a:cs typeface="Arial" panose="020B0604020202020204" pitchFamily="34" charset="0"/>
+                        </a:rPr>
+                        <a:t>Estratégia de Capac. Player 4</a:t>
+                      </a:r>
+                    </a:p>
+                  </a:txBody>
+                  <a:tcPr anchor="ctr">
+                    <a:lnL w="12700" cmpd="sng">
+                      <a:noFill/>
+                    </a:lnL>
+                    <a:lnR w="12700" cmpd="sng">
+                      <a:noFill/>
+                    </a:lnR>
+                    <a:lnT w="12700" cmpd="sng">
+                      <a:noFill/>
+                    </a:lnT>
+                    <a:lnB w="12700" cmpd="sng">
+                      <a:noFill/>
+                    </a:lnB>
+                    <a:lnTlToBr w="12700" cmpd="sng">
+                      <a:noFill/>
+                      <a:prstDash val="solid"/>
+                    </a:lnTlToBr>
+                    <a:lnBlToTr w="12700" cmpd="sng">
+                      <a:noFill/>
+                      <a:prstDash val="solid"/>
+                    </a:lnBlToTr>
+                  </a:tcPr>
+                </a:tc>
+                <a:tc>
+                  <a:txBody>
+                    <a:bodyPr/>
+                    <a:lstStyle/>
+                    <a:p>
+                      <a:pPr marL="0" marR="0" lvl="0" indent="0" algn="r" defTabSz="575981" rtl="0" eaLnBrk="1" fontAlgn="auto" latinLnBrk="0" hangingPunct="1">
+                        <a:lnSpc>
+                          <a:spcPct val="100000"/>
+                        </a:lnSpc>
+                        <a:spcBef>
+                          <a:spcPts val="0"/>
+                        </a:spcBef>
+                        <a:spcAft>
+                          <a:spcPts val="0"/>
+                        </a:spcAft>
+                        <a:buClrTx/>
+                        <a:buSzTx/>
+                        <a:buFontTx/>
+                        <a:buNone/>
+                        <a:tabLst/>
+                        <a:defRPr/>
+                      </a:pPr>
+                      <a:r>
+                        <a:rPr lang="pt-BR" sz="1200" dirty="0">
+                          <a:solidFill>
+                            <a:schemeClr val="bg1">
+                              <a:lumMod val="50000"/>
+                            </a:schemeClr>
+                          </a:solidFill>
+                          <a:latin typeface="Arial" panose="020B0604020202020204" pitchFamily="34" charset="0"/>
+                          <a:cs typeface="Arial" panose="020B0604020202020204" pitchFamily="34" charset="0"/>
+                        </a:rPr>
+                        <a:t>0,5                                                                   2,5</a:t>
+                      </a:r>
+                    </a:p>
+                  </a:txBody>
+                  <a:tcPr anchor="b">
+                    <a:lnL w="12700" cmpd="sng">
+                      <a:noFill/>
+                    </a:lnL>
+                    <a:lnR w="12700" cmpd="sng">
+                      <a:noFill/>
+                    </a:lnR>
+                    <a:lnT w="12700" cmpd="sng">
+                      <a:noFill/>
+                    </a:lnT>
+                    <a:lnB w="12700" cap="flat" cmpd="sng" algn="ctr">
+                      <a:solidFill>
+                        <a:schemeClr val="bg1">
+                          <a:lumMod val="75000"/>
+                        </a:schemeClr>
+                      </a:solidFill>
+                      <a:prstDash val="solid"/>
+                      <a:round/>
+                      <a:headEnd type="none" w="med" len="med"/>
+                      <a:tailEnd type="none" w="med" len="med"/>
+                    </a:lnB>
+                    <a:lnTlToBr w="12700" cmpd="sng">
+                      <a:noFill/>
+                      <a:prstDash val="solid"/>
+                    </a:lnTlToBr>
+                    <a:lnBlToTr w="12700" cmpd="sng">
+                      <a:noFill/>
+                      <a:prstDash val="solid"/>
+                    </a:lnBlToTr>
+                  </a:tcPr>
+                </a:tc>
+                <a:extLst>
+                  <a:ext uri="{0D108BD9-81ED-4DB2-BD59-A6C34878D82A}">
+                    <a16:rowId xmlns:a16="http://schemas.microsoft.com/office/drawing/2014/main" val="2654987933"/>
+                  </a:ext>
+                </a:extLst>
+              </a:tr>
+              <a:tr h="446946">
+                <a:tc vMerge="1">
+                  <a:txBody>
+                    <a:bodyPr/>
+                    <a:lstStyle/>
+                    <a:p>
+                      <a:endParaRPr lang="pt-BR"/>
+                    </a:p>
+                  </a:txBody>
+                  <a:tcPr/>
+                </a:tc>
+                <a:tc>
+                  <a:txBody>
+                    <a:bodyPr/>
+                    <a:lstStyle/>
+                    <a:p>
+                      <a:pPr marL="0" marR="0" lvl="0" indent="0" algn="l" defTabSz="575981" rtl="0" eaLnBrk="1" fontAlgn="auto" latinLnBrk="0" hangingPunct="1">
+                        <a:lnSpc>
+                          <a:spcPct val="100000"/>
+                        </a:lnSpc>
+                        <a:spcBef>
+                          <a:spcPts val="0"/>
+                        </a:spcBef>
+                        <a:spcAft>
+                          <a:spcPts val="0"/>
+                        </a:spcAft>
+                        <a:buClrTx/>
+                        <a:buSzTx/>
+                        <a:buFontTx/>
+                        <a:buNone/>
+                        <a:tabLst/>
+                        <a:defRPr/>
+                      </a:pPr>
+                      <a:r>
+                        <a:rPr lang="pt-BR" sz="1200" dirty="0">
+                          <a:latin typeface="Arial" panose="020B0604020202020204" pitchFamily="34" charset="0"/>
+                          <a:cs typeface="Arial" panose="020B0604020202020204" pitchFamily="34" charset="0"/>
+                        </a:rPr>
+                        <a:t>0,611                                                   2,14</a:t>
+                      </a:r>
+                    </a:p>
+                    <a:p>
+                      <a:pPr algn="r"/>
+                      <a:endParaRPr lang="pt-BR" sz="1200" dirty="0">
+                        <a:latin typeface="Arial" panose="020B0604020202020204" pitchFamily="34" charset="0"/>
+                        <a:cs typeface="Arial" panose="020B0604020202020204" pitchFamily="34" charset="0"/>
+                      </a:endParaRPr>
+                    </a:p>
+                  </a:txBody>
+                  <a:tcPr anchor="ctr">
+                    <a:lnL w="12700" cmpd="sng">
+                      <a:noFill/>
+                    </a:lnL>
+                    <a:lnR w="12700" cmpd="sng">
+                      <a:noFill/>
+                    </a:lnR>
+                    <a:lnT w="12700" cap="flat" cmpd="sng" algn="ctr">
+                      <a:solidFill>
+                        <a:schemeClr val="bg1">
+                          <a:lumMod val="75000"/>
+                        </a:schemeClr>
+                      </a:solidFill>
+                      <a:prstDash val="solid"/>
+                      <a:round/>
+                      <a:headEnd type="none" w="med" len="med"/>
+                      <a:tailEnd type="none" w="med" len="med"/>
+                    </a:lnT>
+                    <a:lnB w="12700" cmpd="sng">
+                      <a:noFill/>
+                    </a:lnB>
+                    <a:lnTlToBr w="12700" cmpd="sng">
+                      <a:noFill/>
+                      <a:prstDash val="solid"/>
+                    </a:lnTlToBr>
+                    <a:lnBlToTr w="12700" cmpd="sng">
+                      <a:noFill/>
+                      <a:prstDash val="solid"/>
+                    </a:lnBlToTr>
+                  </a:tcPr>
+                </a:tc>
+                <a:extLst>
+                  <a:ext uri="{0D108BD9-81ED-4DB2-BD59-A6C34878D82A}">
+                    <a16:rowId xmlns:a16="http://schemas.microsoft.com/office/drawing/2014/main" val="2962924277"/>
+                  </a:ext>
+                </a:extLst>
+              </a:tr>
+              <a:tr h="446946">
+                <a:tc rowSpan="2">
+                  <a:txBody>
+                    <a:bodyPr/>
+                    <a:lstStyle/>
+                    <a:p>
+                      <a:pPr algn="r"/>
+                      <a:r>
+                        <a:rPr lang="pt-BR" sz="1200" dirty="0" err="1">
+                          <a:latin typeface="Arial" panose="020B0604020202020204" pitchFamily="34" charset="0"/>
+                          <a:cs typeface="Arial" panose="020B0604020202020204" pitchFamily="34" charset="0"/>
+                        </a:rPr>
+                        <a:t>Sensib</a:t>
+                      </a:r>
+                      <a:r>
+                        <a:rPr lang="pt-BR" sz="1200" dirty="0">
+                          <a:latin typeface="Arial" panose="020B0604020202020204" pitchFamily="34" charset="0"/>
+                          <a:cs typeface="Arial" panose="020B0604020202020204" pitchFamily="34" charset="0"/>
+                        </a:rPr>
+                        <a:t>. da Atratividade ao Preço</a:t>
+                      </a:r>
+                    </a:p>
+                  </a:txBody>
+                  <a:tcPr anchor="ctr">
+                    <a:lnL w="12700" cmpd="sng">
+                      <a:noFill/>
+                    </a:lnL>
+                    <a:lnR w="12700" cmpd="sng">
+                      <a:noFill/>
+                    </a:lnR>
+                    <a:lnT w="12700" cmpd="sng">
+                      <a:noFill/>
+                    </a:lnT>
+                    <a:lnB w="12700" cmpd="sng">
+                      <a:noFill/>
+                    </a:lnB>
+                    <a:lnTlToBr w="12700" cmpd="sng">
+                      <a:noFill/>
+                      <a:prstDash val="solid"/>
+                    </a:lnTlToBr>
+                    <a:lnBlToTr w="12700" cmpd="sng">
+                      <a:noFill/>
+                      <a:prstDash val="solid"/>
+                    </a:lnBlToTr>
+                  </a:tcPr>
+                </a:tc>
+                <a:tc>
+                  <a:txBody>
+                    <a:bodyPr/>
+                    <a:lstStyle/>
+                    <a:p>
+                      <a:pPr marL="0" marR="0" lvl="0" indent="0" algn="r" defTabSz="575981" rtl="0" eaLnBrk="1" fontAlgn="auto" latinLnBrk="0" hangingPunct="1">
+                        <a:lnSpc>
+                          <a:spcPct val="100000"/>
+                        </a:lnSpc>
+                        <a:spcBef>
+                          <a:spcPts val="0"/>
+                        </a:spcBef>
+                        <a:spcAft>
+                          <a:spcPts val="0"/>
+                        </a:spcAft>
+                        <a:buClrTx/>
+                        <a:buSzTx/>
+                        <a:buFontTx/>
+                        <a:buNone/>
+                        <a:tabLst/>
+                        <a:defRPr/>
+                      </a:pPr>
+                      <a:r>
+                        <a:rPr lang="pt-BR" sz="1200" dirty="0">
+                          <a:solidFill>
+                            <a:schemeClr val="bg1">
+                              <a:lumMod val="50000"/>
+                            </a:schemeClr>
+                          </a:solidFill>
+                          <a:latin typeface="Arial" panose="020B0604020202020204" pitchFamily="34" charset="0"/>
+                          <a:cs typeface="Arial" panose="020B0604020202020204" pitchFamily="34" charset="0"/>
+                        </a:rPr>
+                        <a:t>-12                                                                    -4</a:t>
+                      </a:r>
+                    </a:p>
+                  </a:txBody>
+                  <a:tcPr anchor="b">
+                    <a:lnL w="12700" cmpd="sng">
+                      <a:noFill/>
+                    </a:lnL>
+                    <a:lnR w="12700" cmpd="sng">
+                      <a:noFill/>
+                    </a:lnR>
+                    <a:lnT w="12700" cmpd="sng">
+                      <a:noFill/>
+                    </a:lnT>
+                    <a:lnB w="12700" cap="flat" cmpd="sng" algn="ctr">
+                      <a:solidFill>
+                        <a:schemeClr val="bg1">
+                          <a:lumMod val="75000"/>
+                        </a:schemeClr>
+                      </a:solidFill>
+                      <a:prstDash val="solid"/>
+                      <a:round/>
+                      <a:headEnd type="none" w="med" len="med"/>
+                      <a:tailEnd type="none" w="med" len="med"/>
+                    </a:lnB>
+                    <a:lnTlToBr w="12700" cmpd="sng">
+                      <a:noFill/>
+                      <a:prstDash val="solid"/>
+                    </a:lnTlToBr>
+                    <a:lnBlToTr w="12700" cmpd="sng">
+                      <a:noFill/>
+                      <a:prstDash val="solid"/>
+                    </a:lnBlToTr>
+                  </a:tcPr>
+                </a:tc>
+                <a:extLst>
+                  <a:ext uri="{0D108BD9-81ED-4DB2-BD59-A6C34878D82A}">
+                    <a16:rowId xmlns:a16="http://schemas.microsoft.com/office/drawing/2014/main" val="2429684244"/>
+                  </a:ext>
+                </a:extLst>
+              </a:tr>
+              <a:tr h="446946">
+                <a:tc vMerge="1">
+                  <a:txBody>
+                    <a:bodyPr/>
+                    <a:lstStyle/>
+                    <a:p>
+                      <a:endParaRPr lang="pt-BR"/>
+                    </a:p>
+                  </a:txBody>
+                  <a:tcPr/>
+                </a:tc>
+                <a:tc>
+                  <a:txBody>
+                    <a:bodyPr/>
+                    <a:lstStyle/>
+                    <a:p>
+                      <a:pPr marL="0" marR="0" lvl="0" indent="0" algn="l" defTabSz="575981" rtl="0" eaLnBrk="1" fontAlgn="auto" latinLnBrk="0" hangingPunct="1">
+                        <a:lnSpc>
+                          <a:spcPct val="100000"/>
+                        </a:lnSpc>
+                        <a:spcBef>
+                          <a:spcPts val="0"/>
+                        </a:spcBef>
+                        <a:spcAft>
+                          <a:spcPts val="0"/>
+                        </a:spcAft>
+                        <a:buClrTx/>
+                        <a:buSzTx/>
+                        <a:buFontTx/>
+                        <a:buNone/>
+                        <a:tabLst/>
+                        <a:defRPr/>
+                      </a:pPr>
+                      <a:r>
+                        <a:rPr lang="pt-BR" sz="1200" dirty="0">
+                          <a:latin typeface="Arial" panose="020B0604020202020204" pitchFamily="34" charset="0"/>
+                          <a:cs typeface="Arial" panose="020B0604020202020204" pitchFamily="34" charset="0"/>
+                        </a:rPr>
+                        <a:t>    -11,3                                                         -4,01</a:t>
+                      </a:r>
+                    </a:p>
+                  </a:txBody>
+                  <a:tcPr>
+                    <a:lnL w="12700" cmpd="sng">
+                      <a:noFill/>
+                    </a:lnL>
+                    <a:lnR w="12700" cmpd="sng">
+                      <a:noFill/>
+                    </a:lnR>
+                    <a:lnT w="12700" cap="flat" cmpd="sng" algn="ctr">
+                      <a:solidFill>
+                        <a:schemeClr val="bg1">
+                          <a:lumMod val="75000"/>
+                        </a:schemeClr>
+                      </a:solidFill>
+                      <a:prstDash val="solid"/>
+                      <a:round/>
+                      <a:headEnd type="none" w="med" len="med"/>
+                      <a:tailEnd type="none" w="med" len="med"/>
+                    </a:lnT>
+                    <a:lnB w="12700" cmpd="sng">
+                      <a:noFill/>
+                    </a:lnB>
+                    <a:lnTlToBr w="12700" cmpd="sng">
+                      <a:noFill/>
+                      <a:prstDash val="solid"/>
+                    </a:lnTlToBr>
+                    <a:lnBlToTr w="12700" cmpd="sng">
+                      <a:noFill/>
+                      <a:prstDash val="solid"/>
+                    </a:lnBlToTr>
+                  </a:tcPr>
+                </a:tc>
+                <a:extLst>
+                  <a:ext uri="{0D108BD9-81ED-4DB2-BD59-A6C34878D82A}">
+                    <a16:rowId xmlns:a16="http://schemas.microsoft.com/office/drawing/2014/main" val="2989534437"/>
+                  </a:ext>
+                </a:extLst>
+              </a:tr>
+            </a:tbl>
+          </a:graphicData>
+        </a:graphic>
+      </p:graphicFrame>
+      <p:cxnSp>
+        <p:nvCxnSpPr>
+          <p:cNvPr id="52" name="Conector de Seta Reta 51">
+            <a:extLst>
+              <a:ext uri="{FF2B5EF4-FFF2-40B4-BE49-F238E27FC236}">
+                <a16:creationId xmlns:a16="http://schemas.microsoft.com/office/drawing/2014/main" id="{DE520F10-41EA-47EE-891C-6A4AF56A149A}"/>
+              </a:ext>
+            </a:extLst>
+          </p:cNvPr>
+          <p:cNvCxnSpPr>
+            <a:cxnSpLocks/>
+          </p:cNvCxnSpPr>
+          <p:nvPr/>
+        </p:nvCxnSpPr>
+        <p:spPr>
+          <a:xfrm>
+            <a:off x="3599805" y="9888278"/>
+            <a:ext cx="1980220" cy="0"/>
+          </a:xfrm>
+          <a:prstGeom prst="straightConnector1">
+            <a:avLst/>
+          </a:prstGeom>
+          <a:ln>
+            <a:headEnd type="diamond"/>
+            <a:tailEnd type="diamond"/>
+          </a:ln>
+        </p:spPr>
+        <p:style>
+          <a:lnRef idx="2">
+            <a:schemeClr val="dk1"/>
+          </a:lnRef>
+          <a:fillRef idx="0">
+            <a:schemeClr val="dk1"/>
+          </a:fillRef>
+          <a:effectRef idx="1">
+            <a:schemeClr val="dk1"/>
+          </a:effectRef>
+          <a:fontRef idx="minor">
+            <a:schemeClr val="tx1"/>
+          </a:fontRef>
+        </p:style>
+      </p:cxnSp>
+      <p:cxnSp>
+        <p:nvCxnSpPr>
+          <p:cNvPr id="56" name="Conector de Seta Reta 55">
+            <a:extLst>
+              <a:ext uri="{FF2B5EF4-FFF2-40B4-BE49-F238E27FC236}">
+                <a16:creationId xmlns:a16="http://schemas.microsoft.com/office/drawing/2014/main" id="{CE0CEE9F-2FD9-4F59-9047-5E4EFD3EF5CA}"/>
+              </a:ext>
+            </a:extLst>
+          </p:cNvPr>
+          <p:cNvCxnSpPr>
+            <a:cxnSpLocks/>
+          </p:cNvCxnSpPr>
+          <p:nvPr/>
+        </p:nvCxnSpPr>
+        <p:spPr>
+          <a:xfrm>
+            <a:off x="2231653" y="11328438"/>
+            <a:ext cx="2088232" cy="0"/>
+          </a:xfrm>
+          <a:prstGeom prst="straightConnector1">
+            <a:avLst/>
+          </a:prstGeom>
+          <a:ln>
+            <a:headEnd type="diamond"/>
+            <a:tailEnd type="diamond"/>
+          </a:ln>
+        </p:spPr>
+        <p:style>
+          <a:lnRef idx="2">
+            <a:schemeClr val="dk1"/>
+          </a:lnRef>
+          <a:fillRef idx="0">
+            <a:schemeClr val="dk1"/>
+          </a:fillRef>
+          <a:effectRef idx="1">
+            <a:schemeClr val="dk1"/>
+          </a:effectRef>
+          <a:fontRef idx="minor">
+            <a:schemeClr val="tx1"/>
+          </a:fontRef>
+        </p:style>
+      </p:cxnSp>
+      <p:cxnSp>
+        <p:nvCxnSpPr>
+          <p:cNvPr id="58" name="Conector de Seta Reta 57">
+            <a:extLst>
+              <a:ext uri="{FF2B5EF4-FFF2-40B4-BE49-F238E27FC236}">
+                <a16:creationId xmlns:a16="http://schemas.microsoft.com/office/drawing/2014/main" id="{EAE368E8-0AD5-471C-9384-62CBB80E02A7}"/>
+              </a:ext>
+            </a:extLst>
+          </p:cNvPr>
+          <p:cNvCxnSpPr>
+            <a:cxnSpLocks/>
+          </p:cNvCxnSpPr>
+          <p:nvPr/>
+        </p:nvCxnSpPr>
+        <p:spPr>
+          <a:xfrm>
+            <a:off x="2447677" y="12696590"/>
+            <a:ext cx="2448272" cy="0"/>
+          </a:xfrm>
+          <a:prstGeom prst="straightConnector1">
+            <a:avLst/>
+          </a:prstGeom>
+          <a:ln>
+            <a:headEnd type="diamond"/>
+            <a:tailEnd type="diamond"/>
+          </a:ln>
+        </p:spPr>
+        <p:style>
+          <a:lnRef idx="2">
+            <a:schemeClr val="dk1"/>
+          </a:lnRef>
+          <a:fillRef idx="0">
+            <a:schemeClr val="dk1"/>
+          </a:fillRef>
+          <a:effectRef idx="1">
+            <a:schemeClr val="dk1"/>
+          </a:effectRef>
+          <a:fontRef idx="minor">
+            <a:schemeClr val="tx1"/>
+          </a:fontRef>
+        </p:style>
+      </p:cxnSp>
+      <p:cxnSp>
+        <p:nvCxnSpPr>
+          <p:cNvPr id="62" name="Conector de Seta Reta 61">
+            <a:extLst>
+              <a:ext uri="{FF2B5EF4-FFF2-40B4-BE49-F238E27FC236}">
+                <a16:creationId xmlns:a16="http://schemas.microsoft.com/office/drawing/2014/main" id="{9A60B805-DFF4-48E2-908D-27869C04882F}"/>
+              </a:ext>
+            </a:extLst>
+          </p:cNvPr>
+          <p:cNvCxnSpPr>
+            <a:cxnSpLocks/>
+          </p:cNvCxnSpPr>
+          <p:nvPr/>
+        </p:nvCxnSpPr>
+        <p:spPr>
+          <a:xfrm>
+            <a:off x="2231653" y="14064742"/>
+            <a:ext cx="2671261" cy="0"/>
+          </a:xfrm>
+          <a:prstGeom prst="straightConnector1">
+            <a:avLst/>
+          </a:prstGeom>
+          <a:ln>
+            <a:headEnd type="diamond"/>
+            <a:tailEnd type="diamond"/>
+          </a:ln>
+        </p:spPr>
+        <p:style>
+          <a:lnRef idx="2">
+            <a:schemeClr val="dk1"/>
+          </a:lnRef>
+          <a:fillRef idx="0">
+            <a:schemeClr val="dk1"/>
+          </a:fillRef>
+          <a:effectRef idx="1">
+            <a:schemeClr val="dk1"/>
+          </a:effectRef>
+          <a:fontRef idx="minor">
+            <a:schemeClr val="tx1"/>
+          </a:fontRef>
+        </p:style>
+      </p:cxnSp>
+      <p:cxnSp>
+        <p:nvCxnSpPr>
+          <p:cNvPr id="64" name="Conector de Seta Reta 63">
+            <a:extLst>
+              <a:ext uri="{FF2B5EF4-FFF2-40B4-BE49-F238E27FC236}">
+                <a16:creationId xmlns:a16="http://schemas.microsoft.com/office/drawing/2014/main" id="{7DB07C9B-D6FD-414A-826B-57A76FBD48E4}"/>
+              </a:ext>
+            </a:extLst>
+          </p:cNvPr>
+          <p:cNvCxnSpPr>
+            <a:cxnSpLocks/>
+          </p:cNvCxnSpPr>
+          <p:nvPr/>
+        </p:nvCxnSpPr>
+        <p:spPr>
+          <a:xfrm>
+            <a:off x="2336182" y="15504902"/>
+            <a:ext cx="3207839" cy="0"/>
+          </a:xfrm>
+          <a:prstGeom prst="straightConnector1">
+            <a:avLst/>
+          </a:prstGeom>
+          <a:ln>
+            <a:headEnd type="diamond"/>
+            <a:tailEnd type="diamond"/>
+          </a:ln>
+        </p:spPr>
+        <p:style>
+          <a:lnRef idx="2">
+            <a:schemeClr val="dk1"/>
+          </a:lnRef>
+          <a:fillRef idx="0">
+            <a:schemeClr val="dk1"/>
+          </a:fillRef>
+          <a:effectRef idx="1">
+            <a:schemeClr val="dk1"/>
+          </a:effectRef>
+          <a:fontRef idx="minor">
+            <a:schemeClr val="tx1"/>
+          </a:fontRef>
+        </p:style>
+      </p:cxnSp>
+      <p:cxnSp>
+        <p:nvCxnSpPr>
+          <p:cNvPr id="67" name="Conector de Seta Reta 66">
+            <a:extLst>
+              <a:ext uri="{FF2B5EF4-FFF2-40B4-BE49-F238E27FC236}">
+                <a16:creationId xmlns:a16="http://schemas.microsoft.com/office/drawing/2014/main" id="{31EB044F-5A00-41F6-B5E4-A6027C6412D6}"/>
+              </a:ext>
+            </a:extLst>
+          </p:cNvPr>
+          <p:cNvCxnSpPr>
+            <a:cxnSpLocks/>
+          </p:cNvCxnSpPr>
+          <p:nvPr/>
+        </p:nvCxnSpPr>
+        <p:spPr>
+          <a:xfrm>
+            <a:off x="3549712" y="1811341"/>
+            <a:ext cx="1980220" cy="0"/>
+          </a:xfrm>
+          <a:prstGeom prst="straightConnector1">
+            <a:avLst/>
+          </a:prstGeom>
+          <a:ln>
+            <a:headEnd type="diamond"/>
+            <a:tailEnd type="diamond"/>
+          </a:ln>
+        </p:spPr>
+        <p:style>
+          <a:lnRef idx="2">
+            <a:schemeClr val="dk1"/>
+          </a:lnRef>
+          <a:fillRef idx="0">
+            <a:schemeClr val="dk1"/>
+          </a:fillRef>
+          <a:effectRef idx="1">
+            <a:schemeClr val="dk1"/>
+          </a:effectRef>
+          <a:fontRef idx="minor">
+            <a:schemeClr val="tx1"/>
+          </a:fontRef>
+        </p:style>
+      </p:cxnSp>
+      <p:cxnSp>
+        <p:nvCxnSpPr>
+          <p:cNvPr id="68" name="Conector de Seta Reta 67">
+            <a:extLst>
+              <a:ext uri="{FF2B5EF4-FFF2-40B4-BE49-F238E27FC236}">
+                <a16:creationId xmlns:a16="http://schemas.microsoft.com/office/drawing/2014/main" id="{D29EA2C6-4082-4DB1-B972-80196CBBF48D}"/>
+              </a:ext>
+            </a:extLst>
+          </p:cNvPr>
+          <p:cNvCxnSpPr>
+            <a:cxnSpLocks/>
+          </p:cNvCxnSpPr>
+          <p:nvPr/>
+        </p:nvCxnSpPr>
+        <p:spPr>
+          <a:xfrm>
+            <a:off x="2181560" y="2780779"/>
+            <a:ext cx="2088232" cy="0"/>
+          </a:xfrm>
+          <a:prstGeom prst="straightConnector1">
+            <a:avLst/>
+          </a:prstGeom>
+          <a:ln>
+            <a:headEnd type="diamond"/>
+            <a:tailEnd type="diamond"/>
+          </a:ln>
+        </p:spPr>
+        <p:style>
+          <a:lnRef idx="2">
+            <a:schemeClr val="dk1"/>
+          </a:lnRef>
+          <a:fillRef idx="0">
+            <a:schemeClr val="dk1"/>
+          </a:fillRef>
+          <a:effectRef idx="1">
+            <a:schemeClr val="dk1"/>
+          </a:effectRef>
+          <a:fontRef idx="minor">
+            <a:schemeClr val="tx1"/>
+          </a:fontRef>
+        </p:style>
+      </p:cxnSp>
+      <p:cxnSp>
+        <p:nvCxnSpPr>
+          <p:cNvPr id="69" name="Conector de Seta Reta 68">
+            <a:extLst>
+              <a:ext uri="{FF2B5EF4-FFF2-40B4-BE49-F238E27FC236}">
+                <a16:creationId xmlns:a16="http://schemas.microsoft.com/office/drawing/2014/main" id="{8ED44656-6A5A-4CC7-AD6B-D0AD44277034}"/>
+              </a:ext>
+            </a:extLst>
+          </p:cNvPr>
+          <p:cNvCxnSpPr>
+            <a:cxnSpLocks/>
+          </p:cNvCxnSpPr>
+          <p:nvPr/>
+        </p:nvCxnSpPr>
+        <p:spPr>
+          <a:xfrm>
+            <a:off x="2397584" y="3683549"/>
+            <a:ext cx="2448272" cy="0"/>
+          </a:xfrm>
+          <a:prstGeom prst="straightConnector1">
+            <a:avLst/>
+          </a:prstGeom>
+          <a:ln>
+            <a:headEnd type="diamond"/>
+            <a:tailEnd type="diamond"/>
+          </a:ln>
+        </p:spPr>
+        <p:style>
+          <a:lnRef idx="2">
+            <a:schemeClr val="dk1"/>
+          </a:lnRef>
+          <a:fillRef idx="0">
+            <a:schemeClr val="dk1"/>
+          </a:fillRef>
+          <a:effectRef idx="1">
+            <a:schemeClr val="dk1"/>
+          </a:effectRef>
+          <a:fontRef idx="minor">
+            <a:schemeClr val="tx1"/>
+          </a:fontRef>
+        </p:style>
+      </p:cxnSp>
+      <p:cxnSp>
+        <p:nvCxnSpPr>
+          <p:cNvPr id="70" name="Conector de Seta Reta 69">
+            <a:extLst>
+              <a:ext uri="{FF2B5EF4-FFF2-40B4-BE49-F238E27FC236}">
+                <a16:creationId xmlns:a16="http://schemas.microsoft.com/office/drawing/2014/main" id="{52BC800E-4E51-4F64-8BC5-2A23D531A3C3}"/>
+              </a:ext>
+            </a:extLst>
+          </p:cNvPr>
+          <p:cNvCxnSpPr>
+            <a:cxnSpLocks/>
+          </p:cNvCxnSpPr>
+          <p:nvPr/>
+        </p:nvCxnSpPr>
+        <p:spPr>
+          <a:xfrm>
+            <a:off x="2181560" y="4588700"/>
+            <a:ext cx="2671261" cy="0"/>
+          </a:xfrm>
+          <a:prstGeom prst="straightConnector1">
+            <a:avLst/>
+          </a:prstGeom>
+          <a:ln>
+            <a:headEnd type="diamond"/>
+            <a:tailEnd type="diamond"/>
+          </a:ln>
+        </p:spPr>
+        <p:style>
+          <a:lnRef idx="2">
+            <a:schemeClr val="dk1"/>
+          </a:lnRef>
+          <a:fillRef idx="0">
+            <a:schemeClr val="dk1"/>
+          </a:fillRef>
+          <a:effectRef idx="1">
+            <a:schemeClr val="dk1"/>
+          </a:effectRef>
+          <a:fontRef idx="minor">
+            <a:schemeClr val="tx1"/>
+          </a:fontRef>
+        </p:style>
+      </p:cxnSp>
+      <p:cxnSp>
+        <p:nvCxnSpPr>
+          <p:cNvPr id="71" name="Conector de Seta Reta 70">
+            <a:extLst>
+              <a:ext uri="{FF2B5EF4-FFF2-40B4-BE49-F238E27FC236}">
+                <a16:creationId xmlns:a16="http://schemas.microsoft.com/office/drawing/2014/main" id="{1D90E5D2-087A-4E0B-9283-AE7ABF5DA837}"/>
+              </a:ext>
+            </a:extLst>
+          </p:cNvPr>
+          <p:cNvCxnSpPr>
+            <a:cxnSpLocks/>
+          </p:cNvCxnSpPr>
+          <p:nvPr/>
+        </p:nvCxnSpPr>
+        <p:spPr>
+          <a:xfrm>
+            <a:off x="2286089" y="5483749"/>
+            <a:ext cx="3207839" cy="0"/>
+          </a:xfrm>
+          <a:prstGeom prst="straightConnector1">
+            <a:avLst/>
+          </a:prstGeom>
+          <a:ln>
+            <a:headEnd type="diamond"/>
+            <a:tailEnd type="diamond"/>
+          </a:ln>
+        </p:spPr>
+        <p:style>
+          <a:lnRef idx="2">
+            <a:schemeClr val="dk1"/>
+          </a:lnRef>
+          <a:fillRef idx="0">
+            <a:schemeClr val="dk1"/>
+          </a:fillRef>
+          <a:effectRef idx="1">
+            <a:schemeClr val="dk1"/>
+          </a:effectRef>
+          <a:fontRef idx="minor">
+            <a:schemeClr val="tx1"/>
+          </a:fontRef>
+        </p:style>
+      </p:cxnSp>
+      <p:graphicFrame>
+        <p:nvGraphicFramePr>
+          <p:cNvPr id="73" name="Tabela 72">
+            <a:extLst>
+              <a:ext uri="{FF2B5EF4-FFF2-40B4-BE49-F238E27FC236}">
+                <a16:creationId xmlns:a16="http://schemas.microsoft.com/office/drawing/2014/main" id="{F6F7142A-F76A-466C-A8B5-660CBAD6095A}"/>
+              </a:ext>
+            </a:extLst>
+          </p:cNvPr>
+          <p:cNvGraphicFramePr>
+            <a:graphicFrameLocks noGrp="1"/>
+          </p:cNvGraphicFramePr>
+          <p:nvPr>
+            <p:extLst>
+              <p:ext uri="{D42A27DB-BD31-4B8C-83A1-F6EECF244321}">
+                <p14:modId xmlns:p14="http://schemas.microsoft.com/office/powerpoint/2010/main" val="4011732174"/>
+              </p:ext>
+            </p:extLst>
+          </p:nvPr>
+        </p:nvGraphicFramePr>
+        <p:xfrm>
+          <a:off x="311835" y="6120582"/>
+          <a:ext cx="5232186" cy="1803648"/>
+        </p:xfrm>
+        <a:graphic>
+          <a:graphicData uri="http://schemas.openxmlformats.org/drawingml/2006/table">
+            <a:tbl>
+              <a:tblPr firstRow="1" bandRow="1">
+                <a:tableStyleId>{793D81CF-94F2-401A-BA57-92F5A7B2D0C5}</a:tableStyleId>
+              </a:tblPr>
+              <a:tblGrid>
+                <a:gridCol w="1199738">
+                  <a:extLst>
+                    <a:ext uri="{9D8B030D-6E8A-4147-A177-3AD203B41FA5}">
+                      <a16:colId xmlns:a16="http://schemas.microsoft.com/office/drawing/2014/main" val="1493367781"/>
+                    </a:ext>
+                  </a:extLst>
+                </a:gridCol>
+                <a:gridCol w="720080">
+                  <a:extLst>
+                    <a:ext uri="{9D8B030D-6E8A-4147-A177-3AD203B41FA5}">
+                      <a16:colId xmlns:a16="http://schemas.microsoft.com/office/drawing/2014/main" val="3484185600"/>
+                    </a:ext>
+                  </a:extLst>
+                </a:gridCol>
+                <a:gridCol w="3312368">
+                  <a:extLst>
+                    <a:ext uri="{9D8B030D-6E8A-4147-A177-3AD203B41FA5}">
+                      <a16:colId xmlns:a16="http://schemas.microsoft.com/office/drawing/2014/main" val="3226348265"/>
+                    </a:ext>
+                  </a:extLst>
+                </a:gridCol>
+              </a:tblGrid>
+              <a:tr h="432048">
+                <a:tc>
+                  <a:txBody>
+                    <a:bodyPr/>
+                    <a:lstStyle/>
+                    <a:p>
+                      <a:r>
+                        <a:rPr lang="pt-BR" sz="1200" dirty="0">
+                          <a:latin typeface="Arial" panose="020B0604020202020204" pitchFamily="34" charset="0"/>
+                          <a:cs typeface="Arial" panose="020B0604020202020204" pitchFamily="34" charset="0"/>
+                        </a:rPr>
+                        <a:t>Estatística</a:t>
+                      </a:r>
+                    </a:p>
+                  </a:txBody>
+                  <a:tcPr/>
+                </a:tc>
+                <a:tc>
+                  <a:txBody>
+                    <a:bodyPr/>
+                    <a:lstStyle/>
+                    <a:p>
+                      <a:r>
+                        <a:rPr lang="pt-BR" sz="1200" dirty="0">
+                          <a:latin typeface="Arial" panose="020B0604020202020204" pitchFamily="34" charset="0"/>
+                          <a:cs typeface="Arial" panose="020B0604020202020204" pitchFamily="34" charset="0"/>
+                        </a:rPr>
+                        <a:t>Valor</a:t>
+                      </a:r>
+                    </a:p>
+                  </a:txBody>
+                  <a:tcPr/>
+                </a:tc>
+                <a:tc>
+                  <a:txBody>
+                    <a:bodyPr/>
+                    <a:lstStyle/>
+                    <a:p>
+                      <a:r>
+                        <a:rPr lang="pt-BR" sz="1200" dirty="0">
+                          <a:latin typeface="Arial" panose="020B0604020202020204" pitchFamily="34" charset="0"/>
+                          <a:cs typeface="Arial" panose="020B0604020202020204" pitchFamily="34" charset="0"/>
+                        </a:rPr>
+                        <a:t>Significado</a:t>
+                      </a:r>
+                    </a:p>
+                  </a:txBody>
+                  <a:tcPr/>
+                </a:tc>
+                <a:extLst>
+                  <a:ext uri="{0D108BD9-81ED-4DB2-BD59-A6C34878D82A}">
+                    <a16:rowId xmlns:a16="http://schemas.microsoft.com/office/drawing/2014/main" val="3821956915"/>
+                  </a:ext>
+                </a:extLst>
+              </a:tr>
+              <a:tr h="370840">
+                <a:tc>
+                  <a:txBody>
+                    <a:bodyPr/>
+                    <a:lstStyle/>
+                    <a:p>
+                      <a:r>
+                        <a:rPr lang="pt-BR" sz="1200" dirty="0">
+                          <a:latin typeface="Arial" panose="020B0604020202020204" pitchFamily="34" charset="0"/>
+                          <a:cs typeface="Arial" panose="020B0604020202020204" pitchFamily="34" charset="0"/>
+                        </a:rPr>
+                        <a:t>Cobertura (</a:t>
+                      </a:r>
+                      <a:r>
+                        <a:rPr lang="pt-BR" sz="1200" dirty="0" err="1">
+                          <a:latin typeface="Arial" panose="020B0604020202020204" pitchFamily="34" charset="0"/>
+                          <a:cs typeface="Arial" panose="020B0604020202020204" pitchFamily="34" charset="0"/>
+                        </a:rPr>
+                        <a:t>Coverage</a:t>
+                      </a:r>
+                      <a:r>
+                        <a:rPr lang="pt-BR" sz="1200" dirty="0">
+                          <a:latin typeface="Arial" panose="020B0604020202020204" pitchFamily="34" charset="0"/>
+                          <a:cs typeface="Arial" panose="020B0604020202020204" pitchFamily="34" charset="0"/>
+                        </a:rPr>
+                        <a:t>)</a:t>
+                      </a:r>
+                    </a:p>
+                  </a:txBody>
+                  <a:tcPr/>
+                </a:tc>
+                <a:tc>
+                  <a:txBody>
+                    <a:bodyPr/>
+                    <a:lstStyle/>
+                    <a:p>
+                      <a:r>
+                        <a:rPr lang="pt-BR" sz="1200" dirty="0">
+                          <a:latin typeface="Arial" panose="020B0604020202020204" pitchFamily="34" charset="0"/>
+                          <a:cs typeface="Arial" panose="020B0604020202020204" pitchFamily="34" charset="0"/>
+                        </a:rPr>
+                        <a:t>46 %</a:t>
+                      </a:r>
+                    </a:p>
+                  </a:txBody>
+                  <a:tcPr/>
+                </a:tc>
+                <a:tc>
+                  <a:txBody>
+                    <a:bodyPr/>
+                    <a:lstStyle/>
+                    <a:p>
+                      <a:r>
+                        <a:rPr lang="pt-BR" sz="1200" dirty="0">
+                          <a:latin typeface="Arial" panose="020B0604020202020204" pitchFamily="34" charset="0"/>
+                          <a:cs typeface="Arial" panose="020B0604020202020204" pitchFamily="34" charset="0"/>
+                        </a:rPr>
+                        <a:t>As condições especificadas acima contém 46 % dos casos onde a estratégia falha.</a:t>
+                      </a:r>
+                    </a:p>
+                  </a:txBody>
+                  <a:tcPr/>
+                </a:tc>
+                <a:extLst>
+                  <a:ext uri="{0D108BD9-81ED-4DB2-BD59-A6C34878D82A}">
+                    <a16:rowId xmlns:a16="http://schemas.microsoft.com/office/drawing/2014/main" val="1404452670"/>
+                  </a:ext>
+                </a:extLst>
+              </a:tr>
+              <a:tr h="370840">
+                <a:tc>
+                  <a:txBody>
+                    <a:bodyPr/>
+                    <a:lstStyle/>
+                    <a:p>
+                      <a:r>
+                        <a:rPr lang="pt-BR" sz="1200" dirty="0">
+                          <a:latin typeface="Arial" panose="020B0604020202020204" pitchFamily="34" charset="0"/>
+                          <a:cs typeface="Arial" panose="020B0604020202020204" pitchFamily="34" charset="0"/>
+                        </a:rPr>
+                        <a:t>Densidade (</a:t>
+                      </a:r>
+                      <a:r>
+                        <a:rPr lang="pt-BR" sz="1200" dirty="0" err="1">
+                          <a:latin typeface="Arial" panose="020B0604020202020204" pitchFamily="34" charset="0"/>
+                          <a:cs typeface="Arial" panose="020B0604020202020204" pitchFamily="34" charset="0"/>
+                        </a:rPr>
+                        <a:t>Density</a:t>
+                      </a:r>
+                      <a:r>
+                        <a:rPr lang="pt-BR" sz="1200" dirty="0">
+                          <a:latin typeface="Arial" panose="020B0604020202020204" pitchFamily="34" charset="0"/>
+                          <a:cs typeface="Arial" panose="020B0604020202020204" pitchFamily="34" charset="0"/>
+                        </a:rPr>
+                        <a:t>)</a:t>
+                      </a:r>
+                    </a:p>
+                  </a:txBody>
+                  <a:tcPr/>
+                </a:tc>
+                <a:tc>
+                  <a:txBody>
+                    <a:bodyPr/>
+                    <a:lstStyle/>
+                    <a:p>
+                      <a:r>
+                        <a:rPr lang="pt-BR" sz="1200" dirty="0">
+                          <a:latin typeface="Arial" panose="020B0604020202020204" pitchFamily="34" charset="0"/>
+                          <a:cs typeface="Arial" panose="020B0604020202020204" pitchFamily="34" charset="0"/>
+                        </a:rPr>
+                        <a:t>82,1 %</a:t>
+                      </a:r>
+                    </a:p>
+                  </a:txBody>
+                  <a:tcPr/>
+                </a:tc>
+                <a:tc>
+                  <a:txBody>
+                    <a:bodyPr/>
+                    <a:lstStyle/>
+                    <a:p>
+                      <a:r>
+                        <a:rPr lang="pt-BR" sz="1200" dirty="0">
+                          <a:latin typeface="Arial" panose="020B0604020202020204" pitchFamily="34" charset="0"/>
+                          <a:cs typeface="Arial" panose="020B0604020202020204" pitchFamily="34" charset="0"/>
+                        </a:rPr>
+                        <a:t>Dentro das condições especificadas, a estratégia falha em 82,1 % das simulações.</a:t>
+                      </a:r>
+                    </a:p>
+                  </a:txBody>
+                  <a:tcPr/>
+                </a:tc>
+                <a:extLst>
+                  <a:ext uri="{0D108BD9-81ED-4DB2-BD59-A6C34878D82A}">
+                    <a16:rowId xmlns:a16="http://schemas.microsoft.com/office/drawing/2014/main" val="2253422657"/>
+                  </a:ext>
+                </a:extLst>
+              </a:tr>
+              <a:tr h="370840">
+                <a:tc>
+                  <a:txBody>
+                    <a:bodyPr/>
+                    <a:lstStyle/>
+                    <a:p>
+                      <a:r>
+                        <a:rPr lang="pt-BR" sz="1200" dirty="0">
+                          <a:latin typeface="Arial" panose="020B0604020202020204" pitchFamily="34" charset="0"/>
+                          <a:cs typeface="Arial" panose="020B0604020202020204" pitchFamily="34" charset="0"/>
+                        </a:rPr>
+                        <a:t>Abrangência (Mass)</a:t>
+                      </a:r>
+                    </a:p>
+                  </a:txBody>
+                  <a:tcPr/>
+                </a:tc>
+                <a:tc>
+                  <a:txBody>
+                    <a:bodyPr/>
+                    <a:lstStyle/>
+                    <a:p>
+                      <a:r>
+                        <a:rPr lang="pt-BR" sz="1200" dirty="0">
+                          <a:latin typeface="Arial" panose="020B0604020202020204" pitchFamily="34" charset="0"/>
+                          <a:cs typeface="Arial" panose="020B0604020202020204" pitchFamily="34" charset="0"/>
+                        </a:rPr>
+                        <a:t>14 %</a:t>
+                      </a:r>
+                    </a:p>
+                  </a:txBody>
+                  <a:tcPr/>
+                </a:tc>
+                <a:tc>
+                  <a:txBody>
+                    <a:bodyPr/>
+                    <a:lstStyle/>
+                    <a:p>
+                      <a:r>
+                        <a:rPr lang="pt-BR" sz="1200" dirty="0">
+                          <a:latin typeface="Arial" panose="020B0604020202020204" pitchFamily="34" charset="0"/>
+                          <a:cs typeface="Arial" panose="020B0604020202020204" pitchFamily="34" charset="0"/>
+                        </a:rPr>
+                        <a:t>As condições especificadas contém 14 % de todos os casos simulados.</a:t>
+                      </a:r>
+                    </a:p>
+                  </a:txBody>
+                  <a:tcPr/>
+                </a:tc>
+                <a:extLst>
+                  <a:ext uri="{0D108BD9-81ED-4DB2-BD59-A6C34878D82A}">
+                    <a16:rowId xmlns:a16="http://schemas.microsoft.com/office/drawing/2014/main" val="3180705706"/>
+                  </a:ext>
+                </a:extLst>
+              </a:tr>
+            </a:tbl>
+          </a:graphicData>
+        </a:graphic>
+      </p:graphicFrame>
+    </p:spTree>
+    <p:extLst>
+      <p:ext uri="{BB962C8B-B14F-4D97-AF65-F5344CB8AC3E}">
+        <p14:creationId xmlns:p14="http://schemas.microsoft.com/office/powerpoint/2010/main" val="3321585192"/>
+      </p:ext>
+    </p:extLst>
+  </p:cSld>
+  <p:clrMapOvr>
+    <a:masterClrMapping/>
+  </p:clrMapOvr>
+</p:sld>
+</file>
+
+<file path=ppt/slides/slide13.xml><?xml version="1.0" encoding="utf-8"?>
+<p:sld xmlns:a="http://schemas.openxmlformats.org/drawingml/2006/main" xmlns:r="http://schemas.openxmlformats.org/officeDocument/2006/relationships" xmlns:p="http://schemas.openxmlformats.org/presentationml/2006/main">
+  <p:cSld>
+    <p:spTree>
+      <p:nvGrpSpPr>
+        <p:cNvPr id="1" name=""/>
+        <p:cNvGrpSpPr/>
+        <p:nvPr/>
+      </p:nvGrpSpPr>
+      <p:grpSpPr>
+        <a:xfrm>
+          <a:off x="0" y="0"/>
+          <a:ext cx="0" cy="0"/>
+          <a:chOff x="0" y="0"/>
+          <a:chExt cx="0" cy="0"/>
+        </a:xfrm>
+      </p:grpSpPr>
+      <p:sp>
+        <p:nvSpPr>
+          <p:cNvPr id="2" name="Título 1">
+            <a:extLst>
+              <a:ext uri="{FF2B5EF4-FFF2-40B4-BE49-F238E27FC236}">
+                <a16:creationId xmlns:a16="http://schemas.microsoft.com/office/drawing/2014/main" id="{05DA1582-2C24-4D3A-A095-71F0ECD00204}"/>
+              </a:ext>
+            </a:extLst>
+          </p:cNvPr>
+          <p:cNvSpPr>
+            <a:spLocks noGrp="1"/>
+          </p:cNvSpPr>
+          <p:nvPr>
+            <p:ph type="title"/>
+          </p:nvPr>
+        </p:nvSpPr>
+        <p:spPr/>
+        <p:txBody>
+          <a:bodyPr/>
+          <a:lstStyle/>
+          <a:p>
+            <a:endParaRPr lang="pt-BR"/>
+          </a:p>
+        </p:txBody>
+      </p:sp>
+      <p:sp>
+        <p:nvSpPr>
+          <p:cNvPr id="5" name="Espaço Reservado para Conteúdo 4">
+            <a:extLst>
+              <a:ext uri="{FF2B5EF4-FFF2-40B4-BE49-F238E27FC236}">
+                <a16:creationId xmlns:a16="http://schemas.microsoft.com/office/drawing/2014/main" id="{090E81A0-AE6D-43B0-84DE-96452B153D43}"/>
+              </a:ext>
+            </a:extLst>
+          </p:cNvPr>
+          <p:cNvSpPr>
+            <a:spLocks noGrp="1"/>
+          </p:cNvSpPr>
+          <p:nvPr>
+            <p:ph idx="1"/>
+          </p:nvPr>
+        </p:nvSpPr>
+        <p:spPr/>
+        <p:txBody>
+          <a:bodyPr/>
+          <a:lstStyle/>
+          <a:p>
+            <a:endParaRPr lang="pt-BR"/>
+          </a:p>
+        </p:txBody>
+      </p:sp>
+    </p:spTree>
+    <p:extLst>
+      <p:ext uri="{BB962C8B-B14F-4D97-AF65-F5344CB8AC3E}">
+        <p14:creationId xmlns:p14="http://schemas.microsoft.com/office/powerpoint/2010/main" val="777005738"/>
       </p:ext>
     </p:extLst>
   </p:cSld>

--- a/dissertacao-docs/apresentacoes/Dissertação - RDM - EMA - Imagens-Retrato.pptx
+++ b/dissertacao-docs/apresentacoes/Dissertação - RDM - EMA - Imagens-Retrato.pptx
@@ -14,10 +14,11 @@
     <p:sldId id="260" r:id="rId8"/>
     <p:sldId id="261" r:id="rId9"/>
     <p:sldId id="266" r:id="rId10"/>
-    <p:sldId id="268" r:id="rId11"/>
-    <p:sldId id="269" r:id="rId12"/>
-    <p:sldId id="270" r:id="rId13"/>
-    <p:sldId id="271" r:id="rId14"/>
+    <p:sldId id="272" r:id="rId11"/>
+    <p:sldId id="268" r:id="rId12"/>
+    <p:sldId id="269" r:id="rId13"/>
+    <p:sldId id="270" r:id="rId14"/>
+    <p:sldId id="271" r:id="rId15"/>
   </p:sldIdLst>
   <p:sldSz cx="5759450" cy="8640763"/>
   <p:notesSz cx="6858000" cy="9144000"/>
@@ -318,7 +319,7 @@
           <a:p>
             <a:fld id="{2E700DB3-DBF0-4086-B675-117E7A9610B8}" type="datetimeFigureOut">
               <a:rPr lang="pt-BR" smtClean="0"/>
-              <a:t>30/01/2018</a:t>
+              <a:t>02/02/2018</a:t>
             </a:fld>
             <a:endParaRPr lang="pt-BR"/>
           </a:p>
@@ -481,7 +482,7 @@
           <a:p>
             <a:fld id="{2E700DB3-DBF0-4086-B675-117E7A9610B8}" type="datetimeFigureOut">
               <a:rPr lang="pt-BR" smtClean="0"/>
-              <a:t>30/01/2018</a:t>
+              <a:t>02/02/2018</a:t>
             </a:fld>
             <a:endParaRPr lang="pt-BR"/>
           </a:p>
@@ -654,7 +655,7 @@
           <a:p>
             <a:fld id="{2E700DB3-DBF0-4086-B675-117E7A9610B8}" type="datetimeFigureOut">
               <a:rPr lang="pt-BR" smtClean="0"/>
-              <a:t>30/01/2018</a:t>
+              <a:t>02/02/2018</a:t>
             </a:fld>
             <a:endParaRPr lang="pt-BR"/>
           </a:p>
@@ -817,7 +818,7 @@
           <a:p>
             <a:fld id="{2E700DB3-DBF0-4086-B675-117E7A9610B8}" type="datetimeFigureOut">
               <a:rPr lang="pt-BR" smtClean="0"/>
-              <a:t>30/01/2018</a:t>
+              <a:t>02/02/2018</a:t>
             </a:fld>
             <a:endParaRPr lang="pt-BR"/>
           </a:p>
@@ -1057,7 +1058,7 @@
           <a:p>
             <a:fld id="{2E700DB3-DBF0-4086-B675-117E7A9610B8}" type="datetimeFigureOut">
               <a:rPr lang="pt-BR" smtClean="0"/>
-              <a:t>30/01/2018</a:t>
+              <a:t>02/02/2018</a:t>
             </a:fld>
             <a:endParaRPr lang="pt-BR"/>
           </a:p>
@@ -1337,7 +1338,7 @@
           <a:p>
             <a:fld id="{2E700DB3-DBF0-4086-B675-117E7A9610B8}" type="datetimeFigureOut">
               <a:rPr lang="pt-BR" smtClean="0"/>
-              <a:t>30/01/2018</a:t>
+              <a:t>02/02/2018</a:t>
             </a:fld>
             <a:endParaRPr lang="pt-BR"/>
           </a:p>
@@ -1751,7 +1752,7 @@
           <a:p>
             <a:fld id="{2E700DB3-DBF0-4086-B675-117E7A9610B8}" type="datetimeFigureOut">
               <a:rPr lang="pt-BR" smtClean="0"/>
-              <a:t>30/01/2018</a:t>
+              <a:t>02/02/2018</a:t>
             </a:fld>
             <a:endParaRPr lang="pt-BR"/>
           </a:p>
@@ -1863,7 +1864,7 @@
           <a:p>
             <a:fld id="{2E700DB3-DBF0-4086-B675-117E7A9610B8}" type="datetimeFigureOut">
               <a:rPr lang="pt-BR" smtClean="0"/>
-              <a:t>30/01/2018</a:t>
+              <a:t>02/02/2018</a:t>
             </a:fld>
             <a:endParaRPr lang="pt-BR"/>
           </a:p>
@@ -1953,7 +1954,7 @@
           <a:p>
             <a:fld id="{2E700DB3-DBF0-4086-B675-117E7A9610B8}" type="datetimeFigureOut">
               <a:rPr lang="pt-BR" smtClean="0"/>
-              <a:t>30/01/2018</a:t>
+              <a:t>02/02/2018</a:t>
             </a:fld>
             <a:endParaRPr lang="pt-BR"/>
           </a:p>
@@ -2223,7 +2224,7 @@
           <a:p>
             <a:fld id="{2E700DB3-DBF0-4086-B675-117E7A9610B8}" type="datetimeFigureOut">
               <a:rPr lang="pt-BR" smtClean="0"/>
-              <a:t>30/01/2018</a:t>
+              <a:t>02/02/2018</a:t>
             </a:fld>
             <a:endParaRPr lang="pt-BR"/>
           </a:p>
@@ -2470,7 +2471,7 @@
           <a:p>
             <a:fld id="{2E700DB3-DBF0-4086-B675-117E7A9610B8}" type="datetimeFigureOut">
               <a:rPr lang="pt-BR" smtClean="0"/>
-              <a:t>30/01/2018</a:t>
+              <a:t>02/02/2018</a:t>
             </a:fld>
             <a:endParaRPr lang="pt-BR"/>
           </a:p>
@@ -2676,7 +2677,7 @@
           <a:p>
             <a:fld id="{2E700DB3-DBF0-4086-B675-117E7A9610B8}" type="datetimeFigureOut">
               <a:rPr lang="pt-BR" smtClean="0"/>
-              <a:t>30/01/2018</a:t>
+              <a:t>02/02/2018</a:t>
             </a:fld>
             <a:endParaRPr lang="pt-BR"/>
           </a:p>
@@ -4135,35 +4136,28 @@
         </p:nvSpPr>
         <p:spPr>
           <a:xfrm>
-            <a:off x="-89288" y="100614"/>
-            <a:ext cx="5759450" cy="8610692"/>
+            <a:off x="359444" y="2033791"/>
+            <a:ext cx="5416271" cy="6463054"/>
           </a:xfrm>
           <a:prstGeom prst="roundRect">
             <a:avLst>
               <a:gd name="adj" fmla="val 6337"/>
             </a:avLst>
           </a:prstGeom>
-          <a:solidFill>
-            <a:schemeClr val="bg1">
-              <a:lumMod val="95000"/>
-            </a:schemeClr>
-          </a:solidFill>
-          <a:ln>
-            <a:noFill/>
-          </a:ln>
-        </p:spPr>
-        <p:style>
-          <a:lnRef idx="1">
-            <a:schemeClr val="accent1"/>
-          </a:lnRef>
-          <a:fillRef idx="3">
-            <a:schemeClr val="accent1"/>
-          </a:fillRef>
-          <a:effectRef idx="2">
-            <a:schemeClr val="accent1"/>
-          </a:effectRef>
-          <a:fontRef idx="minor">
+          <a:ln/>
+        </p:spPr>
+        <p:style>
+          <a:lnRef idx="2">
+            <a:schemeClr val="dk1"/>
+          </a:lnRef>
+          <a:fillRef idx="1">
             <a:schemeClr val="lt1"/>
+          </a:fillRef>
+          <a:effectRef idx="0">
+            <a:schemeClr val="dk1"/>
+          </a:effectRef>
+          <a:fontRef idx="minor">
+            <a:schemeClr val="dk1"/>
           </a:fontRef>
         </p:style>
         <p:txBody>
@@ -4171,29 +4165,101 @@
           <a:lstStyle/>
           <a:p>
             <a:pPr algn="ctr"/>
-            <a:r>
-              <a:rPr lang="pt-BR" sz="1100" b="1" dirty="0">
+            <a:endParaRPr lang="pt-BR" sz="1100" dirty="0">
+              <a:solidFill>
+                <a:schemeClr val="tx1"/>
+              </a:solidFill>
+              <a:latin typeface="Times New Roman" panose="02020603050405020304" pitchFamily="18" charset="0"/>
+              <a:cs typeface="Times New Roman" panose="02020603050405020304" pitchFamily="18" charset="0"/>
+            </a:endParaRPr>
+          </a:p>
+        </p:txBody>
+      </p:sp>
+      <p:sp>
+        <p:nvSpPr>
+          <p:cNvPr id="36" name="Retângulo de cantos arredondados 6"/>
+          <p:cNvSpPr/>
+          <p:nvPr/>
+        </p:nvSpPr>
+        <p:spPr>
+          <a:xfrm>
+            <a:off x="697150" y="2573990"/>
+            <a:ext cx="2829600" cy="296545"/>
+          </a:xfrm>
+          <a:prstGeom prst="roundRect">
+            <a:avLst/>
+          </a:prstGeom>
+          <a:ln/>
+        </p:spPr>
+        <p:style>
+          <a:lnRef idx="2">
+            <a:schemeClr val="dk1"/>
+          </a:lnRef>
+          <a:fillRef idx="1">
+            <a:schemeClr val="lt1"/>
+          </a:fillRef>
+          <a:effectRef idx="0">
+            <a:schemeClr val="dk1"/>
+          </a:effectRef>
+          <a:fontRef idx="minor">
+            <a:schemeClr val="dk1"/>
+          </a:fontRef>
+        </p:style>
+        <p:txBody>
+          <a:bodyPr rtlCol="0" anchor="t"/>
+          <a:lstStyle/>
+          <a:p>
+            <a:pPr algn="ctr"/>
+            <a:r>
+              <a:rPr lang="en-US" sz="1000" dirty="0" err="1">
                 <a:solidFill>
                   <a:schemeClr val="tx1"/>
                 </a:solidFill>
-                <a:latin typeface="Arial" panose="020B0604020202020204" pitchFamily="34" charset="0"/>
-                <a:cs typeface="Arial" panose="020B0604020202020204" pitchFamily="34" charset="0"/>
-              </a:rPr>
-              <a:t>Desenvolvimento da Instanciação – Detalhes do RDM.</a:t>
-            </a:r>
-          </a:p>
-        </p:txBody>
-      </p:sp>
-      <p:sp>
-        <p:nvSpPr>
-          <p:cNvPr id="36" name="Retângulo de cantos arredondados 6"/>
+                <a:latin typeface="Times New Roman" panose="02020603050405020304" pitchFamily="18" charset="0"/>
+                <a:cs typeface="Times New Roman" panose="02020603050405020304" pitchFamily="18" charset="0"/>
+              </a:rPr>
+              <a:t>Estruturação</a:t>
+            </a:r>
+            <a:r>
+              <a:rPr lang="en-US" sz="1000" dirty="0">
+                <a:solidFill>
+                  <a:schemeClr val="tx1"/>
+                </a:solidFill>
+                <a:latin typeface="Times New Roman" panose="02020603050405020304" pitchFamily="18" charset="0"/>
+                <a:cs typeface="Times New Roman" panose="02020603050405020304" pitchFamily="18" charset="0"/>
+              </a:rPr>
+              <a:t> do </a:t>
+            </a:r>
+            <a:r>
+              <a:rPr lang="en-US" sz="1000" dirty="0" err="1">
+                <a:solidFill>
+                  <a:schemeClr val="tx1"/>
+                </a:solidFill>
+                <a:latin typeface="Times New Roman" panose="02020603050405020304" pitchFamily="18" charset="0"/>
+                <a:cs typeface="Times New Roman" panose="02020603050405020304" pitchFamily="18" charset="0"/>
+              </a:rPr>
+              <a:t>Problema</a:t>
+            </a:r>
+            <a:endParaRPr lang="en-US" sz="1000" dirty="0">
+              <a:solidFill>
+                <a:schemeClr val="tx1"/>
+              </a:solidFill>
+              <a:latin typeface="Times New Roman" panose="02020603050405020304" pitchFamily="18" charset="0"/>
+              <a:cs typeface="Times New Roman" panose="02020603050405020304" pitchFamily="18" charset="0"/>
+            </a:endParaRPr>
+          </a:p>
+        </p:txBody>
+      </p:sp>
+      <p:sp>
+        <p:nvSpPr>
+          <p:cNvPr id="37" name="Retângulo de cantos arredondados 6"/>
           <p:cNvSpPr/>
           <p:nvPr/>
         </p:nvSpPr>
         <p:spPr>
           <a:xfrm>
-            <a:off x="359445" y="1152028"/>
-            <a:ext cx="2829600" cy="1889969"/>
+            <a:off x="697150" y="3133693"/>
+            <a:ext cx="2829600" cy="1965569"/>
           </a:xfrm>
           <a:prstGeom prst="roundRect">
             <a:avLst/>
@@ -4201,17 +4267,17 @@
           <a:ln/>
         </p:spPr>
         <p:style>
-          <a:lnRef idx="1">
-            <a:schemeClr val="accent4"/>
-          </a:lnRef>
-          <a:fillRef idx="3">
-            <a:schemeClr val="accent4"/>
-          </a:fillRef>
-          <a:effectRef idx="2">
-            <a:schemeClr val="accent4"/>
-          </a:effectRef>
-          <a:fontRef idx="minor">
+          <a:lnRef idx="2">
+            <a:schemeClr val="dk1"/>
+          </a:lnRef>
+          <a:fillRef idx="1">
             <a:schemeClr val="lt1"/>
+          </a:fillRef>
+          <a:effectRef idx="0">
+            <a:schemeClr val="dk1"/>
+          </a:effectRef>
+          <a:fontRef idx="minor">
+            <a:schemeClr val="dk1"/>
           </a:fontRef>
         </p:style>
         <p:txBody>
@@ -4220,36 +4286,64 @@
           <a:p>
             <a:pPr algn="ctr"/>
             <a:r>
-              <a:rPr lang="en-US" sz="1000" b="1" dirty="0">
-                <a:latin typeface="Arial" panose="020B0604020202020204" pitchFamily="34" charset="0"/>
-                <a:cs typeface="Arial" panose="020B0604020202020204" pitchFamily="34" charset="0"/>
-              </a:rPr>
-              <a:t>1-Estruturação do </a:t>
-            </a:r>
-            <a:r>
-              <a:rPr lang="en-US" sz="1000" b="1" dirty="0" err="1">
-                <a:latin typeface="Arial" panose="020B0604020202020204" pitchFamily="34" charset="0"/>
-                <a:cs typeface="Arial" panose="020B0604020202020204" pitchFamily="34" charset="0"/>
-              </a:rPr>
-              <a:t>Problema</a:t>
-            </a:r>
-            <a:endParaRPr lang="en-US" sz="1000" b="1" dirty="0">
-              <a:latin typeface="Arial" panose="020B0604020202020204" pitchFamily="34" charset="0"/>
-              <a:cs typeface="Arial" panose="020B0604020202020204" pitchFamily="34" charset="0"/>
+              <a:rPr lang="en-US" sz="1000" dirty="0" err="1">
+                <a:solidFill>
+                  <a:schemeClr val="tx1"/>
+                </a:solidFill>
+                <a:latin typeface="Times New Roman" panose="02020603050405020304" pitchFamily="18" charset="0"/>
+                <a:cs typeface="Times New Roman" panose="02020603050405020304" pitchFamily="18" charset="0"/>
+              </a:rPr>
+              <a:t>Geração</a:t>
+            </a:r>
+            <a:r>
+              <a:rPr lang="en-US" sz="1000" dirty="0">
+                <a:solidFill>
+                  <a:schemeClr val="tx1"/>
+                </a:solidFill>
+                <a:latin typeface="Times New Roman" panose="02020603050405020304" pitchFamily="18" charset="0"/>
+                <a:cs typeface="Times New Roman" panose="02020603050405020304" pitchFamily="18" charset="0"/>
+              </a:rPr>
+              <a:t> de </a:t>
+            </a:r>
+            <a:r>
+              <a:rPr lang="en-US" sz="1000" dirty="0" err="1">
+                <a:solidFill>
+                  <a:schemeClr val="tx1"/>
+                </a:solidFill>
+                <a:latin typeface="Times New Roman" panose="02020603050405020304" pitchFamily="18" charset="0"/>
+                <a:cs typeface="Times New Roman" panose="02020603050405020304" pitchFamily="18" charset="0"/>
+              </a:rPr>
+              <a:t>Casos</a:t>
+            </a:r>
+            <a:endParaRPr lang="en-US" sz="1000" dirty="0">
+              <a:solidFill>
+                <a:schemeClr val="tx1"/>
+              </a:solidFill>
+              <a:latin typeface="Times New Roman" panose="02020603050405020304" pitchFamily="18" charset="0"/>
+              <a:cs typeface="Times New Roman" panose="02020603050405020304" pitchFamily="18" charset="0"/>
             </a:endParaRPr>
           </a:p>
-        </p:txBody>
-      </p:sp>
-      <p:sp>
-        <p:nvSpPr>
-          <p:cNvPr id="37" name="Retângulo de cantos arredondados 6"/>
+          <a:p>
+            <a:endParaRPr lang="en-US" sz="1000" dirty="0">
+              <a:solidFill>
+                <a:schemeClr val="tx1"/>
+              </a:solidFill>
+              <a:latin typeface="Times New Roman" panose="02020603050405020304" pitchFamily="18" charset="0"/>
+              <a:cs typeface="Times New Roman" panose="02020603050405020304" pitchFamily="18" charset="0"/>
+            </a:endParaRPr>
+          </a:p>
+        </p:txBody>
+      </p:sp>
+      <p:sp>
+        <p:nvSpPr>
+          <p:cNvPr id="38" name="Retângulo de cantos arredondados 6"/>
           <p:cNvSpPr/>
           <p:nvPr/>
         </p:nvSpPr>
         <p:spPr>
           <a:xfrm>
-            <a:off x="359445" y="3133693"/>
-            <a:ext cx="2829600" cy="1965569"/>
+            <a:off x="697150" y="5232368"/>
+            <a:ext cx="2829600" cy="1752309"/>
           </a:xfrm>
           <a:prstGeom prst="roundRect">
             <a:avLst/>
@@ -4257,17 +4351,17 @@
           <a:ln/>
         </p:spPr>
         <p:style>
-          <a:lnRef idx="1">
-            <a:schemeClr val="accent4"/>
-          </a:lnRef>
-          <a:fillRef idx="3">
-            <a:schemeClr val="accent4"/>
-          </a:fillRef>
-          <a:effectRef idx="2">
-            <a:schemeClr val="accent4"/>
-          </a:effectRef>
-          <a:fontRef idx="minor">
+          <a:lnRef idx="2">
+            <a:schemeClr val="dk1"/>
+          </a:lnRef>
+          <a:fillRef idx="1">
             <a:schemeClr val="lt1"/>
+          </a:fillRef>
+          <a:effectRef idx="0">
+            <a:schemeClr val="dk1"/>
+          </a:effectRef>
+          <a:fontRef idx="minor">
+            <a:schemeClr val="dk1"/>
           </a:fontRef>
         </p:style>
         <p:txBody>
@@ -4276,56 +4370,109 @@
           <a:p>
             <a:pPr algn="ctr"/>
             <a:r>
-              <a:rPr lang="en-US" sz="1000" b="1" dirty="0">
-                <a:latin typeface="Arial" panose="020B0604020202020204" pitchFamily="34" charset="0"/>
-                <a:cs typeface="Arial" panose="020B0604020202020204" pitchFamily="34" charset="0"/>
-              </a:rPr>
-              <a:t>2 </a:t>
-            </a:r>
-            <a:r>
-              <a:rPr lang="en-US" sz="1000" b="1" dirty="0" err="1">
-                <a:latin typeface="Arial" panose="020B0604020202020204" pitchFamily="34" charset="0"/>
-                <a:cs typeface="Arial" panose="020B0604020202020204" pitchFamily="34" charset="0"/>
-              </a:rPr>
-              <a:t>Geração</a:t>
-            </a:r>
-            <a:r>
-              <a:rPr lang="en-US" sz="1000" b="1" dirty="0">
-                <a:latin typeface="Arial" panose="020B0604020202020204" pitchFamily="34" charset="0"/>
-                <a:cs typeface="Arial" panose="020B0604020202020204" pitchFamily="34" charset="0"/>
+              <a:rPr lang="en-US" sz="1000" dirty="0" err="1">
+                <a:solidFill>
+                  <a:schemeClr val="tx1"/>
+                </a:solidFill>
+                <a:latin typeface="Times New Roman" panose="02020603050405020304" pitchFamily="18" charset="0"/>
+                <a:cs typeface="Times New Roman" panose="02020603050405020304" pitchFamily="18" charset="0"/>
+              </a:rPr>
+              <a:t>Descoberta</a:t>
+            </a:r>
+            <a:r>
+              <a:rPr lang="en-US" sz="1000" dirty="0">
+                <a:solidFill>
+                  <a:schemeClr val="tx1"/>
+                </a:solidFill>
+                <a:latin typeface="Times New Roman" panose="02020603050405020304" pitchFamily="18" charset="0"/>
+                <a:cs typeface="Times New Roman" panose="02020603050405020304" pitchFamily="18" charset="0"/>
               </a:rPr>
               <a:t> de </a:t>
             </a:r>
             <a:r>
-              <a:rPr lang="en-US" sz="1000" b="1" dirty="0" err="1">
-                <a:latin typeface="Arial" panose="020B0604020202020204" pitchFamily="34" charset="0"/>
-                <a:cs typeface="Arial" panose="020B0604020202020204" pitchFamily="34" charset="0"/>
-              </a:rPr>
-              <a:t>Casos</a:t>
-            </a:r>
-            <a:endParaRPr lang="en-US" sz="1000" b="1" dirty="0">
-              <a:latin typeface="Arial" panose="020B0604020202020204" pitchFamily="34" charset="0"/>
-              <a:cs typeface="Arial" panose="020B0604020202020204" pitchFamily="34" charset="0"/>
+              <a:rPr lang="en-US" sz="1000" dirty="0" err="1">
+                <a:solidFill>
+                  <a:schemeClr val="tx1"/>
+                </a:solidFill>
+                <a:latin typeface="Times New Roman" panose="02020603050405020304" pitchFamily="18" charset="0"/>
+                <a:cs typeface="Times New Roman" panose="02020603050405020304" pitchFamily="18" charset="0"/>
+              </a:rPr>
+              <a:t>Cenários</a:t>
+            </a:r>
+            <a:endParaRPr lang="en-US" sz="1000" dirty="0">
+              <a:solidFill>
+                <a:schemeClr val="tx1"/>
+              </a:solidFill>
+              <a:latin typeface="Times New Roman" panose="02020603050405020304" pitchFamily="18" charset="0"/>
+              <a:cs typeface="Times New Roman" panose="02020603050405020304" pitchFamily="18" charset="0"/>
             </a:endParaRPr>
           </a:p>
           <a:p>
             <a:endParaRPr lang="en-US" sz="1000" dirty="0">
-              <a:latin typeface="Arial" panose="020B0604020202020204" pitchFamily="34" charset="0"/>
-              <a:cs typeface="Arial" panose="020B0604020202020204" pitchFamily="34" charset="0"/>
+              <a:solidFill>
+                <a:schemeClr val="tx1"/>
+              </a:solidFill>
+              <a:latin typeface="Times New Roman" panose="02020603050405020304" pitchFamily="18" charset="0"/>
+              <a:cs typeface="Times New Roman" panose="02020603050405020304" pitchFamily="18" charset="0"/>
             </a:endParaRPr>
           </a:p>
-        </p:txBody>
-      </p:sp>
-      <p:sp>
-        <p:nvSpPr>
-          <p:cNvPr id="38" name="Retângulo de cantos arredondados 6"/>
+          <a:p>
+            <a:endParaRPr lang="en-US" sz="1000" dirty="0">
+              <a:solidFill>
+                <a:schemeClr val="tx1"/>
+              </a:solidFill>
+              <a:latin typeface="Times New Roman" panose="02020603050405020304" pitchFamily="18" charset="0"/>
+              <a:cs typeface="Times New Roman" panose="02020603050405020304" pitchFamily="18" charset="0"/>
+            </a:endParaRPr>
+          </a:p>
+          <a:p>
+            <a:endParaRPr lang="en-US" sz="1000" dirty="0">
+              <a:solidFill>
+                <a:schemeClr val="tx1"/>
+              </a:solidFill>
+              <a:latin typeface="Times New Roman" panose="02020603050405020304" pitchFamily="18" charset="0"/>
+              <a:cs typeface="Times New Roman" panose="02020603050405020304" pitchFamily="18" charset="0"/>
+            </a:endParaRPr>
+          </a:p>
+          <a:p>
+            <a:endParaRPr lang="en-US" sz="1000" dirty="0">
+              <a:solidFill>
+                <a:schemeClr val="tx1"/>
+              </a:solidFill>
+              <a:latin typeface="Times New Roman" panose="02020603050405020304" pitchFamily="18" charset="0"/>
+              <a:cs typeface="Times New Roman" panose="02020603050405020304" pitchFamily="18" charset="0"/>
+            </a:endParaRPr>
+          </a:p>
+          <a:p>
+            <a:endParaRPr lang="en-US" sz="1000" dirty="0">
+              <a:solidFill>
+                <a:schemeClr val="tx1"/>
+              </a:solidFill>
+              <a:latin typeface="Times New Roman" panose="02020603050405020304" pitchFamily="18" charset="0"/>
+              <a:cs typeface="Times New Roman" panose="02020603050405020304" pitchFamily="18" charset="0"/>
+            </a:endParaRPr>
+          </a:p>
+          <a:p>
+            <a:endParaRPr lang="en-US" sz="1000" dirty="0">
+              <a:solidFill>
+                <a:schemeClr val="tx1"/>
+              </a:solidFill>
+              <a:latin typeface="Times New Roman" panose="02020603050405020304" pitchFamily="18" charset="0"/>
+              <a:cs typeface="Times New Roman" panose="02020603050405020304" pitchFamily="18" charset="0"/>
+            </a:endParaRPr>
+          </a:p>
+        </p:txBody>
+      </p:sp>
+      <p:sp>
+        <p:nvSpPr>
+          <p:cNvPr id="41" name="Retângulo de cantos arredondados 6"/>
           <p:cNvSpPr/>
           <p:nvPr/>
         </p:nvSpPr>
         <p:spPr>
           <a:xfrm>
-            <a:off x="359445" y="5232368"/>
-            <a:ext cx="2829600" cy="1752309"/>
+            <a:off x="697150" y="7114411"/>
+            <a:ext cx="2829600" cy="1238418"/>
           </a:xfrm>
           <a:prstGeom prst="roundRect">
             <a:avLst/>
@@ -4333,17 +4480,17 @@
           <a:ln/>
         </p:spPr>
         <p:style>
-          <a:lnRef idx="1">
-            <a:schemeClr val="accent4"/>
-          </a:lnRef>
-          <a:fillRef idx="3">
-            <a:schemeClr val="accent4"/>
-          </a:fillRef>
-          <a:effectRef idx="2">
-            <a:schemeClr val="accent4"/>
-          </a:effectRef>
-          <a:fontRef idx="minor">
+          <a:lnRef idx="2">
+            <a:schemeClr val="dk1"/>
+          </a:lnRef>
+          <a:fillRef idx="1">
             <a:schemeClr val="lt1"/>
+          </a:fillRef>
+          <a:effectRef idx="0">
+            <a:schemeClr val="dk1"/>
+          </a:effectRef>
+          <a:fontRef idx="minor">
+            <a:schemeClr val="dk1"/>
           </a:fontRef>
         </p:style>
         <p:txBody>
@@ -4352,129 +4499,22 @@
           <a:p>
             <a:pPr algn="ctr"/>
             <a:r>
-              <a:rPr lang="en-US" sz="1000" b="1" dirty="0">
-                <a:latin typeface="Arial" panose="020B0604020202020204" pitchFamily="34" charset="0"/>
-                <a:cs typeface="Arial" panose="020B0604020202020204" pitchFamily="34" charset="0"/>
-              </a:rPr>
-              <a:t>3 </a:t>
-            </a:r>
-            <a:r>
-              <a:rPr lang="en-US" sz="1000" b="1" dirty="0" err="1">
-                <a:latin typeface="Arial" panose="020B0604020202020204" pitchFamily="34" charset="0"/>
-                <a:cs typeface="Arial" panose="020B0604020202020204" pitchFamily="34" charset="0"/>
-              </a:rPr>
-              <a:t>Descoberta</a:t>
-            </a:r>
-            <a:r>
-              <a:rPr lang="en-US" sz="1000" b="1" dirty="0">
-                <a:latin typeface="Arial" panose="020B0604020202020204" pitchFamily="34" charset="0"/>
-                <a:cs typeface="Arial" panose="020B0604020202020204" pitchFamily="34" charset="0"/>
-              </a:rPr>
-              <a:t> de </a:t>
-            </a:r>
-            <a:r>
-              <a:rPr lang="en-US" sz="1000" b="1" dirty="0" err="1">
-                <a:latin typeface="Arial" panose="020B0604020202020204" pitchFamily="34" charset="0"/>
-                <a:cs typeface="Arial" panose="020B0604020202020204" pitchFamily="34" charset="0"/>
-              </a:rPr>
-              <a:t>Cenários</a:t>
-            </a:r>
-            <a:endParaRPr lang="en-US" sz="1000" b="1" dirty="0">
-              <a:latin typeface="Arial" panose="020B0604020202020204" pitchFamily="34" charset="0"/>
-              <a:cs typeface="Arial" panose="020B0604020202020204" pitchFamily="34" charset="0"/>
-            </a:endParaRPr>
-          </a:p>
-          <a:p>
-            <a:endParaRPr lang="en-US" sz="1000" dirty="0">
-              <a:latin typeface="Arial" panose="020B0604020202020204" pitchFamily="34" charset="0"/>
-              <a:cs typeface="Arial" panose="020B0604020202020204" pitchFamily="34" charset="0"/>
-            </a:endParaRPr>
-          </a:p>
-          <a:p>
-            <a:endParaRPr lang="en-US" sz="1000" dirty="0">
-              <a:latin typeface="Arial" panose="020B0604020202020204" pitchFamily="34" charset="0"/>
-              <a:cs typeface="Arial" panose="020B0604020202020204" pitchFamily="34" charset="0"/>
-            </a:endParaRPr>
-          </a:p>
-          <a:p>
-            <a:endParaRPr lang="en-US" sz="1000" dirty="0">
-              <a:latin typeface="Arial" panose="020B0604020202020204" pitchFamily="34" charset="0"/>
-              <a:cs typeface="Arial" panose="020B0604020202020204" pitchFamily="34" charset="0"/>
-            </a:endParaRPr>
-          </a:p>
-          <a:p>
-            <a:endParaRPr lang="en-US" sz="1000" dirty="0">
-              <a:latin typeface="Arial" panose="020B0604020202020204" pitchFamily="34" charset="0"/>
-              <a:cs typeface="Arial" panose="020B0604020202020204" pitchFamily="34" charset="0"/>
-            </a:endParaRPr>
-          </a:p>
-          <a:p>
-            <a:endParaRPr lang="en-US" sz="1000" dirty="0">
-              <a:latin typeface="Arial" panose="020B0604020202020204" pitchFamily="34" charset="0"/>
-              <a:cs typeface="Arial" panose="020B0604020202020204" pitchFamily="34" charset="0"/>
-            </a:endParaRPr>
-          </a:p>
-          <a:p>
-            <a:endParaRPr lang="en-US" sz="1000" dirty="0">
-              <a:latin typeface="Arial" panose="020B0604020202020204" pitchFamily="34" charset="0"/>
-              <a:cs typeface="Arial" panose="020B0604020202020204" pitchFamily="34" charset="0"/>
-            </a:endParaRPr>
-          </a:p>
-        </p:txBody>
-      </p:sp>
-      <p:sp>
-        <p:nvSpPr>
-          <p:cNvPr id="41" name="Retângulo de cantos arredondados 6"/>
-          <p:cNvSpPr/>
-          <p:nvPr/>
-        </p:nvSpPr>
-        <p:spPr>
-          <a:xfrm>
-            <a:off x="359445" y="7114411"/>
-            <a:ext cx="2829600" cy="1238418"/>
-          </a:xfrm>
-          <a:prstGeom prst="roundRect">
-            <a:avLst/>
-          </a:prstGeom>
-          <a:ln/>
-        </p:spPr>
-        <p:style>
-          <a:lnRef idx="1">
-            <a:schemeClr val="accent4"/>
-          </a:lnRef>
-          <a:fillRef idx="3">
-            <a:schemeClr val="accent4"/>
-          </a:fillRef>
-          <a:effectRef idx="2">
-            <a:schemeClr val="accent4"/>
-          </a:effectRef>
-          <a:fontRef idx="minor">
-            <a:schemeClr val="lt1"/>
-          </a:fontRef>
-        </p:style>
-        <p:txBody>
-          <a:bodyPr rtlCol="0" anchor="t"/>
-          <a:lstStyle/>
-          <a:p>
-            <a:pPr algn="ctr"/>
-            <a:r>
-              <a:rPr lang="en-US" sz="1000" b="1" dirty="0">
-                <a:latin typeface="Arial" panose="020B0604020202020204" pitchFamily="34" charset="0"/>
-                <a:cs typeface="Arial" panose="020B0604020202020204" pitchFamily="34" charset="0"/>
-              </a:rPr>
-              <a:t>4 </a:t>
-            </a:r>
-            <a:r>
-              <a:rPr lang="en-US" sz="1000" b="1" dirty="0" err="1">
-                <a:latin typeface="Arial" panose="020B0604020202020204" pitchFamily="34" charset="0"/>
-                <a:cs typeface="Arial" panose="020B0604020202020204" pitchFamily="34" charset="0"/>
+              <a:rPr lang="en-US" sz="1000" dirty="0" err="1">
+                <a:solidFill>
+                  <a:schemeClr val="tx1"/>
+                </a:solidFill>
+                <a:latin typeface="Times New Roman" panose="02020603050405020304" pitchFamily="18" charset="0"/>
+                <a:cs typeface="Times New Roman" panose="02020603050405020304" pitchFamily="18" charset="0"/>
               </a:rPr>
               <a:t>Análise</a:t>
             </a:r>
             <a:r>
-              <a:rPr lang="en-US" sz="1000" b="1" dirty="0">
-                <a:latin typeface="Arial" panose="020B0604020202020204" pitchFamily="34" charset="0"/>
-                <a:cs typeface="Arial" panose="020B0604020202020204" pitchFamily="34" charset="0"/>
+              <a:rPr lang="en-US" sz="1000" dirty="0">
+                <a:solidFill>
+                  <a:schemeClr val="tx1"/>
+                </a:solidFill>
+                <a:latin typeface="Times New Roman" panose="02020603050405020304" pitchFamily="18" charset="0"/>
+                <a:cs typeface="Times New Roman" panose="02020603050405020304" pitchFamily="18" charset="0"/>
               </a:rPr>
               <a:t> de Tradeoff</a:t>
             </a:r>
@@ -4485,15 +4525,16 @@
         <p:nvCxnSpPr>
           <p:cNvPr id="17" name="Conector de Seta Reta 16"/>
           <p:cNvCxnSpPr>
-            <a:stCxn id="28" idx="2"/>
+            <a:cxnSpLocks/>
+            <a:stCxn id="36" idx="2"/>
             <a:endCxn id="37" idx="0"/>
           </p:cNvCxnSpPr>
           <p:nvPr/>
         </p:nvCxnSpPr>
         <p:spPr>
           <a:xfrm>
-            <a:off x="1774245" y="2932232"/>
-            <a:ext cx="0" cy="201461"/>
+            <a:off x="2111950" y="2870535"/>
+            <a:ext cx="0" cy="263158"/>
           </a:xfrm>
           <a:prstGeom prst="straightConnector1">
             <a:avLst/>
@@ -4503,17 +4544,17 @@
           </a:ln>
         </p:spPr>
         <p:style>
-          <a:lnRef idx="1">
-            <a:schemeClr val="dk1"/>
-          </a:lnRef>
-          <a:fillRef idx="0">
-            <a:schemeClr val="dk1"/>
+          <a:lnRef idx="2">
+            <a:schemeClr val="dk1"/>
+          </a:lnRef>
+          <a:fillRef idx="1">
+            <a:schemeClr val="lt1"/>
           </a:fillRef>
           <a:effectRef idx="0">
             <a:schemeClr val="dk1"/>
           </a:effectRef>
           <a:fontRef idx="minor">
-            <a:schemeClr val="tx1"/>
+            <a:schemeClr val="dk1"/>
           </a:fontRef>
         </p:style>
       </p:cxnSp>
@@ -4525,8 +4566,8 @@
         </p:nvSpPr>
         <p:spPr>
           <a:xfrm>
-            <a:off x="71413" y="431948"/>
-            <a:ext cx="5614526" cy="8146763"/>
+            <a:off x="71413" y="2115657"/>
+            <a:ext cx="5614526" cy="6463054"/>
           </a:xfrm>
           <a:prstGeom prst="roundRect">
             <a:avLst>
@@ -4535,6 +4576,7 @@
           </a:prstGeom>
           <a:noFill/>
           <a:ln w="12700">
+            <a:noFill/>
             <a:prstDash val="dash"/>
           </a:ln>
         </p:spPr>
@@ -4558,63 +4600,50 @@
           <a:p>
             <a:pPr algn="ctr"/>
             <a:r>
-              <a:rPr lang="pt-BR" sz="1100" b="1" dirty="0">
+              <a:rPr lang="pt-BR" sz="1100" dirty="0">
                 <a:solidFill>
                   <a:schemeClr val="tx1"/>
                 </a:solidFill>
-                <a:latin typeface="Arial" panose="020B0604020202020204" pitchFamily="34" charset="0"/>
-                <a:cs typeface="Arial" panose="020B0604020202020204" pitchFamily="34" charset="0"/>
-              </a:rPr>
-              <a:t>RDM – Robust Decision Making – Visão Linear:  Etapas / Outputs</a:t>
-            </a:r>
-            <a:endParaRPr lang="pt-BR" sz="1100" b="1" dirty="0">
-              <a:latin typeface="Arial" panose="020B0604020202020204" pitchFamily="34" charset="0"/>
-              <a:cs typeface="Arial" panose="020B0604020202020204" pitchFamily="34" charset="0"/>
+                <a:latin typeface="Times New Roman" panose="02020603050405020304" pitchFamily="18" charset="0"/>
+                <a:cs typeface="Times New Roman" panose="02020603050405020304" pitchFamily="18" charset="0"/>
+              </a:rPr>
+              <a:t>                     Etapas do Método de Trabalho                     Técnicas Empregadas</a:t>
+            </a:r>
+            <a:endParaRPr lang="pt-BR" sz="1100" dirty="0">
+              <a:latin typeface="Times New Roman" panose="02020603050405020304" pitchFamily="18" charset="0"/>
+              <a:cs typeface="Times New Roman" panose="02020603050405020304" pitchFamily="18" charset="0"/>
             </a:endParaRPr>
           </a:p>
         </p:txBody>
       </p:sp>
       <p:sp>
         <p:nvSpPr>
-          <p:cNvPr id="25" name="Retângulo de cantos arredondados 6"/>
+          <p:cNvPr id="73" name="Retângulo de cantos arredondados 6"/>
           <p:cNvSpPr/>
           <p:nvPr/>
         </p:nvSpPr>
         <p:spPr>
           <a:xfrm>
-            <a:off x="628817" y="1499675"/>
-            <a:ext cx="2290856" cy="241222"/>
+            <a:off x="966522" y="3528293"/>
+            <a:ext cx="2290856" cy="199357"/>
           </a:xfrm>
           <a:prstGeom prst="roundRect">
             <a:avLst/>
           </a:prstGeom>
-          <a:gradFill>
-            <a:gsLst>
-              <a:gs pos="0">
-                <a:schemeClr val="accent4"/>
-              </a:gs>
-              <a:gs pos="80000">
-                <a:schemeClr val="accent4"/>
-              </a:gs>
-              <a:gs pos="100000">
-                <a:schemeClr val="accent4"/>
-              </a:gs>
-            </a:gsLst>
-          </a:gradFill>
           <a:ln/>
         </p:spPr>
         <p:style>
-          <a:lnRef idx="1">
-            <a:schemeClr val="accent4"/>
-          </a:lnRef>
-          <a:fillRef idx="3">
-            <a:schemeClr val="accent4"/>
-          </a:fillRef>
-          <a:effectRef idx="2">
-            <a:schemeClr val="accent4"/>
-          </a:effectRef>
-          <a:fontRef idx="minor">
+          <a:lnRef idx="2">
+            <a:schemeClr val="dk1"/>
+          </a:lnRef>
+          <a:fillRef idx="1">
             <a:schemeClr val="lt1"/>
+          </a:fillRef>
+          <a:effectRef idx="0">
+            <a:schemeClr val="dk1"/>
+          </a:effectRef>
+          <a:fontRef idx="minor">
+            <a:schemeClr val="dk1"/>
           </a:fontRef>
         </p:style>
         <p:txBody>
@@ -4624,76 +4653,72 @@
             <a:pPr algn="ctr"/>
             <a:r>
               <a:rPr lang="en-US" sz="1000" dirty="0" err="1">
-                <a:latin typeface="Arial" panose="020B0604020202020204" pitchFamily="34" charset="0"/>
-                <a:cs typeface="Arial" panose="020B0604020202020204" pitchFamily="34" charset="0"/>
-              </a:rPr>
-              <a:t>Definição</a:t>
+                <a:solidFill>
+                  <a:schemeClr val="tx1"/>
+                </a:solidFill>
+                <a:latin typeface="Times New Roman" panose="02020603050405020304" pitchFamily="18" charset="0"/>
+                <a:cs typeface="Times New Roman" panose="02020603050405020304" pitchFamily="18" charset="0"/>
+              </a:rPr>
+              <a:t>Construção</a:t>
             </a:r>
             <a:r>
               <a:rPr lang="en-US" sz="1000" dirty="0">
-                <a:latin typeface="Arial" panose="020B0604020202020204" pitchFamily="34" charset="0"/>
-                <a:cs typeface="Arial" panose="020B0604020202020204" pitchFamily="34" charset="0"/>
-              </a:rPr>
-              <a:t> de </a:t>
+                <a:solidFill>
+                  <a:schemeClr val="tx1"/>
+                </a:solidFill>
+                <a:latin typeface="Times New Roman" panose="02020603050405020304" pitchFamily="18" charset="0"/>
+                <a:cs typeface="Times New Roman" panose="02020603050405020304" pitchFamily="18" charset="0"/>
+              </a:rPr>
+              <a:t> do </a:t>
             </a:r>
             <a:r>
               <a:rPr lang="en-US" sz="1000" dirty="0" err="1">
-                <a:latin typeface="Arial" panose="020B0604020202020204" pitchFamily="34" charset="0"/>
-                <a:cs typeface="Arial" panose="020B0604020202020204" pitchFamily="34" charset="0"/>
-              </a:rPr>
-              <a:t>Incertezas</a:t>
-            </a:r>
-            <a:r>
-              <a:rPr lang="en-US" sz="1000" dirty="0">
-                <a:latin typeface="Arial" panose="020B0604020202020204" pitchFamily="34" charset="0"/>
-                <a:cs typeface="Arial" panose="020B0604020202020204" pitchFamily="34" charset="0"/>
-              </a:rPr>
-              <a:t> (X)</a:t>
-            </a:r>
-          </a:p>
-        </p:txBody>
-      </p:sp>
-      <p:sp>
-        <p:nvSpPr>
-          <p:cNvPr id="26" name="Retângulo de cantos arredondados 6"/>
+                <a:solidFill>
+                  <a:schemeClr val="tx1"/>
+                </a:solidFill>
+                <a:latin typeface="Times New Roman" panose="02020603050405020304" pitchFamily="18" charset="0"/>
+                <a:cs typeface="Times New Roman" panose="02020603050405020304" pitchFamily="18" charset="0"/>
+              </a:rPr>
+              <a:t>Modelo</a:t>
+            </a:r>
+            <a:endParaRPr lang="en-US" sz="1000" dirty="0">
+              <a:solidFill>
+                <a:schemeClr val="tx1"/>
+              </a:solidFill>
+              <a:latin typeface="Times New Roman" panose="02020603050405020304" pitchFamily="18" charset="0"/>
+              <a:cs typeface="Times New Roman" panose="02020603050405020304" pitchFamily="18" charset="0"/>
+            </a:endParaRPr>
+          </a:p>
+        </p:txBody>
+      </p:sp>
+      <p:sp>
+        <p:nvSpPr>
+          <p:cNvPr id="75" name="Retângulo de cantos arredondados 6"/>
           <p:cNvSpPr/>
           <p:nvPr/>
         </p:nvSpPr>
         <p:spPr>
           <a:xfrm>
-            <a:off x="628817" y="1896787"/>
-            <a:ext cx="2290856" cy="241222"/>
+            <a:off x="966522" y="3964740"/>
+            <a:ext cx="2290856" cy="199357"/>
           </a:xfrm>
           <a:prstGeom prst="roundRect">
             <a:avLst/>
           </a:prstGeom>
-          <a:gradFill>
-            <a:gsLst>
-              <a:gs pos="0">
-                <a:schemeClr val="accent4"/>
-              </a:gs>
-              <a:gs pos="80000">
-                <a:schemeClr val="accent4"/>
-              </a:gs>
-              <a:gs pos="100000">
-                <a:schemeClr val="accent4"/>
-              </a:gs>
-            </a:gsLst>
-          </a:gradFill>
           <a:ln/>
         </p:spPr>
         <p:style>
-          <a:lnRef idx="1">
-            <a:schemeClr val="accent4"/>
-          </a:lnRef>
-          <a:fillRef idx="3">
-            <a:schemeClr val="accent4"/>
-          </a:fillRef>
-          <a:effectRef idx="2">
-            <a:schemeClr val="accent4"/>
-          </a:effectRef>
-          <a:fontRef idx="minor">
+          <a:lnRef idx="2">
+            <a:schemeClr val="dk1"/>
+          </a:lnRef>
+          <a:fillRef idx="1">
             <a:schemeClr val="lt1"/>
+          </a:fillRef>
+          <a:effectRef idx="0">
+            <a:schemeClr val="dk1"/>
+          </a:effectRef>
+          <a:fontRef idx="minor">
+            <a:schemeClr val="dk1"/>
           </a:fontRef>
         </p:style>
         <p:txBody>
@@ -4703,76 +4728,72 @@
             <a:pPr algn="ctr"/>
             <a:r>
               <a:rPr lang="en-US" sz="1000" dirty="0" err="1">
-                <a:latin typeface="Arial" panose="020B0604020202020204" pitchFamily="34" charset="0"/>
-                <a:cs typeface="Arial" panose="020B0604020202020204" pitchFamily="34" charset="0"/>
+                <a:solidFill>
+                  <a:schemeClr val="tx1"/>
+                </a:solidFill>
+                <a:latin typeface="Times New Roman" panose="02020603050405020304" pitchFamily="18" charset="0"/>
+                <a:cs typeface="Times New Roman" panose="02020603050405020304" pitchFamily="18" charset="0"/>
               </a:rPr>
               <a:t>Definição</a:t>
             </a:r>
             <a:r>
               <a:rPr lang="en-US" sz="1000" dirty="0">
-                <a:latin typeface="Arial" panose="020B0604020202020204" pitchFamily="34" charset="0"/>
-                <a:cs typeface="Arial" panose="020B0604020202020204" pitchFamily="34" charset="0"/>
-              </a:rPr>
-              <a:t> de </a:t>
+                <a:solidFill>
+                  <a:schemeClr val="tx1"/>
+                </a:solidFill>
+                <a:latin typeface="Times New Roman" panose="02020603050405020304" pitchFamily="18" charset="0"/>
+                <a:cs typeface="Times New Roman" panose="02020603050405020304" pitchFamily="18" charset="0"/>
+              </a:rPr>
+              <a:t> do </a:t>
             </a:r>
             <a:r>
               <a:rPr lang="en-US" sz="1000" dirty="0" err="1">
-                <a:latin typeface="Arial" panose="020B0604020202020204" pitchFamily="34" charset="0"/>
-                <a:cs typeface="Arial" panose="020B0604020202020204" pitchFamily="34" charset="0"/>
-              </a:rPr>
-              <a:t>Estratégias</a:t>
-            </a:r>
-            <a:r>
-              <a:rPr lang="en-US" sz="1000" dirty="0">
-                <a:latin typeface="Arial" panose="020B0604020202020204" pitchFamily="34" charset="0"/>
-                <a:cs typeface="Arial" panose="020B0604020202020204" pitchFamily="34" charset="0"/>
-              </a:rPr>
-              <a:t> (L)</a:t>
-            </a:r>
-          </a:p>
-        </p:txBody>
-      </p:sp>
-      <p:sp>
-        <p:nvSpPr>
-          <p:cNvPr id="27" name="Retângulo de cantos arredondados 6"/>
+                <a:solidFill>
+                  <a:schemeClr val="tx1"/>
+                </a:solidFill>
+                <a:latin typeface="Times New Roman" panose="02020603050405020304" pitchFamily="18" charset="0"/>
+                <a:cs typeface="Times New Roman" panose="02020603050405020304" pitchFamily="18" charset="0"/>
+              </a:rPr>
+              <a:t>Experimento</a:t>
+            </a:r>
+            <a:endParaRPr lang="en-US" sz="1000" dirty="0">
+              <a:solidFill>
+                <a:schemeClr val="tx1"/>
+              </a:solidFill>
+              <a:latin typeface="Times New Roman" panose="02020603050405020304" pitchFamily="18" charset="0"/>
+              <a:cs typeface="Times New Roman" panose="02020603050405020304" pitchFamily="18" charset="0"/>
+            </a:endParaRPr>
+          </a:p>
+        </p:txBody>
+      </p:sp>
+      <p:sp>
+        <p:nvSpPr>
+          <p:cNvPr id="76" name="Retângulo de cantos arredondados 6"/>
           <p:cNvSpPr/>
           <p:nvPr/>
         </p:nvSpPr>
         <p:spPr>
           <a:xfrm>
-            <a:off x="628817" y="2293899"/>
-            <a:ext cx="2290856" cy="241222"/>
+            <a:off x="966522" y="4344166"/>
+            <a:ext cx="2290856" cy="199357"/>
           </a:xfrm>
           <a:prstGeom prst="roundRect">
             <a:avLst/>
           </a:prstGeom>
-          <a:gradFill>
-            <a:gsLst>
-              <a:gs pos="0">
-                <a:schemeClr val="accent4"/>
-              </a:gs>
-              <a:gs pos="80000">
-                <a:schemeClr val="accent4"/>
-              </a:gs>
-              <a:gs pos="100000">
-                <a:schemeClr val="accent4"/>
-              </a:gs>
-            </a:gsLst>
-          </a:gradFill>
           <a:ln/>
         </p:spPr>
         <p:style>
-          <a:lnRef idx="1">
-            <a:schemeClr val="accent4"/>
-          </a:lnRef>
-          <a:fillRef idx="3">
-            <a:schemeClr val="accent4"/>
-          </a:fillRef>
-          <a:effectRef idx="2">
-            <a:schemeClr val="accent4"/>
-          </a:effectRef>
-          <a:fontRef idx="minor">
+          <a:lnRef idx="2">
+            <a:schemeClr val="dk1"/>
+          </a:lnRef>
+          <a:fillRef idx="1">
             <a:schemeClr val="lt1"/>
+          </a:fillRef>
+          <a:effectRef idx="0">
+            <a:schemeClr val="dk1"/>
+          </a:effectRef>
+          <a:fontRef idx="minor">
+            <a:schemeClr val="dk1"/>
           </a:fontRef>
         </p:style>
         <p:txBody>
@@ -4782,446 +4803,40 @@
             <a:pPr algn="ctr"/>
             <a:r>
               <a:rPr lang="en-US" sz="1000" dirty="0" err="1">
-                <a:latin typeface="Arial" panose="020B0604020202020204" pitchFamily="34" charset="0"/>
-                <a:cs typeface="Arial" panose="020B0604020202020204" pitchFamily="34" charset="0"/>
-              </a:rPr>
-              <a:t>Definição</a:t>
+                <a:solidFill>
+                  <a:schemeClr val="tx1"/>
+                </a:solidFill>
+                <a:latin typeface="Times New Roman" panose="02020603050405020304" pitchFamily="18" charset="0"/>
+                <a:cs typeface="Times New Roman" panose="02020603050405020304" pitchFamily="18" charset="0"/>
+              </a:rPr>
+              <a:t>Geração</a:t>
             </a:r>
             <a:r>
               <a:rPr lang="en-US" sz="1000" dirty="0">
-                <a:latin typeface="Arial" panose="020B0604020202020204" pitchFamily="34" charset="0"/>
-                <a:cs typeface="Arial" panose="020B0604020202020204" pitchFamily="34" charset="0"/>
-              </a:rPr>
-              <a:t> de </a:t>
+                <a:solidFill>
+                  <a:schemeClr val="tx1"/>
+                </a:solidFill>
+                <a:latin typeface="Times New Roman" panose="02020603050405020304" pitchFamily="18" charset="0"/>
+                <a:cs typeface="Times New Roman" panose="02020603050405020304" pitchFamily="18" charset="0"/>
+              </a:rPr>
+              <a:t> dos </a:t>
             </a:r>
             <a:r>
               <a:rPr lang="en-US" sz="1000" dirty="0" err="1">
-                <a:latin typeface="Arial" panose="020B0604020202020204" pitchFamily="34" charset="0"/>
-                <a:cs typeface="Arial" panose="020B0604020202020204" pitchFamily="34" charset="0"/>
-              </a:rPr>
-              <a:t>Métricas</a:t>
-            </a:r>
-            <a:r>
-              <a:rPr lang="en-US" sz="1000" dirty="0">
-                <a:latin typeface="Arial" panose="020B0604020202020204" pitchFamily="34" charset="0"/>
-                <a:cs typeface="Arial" panose="020B0604020202020204" pitchFamily="34" charset="0"/>
-              </a:rPr>
-              <a:t> (M)</a:t>
-            </a:r>
-          </a:p>
-        </p:txBody>
-      </p:sp>
-      <p:sp>
-        <p:nvSpPr>
-          <p:cNvPr id="28" name="Retângulo de cantos arredondados 6"/>
-          <p:cNvSpPr/>
-          <p:nvPr/>
-        </p:nvSpPr>
-        <p:spPr>
-          <a:xfrm>
-            <a:off x="628817" y="2691010"/>
-            <a:ext cx="2290856" cy="241222"/>
-          </a:xfrm>
-          <a:prstGeom prst="roundRect">
-            <a:avLst/>
-          </a:prstGeom>
-          <a:gradFill>
-            <a:gsLst>
-              <a:gs pos="0">
-                <a:schemeClr val="accent4"/>
-              </a:gs>
-              <a:gs pos="80000">
-                <a:schemeClr val="accent4"/>
-              </a:gs>
-              <a:gs pos="100000">
-                <a:schemeClr val="accent4"/>
-              </a:gs>
-            </a:gsLst>
-          </a:gradFill>
-          <a:ln/>
-        </p:spPr>
-        <p:style>
-          <a:lnRef idx="1">
-            <a:schemeClr val="accent4"/>
-          </a:lnRef>
-          <a:fillRef idx="3">
-            <a:schemeClr val="accent4"/>
-          </a:fillRef>
-          <a:effectRef idx="2">
-            <a:schemeClr val="accent4"/>
-          </a:effectRef>
-          <a:fontRef idx="minor">
-            <a:schemeClr val="lt1"/>
-          </a:fontRef>
-        </p:style>
-        <p:txBody>
-          <a:bodyPr rtlCol="0" anchor="ctr"/>
-          <a:lstStyle/>
-          <a:p>
-            <a:pPr algn="ctr"/>
-            <a:r>
-              <a:rPr lang="en-US" sz="1000" dirty="0" err="1">
-                <a:latin typeface="Arial" panose="020B0604020202020204" pitchFamily="34" charset="0"/>
-                <a:cs typeface="Arial" panose="020B0604020202020204" pitchFamily="34" charset="0"/>
-              </a:rPr>
-              <a:t>Definição</a:t>
-            </a:r>
-            <a:r>
-              <a:rPr lang="en-US" sz="1000" dirty="0">
-                <a:latin typeface="Arial" panose="020B0604020202020204" pitchFamily="34" charset="0"/>
-                <a:cs typeface="Arial" panose="020B0604020202020204" pitchFamily="34" charset="0"/>
-              </a:rPr>
-              <a:t> do </a:t>
-            </a:r>
-            <a:r>
-              <a:rPr lang="en-US" sz="1000" dirty="0" err="1">
-                <a:latin typeface="Arial" panose="020B0604020202020204" pitchFamily="34" charset="0"/>
-                <a:cs typeface="Arial" panose="020B0604020202020204" pitchFamily="34" charset="0"/>
-              </a:rPr>
-              <a:t>Modelo</a:t>
-            </a:r>
-            <a:r>
-              <a:rPr lang="en-US" sz="1000" dirty="0">
-                <a:latin typeface="Arial" panose="020B0604020202020204" pitchFamily="34" charset="0"/>
-                <a:cs typeface="Arial" panose="020B0604020202020204" pitchFamily="34" charset="0"/>
-              </a:rPr>
-              <a:t> (R)</a:t>
-            </a:r>
-          </a:p>
-        </p:txBody>
-      </p:sp>
-      <p:cxnSp>
-        <p:nvCxnSpPr>
-          <p:cNvPr id="42" name="Conector de Seta Reta 41"/>
-          <p:cNvCxnSpPr>
-            <a:stCxn id="25" idx="2"/>
-            <a:endCxn id="26" idx="0"/>
-          </p:cNvCxnSpPr>
-          <p:nvPr/>
-        </p:nvCxnSpPr>
-        <p:spPr>
-          <a:xfrm>
-            <a:off x="1774245" y="1740897"/>
-            <a:ext cx="0" cy="155890"/>
-          </a:xfrm>
-          <a:prstGeom prst="straightConnector1">
-            <a:avLst/>
-          </a:prstGeom>
-          <a:ln>
-            <a:tailEnd type="triangle"/>
-          </a:ln>
-        </p:spPr>
-        <p:style>
-          <a:lnRef idx="1">
-            <a:schemeClr val="dk1"/>
-          </a:lnRef>
-          <a:fillRef idx="0">
-            <a:schemeClr val="dk1"/>
-          </a:fillRef>
-          <a:effectRef idx="0">
-            <a:schemeClr val="dk1"/>
-          </a:effectRef>
-          <a:fontRef idx="minor">
-            <a:schemeClr val="tx1"/>
-          </a:fontRef>
-        </p:style>
-      </p:cxnSp>
-      <p:cxnSp>
-        <p:nvCxnSpPr>
-          <p:cNvPr id="51" name="Conector de Seta Reta 50"/>
-          <p:cNvCxnSpPr>
-            <a:stCxn id="26" idx="2"/>
-            <a:endCxn id="27" idx="0"/>
-          </p:cNvCxnSpPr>
-          <p:nvPr/>
-        </p:nvCxnSpPr>
-        <p:spPr>
-          <a:xfrm>
-            <a:off x="1774245" y="2138009"/>
-            <a:ext cx="0" cy="155890"/>
-          </a:xfrm>
-          <a:prstGeom prst="straightConnector1">
-            <a:avLst/>
-          </a:prstGeom>
-          <a:ln>
-            <a:tailEnd type="triangle"/>
-          </a:ln>
-        </p:spPr>
-        <p:style>
-          <a:lnRef idx="1">
-            <a:schemeClr val="dk1"/>
-          </a:lnRef>
-          <a:fillRef idx="0">
-            <a:schemeClr val="dk1"/>
-          </a:fillRef>
-          <a:effectRef idx="0">
-            <a:schemeClr val="dk1"/>
-          </a:effectRef>
-          <a:fontRef idx="minor">
-            <a:schemeClr val="tx1"/>
-          </a:fontRef>
-        </p:style>
-      </p:cxnSp>
-      <p:cxnSp>
-        <p:nvCxnSpPr>
-          <p:cNvPr id="56" name="Conector de Seta Reta 55"/>
-          <p:cNvCxnSpPr>
-            <a:stCxn id="27" idx="2"/>
-            <a:endCxn id="28" idx="0"/>
-          </p:cNvCxnSpPr>
-          <p:nvPr/>
-        </p:nvCxnSpPr>
-        <p:spPr>
-          <a:xfrm>
-            <a:off x="1774245" y="2535121"/>
-            <a:ext cx="0" cy="155889"/>
-          </a:xfrm>
-          <a:prstGeom prst="straightConnector1">
-            <a:avLst/>
-          </a:prstGeom>
-          <a:ln>
-            <a:tailEnd type="triangle"/>
-          </a:ln>
-        </p:spPr>
-        <p:style>
-          <a:lnRef idx="1">
-            <a:schemeClr val="dk1"/>
-          </a:lnRef>
-          <a:fillRef idx="0">
-            <a:schemeClr val="dk1"/>
-          </a:fillRef>
-          <a:effectRef idx="0">
-            <a:schemeClr val="dk1"/>
-          </a:effectRef>
-          <a:fontRef idx="minor">
-            <a:schemeClr val="tx1"/>
-          </a:fontRef>
-        </p:style>
-      </p:cxnSp>
-      <p:sp>
-        <p:nvSpPr>
-          <p:cNvPr id="73" name="Retângulo de cantos arredondados 6"/>
-          <p:cNvSpPr/>
-          <p:nvPr/>
-        </p:nvSpPr>
-        <p:spPr>
-          <a:xfrm>
-            <a:off x="628817" y="3528293"/>
-            <a:ext cx="2290856" cy="199357"/>
-          </a:xfrm>
-          <a:prstGeom prst="roundRect">
-            <a:avLst/>
-          </a:prstGeom>
-          <a:gradFill>
-            <a:gsLst>
-              <a:gs pos="0">
-                <a:schemeClr val="accent4"/>
-              </a:gs>
-              <a:gs pos="80000">
-                <a:schemeClr val="accent4"/>
-              </a:gs>
-              <a:gs pos="100000">
-                <a:schemeClr val="accent4"/>
-              </a:gs>
-            </a:gsLst>
-          </a:gradFill>
-          <a:ln/>
-        </p:spPr>
-        <p:style>
-          <a:lnRef idx="1">
-            <a:schemeClr val="accent4"/>
-          </a:lnRef>
-          <a:fillRef idx="3">
-            <a:schemeClr val="accent4"/>
-          </a:fillRef>
-          <a:effectRef idx="2">
-            <a:schemeClr val="accent4"/>
-          </a:effectRef>
-          <a:fontRef idx="minor">
-            <a:schemeClr val="lt1"/>
-          </a:fontRef>
-        </p:style>
-        <p:txBody>
-          <a:bodyPr rtlCol="0" anchor="ctr"/>
-          <a:lstStyle/>
-          <a:p>
-            <a:pPr algn="ctr"/>
-            <a:r>
-              <a:rPr lang="en-US" sz="1000" dirty="0" err="1">
-                <a:latin typeface="Arial" panose="020B0604020202020204" pitchFamily="34" charset="0"/>
-                <a:cs typeface="Arial" panose="020B0604020202020204" pitchFamily="34" charset="0"/>
-              </a:rPr>
-              <a:t>Construção</a:t>
-            </a:r>
-            <a:r>
-              <a:rPr lang="en-US" sz="1000" dirty="0">
-                <a:latin typeface="Arial" panose="020B0604020202020204" pitchFamily="34" charset="0"/>
-                <a:cs typeface="Arial" panose="020B0604020202020204" pitchFamily="34" charset="0"/>
-              </a:rPr>
-              <a:t> do </a:t>
-            </a:r>
-            <a:r>
-              <a:rPr lang="en-US" sz="1000" dirty="0" err="1">
-                <a:latin typeface="Arial" panose="020B0604020202020204" pitchFamily="34" charset="0"/>
-                <a:cs typeface="Arial" panose="020B0604020202020204" pitchFamily="34" charset="0"/>
-              </a:rPr>
-              <a:t>Modelo</a:t>
+                <a:solidFill>
+                  <a:schemeClr val="tx1"/>
+                </a:solidFill>
+                <a:latin typeface="Times New Roman" panose="02020603050405020304" pitchFamily="18" charset="0"/>
+                <a:cs typeface="Times New Roman" panose="02020603050405020304" pitchFamily="18" charset="0"/>
+              </a:rPr>
+              <a:t>Casos</a:t>
             </a:r>
             <a:endParaRPr lang="en-US" sz="1000" dirty="0">
-              <a:latin typeface="Arial" panose="020B0604020202020204" pitchFamily="34" charset="0"/>
-              <a:cs typeface="Arial" panose="020B0604020202020204" pitchFamily="34" charset="0"/>
-            </a:endParaRPr>
-          </a:p>
-        </p:txBody>
-      </p:sp>
-      <p:sp>
-        <p:nvSpPr>
-          <p:cNvPr id="75" name="Retângulo de cantos arredondados 6"/>
-          <p:cNvSpPr/>
-          <p:nvPr/>
-        </p:nvSpPr>
-        <p:spPr>
-          <a:xfrm>
-            <a:off x="628817" y="3925082"/>
-            <a:ext cx="2290856" cy="199357"/>
-          </a:xfrm>
-          <a:prstGeom prst="roundRect">
-            <a:avLst/>
-          </a:prstGeom>
-          <a:gradFill>
-            <a:gsLst>
-              <a:gs pos="0">
-                <a:schemeClr val="accent4"/>
-              </a:gs>
-              <a:gs pos="80000">
-                <a:schemeClr val="accent4"/>
-              </a:gs>
-              <a:gs pos="100000">
-                <a:schemeClr val="accent4"/>
-              </a:gs>
-            </a:gsLst>
-          </a:gradFill>
-          <a:ln/>
-        </p:spPr>
-        <p:style>
-          <a:lnRef idx="1">
-            <a:schemeClr val="accent4"/>
-          </a:lnRef>
-          <a:fillRef idx="3">
-            <a:schemeClr val="accent4"/>
-          </a:fillRef>
-          <a:effectRef idx="2">
-            <a:schemeClr val="accent4"/>
-          </a:effectRef>
-          <a:fontRef idx="minor">
-            <a:schemeClr val="lt1"/>
-          </a:fontRef>
-        </p:style>
-        <p:txBody>
-          <a:bodyPr rtlCol="0" anchor="ctr"/>
-          <a:lstStyle/>
-          <a:p>
-            <a:pPr algn="ctr"/>
-            <a:r>
-              <a:rPr lang="en-US" sz="1000" dirty="0" err="1">
-                <a:latin typeface="Arial" panose="020B0604020202020204" pitchFamily="34" charset="0"/>
-                <a:cs typeface="Arial" panose="020B0604020202020204" pitchFamily="34" charset="0"/>
-              </a:rPr>
-              <a:t>Definição</a:t>
-            </a:r>
-            <a:r>
-              <a:rPr lang="en-US" sz="1000" dirty="0">
-                <a:latin typeface="Arial" panose="020B0604020202020204" pitchFamily="34" charset="0"/>
-                <a:cs typeface="Arial" panose="020B0604020202020204" pitchFamily="34" charset="0"/>
-              </a:rPr>
-              <a:t> dos </a:t>
-            </a:r>
-            <a:r>
-              <a:rPr lang="en-US" sz="1000" dirty="0" err="1">
-                <a:latin typeface="Arial" panose="020B0604020202020204" pitchFamily="34" charset="0"/>
-                <a:cs typeface="Arial" panose="020B0604020202020204" pitchFamily="34" charset="0"/>
-              </a:rPr>
-              <a:t>Experimentos</a:t>
-            </a:r>
-            <a:endParaRPr lang="en-US" sz="1000" dirty="0">
-              <a:latin typeface="Arial" panose="020B0604020202020204" pitchFamily="34" charset="0"/>
-              <a:cs typeface="Arial" panose="020B0604020202020204" pitchFamily="34" charset="0"/>
-            </a:endParaRPr>
-          </a:p>
-        </p:txBody>
-      </p:sp>
-      <p:sp>
-        <p:nvSpPr>
-          <p:cNvPr id="76" name="Retângulo de cantos arredondados 6"/>
-          <p:cNvSpPr/>
-          <p:nvPr/>
-        </p:nvSpPr>
-        <p:spPr>
-          <a:xfrm>
-            <a:off x="628817" y="4304508"/>
-            <a:ext cx="2290856" cy="199357"/>
-          </a:xfrm>
-          <a:prstGeom prst="roundRect">
-            <a:avLst/>
-          </a:prstGeom>
-          <a:gradFill>
-            <a:gsLst>
-              <a:gs pos="0">
-                <a:schemeClr val="accent4"/>
-              </a:gs>
-              <a:gs pos="80000">
-                <a:schemeClr val="accent4"/>
-              </a:gs>
-              <a:gs pos="100000">
-                <a:schemeClr val="accent4"/>
-              </a:gs>
-            </a:gsLst>
-          </a:gradFill>
-          <a:ln/>
-        </p:spPr>
-        <p:style>
-          <a:lnRef idx="1">
-            <a:schemeClr val="accent4"/>
-          </a:lnRef>
-          <a:fillRef idx="3">
-            <a:schemeClr val="accent4"/>
-          </a:fillRef>
-          <a:effectRef idx="2">
-            <a:schemeClr val="accent4"/>
-          </a:effectRef>
-          <a:fontRef idx="minor">
-            <a:schemeClr val="lt1"/>
-          </a:fontRef>
-        </p:style>
-        <p:txBody>
-          <a:bodyPr rtlCol="0" anchor="ctr"/>
-          <a:lstStyle/>
-          <a:p>
-            <a:pPr algn="ctr"/>
-            <a:r>
-              <a:rPr lang="en-US" sz="1000" dirty="0" err="1">
-                <a:latin typeface="Arial" panose="020B0604020202020204" pitchFamily="34" charset="0"/>
-                <a:cs typeface="Arial" panose="020B0604020202020204" pitchFamily="34" charset="0"/>
-              </a:rPr>
-              <a:t>Geração</a:t>
-            </a:r>
-            <a:r>
-              <a:rPr lang="en-US" sz="1000" dirty="0">
-                <a:latin typeface="Arial" panose="020B0604020202020204" pitchFamily="34" charset="0"/>
-                <a:cs typeface="Arial" panose="020B0604020202020204" pitchFamily="34" charset="0"/>
-              </a:rPr>
-              <a:t> dos </a:t>
-            </a:r>
-            <a:r>
-              <a:rPr lang="en-US" sz="1000" dirty="0" err="1">
-                <a:latin typeface="Arial" panose="020B0604020202020204" pitchFamily="34" charset="0"/>
-                <a:cs typeface="Arial" panose="020B0604020202020204" pitchFamily="34" charset="0"/>
-              </a:rPr>
-              <a:t>Casos</a:t>
-            </a:r>
-            <a:endParaRPr lang="en-US" sz="1000" dirty="0">
-              <a:latin typeface="Arial" panose="020B0604020202020204" pitchFamily="34" charset="0"/>
-              <a:cs typeface="Arial" panose="020B0604020202020204" pitchFamily="34" charset="0"/>
+              <a:solidFill>
+                <a:schemeClr val="tx1"/>
+              </a:solidFill>
+              <a:latin typeface="Times New Roman" panose="02020603050405020304" pitchFamily="18" charset="0"/>
+              <a:cs typeface="Times New Roman" panose="02020603050405020304" pitchFamily="18" charset="0"/>
             </a:endParaRPr>
           </a:p>
         </p:txBody>
@@ -5237,8 +4852,8 @@
         </p:nvCxnSpPr>
         <p:spPr>
           <a:xfrm>
-            <a:off x="1774245" y="3727650"/>
-            <a:ext cx="0" cy="197432"/>
+            <a:off x="2111950" y="3727650"/>
+            <a:ext cx="0" cy="237090"/>
           </a:xfrm>
           <a:prstGeom prst="straightConnector1">
             <a:avLst/>
@@ -5248,17 +4863,17 @@
           </a:ln>
         </p:spPr>
         <p:style>
-          <a:lnRef idx="1">
-            <a:schemeClr val="dk1"/>
-          </a:lnRef>
-          <a:fillRef idx="0">
-            <a:schemeClr val="dk1"/>
+          <a:lnRef idx="2">
+            <a:schemeClr val="dk1"/>
+          </a:lnRef>
+          <a:fillRef idx="1">
+            <a:schemeClr val="lt1"/>
           </a:fillRef>
           <a:effectRef idx="0">
             <a:schemeClr val="dk1"/>
           </a:effectRef>
           <a:fontRef idx="minor">
-            <a:schemeClr val="tx1"/>
+            <a:schemeClr val="dk1"/>
           </a:fontRef>
         </p:style>
       </p:cxnSp>
@@ -5273,7 +4888,7 @@
         </p:nvCxnSpPr>
         <p:spPr>
           <a:xfrm>
-            <a:off x="1774245" y="4124439"/>
+            <a:off x="2111950" y="4164097"/>
             <a:ext cx="0" cy="180069"/>
           </a:xfrm>
           <a:prstGeom prst="straightConnector1">
@@ -5284,17 +4899,17 @@
           </a:ln>
         </p:spPr>
         <p:style>
-          <a:lnRef idx="1">
-            <a:schemeClr val="dk1"/>
-          </a:lnRef>
-          <a:fillRef idx="0">
-            <a:schemeClr val="dk1"/>
+          <a:lnRef idx="2">
+            <a:schemeClr val="dk1"/>
+          </a:lnRef>
+          <a:fillRef idx="1">
+            <a:schemeClr val="lt1"/>
           </a:fillRef>
           <a:effectRef idx="0">
             <a:schemeClr val="dk1"/>
           </a:effectRef>
           <a:fontRef idx="minor">
-            <a:schemeClr val="tx1"/>
+            <a:schemeClr val="dk1"/>
           </a:fontRef>
         </p:style>
       </p:cxnSp>
@@ -5306,39 +4921,26 @@
         </p:nvSpPr>
         <p:spPr>
           <a:xfrm>
-            <a:off x="468814" y="6033885"/>
+            <a:off x="806519" y="6033885"/>
             <a:ext cx="2610862" cy="267034"/>
           </a:xfrm>
           <a:prstGeom prst="roundRect">
             <a:avLst/>
           </a:prstGeom>
-          <a:gradFill>
-            <a:gsLst>
-              <a:gs pos="0">
-                <a:schemeClr val="accent4"/>
-              </a:gs>
-              <a:gs pos="80000">
-                <a:schemeClr val="accent4"/>
-              </a:gs>
-              <a:gs pos="100000">
-                <a:schemeClr val="accent4"/>
-              </a:gs>
-            </a:gsLst>
-          </a:gradFill>
           <a:ln/>
         </p:spPr>
         <p:style>
-          <a:lnRef idx="1">
-            <a:schemeClr val="accent4"/>
-          </a:lnRef>
-          <a:fillRef idx="3">
-            <a:schemeClr val="accent4"/>
-          </a:fillRef>
-          <a:effectRef idx="2">
-            <a:schemeClr val="accent4"/>
-          </a:effectRef>
-          <a:fontRef idx="minor">
+          <a:lnRef idx="2">
+            <a:schemeClr val="dk1"/>
+          </a:lnRef>
+          <a:fillRef idx="1">
             <a:schemeClr val="lt1"/>
+          </a:fillRef>
+          <a:effectRef idx="0">
+            <a:schemeClr val="dk1"/>
+          </a:effectRef>
+          <a:fontRef idx="minor">
+            <a:schemeClr val="dk1"/>
           </a:fontRef>
         </p:style>
         <p:txBody>
@@ -5348,42 +4950,60 @@
             <a:pPr algn="ctr"/>
             <a:r>
               <a:rPr lang="en-US" sz="1000" dirty="0" err="1">
-                <a:latin typeface="Arial" panose="020B0604020202020204" pitchFamily="34" charset="0"/>
-                <a:cs typeface="Arial" panose="020B0604020202020204" pitchFamily="34" charset="0"/>
-              </a:rPr>
-              <a:t>Definição</a:t>
+                <a:solidFill>
+                  <a:schemeClr val="tx1"/>
+                </a:solidFill>
+                <a:latin typeface="Times New Roman" panose="02020603050405020304" pitchFamily="18" charset="0"/>
+                <a:cs typeface="Times New Roman" panose="02020603050405020304" pitchFamily="18" charset="0"/>
+              </a:rPr>
+              <a:t>Identificação</a:t>
             </a:r>
             <a:r>
               <a:rPr lang="en-US" sz="1000" dirty="0">
-                <a:latin typeface="Arial" panose="020B0604020202020204" pitchFamily="34" charset="0"/>
-                <a:cs typeface="Arial" panose="020B0604020202020204" pitchFamily="34" charset="0"/>
+                <a:solidFill>
+                  <a:schemeClr val="tx1"/>
+                </a:solidFill>
+                <a:latin typeface="Times New Roman" panose="02020603050405020304" pitchFamily="18" charset="0"/>
+                <a:cs typeface="Times New Roman" panose="02020603050405020304" pitchFamily="18" charset="0"/>
               </a:rPr>
               <a:t> de </a:t>
             </a:r>
             <a:r>
               <a:rPr lang="en-US" sz="1000" dirty="0" err="1">
-                <a:latin typeface="Arial" panose="020B0604020202020204" pitchFamily="34" charset="0"/>
-                <a:cs typeface="Arial" panose="020B0604020202020204" pitchFamily="34" charset="0"/>
-              </a:rPr>
-              <a:t>Critérios</a:t>
+                <a:solidFill>
+                  <a:schemeClr val="tx1"/>
+                </a:solidFill>
+                <a:latin typeface="Times New Roman" panose="02020603050405020304" pitchFamily="18" charset="0"/>
+                <a:cs typeface="Times New Roman" panose="02020603050405020304" pitchFamily="18" charset="0"/>
+              </a:rPr>
+              <a:t>Incertezas</a:t>
             </a:r>
             <a:r>
               <a:rPr lang="en-US" sz="1000" dirty="0">
-                <a:latin typeface="Arial" panose="020B0604020202020204" pitchFamily="34" charset="0"/>
-                <a:cs typeface="Arial" panose="020B0604020202020204" pitchFamily="34" charset="0"/>
-              </a:rPr>
-              <a:t> de </a:t>
+                <a:solidFill>
+                  <a:schemeClr val="tx1"/>
+                </a:solidFill>
+                <a:latin typeface="Times New Roman" panose="02020603050405020304" pitchFamily="18" charset="0"/>
+                <a:cs typeface="Times New Roman" panose="02020603050405020304" pitchFamily="18" charset="0"/>
+              </a:rPr>
+              <a:t> </a:t>
             </a:r>
             <a:r>
               <a:rPr lang="en-US" sz="1000" dirty="0" err="1">
-                <a:latin typeface="Arial" panose="020B0604020202020204" pitchFamily="34" charset="0"/>
-                <a:cs typeface="Arial" panose="020B0604020202020204" pitchFamily="34" charset="0"/>
-              </a:rPr>
-              <a:t>Vulnerabilidade</a:t>
+                <a:solidFill>
+                  <a:schemeClr val="tx1"/>
+                </a:solidFill>
+                <a:latin typeface="Times New Roman" panose="02020603050405020304" pitchFamily="18" charset="0"/>
+                <a:cs typeface="Times New Roman" panose="02020603050405020304" pitchFamily="18" charset="0"/>
+              </a:rPr>
+              <a:t>Críticas</a:t>
             </a:r>
             <a:endParaRPr lang="en-US" sz="1000" dirty="0">
-              <a:latin typeface="Arial" panose="020B0604020202020204" pitchFamily="34" charset="0"/>
-              <a:cs typeface="Arial" panose="020B0604020202020204" pitchFamily="34" charset="0"/>
+              <a:solidFill>
+                <a:schemeClr val="tx1"/>
+              </a:solidFill>
+              <a:latin typeface="Times New Roman" panose="02020603050405020304" pitchFamily="18" charset="0"/>
+              <a:cs typeface="Times New Roman" panose="02020603050405020304" pitchFamily="18" charset="0"/>
             </a:endParaRPr>
           </a:p>
         </p:txBody>
@@ -5396,39 +5016,26 @@
         </p:nvSpPr>
         <p:spPr>
           <a:xfrm>
-            <a:off x="468814" y="6479086"/>
+            <a:off x="806519" y="6479086"/>
             <a:ext cx="2610862" cy="417582"/>
           </a:xfrm>
           <a:prstGeom prst="roundRect">
             <a:avLst/>
           </a:prstGeom>
-          <a:gradFill>
-            <a:gsLst>
-              <a:gs pos="0">
-                <a:schemeClr val="accent4"/>
-              </a:gs>
-              <a:gs pos="80000">
-                <a:schemeClr val="accent4"/>
-              </a:gs>
-              <a:gs pos="100000">
-                <a:schemeClr val="accent4"/>
-              </a:gs>
-            </a:gsLst>
-          </a:gradFill>
           <a:ln/>
         </p:spPr>
         <p:style>
-          <a:lnRef idx="1">
-            <a:schemeClr val="accent4"/>
-          </a:lnRef>
-          <a:fillRef idx="3">
-            <a:schemeClr val="accent4"/>
-          </a:fillRef>
-          <a:effectRef idx="2">
-            <a:schemeClr val="accent4"/>
-          </a:effectRef>
-          <a:fontRef idx="minor">
+          <a:lnRef idx="2">
+            <a:schemeClr val="dk1"/>
+          </a:lnRef>
+          <a:fillRef idx="1">
             <a:schemeClr val="lt1"/>
+          </a:fillRef>
+          <a:effectRef idx="0">
+            <a:schemeClr val="dk1"/>
+          </a:effectRef>
+          <a:fontRef idx="minor">
+            <a:schemeClr val="dk1"/>
           </a:fontRef>
         </p:style>
         <p:txBody>
@@ -5438,43 +5045,61 @@
             <a:pPr algn="ctr"/>
             <a:r>
               <a:rPr lang="en-US" sz="1000" dirty="0" err="1">
-                <a:latin typeface="Arial" panose="020B0604020202020204" pitchFamily="34" charset="0"/>
-                <a:cs typeface="Arial" panose="020B0604020202020204" pitchFamily="34" charset="0"/>
+                <a:solidFill>
+                  <a:schemeClr val="tx1"/>
+                </a:solidFill>
+                <a:latin typeface="Times New Roman" panose="02020603050405020304" pitchFamily="18" charset="0"/>
+                <a:cs typeface="Times New Roman" panose="02020603050405020304" pitchFamily="18" charset="0"/>
               </a:rPr>
               <a:t>Identificação</a:t>
             </a:r>
             <a:r>
               <a:rPr lang="en-US" sz="1000" dirty="0">
-                <a:latin typeface="Arial" panose="020B0604020202020204" pitchFamily="34" charset="0"/>
-                <a:cs typeface="Arial" panose="020B0604020202020204" pitchFamily="34" charset="0"/>
+                <a:solidFill>
+                  <a:schemeClr val="tx1"/>
+                </a:solidFill>
+                <a:latin typeface="Times New Roman" panose="02020603050405020304" pitchFamily="18" charset="0"/>
+                <a:cs typeface="Times New Roman" panose="02020603050405020304" pitchFamily="18" charset="0"/>
               </a:rPr>
               <a:t> dos </a:t>
             </a:r>
             <a:r>
               <a:rPr lang="en-US" sz="1000" dirty="0" err="1">
-                <a:latin typeface="Arial" panose="020B0604020202020204" pitchFamily="34" charset="0"/>
-                <a:cs typeface="Arial" panose="020B0604020202020204" pitchFamily="34" charset="0"/>
+                <a:solidFill>
+                  <a:schemeClr val="tx1"/>
+                </a:solidFill>
+                <a:latin typeface="Times New Roman" panose="02020603050405020304" pitchFamily="18" charset="0"/>
+                <a:cs typeface="Times New Roman" panose="02020603050405020304" pitchFamily="18" charset="0"/>
               </a:rPr>
               <a:t>Cenários</a:t>
             </a:r>
             <a:r>
               <a:rPr lang="en-US" sz="1000" dirty="0">
-                <a:latin typeface="Arial" panose="020B0604020202020204" pitchFamily="34" charset="0"/>
-                <a:cs typeface="Arial" panose="020B0604020202020204" pitchFamily="34" charset="0"/>
+                <a:solidFill>
+                  <a:schemeClr val="tx1"/>
+                </a:solidFill>
+                <a:latin typeface="Times New Roman" panose="02020603050405020304" pitchFamily="18" charset="0"/>
+                <a:cs typeface="Times New Roman" panose="02020603050405020304" pitchFamily="18" charset="0"/>
               </a:rPr>
               <a:t> de </a:t>
             </a:r>
             <a:r>
               <a:rPr lang="en-US" sz="1000" dirty="0" err="1">
-                <a:latin typeface="Arial" panose="020B0604020202020204" pitchFamily="34" charset="0"/>
-                <a:cs typeface="Arial" panose="020B0604020202020204" pitchFamily="34" charset="0"/>
+                <a:solidFill>
+                  <a:schemeClr val="tx1"/>
+                </a:solidFill>
+                <a:latin typeface="Times New Roman" panose="02020603050405020304" pitchFamily="18" charset="0"/>
+                <a:cs typeface="Times New Roman" panose="02020603050405020304" pitchFamily="18" charset="0"/>
               </a:rPr>
               <a:t>Vulnerabilidade</a:t>
             </a:r>
             <a:r>
               <a:rPr lang="en-US" sz="1000" dirty="0">
-                <a:latin typeface="Arial" panose="020B0604020202020204" pitchFamily="34" charset="0"/>
-                <a:cs typeface="Arial" panose="020B0604020202020204" pitchFamily="34" charset="0"/>
+                <a:solidFill>
+                  <a:schemeClr val="tx1"/>
+                </a:solidFill>
+                <a:latin typeface="Times New Roman" panose="02020603050405020304" pitchFamily="18" charset="0"/>
+                <a:cs typeface="Times New Roman" panose="02020603050405020304" pitchFamily="18" charset="0"/>
               </a:rPr>
               <a:t>.</a:t>
             </a:r>
@@ -5492,7 +5117,7 @@
         </p:nvCxnSpPr>
         <p:spPr>
           <a:xfrm>
-            <a:off x="1774245" y="6300919"/>
+            <a:off x="2111950" y="6300919"/>
             <a:ext cx="0" cy="178167"/>
           </a:xfrm>
           <a:prstGeom prst="straightConnector1">
@@ -5503,17 +5128,17 @@
           </a:ln>
         </p:spPr>
         <p:style>
-          <a:lnRef idx="1">
-            <a:schemeClr val="dk1"/>
-          </a:lnRef>
-          <a:fillRef idx="0">
-            <a:schemeClr val="dk1"/>
+          <a:lnRef idx="2">
+            <a:schemeClr val="dk1"/>
+          </a:lnRef>
+          <a:fillRef idx="1">
+            <a:schemeClr val="lt1"/>
           </a:fillRef>
           <a:effectRef idx="0">
             <a:schemeClr val="dk1"/>
           </a:effectRef>
           <a:fontRef idx="minor">
-            <a:schemeClr val="tx1"/>
+            <a:schemeClr val="dk1"/>
           </a:fontRef>
         </p:style>
       </p:cxnSp>
@@ -5525,39 +5150,26 @@
         </p:nvSpPr>
         <p:spPr>
           <a:xfrm>
-            <a:off x="468814" y="7491551"/>
+            <a:off x="806519" y="7491551"/>
             <a:ext cx="2610862" cy="285214"/>
           </a:xfrm>
           <a:prstGeom prst="roundRect">
             <a:avLst/>
           </a:prstGeom>
-          <a:gradFill>
-            <a:gsLst>
-              <a:gs pos="0">
-                <a:schemeClr val="accent4"/>
-              </a:gs>
-              <a:gs pos="80000">
-                <a:schemeClr val="accent4"/>
-              </a:gs>
-              <a:gs pos="100000">
-                <a:schemeClr val="accent4"/>
-              </a:gs>
-            </a:gsLst>
-          </a:gradFill>
           <a:ln/>
         </p:spPr>
         <p:style>
-          <a:lnRef idx="1">
-            <a:schemeClr val="accent4"/>
-          </a:lnRef>
-          <a:fillRef idx="3">
-            <a:schemeClr val="accent4"/>
-          </a:fillRef>
-          <a:effectRef idx="2">
-            <a:schemeClr val="accent4"/>
-          </a:effectRef>
-          <a:fontRef idx="minor">
+          <a:lnRef idx="2">
+            <a:schemeClr val="dk1"/>
+          </a:lnRef>
+          <a:fillRef idx="1">
             <a:schemeClr val="lt1"/>
+          </a:fillRef>
+          <a:effectRef idx="0">
+            <a:schemeClr val="dk1"/>
+          </a:effectRef>
+          <a:fontRef idx="minor">
+            <a:schemeClr val="dk1"/>
           </a:fontRef>
         </p:style>
         <p:txBody>
@@ -5567,29 +5179,41 @@
             <a:pPr algn="ctr"/>
             <a:r>
               <a:rPr lang="en-US" sz="1000" dirty="0" err="1">
-                <a:latin typeface="Arial" panose="020B0604020202020204" pitchFamily="34" charset="0"/>
-                <a:cs typeface="Arial" panose="020B0604020202020204" pitchFamily="34" charset="0"/>
+                <a:solidFill>
+                  <a:schemeClr val="tx1"/>
+                </a:solidFill>
+                <a:latin typeface="Times New Roman" panose="02020603050405020304" pitchFamily="18" charset="0"/>
+                <a:cs typeface="Times New Roman" panose="02020603050405020304" pitchFamily="18" charset="0"/>
               </a:rPr>
               <a:t>Identificação</a:t>
             </a:r>
             <a:r>
               <a:rPr lang="en-US" sz="1000" dirty="0">
-                <a:latin typeface="Arial" panose="020B0604020202020204" pitchFamily="34" charset="0"/>
-                <a:cs typeface="Arial" panose="020B0604020202020204" pitchFamily="34" charset="0"/>
+                <a:solidFill>
+                  <a:schemeClr val="tx1"/>
+                </a:solidFill>
+                <a:latin typeface="Times New Roman" panose="02020603050405020304" pitchFamily="18" charset="0"/>
+                <a:cs typeface="Times New Roman" panose="02020603050405020304" pitchFamily="18" charset="0"/>
               </a:rPr>
               <a:t> da </a:t>
             </a:r>
             <a:r>
               <a:rPr lang="en-US" sz="1000" dirty="0" err="1">
-                <a:latin typeface="Arial" panose="020B0604020202020204" pitchFamily="34" charset="0"/>
-                <a:cs typeface="Arial" panose="020B0604020202020204" pitchFamily="34" charset="0"/>
+                <a:solidFill>
+                  <a:schemeClr val="tx1"/>
+                </a:solidFill>
+                <a:latin typeface="Times New Roman" panose="02020603050405020304" pitchFamily="18" charset="0"/>
+                <a:cs typeface="Times New Roman" panose="02020603050405020304" pitchFamily="18" charset="0"/>
               </a:rPr>
               <a:t>Fronteira</a:t>
             </a:r>
             <a:r>
               <a:rPr lang="en-US" sz="1000" dirty="0">
-                <a:latin typeface="Arial" panose="020B0604020202020204" pitchFamily="34" charset="0"/>
-                <a:cs typeface="Arial" panose="020B0604020202020204" pitchFamily="34" charset="0"/>
+                <a:solidFill>
+                  <a:schemeClr val="tx1"/>
+                </a:solidFill>
+                <a:latin typeface="Times New Roman" panose="02020603050405020304" pitchFamily="18" charset="0"/>
+                <a:cs typeface="Times New Roman" panose="02020603050405020304" pitchFamily="18" charset="0"/>
               </a:rPr>
               <a:t> de Tradeoff</a:t>
             </a:r>
@@ -5604,39 +5228,26 @@
         </p:nvSpPr>
         <p:spPr>
           <a:xfrm>
-            <a:off x="468814" y="7946711"/>
+            <a:off x="806519" y="7946711"/>
             <a:ext cx="2610862" cy="259285"/>
           </a:xfrm>
           <a:prstGeom prst="roundRect">
             <a:avLst/>
           </a:prstGeom>
-          <a:gradFill>
-            <a:gsLst>
-              <a:gs pos="0">
-                <a:schemeClr val="accent4"/>
-              </a:gs>
-              <a:gs pos="80000">
-                <a:schemeClr val="accent4"/>
-              </a:gs>
-              <a:gs pos="100000">
-                <a:schemeClr val="accent4"/>
-              </a:gs>
-            </a:gsLst>
-          </a:gradFill>
           <a:ln/>
         </p:spPr>
         <p:style>
-          <a:lnRef idx="1">
-            <a:schemeClr val="accent4"/>
-          </a:lnRef>
-          <a:fillRef idx="3">
-            <a:schemeClr val="accent4"/>
-          </a:fillRef>
-          <a:effectRef idx="2">
-            <a:schemeClr val="accent4"/>
-          </a:effectRef>
-          <a:fontRef idx="minor">
+          <a:lnRef idx="2">
+            <a:schemeClr val="dk1"/>
+          </a:lnRef>
+          <a:fillRef idx="1">
             <a:schemeClr val="lt1"/>
+          </a:fillRef>
+          <a:effectRef idx="0">
+            <a:schemeClr val="dk1"/>
+          </a:effectRef>
+          <a:fontRef idx="minor">
+            <a:schemeClr val="dk1"/>
           </a:fontRef>
         </p:style>
         <p:txBody>
@@ -5646,42 +5257,60 @@
             <a:pPr algn="ctr"/>
             <a:r>
               <a:rPr lang="en-US" sz="1000" dirty="0" err="1">
-                <a:latin typeface="Arial" panose="020B0604020202020204" pitchFamily="34" charset="0"/>
-                <a:cs typeface="Arial" panose="020B0604020202020204" pitchFamily="34" charset="0"/>
+                <a:solidFill>
+                  <a:schemeClr val="tx1"/>
+                </a:solidFill>
+                <a:latin typeface="Times New Roman" panose="02020603050405020304" pitchFamily="18" charset="0"/>
+                <a:cs typeface="Times New Roman" panose="02020603050405020304" pitchFamily="18" charset="0"/>
               </a:rPr>
               <a:t>Avaliação</a:t>
             </a:r>
             <a:r>
               <a:rPr lang="en-US" sz="1000" dirty="0">
-                <a:latin typeface="Arial" panose="020B0604020202020204" pitchFamily="34" charset="0"/>
-                <a:cs typeface="Arial" panose="020B0604020202020204" pitchFamily="34" charset="0"/>
+                <a:solidFill>
+                  <a:schemeClr val="tx1"/>
+                </a:solidFill>
+                <a:latin typeface="Times New Roman" panose="02020603050405020304" pitchFamily="18" charset="0"/>
+                <a:cs typeface="Times New Roman" panose="02020603050405020304" pitchFamily="18" charset="0"/>
               </a:rPr>
               <a:t> da </a:t>
             </a:r>
             <a:r>
               <a:rPr lang="en-US" sz="1000" dirty="0" err="1">
-                <a:latin typeface="Arial" panose="020B0604020202020204" pitchFamily="34" charset="0"/>
-                <a:cs typeface="Arial" panose="020B0604020202020204" pitchFamily="34" charset="0"/>
+                <a:solidFill>
+                  <a:schemeClr val="tx1"/>
+                </a:solidFill>
+                <a:latin typeface="Times New Roman" panose="02020603050405020304" pitchFamily="18" charset="0"/>
+                <a:cs typeface="Times New Roman" panose="02020603050405020304" pitchFamily="18" charset="0"/>
               </a:rPr>
               <a:t>Robustez</a:t>
             </a:r>
             <a:r>
               <a:rPr lang="en-US" sz="1000" dirty="0">
-                <a:latin typeface="Arial" panose="020B0604020202020204" pitchFamily="34" charset="0"/>
-                <a:cs typeface="Arial" panose="020B0604020202020204" pitchFamily="34" charset="0"/>
+                <a:solidFill>
+                  <a:schemeClr val="tx1"/>
+                </a:solidFill>
+                <a:latin typeface="Times New Roman" panose="02020603050405020304" pitchFamily="18" charset="0"/>
+                <a:cs typeface="Times New Roman" panose="02020603050405020304" pitchFamily="18" charset="0"/>
               </a:rPr>
               <a:t> de </a:t>
             </a:r>
             <a:r>
               <a:rPr lang="en-US" sz="1000" dirty="0" err="1">
-                <a:latin typeface="Arial" panose="020B0604020202020204" pitchFamily="34" charset="0"/>
-                <a:cs typeface="Arial" panose="020B0604020202020204" pitchFamily="34" charset="0"/>
+                <a:solidFill>
+                  <a:schemeClr val="tx1"/>
+                </a:solidFill>
+                <a:latin typeface="Times New Roman" panose="02020603050405020304" pitchFamily="18" charset="0"/>
+                <a:cs typeface="Times New Roman" panose="02020603050405020304" pitchFamily="18" charset="0"/>
               </a:rPr>
               <a:t>Estratégias</a:t>
             </a:r>
             <a:endParaRPr lang="en-US" sz="1000" dirty="0">
-              <a:latin typeface="Arial" panose="020B0604020202020204" pitchFamily="34" charset="0"/>
-              <a:cs typeface="Arial" panose="020B0604020202020204" pitchFamily="34" charset="0"/>
+              <a:solidFill>
+                <a:schemeClr val="tx1"/>
+              </a:solidFill>
+              <a:latin typeface="Times New Roman" panose="02020603050405020304" pitchFamily="18" charset="0"/>
+              <a:cs typeface="Times New Roman" panose="02020603050405020304" pitchFamily="18" charset="0"/>
             </a:endParaRPr>
           </a:p>
         </p:txBody>
@@ -5694,39 +5323,26 @@
         </p:nvSpPr>
         <p:spPr>
           <a:xfrm>
-            <a:off x="468814" y="5573290"/>
+            <a:off x="806519" y="5573290"/>
             <a:ext cx="2610862" cy="282428"/>
           </a:xfrm>
           <a:prstGeom prst="roundRect">
             <a:avLst/>
           </a:prstGeom>
-          <a:gradFill>
-            <a:gsLst>
-              <a:gs pos="0">
-                <a:schemeClr val="accent4"/>
-              </a:gs>
-              <a:gs pos="80000">
-                <a:schemeClr val="accent4"/>
-              </a:gs>
-              <a:gs pos="100000">
-                <a:schemeClr val="accent4"/>
-              </a:gs>
-            </a:gsLst>
-          </a:gradFill>
           <a:ln/>
         </p:spPr>
         <p:style>
-          <a:lnRef idx="1">
-            <a:schemeClr val="accent4"/>
-          </a:lnRef>
-          <a:fillRef idx="3">
-            <a:schemeClr val="accent4"/>
-          </a:fillRef>
-          <a:effectRef idx="2">
-            <a:schemeClr val="accent4"/>
-          </a:effectRef>
-          <a:fontRef idx="minor">
+          <a:lnRef idx="2">
+            <a:schemeClr val="dk1"/>
+          </a:lnRef>
+          <a:fillRef idx="1">
             <a:schemeClr val="lt1"/>
+          </a:fillRef>
+          <a:effectRef idx="0">
+            <a:schemeClr val="dk1"/>
+          </a:effectRef>
+          <a:fontRef idx="minor">
+            <a:schemeClr val="dk1"/>
           </a:fontRef>
         </p:style>
         <p:txBody>
@@ -5736,42 +5352,60 @@
             <a:pPr algn="ctr"/>
             <a:r>
               <a:rPr lang="en-US" sz="1000" dirty="0" err="1">
-                <a:latin typeface="Arial" panose="020B0604020202020204" pitchFamily="34" charset="0"/>
-                <a:cs typeface="Arial" panose="020B0604020202020204" pitchFamily="34" charset="0"/>
-              </a:rPr>
-              <a:t>Identificação</a:t>
+                <a:solidFill>
+                  <a:schemeClr val="tx1"/>
+                </a:solidFill>
+                <a:latin typeface="Times New Roman" panose="02020603050405020304" pitchFamily="18" charset="0"/>
+                <a:cs typeface="Times New Roman" panose="02020603050405020304" pitchFamily="18" charset="0"/>
+              </a:rPr>
+              <a:t>Avaliação</a:t>
             </a:r>
             <a:r>
               <a:rPr lang="en-US" sz="1000" dirty="0">
-                <a:latin typeface="Arial" panose="020B0604020202020204" pitchFamily="34" charset="0"/>
-                <a:cs typeface="Arial" panose="020B0604020202020204" pitchFamily="34" charset="0"/>
-              </a:rPr>
-              <a:t> das </a:t>
+                <a:solidFill>
+                  <a:schemeClr val="tx1"/>
+                </a:solidFill>
+                <a:latin typeface="Times New Roman" panose="02020603050405020304" pitchFamily="18" charset="0"/>
+                <a:cs typeface="Times New Roman" panose="02020603050405020304" pitchFamily="18" charset="0"/>
+              </a:rPr>
+              <a:t> da </a:t>
             </a:r>
             <a:r>
               <a:rPr lang="en-US" sz="1000" dirty="0" err="1">
-                <a:latin typeface="Arial" panose="020B0604020202020204" pitchFamily="34" charset="0"/>
-                <a:cs typeface="Arial" panose="020B0604020202020204" pitchFamily="34" charset="0"/>
+                <a:solidFill>
+                  <a:schemeClr val="tx1"/>
+                </a:solidFill>
+                <a:latin typeface="Times New Roman" panose="02020603050405020304" pitchFamily="18" charset="0"/>
+                <a:cs typeface="Times New Roman" panose="02020603050405020304" pitchFamily="18" charset="0"/>
+              </a:rPr>
+              <a:t>Robustez</a:t>
+            </a:r>
+            <a:r>
+              <a:rPr lang="en-US" sz="1000" dirty="0">
+                <a:solidFill>
+                  <a:schemeClr val="tx1"/>
+                </a:solidFill>
+                <a:latin typeface="Times New Roman" panose="02020603050405020304" pitchFamily="18" charset="0"/>
+                <a:cs typeface="Times New Roman" panose="02020603050405020304" pitchFamily="18" charset="0"/>
+              </a:rPr>
+              <a:t> de </a:t>
+            </a:r>
+            <a:r>
+              <a:rPr lang="en-US" sz="1000" dirty="0" err="1">
+                <a:solidFill>
+                  <a:schemeClr val="tx1"/>
+                </a:solidFill>
+                <a:latin typeface="Times New Roman" panose="02020603050405020304" pitchFamily="18" charset="0"/>
+                <a:cs typeface="Times New Roman" panose="02020603050405020304" pitchFamily="18" charset="0"/>
               </a:rPr>
               <a:t>Estratégias</a:t>
             </a:r>
-            <a:r>
-              <a:rPr lang="en-US" sz="1000" dirty="0">
-                <a:latin typeface="Arial" panose="020B0604020202020204" pitchFamily="34" charset="0"/>
-                <a:cs typeface="Arial" panose="020B0604020202020204" pitchFamily="34" charset="0"/>
-              </a:rPr>
-              <a:t> para </a:t>
-            </a:r>
-            <a:r>
-              <a:rPr lang="en-US" sz="1000" dirty="0" err="1">
-                <a:latin typeface="Arial" panose="020B0604020202020204" pitchFamily="34" charset="0"/>
-                <a:cs typeface="Arial" panose="020B0604020202020204" pitchFamily="34" charset="0"/>
-              </a:rPr>
-              <a:t>Análise</a:t>
-            </a:r>
             <a:endParaRPr lang="en-US" sz="1000" dirty="0">
-              <a:latin typeface="Arial" panose="020B0604020202020204" pitchFamily="34" charset="0"/>
-              <a:cs typeface="Arial" panose="020B0604020202020204" pitchFamily="34" charset="0"/>
+              <a:solidFill>
+                <a:schemeClr val="tx1"/>
+              </a:solidFill>
+              <a:latin typeface="Times New Roman" panose="02020603050405020304" pitchFamily="18" charset="0"/>
+              <a:cs typeface="Times New Roman" panose="02020603050405020304" pitchFamily="18" charset="0"/>
             </a:endParaRPr>
           </a:p>
         </p:txBody>
@@ -5787,7 +5421,7 @@
         </p:nvCxnSpPr>
         <p:spPr>
           <a:xfrm>
-            <a:off x="1774245" y="5855718"/>
+            <a:off x="2111950" y="5855718"/>
             <a:ext cx="0" cy="178167"/>
           </a:xfrm>
           <a:prstGeom prst="straightConnector1">
@@ -5798,17 +5432,17 @@
           </a:ln>
         </p:spPr>
         <p:style>
-          <a:lnRef idx="1">
-            <a:schemeClr val="dk1"/>
-          </a:lnRef>
-          <a:fillRef idx="0">
-            <a:schemeClr val="dk1"/>
+          <a:lnRef idx="2">
+            <a:schemeClr val="dk1"/>
+          </a:lnRef>
+          <a:fillRef idx="1">
+            <a:schemeClr val="lt1"/>
           </a:fillRef>
           <a:effectRef idx="0">
             <a:schemeClr val="dk1"/>
           </a:effectRef>
           <a:fontRef idx="minor">
-            <a:schemeClr val="tx1"/>
+            <a:schemeClr val="dk1"/>
           </a:fontRef>
         </p:style>
       </p:cxnSp>
@@ -5823,7 +5457,7 @@
         </p:nvCxnSpPr>
         <p:spPr>
           <a:xfrm>
-            <a:off x="1774245" y="7776765"/>
+            <a:off x="2111950" y="7776765"/>
             <a:ext cx="0" cy="169946"/>
           </a:xfrm>
           <a:prstGeom prst="straightConnector1">
@@ -5834,17 +5468,17 @@
           </a:ln>
         </p:spPr>
         <p:style>
-          <a:lnRef idx="1">
-            <a:schemeClr val="dk1"/>
-          </a:lnRef>
-          <a:fillRef idx="0">
-            <a:schemeClr val="dk1"/>
+          <a:lnRef idx="2">
+            <a:schemeClr val="dk1"/>
+          </a:lnRef>
+          <a:fillRef idx="1">
+            <a:schemeClr val="lt1"/>
           </a:fillRef>
           <a:effectRef idx="0">
             <a:schemeClr val="dk1"/>
           </a:effectRef>
           <a:fontRef idx="minor">
-            <a:schemeClr val="tx1"/>
+            <a:schemeClr val="dk1"/>
           </a:fontRef>
         </p:style>
       </p:cxnSp>
@@ -5859,8 +5493,8 @@
         </p:nvCxnSpPr>
         <p:spPr>
           <a:xfrm>
-            <a:off x="1774245" y="4914464"/>
-            <a:ext cx="0" cy="317904"/>
+            <a:off x="2111950" y="4954122"/>
+            <a:ext cx="0" cy="278246"/>
           </a:xfrm>
           <a:prstGeom prst="straightConnector1">
             <a:avLst/>
@@ -5870,17 +5504,17 @@
           </a:ln>
         </p:spPr>
         <p:style>
-          <a:lnRef idx="1">
-            <a:schemeClr val="dk1"/>
-          </a:lnRef>
-          <a:fillRef idx="0">
-            <a:schemeClr val="dk1"/>
+          <a:lnRef idx="2">
+            <a:schemeClr val="dk1"/>
+          </a:lnRef>
+          <a:fillRef idx="1">
+            <a:schemeClr val="lt1"/>
           </a:fillRef>
           <a:effectRef idx="0">
             <a:schemeClr val="dk1"/>
           </a:effectRef>
           <a:fontRef idx="minor">
-            <a:schemeClr val="tx1"/>
+            <a:schemeClr val="dk1"/>
           </a:fontRef>
         </p:style>
       </p:cxnSp>
@@ -5895,7 +5529,7 @@
         </p:nvCxnSpPr>
         <p:spPr>
           <a:xfrm>
-            <a:off x="1774245" y="6896668"/>
+            <a:off x="2111950" y="6896668"/>
             <a:ext cx="0" cy="217743"/>
           </a:xfrm>
           <a:prstGeom prst="straightConnector1">
@@ -5906,418 +5540,17 @@
           </a:ln>
         </p:spPr>
         <p:style>
-          <a:lnRef idx="1">
-            <a:schemeClr val="dk1"/>
-          </a:lnRef>
-          <a:fillRef idx="0">
-            <a:schemeClr val="dk1"/>
+          <a:lnRef idx="2">
+            <a:schemeClr val="dk1"/>
+          </a:lnRef>
+          <a:fillRef idx="1">
+            <a:schemeClr val="lt1"/>
           </a:fillRef>
           <a:effectRef idx="0">
             <a:schemeClr val="dk1"/>
           </a:effectRef>
           <a:fontRef idx="minor">
-            <a:schemeClr val="tx1"/>
-          </a:fontRef>
-        </p:style>
-      </p:cxnSp>
-      <p:cxnSp>
-        <p:nvCxnSpPr>
-          <p:cNvPr id="67" name="Conector: Angulado 66"/>
-          <p:cNvCxnSpPr>
-            <a:stCxn id="105" idx="1"/>
-            <a:endCxn id="36" idx="1"/>
-          </p:cNvCxnSpPr>
-          <p:nvPr/>
-        </p:nvCxnSpPr>
-        <p:spPr>
-          <a:xfrm rot="10800000">
-            <a:off x="359446" y="2097013"/>
-            <a:ext cx="109369" cy="4590864"/>
-          </a:xfrm>
-          <a:prstGeom prst="bentConnector3">
-            <a:avLst>
-              <a:gd name="adj1" fmla="val 217254"/>
-            </a:avLst>
-          </a:prstGeom>
-          <a:ln>
-            <a:tailEnd type="triangle"/>
-          </a:ln>
-        </p:spPr>
-        <p:style>
-          <a:lnRef idx="1">
-            <a:schemeClr val="dk1"/>
-          </a:lnRef>
-          <a:fillRef idx="0">
-            <a:schemeClr val="dk1"/>
-          </a:fillRef>
-          <a:effectRef idx="0">
-            <a:schemeClr val="dk1"/>
-          </a:effectRef>
-          <a:fontRef idx="minor">
-            <a:schemeClr val="tx1"/>
-          </a:fontRef>
-        </p:style>
-      </p:cxnSp>
-      <p:cxnSp>
-        <p:nvCxnSpPr>
-          <p:cNvPr id="86" name="Conector: Angulado 85"/>
-          <p:cNvCxnSpPr>
-            <a:stCxn id="114" idx="1"/>
-            <a:endCxn id="36" idx="1"/>
-          </p:cNvCxnSpPr>
-          <p:nvPr/>
-        </p:nvCxnSpPr>
-        <p:spPr>
-          <a:xfrm rot="10800000">
-            <a:off x="359446" y="2097014"/>
-            <a:ext cx="109369" cy="5979341"/>
-          </a:xfrm>
-          <a:prstGeom prst="bentConnector3">
-            <a:avLst>
-              <a:gd name="adj1" fmla="val 309017"/>
-            </a:avLst>
-          </a:prstGeom>
-          <a:ln>
-            <a:tailEnd type="triangle"/>
-          </a:ln>
-        </p:spPr>
-        <p:style>
-          <a:lnRef idx="1">
-            <a:schemeClr val="dk1"/>
-          </a:lnRef>
-          <a:fillRef idx="0">
-            <a:schemeClr val="dk1"/>
-          </a:fillRef>
-          <a:effectRef idx="0">
-            <a:schemeClr val="dk1"/>
-          </a:effectRef>
-          <a:fontRef idx="minor">
-            <a:schemeClr val="tx1"/>
-          </a:fontRef>
-        </p:style>
-      </p:cxnSp>
-      <p:sp>
-        <p:nvSpPr>
-          <p:cNvPr id="93" name="Retângulo de cantos arredondados 6"/>
-          <p:cNvSpPr/>
-          <p:nvPr/>
-        </p:nvSpPr>
-        <p:spPr>
-          <a:xfrm>
-            <a:off x="359445" y="862194"/>
-            <a:ext cx="2829600" cy="242881"/>
-          </a:xfrm>
-          <a:prstGeom prst="roundRect">
-            <a:avLst/>
-          </a:prstGeom>
-          <a:ln/>
-        </p:spPr>
-        <p:style>
-          <a:lnRef idx="1">
-            <a:schemeClr val="accent4"/>
-          </a:lnRef>
-          <a:fillRef idx="3">
-            <a:schemeClr val="accent4"/>
-          </a:fillRef>
-          <a:effectRef idx="2">
-            <a:schemeClr val="accent4"/>
-          </a:effectRef>
-          <a:fontRef idx="minor">
-            <a:schemeClr val="lt1"/>
-          </a:fontRef>
-        </p:style>
-        <p:txBody>
-          <a:bodyPr rtlCol="0" anchor="t"/>
-          <a:lstStyle/>
-          <a:p>
-            <a:pPr algn="ctr"/>
-            <a:r>
-              <a:rPr lang="en-US" sz="1000" b="1" dirty="0" err="1">
-                <a:latin typeface="Arial" panose="020B0604020202020204" pitchFamily="34" charset="0"/>
-                <a:cs typeface="Arial" panose="020B0604020202020204" pitchFamily="34" charset="0"/>
-              </a:rPr>
-              <a:t>Etapas</a:t>
-            </a:r>
-            <a:r>
-              <a:rPr lang="en-US" sz="1000" b="1" dirty="0">
-                <a:latin typeface="Arial" panose="020B0604020202020204" pitchFamily="34" charset="0"/>
-                <a:cs typeface="Arial" panose="020B0604020202020204" pitchFamily="34" charset="0"/>
-              </a:rPr>
-              <a:t> do RDM</a:t>
-            </a:r>
-          </a:p>
-        </p:txBody>
-      </p:sp>
-      <p:sp>
-        <p:nvSpPr>
-          <p:cNvPr id="94" name="Retângulo de cantos arredondados 6"/>
-          <p:cNvSpPr/>
-          <p:nvPr/>
-        </p:nvSpPr>
-        <p:spPr>
-          <a:xfrm>
-            <a:off x="3357372" y="862194"/>
-            <a:ext cx="2160240" cy="242881"/>
-          </a:xfrm>
-          <a:prstGeom prst="roundRect">
-            <a:avLst/>
-          </a:prstGeom>
-          <a:ln>
-            <a:noFill/>
-          </a:ln>
-        </p:spPr>
-        <p:style>
-          <a:lnRef idx="1">
-            <a:schemeClr val="dk1"/>
-          </a:lnRef>
-          <a:fillRef idx="2">
-            <a:schemeClr val="dk1"/>
-          </a:fillRef>
-          <a:effectRef idx="1">
-            <a:schemeClr val="dk1"/>
-          </a:effectRef>
-          <a:fontRef idx="minor">
-            <a:schemeClr val="dk1"/>
-          </a:fontRef>
-        </p:style>
-        <p:txBody>
-          <a:bodyPr rtlCol="0" anchor="ctr"/>
-          <a:lstStyle/>
-          <a:p>
-            <a:pPr algn="ctr"/>
-            <a:r>
-              <a:rPr lang="pt-BR" sz="1100" b="1" dirty="0">
-                <a:latin typeface="Arial" panose="020B0604020202020204" pitchFamily="34" charset="0"/>
-                <a:cs typeface="Arial" panose="020B0604020202020204" pitchFamily="34" charset="0"/>
-              </a:rPr>
-              <a:t>Etapas do Método de Modelagem</a:t>
-            </a:r>
-          </a:p>
-        </p:txBody>
-      </p:sp>
-      <p:sp>
-        <p:nvSpPr>
-          <p:cNvPr id="98" name="Retângulo de cantos arredondados 6"/>
-          <p:cNvSpPr/>
-          <p:nvPr/>
-        </p:nvSpPr>
-        <p:spPr>
-          <a:xfrm>
-            <a:off x="3561962" y="3264210"/>
-            <a:ext cx="1785323" cy="606377"/>
-          </a:xfrm>
-          <a:prstGeom prst="roundRect">
-            <a:avLst/>
-          </a:prstGeom>
-          <a:ln>
-            <a:noFill/>
-          </a:ln>
-        </p:spPr>
-        <p:style>
-          <a:lnRef idx="1">
-            <a:schemeClr val="dk1"/>
-          </a:lnRef>
-          <a:fillRef idx="2">
-            <a:schemeClr val="dk1"/>
-          </a:fillRef>
-          <a:effectRef idx="1">
-            <a:schemeClr val="dk1"/>
-          </a:effectRef>
-          <a:fontRef idx="minor">
-            <a:schemeClr val="dk1"/>
-          </a:fontRef>
-        </p:style>
-        <p:txBody>
-          <a:bodyPr rtlCol="0" anchor="ctr"/>
-          <a:lstStyle/>
-          <a:p>
-            <a:pPr algn="ctr"/>
-            <a:r>
-              <a:rPr lang="pt-BR" sz="1100" dirty="0">
-                <a:latin typeface="Arial" panose="020B0604020202020204" pitchFamily="34" charset="0"/>
-                <a:cs typeface="Arial" panose="020B0604020202020204" pitchFamily="34" charset="0"/>
-              </a:rPr>
-              <a:t>Formulação do Modelo</a:t>
-            </a:r>
-          </a:p>
-        </p:txBody>
-      </p:sp>
-      <p:sp>
-        <p:nvSpPr>
-          <p:cNvPr id="99" name="Retângulo de cantos arredondados 6"/>
-          <p:cNvSpPr/>
-          <p:nvPr/>
-        </p:nvSpPr>
-        <p:spPr>
-          <a:xfrm>
-            <a:off x="3490120" y="4031432"/>
-            <a:ext cx="1785323" cy="477229"/>
-          </a:xfrm>
-          <a:prstGeom prst="roundRect">
-            <a:avLst/>
-          </a:prstGeom>
-          <a:ln>
-            <a:noFill/>
-          </a:ln>
-        </p:spPr>
-        <p:style>
-          <a:lnRef idx="1">
-            <a:schemeClr val="dk1"/>
-          </a:lnRef>
-          <a:fillRef idx="2">
-            <a:schemeClr val="dk1"/>
-          </a:fillRef>
-          <a:effectRef idx="1">
-            <a:schemeClr val="dk1"/>
-          </a:effectRef>
-          <a:fontRef idx="minor">
-            <a:schemeClr val="dk1"/>
-          </a:fontRef>
-        </p:style>
-        <p:txBody>
-          <a:bodyPr rtlCol="0" anchor="ctr"/>
-          <a:lstStyle/>
-          <a:p>
-            <a:pPr algn="ctr"/>
-            <a:r>
-              <a:rPr lang="pt-BR" sz="1100" dirty="0">
-                <a:latin typeface="Arial" panose="020B0604020202020204" pitchFamily="34" charset="0"/>
-                <a:cs typeface="Arial" panose="020B0604020202020204" pitchFamily="34" charset="0"/>
-              </a:rPr>
-              <a:t>Implementação do modelo Computacional</a:t>
-            </a:r>
-          </a:p>
-        </p:txBody>
-      </p:sp>
-      <p:sp>
-        <p:nvSpPr>
-          <p:cNvPr id="100" name="Retângulo de cantos arredondados 6"/>
-          <p:cNvSpPr/>
-          <p:nvPr/>
-        </p:nvSpPr>
-        <p:spPr>
-          <a:xfrm>
-            <a:off x="3692087" y="5456773"/>
-            <a:ext cx="1785323" cy="624147"/>
-          </a:xfrm>
-          <a:prstGeom prst="roundRect">
-            <a:avLst/>
-          </a:prstGeom>
-          <a:ln>
-            <a:noFill/>
-          </a:ln>
-        </p:spPr>
-        <p:style>
-          <a:lnRef idx="1">
-            <a:schemeClr val="dk1"/>
-          </a:lnRef>
-          <a:fillRef idx="2">
-            <a:schemeClr val="dk1"/>
-          </a:fillRef>
-          <a:effectRef idx="1">
-            <a:schemeClr val="dk1"/>
-          </a:effectRef>
-          <a:fontRef idx="minor">
-            <a:schemeClr val="dk1"/>
-          </a:fontRef>
-        </p:style>
-        <p:txBody>
-          <a:bodyPr rtlCol="0" anchor="ctr"/>
-          <a:lstStyle/>
-          <a:p>
-            <a:pPr algn="ctr"/>
-            <a:r>
-              <a:rPr lang="pt-BR" sz="1100" dirty="0">
-                <a:latin typeface="Arial" panose="020B0604020202020204" pitchFamily="34" charset="0"/>
-                <a:cs typeface="Arial" panose="020B0604020202020204" pitchFamily="34" charset="0"/>
-              </a:rPr>
-              <a:t>Execução do Modelo Computacional</a:t>
-            </a:r>
-          </a:p>
-        </p:txBody>
-      </p:sp>
-      <p:sp>
-        <p:nvSpPr>
-          <p:cNvPr id="101" name="Retângulo de cantos arredondados 6"/>
-          <p:cNvSpPr/>
-          <p:nvPr/>
-        </p:nvSpPr>
-        <p:spPr>
-          <a:xfrm>
-            <a:off x="3591415" y="7634637"/>
-            <a:ext cx="1785323" cy="624147"/>
-          </a:xfrm>
-          <a:prstGeom prst="roundRect">
-            <a:avLst/>
-          </a:prstGeom>
-          <a:ln>
-            <a:noFill/>
-          </a:ln>
-        </p:spPr>
-        <p:style>
-          <a:lnRef idx="1">
-            <a:schemeClr val="dk1"/>
-          </a:lnRef>
-          <a:fillRef idx="2">
-            <a:schemeClr val="dk1"/>
-          </a:fillRef>
-          <a:effectRef idx="1">
-            <a:schemeClr val="dk1"/>
-          </a:effectRef>
-          <a:fontRef idx="minor">
-            <a:schemeClr val="dk1"/>
-          </a:fontRef>
-        </p:style>
-        <p:txBody>
-          <a:bodyPr rtlCol="0" anchor="ctr"/>
-          <a:lstStyle/>
-          <a:p>
-            <a:pPr algn="ctr"/>
-            <a:r>
-              <a:rPr lang="pt-BR" sz="1100" dirty="0">
-                <a:latin typeface="Arial" panose="020B0604020202020204" pitchFamily="34" charset="0"/>
-                <a:cs typeface="Arial" panose="020B0604020202020204" pitchFamily="34" charset="0"/>
-              </a:rPr>
-              <a:t>Análise dos Resultados</a:t>
-            </a:r>
-          </a:p>
-        </p:txBody>
-      </p:sp>
-      <p:cxnSp>
-        <p:nvCxnSpPr>
-          <p:cNvPr id="118" name="Conector: Angulado 117"/>
-          <p:cNvCxnSpPr>
-            <a:stCxn id="37" idx="3"/>
-            <a:endCxn id="98" idx="1"/>
-          </p:cNvCxnSpPr>
-          <p:nvPr/>
-        </p:nvCxnSpPr>
-        <p:spPr>
-          <a:xfrm flipV="1">
-            <a:off x="3189045" y="3567399"/>
-            <a:ext cx="372917" cy="549079"/>
-          </a:xfrm>
-          <a:prstGeom prst="bentConnector3">
-            <a:avLst>
-              <a:gd name="adj1" fmla="val 50000"/>
-            </a:avLst>
-          </a:prstGeom>
-          <a:ln>
-            <a:tailEnd type="triangle"/>
-          </a:ln>
-        </p:spPr>
-        <p:style>
-          <a:lnRef idx="2">
-            <a:schemeClr val="accent4"/>
-          </a:lnRef>
-          <a:fillRef idx="0">
-            <a:schemeClr val="accent4"/>
-          </a:fillRef>
-          <a:effectRef idx="1">
-            <a:schemeClr val="accent4"/>
-          </a:effectRef>
-          <a:fontRef idx="minor">
-            <a:schemeClr val="tx1"/>
+            <a:schemeClr val="dk1"/>
           </a:fontRef>
         </p:style>
       </p:cxnSp>
@@ -6326,14 +5559,14 @@
           <p:cNvPr id="120" name="Conector: Angulado 119"/>
           <p:cNvCxnSpPr>
             <a:stCxn id="37" idx="3"/>
-            <a:endCxn id="99" idx="1"/>
+            <a:endCxn id="59" idx="1"/>
           </p:cNvCxnSpPr>
           <p:nvPr/>
         </p:nvCxnSpPr>
         <p:spPr>
-          <a:xfrm>
-            <a:off x="3189045" y="4116478"/>
-            <a:ext cx="301075" cy="153569"/>
+          <a:xfrm flipV="1">
+            <a:off x="3526750" y="3633759"/>
+            <a:ext cx="289079" cy="482719"/>
           </a:xfrm>
           <a:prstGeom prst="bentConnector3">
             <a:avLst>
@@ -6346,16 +5579,16 @@
         </p:spPr>
         <p:style>
           <a:lnRef idx="2">
-            <a:schemeClr val="accent4"/>
-          </a:lnRef>
-          <a:fillRef idx="0">
-            <a:schemeClr val="accent4"/>
-          </a:fillRef>
-          <a:effectRef idx="1">
-            <a:schemeClr val="accent4"/>
-          </a:effectRef>
-          <a:fontRef idx="minor">
-            <a:schemeClr val="tx1"/>
+            <a:schemeClr val="dk1"/>
+          </a:lnRef>
+          <a:fillRef idx="1">
+            <a:schemeClr val="lt1"/>
+          </a:fillRef>
+          <a:effectRef idx="0">
+            <a:schemeClr val="dk1"/>
+          </a:effectRef>
+          <a:fontRef idx="minor">
+            <a:schemeClr val="dk1"/>
           </a:fontRef>
         </p:style>
       </p:cxnSp>
@@ -6367,39 +5600,26 @@
         </p:nvSpPr>
         <p:spPr>
           <a:xfrm>
-            <a:off x="628817" y="4715107"/>
+            <a:off x="966522" y="4754765"/>
             <a:ext cx="2290856" cy="199357"/>
           </a:xfrm>
           <a:prstGeom prst="roundRect">
             <a:avLst/>
           </a:prstGeom>
-          <a:gradFill>
-            <a:gsLst>
-              <a:gs pos="0">
-                <a:schemeClr val="accent4"/>
-              </a:gs>
-              <a:gs pos="80000">
-                <a:schemeClr val="accent4"/>
-              </a:gs>
-              <a:gs pos="100000">
-                <a:schemeClr val="accent4"/>
-              </a:gs>
-            </a:gsLst>
-          </a:gradFill>
           <a:ln/>
         </p:spPr>
         <p:style>
-          <a:lnRef idx="1">
-            <a:schemeClr val="accent4"/>
-          </a:lnRef>
-          <a:fillRef idx="3">
-            <a:schemeClr val="accent4"/>
-          </a:fillRef>
-          <a:effectRef idx="2">
-            <a:schemeClr val="accent4"/>
-          </a:effectRef>
-          <a:fontRef idx="minor">
+          <a:lnRef idx="2">
+            <a:schemeClr val="dk1"/>
+          </a:lnRef>
+          <a:fillRef idx="1">
             <a:schemeClr val="lt1"/>
+          </a:fillRef>
+          <a:effectRef idx="0">
+            <a:schemeClr val="dk1"/>
+          </a:effectRef>
+          <a:fontRef idx="minor">
+            <a:schemeClr val="dk1"/>
           </a:fontRef>
         </p:style>
         <p:txBody>
@@ -6409,28 +5629,40 @@
             <a:pPr algn="ctr"/>
             <a:r>
               <a:rPr lang="en-US" sz="1000" dirty="0" err="1">
-                <a:latin typeface="Arial" panose="020B0604020202020204" pitchFamily="34" charset="0"/>
-                <a:cs typeface="Arial" panose="020B0604020202020204" pitchFamily="34" charset="0"/>
+                <a:solidFill>
+                  <a:schemeClr val="tx1"/>
+                </a:solidFill>
+                <a:latin typeface="Times New Roman" panose="02020603050405020304" pitchFamily="18" charset="0"/>
+                <a:cs typeface="Times New Roman" panose="02020603050405020304" pitchFamily="18" charset="0"/>
               </a:rPr>
               <a:t>Avaliação</a:t>
             </a:r>
             <a:r>
               <a:rPr lang="en-US" sz="1000" dirty="0">
-                <a:latin typeface="Arial" panose="020B0604020202020204" pitchFamily="34" charset="0"/>
-                <a:cs typeface="Arial" panose="020B0604020202020204" pitchFamily="34" charset="0"/>
+                <a:solidFill>
+                  <a:schemeClr val="tx1"/>
+                </a:solidFill>
+                <a:latin typeface="Times New Roman" panose="02020603050405020304" pitchFamily="18" charset="0"/>
+                <a:cs typeface="Times New Roman" panose="02020603050405020304" pitchFamily="18" charset="0"/>
               </a:rPr>
               <a:t> do </a:t>
             </a:r>
             <a:r>
               <a:rPr lang="en-US" sz="1000" dirty="0" err="1">
-                <a:latin typeface="Arial" panose="020B0604020202020204" pitchFamily="34" charset="0"/>
-                <a:cs typeface="Arial" panose="020B0604020202020204" pitchFamily="34" charset="0"/>
+                <a:solidFill>
+                  <a:schemeClr val="tx1"/>
+                </a:solidFill>
+                <a:latin typeface="Times New Roman" panose="02020603050405020304" pitchFamily="18" charset="0"/>
+                <a:cs typeface="Times New Roman" panose="02020603050405020304" pitchFamily="18" charset="0"/>
               </a:rPr>
               <a:t>Modelo</a:t>
             </a:r>
             <a:endParaRPr lang="en-US" sz="1000" dirty="0">
-              <a:latin typeface="Arial" panose="020B0604020202020204" pitchFamily="34" charset="0"/>
-              <a:cs typeface="Arial" panose="020B0604020202020204" pitchFamily="34" charset="0"/>
+              <a:solidFill>
+                <a:schemeClr val="tx1"/>
+              </a:solidFill>
+              <a:latin typeface="Times New Roman" panose="02020603050405020304" pitchFamily="18" charset="0"/>
+              <a:cs typeface="Times New Roman" panose="02020603050405020304" pitchFamily="18" charset="0"/>
             </a:endParaRPr>
           </a:p>
         </p:txBody>
@@ -6446,7 +5678,7 @@
         </p:nvCxnSpPr>
         <p:spPr>
           <a:xfrm>
-            <a:off x="1774245" y="4503865"/>
+            <a:off x="2111950" y="4543523"/>
             <a:ext cx="0" cy="211242"/>
           </a:xfrm>
           <a:prstGeom prst="straightConnector1">
@@ -6457,17 +5689,17 @@
           </a:ln>
         </p:spPr>
         <p:style>
-          <a:lnRef idx="1">
-            <a:schemeClr val="dk1"/>
-          </a:lnRef>
-          <a:fillRef idx="0">
-            <a:schemeClr val="dk1"/>
+          <a:lnRef idx="2">
+            <a:schemeClr val="dk1"/>
+          </a:lnRef>
+          <a:fillRef idx="1">
+            <a:schemeClr val="lt1"/>
           </a:fillRef>
           <a:effectRef idx="0">
             <a:schemeClr val="dk1"/>
           </a:effectRef>
           <a:fontRef idx="minor">
-            <a:schemeClr val="tx1"/>
+            <a:schemeClr val="dk1"/>
           </a:fontRef>
         </p:style>
       </p:cxnSp>
@@ -6482,8 +5714,8 @@
         </p:nvCxnSpPr>
         <p:spPr>
           <a:xfrm rot="10800000">
-            <a:off x="628817" y="3627972"/>
-            <a:ext cx="12700" cy="1186814"/>
+            <a:off x="966522" y="3627972"/>
+            <a:ext cx="12700" cy="1226472"/>
           </a:xfrm>
           <a:prstGeom prst="bentConnector3">
             <a:avLst>
@@ -6495,26 +5727,457 @@
           </a:ln>
         </p:spPr>
         <p:style>
-          <a:lnRef idx="1">
-            <a:schemeClr val="dk1"/>
-          </a:lnRef>
-          <a:fillRef idx="0">
-            <a:schemeClr val="dk1"/>
+          <a:lnRef idx="2">
+            <a:schemeClr val="dk1"/>
+          </a:lnRef>
+          <a:fillRef idx="1">
+            <a:schemeClr val="lt1"/>
           </a:fillRef>
           <a:effectRef idx="0">
             <a:schemeClr val="dk1"/>
           </a:effectRef>
           <a:fontRef idx="minor">
-            <a:schemeClr val="tx1"/>
+            <a:schemeClr val="dk1"/>
           </a:fontRef>
         </p:style>
       </p:cxnSp>
       <p:sp>
         <p:nvSpPr>
-          <p:cNvPr id="58" name="Retângulo de cantos arredondados 6">
+          <p:cNvPr id="59" name="Retângulo de cantos arredondados 6"/>
+          <p:cNvSpPr/>
+          <p:nvPr/>
+        </p:nvSpPr>
+        <p:spPr>
+          <a:xfrm>
+            <a:off x="3815829" y="3301001"/>
+            <a:ext cx="1785124" cy="665515"/>
+          </a:xfrm>
+          <a:prstGeom prst="roundRect">
+            <a:avLst/>
+          </a:prstGeom>
+          <a:ln/>
+        </p:spPr>
+        <p:style>
+          <a:lnRef idx="2">
+            <a:schemeClr val="dk1"/>
+          </a:lnRef>
+          <a:fillRef idx="1">
+            <a:schemeClr val="lt1"/>
+          </a:fillRef>
+          <a:effectRef idx="0">
+            <a:schemeClr val="dk1"/>
+          </a:effectRef>
+          <a:fontRef idx="minor">
+            <a:schemeClr val="dk1"/>
+          </a:fontRef>
+        </p:style>
+        <p:txBody>
+          <a:bodyPr rtlCol="0" anchor="ctr"/>
+          <a:lstStyle/>
+          <a:p>
+            <a:pPr algn="ctr"/>
+            <a:r>
+              <a:rPr lang="pt-BR" sz="1100" dirty="0">
+                <a:solidFill>
+                  <a:schemeClr val="tx1"/>
+                </a:solidFill>
+                <a:latin typeface="Times New Roman" panose="02020603050405020304" pitchFamily="18" charset="0"/>
+                <a:cs typeface="Times New Roman" panose="02020603050405020304" pitchFamily="18" charset="0"/>
+              </a:rPr>
+              <a:t>Simulação de Dinâmica de Sistemas</a:t>
+            </a:r>
+          </a:p>
+        </p:txBody>
+      </p:sp>
+      <p:sp>
+        <p:nvSpPr>
+          <p:cNvPr id="60" name="Retângulo de cantos arredondados 6"/>
+          <p:cNvSpPr/>
+          <p:nvPr/>
+        </p:nvSpPr>
+        <p:spPr>
+          <a:xfrm>
+            <a:off x="3815829" y="5971032"/>
+            <a:ext cx="1785124" cy="360000"/>
+          </a:xfrm>
+          <a:prstGeom prst="roundRect">
+            <a:avLst/>
+          </a:prstGeom>
+          <a:ln/>
+        </p:spPr>
+        <p:style>
+          <a:lnRef idx="2">
+            <a:schemeClr val="dk1"/>
+          </a:lnRef>
+          <a:fillRef idx="1">
+            <a:schemeClr val="lt1"/>
+          </a:fillRef>
+          <a:effectRef idx="0">
+            <a:schemeClr val="dk1"/>
+          </a:effectRef>
+          <a:fontRef idx="minor">
+            <a:schemeClr val="dk1"/>
+          </a:fontRef>
+        </p:style>
+        <p:txBody>
+          <a:bodyPr rtlCol="0" anchor="ctr"/>
+          <a:lstStyle/>
+          <a:p>
+            <a:pPr algn="ctr"/>
+            <a:r>
+              <a:rPr lang="pt-BR" sz="1100" dirty="0" err="1">
+                <a:solidFill>
+                  <a:schemeClr val="tx1"/>
+                </a:solidFill>
+                <a:latin typeface="Times New Roman" panose="02020603050405020304" pitchFamily="18" charset="0"/>
+                <a:cs typeface="Times New Roman" panose="02020603050405020304" pitchFamily="18" charset="0"/>
+              </a:rPr>
+              <a:t>Random</a:t>
+            </a:r>
+            <a:r>
+              <a:rPr lang="pt-BR" sz="1100" dirty="0">
+                <a:solidFill>
+                  <a:schemeClr val="tx1"/>
+                </a:solidFill>
+                <a:latin typeface="Times New Roman" panose="02020603050405020304" pitchFamily="18" charset="0"/>
+                <a:cs typeface="Times New Roman" panose="02020603050405020304" pitchFamily="18" charset="0"/>
+              </a:rPr>
+              <a:t> </a:t>
+            </a:r>
+            <a:r>
+              <a:rPr lang="pt-BR" sz="1100" dirty="0" err="1">
+                <a:solidFill>
+                  <a:schemeClr val="tx1"/>
+                </a:solidFill>
+                <a:latin typeface="Times New Roman" panose="02020603050405020304" pitchFamily="18" charset="0"/>
+                <a:cs typeface="Times New Roman" panose="02020603050405020304" pitchFamily="18" charset="0"/>
+              </a:rPr>
+              <a:t>Forests</a:t>
+            </a:r>
+            <a:endParaRPr lang="pt-BR" sz="1100" dirty="0">
+              <a:solidFill>
+                <a:schemeClr val="tx1"/>
+              </a:solidFill>
+              <a:latin typeface="Times New Roman" panose="02020603050405020304" pitchFamily="18" charset="0"/>
+              <a:cs typeface="Times New Roman" panose="02020603050405020304" pitchFamily="18" charset="0"/>
+            </a:endParaRPr>
+          </a:p>
+        </p:txBody>
+      </p:sp>
+      <p:sp>
+        <p:nvSpPr>
+          <p:cNvPr id="61" name="Retângulo de cantos arredondados 6"/>
+          <p:cNvSpPr/>
+          <p:nvPr/>
+        </p:nvSpPr>
+        <p:spPr>
+          <a:xfrm>
+            <a:off x="3815829" y="7423190"/>
+            <a:ext cx="1785124" cy="620860"/>
+          </a:xfrm>
+          <a:prstGeom prst="roundRect">
+            <a:avLst/>
+          </a:prstGeom>
+          <a:ln/>
+        </p:spPr>
+        <p:style>
+          <a:lnRef idx="2">
+            <a:schemeClr val="dk1"/>
+          </a:lnRef>
+          <a:fillRef idx="1">
+            <a:schemeClr val="lt1"/>
+          </a:fillRef>
+          <a:effectRef idx="0">
+            <a:schemeClr val="dk1"/>
+          </a:effectRef>
+          <a:fontRef idx="minor">
+            <a:schemeClr val="dk1"/>
+          </a:fontRef>
+        </p:style>
+        <p:txBody>
+          <a:bodyPr rtlCol="0" anchor="ctr"/>
+          <a:lstStyle/>
+          <a:p>
+            <a:pPr algn="ctr"/>
+            <a:r>
+              <a:rPr lang="pt-BR" sz="1100" dirty="0">
+                <a:solidFill>
+                  <a:schemeClr val="tx1"/>
+                </a:solidFill>
+                <a:latin typeface="Times New Roman" panose="02020603050405020304" pitchFamily="18" charset="0"/>
+                <a:cs typeface="Times New Roman" panose="02020603050405020304" pitchFamily="18" charset="0"/>
+              </a:rPr>
+              <a:t>Análise de Tradeoff – </a:t>
+            </a:r>
+          </a:p>
+          <a:p>
+            <a:pPr algn="ctr"/>
+            <a:r>
+              <a:rPr lang="pt-BR" sz="1100" dirty="0">
+                <a:solidFill>
+                  <a:schemeClr val="tx1"/>
+                </a:solidFill>
+                <a:latin typeface="Times New Roman" panose="02020603050405020304" pitchFamily="18" charset="0"/>
+                <a:cs typeface="Times New Roman" panose="02020603050405020304" pitchFamily="18" charset="0"/>
+              </a:rPr>
+              <a:t>Valor Esperado das Estratégias</a:t>
+            </a:r>
+          </a:p>
+        </p:txBody>
+      </p:sp>
+      <p:sp>
+        <p:nvSpPr>
+          <p:cNvPr id="65" name="Retângulo de cantos arredondados 6"/>
+          <p:cNvSpPr/>
+          <p:nvPr/>
+        </p:nvSpPr>
+        <p:spPr>
+          <a:xfrm>
+            <a:off x="3815829" y="6882911"/>
+            <a:ext cx="1785124" cy="360000"/>
+          </a:xfrm>
+          <a:prstGeom prst="roundRect">
+            <a:avLst/>
+          </a:prstGeom>
+          <a:ln/>
+        </p:spPr>
+        <p:style>
+          <a:lnRef idx="2">
+            <a:schemeClr val="dk1"/>
+          </a:lnRef>
+          <a:fillRef idx="1">
+            <a:schemeClr val="lt1"/>
+          </a:fillRef>
+          <a:effectRef idx="0">
+            <a:schemeClr val="dk1"/>
+          </a:effectRef>
+          <a:fontRef idx="minor">
+            <a:schemeClr val="dk1"/>
+          </a:fontRef>
+        </p:style>
+        <p:txBody>
+          <a:bodyPr rtlCol="0" anchor="ctr"/>
+          <a:lstStyle/>
+          <a:p>
+            <a:pPr algn="ctr"/>
+            <a:r>
+              <a:rPr lang="pt-BR" sz="1100" dirty="0">
+                <a:solidFill>
+                  <a:schemeClr val="tx1"/>
+                </a:solidFill>
+                <a:latin typeface="Times New Roman" panose="02020603050405020304" pitchFamily="18" charset="0"/>
+                <a:cs typeface="Times New Roman" panose="02020603050405020304" pitchFamily="18" charset="0"/>
+              </a:rPr>
+              <a:t>Algoritmo PRIM</a:t>
+            </a:r>
+          </a:p>
+        </p:txBody>
+      </p:sp>
+      <p:cxnSp>
+        <p:nvCxnSpPr>
+          <p:cNvPr id="47" name="Conector: Angulado 46"/>
+          <p:cNvCxnSpPr>
+            <a:cxnSpLocks/>
+            <a:stCxn id="38" idx="3"/>
+            <a:endCxn id="60" idx="1"/>
+          </p:cNvCxnSpPr>
+          <p:nvPr/>
+        </p:nvCxnSpPr>
+        <p:spPr>
+          <a:xfrm>
+            <a:off x="3526750" y="6108523"/>
+            <a:ext cx="289079" cy="42509"/>
+          </a:xfrm>
+          <a:prstGeom prst="bentConnector3">
+            <a:avLst>
+              <a:gd name="adj1" fmla="val 50000"/>
+            </a:avLst>
+          </a:prstGeom>
+          <a:ln>
+            <a:tailEnd type="triangle"/>
+          </a:ln>
+        </p:spPr>
+        <p:style>
+          <a:lnRef idx="2">
+            <a:schemeClr val="dk1"/>
+          </a:lnRef>
+          <a:fillRef idx="1">
+            <a:schemeClr val="lt1"/>
+          </a:fillRef>
+          <a:effectRef idx="0">
+            <a:schemeClr val="dk1"/>
+          </a:effectRef>
+          <a:fontRef idx="minor">
+            <a:schemeClr val="dk1"/>
+          </a:fontRef>
+        </p:style>
+      </p:cxnSp>
+      <p:cxnSp>
+        <p:nvCxnSpPr>
+          <p:cNvPr id="50" name="Conector: Angulado 49"/>
+          <p:cNvCxnSpPr>
+            <a:stCxn id="38" idx="3"/>
+            <a:endCxn id="65" idx="1"/>
+          </p:cNvCxnSpPr>
+          <p:nvPr/>
+        </p:nvCxnSpPr>
+        <p:spPr>
+          <a:xfrm>
+            <a:off x="3526750" y="6108523"/>
+            <a:ext cx="289079" cy="954388"/>
+          </a:xfrm>
+          <a:prstGeom prst="bentConnector3">
+            <a:avLst>
+              <a:gd name="adj1" fmla="val 50000"/>
+            </a:avLst>
+          </a:prstGeom>
+          <a:ln>
+            <a:tailEnd type="triangle"/>
+          </a:ln>
+        </p:spPr>
+        <p:style>
+          <a:lnRef idx="2">
+            <a:schemeClr val="dk1"/>
+          </a:lnRef>
+          <a:fillRef idx="1">
+            <a:schemeClr val="lt1"/>
+          </a:fillRef>
+          <a:effectRef idx="0">
+            <a:schemeClr val="dk1"/>
+          </a:effectRef>
+          <a:fontRef idx="minor">
+            <a:schemeClr val="dk1"/>
+          </a:fontRef>
+        </p:style>
+      </p:cxnSp>
+      <p:cxnSp>
+        <p:nvCxnSpPr>
+          <p:cNvPr id="70" name="Conector: Angulado 69"/>
+          <p:cNvCxnSpPr>
+            <a:stCxn id="41" idx="3"/>
+            <a:endCxn id="61" idx="1"/>
+          </p:cNvCxnSpPr>
+          <p:nvPr/>
+        </p:nvCxnSpPr>
+        <p:spPr>
+          <a:xfrm>
+            <a:off x="3526750" y="7733620"/>
+            <a:ext cx="289079" cy="0"/>
+          </a:xfrm>
+          <a:prstGeom prst="straightConnector1">
+            <a:avLst/>
+          </a:prstGeom>
+          <a:ln>
+            <a:tailEnd type="triangle"/>
+          </a:ln>
+        </p:spPr>
+        <p:style>
+          <a:lnRef idx="2">
+            <a:schemeClr val="dk1"/>
+          </a:lnRef>
+          <a:fillRef idx="1">
+            <a:schemeClr val="lt1"/>
+          </a:fillRef>
+          <a:effectRef idx="0">
+            <a:schemeClr val="dk1"/>
+          </a:effectRef>
+          <a:fontRef idx="minor">
+            <a:schemeClr val="dk1"/>
+          </a:fontRef>
+        </p:style>
+      </p:cxnSp>
+      <p:sp>
+        <p:nvSpPr>
+          <p:cNvPr id="55" name="Retângulo de cantos arredondados 6"/>
+          <p:cNvSpPr/>
+          <p:nvPr/>
+        </p:nvSpPr>
+        <p:spPr>
+          <a:xfrm>
+            <a:off x="3815829" y="4231001"/>
+            <a:ext cx="1785124" cy="556186"/>
+          </a:xfrm>
+          <a:prstGeom prst="roundRect">
+            <a:avLst/>
+          </a:prstGeom>
+          <a:ln/>
+        </p:spPr>
+        <p:style>
+          <a:lnRef idx="2">
+            <a:schemeClr val="dk1"/>
+          </a:lnRef>
+          <a:fillRef idx="1">
+            <a:schemeClr val="lt1"/>
+          </a:fillRef>
+          <a:effectRef idx="0">
+            <a:schemeClr val="dk1"/>
+          </a:effectRef>
+          <a:fontRef idx="minor">
+            <a:schemeClr val="dk1"/>
+          </a:fontRef>
+        </p:style>
+        <p:txBody>
+          <a:bodyPr rtlCol="0" anchor="ctr"/>
+          <a:lstStyle/>
+          <a:p>
+            <a:pPr algn="ctr"/>
+            <a:r>
+              <a:rPr lang="pt-BR" sz="1100" dirty="0">
+                <a:solidFill>
+                  <a:schemeClr val="tx1"/>
+                </a:solidFill>
+                <a:latin typeface="Times New Roman" panose="02020603050405020304" pitchFamily="18" charset="0"/>
+                <a:cs typeface="Times New Roman" panose="02020603050405020304" pitchFamily="18" charset="0"/>
+              </a:rPr>
+              <a:t>Estatísticas Descritivas para Avaliação do Modelo</a:t>
+            </a:r>
+          </a:p>
+        </p:txBody>
+      </p:sp>
+      <p:cxnSp>
+        <p:nvCxnSpPr>
+          <p:cNvPr id="71" name="Conector: Angulado 70"/>
+          <p:cNvCxnSpPr>
+            <a:stCxn id="37" idx="3"/>
+            <a:endCxn id="55" idx="1"/>
+          </p:cNvCxnSpPr>
+          <p:nvPr/>
+        </p:nvCxnSpPr>
+        <p:spPr>
+          <a:xfrm>
+            <a:off x="3526750" y="4116478"/>
+            <a:ext cx="289079" cy="392616"/>
+          </a:xfrm>
+          <a:prstGeom prst="bentConnector3">
+            <a:avLst>
+              <a:gd name="adj1" fmla="val 50000"/>
+            </a:avLst>
+          </a:prstGeom>
+          <a:ln>
+            <a:tailEnd type="triangle"/>
+          </a:ln>
+        </p:spPr>
+        <p:style>
+          <a:lnRef idx="2">
+            <a:schemeClr val="dk1"/>
+          </a:lnRef>
+          <a:fillRef idx="1">
+            <a:schemeClr val="lt1"/>
+          </a:fillRef>
+          <a:effectRef idx="0">
+            <a:schemeClr val="dk1"/>
+          </a:effectRef>
+          <a:fontRef idx="minor">
+            <a:schemeClr val="dk1"/>
+          </a:fontRef>
+        </p:style>
+      </p:cxnSp>
+      <p:sp>
+        <p:nvSpPr>
+          <p:cNvPr id="72" name="Retângulo de cantos arredondados 6">
             <a:extLst>
               <a:ext uri="{FF2B5EF4-FFF2-40B4-BE49-F238E27FC236}">
-                <a16:creationId xmlns:a16="http://schemas.microsoft.com/office/drawing/2014/main" id="{2AD629CB-3FCD-42E5-940D-8B12EE4753B4}"/>
+                <a16:creationId xmlns:a16="http://schemas.microsoft.com/office/drawing/2014/main" id="{0C64E006-7D2B-4040-9A4C-51EB97542D45}"/>
               </a:ext>
             </a:extLst>
           </p:cNvPr>
@@ -6523,24 +6186,22 @@
         </p:nvSpPr>
         <p:spPr>
           <a:xfrm>
-            <a:off x="3455564" y="1349388"/>
-            <a:ext cx="1963855" cy="1667082"/>
+            <a:off x="3815829" y="5515092"/>
+            <a:ext cx="1785124" cy="360000"/>
           </a:xfrm>
           <a:prstGeom prst="roundRect">
             <a:avLst/>
           </a:prstGeom>
-          <a:ln>
-            <a:noFill/>
-          </a:ln>
-        </p:spPr>
-        <p:style>
-          <a:lnRef idx="1">
-            <a:schemeClr val="dk1"/>
-          </a:lnRef>
-          <a:fillRef idx="2">
-            <a:schemeClr val="dk1"/>
-          </a:fillRef>
-          <a:effectRef idx="1">
+          <a:ln/>
+        </p:spPr>
+        <p:style>
+          <a:lnRef idx="2">
+            <a:schemeClr val="dk1"/>
+          </a:lnRef>
+          <a:fillRef idx="1">
+            <a:schemeClr val="lt1"/>
+          </a:fillRef>
+          <a:effectRef idx="0">
             <a:schemeClr val="dk1"/>
           </a:effectRef>
           <a:fontRef idx="minor">
@@ -6554,20 +6215,68 @@
             <a:pPr algn="ctr"/>
             <a:r>
               <a:rPr lang="pt-BR" sz="1100" dirty="0">
-                <a:latin typeface="Arial" panose="020B0604020202020204" pitchFamily="34" charset="0"/>
-                <a:cs typeface="Arial" panose="020B0604020202020204" pitchFamily="34" charset="0"/>
-              </a:rPr>
-              <a:t>Definição do Problema</a:t>
-            </a:r>
-          </a:p>
-        </p:txBody>
-      </p:sp>
-      <p:sp>
-        <p:nvSpPr>
-          <p:cNvPr id="59" name="Retângulo de cantos arredondados 6">
+                <a:solidFill>
+                  <a:schemeClr val="tx1"/>
+                </a:solidFill>
+                <a:latin typeface="Times New Roman" panose="02020603050405020304" pitchFamily="18" charset="0"/>
+                <a:cs typeface="Times New Roman" panose="02020603050405020304" pitchFamily="18" charset="0"/>
+              </a:rPr>
+              <a:t>Teste t de Hipóteses</a:t>
+            </a:r>
+          </a:p>
+        </p:txBody>
+      </p:sp>
+      <p:cxnSp>
+        <p:nvCxnSpPr>
+          <p:cNvPr id="74" name="Conector: Angulado 73">
             <a:extLst>
               <a:ext uri="{FF2B5EF4-FFF2-40B4-BE49-F238E27FC236}">
-                <a16:creationId xmlns:a16="http://schemas.microsoft.com/office/drawing/2014/main" id="{1B79CA95-7D5D-4315-A53D-5952671CAE34}"/>
+                <a16:creationId xmlns:a16="http://schemas.microsoft.com/office/drawing/2014/main" id="{64226768-7245-4E96-B555-EE413BB446F4}"/>
+              </a:ext>
+            </a:extLst>
+          </p:cNvPr>
+          <p:cNvCxnSpPr>
+            <a:cxnSpLocks/>
+            <a:stCxn id="38" idx="3"/>
+            <a:endCxn id="72" idx="1"/>
+          </p:cNvCxnSpPr>
+          <p:nvPr/>
+        </p:nvCxnSpPr>
+        <p:spPr>
+          <a:xfrm flipV="1">
+            <a:off x="3526750" y="5695092"/>
+            <a:ext cx="289079" cy="413431"/>
+          </a:xfrm>
+          <a:prstGeom prst="bentConnector3">
+            <a:avLst>
+              <a:gd name="adj1" fmla="val 50000"/>
+            </a:avLst>
+          </a:prstGeom>
+          <a:ln>
+            <a:tailEnd type="triangle"/>
+          </a:ln>
+        </p:spPr>
+        <p:style>
+          <a:lnRef idx="2">
+            <a:schemeClr val="dk1"/>
+          </a:lnRef>
+          <a:fillRef idx="1">
+            <a:schemeClr val="lt1"/>
+          </a:fillRef>
+          <a:effectRef idx="0">
+            <a:schemeClr val="dk1"/>
+          </a:effectRef>
+          <a:fontRef idx="minor">
+            <a:schemeClr val="dk1"/>
+          </a:fontRef>
+        </p:style>
+      </p:cxnSp>
+      <p:sp>
+        <p:nvSpPr>
+          <p:cNvPr id="77" name="Retângulo de cantos arredondados 6">
+            <a:extLst>
+              <a:ext uri="{FF2B5EF4-FFF2-40B4-BE49-F238E27FC236}">
+                <a16:creationId xmlns:a16="http://schemas.microsoft.com/office/drawing/2014/main" id="{859283DC-A392-40ED-9980-C8BAB19F0B8B}"/>
               </a:ext>
             </a:extLst>
           </p:cNvPr>
@@ -6576,24 +6285,22 @@
         </p:nvSpPr>
         <p:spPr>
           <a:xfrm>
-            <a:off x="3477077" y="4680421"/>
-            <a:ext cx="1785323" cy="433845"/>
+            <a:off x="3815829" y="5059152"/>
+            <a:ext cx="1785124" cy="360000"/>
           </a:xfrm>
           <a:prstGeom prst="roundRect">
             <a:avLst/>
           </a:prstGeom>
-          <a:ln>
-            <a:noFill/>
-          </a:ln>
-        </p:spPr>
-        <p:style>
-          <a:lnRef idx="1">
-            <a:schemeClr val="dk1"/>
-          </a:lnRef>
-          <a:fillRef idx="2">
-            <a:schemeClr val="dk1"/>
-          </a:fillRef>
-          <a:effectRef idx="1">
+          <a:ln/>
+        </p:spPr>
+        <p:style>
+          <a:lnRef idx="2">
+            <a:schemeClr val="dk1"/>
+          </a:lnRef>
+          <a:fillRef idx="1">
+            <a:schemeClr val="lt1"/>
+          </a:fillRef>
+          <a:effectRef idx="0">
             <a:schemeClr val="dk1"/>
           </a:effectRef>
           <a:fontRef idx="minor">
@@ -6607,18 +6314,182 @@
             <a:pPr algn="ctr"/>
             <a:r>
               <a:rPr lang="pt-BR" sz="1100" dirty="0">
-                <a:latin typeface="Arial" panose="020B0604020202020204" pitchFamily="34" charset="0"/>
-                <a:cs typeface="Arial" panose="020B0604020202020204" pitchFamily="34" charset="0"/>
-              </a:rPr>
-              <a:t>Validação do Modelo Computacional</a:t>
-            </a:r>
-          </a:p>
-        </p:txBody>
-      </p:sp>
+                <a:solidFill>
+                  <a:schemeClr val="tx1"/>
+                </a:solidFill>
+                <a:latin typeface="Times New Roman" panose="02020603050405020304" pitchFamily="18" charset="0"/>
+                <a:cs typeface="Times New Roman" panose="02020603050405020304" pitchFamily="18" charset="0"/>
+              </a:rPr>
+              <a:t>Estatística Descritiva</a:t>
+            </a:r>
+          </a:p>
+        </p:txBody>
+      </p:sp>
+      <p:sp>
+        <p:nvSpPr>
+          <p:cNvPr id="82" name="Retângulo de cantos arredondados 6">
+            <a:extLst>
+              <a:ext uri="{FF2B5EF4-FFF2-40B4-BE49-F238E27FC236}">
+                <a16:creationId xmlns:a16="http://schemas.microsoft.com/office/drawing/2014/main" id="{7D28D911-FE82-44C7-8590-634B08ECF8C8}"/>
+              </a:ext>
+            </a:extLst>
+          </p:cNvPr>
+          <p:cNvSpPr/>
+          <p:nvPr/>
+        </p:nvSpPr>
+        <p:spPr>
+          <a:xfrm>
+            <a:off x="3815829" y="6426972"/>
+            <a:ext cx="1785124" cy="360000"/>
+          </a:xfrm>
+          <a:prstGeom prst="roundRect">
+            <a:avLst/>
+          </a:prstGeom>
+          <a:ln/>
+        </p:spPr>
+        <p:style>
+          <a:lnRef idx="2">
+            <a:schemeClr val="dk1"/>
+          </a:lnRef>
+          <a:fillRef idx="1">
+            <a:schemeClr val="lt1"/>
+          </a:fillRef>
+          <a:effectRef idx="0">
+            <a:schemeClr val="dk1"/>
+          </a:effectRef>
+          <a:fontRef idx="minor">
+            <a:schemeClr val="dk1"/>
+          </a:fontRef>
+        </p:style>
+        <p:txBody>
+          <a:bodyPr rtlCol="0" anchor="ctr"/>
+          <a:lstStyle/>
+          <a:p>
+            <a:pPr algn="ctr"/>
+            <a:r>
+              <a:rPr lang="pt-BR" sz="1100" dirty="0">
+                <a:solidFill>
+                  <a:schemeClr val="tx1"/>
+                </a:solidFill>
+                <a:latin typeface="Times New Roman" panose="02020603050405020304" pitchFamily="18" charset="0"/>
+                <a:cs typeface="Times New Roman" panose="02020603050405020304" pitchFamily="18" charset="0"/>
+              </a:rPr>
+              <a:t>Algoritmo </a:t>
+            </a:r>
+            <a:r>
+              <a:rPr lang="pt-BR" sz="1100" dirty="0" err="1">
+                <a:solidFill>
+                  <a:schemeClr val="tx1"/>
+                </a:solidFill>
+                <a:latin typeface="Times New Roman" panose="02020603050405020304" pitchFamily="18" charset="0"/>
+                <a:cs typeface="Times New Roman" panose="02020603050405020304" pitchFamily="18" charset="0"/>
+              </a:rPr>
+              <a:t>Boruta</a:t>
+            </a:r>
+            <a:endParaRPr lang="pt-BR" sz="1100" dirty="0">
+              <a:solidFill>
+                <a:schemeClr val="tx1"/>
+              </a:solidFill>
+              <a:latin typeface="Times New Roman" panose="02020603050405020304" pitchFamily="18" charset="0"/>
+              <a:cs typeface="Times New Roman" panose="02020603050405020304" pitchFamily="18" charset="0"/>
+            </a:endParaRPr>
+          </a:p>
+        </p:txBody>
+      </p:sp>
+      <p:cxnSp>
+        <p:nvCxnSpPr>
+          <p:cNvPr id="83" name="Conector: Angulado 82">
+            <a:extLst>
+              <a:ext uri="{FF2B5EF4-FFF2-40B4-BE49-F238E27FC236}">
+                <a16:creationId xmlns:a16="http://schemas.microsoft.com/office/drawing/2014/main" id="{E741E903-8621-478C-BD88-962677B4A291}"/>
+              </a:ext>
+            </a:extLst>
+          </p:cNvPr>
+          <p:cNvCxnSpPr>
+            <a:cxnSpLocks/>
+            <a:stCxn id="38" idx="3"/>
+            <a:endCxn id="82" idx="1"/>
+          </p:cNvCxnSpPr>
+          <p:nvPr/>
+        </p:nvCxnSpPr>
+        <p:spPr>
+          <a:xfrm>
+            <a:off x="3526750" y="6108523"/>
+            <a:ext cx="289079" cy="498449"/>
+          </a:xfrm>
+          <a:prstGeom prst="bentConnector3">
+            <a:avLst>
+              <a:gd name="adj1" fmla="val 50000"/>
+            </a:avLst>
+          </a:prstGeom>
+          <a:ln>
+            <a:tailEnd type="triangle"/>
+          </a:ln>
+        </p:spPr>
+        <p:style>
+          <a:lnRef idx="2">
+            <a:schemeClr val="dk1"/>
+          </a:lnRef>
+          <a:fillRef idx="1">
+            <a:schemeClr val="lt1"/>
+          </a:fillRef>
+          <a:effectRef idx="0">
+            <a:schemeClr val="dk1"/>
+          </a:effectRef>
+          <a:fontRef idx="minor">
+            <a:schemeClr val="dk1"/>
+          </a:fontRef>
+        </p:style>
+      </p:cxnSp>
+      <p:cxnSp>
+        <p:nvCxnSpPr>
+          <p:cNvPr id="92" name="Conector: Angulado 91">
+            <a:extLst>
+              <a:ext uri="{FF2B5EF4-FFF2-40B4-BE49-F238E27FC236}">
+                <a16:creationId xmlns:a16="http://schemas.microsoft.com/office/drawing/2014/main" id="{50A1F954-AE3F-4D12-9C01-E7993759C978}"/>
+              </a:ext>
+            </a:extLst>
+          </p:cNvPr>
+          <p:cNvCxnSpPr>
+            <a:cxnSpLocks/>
+            <a:stCxn id="38" idx="3"/>
+            <a:endCxn id="77" idx="1"/>
+          </p:cNvCxnSpPr>
+          <p:nvPr/>
+        </p:nvCxnSpPr>
+        <p:spPr>
+          <a:xfrm flipV="1">
+            <a:off x="3526750" y="5239152"/>
+            <a:ext cx="289079" cy="869371"/>
+          </a:xfrm>
+          <a:prstGeom prst="bentConnector3">
+            <a:avLst>
+              <a:gd name="adj1" fmla="val 50000"/>
+            </a:avLst>
+          </a:prstGeom>
+          <a:ln>
+            <a:tailEnd type="triangle"/>
+          </a:ln>
+        </p:spPr>
+        <p:style>
+          <a:lnRef idx="2">
+            <a:schemeClr val="dk1"/>
+          </a:lnRef>
+          <a:fillRef idx="1">
+            <a:schemeClr val="lt1"/>
+          </a:fillRef>
+          <a:effectRef idx="0">
+            <a:schemeClr val="dk1"/>
+          </a:effectRef>
+          <a:fontRef idx="minor">
+            <a:schemeClr val="dk1"/>
+          </a:fontRef>
+        </p:style>
+      </p:cxnSp>
     </p:spTree>
     <p:extLst>
       <p:ext uri="{BB962C8B-B14F-4D97-AF65-F5344CB8AC3E}">
-        <p14:creationId xmlns:p14="http://schemas.microsoft.com/office/powerpoint/2010/main" val="477443239"/>
+        <p14:creationId xmlns:p14="http://schemas.microsoft.com/office/powerpoint/2010/main" val="1373028084"/>
       </p:ext>
     </p:extLst>
   </p:cSld>
@@ -6653,6 +6524,2524 @@
         </p:nvSpPr>
         <p:spPr>
           <a:xfrm>
+            <a:off x="-89288" y="100614"/>
+            <a:ext cx="5759450" cy="8610692"/>
+          </a:xfrm>
+          <a:prstGeom prst="roundRect">
+            <a:avLst>
+              <a:gd name="adj" fmla="val 6337"/>
+            </a:avLst>
+          </a:prstGeom>
+          <a:solidFill>
+            <a:schemeClr val="bg1">
+              <a:lumMod val="95000"/>
+            </a:schemeClr>
+          </a:solidFill>
+          <a:ln>
+            <a:noFill/>
+          </a:ln>
+        </p:spPr>
+        <p:style>
+          <a:lnRef idx="1">
+            <a:schemeClr val="accent1"/>
+          </a:lnRef>
+          <a:fillRef idx="3">
+            <a:schemeClr val="accent1"/>
+          </a:fillRef>
+          <a:effectRef idx="2">
+            <a:schemeClr val="accent1"/>
+          </a:effectRef>
+          <a:fontRef idx="minor">
+            <a:schemeClr val="lt1"/>
+          </a:fontRef>
+        </p:style>
+        <p:txBody>
+          <a:bodyPr rtlCol="0" anchor="t"/>
+          <a:lstStyle/>
+          <a:p>
+            <a:pPr algn="ctr"/>
+            <a:r>
+              <a:rPr lang="pt-BR" sz="1100" b="1" dirty="0">
+                <a:solidFill>
+                  <a:schemeClr val="tx1"/>
+                </a:solidFill>
+                <a:latin typeface="Arial" panose="020B0604020202020204" pitchFamily="34" charset="0"/>
+                <a:cs typeface="Arial" panose="020B0604020202020204" pitchFamily="34" charset="0"/>
+              </a:rPr>
+              <a:t>Desenvolvimento da Instanciação – Detalhes do RDM.</a:t>
+            </a:r>
+          </a:p>
+        </p:txBody>
+      </p:sp>
+      <p:sp>
+        <p:nvSpPr>
+          <p:cNvPr id="36" name="Retângulo de cantos arredondados 6"/>
+          <p:cNvSpPr/>
+          <p:nvPr/>
+        </p:nvSpPr>
+        <p:spPr>
+          <a:xfrm>
+            <a:off x="359445" y="1152028"/>
+            <a:ext cx="2829600" cy="1889969"/>
+          </a:xfrm>
+          <a:prstGeom prst="roundRect">
+            <a:avLst/>
+          </a:prstGeom>
+          <a:ln/>
+        </p:spPr>
+        <p:style>
+          <a:lnRef idx="1">
+            <a:schemeClr val="accent4"/>
+          </a:lnRef>
+          <a:fillRef idx="3">
+            <a:schemeClr val="accent4"/>
+          </a:fillRef>
+          <a:effectRef idx="2">
+            <a:schemeClr val="accent4"/>
+          </a:effectRef>
+          <a:fontRef idx="minor">
+            <a:schemeClr val="lt1"/>
+          </a:fontRef>
+        </p:style>
+        <p:txBody>
+          <a:bodyPr rtlCol="0" anchor="t"/>
+          <a:lstStyle/>
+          <a:p>
+            <a:pPr algn="ctr"/>
+            <a:r>
+              <a:rPr lang="en-US" sz="1000" b="1" dirty="0">
+                <a:latin typeface="Arial" panose="020B0604020202020204" pitchFamily="34" charset="0"/>
+                <a:cs typeface="Arial" panose="020B0604020202020204" pitchFamily="34" charset="0"/>
+              </a:rPr>
+              <a:t>1-Estruturação do </a:t>
+            </a:r>
+            <a:r>
+              <a:rPr lang="en-US" sz="1000" b="1" dirty="0" err="1">
+                <a:latin typeface="Arial" panose="020B0604020202020204" pitchFamily="34" charset="0"/>
+                <a:cs typeface="Arial" panose="020B0604020202020204" pitchFamily="34" charset="0"/>
+              </a:rPr>
+              <a:t>Problema</a:t>
+            </a:r>
+            <a:endParaRPr lang="en-US" sz="1000" b="1" dirty="0">
+              <a:latin typeface="Arial" panose="020B0604020202020204" pitchFamily="34" charset="0"/>
+              <a:cs typeface="Arial" panose="020B0604020202020204" pitchFamily="34" charset="0"/>
+            </a:endParaRPr>
+          </a:p>
+        </p:txBody>
+      </p:sp>
+      <p:sp>
+        <p:nvSpPr>
+          <p:cNvPr id="37" name="Retângulo de cantos arredondados 6"/>
+          <p:cNvSpPr/>
+          <p:nvPr/>
+        </p:nvSpPr>
+        <p:spPr>
+          <a:xfrm>
+            <a:off x="359445" y="3133693"/>
+            <a:ext cx="2829600" cy="1965569"/>
+          </a:xfrm>
+          <a:prstGeom prst="roundRect">
+            <a:avLst/>
+          </a:prstGeom>
+          <a:ln/>
+        </p:spPr>
+        <p:style>
+          <a:lnRef idx="1">
+            <a:schemeClr val="accent4"/>
+          </a:lnRef>
+          <a:fillRef idx="3">
+            <a:schemeClr val="accent4"/>
+          </a:fillRef>
+          <a:effectRef idx="2">
+            <a:schemeClr val="accent4"/>
+          </a:effectRef>
+          <a:fontRef idx="minor">
+            <a:schemeClr val="lt1"/>
+          </a:fontRef>
+        </p:style>
+        <p:txBody>
+          <a:bodyPr rtlCol="0" anchor="t"/>
+          <a:lstStyle/>
+          <a:p>
+            <a:pPr algn="ctr"/>
+            <a:r>
+              <a:rPr lang="en-US" sz="1000" b="1" dirty="0">
+                <a:latin typeface="Arial" panose="020B0604020202020204" pitchFamily="34" charset="0"/>
+                <a:cs typeface="Arial" panose="020B0604020202020204" pitchFamily="34" charset="0"/>
+              </a:rPr>
+              <a:t>2 </a:t>
+            </a:r>
+            <a:r>
+              <a:rPr lang="en-US" sz="1000" b="1" dirty="0" err="1">
+                <a:latin typeface="Arial" panose="020B0604020202020204" pitchFamily="34" charset="0"/>
+                <a:cs typeface="Arial" panose="020B0604020202020204" pitchFamily="34" charset="0"/>
+              </a:rPr>
+              <a:t>Geração</a:t>
+            </a:r>
+            <a:r>
+              <a:rPr lang="en-US" sz="1000" b="1" dirty="0">
+                <a:latin typeface="Arial" panose="020B0604020202020204" pitchFamily="34" charset="0"/>
+                <a:cs typeface="Arial" panose="020B0604020202020204" pitchFamily="34" charset="0"/>
+              </a:rPr>
+              <a:t> de </a:t>
+            </a:r>
+            <a:r>
+              <a:rPr lang="en-US" sz="1000" b="1" dirty="0" err="1">
+                <a:latin typeface="Arial" panose="020B0604020202020204" pitchFamily="34" charset="0"/>
+                <a:cs typeface="Arial" panose="020B0604020202020204" pitchFamily="34" charset="0"/>
+              </a:rPr>
+              <a:t>Casos</a:t>
+            </a:r>
+            <a:endParaRPr lang="en-US" sz="1000" b="1" dirty="0">
+              <a:latin typeface="Arial" panose="020B0604020202020204" pitchFamily="34" charset="0"/>
+              <a:cs typeface="Arial" panose="020B0604020202020204" pitchFamily="34" charset="0"/>
+            </a:endParaRPr>
+          </a:p>
+          <a:p>
+            <a:endParaRPr lang="en-US" sz="1000" dirty="0">
+              <a:latin typeface="Arial" panose="020B0604020202020204" pitchFamily="34" charset="0"/>
+              <a:cs typeface="Arial" panose="020B0604020202020204" pitchFamily="34" charset="0"/>
+            </a:endParaRPr>
+          </a:p>
+        </p:txBody>
+      </p:sp>
+      <p:sp>
+        <p:nvSpPr>
+          <p:cNvPr id="38" name="Retângulo de cantos arredondados 6"/>
+          <p:cNvSpPr/>
+          <p:nvPr/>
+        </p:nvSpPr>
+        <p:spPr>
+          <a:xfrm>
+            <a:off x="359445" y="5232368"/>
+            <a:ext cx="2829600" cy="1752309"/>
+          </a:xfrm>
+          <a:prstGeom prst="roundRect">
+            <a:avLst/>
+          </a:prstGeom>
+          <a:ln/>
+        </p:spPr>
+        <p:style>
+          <a:lnRef idx="1">
+            <a:schemeClr val="accent4"/>
+          </a:lnRef>
+          <a:fillRef idx="3">
+            <a:schemeClr val="accent4"/>
+          </a:fillRef>
+          <a:effectRef idx="2">
+            <a:schemeClr val="accent4"/>
+          </a:effectRef>
+          <a:fontRef idx="minor">
+            <a:schemeClr val="lt1"/>
+          </a:fontRef>
+        </p:style>
+        <p:txBody>
+          <a:bodyPr rtlCol="0" anchor="t"/>
+          <a:lstStyle/>
+          <a:p>
+            <a:pPr algn="ctr"/>
+            <a:r>
+              <a:rPr lang="en-US" sz="1000" b="1" dirty="0">
+                <a:latin typeface="Arial" panose="020B0604020202020204" pitchFamily="34" charset="0"/>
+                <a:cs typeface="Arial" panose="020B0604020202020204" pitchFamily="34" charset="0"/>
+              </a:rPr>
+              <a:t>3 </a:t>
+            </a:r>
+            <a:r>
+              <a:rPr lang="en-US" sz="1000" b="1" dirty="0" err="1">
+                <a:latin typeface="Arial" panose="020B0604020202020204" pitchFamily="34" charset="0"/>
+                <a:cs typeface="Arial" panose="020B0604020202020204" pitchFamily="34" charset="0"/>
+              </a:rPr>
+              <a:t>Descoberta</a:t>
+            </a:r>
+            <a:r>
+              <a:rPr lang="en-US" sz="1000" b="1" dirty="0">
+                <a:latin typeface="Arial" panose="020B0604020202020204" pitchFamily="34" charset="0"/>
+                <a:cs typeface="Arial" panose="020B0604020202020204" pitchFamily="34" charset="0"/>
+              </a:rPr>
+              <a:t> de </a:t>
+            </a:r>
+            <a:r>
+              <a:rPr lang="en-US" sz="1000" b="1" dirty="0" err="1">
+                <a:latin typeface="Arial" panose="020B0604020202020204" pitchFamily="34" charset="0"/>
+                <a:cs typeface="Arial" panose="020B0604020202020204" pitchFamily="34" charset="0"/>
+              </a:rPr>
+              <a:t>Cenários</a:t>
+            </a:r>
+            <a:endParaRPr lang="en-US" sz="1000" b="1" dirty="0">
+              <a:latin typeface="Arial" panose="020B0604020202020204" pitchFamily="34" charset="0"/>
+              <a:cs typeface="Arial" panose="020B0604020202020204" pitchFamily="34" charset="0"/>
+            </a:endParaRPr>
+          </a:p>
+          <a:p>
+            <a:endParaRPr lang="en-US" sz="1000" dirty="0">
+              <a:latin typeface="Arial" panose="020B0604020202020204" pitchFamily="34" charset="0"/>
+              <a:cs typeface="Arial" panose="020B0604020202020204" pitchFamily="34" charset="0"/>
+            </a:endParaRPr>
+          </a:p>
+          <a:p>
+            <a:endParaRPr lang="en-US" sz="1000" dirty="0">
+              <a:latin typeface="Arial" panose="020B0604020202020204" pitchFamily="34" charset="0"/>
+              <a:cs typeface="Arial" panose="020B0604020202020204" pitchFamily="34" charset="0"/>
+            </a:endParaRPr>
+          </a:p>
+          <a:p>
+            <a:endParaRPr lang="en-US" sz="1000" dirty="0">
+              <a:latin typeface="Arial" panose="020B0604020202020204" pitchFamily="34" charset="0"/>
+              <a:cs typeface="Arial" panose="020B0604020202020204" pitchFamily="34" charset="0"/>
+            </a:endParaRPr>
+          </a:p>
+          <a:p>
+            <a:endParaRPr lang="en-US" sz="1000" dirty="0">
+              <a:latin typeface="Arial" panose="020B0604020202020204" pitchFamily="34" charset="0"/>
+              <a:cs typeface="Arial" panose="020B0604020202020204" pitchFamily="34" charset="0"/>
+            </a:endParaRPr>
+          </a:p>
+          <a:p>
+            <a:endParaRPr lang="en-US" sz="1000" dirty="0">
+              <a:latin typeface="Arial" panose="020B0604020202020204" pitchFamily="34" charset="0"/>
+              <a:cs typeface="Arial" panose="020B0604020202020204" pitchFamily="34" charset="0"/>
+            </a:endParaRPr>
+          </a:p>
+          <a:p>
+            <a:endParaRPr lang="en-US" sz="1000" dirty="0">
+              <a:latin typeface="Arial" panose="020B0604020202020204" pitchFamily="34" charset="0"/>
+              <a:cs typeface="Arial" panose="020B0604020202020204" pitchFamily="34" charset="0"/>
+            </a:endParaRPr>
+          </a:p>
+        </p:txBody>
+      </p:sp>
+      <p:sp>
+        <p:nvSpPr>
+          <p:cNvPr id="41" name="Retângulo de cantos arredondados 6"/>
+          <p:cNvSpPr/>
+          <p:nvPr/>
+        </p:nvSpPr>
+        <p:spPr>
+          <a:xfrm>
+            <a:off x="359445" y="7114411"/>
+            <a:ext cx="2829600" cy="1238418"/>
+          </a:xfrm>
+          <a:prstGeom prst="roundRect">
+            <a:avLst/>
+          </a:prstGeom>
+          <a:ln/>
+        </p:spPr>
+        <p:style>
+          <a:lnRef idx="1">
+            <a:schemeClr val="accent4"/>
+          </a:lnRef>
+          <a:fillRef idx="3">
+            <a:schemeClr val="accent4"/>
+          </a:fillRef>
+          <a:effectRef idx="2">
+            <a:schemeClr val="accent4"/>
+          </a:effectRef>
+          <a:fontRef idx="minor">
+            <a:schemeClr val="lt1"/>
+          </a:fontRef>
+        </p:style>
+        <p:txBody>
+          <a:bodyPr rtlCol="0" anchor="t"/>
+          <a:lstStyle/>
+          <a:p>
+            <a:pPr algn="ctr"/>
+            <a:r>
+              <a:rPr lang="en-US" sz="1000" b="1" dirty="0">
+                <a:latin typeface="Arial" panose="020B0604020202020204" pitchFamily="34" charset="0"/>
+                <a:cs typeface="Arial" panose="020B0604020202020204" pitchFamily="34" charset="0"/>
+              </a:rPr>
+              <a:t>4 </a:t>
+            </a:r>
+            <a:r>
+              <a:rPr lang="en-US" sz="1000" b="1" dirty="0" err="1">
+                <a:latin typeface="Arial" panose="020B0604020202020204" pitchFamily="34" charset="0"/>
+                <a:cs typeface="Arial" panose="020B0604020202020204" pitchFamily="34" charset="0"/>
+              </a:rPr>
+              <a:t>Análise</a:t>
+            </a:r>
+            <a:r>
+              <a:rPr lang="en-US" sz="1000" b="1" dirty="0">
+                <a:latin typeface="Arial" panose="020B0604020202020204" pitchFamily="34" charset="0"/>
+                <a:cs typeface="Arial" panose="020B0604020202020204" pitchFamily="34" charset="0"/>
+              </a:rPr>
+              <a:t> de Tradeoff</a:t>
+            </a:r>
+          </a:p>
+        </p:txBody>
+      </p:sp>
+      <p:cxnSp>
+        <p:nvCxnSpPr>
+          <p:cNvPr id="17" name="Conector de Seta Reta 16"/>
+          <p:cNvCxnSpPr>
+            <a:stCxn id="28" idx="2"/>
+            <a:endCxn id="37" idx="0"/>
+          </p:cNvCxnSpPr>
+          <p:nvPr/>
+        </p:nvCxnSpPr>
+        <p:spPr>
+          <a:xfrm>
+            <a:off x="1774245" y="2932232"/>
+            <a:ext cx="0" cy="201461"/>
+          </a:xfrm>
+          <a:prstGeom prst="straightConnector1">
+            <a:avLst/>
+          </a:prstGeom>
+          <a:ln>
+            <a:tailEnd type="triangle"/>
+          </a:ln>
+        </p:spPr>
+        <p:style>
+          <a:lnRef idx="1">
+            <a:schemeClr val="dk1"/>
+          </a:lnRef>
+          <a:fillRef idx="0">
+            <a:schemeClr val="dk1"/>
+          </a:fillRef>
+          <a:effectRef idx="0">
+            <a:schemeClr val="dk1"/>
+          </a:effectRef>
+          <a:fontRef idx="minor">
+            <a:schemeClr val="tx1"/>
+          </a:fontRef>
+        </p:style>
+      </p:cxnSp>
+      <p:sp>
+        <p:nvSpPr>
+          <p:cNvPr id="39" name="Retângulo de cantos arredondados 99"/>
+          <p:cNvSpPr/>
+          <p:nvPr/>
+        </p:nvSpPr>
+        <p:spPr>
+          <a:xfrm>
+            <a:off x="71413" y="431948"/>
+            <a:ext cx="5614526" cy="8146763"/>
+          </a:xfrm>
+          <a:prstGeom prst="roundRect">
+            <a:avLst>
+              <a:gd name="adj" fmla="val 6337"/>
+            </a:avLst>
+          </a:prstGeom>
+          <a:noFill/>
+          <a:ln w="12700">
+            <a:prstDash val="dash"/>
+          </a:ln>
+        </p:spPr>
+        <p:style>
+          <a:lnRef idx="2">
+            <a:schemeClr val="dk1"/>
+          </a:lnRef>
+          <a:fillRef idx="1">
+            <a:schemeClr val="lt1"/>
+          </a:fillRef>
+          <a:effectRef idx="0">
+            <a:schemeClr val="dk1"/>
+          </a:effectRef>
+          <a:fontRef idx="minor">
+            <a:schemeClr val="dk1"/>
+          </a:fontRef>
+        </p:style>
+        <p:txBody>
+          <a:bodyPr rtlCol="0" anchor="t"/>
+          <a:lstStyle/>
+          <a:p>
+            <a:pPr algn="ctr"/>
+            <a:r>
+              <a:rPr lang="pt-BR" sz="1100" b="1" dirty="0">
+                <a:solidFill>
+                  <a:schemeClr val="tx1"/>
+                </a:solidFill>
+                <a:latin typeface="Arial" panose="020B0604020202020204" pitchFamily="34" charset="0"/>
+                <a:cs typeface="Arial" panose="020B0604020202020204" pitchFamily="34" charset="0"/>
+              </a:rPr>
+              <a:t>RDM – Robust Decision Making – Visão Linear:  Etapas / Outputs</a:t>
+            </a:r>
+            <a:endParaRPr lang="pt-BR" sz="1100" b="1" dirty="0">
+              <a:latin typeface="Arial" panose="020B0604020202020204" pitchFamily="34" charset="0"/>
+              <a:cs typeface="Arial" panose="020B0604020202020204" pitchFamily="34" charset="0"/>
+            </a:endParaRPr>
+          </a:p>
+        </p:txBody>
+      </p:sp>
+      <p:sp>
+        <p:nvSpPr>
+          <p:cNvPr id="25" name="Retângulo de cantos arredondados 6"/>
+          <p:cNvSpPr/>
+          <p:nvPr/>
+        </p:nvSpPr>
+        <p:spPr>
+          <a:xfrm>
+            <a:off x="628817" y="1499675"/>
+            <a:ext cx="2290856" cy="241222"/>
+          </a:xfrm>
+          <a:prstGeom prst="roundRect">
+            <a:avLst/>
+          </a:prstGeom>
+          <a:gradFill>
+            <a:gsLst>
+              <a:gs pos="0">
+                <a:schemeClr val="accent4"/>
+              </a:gs>
+              <a:gs pos="80000">
+                <a:schemeClr val="accent4"/>
+              </a:gs>
+              <a:gs pos="100000">
+                <a:schemeClr val="accent4"/>
+              </a:gs>
+            </a:gsLst>
+          </a:gradFill>
+          <a:ln/>
+        </p:spPr>
+        <p:style>
+          <a:lnRef idx="1">
+            <a:schemeClr val="accent4"/>
+          </a:lnRef>
+          <a:fillRef idx="3">
+            <a:schemeClr val="accent4"/>
+          </a:fillRef>
+          <a:effectRef idx="2">
+            <a:schemeClr val="accent4"/>
+          </a:effectRef>
+          <a:fontRef idx="minor">
+            <a:schemeClr val="lt1"/>
+          </a:fontRef>
+        </p:style>
+        <p:txBody>
+          <a:bodyPr rtlCol="0" anchor="ctr"/>
+          <a:lstStyle/>
+          <a:p>
+            <a:pPr algn="ctr"/>
+            <a:r>
+              <a:rPr lang="en-US" sz="1000" dirty="0" err="1">
+                <a:latin typeface="Arial" panose="020B0604020202020204" pitchFamily="34" charset="0"/>
+                <a:cs typeface="Arial" panose="020B0604020202020204" pitchFamily="34" charset="0"/>
+              </a:rPr>
+              <a:t>Definição</a:t>
+            </a:r>
+            <a:r>
+              <a:rPr lang="en-US" sz="1000" dirty="0">
+                <a:latin typeface="Arial" panose="020B0604020202020204" pitchFamily="34" charset="0"/>
+                <a:cs typeface="Arial" panose="020B0604020202020204" pitchFamily="34" charset="0"/>
+              </a:rPr>
+              <a:t> de </a:t>
+            </a:r>
+            <a:r>
+              <a:rPr lang="en-US" sz="1000" dirty="0" err="1">
+                <a:latin typeface="Arial" panose="020B0604020202020204" pitchFamily="34" charset="0"/>
+                <a:cs typeface="Arial" panose="020B0604020202020204" pitchFamily="34" charset="0"/>
+              </a:rPr>
+              <a:t>Incertezas</a:t>
+            </a:r>
+            <a:r>
+              <a:rPr lang="en-US" sz="1000" dirty="0">
+                <a:latin typeface="Arial" panose="020B0604020202020204" pitchFamily="34" charset="0"/>
+                <a:cs typeface="Arial" panose="020B0604020202020204" pitchFamily="34" charset="0"/>
+              </a:rPr>
+              <a:t> (X)</a:t>
+            </a:r>
+          </a:p>
+        </p:txBody>
+      </p:sp>
+      <p:sp>
+        <p:nvSpPr>
+          <p:cNvPr id="26" name="Retângulo de cantos arredondados 6"/>
+          <p:cNvSpPr/>
+          <p:nvPr/>
+        </p:nvSpPr>
+        <p:spPr>
+          <a:xfrm>
+            <a:off x="628817" y="1896787"/>
+            <a:ext cx="2290856" cy="241222"/>
+          </a:xfrm>
+          <a:prstGeom prst="roundRect">
+            <a:avLst/>
+          </a:prstGeom>
+          <a:gradFill>
+            <a:gsLst>
+              <a:gs pos="0">
+                <a:schemeClr val="accent4"/>
+              </a:gs>
+              <a:gs pos="80000">
+                <a:schemeClr val="accent4"/>
+              </a:gs>
+              <a:gs pos="100000">
+                <a:schemeClr val="accent4"/>
+              </a:gs>
+            </a:gsLst>
+          </a:gradFill>
+          <a:ln/>
+        </p:spPr>
+        <p:style>
+          <a:lnRef idx="1">
+            <a:schemeClr val="accent4"/>
+          </a:lnRef>
+          <a:fillRef idx="3">
+            <a:schemeClr val="accent4"/>
+          </a:fillRef>
+          <a:effectRef idx="2">
+            <a:schemeClr val="accent4"/>
+          </a:effectRef>
+          <a:fontRef idx="minor">
+            <a:schemeClr val="lt1"/>
+          </a:fontRef>
+        </p:style>
+        <p:txBody>
+          <a:bodyPr rtlCol="0" anchor="ctr"/>
+          <a:lstStyle/>
+          <a:p>
+            <a:pPr algn="ctr"/>
+            <a:r>
+              <a:rPr lang="en-US" sz="1000" dirty="0" err="1">
+                <a:latin typeface="Arial" panose="020B0604020202020204" pitchFamily="34" charset="0"/>
+                <a:cs typeface="Arial" panose="020B0604020202020204" pitchFamily="34" charset="0"/>
+              </a:rPr>
+              <a:t>Definição</a:t>
+            </a:r>
+            <a:r>
+              <a:rPr lang="en-US" sz="1000" dirty="0">
+                <a:latin typeface="Arial" panose="020B0604020202020204" pitchFamily="34" charset="0"/>
+                <a:cs typeface="Arial" panose="020B0604020202020204" pitchFamily="34" charset="0"/>
+              </a:rPr>
+              <a:t> de </a:t>
+            </a:r>
+            <a:r>
+              <a:rPr lang="en-US" sz="1000" dirty="0" err="1">
+                <a:latin typeface="Arial" panose="020B0604020202020204" pitchFamily="34" charset="0"/>
+                <a:cs typeface="Arial" panose="020B0604020202020204" pitchFamily="34" charset="0"/>
+              </a:rPr>
+              <a:t>Estratégias</a:t>
+            </a:r>
+            <a:r>
+              <a:rPr lang="en-US" sz="1000" dirty="0">
+                <a:latin typeface="Arial" panose="020B0604020202020204" pitchFamily="34" charset="0"/>
+                <a:cs typeface="Arial" panose="020B0604020202020204" pitchFamily="34" charset="0"/>
+              </a:rPr>
+              <a:t> (L)</a:t>
+            </a:r>
+          </a:p>
+        </p:txBody>
+      </p:sp>
+      <p:sp>
+        <p:nvSpPr>
+          <p:cNvPr id="27" name="Retângulo de cantos arredondados 6"/>
+          <p:cNvSpPr/>
+          <p:nvPr/>
+        </p:nvSpPr>
+        <p:spPr>
+          <a:xfrm>
+            <a:off x="628817" y="2293899"/>
+            <a:ext cx="2290856" cy="241222"/>
+          </a:xfrm>
+          <a:prstGeom prst="roundRect">
+            <a:avLst/>
+          </a:prstGeom>
+          <a:gradFill>
+            <a:gsLst>
+              <a:gs pos="0">
+                <a:schemeClr val="accent4"/>
+              </a:gs>
+              <a:gs pos="80000">
+                <a:schemeClr val="accent4"/>
+              </a:gs>
+              <a:gs pos="100000">
+                <a:schemeClr val="accent4"/>
+              </a:gs>
+            </a:gsLst>
+          </a:gradFill>
+          <a:ln/>
+        </p:spPr>
+        <p:style>
+          <a:lnRef idx="1">
+            <a:schemeClr val="accent4"/>
+          </a:lnRef>
+          <a:fillRef idx="3">
+            <a:schemeClr val="accent4"/>
+          </a:fillRef>
+          <a:effectRef idx="2">
+            <a:schemeClr val="accent4"/>
+          </a:effectRef>
+          <a:fontRef idx="minor">
+            <a:schemeClr val="lt1"/>
+          </a:fontRef>
+        </p:style>
+        <p:txBody>
+          <a:bodyPr rtlCol="0" anchor="ctr"/>
+          <a:lstStyle/>
+          <a:p>
+            <a:pPr algn="ctr"/>
+            <a:r>
+              <a:rPr lang="en-US" sz="1000" dirty="0" err="1">
+                <a:latin typeface="Arial" panose="020B0604020202020204" pitchFamily="34" charset="0"/>
+                <a:cs typeface="Arial" panose="020B0604020202020204" pitchFamily="34" charset="0"/>
+              </a:rPr>
+              <a:t>Definição</a:t>
+            </a:r>
+            <a:r>
+              <a:rPr lang="en-US" sz="1000" dirty="0">
+                <a:latin typeface="Arial" panose="020B0604020202020204" pitchFamily="34" charset="0"/>
+                <a:cs typeface="Arial" panose="020B0604020202020204" pitchFamily="34" charset="0"/>
+              </a:rPr>
+              <a:t> de </a:t>
+            </a:r>
+            <a:r>
+              <a:rPr lang="en-US" sz="1000" dirty="0" err="1">
+                <a:latin typeface="Arial" panose="020B0604020202020204" pitchFamily="34" charset="0"/>
+                <a:cs typeface="Arial" panose="020B0604020202020204" pitchFamily="34" charset="0"/>
+              </a:rPr>
+              <a:t>Métricas</a:t>
+            </a:r>
+            <a:r>
+              <a:rPr lang="en-US" sz="1000" dirty="0">
+                <a:latin typeface="Arial" panose="020B0604020202020204" pitchFamily="34" charset="0"/>
+                <a:cs typeface="Arial" panose="020B0604020202020204" pitchFamily="34" charset="0"/>
+              </a:rPr>
+              <a:t> (M)</a:t>
+            </a:r>
+          </a:p>
+        </p:txBody>
+      </p:sp>
+      <p:sp>
+        <p:nvSpPr>
+          <p:cNvPr id="28" name="Retângulo de cantos arredondados 6"/>
+          <p:cNvSpPr/>
+          <p:nvPr/>
+        </p:nvSpPr>
+        <p:spPr>
+          <a:xfrm>
+            <a:off x="628817" y="2691010"/>
+            <a:ext cx="2290856" cy="241222"/>
+          </a:xfrm>
+          <a:prstGeom prst="roundRect">
+            <a:avLst/>
+          </a:prstGeom>
+          <a:gradFill>
+            <a:gsLst>
+              <a:gs pos="0">
+                <a:schemeClr val="accent4"/>
+              </a:gs>
+              <a:gs pos="80000">
+                <a:schemeClr val="accent4"/>
+              </a:gs>
+              <a:gs pos="100000">
+                <a:schemeClr val="accent4"/>
+              </a:gs>
+            </a:gsLst>
+          </a:gradFill>
+          <a:ln/>
+        </p:spPr>
+        <p:style>
+          <a:lnRef idx="1">
+            <a:schemeClr val="accent4"/>
+          </a:lnRef>
+          <a:fillRef idx="3">
+            <a:schemeClr val="accent4"/>
+          </a:fillRef>
+          <a:effectRef idx="2">
+            <a:schemeClr val="accent4"/>
+          </a:effectRef>
+          <a:fontRef idx="minor">
+            <a:schemeClr val="lt1"/>
+          </a:fontRef>
+        </p:style>
+        <p:txBody>
+          <a:bodyPr rtlCol="0" anchor="ctr"/>
+          <a:lstStyle/>
+          <a:p>
+            <a:pPr algn="ctr"/>
+            <a:r>
+              <a:rPr lang="en-US" sz="1000" dirty="0" err="1">
+                <a:latin typeface="Arial" panose="020B0604020202020204" pitchFamily="34" charset="0"/>
+                <a:cs typeface="Arial" panose="020B0604020202020204" pitchFamily="34" charset="0"/>
+              </a:rPr>
+              <a:t>Definição</a:t>
+            </a:r>
+            <a:r>
+              <a:rPr lang="en-US" sz="1000" dirty="0">
+                <a:latin typeface="Arial" panose="020B0604020202020204" pitchFamily="34" charset="0"/>
+                <a:cs typeface="Arial" panose="020B0604020202020204" pitchFamily="34" charset="0"/>
+              </a:rPr>
+              <a:t> do </a:t>
+            </a:r>
+            <a:r>
+              <a:rPr lang="en-US" sz="1000" dirty="0" err="1">
+                <a:latin typeface="Arial" panose="020B0604020202020204" pitchFamily="34" charset="0"/>
+                <a:cs typeface="Arial" panose="020B0604020202020204" pitchFamily="34" charset="0"/>
+              </a:rPr>
+              <a:t>Modelo</a:t>
+            </a:r>
+            <a:r>
+              <a:rPr lang="en-US" sz="1000" dirty="0">
+                <a:latin typeface="Arial" panose="020B0604020202020204" pitchFamily="34" charset="0"/>
+                <a:cs typeface="Arial" panose="020B0604020202020204" pitchFamily="34" charset="0"/>
+              </a:rPr>
+              <a:t> (R)</a:t>
+            </a:r>
+          </a:p>
+        </p:txBody>
+      </p:sp>
+      <p:cxnSp>
+        <p:nvCxnSpPr>
+          <p:cNvPr id="42" name="Conector de Seta Reta 41"/>
+          <p:cNvCxnSpPr>
+            <a:stCxn id="25" idx="2"/>
+            <a:endCxn id="26" idx="0"/>
+          </p:cNvCxnSpPr>
+          <p:nvPr/>
+        </p:nvCxnSpPr>
+        <p:spPr>
+          <a:xfrm>
+            <a:off x="1774245" y="1740897"/>
+            <a:ext cx="0" cy="155890"/>
+          </a:xfrm>
+          <a:prstGeom prst="straightConnector1">
+            <a:avLst/>
+          </a:prstGeom>
+          <a:ln>
+            <a:tailEnd type="triangle"/>
+          </a:ln>
+        </p:spPr>
+        <p:style>
+          <a:lnRef idx="1">
+            <a:schemeClr val="dk1"/>
+          </a:lnRef>
+          <a:fillRef idx="0">
+            <a:schemeClr val="dk1"/>
+          </a:fillRef>
+          <a:effectRef idx="0">
+            <a:schemeClr val="dk1"/>
+          </a:effectRef>
+          <a:fontRef idx="minor">
+            <a:schemeClr val="tx1"/>
+          </a:fontRef>
+        </p:style>
+      </p:cxnSp>
+      <p:cxnSp>
+        <p:nvCxnSpPr>
+          <p:cNvPr id="51" name="Conector de Seta Reta 50"/>
+          <p:cNvCxnSpPr>
+            <a:stCxn id="26" idx="2"/>
+            <a:endCxn id="27" idx="0"/>
+          </p:cNvCxnSpPr>
+          <p:nvPr/>
+        </p:nvCxnSpPr>
+        <p:spPr>
+          <a:xfrm>
+            <a:off x="1774245" y="2138009"/>
+            <a:ext cx="0" cy="155890"/>
+          </a:xfrm>
+          <a:prstGeom prst="straightConnector1">
+            <a:avLst/>
+          </a:prstGeom>
+          <a:ln>
+            <a:tailEnd type="triangle"/>
+          </a:ln>
+        </p:spPr>
+        <p:style>
+          <a:lnRef idx="1">
+            <a:schemeClr val="dk1"/>
+          </a:lnRef>
+          <a:fillRef idx="0">
+            <a:schemeClr val="dk1"/>
+          </a:fillRef>
+          <a:effectRef idx="0">
+            <a:schemeClr val="dk1"/>
+          </a:effectRef>
+          <a:fontRef idx="minor">
+            <a:schemeClr val="tx1"/>
+          </a:fontRef>
+        </p:style>
+      </p:cxnSp>
+      <p:cxnSp>
+        <p:nvCxnSpPr>
+          <p:cNvPr id="56" name="Conector de Seta Reta 55"/>
+          <p:cNvCxnSpPr>
+            <a:stCxn id="27" idx="2"/>
+            <a:endCxn id="28" idx="0"/>
+          </p:cNvCxnSpPr>
+          <p:nvPr/>
+        </p:nvCxnSpPr>
+        <p:spPr>
+          <a:xfrm>
+            <a:off x="1774245" y="2535121"/>
+            <a:ext cx="0" cy="155889"/>
+          </a:xfrm>
+          <a:prstGeom prst="straightConnector1">
+            <a:avLst/>
+          </a:prstGeom>
+          <a:ln>
+            <a:tailEnd type="triangle"/>
+          </a:ln>
+        </p:spPr>
+        <p:style>
+          <a:lnRef idx="1">
+            <a:schemeClr val="dk1"/>
+          </a:lnRef>
+          <a:fillRef idx="0">
+            <a:schemeClr val="dk1"/>
+          </a:fillRef>
+          <a:effectRef idx="0">
+            <a:schemeClr val="dk1"/>
+          </a:effectRef>
+          <a:fontRef idx="minor">
+            <a:schemeClr val="tx1"/>
+          </a:fontRef>
+        </p:style>
+      </p:cxnSp>
+      <p:sp>
+        <p:nvSpPr>
+          <p:cNvPr id="73" name="Retângulo de cantos arredondados 6"/>
+          <p:cNvSpPr/>
+          <p:nvPr/>
+        </p:nvSpPr>
+        <p:spPr>
+          <a:xfrm>
+            <a:off x="628817" y="3528293"/>
+            <a:ext cx="2290856" cy="199357"/>
+          </a:xfrm>
+          <a:prstGeom prst="roundRect">
+            <a:avLst/>
+          </a:prstGeom>
+          <a:gradFill>
+            <a:gsLst>
+              <a:gs pos="0">
+                <a:schemeClr val="accent4"/>
+              </a:gs>
+              <a:gs pos="80000">
+                <a:schemeClr val="accent4"/>
+              </a:gs>
+              <a:gs pos="100000">
+                <a:schemeClr val="accent4"/>
+              </a:gs>
+            </a:gsLst>
+          </a:gradFill>
+          <a:ln/>
+        </p:spPr>
+        <p:style>
+          <a:lnRef idx="1">
+            <a:schemeClr val="accent4"/>
+          </a:lnRef>
+          <a:fillRef idx="3">
+            <a:schemeClr val="accent4"/>
+          </a:fillRef>
+          <a:effectRef idx="2">
+            <a:schemeClr val="accent4"/>
+          </a:effectRef>
+          <a:fontRef idx="minor">
+            <a:schemeClr val="lt1"/>
+          </a:fontRef>
+        </p:style>
+        <p:txBody>
+          <a:bodyPr rtlCol="0" anchor="ctr"/>
+          <a:lstStyle/>
+          <a:p>
+            <a:pPr algn="ctr"/>
+            <a:r>
+              <a:rPr lang="en-US" sz="1000" dirty="0" err="1">
+                <a:latin typeface="Arial" panose="020B0604020202020204" pitchFamily="34" charset="0"/>
+                <a:cs typeface="Arial" panose="020B0604020202020204" pitchFamily="34" charset="0"/>
+              </a:rPr>
+              <a:t>Construção</a:t>
+            </a:r>
+            <a:r>
+              <a:rPr lang="en-US" sz="1000" dirty="0">
+                <a:latin typeface="Arial" panose="020B0604020202020204" pitchFamily="34" charset="0"/>
+                <a:cs typeface="Arial" panose="020B0604020202020204" pitchFamily="34" charset="0"/>
+              </a:rPr>
+              <a:t> do </a:t>
+            </a:r>
+            <a:r>
+              <a:rPr lang="en-US" sz="1000" dirty="0" err="1">
+                <a:latin typeface="Arial" panose="020B0604020202020204" pitchFamily="34" charset="0"/>
+                <a:cs typeface="Arial" panose="020B0604020202020204" pitchFamily="34" charset="0"/>
+              </a:rPr>
+              <a:t>Modelo</a:t>
+            </a:r>
+            <a:endParaRPr lang="en-US" sz="1000" dirty="0">
+              <a:latin typeface="Arial" panose="020B0604020202020204" pitchFamily="34" charset="0"/>
+              <a:cs typeface="Arial" panose="020B0604020202020204" pitchFamily="34" charset="0"/>
+            </a:endParaRPr>
+          </a:p>
+        </p:txBody>
+      </p:sp>
+      <p:sp>
+        <p:nvSpPr>
+          <p:cNvPr id="75" name="Retângulo de cantos arredondados 6"/>
+          <p:cNvSpPr/>
+          <p:nvPr/>
+        </p:nvSpPr>
+        <p:spPr>
+          <a:xfrm>
+            <a:off x="628817" y="3925082"/>
+            <a:ext cx="2290856" cy="199357"/>
+          </a:xfrm>
+          <a:prstGeom prst="roundRect">
+            <a:avLst/>
+          </a:prstGeom>
+          <a:gradFill>
+            <a:gsLst>
+              <a:gs pos="0">
+                <a:schemeClr val="accent4"/>
+              </a:gs>
+              <a:gs pos="80000">
+                <a:schemeClr val="accent4"/>
+              </a:gs>
+              <a:gs pos="100000">
+                <a:schemeClr val="accent4"/>
+              </a:gs>
+            </a:gsLst>
+          </a:gradFill>
+          <a:ln/>
+        </p:spPr>
+        <p:style>
+          <a:lnRef idx="1">
+            <a:schemeClr val="accent4"/>
+          </a:lnRef>
+          <a:fillRef idx="3">
+            <a:schemeClr val="accent4"/>
+          </a:fillRef>
+          <a:effectRef idx="2">
+            <a:schemeClr val="accent4"/>
+          </a:effectRef>
+          <a:fontRef idx="minor">
+            <a:schemeClr val="lt1"/>
+          </a:fontRef>
+        </p:style>
+        <p:txBody>
+          <a:bodyPr rtlCol="0" anchor="ctr"/>
+          <a:lstStyle/>
+          <a:p>
+            <a:pPr algn="ctr"/>
+            <a:r>
+              <a:rPr lang="en-US" sz="1000" dirty="0" err="1">
+                <a:latin typeface="Arial" panose="020B0604020202020204" pitchFamily="34" charset="0"/>
+                <a:cs typeface="Arial" panose="020B0604020202020204" pitchFamily="34" charset="0"/>
+              </a:rPr>
+              <a:t>Definição</a:t>
+            </a:r>
+            <a:r>
+              <a:rPr lang="en-US" sz="1000" dirty="0">
+                <a:latin typeface="Arial" panose="020B0604020202020204" pitchFamily="34" charset="0"/>
+                <a:cs typeface="Arial" panose="020B0604020202020204" pitchFamily="34" charset="0"/>
+              </a:rPr>
+              <a:t> dos </a:t>
+            </a:r>
+            <a:r>
+              <a:rPr lang="en-US" sz="1000" dirty="0" err="1">
+                <a:latin typeface="Arial" panose="020B0604020202020204" pitchFamily="34" charset="0"/>
+                <a:cs typeface="Arial" panose="020B0604020202020204" pitchFamily="34" charset="0"/>
+              </a:rPr>
+              <a:t>Experimentos</a:t>
+            </a:r>
+            <a:endParaRPr lang="en-US" sz="1000" dirty="0">
+              <a:latin typeface="Arial" panose="020B0604020202020204" pitchFamily="34" charset="0"/>
+              <a:cs typeface="Arial" panose="020B0604020202020204" pitchFamily="34" charset="0"/>
+            </a:endParaRPr>
+          </a:p>
+        </p:txBody>
+      </p:sp>
+      <p:sp>
+        <p:nvSpPr>
+          <p:cNvPr id="76" name="Retângulo de cantos arredondados 6"/>
+          <p:cNvSpPr/>
+          <p:nvPr/>
+        </p:nvSpPr>
+        <p:spPr>
+          <a:xfrm>
+            <a:off x="628817" y="4304508"/>
+            <a:ext cx="2290856" cy="199357"/>
+          </a:xfrm>
+          <a:prstGeom prst="roundRect">
+            <a:avLst/>
+          </a:prstGeom>
+          <a:gradFill>
+            <a:gsLst>
+              <a:gs pos="0">
+                <a:schemeClr val="accent4"/>
+              </a:gs>
+              <a:gs pos="80000">
+                <a:schemeClr val="accent4"/>
+              </a:gs>
+              <a:gs pos="100000">
+                <a:schemeClr val="accent4"/>
+              </a:gs>
+            </a:gsLst>
+          </a:gradFill>
+          <a:ln/>
+        </p:spPr>
+        <p:style>
+          <a:lnRef idx="1">
+            <a:schemeClr val="accent4"/>
+          </a:lnRef>
+          <a:fillRef idx="3">
+            <a:schemeClr val="accent4"/>
+          </a:fillRef>
+          <a:effectRef idx="2">
+            <a:schemeClr val="accent4"/>
+          </a:effectRef>
+          <a:fontRef idx="minor">
+            <a:schemeClr val="lt1"/>
+          </a:fontRef>
+        </p:style>
+        <p:txBody>
+          <a:bodyPr rtlCol="0" anchor="ctr"/>
+          <a:lstStyle/>
+          <a:p>
+            <a:pPr algn="ctr"/>
+            <a:r>
+              <a:rPr lang="en-US" sz="1000" dirty="0" err="1">
+                <a:latin typeface="Arial" panose="020B0604020202020204" pitchFamily="34" charset="0"/>
+                <a:cs typeface="Arial" panose="020B0604020202020204" pitchFamily="34" charset="0"/>
+              </a:rPr>
+              <a:t>Geração</a:t>
+            </a:r>
+            <a:r>
+              <a:rPr lang="en-US" sz="1000" dirty="0">
+                <a:latin typeface="Arial" panose="020B0604020202020204" pitchFamily="34" charset="0"/>
+                <a:cs typeface="Arial" panose="020B0604020202020204" pitchFamily="34" charset="0"/>
+              </a:rPr>
+              <a:t> dos </a:t>
+            </a:r>
+            <a:r>
+              <a:rPr lang="en-US" sz="1000" dirty="0" err="1">
+                <a:latin typeface="Arial" panose="020B0604020202020204" pitchFamily="34" charset="0"/>
+                <a:cs typeface="Arial" panose="020B0604020202020204" pitchFamily="34" charset="0"/>
+              </a:rPr>
+              <a:t>Casos</a:t>
+            </a:r>
+            <a:endParaRPr lang="en-US" sz="1000" dirty="0">
+              <a:latin typeface="Arial" panose="020B0604020202020204" pitchFamily="34" charset="0"/>
+              <a:cs typeface="Arial" panose="020B0604020202020204" pitchFamily="34" charset="0"/>
+            </a:endParaRPr>
+          </a:p>
+        </p:txBody>
+      </p:sp>
+      <p:cxnSp>
+        <p:nvCxnSpPr>
+          <p:cNvPr id="78" name="Conector de Seta Reta 77"/>
+          <p:cNvCxnSpPr>
+            <a:stCxn id="73" idx="2"/>
+            <a:endCxn id="75" idx="0"/>
+          </p:cNvCxnSpPr>
+          <p:nvPr/>
+        </p:nvCxnSpPr>
+        <p:spPr>
+          <a:xfrm>
+            <a:off x="1774245" y="3727650"/>
+            <a:ext cx="0" cy="197432"/>
+          </a:xfrm>
+          <a:prstGeom prst="straightConnector1">
+            <a:avLst/>
+          </a:prstGeom>
+          <a:ln>
+            <a:tailEnd type="triangle"/>
+          </a:ln>
+        </p:spPr>
+        <p:style>
+          <a:lnRef idx="1">
+            <a:schemeClr val="dk1"/>
+          </a:lnRef>
+          <a:fillRef idx="0">
+            <a:schemeClr val="dk1"/>
+          </a:fillRef>
+          <a:effectRef idx="0">
+            <a:schemeClr val="dk1"/>
+          </a:effectRef>
+          <a:fontRef idx="minor">
+            <a:schemeClr val="tx1"/>
+          </a:fontRef>
+        </p:style>
+      </p:cxnSp>
+      <p:cxnSp>
+        <p:nvCxnSpPr>
+          <p:cNvPr id="88" name="Conector de Seta Reta 87"/>
+          <p:cNvCxnSpPr>
+            <a:stCxn id="75" idx="2"/>
+            <a:endCxn id="76" idx="0"/>
+          </p:cNvCxnSpPr>
+          <p:nvPr/>
+        </p:nvCxnSpPr>
+        <p:spPr>
+          <a:xfrm>
+            <a:off x="1774245" y="4124439"/>
+            <a:ext cx="0" cy="180069"/>
+          </a:xfrm>
+          <a:prstGeom prst="straightConnector1">
+            <a:avLst/>
+          </a:prstGeom>
+          <a:ln>
+            <a:tailEnd type="triangle"/>
+          </a:ln>
+        </p:spPr>
+        <p:style>
+          <a:lnRef idx="1">
+            <a:schemeClr val="dk1"/>
+          </a:lnRef>
+          <a:fillRef idx="0">
+            <a:schemeClr val="dk1"/>
+          </a:fillRef>
+          <a:effectRef idx="0">
+            <a:schemeClr val="dk1"/>
+          </a:effectRef>
+          <a:fontRef idx="minor">
+            <a:schemeClr val="tx1"/>
+          </a:fontRef>
+        </p:style>
+      </p:cxnSp>
+      <p:sp>
+        <p:nvSpPr>
+          <p:cNvPr id="104" name="Retângulo de cantos arredondados 6"/>
+          <p:cNvSpPr/>
+          <p:nvPr/>
+        </p:nvSpPr>
+        <p:spPr>
+          <a:xfrm>
+            <a:off x="468814" y="6033885"/>
+            <a:ext cx="2610862" cy="267034"/>
+          </a:xfrm>
+          <a:prstGeom prst="roundRect">
+            <a:avLst/>
+          </a:prstGeom>
+          <a:gradFill>
+            <a:gsLst>
+              <a:gs pos="0">
+                <a:schemeClr val="accent4"/>
+              </a:gs>
+              <a:gs pos="80000">
+                <a:schemeClr val="accent4"/>
+              </a:gs>
+              <a:gs pos="100000">
+                <a:schemeClr val="accent4"/>
+              </a:gs>
+            </a:gsLst>
+          </a:gradFill>
+          <a:ln/>
+        </p:spPr>
+        <p:style>
+          <a:lnRef idx="1">
+            <a:schemeClr val="accent4"/>
+          </a:lnRef>
+          <a:fillRef idx="3">
+            <a:schemeClr val="accent4"/>
+          </a:fillRef>
+          <a:effectRef idx="2">
+            <a:schemeClr val="accent4"/>
+          </a:effectRef>
+          <a:fontRef idx="minor">
+            <a:schemeClr val="lt1"/>
+          </a:fontRef>
+        </p:style>
+        <p:txBody>
+          <a:bodyPr rtlCol="0" anchor="t"/>
+          <a:lstStyle/>
+          <a:p>
+            <a:pPr algn="ctr"/>
+            <a:r>
+              <a:rPr lang="en-US" sz="1000" dirty="0" err="1">
+                <a:latin typeface="Arial" panose="020B0604020202020204" pitchFamily="34" charset="0"/>
+                <a:cs typeface="Arial" panose="020B0604020202020204" pitchFamily="34" charset="0"/>
+              </a:rPr>
+              <a:t>Definição</a:t>
+            </a:r>
+            <a:r>
+              <a:rPr lang="en-US" sz="1000" dirty="0">
+                <a:latin typeface="Arial" panose="020B0604020202020204" pitchFamily="34" charset="0"/>
+                <a:cs typeface="Arial" panose="020B0604020202020204" pitchFamily="34" charset="0"/>
+              </a:rPr>
+              <a:t> de </a:t>
+            </a:r>
+            <a:r>
+              <a:rPr lang="en-US" sz="1000" dirty="0" err="1">
+                <a:latin typeface="Arial" panose="020B0604020202020204" pitchFamily="34" charset="0"/>
+                <a:cs typeface="Arial" panose="020B0604020202020204" pitchFamily="34" charset="0"/>
+              </a:rPr>
+              <a:t>Critérios</a:t>
+            </a:r>
+            <a:r>
+              <a:rPr lang="en-US" sz="1000" dirty="0">
+                <a:latin typeface="Arial" panose="020B0604020202020204" pitchFamily="34" charset="0"/>
+                <a:cs typeface="Arial" panose="020B0604020202020204" pitchFamily="34" charset="0"/>
+              </a:rPr>
+              <a:t> de </a:t>
+            </a:r>
+            <a:r>
+              <a:rPr lang="en-US" sz="1000" dirty="0" err="1">
+                <a:latin typeface="Arial" panose="020B0604020202020204" pitchFamily="34" charset="0"/>
+                <a:cs typeface="Arial" panose="020B0604020202020204" pitchFamily="34" charset="0"/>
+              </a:rPr>
+              <a:t>Vulnerabilidade</a:t>
+            </a:r>
+            <a:endParaRPr lang="en-US" sz="1000" dirty="0">
+              <a:latin typeface="Arial" panose="020B0604020202020204" pitchFamily="34" charset="0"/>
+              <a:cs typeface="Arial" panose="020B0604020202020204" pitchFamily="34" charset="0"/>
+            </a:endParaRPr>
+          </a:p>
+        </p:txBody>
+      </p:sp>
+      <p:sp>
+        <p:nvSpPr>
+          <p:cNvPr id="105" name="Retângulo de cantos arredondados 6"/>
+          <p:cNvSpPr/>
+          <p:nvPr/>
+        </p:nvSpPr>
+        <p:spPr>
+          <a:xfrm>
+            <a:off x="468814" y="6479086"/>
+            <a:ext cx="2610862" cy="417582"/>
+          </a:xfrm>
+          <a:prstGeom prst="roundRect">
+            <a:avLst/>
+          </a:prstGeom>
+          <a:gradFill>
+            <a:gsLst>
+              <a:gs pos="0">
+                <a:schemeClr val="accent4"/>
+              </a:gs>
+              <a:gs pos="80000">
+                <a:schemeClr val="accent4"/>
+              </a:gs>
+              <a:gs pos="100000">
+                <a:schemeClr val="accent4"/>
+              </a:gs>
+            </a:gsLst>
+          </a:gradFill>
+          <a:ln/>
+        </p:spPr>
+        <p:style>
+          <a:lnRef idx="1">
+            <a:schemeClr val="accent4"/>
+          </a:lnRef>
+          <a:fillRef idx="3">
+            <a:schemeClr val="accent4"/>
+          </a:fillRef>
+          <a:effectRef idx="2">
+            <a:schemeClr val="accent4"/>
+          </a:effectRef>
+          <a:fontRef idx="minor">
+            <a:schemeClr val="lt1"/>
+          </a:fontRef>
+        </p:style>
+        <p:txBody>
+          <a:bodyPr rtlCol="0" anchor="t"/>
+          <a:lstStyle/>
+          <a:p>
+            <a:pPr algn="ctr"/>
+            <a:r>
+              <a:rPr lang="en-US" sz="1000" dirty="0" err="1">
+                <a:latin typeface="Arial" panose="020B0604020202020204" pitchFamily="34" charset="0"/>
+                <a:cs typeface="Arial" panose="020B0604020202020204" pitchFamily="34" charset="0"/>
+              </a:rPr>
+              <a:t>Identificação</a:t>
+            </a:r>
+            <a:r>
+              <a:rPr lang="en-US" sz="1000" dirty="0">
+                <a:latin typeface="Arial" panose="020B0604020202020204" pitchFamily="34" charset="0"/>
+                <a:cs typeface="Arial" panose="020B0604020202020204" pitchFamily="34" charset="0"/>
+              </a:rPr>
+              <a:t> dos </a:t>
+            </a:r>
+            <a:r>
+              <a:rPr lang="en-US" sz="1000" dirty="0" err="1">
+                <a:latin typeface="Arial" panose="020B0604020202020204" pitchFamily="34" charset="0"/>
+                <a:cs typeface="Arial" panose="020B0604020202020204" pitchFamily="34" charset="0"/>
+              </a:rPr>
+              <a:t>Cenários</a:t>
+            </a:r>
+            <a:r>
+              <a:rPr lang="en-US" sz="1000" dirty="0">
+                <a:latin typeface="Arial" panose="020B0604020202020204" pitchFamily="34" charset="0"/>
+                <a:cs typeface="Arial" panose="020B0604020202020204" pitchFamily="34" charset="0"/>
+              </a:rPr>
+              <a:t> de </a:t>
+            </a:r>
+            <a:r>
+              <a:rPr lang="en-US" sz="1000" dirty="0" err="1">
+                <a:latin typeface="Arial" panose="020B0604020202020204" pitchFamily="34" charset="0"/>
+                <a:cs typeface="Arial" panose="020B0604020202020204" pitchFamily="34" charset="0"/>
+              </a:rPr>
+              <a:t>Vulnerabilidade</a:t>
+            </a:r>
+            <a:r>
+              <a:rPr lang="en-US" sz="1000" dirty="0">
+                <a:latin typeface="Arial" panose="020B0604020202020204" pitchFamily="34" charset="0"/>
+                <a:cs typeface="Arial" panose="020B0604020202020204" pitchFamily="34" charset="0"/>
+              </a:rPr>
+              <a:t>.</a:t>
+            </a:r>
+          </a:p>
+        </p:txBody>
+      </p:sp>
+      <p:cxnSp>
+        <p:nvCxnSpPr>
+          <p:cNvPr id="106" name="Conector de Seta Reta 105"/>
+          <p:cNvCxnSpPr>
+            <a:stCxn id="104" idx="2"/>
+            <a:endCxn id="105" idx="0"/>
+          </p:cNvCxnSpPr>
+          <p:nvPr/>
+        </p:nvCxnSpPr>
+        <p:spPr>
+          <a:xfrm>
+            <a:off x="1774245" y="6300919"/>
+            <a:ext cx="0" cy="178167"/>
+          </a:xfrm>
+          <a:prstGeom prst="straightConnector1">
+            <a:avLst/>
+          </a:prstGeom>
+          <a:ln>
+            <a:tailEnd type="triangle"/>
+          </a:ln>
+        </p:spPr>
+        <p:style>
+          <a:lnRef idx="1">
+            <a:schemeClr val="dk1"/>
+          </a:lnRef>
+          <a:fillRef idx="0">
+            <a:schemeClr val="dk1"/>
+          </a:fillRef>
+          <a:effectRef idx="0">
+            <a:schemeClr val="dk1"/>
+          </a:effectRef>
+          <a:fontRef idx="minor">
+            <a:schemeClr val="tx1"/>
+          </a:fontRef>
+        </p:style>
+      </p:cxnSp>
+      <p:sp>
+        <p:nvSpPr>
+          <p:cNvPr id="113" name="Retângulo de cantos arredondados 6"/>
+          <p:cNvSpPr/>
+          <p:nvPr/>
+        </p:nvSpPr>
+        <p:spPr>
+          <a:xfrm>
+            <a:off x="468814" y="7491551"/>
+            <a:ext cx="2610862" cy="285214"/>
+          </a:xfrm>
+          <a:prstGeom prst="roundRect">
+            <a:avLst/>
+          </a:prstGeom>
+          <a:gradFill>
+            <a:gsLst>
+              <a:gs pos="0">
+                <a:schemeClr val="accent4"/>
+              </a:gs>
+              <a:gs pos="80000">
+                <a:schemeClr val="accent4"/>
+              </a:gs>
+              <a:gs pos="100000">
+                <a:schemeClr val="accent4"/>
+              </a:gs>
+            </a:gsLst>
+          </a:gradFill>
+          <a:ln/>
+        </p:spPr>
+        <p:style>
+          <a:lnRef idx="1">
+            <a:schemeClr val="accent4"/>
+          </a:lnRef>
+          <a:fillRef idx="3">
+            <a:schemeClr val="accent4"/>
+          </a:fillRef>
+          <a:effectRef idx="2">
+            <a:schemeClr val="accent4"/>
+          </a:effectRef>
+          <a:fontRef idx="minor">
+            <a:schemeClr val="lt1"/>
+          </a:fontRef>
+        </p:style>
+        <p:txBody>
+          <a:bodyPr rtlCol="0" anchor="t"/>
+          <a:lstStyle/>
+          <a:p>
+            <a:pPr algn="ctr"/>
+            <a:r>
+              <a:rPr lang="en-US" sz="1000" dirty="0" err="1">
+                <a:latin typeface="Arial" panose="020B0604020202020204" pitchFamily="34" charset="0"/>
+                <a:cs typeface="Arial" panose="020B0604020202020204" pitchFamily="34" charset="0"/>
+              </a:rPr>
+              <a:t>Identificação</a:t>
+            </a:r>
+            <a:r>
+              <a:rPr lang="en-US" sz="1000" dirty="0">
+                <a:latin typeface="Arial" panose="020B0604020202020204" pitchFamily="34" charset="0"/>
+                <a:cs typeface="Arial" panose="020B0604020202020204" pitchFamily="34" charset="0"/>
+              </a:rPr>
+              <a:t> da </a:t>
+            </a:r>
+            <a:r>
+              <a:rPr lang="en-US" sz="1000" dirty="0" err="1">
+                <a:latin typeface="Arial" panose="020B0604020202020204" pitchFamily="34" charset="0"/>
+                <a:cs typeface="Arial" panose="020B0604020202020204" pitchFamily="34" charset="0"/>
+              </a:rPr>
+              <a:t>Fronteira</a:t>
+            </a:r>
+            <a:r>
+              <a:rPr lang="en-US" sz="1000" dirty="0">
+                <a:latin typeface="Arial" panose="020B0604020202020204" pitchFamily="34" charset="0"/>
+                <a:cs typeface="Arial" panose="020B0604020202020204" pitchFamily="34" charset="0"/>
+              </a:rPr>
+              <a:t> de Tradeoff</a:t>
+            </a:r>
+          </a:p>
+        </p:txBody>
+      </p:sp>
+      <p:sp>
+        <p:nvSpPr>
+          <p:cNvPr id="114" name="Retângulo de cantos arredondados 6"/>
+          <p:cNvSpPr/>
+          <p:nvPr/>
+        </p:nvSpPr>
+        <p:spPr>
+          <a:xfrm>
+            <a:off x="468814" y="7946711"/>
+            <a:ext cx="2610862" cy="259285"/>
+          </a:xfrm>
+          <a:prstGeom prst="roundRect">
+            <a:avLst/>
+          </a:prstGeom>
+          <a:gradFill>
+            <a:gsLst>
+              <a:gs pos="0">
+                <a:schemeClr val="accent4"/>
+              </a:gs>
+              <a:gs pos="80000">
+                <a:schemeClr val="accent4"/>
+              </a:gs>
+              <a:gs pos="100000">
+                <a:schemeClr val="accent4"/>
+              </a:gs>
+            </a:gsLst>
+          </a:gradFill>
+          <a:ln/>
+        </p:spPr>
+        <p:style>
+          <a:lnRef idx="1">
+            <a:schemeClr val="accent4"/>
+          </a:lnRef>
+          <a:fillRef idx="3">
+            <a:schemeClr val="accent4"/>
+          </a:fillRef>
+          <a:effectRef idx="2">
+            <a:schemeClr val="accent4"/>
+          </a:effectRef>
+          <a:fontRef idx="minor">
+            <a:schemeClr val="lt1"/>
+          </a:fontRef>
+        </p:style>
+        <p:txBody>
+          <a:bodyPr rtlCol="0" anchor="t"/>
+          <a:lstStyle/>
+          <a:p>
+            <a:pPr algn="ctr"/>
+            <a:r>
+              <a:rPr lang="en-US" sz="1000" dirty="0" err="1">
+                <a:latin typeface="Arial" panose="020B0604020202020204" pitchFamily="34" charset="0"/>
+                <a:cs typeface="Arial" panose="020B0604020202020204" pitchFamily="34" charset="0"/>
+              </a:rPr>
+              <a:t>Avaliação</a:t>
+            </a:r>
+            <a:r>
+              <a:rPr lang="en-US" sz="1000" dirty="0">
+                <a:latin typeface="Arial" panose="020B0604020202020204" pitchFamily="34" charset="0"/>
+                <a:cs typeface="Arial" panose="020B0604020202020204" pitchFamily="34" charset="0"/>
+              </a:rPr>
+              <a:t> da </a:t>
+            </a:r>
+            <a:r>
+              <a:rPr lang="en-US" sz="1000" dirty="0" err="1">
+                <a:latin typeface="Arial" panose="020B0604020202020204" pitchFamily="34" charset="0"/>
+                <a:cs typeface="Arial" panose="020B0604020202020204" pitchFamily="34" charset="0"/>
+              </a:rPr>
+              <a:t>Robustez</a:t>
+            </a:r>
+            <a:r>
+              <a:rPr lang="en-US" sz="1000" dirty="0">
+                <a:latin typeface="Arial" panose="020B0604020202020204" pitchFamily="34" charset="0"/>
+                <a:cs typeface="Arial" panose="020B0604020202020204" pitchFamily="34" charset="0"/>
+              </a:rPr>
+              <a:t> de </a:t>
+            </a:r>
+            <a:r>
+              <a:rPr lang="en-US" sz="1000" dirty="0" err="1">
+                <a:latin typeface="Arial" panose="020B0604020202020204" pitchFamily="34" charset="0"/>
+                <a:cs typeface="Arial" panose="020B0604020202020204" pitchFamily="34" charset="0"/>
+              </a:rPr>
+              <a:t>Estratégias</a:t>
+            </a:r>
+            <a:endParaRPr lang="en-US" sz="1000" dirty="0">
+              <a:latin typeface="Arial" panose="020B0604020202020204" pitchFamily="34" charset="0"/>
+              <a:cs typeface="Arial" panose="020B0604020202020204" pitchFamily="34" charset="0"/>
+            </a:endParaRPr>
+          </a:p>
+        </p:txBody>
+      </p:sp>
+      <p:sp>
+        <p:nvSpPr>
+          <p:cNvPr id="117" name="Retângulo de cantos arredondados 6"/>
+          <p:cNvSpPr/>
+          <p:nvPr/>
+        </p:nvSpPr>
+        <p:spPr>
+          <a:xfrm>
+            <a:off x="468814" y="5573290"/>
+            <a:ext cx="2610862" cy="282428"/>
+          </a:xfrm>
+          <a:prstGeom prst="roundRect">
+            <a:avLst/>
+          </a:prstGeom>
+          <a:gradFill>
+            <a:gsLst>
+              <a:gs pos="0">
+                <a:schemeClr val="accent4"/>
+              </a:gs>
+              <a:gs pos="80000">
+                <a:schemeClr val="accent4"/>
+              </a:gs>
+              <a:gs pos="100000">
+                <a:schemeClr val="accent4"/>
+              </a:gs>
+            </a:gsLst>
+          </a:gradFill>
+          <a:ln/>
+        </p:spPr>
+        <p:style>
+          <a:lnRef idx="1">
+            <a:schemeClr val="accent4"/>
+          </a:lnRef>
+          <a:fillRef idx="3">
+            <a:schemeClr val="accent4"/>
+          </a:fillRef>
+          <a:effectRef idx="2">
+            <a:schemeClr val="accent4"/>
+          </a:effectRef>
+          <a:fontRef idx="minor">
+            <a:schemeClr val="lt1"/>
+          </a:fontRef>
+        </p:style>
+        <p:txBody>
+          <a:bodyPr rtlCol="0" anchor="t"/>
+          <a:lstStyle/>
+          <a:p>
+            <a:pPr algn="ctr"/>
+            <a:r>
+              <a:rPr lang="en-US" sz="1000" dirty="0" err="1">
+                <a:latin typeface="Arial" panose="020B0604020202020204" pitchFamily="34" charset="0"/>
+                <a:cs typeface="Arial" panose="020B0604020202020204" pitchFamily="34" charset="0"/>
+              </a:rPr>
+              <a:t>Identificação</a:t>
+            </a:r>
+            <a:r>
+              <a:rPr lang="en-US" sz="1000" dirty="0">
+                <a:latin typeface="Arial" panose="020B0604020202020204" pitchFamily="34" charset="0"/>
+                <a:cs typeface="Arial" panose="020B0604020202020204" pitchFamily="34" charset="0"/>
+              </a:rPr>
+              <a:t> das </a:t>
+            </a:r>
+            <a:r>
+              <a:rPr lang="en-US" sz="1000" dirty="0" err="1">
+                <a:latin typeface="Arial" panose="020B0604020202020204" pitchFamily="34" charset="0"/>
+                <a:cs typeface="Arial" panose="020B0604020202020204" pitchFamily="34" charset="0"/>
+              </a:rPr>
+              <a:t>Estratégias</a:t>
+            </a:r>
+            <a:r>
+              <a:rPr lang="en-US" sz="1000" dirty="0">
+                <a:latin typeface="Arial" panose="020B0604020202020204" pitchFamily="34" charset="0"/>
+                <a:cs typeface="Arial" panose="020B0604020202020204" pitchFamily="34" charset="0"/>
+              </a:rPr>
+              <a:t> para </a:t>
+            </a:r>
+            <a:r>
+              <a:rPr lang="en-US" sz="1000" dirty="0" err="1">
+                <a:latin typeface="Arial" panose="020B0604020202020204" pitchFamily="34" charset="0"/>
+                <a:cs typeface="Arial" panose="020B0604020202020204" pitchFamily="34" charset="0"/>
+              </a:rPr>
+              <a:t>Análise</a:t>
+            </a:r>
+            <a:endParaRPr lang="en-US" sz="1000" dirty="0">
+              <a:latin typeface="Arial" panose="020B0604020202020204" pitchFamily="34" charset="0"/>
+              <a:cs typeface="Arial" panose="020B0604020202020204" pitchFamily="34" charset="0"/>
+            </a:endParaRPr>
+          </a:p>
+        </p:txBody>
+      </p:sp>
+      <p:cxnSp>
+        <p:nvCxnSpPr>
+          <p:cNvPr id="119" name="Conector de Seta Reta 118"/>
+          <p:cNvCxnSpPr>
+            <a:stCxn id="117" idx="2"/>
+            <a:endCxn id="104" idx="0"/>
+          </p:cNvCxnSpPr>
+          <p:nvPr/>
+        </p:nvCxnSpPr>
+        <p:spPr>
+          <a:xfrm>
+            <a:off x="1774245" y="5855718"/>
+            <a:ext cx="0" cy="178167"/>
+          </a:xfrm>
+          <a:prstGeom prst="straightConnector1">
+            <a:avLst/>
+          </a:prstGeom>
+          <a:ln>
+            <a:tailEnd type="triangle"/>
+          </a:ln>
+        </p:spPr>
+        <p:style>
+          <a:lnRef idx="1">
+            <a:schemeClr val="dk1"/>
+          </a:lnRef>
+          <a:fillRef idx="0">
+            <a:schemeClr val="dk1"/>
+          </a:fillRef>
+          <a:effectRef idx="0">
+            <a:schemeClr val="dk1"/>
+          </a:effectRef>
+          <a:fontRef idx="minor">
+            <a:schemeClr val="tx1"/>
+          </a:fontRef>
+        </p:style>
+      </p:cxnSp>
+      <p:cxnSp>
+        <p:nvCxnSpPr>
+          <p:cNvPr id="125" name="Conector de Seta Reta 124"/>
+          <p:cNvCxnSpPr>
+            <a:stCxn id="113" idx="2"/>
+            <a:endCxn id="114" idx="0"/>
+          </p:cNvCxnSpPr>
+          <p:nvPr/>
+        </p:nvCxnSpPr>
+        <p:spPr>
+          <a:xfrm>
+            <a:off x="1774245" y="7776765"/>
+            <a:ext cx="0" cy="169946"/>
+          </a:xfrm>
+          <a:prstGeom prst="straightConnector1">
+            <a:avLst/>
+          </a:prstGeom>
+          <a:ln>
+            <a:tailEnd type="triangle"/>
+          </a:ln>
+        </p:spPr>
+        <p:style>
+          <a:lnRef idx="1">
+            <a:schemeClr val="dk1"/>
+          </a:lnRef>
+          <a:fillRef idx="0">
+            <a:schemeClr val="dk1"/>
+          </a:fillRef>
+          <a:effectRef idx="0">
+            <a:schemeClr val="dk1"/>
+          </a:effectRef>
+          <a:fontRef idx="minor">
+            <a:schemeClr val="tx1"/>
+          </a:fontRef>
+        </p:style>
+      </p:cxnSp>
+      <p:cxnSp>
+        <p:nvCxnSpPr>
+          <p:cNvPr id="69" name="Conector de Seta Reta 68"/>
+          <p:cNvCxnSpPr>
+            <a:stCxn id="57" idx="2"/>
+            <a:endCxn id="38" idx="0"/>
+          </p:cNvCxnSpPr>
+          <p:nvPr/>
+        </p:nvCxnSpPr>
+        <p:spPr>
+          <a:xfrm>
+            <a:off x="1774245" y="4914464"/>
+            <a:ext cx="0" cy="317904"/>
+          </a:xfrm>
+          <a:prstGeom prst="straightConnector1">
+            <a:avLst/>
+          </a:prstGeom>
+          <a:ln>
+            <a:tailEnd type="triangle"/>
+          </a:ln>
+        </p:spPr>
+        <p:style>
+          <a:lnRef idx="1">
+            <a:schemeClr val="dk1"/>
+          </a:lnRef>
+          <a:fillRef idx="0">
+            <a:schemeClr val="dk1"/>
+          </a:fillRef>
+          <a:effectRef idx="0">
+            <a:schemeClr val="dk1"/>
+          </a:effectRef>
+          <a:fontRef idx="minor">
+            <a:schemeClr val="tx1"/>
+          </a:fontRef>
+        </p:style>
+      </p:cxnSp>
+      <p:cxnSp>
+        <p:nvCxnSpPr>
+          <p:cNvPr id="80" name="Conector de Seta Reta 79"/>
+          <p:cNvCxnSpPr>
+            <a:stCxn id="105" idx="2"/>
+            <a:endCxn id="41" idx="0"/>
+          </p:cNvCxnSpPr>
+          <p:nvPr/>
+        </p:nvCxnSpPr>
+        <p:spPr>
+          <a:xfrm>
+            <a:off x="1774245" y="6896668"/>
+            <a:ext cx="0" cy="217743"/>
+          </a:xfrm>
+          <a:prstGeom prst="straightConnector1">
+            <a:avLst/>
+          </a:prstGeom>
+          <a:ln>
+            <a:tailEnd type="triangle"/>
+          </a:ln>
+        </p:spPr>
+        <p:style>
+          <a:lnRef idx="1">
+            <a:schemeClr val="dk1"/>
+          </a:lnRef>
+          <a:fillRef idx="0">
+            <a:schemeClr val="dk1"/>
+          </a:fillRef>
+          <a:effectRef idx="0">
+            <a:schemeClr val="dk1"/>
+          </a:effectRef>
+          <a:fontRef idx="minor">
+            <a:schemeClr val="tx1"/>
+          </a:fontRef>
+        </p:style>
+      </p:cxnSp>
+      <p:cxnSp>
+        <p:nvCxnSpPr>
+          <p:cNvPr id="67" name="Conector: Angulado 66"/>
+          <p:cNvCxnSpPr>
+            <a:stCxn id="105" idx="1"/>
+            <a:endCxn id="36" idx="1"/>
+          </p:cNvCxnSpPr>
+          <p:nvPr/>
+        </p:nvCxnSpPr>
+        <p:spPr>
+          <a:xfrm rot="10800000">
+            <a:off x="359446" y="2097013"/>
+            <a:ext cx="109369" cy="4590864"/>
+          </a:xfrm>
+          <a:prstGeom prst="bentConnector3">
+            <a:avLst>
+              <a:gd name="adj1" fmla="val 217254"/>
+            </a:avLst>
+          </a:prstGeom>
+          <a:ln>
+            <a:tailEnd type="triangle"/>
+          </a:ln>
+        </p:spPr>
+        <p:style>
+          <a:lnRef idx="1">
+            <a:schemeClr val="dk1"/>
+          </a:lnRef>
+          <a:fillRef idx="0">
+            <a:schemeClr val="dk1"/>
+          </a:fillRef>
+          <a:effectRef idx="0">
+            <a:schemeClr val="dk1"/>
+          </a:effectRef>
+          <a:fontRef idx="minor">
+            <a:schemeClr val="tx1"/>
+          </a:fontRef>
+        </p:style>
+      </p:cxnSp>
+      <p:cxnSp>
+        <p:nvCxnSpPr>
+          <p:cNvPr id="86" name="Conector: Angulado 85"/>
+          <p:cNvCxnSpPr>
+            <a:stCxn id="114" idx="1"/>
+            <a:endCxn id="36" idx="1"/>
+          </p:cNvCxnSpPr>
+          <p:nvPr/>
+        </p:nvCxnSpPr>
+        <p:spPr>
+          <a:xfrm rot="10800000">
+            <a:off x="359446" y="2097014"/>
+            <a:ext cx="109369" cy="5979341"/>
+          </a:xfrm>
+          <a:prstGeom prst="bentConnector3">
+            <a:avLst>
+              <a:gd name="adj1" fmla="val 309017"/>
+            </a:avLst>
+          </a:prstGeom>
+          <a:ln>
+            <a:tailEnd type="triangle"/>
+          </a:ln>
+        </p:spPr>
+        <p:style>
+          <a:lnRef idx="1">
+            <a:schemeClr val="dk1"/>
+          </a:lnRef>
+          <a:fillRef idx="0">
+            <a:schemeClr val="dk1"/>
+          </a:fillRef>
+          <a:effectRef idx="0">
+            <a:schemeClr val="dk1"/>
+          </a:effectRef>
+          <a:fontRef idx="minor">
+            <a:schemeClr val="tx1"/>
+          </a:fontRef>
+        </p:style>
+      </p:cxnSp>
+      <p:sp>
+        <p:nvSpPr>
+          <p:cNvPr id="93" name="Retângulo de cantos arredondados 6"/>
+          <p:cNvSpPr/>
+          <p:nvPr/>
+        </p:nvSpPr>
+        <p:spPr>
+          <a:xfrm>
+            <a:off x="359445" y="862194"/>
+            <a:ext cx="2829600" cy="242881"/>
+          </a:xfrm>
+          <a:prstGeom prst="roundRect">
+            <a:avLst/>
+          </a:prstGeom>
+          <a:ln/>
+        </p:spPr>
+        <p:style>
+          <a:lnRef idx="1">
+            <a:schemeClr val="accent4"/>
+          </a:lnRef>
+          <a:fillRef idx="3">
+            <a:schemeClr val="accent4"/>
+          </a:fillRef>
+          <a:effectRef idx="2">
+            <a:schemeClr val="accent4"/>
+          </a:effectRef>
+          <a:fontRef idx="minor">
+            <a:schemeClr val="lt1"/>
+          </a:fontRef>
+        </p:style>
+        <p:txBody>
+          <a:bodyPr rtlCol="0" anchor="t"/>
+          <a:lstStyle/>
+          <a:p>
+            <a:pPr algn="ctr"/>
+            <a:r>
+              <a:rPr lang="en-US" sz="1000" b="1" dirty="0" err="1">
+                <a:latin typeface="Arial" panose="020B0604020202020204" pitchFamily="34" charset="0"/>
+                <a:cs typeface="Arial" panose="020B0604020202020204" pitchFamily="34" charset="0"/>
+              </a:rPr>
+              <a:t>Etapas</a:t>
+            </a:r>
+            <a:r>
+              <a:rPr lang="en-US" sz="1000" b="1" dirty="0">
+                <a:latin typeface="Arial" panose="020B0604020202020204" pitchFamily="34" charset="0"/>
+                <a:cs typeface="Arial" panose="020B0604020202020204" pitchFamily="34" charset="0"/>
+              </a:rPr>
+              <a:t> do RDM</a:t>
+            </a:r>
+          </a:p>
+        </p:txBody>
+      </p:sp>
+      <p:sp>
+        <p:nvSpPr>
+          <p:cNvPr id="94" name="Retângulo de cantos arredondados 6"/>
+          <p:cNvSpPr/>
+          <p:nvPr/>
+        </p:nvSpPr>
+        <p:spPr>
+          <a:xfrm>
+            <a:off x="3357372" y="862194"/>
+            <a:ext cx="2160240" cy="242881"/>
+          </a:xfrm>
+          <a:prstGeom prst="roundRect">
+            <a:avLst/>
+          </a:prstGeom>
+          <a:ln>
+            <a:noFill/>
+          </a:ln>
+        </p:spPr>
+        <p:style>
+          <a:lnRef idx="1">
+            <a:schemeClr val="dk1"/>
+          </a:lnRef>
+          <a:fillRef idx="2">
+            <a:schemeClr val="dk1"/>
+          </a:fillRef>
+          <a:effectRef idx="1">
+            <a:schemeClr val="dk1"/>
+          </a:effectRef>
+          <a:fontRef idx="minor">
+            <a:schemeClr val="dk1"/>
+          </a:fontRef>
+        </p:style>
+        <p:txBody>
+          <a:bodyPr rtlCol="0" anchor="ctr"/>
+          <a:lstStyle/>
+          <a:p>
+            <a:pPr algn="ctr"/>
+            <a:r>
+              <a:rPr lang="pt-BR" sz="1100" b="1" dirty="0">
+                <a:latin typeface="Arial" panose="020B0604020202020204" pitchFamily="34" charset="0"/>
+                <a:cs typeface="Arial" panose="020B0604020202020204" pitchFamily="34" charset="0"/>
+              </a:rPr>
+              <a:t>Etapas do Método de Modelagem</a:t>
+            </a:r>
+          </a:p>
+        </p:txBody>
+      </p:sp>
+      <p:sp>
+        <p:nvSpPr>
+          <p:cNvPr id="98" name="Retângulo de cantos arredondados 6"/>
+          <p:cNvSpPr/>
+          <p:nvPr/>
+        </p:nvSpPr>
+        <p:spPr>
+          <a:xfrm>
+            <a:off x="3561962" y="3264210"/>
+            <a:ext cx="1785323" cy="606377"/>
+          </a:xfrm>
+          <a:prstGeom prst="roundRect">
+            <a:avLst/>
+          </a:prstGeom>
+          <a:ln>
+            <a:noFill/>
+          </a:ln>
+        </p:spPr>
+        <p:style>
+          <a:lnRef idx="1">
+            <a:schemeClr val="dk1"/>
+          </a:lnRef>
+          <a:fillRef idx="2">
+            <a:schemeClr val="dk1"/>
+          </a:fillRef>
+          <a:effectRef idx="1">
+            <a:schemeClr val="dk1"/>
+          </a:effectRef>
+          <a:fontRef idx="minor">
+            <a:schemeClr val="dk1"/>
+          </a:fontRef>
+        </p:style>
+        <p:txBody>
+          <a:bodyPr rtlCol="0" anchor="ctr"/>
+          <a:lstStyle/>
+          <a:p>
+            <a:pPr algn="ctr"/>
+            <a:r>
+              <a:rPr lang="pt-BR" sz="1100" dirty="0">
+                <a:latin typeface="Arial" panose="020B0604020202020204" pitchFamily="34" charset="0"/>
+                <a:cs typeface="Arial" panose="020B0604020202020204" pitchFamily="34" charset="0"/>
+              </a:rPr>
+              <a:t>Formulação do Modelo</a:t>
+            </a:r>
+          </a:p>
+        </p:txBody>
+      </p:sp>
+      <p:sp>
+        <p:nvSpPr>
+          <p:cNvPr id="99" name="Retângulo de cantos arredondados 6"/>
+          <p:cNvSpPr/>
+          <p:nvPr/>
+        </p:nvSpPr>
+        <p:spPr>
+          <a:xfrm>
+            <a:off x="3490120" y="4031432"/>
+            <a:ext cx="1785323" cy="477229"/>
+          </a:xfrm>
+          <a:prstGeom prst="roundRect">
+            <a:avLst/>
+          </a:prstGeom>
+          <a:ln>
+            <a:noFill/>
+          </a:ln>
+        </p:spPr>
+        <p:style>
+          <a:lnRef idx="1">
+            <a:schemeClr val="dk1"/>
+          </a:lnRef>
+          <a:fillRef idx="2">
+            <a:schemeClr val="dk1"/>
+          </a:fillRef>
+          <a:effectRef idx="1">
+            <a:schemeClr val="dk1"/>
+          </a:effectRef>
+          <a:fontRef idx="minor">
+            <a:schemeClr val="dk1"/>
+          </a:fontRef>
+        </p:style>
+        <p:txBody>
+          <a:bodyPr rtlCol="0" anchor="ctr"/>
+          <a:lstStyle/>
+          <a:p>
+            <a:pPr algn="ctr"/>
+            <a:r>
+              <a:rPr lang="pt-BR" sz="1100" dirty="0">
+                <a:latin typeface="Arial" panose="020B0604020202020204" pitchFamily="34" charset="0"/>
+                <a:cs typeface="Arial" panose="020B0604020202020204" pitchFamily="34" charset="0"/>
+              </a:rPr>
+              <a:t>Implementação do modelo Computacional</a:t>
+            </a:r>
+          </a:p>
+        </p:txBody>
+      </p:sp>
+      <p:sp>
+        <p:nvSpPr>
+          <p:cNvPr id="100" name="Retângulo de cantos arredondados 6"/>
+          <p:cNvSpPr/>
+          <p:nvPr/>
+        </p:nvSpPr>
+        <p:spPr>
+          <a:xfrm>
+            <a:off x="3692087" y="5456773"/>
+            <a:ext cx="1785323" cy="624147"/>
+          </a:xfrm>
+          <a:prstGeom prst="roundRect">
+            <a:avLst/>
+          </a:prstGeom>
+          <a:ln>
+            <a:noFill/>
+          </a:ln>
+        </p:spPr>
+        <p:style>
+          <a:lnRef idx="1">
+            <a:schemeClr val="dk1"/>
+          </a:lnRef>
+          <a:fillRef idx="2">
+            <a:schemeClr val="dk1"/>
+          </a:fillRef>
+          <a:effectRef idx="1">
+            <a:schemeClr val="dk1"/>
+          </a:effectRef>
+          <a:fontRef idx="minor">
+            <a:schemeClr val="dk1"/>
+          </a:fontRef>
+        </p:style>
+        <p:txBody>
+          <a:bodyPr rtlCol="0" anchor="ctr"/>
+          <a:lstStyle/>
+          <a:p>
+            <a:pPr algn="ctr"/>
+            <a:r>
+              <a:rPr lang="pt-BR" sz="1100" dirty="0">
+                <a:latin typeface="Arial" panose="020B0604020202020204" pitchFamily="34" charset="0"/>
+                <a:cs typeface="Arial" panose="020B0604020202020204" pitchFamily="34" charset="0"/>
+              </a:rPr>
+              <a:t>Execução do Modelo Computacional</a:t>
+            </a:r>
+          </a:p>
+        </p:txBody>
+      </p:sp>
+      <p:sp>
+        <p:nvSpPr>
+          <p:cNvPr id="101" name="Retângulo de cantos arredondados 6"/>
+          <p:cNvSpPr/>
+          <p:nvPr/>
+        </p:nvSpPr>
+        <p:spPr>
+          <a:xfrm>
+            <a:off x="3591415" y="7634637"/>
+            <a:ext cx="1785323" cy="624147"/>
+          </a:xfrm>
+          <a:prstGeom prst="roundRect">
+            <a:avLst/>
+          </a:prstGeom>
+          <a:ln>
+            <a:noFill/>
+          </a:ln>
+        </p:spPr>
+        <p:style>
+          <a:lnRef idx="1">
+            <a:schemeClr val="dk1"/>
+          </a:lnRef>
+          <a:fillRef idx="2">
+            <a:schemeClr val="dk1"/>
+          </a:fillRef>
+          <a:effectRef idx="1">
+            <a:schemeClr val="dk1"/>
+          </a:effectRef>
+          <a:fontRef idx="minor">
+            <a:schemeClr val="dk1"/>
+          </a:fontRef>
+        </p:style>
+        <p:txBody>
+          <a:bodyPr rtlCol="0" anchor="ctr"/>
+          <a:lstStyle/>
+          <a:p>
+            <a:pPr algn="ctr"/>
+            <a:r>
+              <a:rPr lang="pt-BR" sz="1100" dirty="0">
+                <a:latin typeface="Arial" panose="020B0604020202020204" pitchFamily="34" charset="0"/>
+                <a:cs typeface="Arial" panose="020B0604020202020204" pitchFamily="34" charset="0"/>
+              </a:rPr>
+              <a:t>Análise dos Resultados</a:t>
+            </a:r>
+          </a:p>
+        </p:txBody>
+      </p:sp>
+      <p:cxnSp>
+        <p:nvCxnSpPr>
+          <p:cNvPr id="118" name="Conector: Angulado 117"/>
+          <p:cNvCxnSpPr>
+            <a:stCxn id="37" idx="3"/>
+            <a:endCxn id="98" idx="1"/>
+          </p:cNvCxnSpPr>
+          <p:nvPr/>
+        </p:nvCxnSpPr>
+        <p:spPr>
+          <a:xfrm flipV="1">
+            <a:off x="3189045" y="3567399"/>
+            <a:ext cx="372917" cy="549079"/>
+          </a:xfrm>
+          <a:prstGeom prst="bentConnector3">
+            <a:avLst>
+              <a:gd name="adj1" fmla="val 50000"/>
+            </a:avLst>
+          </a:prstGeom>
+          <a:ln>
+            <a:tailEnd type="triangle"/>
+          </a:ln>
+        </p:spPr>
+        <p:style>
+          <a:lnRef idx="2">
+            <a:schemeClr val="accent4"/>
+          </a:lnRef>
+          <a:fillRef idx="0">
+            <a:schemeClr val="accent4"/>
+          </a:fillRef>
+          <a:effectRef idx="1">
+            <a:schemeClr val="accent4"/>
+          </a:effectRef>
+          <a:fontRef idx="minor">
+            <a:schemeClr val="tx1"/>
+          </a:fontRef>
+        </p:style>
+      </p:cxnSp>
+      <p:cxnSp>
+        <p:nvCxnSpPr>
+          <p:cNvPr id="120" name="Conector: Angulado 119"/>
+          <p:cNvCxnSpPr>
+            <a:stCxn id="37" idx="3"/>
+            <a:endCxn id="99" idx="1"/>
+          </p:cNvCxnSpPr>
+          <p:nvPr/>
+        </p:nvCxnSpPr>
+        <p:spPr>
+          <a:xfrm>
+            <a:off x="3189045" y="4116478"/>
+            <a:ext cx="301075" cy="153569"/>
+          </a:xfrm>
+          <a:prstGeom prst="bentConnector3">
+            <a:avLst>
+              <a:gd name="adj1" fmla="val 50000"/>
+            </a:avLst>
+          </a:prstGeom>
+          <a:ln>
+            <a:tailEnd type="triangle"/>
+          </a:ln>
+        </p:spPr>
+        <p:style>
+          <a:lnRef idx="2">
+            <a:schemeClr val="accent4"/>
+          </a:lnRef>
+          <a:fillRef idx="0">
+            <a:schemeClr val="accent4"/>
+          </a:fillRef>
+          <a:effectRef idx="1">
+            <a:schemeClr val="accent4"/>
+          </a:effectRef>
+          <a:fontRef idx="minor">
+            <a:schemeClr val="tx1"/>
+          </a:fontRef>
+        </p:style>
+      </p:cxnSp>
+      <p:sp>
+        <p:nvSpPr>
+          <p:cNvPr id="57" name="Retângulo de cantos arredondados 6"/>
+          <p:cNvSpPr/>
+          <p:nvPr/>
+        </p:nvSpPr>
+        <p:spPr>
+          <a:xfrm>
+            <a:off x="628817" y="4715107"/>
+            <a:ext cx="2290856" cy="199357"/>
+          </a:xfrm>
+          <a:prstGeom prst="roundRect">
+            <a:avLst/>
+          </a:prstGeom>
+          <a:gradFill>
+            <a:gsLst>
+              <a:gs pos="0">
+                <a:schemeClr val="accent4"/>
+              </a:gs>
+              <a:gs pos="80000">
+                <a:schemeClr val="accent4"/>
+              </a:gs>
+              <a:gs pos="100000">
+                <a:schemeClr val="accent4"/>
+              </a:gs>
+            </a:gsLst>
+          </a:gradFill>
+          <a:ln/>
+        </p:spPr>
+        <p:style>
+          <a:lnRef idx="1">
+            <a:schemeClr val="accent4"/>
+          </a:lnRef>
+          <a:fillRef idx="3">
+            <a:schemeClr val="accent4"/>
+          </a:fillRef>
+          <a:effectRef idx="2">
+            <a:schemeClr val="accent4"/>
+          </a:effectRef>
+          <a:fontRef idx="minor">
+            <a:schemeClr val="lt1"/>
+          </a:fontRef>
+        </p:style>
+        <p:txBody>
+          <a:bodyPr rtlCol="0" anchor="ctr"/>
+          <a:lstStyle/>
+          <a:p>
+            <a:pPr algn="ctr"/>
+            <a:r>
+              <a:rPr lang="en-US" sz="1000" dirty="0" err="1">
+                <a:latin typeface="Arial" panose="020B0604020202020204" pitchFamily="34" charset="0"/>
+                <a:cs typeface="Arial" panose="020B0604020202020204" pitchFamily="34" charset="0"/>
+              </a:rPr>
+              <a:t>Avaliação</a:t>
+            </a:r>
+            <a:r>
+              <a:rPr lang="en-US" sz="1000" dirty="0">
+                <a:latin typeface="Arial" panose="020B0604020202020204" pitchFamily="34" charset="0"/>
+                <a:cs typeface="Arial" panose="020B0604020202020204" pitchFamily="34" charset="0"/>
+              </a:rPr>
+              <a:t> do </a:t>
+            </a:r>
+            <a:r>
+              <a:rPr lang="en-US" sz="1000" dirty="0" err="1">
+                <a:latin typeface="Arial" panose="020B0604020202020204" pitchFamily="34" charset="0"/>
+                <a:cs typeface="Arial" panose="020B0604020202020204" pitchFamily="34" charset="0"/>
+              </a:rPr>
+              <a:t>Modelo</a:t>
+            </a:r>
+            <a:endParaRPr lang="en-US" sz="1000" dirty="0">
+              <a:latin typeface="Arial" panose="020B0604020202020204" pitchFamily="34" charset="0"/>
+              <a:cs typeface="Arial" panose="020B0604020202020204" pitchFamily="34" charset="0"/>
+            </a:endParaRPr>
+          </a:p>
+        </p:txBody>
+      </p:sp>
+      <p:cxnSp>
+        <p:nvCxnSpPr>
+          <p:cNvPr id="64" name="Conector de Seta Reta 63"/>
+          <p:cNvCxnSpPr>
+            <a:stCxn id="76" idx="2"/>
+            <a:endCxn id="57" idx="0"/>
+          </p:cNvCxnSpPr>
+          <p:nvPr/>
+        </p:nvCxnSpPr>
+        <p:spPr>
+          <a:xfrm>
+            <a:off x="1774245" y="4503865"/>
+            <a:ext cx="0" cy="211242"/>
+          </a:xfrm>
+          <a:prstGeom prst="straightConnector1">
+            <a:avLst/>
+          </a:prstGeom>
+          <a:ln>
+            <a:tailEnd type="triangle"/>
+          </a:ln>
+        </p:spPr>
+        <p:style>
+          <a:lnRef idx="1">
+            <a:schemeClr val="dk1"/>
+          </a:lnRef>
+          <a:fillRef idx="0">
+            <a:schemeClr val="dk1"/>
+          </a:fillRef>
+          <a:effectRef idx="0">
+            <a:schemeClr val="dk1"/>
+          </a:effectRef>
+          <a:fontRef idx="minor">
+            <a:schemeClr val="tx1"/>
+          </a:fontRef>
+        </p:style>
+      </p:cxnSp>
+      <p:cxnSp>
+        <p:nvCxnSpPr>
+          <p:cNvPr id="68" name="Conector: Angulado 67"/>
+          <p:cNvCxnSpPr>
+            <a:stCxn id="57" idx="1"/>
+            <a:endCxn id="73" idx="1"/>
+          </p:cNvCxnSpPr>
+          <p:nvPr/>
+        </p:nvCxnSpPr>
+        <p:spPr>
+          <a:xfrm rot="10800000">
+            <a:off x="628817" y="3627972"/>
+            <a:ext cx="12700" cy="1186814"/>
+          </a:xfrm>
+          <a:prstGeom prst="bentConnector3">
+            <a:avLst>
+              <a:gd name="adj1" fmla="val 1800000"/>
+            </a:avLst>
+          </a:prstGeom>
+          <a:ln>
+            <a:tailEnd type="triangle"/>
+          </a:ln>
+        </p:spPr>
+        <p:style>
+          <a:lnRef idx="1">
+            <a:schemeClr val="dk1"/>
+          </a:lnRef>
+          <a:fillRef idx="0">
+            <a:schemeClr val="dk1"/>
+          </a:fillRef>
+          <a:effectRef idx="0">
+            <a:schemeClr val="dk1"/>
+          </a:effectRef>
+          <a:fontRef idx="minor">
+            <a:schemeClr val="tx1"/>
+          </a:fontRef>
+        </p:style>
+      </p:cxnSp>
+      <p:sp>
+        <p:nvSpPr>
+          <p:cNvPr id="58" name="Retângulo de cantos arredondados 6">
+            <a:extLst>
+              <a:ext uri="{FF2B5EF4-FFF2-40B4-BE49-F238E27FC236}">
+                <a16:creationId xmlns:a16="http://schemas.microsoft.com/office/drawing/2014/main" id="{2AD629CB-3FCD-42E5-940D-8B12EE4753B4}"/>
+              </a:ext>
+            </a:extLst>
+          </p:cNvPr>
+          <p:cNvSpPr/>
+          <p:nvPr/>
+        </p:nvSpPr>
+        <p:spPr>
+          <a:xfrm>
+            <a:off x="3455564" y="1349388"/>
+            <a:ext cx="1963855" cy="1667082"/>
+          </a:xfrm>
+          <a:prstGeom prst="roundRect">
+            <a:avLst/>
+          </a:prstGeom>
+          <a:ln>
+            <a:noFill/>
+          </a:ln>
+        </p:spPr>
+        <p:style>
+          <a:lnRef idx="1">
+            <a:schemeClr val="dk1"/>
+          </a:lnRef>
+          <a:fillRef idx="2">
+            <a:schemeClr val="dk1"/>
+          </a:fillRef>
+          <a:effectRef idx="1">
+            <a:schemeClr val="dk1"/>
+          </a:effectRef>
+          <a:fontRef idx="minor">
+            <a:schemeClr val="dk1"/>
+          </a:fontRef>
+        </p:style>
+        <p:txBody>
+          <a:bodyPr rtlCol="0" anchor="ctr"/>
+          <a:lstStyle/>
+          <a:p>
+            <a:pPr algn="ctr"/>
+            <a:r>
+              <a:rPr lang="pt-BR" sz="1100" dirty="0">
+                <a:latin typeface="Arial" panose="020B0604020202020204" pitchFamily="34" charset="0"/>
+                <a:cs typeface="Arial" panose="020B0604020202020204" pitchFamily="34" charset="0"/>
+              </a:rPr>
+              <a:t>Definição do Problema</a:t>
+            </a:r>
+          </a:p>
+        </p:txBody>
+      </p:sp>
+      <p:sp>
+        <p:nvSpPr>
+          <p:cNvPr id="59" name="Retângulo de cantos arredondados 6">
+            <a:extLst>
+              <a:ext uri="{FF2B5EF4-FFF2-40B4-BE49-F238E27FC236}">
+                <a16:creationId xmlns:a16="http://schemas.microsoft.com/office/drawing/2014/main" id="{1B79CA95-7D5D-4315-A53D-5952671CAE34}"/>
+              </a:ext>
+            </a:extLst>
+          </p:cNvPr>
+          <p:cNvSpPr/>
+          <p:nvPr/>
+        </p:nvSpPr>
+        <p:spPr>
+          <a:xfrm>
+            <a:off x="3477077" y="4680421"/>
+            <a:ext cx="1785323" cy="433845"/>
+          </a:xfrm>
+          <a:prstGeom prst="roundRect">
+            <a:avLst/>
+          </a:prstGeom>
+          <a:ln>
+            <a:noFill/>
+          </a:ln>
+        </p:spPr>
+        <p:style>
+          <a:lnRef idx="1">
+            <a:schemeClr val="dk1"/>
+          </a:lnRef>
+          <a:fillRef idx="2">
+            <a:schemeClr val="dk1"/>
+          </a:fillRef>
+          <a:effectRef idx="1">
+            <a:schemeClr val="dk1"/>
+          </a:effectRef>
+          <a:fontRef idx="minor">
+            <a:schemeClr val="dk1"/>
+          </a:fontRef>
+        </p:style>
+        <p:txBody>
+          <a:bodyPr rtlCol="0" anchor="ctr"/>
+          <a:lstStyle/>
+          <a:p>
+            <a:pPr algn="ctr"/>
+            <a:r>
+              <a:rPr lang="pt-BR" sz="1100" dirty="0">
+                <a:latin typeface="Arial" panose="020B0604020202020204" pitchFamily="34" charset="0"/>
+                <a:cs typeface="Arial" panose="020B0604020202020204" pitchFamily="34" charset="0"/>
+              </a:rPr>
+              <a:t>Validação do Modelo Computacional</a:t>
+            </a:r>
+          </a:p>
+        </p:txBody>
+      </p:sp>
+    </p:spTree>
+    <p:extLst>
+      <p:ext uri="{BB962C8B-B14F-4D97-AF65-F5344CB8AC3E}">
+        <p14:creationId xmlns:p14="http://schemas.microsoft.com/office/powerpoint/2010/main" val="477443239"/>
+      </p:ext>
+    </p:extLst>
+  </p:cSld>
+  <p:clrMapOvr>
+    <a:masterClrMapping/>
+  </p:clrMapOvr>
+</p:sld>
+</file>
+
+<file path=ppt/slides/slide12.xml><?xml version="1.0" encoding="utf-8"?>
+<p:sld xmlns:a="http://schemas.openxmlformats.org/drawingml/2006/main" xmlns:r="http://schemas.openxmlformats.org/officeDocument/2006/relationships" xmlns:p="http://schemas.openxmlformats.org/presentationml/2006/main">
+  <p:cSld>
+    <p:spTree>
+      <p:nvGrpSpPr>
+        <p:cNvPr id="1" name=""/>
+        <p:cNvGrpSpPr/>
+        <p:nvPr/>
+      </p:nvGrpSpPr>
+      <p:grpSpPr>
+        <a:xfrm>
+          <a:off x="0" y="0"/>
+          <a:ext cx="0" cy="0"/>
+          <a:chOff x="0" y="0"/>
+          <a:chExt cx="0" cy="0"/>
+        </a:xfrm>
+      </p:grpSpPr>
+      <p:sp>
+        <p:nvSpPr>
+          <p:cNvPr id="15" name="Retângulo de cantos arredondados 99"/>
+          <p:cNvSpPr/>
+          <p:nvPr/>
+        </p:nvSpPr>
+        <p:spPr>
+          <a:xfrm>
             <a:off x="172488" y="647972"/>
             <a:ext cx="5497674" cy="7344817"/>
           </a:xfrm>
@@ -7742,7 +10131,7 @@
 </p:sld>
 </file>
 
-<file path=ppt/slides/slide12.xml><?xml version="1.0" encoding="utf-8"?>
+<file path=ppt/slides/slide13.xml><?xml version="1.0" encoding="utf-8"?>
 <p:sld xmlns:a="http://schemas.openxmlformats.org/drawingml/2006/main" xmlns:r="http://schemas.openxmlformats.org/officeDocument/2006/relationships" xmlns:p="http://schemas.openxmlformats.org/presentationml/2006/main">
   <p:cSld>
     <p:spTree>
@@ -9653,7 +12042,7 @@
 </p:sld>
 </file>
 
-<file path=ppt/slides/slide13.xml><?xml version="1.0" encoding="utf-8"?>
+<file path=ppt/slides/slide14.xml><?xml version="1.0" encoding="utf-8"?>
 <p:sld xmlns:a="http://schemas.openxmlformats.org/drawingml/2006/main" xmlns:r="http://schemas.openxmlformats.org/officeDocument/2006/relationships" xmlns:p="http://schemas.openxmlformats.org/presentationml/2006/main">
   <p:cSld>
     <p:spTree>

--- a/dissertacao-docs/apresentacoes/Dissertação - RDM - EMA - Imagens-Retrato.pptx
+++ b/dissertacao-docs/apresentacoes/Dissertação - RDM - EMA - Imagens-Retrato.pptx
@@ -18,7 +18,8 @@
     <p:sldId id="268" r:id="rId12"/>
     <p:sldId id="269" r:id="rId13"/>
     <p:sldId id="270" r:id="rId14"/>
-    <p:sldId id="271" r:id="rId15"/>
+    <p:sldId id="273" r:id="rId15"/>
+    <p:sldId id="271" r:id="rId16"/>
   </p:sldIdLst>
   <p:sldSz cx="5759450" cy="8640763"/>
   <p:notesSz cx="6858000" cy="9144000"/>
@@ -4130,66 +4131,19 @@
       </p:grpSpPr>
       <p:sp>
         <p:nvSpPr>
-          <p:cNvPr id="15" name="Retângulo de cantos arredondados 99"/>
-          <p:cNvSpPr/>
-          <p:nvPr/>
-        </p:nvSpPr>
-        <p:spPr>
-          <a:xfrm>
-            <a:off x="359444" y="2033791"/>
-            <a:ext cx="5416271" cy="6463054"/>
-          </a:xfrm>
-          <a:prstGeom prst="roundRect">
-            <a:avLst>
-              <a:gd name="adj" fmla="val 6337"/>
-            </a:avLst>
-          </a:prstGeom>
-          <a:ln/>
-        </p:spPr>
-        <p:style>
-          <a:lnRef idx="2">
-            <a:schemeClr val="dk1"/>
-          </a:lnRef>
-          <a:fillRef idx="1">
-            <a:schemeClr val="lt1"/>
-          </a:fillRef>
-          <a:effectRef idx="0">
-            <a:schemeClr val="dk1"/>
-          </a:effectRef>
-          <a:fontRef idx="minor">
-            <a:schemeClr val="dk1"/>
-          </a:fontRef>
-        </p:style>
-        <p:txBody>
-          <a:bodyPr rtlCol="0" anchor="t"/>
-          <a:lstStyle/>
-          <a:p>
-            <a:pPr algn="ctr"/>
-            <a:endParaRPr lang="pt-BR" sz="1100" dirty="0">
-              <a:solidFill>
-                <a:schemeClr val="tx1"/>
-              </a:solidFill>
-              <a:latin typeface="Times New Roman" panose="02020603050405020304" pitchFamily="18" charset="0"/>
-              <a:cs typeface="Times New Roman" panose="02020603050405020304" pitchFamily="18" charset="0"/>
-            </a:endParaRPr>
-          </a:p>
-        </p:txBody>
-      </p:sp>
-      <p:sp>
-        <p:nvSpPr>
           <p:cNvPr id="36" name="Retângulo de cantos arredondados 6"/>
           <p:cNvSpPr/>
           <p:nvPr/>
         </p:nvSpPr>
         <p:spPr>
           <a:xfrm>
-            <a:off x="697150" y="2573990"/>
+            <a:off x="460500" y="765727"/>
             <a:ext cx="2829600" cy="296545"/>
           </a:xfrm>
           <a:prstGeom prst="roundRect">
             <a:avLst/>
           </a:prstGeom>
-          <a:ln/>
+          <a:ln w="19050"/>
         </p:spPr>
         <p:style>
           <a:lnRef idx="2">
@@ -4258,13 +4212,13 @@
         </p:nvSpPr>
         <p:spPr>
           <a:xfrm>
-            <a:off x="697150" y="3133693"/>
-            <a:ext cx="2829600" cy="1965569"/>
+            <a:off x="460500" y="1185212"/>
+            <a:ext cx="2829600" cy="1115843"/>
           </a:xfrm>
           <a:prstGeom prst="roundRect">
             <a:avLst/>
           </a:prstGeom>
-          <a:ln/>
+          <a:ln w="19050"/>
         </p:spPr>
         <p:style>
           <a:lnRef idx="2">
@@ -4281,7 +4235,7 @@
           </a:fontRef>
         </p:style>
         <p:txBody>
-          <a:bodyPr rtlCol="0" anchor="t"/>
+          <a:bodyPr vert="vert270" rtlCol="0" anchor="t"/>
           <a:lstStyle/>
           <a:p>
             <a:pPr algn="ctr"/>
@@ -4342,13 +4296,13 @@
         </p:nvSpPr>
         <p:spPr>
           <a:xfrm>
-            <a:off x="697150" y="5232368"/>
-            <a:ext cx="2829600" cy="1752309"/>
+            <a:off x="460500" y="2404912"/>
+            <a:ext cx="2829600" cy="1621639"/>
           </a:xfrm>
           <a:prstGeom prst="roundRect">
             <a:avLst/>
           </a:prstGeom>
-          <a:ln/>
+          <a:ln w="19050"/>
         </p:spPr>
         <p:style>
           <a:lnRef idx="2">
@@ -4365,7 +4319,7 @@
           </a:fontRef>
         </p:style>
         <p:txBody>
-          <a:bodyPr rtlCol="0" anchor="t"/>
+          <a:bodyPr vert="vert270" rtlCol="0" anchor="t"/>
           <a:lstStyle/>
           <a:p>
             <a:pPr algn="ctr"/>
@@ -4471,13 +4425,13 @@
         </p:nvSpPr>
         <p:spPr>
           <a:xfrm>
-            <a:off x="697150" y="7114411"/>
-            <a:ext cx="2829600" cy="1238418"/>
+            <a:off x="460500" y="4085423"/>
+            <a:ext cx="2829600" cy="1309280"/>
           </a:xfrm>
           <a:prstGeom prst="roundRect">
             <a:avLst/>
           </a:prstGeom>
-          <a:ln/>
+          <a:ln w="19050"/>
         </p:spPr>
         <p:style>
           <a:lnRef idx="2">
@@ -4494,7 +4448,7 @@
           </a:fontRef>
         </p:style>
         <p:txBody>
-          <a:bodyPr rtlCol="0" anchor="t"/>
+          <a:bodyPr vert="vert270" rtlCol="0" anchor="t"/>
           <a:lstStyle/>
           <a:p>
             <a:pPr algn="ctr"/>
@@ -4533,13 +4487,13 @@
         </p:nvCxnSpPr>
         <p:spPr>
           <a:xfrm>
-            <a:off x="2111950" y="2870535"/>
-            <a:ext cx="0" cy="263158"/>
+            <a:off x="1875300" y="1062272"/>
+            <a:ext cx="0" cy="122940"/>
           </a:xfrm>
           <a:prstGeom prst="straightConnector1">
             <a:avLst/>
           </a:prstGeom>
-          <a:ln>
+          <a:ln w="19050">
             <a:tailEnd type="triangle"/>
           </a:ln>
         </p:spPr>
@@ -4566,8 +4520,8 @@
         </p:nvSpPr>
         <p:spPr>
           <a:xfrm>
-            <a:off x="71413" y="2115657"/>
-            <a:ext cx="5614526" cy="6463054"/>
+            <a:off x="338819" y="359941"/>
+            <a:ext cx="5081811" cy="5034762"/>
           </a:xfrm>
           <a:prstGeom prst="roundRect">
             <a:avLst>
@@ -4575,7 +4529,7 @@
             </a:avLst>
           </a:prstGeom>
           <a:noFill/>
-          <a:ln w="12700">
+          <a:ln w="19050">
             <a:noFill/>
             <a:prstDash val="dash"/>
           </a:ln>
@@ -4607,7 +4561,7 @@
                 <a:latin typeface="Times New Roman" panose="02020603050405020304" pitchFamily="18" charset="0"/>
                 <a:cs typeface="Times New Roman" panose="02020603050405020304" pitchFamily="18" charset="0"/>
               </a:rPr>
-              <a:t>                     Etapas do Método de Trabalho                     Técnicas Empregadas</a:t>
+              <a:t>              Etapas do Método de Trabalho                           Técnicas Empregadas</a:t>
             </a:r>
             <a:endParaRPr lang="pt-BR" sz="1100" dirty="0">
               <a:latin typeface="Times New Roman" panose="02020603050405020304" pitchFamily="18" charset="0"/>
@@ -4624,13 +4578,13 @@
         </p:nvSpPr>
         <p:spPr>
           <a:xfrm>
-            <a:off x="966522" y="3528293"/>
-            <a:ext cx="2290856" cy="199357"/>
+            <a:off x="1193636" y="1236978"/>
+            <a:ext cx="1893269" cy="199357"/>
           </a:xfrm>
           <a:prstGeom prst="roundRect">
             <a:avLst/>
           </a:prstGeom>
-          <a:ln/>
+          <a:ln w="19050"/>
         </p:spPr>
         <p:style>
           <a:lnRef idx="2">
@@ -4693,19 +4647,19 @@
       </p:sp>
       <p:sp>
         <p:nvSpPr>
-          <p:cNvPr id="75" name="Retângulo de cantos arredondados 6"/>
+          <p:cNvPr id="76" name="Retângulo de cantos arredondados 6"/>
           <p:cNvSpPr/>
           <p:nvPr/>
         </p:nvSpPr>
         <p:spPr>
           <a:xfrm>
-            <a:off x="966522" y="3964740"/>
-            <a:ext cx="2290856" cy="199357"/>
+            <a:off x="1193636" y="1637455"/>
+            <a:ext cx="1893269" cy="199357"/>
           </a:xfrm>
           <a:prstGeom prst="roundRect">
             <a:avLst/>
           </a:prstGeom>
-          <a:ln/>
+          <a:ln w="19050"/>
         </p:spPr>
         <p:style>
           <a:lnRef idx="2">
@@ -4734,7 +4688,7 @@
                 <a:latin typeface="Times New Roman" panose="02020603050405020304" pitchFamily="18" charset="0"/>
                 <a:cs typeface="Times New Roman" panose="02020603050405020304" pitchFamily="18" charset="0"/>
               </a:rPr>
-              <a:t>Definição</a:t>
+              <a:t>Geração</a:t>
             </a:r>
             <a:r>
               <a:rPr lang="en-US" sz="1000" dirty="0">
@@ -4744,7 +4698,7 @@
                 <a:latin typeface="Times New Roman" panose="02020603050405020304" pitchFamily="18" charset="0"/>
                 <a:cs typeface="Times New Roman" panose="02020603050405020304" pitchFamily="18" charset="0"/>
               </a:rPr>
-              <a:t> do </a:t>
+              <a:t> dos </a:t>
             </a:r>
             <a:r>
               <a:rPr lang="en-US" sz="1000" dirty="0" err="1">
@@ -4754,7 +4708,7 @@
                 <a:latin typeface="Times New Roman" panose="02020603050405020304" pitchFamily="18" charset="0"/>
                 <a:cs typeface="Times New Roman" panose="02020603050405020304" pitchFamily="18" charset="0"/>
               </a:rPr>
-              <a:t>Experimento</a:t>
+              <a:t>Casos</a:t>
             </a:r>
             <a:endParaRPr lang="en-US" sz="1000" dirty="0">
               <a:solidFill>
@@ -4766,21 +4720,27 @@
           </a:p>
         </p:txBody>
       </p:sp>
-      <p:sp>
-        <p:nvSpPr>
-          <p:cNvPr id="76" name="Retângulo de cantos arredondados 6"/>
-          <p:cNvSpPr/>
-          <p:nvPr/>
-        </p:nvSpPr>
-        <p:spPr>
-          <a:xfrm>
-            <a:off x="966522" y="4344166"/>
-            <a:ext cx="2290856" cy="199357"/>
-          </a:xfrm>
-          <a:prstGeom prst="roundRect">
-            <a:avLst/>
-          </a:prstGeom>
-          <a:ln/>
+      <p:cxnSp>
+        <p:nvCxnSpPr>
+          <p:cNvPr id="78" name="Conector de Seta Reta 77"/>
+          <p:cNvCxnSpPr>
+            <a:cxnSpLocks/>
+            <a:stCxn id="73" idx="2"/>
+            <a:endCxn id="76" idx="0"/>
+          </p:cNvCxnSpPr>
+          <p:nvPr/>
+        </p:nvCxnSpPr>
+        <p:spPr>
+          <a:xfrm>
+            <a:off x="2140271" y="1436335"/>
+            <a:ext cx="0" cy="201120"/>
+          </a:xfrm>
+          <a:prstGeom prst="straightConnector1">
+            <a:avLst/>
+          </a:prstGeom>
+          <a:ln w="19050">
+            <a:tailEnd type="triangle"/>
+          </a:ln>
         </p:spPr>
         <p:style>
           <a:lnRef idx="2">
@@ -4796,8 +4756,39 @@
             <a:schemeClr val="dk1"/>
           </a:fontRef>
         </p:style>
-        <p:txBody>
-          <a:bodyPr rtlCol="0" anchor="ctr"/>
+      </p:cxnSp>
+      <p:sp>
+        <p:nvSpPr>
+          <p:cNvPr id="104" name="Retângulo de cantos arredondados 6"/>
+          <p:cNvSpPr/>
+          <p:nvPr/>
+        </p:nvSpPr>
+        <p:spPr>
+          <a:xfrm>
+            <a:off x="1061402" y="3012366"/>
+            <a:ext cx="2157737" cy="267034"/>
+          </a:xfrm>
+          <a:prstGeom prst="roundRect">
+            <a:avLst/>
+          </a:prstGeom>
+          <a:ln w="19050"/>
+        </p:spPr>
+        <p:style>
+          <a:lnRef idx="2">
+            <a:schemeClr val="dk1"/>
+          </a:lnRef>
+          <a:fillRef idx="1">
+            <a:schemeClr val="lt1"/>
+          </a:fillRef>
+          <a:effectRef idx="0">
+            <a:schemeClr val="dk1"/>
+          </a:effectRef>
+          <a:fontRef idx="minor">
+            <a:schemeClr val="dk1"/>
+          </a:fontRef>
+        </p:style>
+        <p:txBody>
+          <a:bodyPr rtlCol="0" anchor="t"/>
           <a:lstStyle/>
           <a:p>
             <a:pPr algn="ctr"/>
@@ -4809,7 +4800,7 @@
                 <a:latin typeface="Times New Roman" panose="02020603050405020304" pitchFamily="18" charset="0"/>
                 <a:cs typeface="Times New Roman" panose="02020603050405020304" pitchFamily="18" charset="0"/>
               </a:rPr>
-              <a:t>Geração</a:t>
+              <a:t>Identificação</a:t>
             </a:r>
             <a:r>
               <a:rPr lang="en-US" sz="1000" dirty="0">
@@ -4819,7 +4810,7 @@
                 <a:latin typeface="Times New Roman" panose="02020603050405020304" pitchFamily="18" charset="0"/>
                 <a:cs typeface="Times New Roman" panose="02020603050405020304" pitchFamily="18" charset="0"/>
               </a:rPr>
-              <a:t> dos </a:t>
+              <a:t> de </a:t>
             </a:r>
             <a:r>
               <a:rPr lang="en-US" sz="1000" dirty="0" err="1">
@@ -4829,7 +4820,27 @@
                 <a:latin typeface="Times New Roman" panose="02020603050405020304" pitchFamily="18" charset="0"/>
                 <a:cs typeface="Times New Roman" panose="02020603050405020304" pitchFamily="18" charset="0"/>
               </a:rPr>
-              <a:t>Casos</a:t>
+              <a:t>Incertezas</a:t>
+            </a:r>
+            <a:r>
+              <a:rPr lang="en-US" sz="1000" dirty="0">
+                <a:solidFill>
+                  <a:schemeClr val="tx1"/>
+                </a:solidFill>
+                <a:latin typeface="Times New Roman" panose="02020603050405020304" pitchFamily="18" charset="0"/>
+                <a:cs typeface="Times New Roman" panose="02020603050405020304" pitchFamily="18" charset="0"/>
+              </a:rPr>
+              <a:t> </a:t>
+            </a:r>
+            <a:r>
+              <a:rPr lang="en-US" sz="1000" dirty="0" err="1">
+                <a:solidFill>
+                  <a:schemeClr val="tx1"/>
+                </a:solidFill>
+                <a:latin typeface="Times New Roman" panose="02020603050405020304" pitchFamily="18" charset="0"/>
+                <a:cs typeface="Times New Roman" panose="02020603050405020304" pitchFamily="18" charset="0"/>
+              </a:rPr>
+              <a:t>Críticas</a:t>
             </a:r>
             <a:endParaRPr lang="en-US" sz="1000" dirty="0">
               <a:solidFill>
@@ -4841,93 +4852,21 @@
           </a:p>
         </p:txBody>
       </p:sp>
-      <p:cxnSp>
-        <p:nvCxnSpPr>
-          <p:cNvPr id="78" name="Conector de Seta Reta 77"/>
-          <p:cNvCxnSpPr>
-            <a:stCxn id="73" idx="2"/>
-            <a:endCxn id="75" idx="0"/>
-          </p:cNvCxnSpPr>
-          <p:nvPr/>
-        </p:nvCxnSpPr>
-        <p:spPr>
-          <a:xfrm>
-            <a:off x="2111950" y="3727650"/>
-            <a:ext cx="0" cy="237090"/>
-          </a:xfrm>
-          <a:prstGeom prst="straightConnector1">
-            <a:avLst/>
-          </a:prstGeom>
-          <a:ln>
-            <a:tailEnd type="triangle"/>
-          </a:ln>
-        </p:spPr>
-        <p:style>
-          <a:lnRef idx="2">
-            <a:schemeClr val="dk1"/>
-          </a:lnRef>
-          <a:fillRef idx="1">
-            <a:schemeClr val="lt1"/>
-          </a:fillRef>
-          <a:effectRef idx="0">
-            <a:schemeClr val="dk1"/>
-          </a:effectRef>
-          <a:fontRef idx="minor">
-            <a:schemeClr val="dk1"/>
-          </a:fontRef>
-        </p:style>
-      </p:cxnSp>
-      <p:cxnSp>
-        <p:nvCxnSpPr>
-          <p:cNvPr id="88" name="Conector de Seta Reta 87"/>
-          <p:cNvCxnSpPr>
-            <a:stCxn id="75" idx="2"/>
-            <a:endCxn id="76" idx="0"/>
-          </p:cNvCxnSpPr>
-          <p:nvPr/>
-        </p:nvCxnSpPr>
-        <p:spPr>
-          <a:xfrm>
-            <a:off x="2111950" y="4164097"/>
-            <a:ext cx="0" cy="180069"/>
-          </a:xfrm>
-          <a:prstGeom prst="straightConnector1">
-            <a:avLst/>
-          </a:prstGeom>
-          <a:ln>
-            <a:tailEnd type="triangle"/>
-          </a:ln>
-        </p:spPr>
-        <p:style>
-          <a:lnRef idx="2">
-            <a:schemeClr val="dk1"/>
-          </a:lnRef>
-          <a:fillRef idx="1">
-            <a:schemeClr val="lt1"/>
-          </a:fillRef>
-          <a:effectRef idx="0">
-            <a:schemeClr val="dk1"/>
-          </a:effectRef>
-          <a:fontRef idx="minor">
-            <a:schemeClr val="dk1"/>
-          </a:fontRef>
-        </p:style>
-      </p:cxnSp>
-      <p:sp>
-        <p:nvSpPr>
-          <p:cNvPr id="104" name="Retângulo de cantos arredondados 6"/>
+      <p:sp>
+        <p:nvSpPr>
+          <p:cNvPr id="105" name="Retângulo de cantos arredondados 6"/>
           <p:cNvSpPr/>
           <p:nvPr/>
         </p:nvSpPr>
         <p:spPr>
           <a:xfrm>
-            <a:off x="806519" y="6033885"/>
-            <a:ext cx="2610862" cy="267034"/>
+            <a:off x="1061402" y="3457567"/>
+            <a:ext cx="2157737" cy="417582"/>
           </a:xfrm>
           <a:prstGeom prst="roundRect">
             <a:avLst/>
           </a:prstGeom>
-          <a:ln/>
+          <a:ln w="19050"/>
         </p:spPr>
         <p:style>
           <a:lnRef idx="2">
@@ -4966,7 +4905,7 @@
                 <a:latin typeface="Times New Roman" panose="02020603050405020304" pitchFamily="18" charset="0"/>
                 <a:cs typeface="Times New Roman" panose="02020603050405020304" pitchFamily="18" charset="0"/>
               </a:rPr>
-              <a:t> de </a:t>
+              <a:t> dos </a:t>
             </a:r>
             <a:r>
               <a:rPr lang="en-US" sz="1000" dirty="0" err="1">
@@ -4976,7 +4915,7 @@
                 <a:latin typeface="Times New Roman" panose="02020603050405020304" pitchFamily="18" charset="0"/>
                 <a:cs typeface="Times New Roman" panose="02020603050405020304" pitchFamily="18" charset="0"/>
               </a:rPr>
-              <a:t>Incertezas</a:t>
+              <a:t>Cenários</a:t>
             </a:r>
             <a:r>
               <a:rPr lang="en-US" sz="1000" dirty="0">
@@ -4986,7 +4925,7 @@
                 <a:latin typeface="Times New Roman" panose="02020603050405020304" pitchFamily="18" charset="0"/>
                 <a:cs typeface="Times New Roman" panose="02020603050405020304" pitchFamily="18" charset="0"/>
               </a:rPr>
-              <a:t> </a:t>
+              <a:t> de </a:t>
             </a:r>
             <a:r>
               <a:rPr lang="en-US" sz="1000" dirty="0" err="1">
@@ -4996,7 +4935,219 @@
                 <a:latin typeface="Times New Roman" panose="02020603050405020304" pitchFamily="18" charset="0"/>
                 <a:cs typeface="Times New Roman" panose="02020603050405020304" pitchFamily="18" charset="0"/>
               </a:rPr>
-              <a:t>Críticas</a:t>
+              <a:t>Vulnerabilidade</a:t>
+            </a:r>
+            <a:r>
+              <a:rPr lang="en-US" sz="1000" dirty="0">
+                <a:solidFill>
+                  <a:schemeClr val="tx1"/>
+                </a:solidFill>
+                <a:latin typeface="Times New Roman" panose="02020603050405020304" pitchFamily="18" charset="0"/>
+                <a:cs typeface="Times New Roman" panose="02020603050405020304" pitchFamily="18" charset="0"/>
+              </a:rPr>
+              <a:t>.</a:t>
+            </a:r>
+          </a:p>
+        </p:txBody>
+      </p:sp>
+      <p:cxnSp>
+        <p:nvCxnSpPr>
+          <p:cNvPr id="106" name="Conector de Seta Reta 105"/>
+          <p:cNvCxnSpPr>
+            <a:stCxn id="104" idx="2"/>
+            <a:endCxn id="105" idx="0"/>
+          </p:cNvCxnSpPr>
+          <p:nvPr/>
+        </p:nvCxnSpPr>
+        <p:spPr>
+          <a:xfrm>
+            <a:off x="2140271" y="3279400"/>
+            <a:ext cx="0" cy="178167"/>
+          </a:xfrm>
+          <a:prstGeom prst="straightConnector1">
+            <a:avLst/>
+          </a:prstGeom>
+          <a:ln w="19050">
+            <a:tailEnd type="triangle"/>
+          </a:ln>
+        </p:spPr>
+        <p:style>
+          <a:lnRef idx="2">
+            <a:schemeClr val="dk1"/>
+          </a:lnRef>
+          <a:fillRef idx="1">
+            <a:schemeClr val="lt1"/>
+          </a:fillRef>
+          <a:effectRef idx="0">
+            <a:schemeClr val="dk1"/>
+          </a:effectRef>
+          <a:fontRef idx="minor">
+            <a:schemeClr val="dk1"/>
+          </a:fontRef>
+        </p:style>
+      </p:cxnSp>
+      <p:sp>
+        <p:nvSpPr>
+          <p:cNvPr id="113" name="Retângulo de cantos arredondados 6"/>
+          <p:cNvSpPr/>
+          <p:nvPr/>
+        </p:nvSpPr>
+        <p:spPr>
+          <a:xfrm>
+            <a:off x="1061402" y="4262839"/>
+            <a:ext cx="2157737" cy="417582"/>
+          </a:xfrm>
+          <a:prstGeom prst="roundRect">
+            <a:avLst/>
+          </a:prstGeom>
+          <a:ln w="19050"/>
+        </p:spPr>
+        <p:style>
+          <a:lnRef idx="2">
+            <a:schemeClr val="dk1"/>
+          </a:lnRef>
+          <a:fillRef idx="1">
+            <a:schemeClr val="lt1"/>
+          </a:fillRef>
+          <a:effectRef idx="0">
+            <a:schemeClr val="dk1"/>
+          </a:effectRef>
+          <a:fontRef idx="minor">
+            <a:schemeClr val="dk1"/>
+          </a:fontRef>
+        </p:style>
+        <p:txBody>
+          <a:bodyPr rtlCol="0" anchor="t"/>
+          <a:lstStyle/>
+          <a:p>
+            <a:pPr algn="ctr"/>
+            <a:r>
+              <a:rPr lang="en-US" sz="1000" dirty="0" err="1">
+                <a:solidFill>
+                  <a:schemeClr val="tx1"/>
+                </a:solidFill>
+                <a:latin typeface="Times New Roman" panose="02020603050405020304" pitchFamily="18" charset="0"/>
+                <a:cs typeface="Times New Roman" panose="02020603050405020304" pitchFamily="18" charset="0"/>
+              </a:rPr>
+              <a:t>Identificação</a:t>
+            </a:r>
+            <a:r>
+              <a:rPr lang="en-US" sz="1000" dirty="0">
+                <a:solidFill>
+                  <a:schemeClr val="tx1"/>
+                </a:solidFill>
+                <a:latin typeface="Times New Roman" panose="02020603050405020304" pitchFamily="18" charset="0"/>
+                <a:cs typeface="Times New Roman" panose="02020603050405020304" pitchFamily="18" charset="0"/>
+              </a:rPr>
+              <a:t> da </a:t>
+            </a:r>
+            <a:r>
+              <a:rPr lang="en-US" sz="1000" dirty="0" err="1">
+                <a:solidFill>
+                  <a:schemeClr val="tx1"/>
+                </a:solidFill>
+                <a:latin typeface="Times New Roman" panose="02020603050405020304" pitchFamily="18" charset="0"/>
+                <a:cs typeface="Times New Roman" panose="02020603050405020304" pitchFamily="18" charset="0"/>
+              </a:rPr>
+              <a:t>Fronteira</a:t>
+            </a:r>
+            <a:r>
+              <a:rPr lang="en-US" sz="1000" dirty="0">
+                <a:solidFill>
+                  <a:schemeClr val="tx1"/>
+                </a:solidFill>
+                <a:latin typeface="Times New Roman" panose="02020603050405020304" pitchFamily="18" charset="0"/>
+                <a:cs typeface="Times New Roman" panose="02020603050405020304" pitchFamily="18" charset="0"/>
+              </a:rPr>
+              <a:t> de Tradeoff</a:t>
+            </a:r>
+          </a:p>
+        </p:txBody>
+      </p:sp>
+      <p:sp>
+        <p:nvSpPr>
+          <p:cNvPr id="114" name="Retângulo de cantos arredondados 6"/>
+          <p:cNvSpPr/>
+          <p:nvPr/>
+        </p:nvSpPr>
+        <p:spPr>
+          <a:xfrm>
+            <a:off x="1061402" y="4925192"/>
+            <a:ext cx="2157737" cy="259285"/>
+          </a:xfrm>
+          <a:prstGeom prst="roundRect">
+            <a:avLst/>
+          </a:prstGeom>
+          <a:ln w="19050"/>
+        </p:spPr>
+        <p:style>
+          <a:lnRef idx="2">
+            <a:schemeClr val="dk1"/>
+          </a:lnRef>
+          <a:fillRef idx="1">
+            <a:schemeClr val="lt1"/>
+          </a:fillRef>
+          <a:effectRef idx="0">
+            <a:schemeClr val="dk1"/>
+          </a:effectRef>
+          <a:fontRef idx="minor">
+            <a:schemeClr val="dk1"/>
+          </a:fontRef>
+        </p:style>
+        <p:txBody>
+          <a:bodyPr rtlCol="0" anchor="t"/>
+          <a:lstStyle/>
+          <a:p>
+            <a:pPr algn="ctr"/>
+            <a:r>
+              <a:rPr lang="en-US" sz="1000" dirty="0" err="1">
+                <a:solidFill>
+                  <a:schemeClr val="tx1"/>
+                </a:solidFill>
+                <a:latin typeface="Times New Roman" panose="02020603050405020304" pitchFamily="18" charset="0"/>
+                <a:cs typeface="Times New Roman" panose="02020603050405020304" pitchFamily="18" charset="0"/>
+              </a:rPr>
+              <a:t>Avaliação</a:t>
+            </a:r>
+            <a:r>
+              <a:rPr lang="en-US" sz="1000" dirty="0">
+                <a:solidFill>
+                  <a:schemeClr val="tx1"/>
+                </a:solidFill>
+                <a:latin typeface="Times New Roman" panose="02020603050405020304" pitchFamily="18" charset="0"/>
+                <a:cs typeface="Times New Roman" panose="02020603050405020304" pitchFamily="18" charset="0"/>
+              </a:rPr>
+              <a:t> da </a:t>
+            </a:r>
+            <a:r>
+              <a:rPr lang="en-US" sz="1000" dirty="0" err="1">
+                <a:solidFill>
+                  <a:schemeClr val="tx1"/>
+                </a:solidFill>
+                <a:latin typeface="Times New Roman" panose="02020603050405020304" pitchFamily="18" charset="0"/>
+                <a:cs typeface="Times New Roman" panose="02020603050405020304" pitchFamily="18" charset="0"/>
+              </a:rPr>
+              <a:t>Robustez</a:t>
+            </a:r>
+            <a:r>
+              <a:rPr lang="en-US" sz="1000" dirty="0">
+                <a:solidFill>
+                  <a:schemeClr val="tx1"/>
+                </a:solidFill>
+                <a:latin typeface="Times New Roman" panose="02020603050405020304" pitchFamily="18" charset="0"/>
+                <a:cs typeface="Times New Roman" panose="02020603050405020304" pitchFamily="18" charset="0"/>
+              </a:rPr>
+              <a:t> de </a:t>
+            </a:r>
+            <a:r>
+              <a:rPr lang="en-US" sz="1000" dirty="0" err="1">
+                <a:solidFill>
+                  <a:schemeClr val="tx1"/>
+                </a:solidFill>
+                <a:latin typeface="Times New Roman" panose="02020603050405020304" pitchFamily="18" charset="0"/>
+                <a:cs typeface="Times New Roman" panose="02020603050405020304" pitchFamily="18" charset="0"/>
+              </a:rPr>
+              <a:t>Estratégias</a:t>
             </a:r>
             <a:endParaRPr lang="en-US" sz="1000" dirty="0">
               <a:solidFill>
@@ -5010,231 +5161,19 @@
       </p:sp>
       <p:sp>
         <p:nvSpPr>
-          <p:cNvPr id="105" name="Retângulo de cantos arredondados 6"/>
+          <p:cNvPr id="117" name="Retângulo de cantos arredondados 6"/>
           <p:cNvSpPr/>
           <p:nvPr/>
         </p:nvSpPr>
         <p:spPr>
           <a:xfrm>
-            <a:off x="806519" y="6479086"/>
-            <a:ext cx="2610862" cy="417582"/>
+            <a:off x="1061402" y="2551771"/>
+            <a:ext cx="2157737" cy="282428"/>
           </a:xfrm>
           <a:prstGeom prst="roundRect">
             <a:avLst/>
           </a:prstGeom>
-          <a:ln/>
-        </p:spPr>
-        <p:style>
-          <a:lnRef idx="2">
-            <a:schemeClr val="dk1"/>
-          </a:lnRef>
-          <a:fillRef idx="1">
-            <a:schemeClr val="lt1"/>
-          </a:fillRef>
-          <a:effectRef idx="0">
-            <a:schemeClr val="dk1"/>
-          </a:effectRef>
-          <a:fontRef idx="minor">
-            <a:schemeClr val="dk1"/>
-          </a:fontRef>
-        </p:style>
-        <p:txBody>
-          <a:bodyPr rtlCol="0" anchor="t"/>
-          <a:lstStyle/>
-          <a:p>
-            <a:pPr algn="ctr"/>
-            <a:r>
-              <a:rPr lang="en-US" sz="1000" dirty="0" err="1">
-                <a:solidFill>
-                  <a:schemeClr val="tx1"/>
-                </a:solidFill>
-                <a:latin typeface="Times New Roman" panose="02020603050405020304" pitchFamily="18" charset="0"/>
-                <a:cs typeface="Times New Roman" panose="02020603050405020304" pitchFamily="18" charset="0"/>
-              </a:rPr>
-              <a:t>Identificação</a:t>
-            </a:r>
-            <a:r>
-              <a:rPr lang="en-US" sz="1000" dirty="0">
-                <a:solidFill>
-                  <a:schemeClr val="tx1"/>
-                </a:solidFill>
-                <a:latin typeface="Times New Roman" panose="02020603050405020304" pitchFamily="18" charset="0"/>
-                <a:cs typeface="Times New Roman" panose="02020603050405020304" pitchFamily="18" charset="0"/>
-              </a:rPr>
-              <a:t> dos </a:t>
-            </a:r>
-            <a:r>
-              <a:rPr lang="en-US" sz="1000" dirty="0" err="1">
-                <a:solidFill>
-                  <a:schemeClr val="tx1"/>
-                </a:solidFill>
-                <a:latin typeface="Times New Roman" panose="02020603050405020304" pitchFamily="18" charset="0"/>
-                <a:cs typeface="Times New Roman" panose="02020603050405020304" pitchFamily="18" charset="0"/>
-              </a:rPr>
-              <a:t>Cenários</a:t>
-            </a:r>
-            <a:r>
-              <a:rPr lang="en-US" sz="1000" dirty="0">
-                <a:solidFill>
-                  <a:schemeClr val="tx1"/>
-                </a:solidFill>
-                <a:latin typeface="Times New Roman" panose="02020603050405020304" pitchFamily="18" charset="0"/>
-                <a:cs typeface="Times New Roman" panose="02020603050405020304" pitchFamily="18" charset="0"/>
-              </a:rPr>
-              <a:t> de </a:t>
-            </a:r>
-            <a:r>
-              <a:rPr lang="en-US" sz="1000" dirty="0" err="1">
-                <a:solidFill>
-                  <a:schemeClr val="tx1"/>
-                </a:solidFill>
-                <a:latin typeface="Times New Roman" panose="02020603050405020304" pitchFamily="18" charset="0"/>
-                <a:cs typeface="Times New Roman" panose="02020603050405020304" pitchFamily="18" charset="0"/>
-              </a:rPr>
-              <a:t>Vulnerabilidade</a:t>
-            </a:r>
-            <a:r>
-              <a:rPr lang="en-US" sz="1000" dirty="0">
-                <a:solidFill>
-                  <a:schemeClr val="tx1"/>
-                </a:solidFill>
-                <a:latin typeface="Times New Roman" panose="02020603050405020304" pitchFamily="18" charset="0"/>
-                <a:cs typeface="Times New Roman" panose="02020603050405020304" pitchFamily="18" charset="0"/>
-              </a:rPr>
-              <a:t>.</a:t>
-            </a:r>
-          </a:p>
-        </p:txBody>
-      </p:sp>
-      <p:cxnSp>
-        <p:nvCxnSpPr>
-          <p:cNvPr id="106" name="Conector de Seta Reta 105"/>
-          <p:cNvCxnSpPr>
-            <a:stCxn id="104" idx="2"/>
-            <a:endCxn id="105" idx="0"/>
-          </p:cNvCxnSpPr>
-          <p:nvPr/>
-        </p:nvCxnSpPr>
-        <p:spPr>
-          <a:xfrm>
-            <a:off x="2111950" y="6300919"/>
-            <a:ext cx="0" cy="178167"/>
-          </a:xfrm>
-          <a:prstGeom prst="straightConnector1">
-            <a:avLst/>
-          </a:prstGeom>
-          <a:ln>
-            <a:tailEnd type="triangle"/>
-          </a:ln>
-        </p:spPr>
-        <p:style>
-          <a:lnRef idx="2">
-            <a:schemeClr val="dk1"/>
-          </a:lnRef>
-          <a:fillRef idx="1">
-            <a:schemeClr val="lt1"/>
-          </a:fillRef>
-          <a:effectRef idx="0">
-            <a:schemeClr val="dk1"/>
-          </a:effectRef>
-          <a:fontRef idx="minor">
-            <a:schemeClr val="dk1"/>
-          </a:fontRef>
-        </p:style>
-      </p:cxnSp>
-      <p:sp>
-        <p:nvSpPr>
-          <p:cNvPr id="113" name="Retângulo de cantos arredondados 6"/>
-          <p:cNvSpPr/>
-          <p:nvPr/>
-        </p:nvSpPr>
-        <p:spPr>
-          <a:xfrm>
-            <a:off x="806519" y="7491551"/>
-            <a:ext cx="2610862" cy="285214"/>
-          </a:xfrm>
-          <a:prstGeom prst="roundRect">
-            <a:avLst/>
-          </a:prstGeom>
-          <a:ln/>
-        </p:spPr>
-        <p:style>
-          <a:lnRef idx="2">
-            <a:schemeClr val="dk1"/>
-          </a:lnRef>
-          <a:fillRef idx="1">
-            <a:schemeClr val="lt1"/>
-          </a:fillRef>
-          <a:effectRef idx="0">
-            <a:schemeClr val="dk1"/>
-          </a:effectRef>
-          <a:fontRef idx="minor">
-            <a:schemeClr val="dk1"/>
-          </a:fontRef>
-        </p:style>
-        <p:txBody>
-          <a:bodyPr rtlCol="0" anchor="t"/>
-          <a:lstStyle/>
-          <a:p>
-            <a:pPr algn="ctr"/>
-            <a:r>
-              <a:rPr lang="en-US" sz="1000" dirty="0" err="1">
-                <a:solidFill>
-                  <a:schemeClr val="tx1"/>
-                </a:solidFill>
-                <a:latin typeface="Times New Roman" panose="02020603050405020304" pitchFamily="18" charset="0"/>
-                <a:cs typeface="Times New Roman" panose="02020603050405020304" pitchFamily="18" charset="0"/>
-              </a:rPr>
-              <a:t>Identificação</a:t>
-            </a:r>
-            <a:r>
-              <a:rPr lang="en-US" sz="1000" dirty="0">
-                <a:solidFill>
-                  <a:schemeClr val="tx1"/>
-                </a:solidFill>
-                <a:latin typeface="Times New Roman" panose="02020603050405020304" pitchFamily="18" charset="0"/>
-                <a:cs typeface="Times New Roman" panose="02020603050405020304" pitchFamily="18" charset="0"/>
-              </a:rPr>
-              <a:t> da </a:t>
-            </a:r>
-            <a:r>
-              <a:rPr lang="en-US" sz="1000" dirty="0" err="1">
-                <a:solidFill>
-                  <a:schemeClr val="tx1"/>
-                </a:solidFill>
-                <a:latin typeface="Times New Roman" panose="02020603050405020304" pitchFamily="18" charset="0"/>
-                <a:cs typeface="Times New Roman" panose="02020603050405020304" pitchFamily="18" charset="0"/>
-              </a:rPr>
-              <a:t>Fronteira</a:t>
-            </a:r>
-            <a:r>
-              <a:rPr lang="en-US" sz="1000" dirty="0">
-                <a:solidFill>
-                  <a:schemeClr val="tx1"/>
-                </a:solidFill>
-                <a:latin typeface="Times New Roman" panose="02020603050405020304" pitchFamily="18" charset="0"/>
-                <a:cs typeface="Times New Roman" panose="02020603050405020304" pitchFamily="18" charset="0"/>
-              </a:rPr>
-              <a:t> de Tradeoff</a:t>
-            </a:r>
-          </a:p>
-        </p:txBody>
-      </p:sp>
-      <p:sp>
-        <p:nvSpPr>
-          <p:cNvPr id="114" name="Retângulo de cantos arredondados 6"/>
-          <p:cNvSpPr/>
-          <p:nvPr/>
-        </p:nvSpPr>
-        <p:spPr>
-          <a:xfrm>
-            <a:off x="806519" y="7946711"/>
-            <a:ext cx="2610862" cy="259285"/>
-          </a:xfrm>
-          <a:prstGeom prst="roundRect">
-            <a:avLst/>
-          </a:prstGeom>
-          <a:ln/>
+          <a:ln w="19050"/>
         </p:spPr>
         <p:style>
           <a:lnRef idx="2">
@@ -5315,101 +5254,6 @@
           </a:p>
         </p:txBody>
       </p:sp>
-      <p:sp>
-        <p:nvSpPr>
-          <p:cNvPr id="117" name="Retângulo de cantos arredondados 6"/>
-          <p:cNvSpPr/>
-          <p:nvPr/>
-        </p:nvSpPr>
-        <p:spPr>
-          <a:xfrm>
-            <a:off x="806519" y="5573290"/>
-            <a:ext cx="2610862" cy="282428"/>
-          </a:xfrm>
-          <a:prstGeom prst="roundRect">
-            <a:avLst/>
-          </a:prstGeom>
-          <a:ln/>
-        </p:spPr>
-        <p:style>
-          <a:lnRef idx="2">
-            <a:schemeClr val="dk1"/>
-          </a:lnRef>
-          <a:fillRef idx="1">
-            <a:schemeClr val="lt1"/>
-          </a:fillRef>
-          <a:effectRef idx="0">
-            <a:schemeClr val="dk1"/>
-          </a:effectRef>
-          <a:fontRef idx="minor">
-            <a:schemeClr val="dk1"/>
-          </a:fontRef>
-        </p:style>
-        <p:txBody>
-          <a:bodyPr rtlCol="0" anchor="t"/>
-          <a:lstStyle/>
-          <a:p>
-            <a:pPr algn="ctr"/>
-            <a:r>
-              <a:rPr lang="en-US" sz="1000" dirty="0" err="1">
-                <a:solidFill>
-                  <a:schemeClr val="tx1"/>
-                </a:solidFill>
-                <a:latin typeface="Times New Roman" panose="02020603050405020304" pitchFamily="18" charset="0"/>
-                <a:cs typeface="Times New Roman" panose="02020603050405020304" pitchFamily="18" charset="0"/>
-              </a:rPr>
-              <a:t>Avaliação</a:t>
-            </a:r>
-            <a:r>
-              <a:rPr lang="en-US" sz="1000" dirty="0">
-                <a:solidFill>
-                  <a:schemeClr val="tx1"/>
-                </a:solidFill>
-                <a:latin typeface="Times New Roman" panose="02020603050405020304" pitchFamily="18" charset="0"/>
-                <a:cs typeface="Times New Roman" panose="02020603050405020304" pitchFamily="18" charset="0"/>
-              </a:rPr>
-              <a:t> da </a:t>
-            </a:r>
-            <a:r>
-              <a:rPr lang="en-US" sz="1000" dirty="0" err="1">
-                <a:solidFill>
-                  <a:schemeClr val="tx1"/>
-                </a:solidFill>
-                <a:latin typeface="Times New Roman" panose="02020603050405020304" pitchFamily="18" charset="0"/>
-                <a:cs typeface="Times New Roman" panose="02020603050405020304" pitchFamily="18" charset="0"/>
-              </a:rPr>
-              <a:t>Robustez</a:t>
-            </a:r>
-            <a:r>
-              <a:rPr lang="en-US" sz="1000" dirty="0">
-                <a:solidFill>
-                  <a:schemeClr val="tx1"/>
-                </a:solidFill>
-                <a:latin typeface="Times New Roman" panose="02020603050405020304" pitchFamily="18" charset="0"/>
-                <a:cs typeface="Times New Roman" panose="02020603050405020304" pitchFamily="18" charset="0"/>
-              </a:rPr>
-              <a:t> de </a:t>
-            </a:r>
-            <a:r>
-              <a:rPr lang="en-US" sz="1000" dirty="0" err="1">
-                <a:solidFill>
-                  <a:schemeClr val="tx1"/>
-                </a:solidFill>
-                <a:latin typeface="Times New Roman" panose="02020603050405020304" pitchFamily="18" charset="0"/>
-                <a:cs typeface="Times New Roman" panose="02020603050405020304" pitchFamily="18" charset="0"/>
-              </a:rPr>
-              <a:t>Estratégias</a:t>
-            </a:r>
-            <a:endParaRPr lang="en-US" sz="1000" dirty="0">
-              <a:solidFill>
-                <a:schemeClr val="tx1"/>
-              </a:solidFill>
-              <a:latin typeface="Times New Roman" panose="02020603050405020304" pitchFamily="18" charset="0"/>
-              <a:cs typeface="Times New Roman" panose="02020603050405020304" pitchFamily="18" charset="0"/>
-            </a:endParaRPr>
-          </a:p>
-        </p:txBody>
-      </p:sp>
       <p:cxnSp>
         <p:nvCxnSpPr>
           <p:cNvPr id="119" name="Conector de Seta Reta 118"/>
@@ -5421,13 +5265,13 @@
         </p:nvCxnSpPr>
         <p:spPr>
           <a:xfrm>
-            <a:off x="2111950" y="5855718"/>
+            <a:off x="2140271" y="2834199"/>
             <a:ext cx="0" cy="178167"/>
           </a:xfrm>
           <a:prstGeom prst="straightConnector1">
             <a:avLst/>
           </a:prstGeom>
-          <a:ln>
+          <a:ln w="19050">
             <a:tailEnd type="triangle"/>
           </a:ln>
         </p:spPr>
@@ -5457,13 +5301,13 @@
         </p:nvCxnSpPr>
         <p:spPr>
           <a:xfrm>
-            <a:off x="2111950" y="7776765"/>
-            <a:ext cx="0" cy="169946"/>
+            <a:off x="2140271" y="4680421"/>
+            <a:ext cx="0" cy="244771"/>
           </a:xfrm>
           <a:prstGeom prst="straightConnector1">
             <a:avLst/>
           </a:prstGeom>
-          <a:ln>
+          <a:ln w="19050">
             <a:tailEnd type="triangle"/>
           </a:ln>
         </p:spPr>
@@ -5486,20 +5330,21 @@
         <p:nvCxnSpPr>
           <p:cNvPr id="69" name="Conector de Seta Reta 68"/>
           <p:cNvCxnSpPr>
+            <a:cxnSpLocks/>
             <a:stCxn id="57" idx="2"/>
-            <a:endCxn id="38" idx="0"/>
+            <a:endCxn id="117" idx="0"/>
           </p:cNvCxnSpPr>
           <p:nvPr/>
         </p:nvCxnSpPr>
         <p:spPr>
           <a:xfrm>
-            <a:off x="2111950" y="4954122"/>
-            <a:ext cx="0" cy="278246"/>
+            <a:off x="2140271" y="2228423"/>
+            <a:ext cx="0" cy="323348"/>
           </a:xfrm>
           <a:prstGeom prst="straightConnector1">
             <a:avLst/>
           </a:prstGeom>
-          <a:ln>
+          <a:ln w="19050">
             <a:tailEnd type="triangle"/>
           </a:ln>
         </p:spPr>
@@ -5522,20 +5367,21 @@
         <p:nvCxnSpPr>
           <p:cNvPr id="80" name="Conector de Seta Reta 79"/>
           <p:cNvCxnSpPr>
+            <a:cxnSpLocks/>
             <a:stCxn id="105" idx="2"/>
-            <a:endCxn id="41" idx="0"/>
+            <a:endCxn id="113" idx="0"/>
           </p:cNvCxnSpPr>
           <p:nvPr/>
         </p:nvCxnSpPr>
         <p:spPr>
           <a:xfrm>
-            <a:off x="2111950" y="6896668"/>
-            <a:ext cx="0" cy="217743"/>
+            <a:off x="2140271" y="3875149"/>
+            <a:ext cx="0" cy="387690"/>
           </a:xfrm>
           <a:prstGeom prst="straightConnector1">
             <a:avLst/>
           </a:prstGeom>
-          <a:ln>
+          <a:ln w="19050">
             <a:tailEnd type="triangle"/>
           </a:ln>
         </p:spPr>
@@ -5558,6 +5404,7 @@
         <p:nvCxnSpPr>
           <p:cNvPr id="120" name="Conector: Angulado 119"/>
           <p:cNvCxnSpPr>
+            <a:cxnSpLocks/>
             <a:stCxn id="37" idx="3"/>
             <a:endCxn id="59" idx="1"/>
           </p:cNvCxnSpPr>
@@ -5565,15 +5412,15 @@
         </p:nvCxnSpPr>
         <p:spPr>
           <a:xfrm flipV="1">
-            <a:off x="3526750" y="3633759"/>
-            <a:ext cx="289079" cy="482719"/>
+            <a:off x="3290100" y="1743133"/>
+            <a:ext cx="263819" cy="1"/>
           </a:xfrm>
           <a:prstGeom prst="bentConnector3">
             <a:avLst>
               <a:gd name="adj1" fmla="val 50000"/>
             </a:avLst>
           </a:prstGeom>
-          <a:ln>
+          <a:ln w="19050">
             <a:tailEnd type="triangle"/>
           </a:ln>
         </p:spPr>
@@ -5600,13 +5447,13 @@
         </p:nvSpPr>
         <p:spPr>
           <a:xfrm>
-            <a:off x="966522" y="4754765"/>
-            <a:ext cx="2290856" cy="199357"/>
+            <a:off x="1193636" y="2029066"/>
+            <a:ext cx="1893269" cy="199357"/>
           </a:xfrm>
           <a:prstGeom prst="roundRect">
             <a:avLst/>
           </a:prstGeom>
-          <a:ln/>
+          <a:ln w="19050"/>
         </p:spPr>
         <p:style>
           <a:lnRef idx="2">
@@ -5678,13 +5525,13 @@
         </p:nvCxnSpPr>
         <p:spPr>
           <a:xfrm>
-            <a:off x="2111950" y="4543523"/>
-            <a:ext cx="0" cy="211242"/>
+            <a:off x="2140271" y="1836812"/>
+            <a:ext cx="0" cy="192254"/>
           </a:xfrm>
           <a:prstGeom prst="straightConnector1">
             <a:avLst/>
           </a:prstGeom>
-          <a:ln>
+          <a:ln w="19050">
             <a:tailEnd type="triangle"/>
           </a:ln>
         </p:spPr>
@@ -5714,15 +5561,15 @@
         </p:nvCxnSpPr>
         <p:spPr>
           <a:xfrm rot="10800000">
-            <a:off x="966522" y="3627972"/>
-            <a:ext cx="12700" cy="1226472"/>
+            <a:off x="1193636" y="1336657"/>
+            <a:ext cx="12700" cy="792088"/>
           </a:xfrm>
           <a:prstGeom prst="bentConnector3">
             <a:avLst>
               <a:gd name="adj1" fmla="val 1800000"/>
             </a:avLst>
           </a:prstGeom>
-          <a:ln>
+          <a:ln w="19050">
             <a:tailEnd type="triangle"/>
           </a:ln>
         </p:spPr>
@@ -5749,13 +5596,13 @@
         </p:nvSpPr>
         <p:spPr>
           <a:xfrm>
-            <a:off x="3815829" y="3301001"/>
+            <a:off x="3553919" y="1410375"/>
             <a:ext cx="1785124" cy="665515"/>
           </a:xfrm>
           <a:prstGeom prst="roundRect">
             <a:avLst/>
           </a:prstGeom>
-          <a:ln/>
+          <a:ln w="19050"/>
         </p:spPr>
         <p:style>
           <a:lnRef idx="2">
@@ -5791,19 +5638,19 @@
       </p:sp>
       <p:sp>
         <p:nvSpPr>
-          <p:cNvPr id="60" name="Retângulo de cantos arredondados 6"/>
+          <p:cNvPr id="61" name="Retângulo de cantos arredondados 6"/>
           <p:cNvSpPr/>
           <p:nvPr/>
         </p:nvSpPr>
         <p:spPr>
           <a:xfrm>
-            <a:off x="3815829" y="5971032"/>
-            <a:ext cx="1785124" cy="360000"/>
+            <a:off x="3553919" y="4429633"/>
+            <a:ext cx="1785124" cy="620860"/>
           </a:xfrm>
           <a:prstGeom prst="roundRect">
             <a:avLst/>
           </a:prstGeom>
-          <a:ln/>
+          <a:ln w="19050"/>
         </p:spPr>
         <p:style>
           <a:lnRef idx="2">
@@ -5824,16 +5671,6 @@
           <a:lstStyle/>
           <a:p>
             <a:pPr algn="ctr"/>
-            <a:r>
-              <a:rPr lang="pt-BR" sz="1100" dirty="0" err="1">
-                <a:solidFill>
-                  <a:schemeClr val="tx1"/>
-                </a:solidFill>
-                <a:latin typeface="Times New Roman" panose="02020603050405020304" pitchFamily="18" charset="0"/>
-                <a:cs typeface="Times New Roman" panose="02020603050405020304" pitchFamily="18" charset="0"/>
-              </a:rPr>
-              <a:t>Random</a:t>
-            </a:r>
             <a:r>
               <a:rPr lang="pt-BR" sz="1100" dirty="0">
                 <a:solidFill>
@@ -5842,61 +5679,9 @@
                 <a:latin typeface="Times New Roman" panose="02020603050405020304" pitchFamily="18" charset="0"/>
                 <a:cs typeface="Times New Roman" panose="02020603050405020304" pitchFamily="18" charset="0"/>
               </a:rPr>
-              <a:t> </a:t>
-            </a:r>
-            <a:r>
-              <a:rPr lang="pt-BR" sz="1100" dirty="0" err="1">
-                <a:solidFill>
-                  <a:schemeClr val="tx1"/>
-                </a:solidFill>
-                <a:latin typeface="Times New Roman" panose="02020603050405020304" pitchFamily="18" charset="0"/>
-                <a:cs typeface="Times New Roman" panose="02020603050405020304" pitchFamily="18" charset="0"/>
-              </a:rPr>
-              <a:t>Forests</a:t>
-            </a:r>
-            <a:endParaRPr lang="pt-BR" sz="1100" dirty="0">
-              <a:solidFill>
-                <a:schemeClr val="tx1"/>
-              </a:solidFill>
-              <a:latin typeface="Times New Roman" panose="02020603050405020304" pitchFamily="18" charset="0"/>
-              <a:cs typeface="Times New Roman" panose="02020603050405020304" pitchFamily="18" charset="0"/>
-            </a:endParaRPr>
-          </a:p>
-        </p:txBody>
-      </p:sp>
-      <p:sp>
-        <p:nvSpPr>
-          <p:cNvPr id="61" name="Retângulo de cantos arredondados 6"/>
-          <p:cNvSpPr/>
-          <p:nvPr/>
-        </p:nvSpPr>
-        <p:spPr>
-          <a:xfrm>
-            <a:off x="3815829" y="7423190"/>
-            <a:ext cx="1785124" cy="620860"/>
-          </a:xfrm>
-          <a:prstGeom prst="roundRect">
-            <a:avLst/>
-          </a:prstGeom>
-          <a:ln/>
-        </p:spPr>
-        <p:style>
-          <a:lnRef idx="2">
-            <a:schemeClr val="dk1"/>
-          </a:lnRef>
-          <a:fillRef idx="1">
-            <a:schemeClr val="lt1"/>
-          </a:fillRef>
-          <a:effectRef idx="0">
-            <a:schemeClr val="dk1"/>
-          </a:effectRef>
-          <a:fontRef idx="minor">
-            <a:schemeClr val="dk1"/>
-          </a:fontRef>
-        </p:style>
-        <p:txBody>
-          <a:bodyPr rtlCol="0" anchor="ctr"/>
-          <a:lstStyle/>
+              <a:t>Análise de Tradeoff – </a:t>
+            </a:r>
+          </a:p>
           <a:p>
             <a:pPr algn="ctr"/>
             <a:r>
@@ -5907,9 +5692,44 @@
                 <a:latin typeface="Times New Roman" panose="02020603050405020304" pitchFamily="18" charset="0"/>
                 <a:cs typeface="Times New Roman" panose="02020603050405020304" pitchFamily="18" charset="0"/>
               </a:rPr>
-              <a:t>Análise de Tradeoff – </a:t>
-            </a:r>
-          </a:p>
+              <a:t>Valor Esperado das Estratégias</a:t>
+            </a:r>
+          </a:p>
+        </p:txBody>
+      </p:sp>
+      <p:sp>
+        <p:nvSpPr>
+          <p:cNvPr id="65" name="Retângulo de cantos arredondados 6"/>
+          <p:cNvSpPr/>
+          <p:nvPr/>
+        </p:nvSpPr>
+        <p:spPr>
+          <a:xfrm>
+            <a:off x="3553919" y="3416073"/>
+            <a:ext cx="1785124" cy="360000"/>
+          </a:xfrm>
+          <a:prstGeom prst="roundRect">
+            <a:avLst/>
+          </a:prstGeom>
+          <a:ln w="19050"/>
+        </p:spPr>
+        <p:style>
+          <a:lnRef idx="2">
+            <a:schemeClr val="dk1"/>
+          </a:lnRef>
+          <a:fillRef idx="1">
+            <a:schemeClr val="lt1"/>
+          </a:fillRef>
+          <a:effectRef idx="0">
+            <a:schemeClr val="dk1"/>
+          </a:effectRef>
+          <a:fontRef idx="minor">
+            <a:schemeClr val="dk1"/>
+          </a:fontRef>
+        </p:style>
+        <p:txBody>
+          <a:bodyPr rtlCol="0" anchor="ctr"/>
+          <a:lstStyle/>
           <a:p>
             <a:pPr algn="ctr"/>
             <a:r>
@@ -5920,54 +5740,6 @@
                 <a:latin typeface="Times New Roman" panose="02020603050405020304" pitchFamily="18" charset="0"/>
                 <a:cs typeface="Times New Roman" panose="02020603050405020304" pitchFamily="18" charset="0"/>
               </a:rPr>
-              <a:t>Valor Esperado das Estratégias</a:t>
-            </a:r>
-          </a:p>
-        </p:txBody>
-      </p:sp>
-      <p:sp>
-        <p:nvSpPr>
-          <p:cNvPr id="65" name="Retângulo de cantos arredondados 6"/>
-          <p:cNvSpPr/>
-          <p:nvPr/>
-        </p:nvSpPr>
-        <p:spPr>
-          <a:xfrm>
-            <a:off x="3815829" y="6882911"/>
-            <a:ext cx="1785124" cy="360000"/>
-          </a:xfrm>
-          <a:prstGeom prst="roundRect">
-            <a:avLst/>
-          </a:prstGeom>
-          <a:ln/>
-        </p:spPr>
-        <p:style>
-          <a:lnRef idx="2">
-            <a:schemeClr val="dk1"/>
-          </a:lnRef>
-          <a:fillRef idx="1">
-            <a:schemeClr val="lt1"/>
-          </a:fillRef>
-          <a:effectRef idx="0">
-            <a:schemeClr val="dk1"/>
-          </a:effectRef>
-          <a:fontRef idx="minor">
-            <a:schemeClr val="dk1"/>
-          </a:fontRef>
-        </p:style>
-        <p:txBody>
-          <a:bodyPr rtlCol="0" anchor="ctr"/>
-          <a:lstStyle/>
-          <a:p>
-            <a:pPr algn="ctr"/>
-            <a:r>
-              <a:rPr lang="pt-BR" sz="1100" dirty="0">
-                <a:solidFill>
-                  <a:schemeClr val="tx1"/>
-                </a:solidFill>
-                <a:latin typeface="Times New Roman" panose="02020603050405020304" pitchFamily="18" charset="0"/>
-                <a:cs typeface="Times New Roman" panose="02020603050405020304" pitchFamily="18" charset="0"/>
-              </a:rPr>
               <a:t>Algoritmo PRIM</a:t>
             </a:r>
           </a:p>
@@ -5975,63 +5747,25 @@
       </p:sp>
       <p:cxnSp>
         <p:nvCxnSpPr>
-          <p:cNvPr id="47" name="Conector: Angulado 46"/>
+          <p:cNvPr id="50" name="Conector: Angulado 49"/>
           <p:cNvCxnSpPr>
             <a:cxnSpLocks/>
             <a:stCxn id="38" idx="3"/>
-            <a:endCxn id="60" idx="1"/>
+            <a:endCxn id="65" idx="1"/>
           </p:cNvCxnSpPr>
           <p:nvPr/>
         </p:nvCxnSpPr>
         <p:spPr>
           <a:xfrm>
-            <a:off x="3526750" y="6108523"/>
-            <a:ext cx="289079" cy="42509"/>
+            <a:off x="3290100" y="3215732"/>
+            <a:ext cx="263819" cy="380341"/>
           </a:xfrm>
           <a:prstGeom prst="bentConnector3">
             <a:avLst>
               <a:gd name="adj1" fmla="val 50000"/>
             </a:avLst>
           </a:prstGeom>
-          <a:ln>
-            <a:tailEnd type="triangle"/>
-          </a:ln>
-        </p:spPr>
-        <p:style>
-          <a:lnRef idx="2">
-            <a:schemeClr val="dk1"/>
-          </a:lnRef>
-          <a:fillRef idx="1">
-            <a:schemeClr val="lt1"/>
-          </a:fillRef>
-          <a:effectRef idx="0">
-            <a:schemeClr val="dk1"/>
-          </a:effectRef>
-          <a:fontRef idx="minor">
-            <a:schemeClr val="dk1"/>
-          </a:fontRef>
-        </p:style>
-      </p:cxnSp>
-      <p:cxnSp>
-        <p:nvCxnSpPr>
-          <p:cNvPr id="50" name="Conector: Angulado 49"/>
-          <p:cNvCxnSpPr>
-            <a:stCxn id="38" idx="3"/>
-            <a:endCxn id="65" idx="1"/>
-          </p:cNvCxnSpPr>
-          <p:nvPr/>
-        </p:nvCxnSpPr>
-        <p:spPr>
-          <a:xfrm>
-            <a:off x="3526750" y="6108523"/>
-            <a:ext cx="289079" cy="954388"/>
-          </a:xfrm>
-          <a:prstGeom prst="bentConnector3">
-            <a:avLst>
-              <a:gd name="adj1" fmla="val 50000"/>
-            </a:avLst>
-          </a:prstGeom>
-          <a:ln>
+          <a:ln w="19050">
             <a:tailEnd type="triangle"/>
           </a:ln>
         </p:spPr>
@@ -6054,6 +5788,7 @@
         <p:nvCxnSpPr>
           <p:cNvPr id="70" name="Conector: Angulado 69"/>
           <p:cNvCxnSpPr>
+            <a:cxnSpLocks/>
             <a:stCxn id="41" idx="3"/>
             <a:endCxn id="61" idx="1"/>
           </p:cNvCxnSpPr>
@@ -6061,13 +5796,13 @@
         </p:nvCxnSpPr>
         <p:spPr>
           <a:xfrm>
-            <a:off x="3526750" y="7733620"/>
-            <a:ext cx="289079" cy="0"/>
+            <a:off x="3290100" y="4740063"/>
+            <a:ext cx="263819" cy="0"/>
           </a:xfrm>
           <a:prstGeom prst="straightConnector1">
             <a:avLst/>
           </a:prstGeom>
-          <a:ln>
+          <a:ln w="19050">
             <a:tailEnd type="triangle"/>
           </a:ln>
         </p:spPr>
@@ -6086,245 +5821,6 @@
           </a:fontRef>
         </p:style>
       </p:cxnSp>
-      <p:sp>
-        <p:nvSpPr>
-          <p:cNvPr id="55" name="Retângulo de cantos arredondados 6"/>
-          <p:cNvSpPr/>
-          <p:nvPr/>
-        </p:nvSpPr>
-        <p:spPr>
-          <a:xfrm>
-            <a:off x="3815829" y="4231001"/>
-            <a:ext cx="1785124" cy="556186"/>
-          </a:xfrm>
-          <a:prstGeom prst="roundRect">
-            <a:avLst/>
-          </a:prstGeom>
-          <a:ln/>
-        </p:spPr>
-        <p:style>
-          <a:lnRef idx="2">
-            <a:schemeClr val="dk1"/>
-          </a:lnRef>
-          <a:fillRef idx="1">
-            <a:schemeClr val="lt1"/>
-          </a:fillRef>
-          <a:effectRef idx="0">
-            <a:schemeClr val="dk1"/>
-          </a:effectRef>
-          <a:fontRef idx="minor">
-            <a:schemeClr val="dk1"/>
-          </a:fontRef>
-        </p:style>
-        <p:txBody>
-          <a:bodyPr rtlCol="0" anchor="ctr"/>
-          <a:lstStyle/>
-          <a:p>
-            <a:pPr algn="ctr"/>
-            <a:r>
-              <a:rPr lang="pt-BR" sz="1100" dirty="0">
-                <a:solidFill>
-                  <a:schemeClr val="tx1"/>
-                </a:solidFill>
-                <a:latin typeface="Times New Roman" panose="02020603050405020304" pitchFamily="18" charset="0"/>
-                <a:cs typeface="Times New Roman" panose="02020603050405020304" pitchFamily="18" charset="0"/>
-              </a:rPr>
-              <a:t>Estatísticas Descritivas para Avaliação do Modelo</a:t>
-            </a:r>
-          </a:p>
-        </p:txBody>
-      </p:sp>
-      <p:cxnSp>
-        <p:nvCxnSpPr>
-          <p:cNvPr id="71" name="Conector: Angulado 70"/>
-          <p:cNvCxnSpPr>
-            <a:stCxn id="37" idx="3"/>
-            <a:endCxn id="55" idx="1"/>
-          </p:cNvCxnSpPr>
-          <p:nvPr/>
-        </p:nvCxnSpPr>
-        <p:spPr>
-          <a:xfrm>
-            <a:off x="3526750" y="4116478"/>
-            <a:ext cx="289079" cy="392616"/>
-          </a:xfrm>
-          <a:prstGeom prst="bentConnector3">
-            <a:avLst>
-              <a:gd name="adj1" fmla="val 50000"/>
-            </a:avLst>
-          </a:prstGeom>
-          <a:ln>
-            <a:tailEnd type="triangle"/>
-          </a:ln>
-        </p:spPr>
-        <p:style>
-          <a:lnRef idx="2">
-            <a:schemeClr val="dk1"/>
-          </a:lnRef>
-          <a:fillRef idx="1">
-            <a:schemeClr val="lt1"/>
-          </a:fillRef>
-          <a:effectRef idx="0">
-            <a:schemeClr val="dk1"/>
-          </a:effectRef>
-          <a:fontRef idx="minor">
-            <a:schemeClr val="dk1"/>
-          </a:fontRef>
-        </p:style>
-      </p:cxnSp>
-      <p:sp>
-        <p:nvSpPr>
-          <p:cNvPr id="72" name="Retângulo de cantos arredondados 6">
-            <a:extLst>
-              <a:ext uri="{FF2B5EF4-FFF2-40B4-BE49-F238E27FC236}">
-                <a16:creationId xmlns:a16="http://schemas.microsoft.com/office/drawing/2014/main" id="{0C64E006-7D2B-4040-9A4C-51EB97542D45}"/>
-              </a:ext>
-            </a:extLst>
-          </p:cNvPr>
-          <p:cNvSpPr/>
-          <p:nvPr/>
-        </p:nvSpPr>
-        <p:spPr>
-          <a:xfrm>
-            <a:off x="3815829" y="5515092"/>
-            <a:ext cx="1785124" cy="360000"/>
-          </a:xfrm>
-          <a:prstGeom prst="roundRect">
-            <a:avLst/>
-          </a:prstGeom>
-          <a:ln/>
-        </p:spPr>
-        <p:style>
-          <a:lnRef idx="2">
-            <a:schemeClr val="dk1"/>
-          </a:lnRef>
-          <a:fillRef idx="1">
-            <a:schemeClr val="lt1"/>
-          </a:fillRef>
-          <a:effectRef idx="0">
-            <a:schemeClr val="dk1"/>
-          </a:effectRef>
-          <a:fontRef idx="minor">
-            <a:schemeClr val="dk1"/>
-          </a:fontRef>
-        </p:style>
-        <p:txBody>
-          <a:bodyPr rtlCol="0" anchor="ctr"/>
-          <a:lstStyle/>
-          <a:p>
-            <a:pPr algn="ctr"/>
-            <a:r>
-              <a:rPr lang="pt-BR" sz="1100" dirty="0">
-                <a:solidFill>
-                  <a:schemeClr val="tx1"/>
-                </a:solidFill>
-                <a:latin typeface="Times New Roman" panose="02020603050405020304" pitchFamily="18" charset="0"/>
-                <a:cs typeface="Times New Roman" panose="02020603050405020304" pitchFamily="18" charset="0"/>
-              </a:rPr>
-              <a:t>Teste t de Hipóteses</a:t>
-            </a:r>
-          </a:p>
-        </p:txBody>
-      </p:sp>
-      <p:cxnSp>
-        <p:nvCxnSpPr>
-          <p:cNvPr id="74" name="Conector: Angulado 73">
-            <a:extLst>
-              <a:ext uri="{FF2B5EF4-FFF2-40B4-BE49-F238E27FC236}">
-                <a16:creationId xmlns:a16="http://schemas.microsoft.com/office/drawing/2014/main" id="{64226768-7245-4E96-B555-EE413BB446F4}"/>
-              </a:ext>
-            </a:extLst>
-          </p:cNvPr>
-          <p:cNvCxnSpPr>
-            <a:cxnSpLocks/>
-            <a:stCxn id="38" idx="3"/>
-            <a:endCxn id="72" idx="1"/>
-          </p:cNvCxnSpPr>
-          <p:nvPr/>
-        </p:nvCxnSpPr>
-        <p:spPr>
-          <a:xfrm flipV="1">
-            <a:off x="3526750" y="5695092"/>
-            <a:ext cx="289079" cy="413431"/>
-          </a:xfrm>
-          <a:prstGeom prst="bentConnector3">
-            <a:avLst>
-              <a:gd name="adj1" fmla="val 50000"/>
-            </a:avLst>
-          </a:prstGeom>
-          <a:ln>
-            <a:tailEnd type="triangle"/>
-          </a:ln>
-        </p:spPr>
-        <p:style>
-          <a:lnRef idx="2">
-            <a:schemeClr val="dk1"/>
-          </a:lnRef>
-          <a:fillRef idx="1">
-            <a:schemeClr val="lt1"/>
-          </a:fillRef>
-          <a:effectRef idx="0">
-            <a:schemeClr val="dk1"/>
-          </a:effectRef>
-          <a:fontRef idx="minor">
-            <a:schemeClr val="dk1"/>
-          </a:fontRef>
-        </p:style>
-      </p:cxnSp>
-      <p:sp>
-        <p:nvSpPr>
-          <p:cNvPr id="77" name="Retângulo de cantos arredondados 6">
-            <a:extLst>
-              <a:ext uri="{FF2B5EF4-FFF2-40B4-BE49-F238E27FC236}">
-                <a16:creationId xmlns:a16="http://schemas.microsoft.com/office/drawing/2014/main" id="{859283DC-A392-40ED-9980-C8BAB19F0B8B}"/>
-              </a:ext>
-            </a:extLst>
-          </p:cNvPr>
-          <p:cNvSpPr/>
-          <p:nvPr/>
-        </p:nvSpPr>
-        <p:spPr>
-          <a:xfrm>
-            <a:off x="3815829" y="5059152"/>
-            <a:ext cx="1785124" cy="360000"/>
-          </a:xfrm>
-          <a:prstGeom prst="roundRect">
-            <a:avLst/>
-          </a:prstGeom>
-          <a:ln/>
-        </p:spPr>
-        <p:style>
-          <a:lnRef idx="2">
-            <a:schemeClr val="dk1"/>
-          </a:lnRef>
-          <a:fillRef idx="1">
-            <a:schemeClr val="lt1"/>
-          </a:fillRef>
-          <a:effectRef idx="0">
-            <a:schemeClr val="dk1"/>
-          </a:effectRef>
-          <a:fontRef idx="minor">
-            <a:schemeClr val="dk1"/>
-          </a:fontRef>
-        </p:style>
-        <p:txBody>
-          <a:bodyPr rtlCol="0" anchor="ctr"/>
-          <a:lstStyle/>
-          <a:p>
-            <a:pPr algn="ctr"/>
-            <a:r>
-              <a:rPr lang="pt-BR" sz="1100" dirty="0">
-                <a:solidFill>
-                  <a:schemeClr val="tx1"/>
-                </a:solidFill>
-                <a:latin typeface="Times New Roman" panose="02020603050405020304" pitchFamily="18" charset="0"/>
-                <a:cs typeface="Times New Roman" panose="02020603050405020304" pitchFamily="18" charset="0"/>
-              </a:rPr>
-              <a:t>Estatística Descritiva</a:t>
-            </a:r>
-          </a:p>
-        </p:txBody>
-      </p:sp>
       <p:sp>
         <p:nvSpPr>
           <p:cNvPr id="82" name="Retângulo de cantos arredondados 6">
@@ -6339,13 +5835,13 @@
         </p:nvSpPr>
         <p:spPr>
           <a:xfrm>
-            <a:off x="3815829" y="6426972"/>
+            <a:off x="3553919" y="2679881"/>
             <a:ext cx="1785124" cy="360000"/>
           </a:xfrm>
           <a:prstGeom prst="roundRect">
             <a:avLst/>
           </a:prstGeom>
-          <a:ln/>
+          <a:ln w="19050"/>
         </p:spPr>
         <p:style>
           <a:lnRef idx="2">
@@ -6413,61 +5909,16 @@
           <p:nvPr/>
         </p:nvCxnSpPr>
         <p:spPr>
-          <a:xfrm>
-            <a:off x="3526750" y="6108523"/>
-            <a:ext cx="289079" cy="498449"/>
+          <a:xfrm flipV="1">
+            <a:off x="3290100" y="2859881"/>
+            <a:ext cx="263819" cy="355851"/>
           </a:xfrm>
           <a:prstGeom prst="bentConnector3">
             <a:avLst>
               <a:gd name="adj1" fmla="val 50000"/>
             </a:avLst>
           </a:prstGeom>
-          <a:ln>
-            <a:tailEnd type="triangle"/>
-          </a:ln>
-        </p:spPr>
-        <p:style>
-          <a:lnRef idx="2">
-            <a:schemeClr val="dk1"/>
-          </a:lnRef>
-          <a:fillRef idx="1">
-            <a:schemeClr val="lt1"/>
-          </a:fillRef>
-          <a:effectRef idx="0">
-            <a:schemeClr val="dk1"/>
-          </a:effectRef>
-          <a:fontRef idx="minor">
-            <a:schemeClr val="dk1"/>
-          </a:fontRef>
-        </p:style>
-      </p:cxnSp>
-      <p:cxnSp>
-        <p:nvCxnSpPr>
-          <p:cNvPr id="92" name="Conector: Angulado 91">
-            <a:extLst>
-              <a:ext uri="{FF2B5EF4-FFF2-40B4-BE49-F238E27FC236}">
-                <a16:creationId xmlns:a16="http://schemas.microsoft.com/office/drawing/2014/main" id="{50A1F954-AE3F-4D12-9C01-E7993759C978}"/>
-              </a:ext>
-            </a:extLst>
-          </p:cNvPr>
-          <p:cNvCxnSpPr>
-            <a:cxnSpLocks/>
-            <a:stCxn id="38" idx="3"/>
-            <a:endCxn id="77" idx="1"/>
-          </p:cNvCxnSpPr>
-          <p:nvPr/>
-        </p:nvCxnSpPr>
-        <p:spPr>
-          <a:xfrm flipV="1">
-            <a:off x="3526750" y="5239152"/>
-            <a:ext cx="289079" cy="869371"/>
-          </a:xfrm>
-          <a:prstGeom prst="bentConnector3">
-            <a:avLst>
-              <a:gd name="adj1" fmla="val 50000"/>
-            </a:avLst>
-          </a:prstGeom>
-          <a:ln>
+          <a:ln w="19050">
             <a:tailEnd type="triangle"/>
           </a:ln>
         </p:spPr>
@@ -12061,6 +11512,1900 @@
       </p:grpSpPr>
       <p:sp>
         <p:nvSpPr>
+          <p:cNvPr id="74" name="Retângulo 73">
+            <a:extLst>
+              <a:ext uri="{FF2B5EF4-FFF2-40B4-BE49-F238E27FC236}">
+                <a16:creationId xmlns:a16="http://schemas.microsoft.com/office/drawing/2014/main" id="{F6D1D441-B28C-4043-A600-C2E06BD99386}"/>
+              </a:ext>
+            </a:extLst>
+          </p:cNvPr>
+          <p:cNvSpPr/>
+          <p:nvPr/>
+        </p:nvSpPr>
+        <p:spPr>
+          <a:xfrm>
+            <a:off x="129332" y="575965"/>
+            <a:ext cx="5580025" cy="5400600"/>
+          </a:xfrm>
+          <a:prstGeom prst="rect">
+            <a:avLst/>
+          </a:prstGeom>
+        </p:spPr>
+        <p:style>
+          <a:lnRef idx="2">
+            <a:schemeClr val="dk1"/>
+          </a:lnRef>
+          <a:fillRef idx="1">
+            <a:schemeClr val="lt1"/>
+          </a:fillRef>
+          <a:effectRef idx="0">
+            <a:schemeClr val="dk1"/>
+          </a:effectRef>
+          <a:fontRef idx="minor">
+            <a:schemeClr val="dk1"/>
+          </a:fontRef>
+        </p:style>
+        <p:txBody>
+          <a:bodyPr rtlCol="0" anchor="t"/>
+          <a:lstStyle/>
+          <a:p>
+            <a:pPr algn="ctr"/>
+            <a:r>
+              <a:rPr lang="pt-BR" sz="1200" b="1" dirty="0">
+                <a:latin typeface="Times New Roman" panose="02020603050405020304" pitchFamily="18" charset="0"/>
+                <a:cs typeface="Times New Roman" panose="02020603050405020304" pitchFamily="18" charset="0"/>
+              </a:rPr>
+              <a:t>Definição de Condições onde a Estratégia 31 falha</a:t>
+            </a:r>
+          </a:p>
+        </p:txBody>
+      </p:sp>
+      <p:pic>
+        <p:nvPicPr>
+          <p:cNvPr id="5" name="Imagem 4">
+            <a:extLst>
+              <a:ext uri="{FF2B5EF4-FFF2-40B4-BE49-F238E27FC236}">
+                <a16:creationId xmlns:a16="http://schemas.microsoft.com/office/drawing/2014/main" id="{1BE41894-C87C-462D-84AE-86EA576E25E9}"/>
+              </a:ext>
+            </a:extLst>
+          </p:cNvPr>
+          <p:cNvPicPr/>
+          <p:nvPr/>
+        </p:nvPicPr>
+        <p:blipFill rotWithShape="1">
+          <a:blip r:embed="rId2">
+            <a:extLst>
+              <a:ext uri="{28A0092B-C50C-407E-A947-70E740481C1C}">
+                <a14:useLocalDpi xmlns:a14="http://schemas.microsoft.com/office/drawing/2010/main" val="0"/>
+              </a:ext>
+            </a:extLst>
+          </a:blip>
+          <a:srcRect l="51828"/>
+          <a:stretch/>
+        </p:blipFill>
+        <p:spPr bwMode="auto">
+          <a:xfrm rot="5400000">
+            <a:off x="-2347433" y="8755451"/>
+            <a:ext cx="9158173" cy="9505057"/>
+          </a:xfrm>
+          <a:prstGeom prst="rect">
+            <a:avLst/>
+          </a:prstGeom>
+          <a:noFill/>
+          <a:ln>
+            <a:noFill/>
+          </a:ln>
+        </p:spPr>
+      </p:pic>
+      <p:graphicFrame>
+        <p:nvGraphicFramePr>
+          <p:cNvPr id="4" name="Tabela 3">
+            <a:extLst>
+              <a:ext uri="{FF2B5EF4-FFF2-40B4-BE49-F238E27FC236}">
+                <a16:creationId xmlns:a16="http://schemas.microsoft.com/office/drawing/2014/main" id="{E2DE5C17-10EC-4452-9155-F29BC6A6DA5B}"/>
+              </a:ext>
+            </a:extLst>
+          </p:cNvPr>
+          <p:cNvGraphicFramePr>
+            <a:graphicFrameLocks noGrp="1"/>
+          </p:cNvGraphicFramePr>
+          <p:nvPr>
+            <p:extLst>
+              <p:ext uri="{D42A27DB-BD31-4B8C-83A1-F6EECF244321}">
+                <p14:modId xmlns:p14="http://schemas.microsoft.com/office/powerpoint/2010/main" val="2015269301"/>
+              </p:ext>
+            </p:extLst>
+          </p:nvPr>
+        </p:nvGraphicFramePr>
+        <p:xfrm>
+          <a:off x="129332" y="930480"/>
+          <a:ext cx="5400600" cy="3045096"/>
+        </p:xfrm>
+        <a:graphic>
+          <a:graphicData uri="http://schemas.openxmlformats.org/drawingml/2006/table">
+            <a:tbl>
+              <a:tblPr firstRow="1" bandRow="1">
+                <a:tableStyleId>{5940675A-B579-460E-94D1-54222C63F5DA}</a:tableStyleId>
+              </a:tblPr>
+              <a:tblGrid>
+                <a:gridCol w="1908212">
+                  <a:extLst>
+                    <a:ext uri="{9D8B030D-6E8A-4147-A177-3AD203B41FA5}">
+                      <a16:colId xmlns:a16="http://schemas.microsoft.com/office/drawing/2014/main" val="4202968456"/>
+                    </a:ext>
+                  </a:extLst>
+                </a:gridCol>
+                <a:gridCol w="3492388">
+                  <a:extLst>
+                    <a:ext uri="{9D8B030D-6E8A-4147-A177-3AD203B41FA5}">
+                      <a16:colId xmlns:a16="http://schemas.microsoft.com/office/drawing/2014/main" val="1938842175"/>
+                    </a:ext>
+                  </a:extLst>
+                </a:gridCol>
+              </a:tblGrid>
+              <a:tr h="240937">
+                <a:tc>
+                  <a:txBody>
+                    <a:bodyPr/>
+                    <a:lstStyle/>
+                    <a:p>
+                      <a:pPr algn="r"/>
+                      <a:r>
+                        <a:rPr lang="pt-BR" sz="1100" b="1" dirty="0">
+                          <a:latin typeface="Times New Roman" panose="02020603050405020304" pitchFamily="18" charset="0"/>
+                          <a:cs typeface="Times New Roman" panose="02020603050405020304" pitchFamily="18" charset="0"/>
+                        </a:rPr>
+                        <a:t>Incerteza</a:t>
+                      </a:r>
+                    </a:p>
+                  </a:txBody>
+                  <a:tcPr anchor="b">
+                    <a:lnL w="12700" cmpd="sng">
+                      <a:noFill/>
+                    </a:lnL>
+                    <a:lnR w="12700" cmpd="sng">
+                      <a:noFill/>
+                    </a:lnR>
+                    <a:lnT w="12700" cmpd="sng">
+                      <a:noFill/>
+                    </a:lnT>
+                    <a:lnB w="12700" cmpd="sng">
+                      <a:noFill/>
+                    </a:lnB>
+                    <a:lnTlToBr w="12700" cmpd="sng">
+                      <a:noFill/>
+                      <a:prstDash val="solid"/>
+                    </a:lnTlToBr>
+                    <a:lnBlToTr w="12700" cmpd="sng">
+                      <a:noFill/>
+                      <a:prstDash val="solid"/>
+                    </a:lnBlToTr>
+                  </a:tcPr>
+                </a:tc>
+                <a:tc>
+                  <a:txBody>
+                    <a:bodyPr/>
+                    <a:lstStyle/>
+                    <a:p>
+                      <a:pPr algn="ctr"/>
+                      <a:r>
+                        <a:rPr lang="pt-BR" sz="1100" b="1" dirty="0">
+                          <a:latin typeface="Times New Roman" panose="02020603050405020304" pitchFamily="18" charset="0"/>
+                          <a:cs typeface="Times New Roman" panose="02020603050405020304" pitchFamily="18" charset="0"/>
+                        </a:rPr>
+                        <a:t>Range de Vulnerabilidade</a:t>
+                      </a:r>
+                    </a:p>
+                  </a:txBody>
+                  <a:tcPr anchor="b">
+                    <a:lnL w="12700" cmpd="sng">
+                      <a:noFill/>
+                    </a:lnL>
+                    <a:lnR w="12700" cmpd="sng">
+                      <a:noFill/>
+                    </a:lnR>
+                    <a:lnT w="12700" cmpd="sng">
+                      <a:noFill/>
+                    </a:lnT>
+                    <a:lnB w="12700" cmpd="sng">
+                      <a:noFill/>
+                    </a:lnB>
+                    <a:lnTlToBr w="12700" cmpd="sng">
+                      <a:noFill/>
+                      <a:prstDash val="solid"/>
+                    </a:lnTlToBr>
+                    <a:lnBlToTr w="12700" cmpd="sng">
+                      <a:noFill/>
+                      <a:prstDash val="solid"/>
+                    </a:lnBlToTr>
+                  </a:tcPr>
+                </a:tc>
+                <a:extLst>
+                  <a:ext uri="{0D108BD9-81ED-4DB2-BD59-A6C34878D82A}">
+                    <a16:rowId xmlns:a16="http://schemas.microsoft.com/office/drawing/2014/main" val="145143281"/>
+                  </a:ext>
+                </a:extLst>
+              </a:tr>
+              <a:tr h="240937">
+                <a:tc rowSpan="2">
+                  <a:txBody>
+                    <a:bodyPr/>
+                    <a:lstStyle/>
+                    <a:p>
+                      <a:pPr algn="r"/>
+                      <a:r>
+                        <a:rPr lang="pt-BR" sz="900" dirty="0">
+                          <a:latin typeface="Times New Roman" panose="02020603050405020304" pitchFamily="18" charset="0"/>
+                          <a:cs typeface="Times New Roman" panose="02020603050405020304" pitchFamily="18" charset="0"/>
+                        </a:rPr>
+                        <a:t>Tamanho do Mercado de Referência</a:t>
+                      </a:r>
+                    </a:p>
+                  </a:txBody>
+                  <a:tcPr anchor="ctr">
+                    <a:lnL w="12700" cmpd="sng">
+                      <a:noFill/>
+                    </a:lnL>
+                    <a:lnR w="12700" cmpd="sng">
+                      <a:noFill/>
+                    </a:lnR>
+                    <a:lnT w="12700" cmpd="sng">
+                      <a:noFill/>
+                    </a:lnT>
+                    <a:lnB w="12700" cmpd="sng">
+                      <a:noFill/>
+                    </a:lnB>
+                    <a:lnTlToBr w="12700" cmpd="sng">
+                      <a:noFill/>
+                      <a:prstDash val="solid"/>
+                    </a:lnTlToBr>
+                    <a:lnBlToTr w="12700" cmpd="sng">
+                      <a:noFill/>
+                      <a:prstDash val="solid"/>
+                    </a:lnBlToTr>
+                  </a:tcPr>
+                </a:tc>
+                <a:tc>
+                  <a:txBody>
+                    <a:bodyPr/>
+                    <a:lstStyle/>
+                    <a:p>
+                      <a:pPr algn="l"/>
+                      <a:r>
+                        <a:rPr lang="pt-BR" sz="1100" dirty="0">
+                          <a:solidFill>
+                            <a:schemeClr val="bg1">
+                              <a:lumMod val="50000"/>
+                            </a:schemeClr>
+                          </a:solidFill>
+                          <a:latin typeface="Times New Roman" panose="02020603050405020304" pitchFamily="18" charset="0"/>
+                          <a:cs typeface="Times New Roman" panose="02020603050405020304" pitchFamily="18" charset="0"/>
+                        </a:rPr>
+                        <a:t>25K                                                                              100K</a:t>
+                      </a:r>
+                    </a:p>
+                  </a:txBody>
+                  <a:tcPr anchor="b">
+                    <a:lnL w="12700" cmpd="sng">
+                      <a:noFill/>
+                    </a:lnL>
+                    <a:lnR w="12700" cmpd="sng">
+                      <a:noFill/>
+                    </a:lnR>
+                    <a:lnT w="12700" cmpd="sng">
+                      <a:noFill/>
+                    </a:lnT>
+                    <a:lnB w="12700" cap="flat" cmpd="sng" algn="ctr">
+                      <a:solidFill>
+                        <a:schemeClr val="bg1">
+                          <a:lumMod val="75000"/>
+                        </a:schemeClr>
+                      </a:solidFill>
+                      <a:prstDash val="solid"/>
+                      <a:round/>
+                      <a:headEnd type="none" w="med" len="med"/>
+                      <a:tailEnd type="none" w="med" len="med"/>
+                    </a:lnB>
+                    <a:lnTlToBr w="12700" cmpd="sng">
+                      <a:noFill/>
+                      <a:prstDash val="solid"/>
+                    </a:lnTlToBr>
+                    <a:lnBlToTr w="12700" cmpd="sng">
+                      <a:noFill/>
+                      <a:prstDash val="solid"/>
+                    </a:lnBlToTr>
+                  </a:tcPr>
+                </a:tc>
+                <a:extLst>
+                  <a:ext uri="{0D108BD9-81ED-4DB2-BD59-A6C34878D82A}">
+                    <a16:rowId xmlns:a16="http://schemas.microsoft.com/office/drawing/2014/main" val="1941192736"/>
+                  </a:ext>
+                </a:extLst>
+              </a:tr>
+              <a:tr h="240937">
+                <a:tc vMerge="1">
+                  <a:txBody>
+                    <a:bodyPr/>
+                    <a:lstStyle/>
+                    <a:p>
+                      <a:endParaRPr lang="pt-BR"/>
+                    </a:p>
+                  </a:txBody>
+                  <a:tcPr/>
+                </a:tc>
+                <a:tc>
+                  <a:txBody>
+                    <a:bodyPr/>
+                    <a:lstStyle/>
+                    <a:p>
+                      <a:pPr algn="l"/>
+                      <a:r>
+                        <a:rPr lang="pt-BR" sz="1100" dirty="0">
+                          <a:latin typeface="Times New Roman" panose="02020603050405020304" pitchFamily="18" charset="0"/>
+                          <a:cs typeface="Times New Roman" panose="02020603050405020304" pitchFamily="18" charset="0"/>
+                        </a:rPr>
+                        <a:t>                                      58K                                        100K</a:t>
+                      </a:r>
+                    </a:p>
+                  </a:txBody>
+                  <a:tcPr>
+                    <a:lnL w="12700" cmpd="sng">
+                      <a:noFill/>
+                    </a:lnL>
+                    <a:lnR w="12700" cmpd="sng">
+                      <a:noFill/>
+                    </a:lnR>
+                    <a:lnT w="12700" cap="flat" cmpd="sng" algn="ctr">
+                      <a:solidFill>
+                        <a:schemeClr val="bg1">
+                          <a:lumMod val="75000"/>
+                        </a:schemeClr>
+                      </a:solidFill>
+                      <a:prstDash val="solid"/>
+                      <a:round/>
+                      <a:headEnd type="none" w="med" len="med"/>
+                      <a:tailEnd type="none" w="med" len="med"/>
+                    </a:lnT>
+                    <a:lnB w="12700" cmpd="sng">
+                      <a:noFill/>
+                    </a:lnB>
+                    <a:lnTlToBr w="12700" cmpd="sng">
+                      <a:noFill/>
+                      <a:prstDash val="solid"/>
+                    </a:lnTlToBr>
+                    <a:lnBlToTr w="12700" cmpd="sng">
+                      <a:noFill/>
+                      <a:prstDash val="solid"/>
+                    </a:lnBlToTr>
+                  </a:tcPr>
+                </a:tc>
+                <a:extLst>
+                  <a:ext uri="{0D108BD9-81ED-4DB2-BD59-A6C34878D82A}">
+                    <a16:rowId xmlns:a16="http://schemas.microsoft.com/office/drawing/2014/main" val="1639889444"/>
+                  </a:ext>
+                </a:extLst>
+              </a:tr>
+              <a:tr h="240937">
+                <a:tc rowSpan="2">
+                  <a:txBody>
+                    <a:bodyPr/>
+                    <a:lstStyle/>
+                    <a:p>
+                      <a:pPr algn="r"/>
+                      <a:r>
+                        <a:rPr lang="pt-BR" sz="900" dirty="0">
+                          <a:latin typeface="Times New Roman" panose="02020603050405020304" pitchFamily="18" charset="0"/>
+                          <a:cs typeface="Times New Roman" panose="02020603050405020304" pitchFamily="18" charset="0"/>
+                        </a:rPr>
+                        <a:t>% de Utilização da Capacidade</a:t>
+                      </a:r>
+                    </a:p>
+                  </a:txBody>
+                  <a:tcPr anchor="ctr">
+                    <a:lnL w="12700" cmpd="sng">
+                      <a:noFill/>
+                    </a:lnL>
+                    <a:lnR w="12700" cmpd="sng">
+                      <a:noFill/>
+                    </a:lnR>
+                    <a:lnT w="12700" cmpd="sng">
+                      <a:noFill/>
+                    </a:lnT>
+                    <a:lnB w="12700" cmpd="sng">
+                      <a:noFill/>
+                    </a:lnB>
+                    <a:lnTlToBr w="12700" cmpd="sng">
+                      <a:noFill/>
+                      <a:prstDash val="solid"/>
+                    </a:lnTlToBr>
+                    <a:lnBlToTr w="12700" cmpd="sng">
+                      <a:noFill/>
+                      <a:prstDash val="solid"/>
+                    </a:lnBlToTr>
+                  </a:tcPr>
+                </a:tc>
+                <a:tc>
+                  <a:txBody>
+                    <a:bodyPr/>
+                    <a:lstStyle/>
+                    <a:p>
+                      <a:pPr algn="l"/>
+                      <a:r>
+                        <a:rPr lang="pt-BR" sz="1100" dirty="0">
+                          <a:solidFill>
+                            <a:schemeClr val="bg1">
+                              <a:lumMod val="50000"/>
+                            </a:schemeClr>
+                          </a:solidFill>
+                          <a:latin typeface="Times New Roman" panose="02020603050405020304" pitchFamily="18" charset="0"/>
+                          <a:cs typeface="Times New Roman" panose="02020603050405020304" pitchFamily="18" charset="0"/>
+                        </a:rPr>
+                        <a:t>0,6                                                                                       1</a:t>
+                      </a:r>
+                    </a:p>
+                  </a:txBody>
+                  <a:tcPr anchor="b">
+                    <a:lnL w="12700" cmpd="sng">
+                      <a:noFill/>
+                    </a:lnL>
+                    <a:lnR w="12700" cmpd="sng">
+                      <a:noFill/>
+                    </a:lnR>
+                    <a:lnT w="12700" cmpd="sng">
+                      <a:noFill/>
+                    </a:lnT>
+                    <a:lnB w="12700" cap="flat" cmpd="sng" algn="ctr">
+                      <a:solidFill>
+                        <a:schemeClr val="bg1">
+                          <a:lumMod val="75000"/>
+                        </a:schemeClr>
+                      </a:solidFill>
+                      <a:prstDash val="solid"/>
+                      <a:round/>
+                      <a:headEnd type="none" w="med" len="med"/>
+                      <a:tailEnd type="none" w="med" len="med"/>
+                    </a:lnB>
+                    <a:lnTlToBr w="12700" cmpd="sng">
+                      <a:noFill/>
+                      <a:prstDash val="solid"/>
+                    </a:lnTlToBr>
+                    <a:lnBlToTr w="12700" cmpd="sng">
+                      <a:noFill/>
+                      <a:prstDash val="solid"/>
+                    </a:lnBlToTr>
+                  </a:tcPr>
+                </a:tc>
+                <a:extLst>
+                  <a:ext uri="{0D108BD9-81ED-4DB2-BD59-A6C34878D82A}">
+                    <a16:rowId xmlns:a16="http://schemas.microsoft.com/office/drawing/2014/main" val="1642731224"/>
+                  </a:ext>
+                </a:extLst>
+              </a:tr>
+              <a:tr h="240937">
+                <a:tc vMerge="1">
+                  <a:txBody>
+                    <a:bodyPr/>
+                    <a:lstStyle/>
+                    <a:p>
+                      <a:endParaRPr lang="pt-BR"/>
+                    </a:p>
+                  </a:txBody>
+                  <a:tcPr/>
+                </a:tc>
+                <a:tc>
+                  <a:txBody>
+                    <a:bodyPr/>
+                    <a:lstStyle/>
+                    <a:p>
+                      <a:pPr algn="l"/>
+                      <a:r>
+                        <a:rPr lang="pt-BR" sz="1100" dirty="0">
+                          <a:latin typeface="Times New Roman" panose="02020603050405020304" pitchFamily="18" charset="0"/>
+                          <a:cs typeface="Times New Roman" panose="02020603050405020304" pitchFamily="18" charset="0"/>
+                        </a:rPr>
+                        <a:t>0,626                                                0,864</a:t>
+                      </a:r>
+                    </a:p>
+                  </a:txBody>
+                  <a:tcPr>
+                    <a:lnL w="12700" cmpd="sng">
+                      <a:noFill/>
+                    </a:lnL>
+                    <a:lnR w="12700" cmpd="sng">
+                      <a:noFill/>
+                    </a:lnR>
+                    <a:lnT w="12700" cap="flat" cmpd="sng" algn="ctr">
+                      <a:solidFill>
+                        <a:schemeClr val="bg1">
+                          <a:lumMod val="75000"/>
+                        </a:schemeClr>
+                      </a:solidFill>
+                      <a:prstDash val="solid"/>
+                      <a:round/>
+                      <a:headEnd type="none" w="med" len="med"/>
+                      <a:tailEnd type="none" w="med" len="med"/>
+                    </a:lnT>
+                    <a:lnB w="12700" cmpd="sng">
+                      <a:noFill/>
+                    </a:lnB>
+                    <a:lnTlToBr w="12700" cmpd="sng">
+                      <a:noFill/>
+                      <a:prstDash val="solid"/>
+                    </a:lnTlToBr>
+                    <a:lnBlToTr w="12700" cmpd="sng">
+                      <a:noFill/>
+                      <a:prstDash val="solid"/>
+                    </a:lnBlToTr>
+                  </a:tcPr>
+                </a:tc>
+                <a:extLst>
+                  <a:ext uri="{0D108BD9-81ED-4DB2-BD59-A6C34878D82A}">
+                    <a16:rowId xmlns:a16="http://schemas.microsoft.com/office/drawing/2014/main" val="1361060795"/>
+                  </a:ext>
+                </a:extLst>
+              </a:tr>
+              <a:tr h="240937">
+                <a:tc rowSpan="2">
+                  <a:txBody>
+                    <a:bodyPr/>
+                    <a:lstStyle/>
+                    <a:p>
+                      <a:pPr algn="r"/>
+                      <a:r>
+                        <a:rPr lang="en-US" sz="900" dirty="0">
+                          <a:latin typeface="Times New Roman" panose="02020603050405020304" pitchFamily="18" charset="0"/>
+                          <a:cs typeface="Times New Roman" panose="02020603050405020304" pitchFamily="18" charset="0"/>
+                        </a:rPr>
+                        <a:t>Mkt Share </a:t>
+                      </a:r>
+                      <a:r>
+                        <a:rPr lang="en-US" sz="900" dirty="0" err="1">
+                          <a:latin typeface="Times New Roman" panose="02020603050405020304" pitchFamily="18" charset="0"/>
+                          <a:cs typeface="Times New Roman" panose="02020603050405020304" pitchFamily="18" charset="0"/>
+                        </a:rPr>
+                        <a:t>Desejado</a:t>
+                      </a:r>
+                      <a:r>
+                        <a:rPr lang="en-US" sz="900" dirty="0">
+                          <a:latin typeface="Times New Roman" panose="02020603050405020304" pitchFamily="18" charset="0"/>
+                          <a:cs typeface="Times New Roman" panose="02020603050405020304" pitchFamily="18" charset="0"/>
+                        </a:rPr>
+                        <a:t> Player 2</a:t>
+                      </a:r>
+                    </a:p>
+                  </a:txBody>
+                  <a:tcPr anchor="ctr">
+                    <a:lnL w="12700" cmpd="sng">
+                      <a:noFill/>
+                    </a:lnL>
+                    <a:lnR w="12700" cmpd="sng">
+                      <a:noFill/>
+                    </a:lnR>
+                    <a:lnT w="12700" cmpd="sng">
+                      <a:noFill/>
+                    </a:lnT>
+                    <a:lnB w="12700" cmpd="sng">
+                      <a:noFill/>
+                    </a:lnB>
+                    <a:lnTlToBr w="12700" cmpd="sng">
+                      <a:noFill/>
+                      <a:prstDash val="solid"/>
+                    </a:lnTlToBr>
+                    <a:lnBlToTr w="12700" cmpd="sng">
+                      <a:noFill/>
+                      <a:prstDash val="solid"/>
+                    </a:lnBlToTr>
+                  </a:tcPr>
+                </a:tc>
+                <a:tc>
+                  <a:txBody>
+                    <a:bodyPr/>
+                    <a:lstStyle/>
+                    <a:p>
+                      <a:pPr marL="0" marR="0" lvl="0" indent="0" algn="l" defTabSz="575981" rtl="0" eaLnBrk="1" fontAlgn="auto" latinLnBrk="0" hangingPunct="1">
+                        <a:lnSpc>
+                          <a:spcPct val="100000"/>
+                        </a:lnSpc>
+                        <a:spcBef>
+                          <a:spcPts val="0"/>
+                        </a:spcBef>
+                        <a:spcAft>
+                          <a:spcPts val="0"/>
+                        </a:spcAft>
+                        <a:buClrTx/>
+                        <a:buSzTx/>
+                        <a:buFontTx/>
+                        <a:buNone/>
+                        <a:tabLst/>
+                        <a:defRPr/>
+                      </a:pPr>
+                      <a:r>
+                        <a:rPr lang="pt-BR" sz="1100" dirty="0">
+                          <a:solidFill>
+                            <a:schemeClr val="bg1">
+                              <a:lumMod val="50000"/>
+                            </a:schemeClr>
+                          </a:solidFill>
+                          <a:latin typeface="Times New Roman" panose="02020603050405020304" pitchFamily="18" charset="0"/>
+                          <a:cs typeface="Times New Roman" panose="02020603050405020304" pitchFamily="18" charset="0"/>
+                        </a:rPr>
+                        <a:t>0,29                                                                                0,58</a:t>
+                      </a:r>
+                    </a:p>
+                  </a:txBody>
+                  <a:tcPr anchor="b">
+                    <a:lnL w="12700" cmpd="sng">
+                      <a:noFill/>
+                    </a:lnL>
+                    <a:lnR w="12700" cmpd="sng">
+                      <a:noFill/>
+                    </a:lnR>
+                    <a:lnT w="12700" cmpd="sng">
+                      <a:noFill/>
+                    </a:lnT>
+                    <a:lnB w="12700" cap="flat" cmpd="sng" algn="ctr">
+                      <a:solidFill>
+                        <a:schemeClr val="bg1">
+                          <a:lumMod val="75000"/>
+                        </a:schemeClr>
+                      </a:solidFill>
+                      <a:prstDash val="solid"/>
+                      <a:round/>
+                      <a:headEnd type="none" w="med" len="med"/>
+                      <a:tailEnd type="none" w="med" len="med"/>
+                    </a:lnB>
+                    <a:lnTlToBr w="12700" cmpd="sng">
+                      <a:noFill/>
+                      <a:prstDash val="solid"/>
+                    </a:lnTlToBr>
+                    <a:lnBlToTr w="12700" cmpd="sng">
+                      <a:noFill/>
+                      <a:prstDash val="solid"/>
+                    </a:lnBlToTr>
+                  </a:tcPr>
+                </a:tc>
+                <a:extLst>
+                  <a:ext uri="{0D108BD9-81ED-4DB2-BD59-A6C34878D82A}">
+                    <a16:rowId xmlns:a16="http://schemas.microsoft.com/office/drawing/2014/main" val="1404429461"/>
+                  </a:ext>
+                </a:extLst>
+              </a:tr>
+              <a:tr h="396837">
+                <a:tc vMerge="1">
+                  <a:txBody>
+                    <a:bodyPr/>
+                    <a:lstStyle/>
+                    <a:p>
+                      <a:endParaRPr lang="pt-BR"/>
+                    </a:p>
+                  </a:txBody>
+                  <a:tcPr/>
+                </a:tc>
+                <a:tc>
+                  <a:txBody>
+                    <a:bodyPr/>
+                    <a:lstStyle/>
+                    <a:p>
+                      <a:pPr marL="0" marR="0" lvl="0" indent="0" algn="l" defTabSz="575981" rtl="0" eaLnBrk="1" fontAlgn="auto" latinLnBrk="0" hangingPunct="1">
+                        <a:lnSpc>
+                          <a:spcPct val="100000"/>
+                        </a:lnSpc>
+                        <a:spcBef>
+                          <a:spcPts val="0"/>
+                        </a:spcBef>
+                        <a:spcAft>
+                          <a:spcPts val="0"/>
+                        </a:spcAft>
+                        <a:buClrTx/>
+                        <a:buSzTx/>
+                        <a:buFontTx/>
+                        <a:buNone/>
+                        <a:tabLst/>
+                        <a:defRPr/>
+                      </a:pPr>
+                      <a:r>
+                        <a:rPr lang="pt-BR" sz="1100" dirty="0">
+                          <a:latin typeface="Times New Roman" panose="02020603050405020304" pitchFamily="18" charset="0"/>
+                          <a:cs typeface="Times New Roman" panose="02020603050405020304" pitchFamily="18" charset="0"/>
+                        </a:rPr>
+                        <a:t>0,325                                                                0,528</a:t>
+                      </a:r>
+                    </a:p>
+                    <a:p>
+                      <a:pPr algn="r"/>
+                      <a:endParaRPr lang="pt-BR" sz="1100" dirty="0">
+                        <a:latin typeface="Times New Roman" panose="02020603050405020304" pitchFamily="18" charset="0"/>
+                        <a:cs typeface="Times New Roman" panose="02020603050405020304" pitchFamily="18" charset="0"/>
+                      </a:endParaRPr>
+                    </a:p>
+                  </a:txBody>
+                  <a:tcPr>
+                    <a:lnL w="12700" cmpd="sng">
+                      <a:noFill/>
+                    </a:lnL>
+                    <a:lnR w="12700" cmpd="sng">
+                      <a:noFill/>
+                    </a:lnR>
+                    <a:lnT w="12700" cap="flat" cmpd="sng" algn="ctr">
+                      <a:solidFill>
+                        <a:schemeClr val="bg1">
+                          <a:lumMod val="75000"/>
+                        </a:schemeClr>
+                      </a:solidFill>
+                      <a:prstDash val="solid"/>
+                      <a:round/>
+                      <a:headEnd type="none" w="med" len="med"/>
+                      <a:tailEnd type="none" w="med" len="med"/>
+                    </a:lnT>
+                    <a:lnB w="12700" cmpd="sng">
+                      <a:noFill/>
+                    </a:lnB>
+                    <a:lnTlToBr w="12700" cmpd="sng">
+                      <a:noFill/>
+                      <a:prstDash val="solid"/>
+                    </a:lnTlToBr>
+                    <a:lnBlToTr w="12700" cmpd="sng">
+                      <a:noFill/>
+                      <a:prstDash val="solid"/>
+                    </a:lnBlToTr>
+                  </a:tcPr>
+                </a:tc>
+                <a:extLst>
+                  <a:ext uri="{0D108BD9-81ED-4DB2-BD59-A6C34878D82A}">
+                    <a16:rowId xmlns:a16="http://schemas.microsoft.com/office/drawing/2014/main" val="3494853704"/>
+                  </a:ext>
+                </a:extLst>
+              </a:tr>
+              <a:tr h="240937">
+                <a:tc rowSpan="2">
+                  <a:txBody>
+                    <a:bodyPr/>
+                    <a:lstStyle/>
+                    <a:p>
+                      <a:pPr algn="r"/>
+                      <a:r>
+                        <a:rPr lang="pt-BR" sz="900" dirty="0">
+                          <a:latin typeface="Times New Roman" panose="02020603050405020304" pitchFamily="18" charset="0"/>
+                          <a:cs typeface="Times New Roman" panose="02020603050405020304" pitchFamily="18" charset="0"/>
+                        </a:rPr>
+                        <a:t>Estratégia de Capac. Player 4</a:t>
+                      </a:r>
+                    </a:p>
+                  </a:txBody>
+                  <a:tcPr anchor="ctr">
+                    <a:lnL w="12700" cmpd="sng">
+                      <a:noFill/>
+                    </a:lnL>
+                    <a:lnR w="12700" cmpd="sng">
+                      <a:noFill/>
+                    </a:lnR>
+                    <a:lnT w="12700" cmpd="sng">
+                      <a:noFill/>
+                    </a:lnT>
+                    <a:lnB w="12700" cmpd="sng">
+                      <a:noFill/>
+                    </a:lnB>
+                    <a:lnTlToBr w="12700" cmpd="sng">
+                      <a:noFill/>
+                      <a:prstDash val="solid"/>
+                    </a:lnTlToBr>
+                    <a:lnBlToTr w="12700" cmpd="sng">
+                      <a:noFill/>
+                      <a:prstDash val="solid"/>
+                    </a:lnBlToTr>
+                  </a:tcPr>
+                </a:tc>
+                <a:tc>
+                  <a:txBody>
+                    <a:bodyPr/>
+                    <a:lstStyle/>
+                    <a:p>
+                      <a:pPr marL="0" marR="0" lvl="0" indent="0" algn="l" defTabSz="575981" rtl="0" eaLnBrk="1" fontAlgn="auto" latinLnBrk="0" hangingPunct="1">
+                        <a:lnSpc>
+                          <a:spcPct val="100000"/>
+                        </a:lnSpc>
+                        <a:spcBef>
+                          <a:spcPts val="0"/>
+                        </a:spcBef>
+                        <a:spcAft>
+                          <a:spcPts val="0"/>
+                        </a:spcAft>
+                        <a:buClrTx/>
+                        <a:buSzTx/>
+                        <a:buFontTx/>
+                        <a:buNone/>
+                        <a:tabLst/>
+                        <a:defRPr/>
+                      </a:pPr>
+                      <a:r>
+                        <a:rPr lang="pt-BR" sz="1100" dirty="0">
+                          <a:solidFill>
+                            <a:schemeClr val="bg1">
+                              <a:lumMod val="50000"/>
+                            </a:schemeClr>
+                          </a:solidFill>
+                          <a:latin typeface="Times New Roman" panose="02020603050405020304" pitchFamily="18" charset="0"/>
+                          <a:cs typeface="Times New Roman" panose="02020603050405020304" pitchFamily="18" charset="0"/>
+                        </a:rPr>
+                        <a:t>0,5                                                                                    2,5</a:t>
+                      </a:r>
+                    </a:p>
+                  </a:txBody>
+                  <a:tcPr anchor="b">
+                    <a:lnL w="12700" cmpd="sng">
+                      <a:noFill/>
+                    </a:lnL>
+                    <a:lnR w="12700" cmpd="sng">
+                      <a:noFill/>
+                    </a:lnR>
+                    <a:lnT w="12700" cmpd="sng">
+                      <a:noFill/>
+                    </a:lnT>
+                    <a:lnB w="12700" cap="flat" cmpd="sng" algn="ctr">
+                      <a:solidFill>
+                        <a:schemeClr val="bg1">
+                          <a:lumMod val="75000"/>
+                        </a:schemeClr>
+                      </a:solidFill>
+                      <a:prstDash val="solid"/>
+                      <a:round/>
+                      <a:headEnd type="none" w="med" len="med"/>
+                      <a:tailEnd type="none" w="med" len="med"/>
+                    </a:lnB>
+                    <a:lnTlToBr w="12700" cmpd="sng">
+                      <a:noFill/>
+                      <a:prstDash val="solid"/>
+                    </a:lnTlToBr>
+                    <a:lnBlToTr w="12700" cmpd="sng">
+                      <a:noFill/>
+                      <a:prstDash val="solid"/>
+                    </a:lnBlToTr>
+                  </a:tcPr>
+                </a:tc>
+                <a:extLst>
+                  <a:ext uri="{0D108BD9-81ED-4DB2-BD59-A6C34878D82A}">
+                    <a16:rowId xmlns:a16="http://schemas.microsoft.com/office/drawing/2014/main" val="2654987933"/>
+                  </a:ext>
+                </a:extLst>
+              </a:tr>
+              <a:tr h="286656">
+                <a:tc vMerge="1">
+                  <a:txBody>
+                    <a:bodyPr/>
+                    <a:lstStyle/>
+                    <a:p>
+                      <a:endParaRPr lang="pt-BR"/>
+                    </a:p>
+                  </a:txBody>
+                  <a:tcPr/>
+                </a:tc>
+                <a:tc>
+                  <a:txBody>
+                    <a:bodyPr/>
+                    <a:lstStyle/>
+                    <a:p>
+                      <a:pPr marL="0" marR="0" lvl="0" indent="0" algn="l" defTabSz="575981" rtl="0" eaLnBrk="1" fontAlgn="auto" latinLnBrk="0" hangingPunct="1">
+                        <a:lnSpc>
+                          <a:spcPct val="100000"/>
+                        </a:lnSpc>
+                        <a:spcBef>
+                          <a:spcPts val="0"/>
+                        </a:spcBef>
+                        <a:spcAft>
+                          <a:spcPts val="0"/>
+                        </a:spcAft>
+                        <a:buClrTx/>
+                        <a:buSzTx/>
+                        <a:buFontTx/>
+                        <a:buNone/>
+                        <a:tabLst/>
+                        <a:defRPr/>
+                      </a:pPr>
+                      <a:r>
+                        <a:rPr lang="pt-BR" sz="1100" dirty="0">
+                          <a:latin typeface="Times New Roman" panose="02020603050405020304" pitchFamily="18" charset="0"/>
+                          <a:cs typeface="Times New Roman" panose="02020603050405020304" pitchFamily="18" charset="0"/>
+                        </a:rPr>
+                        <a:t>0,611                                                               2,14</a:t>
+                      </a:r>
+                    </a:p>
+                  </a:txBody>
+                  <a:tcPr anchor="ctr">
+                    <a:lnL w="12700" cmpd="sng">
+                      <a:noFill/>
+                    </a:lnL>
+                    <a:lnR w="12700" cmpd="sng">
+                      <a:noFill/>
+                    </a:lnR>
+                    <a:lnT w="12700" cap="flat" cmpd="sng" algn="ctr">
+                      <a:solidFill>
+                        <a:schemeClr val="bg1">
+                          <a:lumMod val="75000"/>
+                        </a:schemeClr>
+                      </a:solidFill>
+                      <a:prstDash val="solid"/>
+                      <a:round/>
+                      <a:headEnd type="none" w="med" len="med"/>
+                      <a:tailEnd type="none" w="med" len="med"/>
+                    </a:lnT>
+                    <a:lnB w="12700" cmpd="sng">
+                      <a:noFill/>
+                    </a:lnB>
+                    <a:lnTlToBr w="12700" cmpd="sng">
+                      <a:noFill/>
+                      <a:prstDash val="solid"/>
+                    </a:lnTlToBr>
+                    <a:lnBlToTr w="12700" cmpd="sng">
+                      <a:noFill/>
+                      <a:prstDash val="solid"/>
+                    </a:lnBlToTr>
+                  </a:tcPr>
+                </a:tc>
+                <a:extLst>
+                  <a:ext uri="{0D108BD9-81ED-4DB2-BD59-A6C34878D82A}">
+                    <a16:rowId xmlns:a16="http://schemas.microsoft.com/office/drawing/2014/main" val="2962924277"/>
+                  </a:ext>
+                </a:extLst>
+              </a:tr>
+              <a:tr h="240937">
+                <a:tc rowSpan="2">
+                  <a:txBody>
+                    <a:bodyPr/>
+                    <a:lstStyle/>
+                    <a:p>
+                      <a:pPr algn="r"/>
+                      <a:r>
+                        <a:rPr lang="pt-BR" sz="900" dirty="0" err="1">
+                          <a:latin typeface="Times New Roman" panose="02020603050405020304" pitchFamily="18" charset="0"/>
+                          <a:cs typeface="Times New Roman" panose="02020603050405020304" pitchFamily="18" charset="0"/>
+                        </a:rPr>
+                        <a:t>Sensib</a:t>
+                      </a:r>
+                      <a:r>
+                        <a:rPr lang="pt-BR" sz="900" dirty="0">
+                          <a:latin typeface="Times New Roman" panose="02020603050405020304" pitchFamily="18" charset="0"/>
+                          <a:cs typeface="Times New Roman" panose="02020603050405020304" pitchFamily="18" charset="0"/>
+                        </a:rPr>
+                        <a:t>. da Atratividade ao Preço</a:t>
+                      </a:r>
+                    </a:p>
+                  </a:txBody>
+                  <a:tcPr anchor="ctr">
+                    <a:lnL w="12700" cmpd="sng">
+                      <a:noFill/>
+                    </a:lnL>
+                    <a:lnR w="12700" cmpd="sng">
+                      <a:noFill/>
+                    </a:lnR>
+                    <a:lnT w="12700" cmpd="sng">
+                      <a:noFill/>
+                    </a:lnT>
+                    <a:lnB w="12700" cmpd="sng">
+                      <a:noFill/>
+                    </a:lnB>
+                    <a:lnTlToBr w="12700" cmpd="sng">
+                      <a:noFill/>
+                      <a:prstDash val="solid"/>
+                    </a:lnTlToBr>
+                    <a:lnBlToTr w="12700" cmpd="sng">
+                      <a:noFill/>
+                      <a:prstDash val="solid"/>
+                    </a:lnBlToTr>
+                  </a:tcPr>
+                </a:tc>
+                <a:tc>
+                  <a:txBody>
+                    <a:bodyPr/>
+                    <a:lstStyle/>
+                    <a:p>
+                      <a:pPr marL="0" marR="0" lvl="0" indent="0" algn="l" defTabSz="575981" rtl="0" eaLnBrk="1" fontAlgn="auto" latinLnBrk="0" hangingPunct="1">
+                        <a:lnSpc>
+                          <a:spcPct val="100000"/>
+                        </a:lnSpc>
+                        <a:spcBef>
+                          <a:spcPts val="0"/>
+                        </a:spcBef>
+                        <a:spcAft>
+                          <a:spcPts val="0"/>
+                        </a:spcAft>
+                        <a:buClrTx/>
+                        <a:buSzTx/>
+                        <a:buFontTx/>
+                        <a:buNone/>
+                        <a:tabLst/>
+                        <a:defRPr/>
+                      </a:pPr>
+                      <a:r>
+                        <a:rPr lang="pt-BR" sz="1100" dirty="0">
+                          <a:solidFill>
+                            <a:schemeClr val="bg1">
+                              <a:lumMod val="50000"/>
+                            </a:schemeClr>
+                          </a:solidFill>
+                          <a:latin typeface="Times New Roman" panose="02020603050405020304" pitchFamily="18" charset="0"/>
+                          <a:cs typeface="Times New Roman" panose="02020603050405020304" pitchFamily="18" charset="0"/>
+                        </a:rPr>
+                        <a:t>-12                                                                                      -4</a:t>
+                      </a:r>
+                    </a:p>
+                  </a:txBody>
+                  <a:tcPr anchor="b">
+                    <a:lnL w="12700" cmpd="sng">
+                      <a:noFill/>
+                    </a:lnL>
+                    <a:lnR w="12700" cmpd="sng">
+                      <a:noFill/>
+                    </a:lnR>
+                    <a:lnT w="12700" cmpd="sng">
+                      <a:noFill/>
+                    </a:lnT>
+                    <a:lnB w="12700" cap="flat" cmpd="sng" algn="ctr">
+                      <a:solidFill>
+                        <a:schemeClr val="bg1">
+                          <a:lumMod val="75000"/>
+                        </a:schemeClr>
+                      </a:solidFill>
+                      <a:prstDash val="solid"/>
+                      <a:round/>
+                      <a:headEnd type="none" w="med" len="med"/>
+                      <a:tailEnd type="none" w="med" len="med"/>
+                    </a:lnB>
+                    <a:lnTlToBr w="12700" cmpd="sng">
+                      <a:noFill/>
+                      <a:prstDash val="solid"/>
+                    </a:lnTlToBr>
+                    <a:lnBlToTr w="12700" cmpd="sng">
+                      <a:noFill/>
+                      <a:prstDash val="solid"/>
+                    </a:lnBlToTr>
+                  </a:tcPr>
+                </a:tc>
+                <a:extLst>
+                  <a:ext uri="{0D108BD9-81ED-4DB2-BD59-A6C34878D82A}">
+                    <a16:rowId xmlns:a16="http://schemas.microsoft.com/office/drawing/2014/main" val="2429684244"/>
+                  </a:ext>
+                </a:extLst>
+              </a:tr>
+              <a:tr h="240937">
+                <a:tc vMerge="1">
+                  <a:txBody>
+                    <a:bodyPr/>
+                    <a:lstStyle/>
+                    <a:p>
+                      <a:endParaRPr lang="pt-BR"/>
+                    </a:p>
+                  </a:txBody>
+                  <a:tcPr/>
+                </a:tc>
+                <a:tc>
+                  <a:txBody>
+                    <a:bodyPr/>
+                    <a:lstStyle/>
+                    <a:p>
+                      <a:pPr marL="0" marR="0" lvl="0" indent="0" algn="l" defTabSz="575981" rtl="0" eaLnBrk="1" fontAlgn="auto" latinLnBrk="0" hangingPunct="1">
+                        <a:lnSpc>
+                          <a:spcPct val="100000"/>
+                        </a:lnSpc>
+                        <a:spcBef>
+                          <a:spcPts val="0"/>
+                        </a:spcBef>
+                        <a:spcAft>
+                          <a:spcPts val="0"/>
+                        </a:spcAft>
+                        <a:buClrTx/>
+                        <a:buSzTx/>
+                        <a:buFontTx/>
+                        <a:buNone/>
+                        <a:tabLst/>
+                        <a:defRPr/>
+                      </a:pPr>
+                      <a:r>
+                        <a:rPr lang="pt-BR" sz="1100" dirty="0">
+                          <a:latin typeface="Times New Roman" panose="02020603050405020304" pitchFamily="18" charset="0"/>
+                          <a:cs typeface="Times New Roman" panose="02020603050405020304" pitchFamily="18" charset="0"/>
+                        </a:rPr>
+                        <a:t> -11,3                                                                             -4,01</a:t>
+                      </a:r>
+                    </a:p>
+                  </a:txBody>
+                  <a:tcPr>
+                    <a:lnL w="12700" cmpd="sng">
+                      <a:noFill/>
+                    </a:lnL>
+                    <a:lnR w="12700" cmpd="sng">
+                      <a:noFill/>
+                    </a:lnR>
+                    <a:lnT w="12700" cap="flat" cmpd="sng" algn="ctr">
+                      <a:solidFill>
+                        <a:schemeClr val="bg1">
+                          <a:lumMod val="75000"/>
+                        </a:schemeClr>
+                      </a:solidFill>
+                      <a:prstDash val="solid"/>
+                      <a:round/>
+                      <a:headEnd type="none" w="med" len="med"/>
+                      <a:tailEnd type="none" w="med" len="med"/>
+                    </a:lnT>
+                    <a:lnB w="12700" cmpd="sng">
+                      <a:noFill/>
+                    </a:lnB>
+                    <a:lnTlToBr w="12700" cmpd="sng">
+                      <a:noFill/>
+                      <a:prstDash val="solid"/>
+                    </a:lnTlToBr>
+                    <a:lnBlToTr w="12700" cmpd="sng">
+                      <a:noFill/>
+                      <a:prstDash val="solid"/>
+                    </a:lnBlToTr>
+                  </a:tcPr>
+                </a:tc>
+                <a:extLst>
+                  <a:ext uri="{0D108BD9-81ED-4DB2-BD59-A6C34878D82A}">
+                    <a16:rowId xmlns:a16="http://schemas.microsoft.com/office/drawing/2014/main" val="2989534437"/>
+                  </a:ext>
+                </a:extLst>
+              </a:tr>
+            </a:tbl>
+          </a:graphicData>
+        </a:graphic>
+      </p:graphicFrame>
+      <p:cxnSp>
+        <p:nvCxnSpPr>
+          <p:cNvPr id="52" name="Conector de Seta Reta 51">
+            <a:extLst>
+              <a:ext uri="{FF2B5EF4-FFF2-40B4-BE49-F238E27FC236}">
+                <a16:creationId xmlns:a16="http://schemas.microsoft.com/office/drawing/2014/main" id="{DE520F10-41EA-47EE-891C-6A4AF56A149A}"/>
+              </a:ext>
+            </a:extLst>
+          </p:cNvPr>
+          <p:cNvCxnSpPr>
+            <a:cxnSpLocks/>
+          </p:cNvCxnSpPr>
+          <p:nvPr/>
+        </p:nvCxnSpPr>
+        <p:spPr>
+          <a:xfrm>
+            <a:off x="3599805" y="9888278"/>
+            <a:ext cx="1980220" cy="0"/>
+          </a:xfrm>
+          <a:prstGeom prst="straightConnector1">
+            <a:avLst/>
+          </a:prstGeom>
+          <a:ln>
+            <a:headEnd type="diamond"/>
+            <a:tailEnd type="diamond"/>
+          </a:ln>
+        </p:spPr>
+        <p:style>
+          <a:lnRef idx="2">
+            <a:schemeClr val="dk1"/>
+          </a:lnRef>
+          <a:fillRef idx="0">
+            <a:schemeClr val="dk1"/>
+          </a:fillRef>
+          <a:effectRef idx="1">
+            <a:schemeClr val="dk1"/>
+          </a:effectRef>
+          <a:fontRef idx="minor">
+            <a:schemeClr val="tx1"/>
+          </a:fontRef>
+        </p:style>
+      </p:cxnSp>
+      <p:cxnSp>
+        <p:nvCxnSpPr>
+          <p:cNvPr id="56" name="Conector de Seta Reta 55">
+            <a:extLst>
+              <a:ext uri="{FF2B5EF4-FFF2-40B4-BE49-F238E27FC236}">
+                <a16:creationId xmlns:a16="http://schemas.microsoft.com/office/drawing/2014/main" id="{CE0CEE9F-2FD9-4F59-9047-5E4EFD3EF5CA}"/>
+              </a:ext>
+            </a:extLst>
+          </p:cNvPr>
+          <p:cNvCxnSpPr>
+            <a:cxnSpLocks/>
+          </p:cNvCxnSpPr>
+          <p:nvPr/>
+        </p:nvCxnSpPr>
+        <p:spPr>
+          <a:xfrm>
+            <a:off x="2231653" y="11328438"/>
+            <a:ext cx="2088232" cy="0"/>
+          </a:xfrm>
+          <a:prstGeom prst="straightConnector1">
+            <a:avLst/>
+          </a:prstGeom>
+          <a:ln>
+            <a:headEnd type="diamond"/>
+            <a:tailEnd type="diamond"/>
+          </a:ln>
+        </p:spPr>
+        <p:style>
+          <a:lnRef idx="2">
+            <a:schemeClr val="dk1"/>
+          </a:lnRef>
+          <a:fillRef idx="0">
+            <a:schemeClr val="dk1"/>
+          </a:fillRef>
+          <a:effectRef idx="1">
+            <a:schemeClr val="dk1"/>
+          </a:effectRef>
+          <a:fontRef idx="minor">
+            <a:schemeClr val="tx1"/>
+          </a:fontRef>
+        </p:style>
+      </p:cxnSp>
+      <p:cxnSp>
+        <p:nvCxnSpPr>
+          <p:cNvPr id="58" name="Conector de Seta Reta 57">
+            <a:extLst>
+              <a:ext uri="{FF2B5EF4-FFF2-40B4-BE49-F238E27FC236}">
+                <a16:creationId xmlns:a16="http://schemas.microsoft.com/office/drawing/2014/main" id="{EAE368E8-0AD5-471C-9384-62CBB80E02A7}"/>
+              </a:ext>
+            </a:extLst>
+          </p:cNvPr>
+          <p:cNvCxnSpPr>
+            <a:cxnSpLocks/>
+          </p:cNvCxnSpPr>
+          <p:nvPr/>
+        </p:nvCxnSpPr>
+        <p:spPr>
+          <a:xfrm>
+            <a:off x="2447677" y="12696590"/>
+            <a:ext cx="2448272" cy="0"/>
+          </a:xfrm>
+          <a:prstGeom prst="straightConnector1">
+            <a:avLst/>
+          </a:prstGeom>
+          <a:ln>
+            <a:headEnd type="diamond"/>
+            <a:tailEnd type="diamond"/>
+          </a:ln>
+        </p:spPr>
+        <p:style>
+          <a:lnRef idx="2">
+            <a:schemeClr val="dk1"/>
+          </a:lnRef>
+          <a:fillRef idx="0">
+            <a:schemeClr val="dk1"/>
+          </a:fillRef>
+          <a:effectRef idx="1">
+            <a:schemeClr val="dk1"/>
+          </a:effectRef>
+          <a:fontRef idx="minor">
+            <a:schemeClr val="tx1"/>
+          </a:fontRef>
+        </p:style>
+      </p:cxnSp>
+      <p:cxnSp>
+        <p:nvCxnSpPr>
+          <p:cNvPr id="62" name="Conector de Seta Reta 61">
+            <a:extLst>
+              <a:ext uri="{FF2B5EF4-FFF2-40B4-BE49-F238E27FC236}">
+                <a16:creationId xmlns:a16="http://schemas.microsoft.com/office/drawing/2014/main" id="{9A60B805-DFF4-48E2-908D-27869C04882F}"/>
+              </a:ext>
+            </a:extLst>
+          </p:cNvPr>
+          <p:cNvCxnSpPr>
+            <a:cxnSpLocks/>
+          </p:cNvCxnSpPr>
+          <p:nvPr/>
+        </p:nvCxnSpPr>
+        <p:spPr>
+          <a:xfrm>
+            <a:off x="2231653" y="14064742"/>
+            <a:ext cx="2671261" cy="0"/>
+          </a:xfrm>
+          <a:prstGeom prst="straightConnector1">
+            <a:avLst/>
+          </a:prstGeom>
+          <a:ln>
+            <a:headEnd type="diamond"/>
+            <a:tailEnd type="diamond"/>
+          </a:ln>
+        </p:spPr>
+        <p:style>
+          <a:lnRef idx="2">
+            <a:schemeClr val="dk1"/>
+          </a:lnRef>
+          <a:fillRef idx="0">
+            <a:schemeClr val="dk1"/>
+          </a:fillRef>
+          <a:effectRef idx="1">
+            <a:schemeClr val="dk1"/>
+          </a:effectRef>
+          <a:fontRef idx="minor">
+            <a:schemeClr val="tx1"/>
+          </a:fontRef>
+        </p:style>
+      </p:cxnSp>
+      <p:cxnSp>
+        <p:nvCxnSpPr>
+          <p:cNvPr id="64" name="Conector de Seta Reta 63">
+            <a:extLst>
+              <a:ext uri="{FF2B5EF4-FFF2-40B4-BE49-F238E27FC236}">
+                <a16:creationId xmlns:a16="http://schemas.microsoft.com/office/drawing/2014/main" id="{7DB07C9B-D6FD-414A-826B-57A76FBD48E4}"/>
+              </a:ext>
+            </a:extLst>
+          </p:cNvPr>
+          <p:cNvCxnSpPr>
+            <a:cxnSpLocks/>
+          </p:cNvCxnSpPr>
+          <p:nvPr/>
+        </p:nvCxnSpPr>
+        <p:spPr>
+          <a:xfrm>
+            <a:off x="2336182" y="15504902"/>
+            <a:ext cx="3207839" cy="0"/>
+          </a:xfrm>
+          <a:prstGeom prst="straightConnector1">
+            <a:avLst/>
+          </a:prstGeom>
+          <a:ln>
+            <a:headEnd type="diamond"/>
+            <a:tailEnd type="diamond"/>
+          </a:ln>
+        </p:spPr>
+        <p:style>
+          <a:lnRef idx="2">
+            <a:schemeClr val="dk1"/>
+          </a:lnRef>
+          <a:fillRef idx="0">
+            <a:schemeClr val="dk1"/>
+          </a:fillRef>
+          <a:effectRef idx="1">
+            <a:schemeClr val="dk1"/>
+          </a:effectRef>
+          <a:fontRef idx="minor">
+            <a:schemeClr val="tx1"/>
+          </a:fontRef>
+        </p:style>
+      </p:cxnSp>
+      <p:cxnSp>
+        <p:nvCxnSpPr>
+          <p:cNvPr id="67" name="Conector de Seta Reta 66">
+            <a:extLst>
+              <a:ext uri="{FF2B5EF4-FFF2-40B4-BE49-F238E27FC236}">
+                <a16:creationId xmlns:a16="http://schemas.microsoft.com/office/drawing/2014/main" id="{31EB044F-5A00-41F6-B5E4-A6027C6412D6}"/>
+              </a:ext>
+            </a:extLst>
+          </p:cNvPr>
+          <p:cNvCxnSpPr>
+            <a:cxnSpLocks/>
+          </p:cNvCxnSpPr>
+          <p:nvPr/>
+        </p:nvCxnSpPr>
+        <p:spPr>
+          <a:xfrm>
+            <a:off x="3549712" y="1440061"/>
+            <a:ext cx="1980220" cy="0"/>
+          </a:xfrm>
+          <a:prstGeom prst="straightConnector1">
+            <a:avLst/>
+          </a:prstGeom>
+          <a:ln>
+            <a:headEnd type="diamond"/>
+            <a:tailEnd type="diamond"/>
+          </a:ln>
+        </p:spPr>
+        <p:style>
+          <a:lnRef idx="2">
+            <a:schemeClr val="dk1"/>
+          </a:lnRef>
+          <a:fillRef idx="0">
+            <a:schemeClr val="dk1"/>
+          </a:fillRef>
+          <a:effectRef idx="1">
+            <a:schemeClr val="dk1"/>
+          </a:effectRef>
+          <a:fontRef idx="minor">
+            <a:schemeClr val="tx1"/>
+          </a:fontRef>
+        </p:style>
+      </p:cxnSp>
+      <p:cxnSp>
+        <p:nvCxnSpPr>
+          <p:cNvPr id="68" name="Conector de Seta Reta 67">
+            <a:extLst>
+              <a:ext uri="{FF2B5EF4-FFF2-40B4-BE49-F238E27FC236}">
+                <a16:creationId xmlns:a16="http://schemas.microsoft.com/office/drawing/2014/main" id="{D29EA2C6-4082-4DB1-B972-80196CBBF48D}"/>
+              </a:ext>
+            </a:extLst>
+          </p:cNvPr>
+          <p:cNvCxnSpPr>
+            <a:cxnSpLocks/>
+          </p:cNvCxnSpPr>
+          <p:nvPr/>
+        </p:nvCxnSpPr>
+        <p:spPr>
+          <a:xfrm>
+            <a:off x="2181560" y="1963169"/>
+            <a:ext cx="2088232" cy="0"/>
+          </a:xfrm>
+          <a:prstGeom prst="straightConnector1">
+            <a:avLst/>
+          </a:prstGeom>
+          <a:ln>
+            <a:headEnd type="diamond"/>
+            <a:tailEnd type="diamond"/>
+          </a:ln>
+        </p:spPr>
+        <p:style>
+          <a:lnRef idx="2">
+            <a:schemeClr val="dk1"/>
+          </a:lnRef>
+          <a:fillRef idx="0">
+            <a:schemeClr val="dk1"/>
+          </a:fillRef>
+          <a:effectRef idx="1">
+            <a:schemeClr val="dk1"/>
+          </a:effectRef>
+          <a:fontRef idx="minor">
+            <a:schemeClr val="tx1"/>
+          </a:fontRef>
+        </p:style>
+      </p:cxnSp>
+      <p:cxnSp>
+        <p:nvCxnSpPr>
+          <p:cNvPr id="69" name="Conector de Seta Reta 68">
+            <a:extLst>
+              <a:ext uri="{FF2B5EF4-FFF2-40B4-BE49-F238E27FC236}">
+                <a16:creationId xmlns:a16="http://schemas.microsoft.com/office/drawing/2014/main" id="{8ED44656-6A5A-4CC7-AD6B-D0AD44277034}"/>
+              </a:ext>
+            </a:extLst>
+          </p:cNvPr>
+          <p:cNvCxnSpPr>
+            <a:cxnSpLocks/>
+          </p:cNvCxnSpPr>
+          <p:nvPr/>
+        </p:nvCxnSpPr>
+        <p:spPr>
+          <a:xfrm>
+            <a:off x="2397584" y="2481514"/>
+            <a:ext cx="2448272" cy="0"/>
+          </a:xfrm>
+          <a:prstGeom prst="straightConnector1">
+            <a:avLst/>
+          </a:prstGeom>
+          <a:ln>
+            <a:headEnd type="diamond"/>
+            <a:tailEnd type="diamond"/>
+          </a:ln>
+        </p:spPr>
+        <p:style>
+          <a:lnRef idx="2">
+            <a:schemeClr val="dk1"/>
+          </a:lnRef>
+          <a:fillRef idx="0">
+            <a:schemeClr val="dk1"/>
+          </a:fillRef>
+          <a:effectRef idx="1">
+            <a:schemeClr val="dk1"/>
+          </a:effectRef>
+          <a:fontRef idx="minor">
+            <a:schemeClr val="tx1"/>
+          </a:fontRef>
+        </p:style>
+      </p:cxnSp>
+      <p:cxnSp>
+        <p:nvCxnSpPr>
+          <p:cNvPr id="70" name="Conector de Seta Reta 69">
+            <a:extLst>
+              <a:ext uri="{FF2B5EF4-FFF2-40B4-BE49-F238E27FC236}">
+                <a16:creationId xmlns:a16="http://schemas.microsoft.com/office/drawing/2014/main" id="{52BC800E-4E51-4F64-8BC5-2A23D531A3C3}"/>
+              </a:ext>
+            </a:extLst>
+          </p:cNvPr>
+          <p:cNvCxnSpPr>
+            <a:cxnSpLocks/>
+          </p:cNvCxnSpPr>
+          <p:nvPr/>
+        </p:nvCxnSpPr>
+        <p:spPr>
+          <a:xfrm>
+            <a:off x="2181560" y="3168253"/>
+            <a:ext cx="2671261" cy="0"/>
+          </a:xfrm>
+          <a:prstGeom prst="straightConnector1">
+            <a:avLst/>
+          </a:prstGeom>
+          <a:ln>
+            <a:headEnd type="diamond"/>
+            <a:tailEnd type="diamond"/>
+          </a:ln>
+        </p:spPr>
+        <p:style>
+          <a:lnRef idx="2">
+            <a:schemeClr val="dk1"/>
+          </a:lnRef>
+          <a:fillRef idx="0">
+            <a:schemeClr val="dk1"/>
+          </a:fillRef>
+          <a:effectRef idx="1">
+            <a:schemeClr val="dk1"/>
+          </a:effectRef>
+          <a:fontRef idx="minor">
+            <a:schemeClr val="tx1"/>
+          </a:fontRef>
+        </p:style>
+      </p:cxnSp>
+      <p:cxnSp>
+        <p:nvCxnSpPr>
+          <p:cNvPr id="71" name="Conector de Seta Reta 70">
+            <a:extLst>
+              <a:ext uri="{FF2B5EF4-FFF2-40B4-BE49-F238E27FC236}">
+                <a16:creationId xmlns:a16="http://schemas.microsoft.com/office/drawing/2014/main" id="{1D90E5D2-087A-4E0B-9283-AE7ABF5DA837}"/>
+              </a:ext>
+            </a:extLst>
+          </p:cNvPr>
+          <p:cNvCxnSpPr>
+            <a:cxnSpLocks/>
+          </p:cNvCxnSpPr>
+          <p:nvPr/>
+        </p:nvCxnSpPr>
+        <p:spPr>
+          <a:xfrm>
+            <a:off x="2286089" y="3713837"/>
+            <a:ext cx="3207839" cy="0"/>
+          </a:xfrm>
+          <a:prstGeom prst="straightConnector1">
+            <a:avLst/>
+          </a:prstGeom>
+          <a:ln>
+            <a:headEnd type="diamond"/>
+            <a:tailEnd type="diamond"/>
+          </a:ln>
+        </p:spPr>
+        <p:style>
+          <a:lnRef idx="2">
+            <a:schemeClr val="dk1"/>
+          </a:lnRef>
+          <a:fillRef idx="0">
+            <a:schemeClr val="dk1"/>
+          </a:fillRef>
+          <a:effectRef idx="1">
+            <a:schemeClr val="dk1"/>
+          </a:effectRef>
+          <a:fontRef idx="minor">
+            <a:schemeClr val="tx1"/>
+          </a:fontRef>
+        </p:style>
+      </p:cxnSp>
+      <p:graphicFrame>
+        <p:nvGraphicFramePr>
+          <p:cNvPr id="73" name="Tabela 72">
+            <a:extLst>
+              <a:ext uri="{FF2B5EF4-FFF2-40B4-BE49-F238E27FC236}">
+                <a16:creationId xmlns:a16="http://schemas.microsoft.com/office/drawing/2014/main" id="{F6F7142A-F76A-466C-A8B5-660CBAD6095A}"/>
+              </a:ext>
+            </a:extLst>
+          </p:cNvPr>
+          <p:cNvGraphicFramePr>
+            <a:graphicFrameLocks noGrp="1"/>
+          </p:cNvGraphicFramePr>
+          <p:nvPr>
+            <p:extLst>
+              <p:ext uri="{D42A27DB-BD31-4B8C-83A1-F6EECF244321}">
+                <p14:modId xmlns:p14="http://schemas.microsoft.com/office/powerpoint/2010/main" val="3740794758"/>
+              </p:ext>
+            </p:extLst>
+          </p:nvPr>
+        </p:nvGraphicFramePr>
+        <p:xfrm>
+          <a:off x="311835" y="4135190"/>
+          <a:ext cx="5232186" cy="1712208"/>
+        </p:xfrm>
+        <a:graphic>
+          <a:graphicData uri="http://schemas.openxmlformats.org/drawingml/2006/table">
+            <a:tbl>
+              <a:tblPr firstRow="1" bandRow="1">
+                <a:tableStyleId>{793D81CF-94F2-401A-BA57-92F5A7B2D0C5}</a:tableStyleId>
+              </a:tblPr>
+              <a:tblGrid>
+                <a:gridCol w="1199738">
+                  <a:extLst>
+                    <a:ext uri="{9D8B030D-6E8A-4147-A177-3AD203B41FA5}">
+                      <a16:colId xmlns:a16="http://schemas.microsoft.com/office/drawing/2014/main" val="1493367781"/>
+                    </a:ext>
+                  </a:extLst>
+                </a:gridCol>
+                <a:gridCol w="720080">
+                  <a:extLst>
+                    <a:ext uri="{9D8B030D-6E8A-4147-A177-3AD203B41FA5}">
+                      <a16:colId xmlns:a16="http://schemas.microsoft.com/office/drawing/2014/main" val="3484185600"/>
+                    </a:ext>
+                  </a:extLst>
+                </a:gridCol>
+                <a:gridCol w="3312368">
+                  <a:extLst>
+                    <a:ext uri="{9D8B030D-6E8A-4147-A177-3AD203B41FA5}">
+                      <a16:colId xmlns:a16="http://schemas.microsoft.com/office/drawing/2014/main" val="3226348265"/>
+                    </a:ext>
+                  </a:extLst>
+                </a:gridCol>
+              </a:tblGrid>
+              <a:tr h="432048">
+                <a:tc>
+                  <a:txBody>
+                    <a:bodyPr/>
+                    <a:lstStyle/>
+                    <a:p>
+                      <a:r>
+                        <a:rPr lang="pt-BR" sz="1100" dirty="0">
+                          <a:latin typeface="Times New Roman" panose="02020603050405020304" pitchFamily="18" charset="0"/>
+                          <a:cs typeface="Times New Roman" panose="02020603050405020304" pitchFamily="18" charset="0"/>
+                        </a:rPr>
+                        <a:t>Estatística</a:t>
+                      </a:r>
+                    </a:p>
+                  </a:txBody>
+                  <a:tcPr/>
+                </a:tc>
+                <a:tc>
+                  <a:txBody>
+                    <a:bodyPr/>
+                    <a:lstStyle/>
+                    <a:p>
+                      <a:r>
+                        <a:rPr lang="pt-BR" sz="1100" dirty="0">
+                          <a:latin typeface="Times New Roman" panose="02020603050405020304" pitchFamily="18" charset="0"/>
+                          <a:cs typeface="Times New Roman" panose="02020603050405020304" pitchFamily="18" charset="0"/>
+                        </a:rPr>
+                        <a:t>Valor</a:t>
+                      </a:r>
+                    </a:p>
+                  </a:txBody>
+                  <a:tcPr/>
+                </a:tc>
+                <a:tc>
+                  <a:txBody>
+                    <a:bodyPr/>
+                    <a:lstStyle/>
+                    <a:p>
+                      <a:r>
+                        <a:rPr lang="pt-BR" sz="1100" dirty="0">
+                          <a:latin typeface="Times New Roman" panose="02020603050405020304" pitchFamily="18" charset="0"/>
+                          <a:cs typeface="Times New Roman" panose="02020603050405020304" pitchFamily="18" charset="0"/>
+                        </a:rPr>
+                        <a:t>Significado</a:t>
+                      </a:r>
+                    </a:p>
+                  </a:txBody>
+                  <a:tcPr/>
+                </a:tc>
+                <a:extLst>
+                  <a:ext uri="{0D108BD9-81ED-4DB2-BD59-A6C34878D82A}">
+                    <a16:rowId xmlns:a16="http://schemas.microsoft.com/office/drawing/2014/main" val="3821956915"/>
+                  </a:ext>
+                </a:extLst>
+              </a:tr>
+              <a:tr h="370840">
+                <a:tc>
+                  <a:txBody>
+                    <a:bodyPr/>
+                    <a:lstStyle/>
+                    <a:p>
+                      <a:r>
+                        <a:rPr lang="pt-BR" sz="1100" dirty="0">
+                          <a:latin typeface="Times New Roman" panose="02020603050405020304" pitchFamily="18" charset="0"/>
+                          <a:cs typeface="Times New Roman" panose="02020603050405020304" pitchFamily="18" charset="0"/>
+                        </a:rPr>
+                        <a:t>Cobertura (</a:t>
+                      </a:r>
+                      <a:r>
+                        <a:rPr lang="pt-BR" sz="1100" dirty="0" err="1">
+                          <a:latin typeface="Times New Roman" panose="02020603050405020304" pitchFamily="18" charset="0"/>
+                          <a:cs typeface="Times New Roman" panose="02020603050405020304" pitchFamily="18" charset="0"/>
+                        </a:rPr>
+                        <a:t>Coverage</a:t>
+                      </a:r>
+                      <a:r>
+                        <a:rPr lang="pt-BR" sz="1100" dirty="0">
+                          <a:latin typeface="Times New Roman" panose="02020603050405020304" pitchFamily="18" charset="0"/>
+                          <a:cs typeface="Times New Roman" panose="02020603050405020304" pitchFamily="18" charset="0"/>
+                        </a:rPr>
+                        <a:t>)</a:t>
+                      </a:r>
+                    </a:p>
+                  </a:txBody>
+                  <a:tcPr/>
+                </a:tc>
+                <a:tc>
+                  <a:txBody>
+                    <a:bodyPr/>
+                    <a:lstStyle/>
+                    <a:p>
+                      <a:r>
+                        <a:rPr lang="pt-BR" sz="1100" dirty="0">
+                          <a:latin typeface="Times New Roman" panose="02020603050405020304" pitchFamily="18" charset="0"/>
+                          <a:cs typeface="Times New Roman" panose="02020603050405020304" pitchFamily="18" charset="0"/>
+                        </a:rPr>
+                        <a:t>46 %</a:t>
+                      </a:r>
+                    </a:p>
+                  </a:txBody>
+                  <a:tcPr/>
+                </a:tc>
+                <a:tc>
+                  <a:txBody>
+                    <a:bodyPr/>
+                    <a:lstStyle/>
+                    <a:p>
+                      <a:r>
+                        <a:rPr lang="pt-BR" sz="1100" dirty="0">
+                          <a:latin typeface="Times New Roman" panose="02020603050405020304" pitchFamily="18" charset="0"/>
+                          <a:cs typeface="Times New Roman" panose="02020603050405020304" pitchFamily="18" charset="0"/>
+                        </a:rPr>
+                        <a:t>As condições especificadas acima contém 46 % dos casos onde a estratégia falha.</a:t>
+                      </a:r>
+                    </a:p>
+                  </a:txBody>
+                  <a:tcPr/>
+                </a:tc>
+                <a:extLst>
+                  <a:ext uri="{0D108BD9-81ED-4DB2-BD59-A6C34878D82A}">
+                    <a16:rowId xmlns:a16="http://schemas.microsoft.com/office/drawing/2014/main" val="1404452670"/>
+                  </a:ext>
+                </a:extLst>
+              </a:tr>
+              <a:tr h="370840">
+                <a:tc>
+                  <a:txBody>
+                    <a:bodyPr/>
+                    <a:lstStyle/>
+                    <a:p>
+                      <a:r>
+                        <a:rPr lang="pt-BR" sz="1100" dirty="0">
+                          <a:latin typeface="Times New Roman" panose="02020603050405020304" pitchFamily="18" charset="0"/>
+                          <a:cs typeface="Times New Roman" panose="02020603050405020304" pitchFamily="18" charset="0"/>
+                        </a:rPr>
+                        <a:t>Densidade (</a:t>
+                      </a:r>
+                      <a:r>
+                        <a:rPr lang="pt-BR" sz="1100" dirty="0" err="1">
+                          <a:latin typeface="Times New Roman" panose="02020603050405020304" pitchFamily="18" charset="0"/>
+                          <a:cs typeface="Times New Roman" panose="02020603050405020304" pitchFamily="18" charset="0"/>
+                        </a:rPr>
+                        <a:t>Density</a:t>
+                      </a:r>
+                      <a:r>
+                        <a:rPr lang="pt-BR" sz="1100" dirty="0">
+                          <a:latin typeface="Times New Roman" panose="02020603050405020304" pitchFamily="18" charset="0"/>
+                          <a:cs typeface="Times New Roman" panose="02020603050405020304" pitchFamily="18" charset="0"/>
+                        </a:rPr>
+                        <a:t>)</a:t>
+                      </a:r>
+                    </a:p>
+                  </a:txBody>
+                  <a:tcPr/>
+                </a:tc>
+                <a:tc>
+                  <a:txBody>
+                    <a:bodyPr/>
+                    <a:lstStyle/>
+                    <a:p>
+                      <a:r>
+                        <a:rPr lang="pt-BR" sz="1100" dirty="0">
+                          <a:latin typeface="Times New Roman" panose="02020603050405020304" pitchFamily="18" charset="0"/>
+                          <a:cs typeface="Times New Roman" panose="02020603050405020304" pitchFamily="18" charset="0"/>
+                        </a:rPr>
+                        <a:t>82,1 %</a:t>
+                      </a:r>
+                    </a:p>
+                  </a:txBody>
+                  <a:tcPr/>
+                </a:tc>
+                <a:tc>
+                  <a:txBody>
+                    <a:bodyPr/>
+                    <a:lstStyle/>
+                    <a:p>
+                      <a:r>
+                        <a:rPr lang="pt-BR" sz="1100" dirty="0">
+                          <a:latin typeface="Times New Roman" panose="02020603050405020304" pitchFamily="18" charset="0"/>
+                          <a:cs typeface="Times New Roman" panose="02020603050405020304" pitchFamily="18" charset="0"/>
+                        </a:rPr>
+                        <a:t>Dentro das condições especificadas, a estratégia falha em 82,1 % das simulações.</a:t>
+                      </a:r>
+                    </a:p>
+                  </a:txBody>
+                  <a:tcPr/>
+                </a:tc>
+                <a:extLst>
+                  <a:ext uri="{0D108BD9-81ED-4DB2-BD59-A6C34878D82A}">
+                    <a16:rowId xmlns:a16="http://schemas.microsoft.com/office/drawing/2014/main" val="2253422657"/>
+                  </a:ext>
+                </a:extLst>
+              </a:tr>
+              <a:tr h="370840">
+                <a:tc>
+                  <a:txBody>
+                    <a:bodyPr/>
+                    <a:lstStyle/>
+                    <a:p>
+                      <a:r>
+                        <a:rPr lang="pt-BR" sz="1100" dirty="0">
+                          <a:latin typeface="Times New Roman" panose="02020603050405020304" pitchFamily="18" charset="0"/>
+                          <a:cs typeface="Times New Roman" panose="02020603050405020304" pitchFamily="18" charset="0"/>
+                        </a:rPr>
+                        <a:t>Abrangência (Mass)</a:t>
+                      </a:r>
+                    </a:p>
+                  </a:txBody>
+                  <a:tcPr/>
+                </a:tc>
+                <a:tc>
+                  <a:txBody>
+                    <a:bodyPr/>
+                    <a:lstStyle/>
+                    <a:p>
+                      <a:r>
+                        <a:rPr lang="pt-BR" sz="1100" dirty="0">
+                          <a:latin typeface="Times New Roman" panose="02020603050405020304" pitchFamily="18" charset="0"/>
+                          <a:cs typeface="Times New Roman" panose="02020603050405020304" pitchFamily="18" charset="0"/>
+                        </a:rPr>
+                        <a:t>14 %</a:t>
+                      </a:r>
+                    </a:p>
+                  </a:txBody>
+                  <a:tcPr/>
+                </a:tc>
+                <a:tc>
+                  <a:txBody>
+                    <a:bodyPr/>
+                    <a:lstStyle/>
+                    <a:p>
+                      <a:r>
+                        <a:rPr lang="pt-BR" sz="1100" dirty="0">
+                          <a:latin typeface="Times New Roman" panose="02020603050405020304" pitchFamily="18" charset="0"/>
+                          <a:cs typeface="Times New Roman" panose="02020603050405020304" pitchFamily="18" charset="0"/>
+                        </a:rPr>
+                        <a:t>As condições especificadas contém 14 % de todos os casos simulados.</a:t>
+                      </a:r>
+                    </a:p>
+                  </a:txBody>
+                  <a:tcPr/>
+                </a:tc>
+                <a:extLst>
+                  <a:ext uri="{0D108BD9-81ED-4DB2-BD59-A6C34878D82A}">
+                    <a16:rowId xmlns:a16="http://schemas.microsoft.com/office/drawing/2014/main" val="3180705706"/>
+                  </a:ext>
+                </a:extLst>
+              </a:tr>
+            </a:tbl>
+          </a:graphicData>
+        </a:graphic>
+      </p:graphicFrame>
+    </p:spTree>
+    <p:extLst>
+      <p:ext uri="{BB962C8B-B14F-4D97-AF65-F5344CB8AC3E}">
+        <p14:creationId xmlns:p14="http://schemas.microsoft.com/office/powerpoint/2010/main" val="1225516058"/>
+      </p:ext>
+    </p:extLst>
+  </p:cSld>
+  <p:clrMapOvr>
+    <a:masterClrMapping/>
+  </p:clrMapOvr>
+</p:sld>
+</file>
+
+<file path=ppt/slides/slide15.xml><?xml version="1.0" encoding="utf-8"?>
+<p:sld xmlns:a="http://schemas.openxmlformats.org/drawingml/2006/main" xmlns:r="http://schemas.openxmlformats.org/officeDocument/2006/relationships" xmlns:p="http://schemas.openxmlformats.org/presentationml/2006/main">
+  <p:cSld>
+    <p:spTree>
+      <p:nvGrpSpPr>
+        <p:cNvPr id="1" name=""/>
+        <p:cNvGrpSpPr/>
+        <p:nvPr/>
+      </p:nvGrpSpPr>
+      <p:grpSpPr>
+        <a:xfrm>
+          <a:off x="0" y="0"/>
+          <a:ext cx="0" cy="0"/>
+          <a:chOff x="0" y="0"/>
+          <a:chExt cx="0" cy="0"/>
+        </a:xfrm>
+      </p:grpSpPr>
+      <p:sp>
+        <p:nvSpPr>
           <p:cNvPr id="2" name="Título 1">
             <a:extLst>
               <a:ext uri="{FF2B5EF4-FFF2-40B4-BE49-F238E27FC236}">

--- a/dissertacao-docs/apresentacoes/Dissertação - RDM - EMA - Imagens-Retrato.pptx
+++ b/dissertacao-docs/apresentacoes/Dissertação - RDM - EMA - Imagens-Retrato.pptx
@@ -20,6 +20,8 @@
     <p:sldId id="270" r:id="rId14"/>
     <p:sldId id="273" r:id="rId15"/>
     <p:sldId id="271" r:id="rId16"/>
+    <p:sldId id="274" r:id="rId17"/>
+    <p:sldId id="275" r:id="rId18"/>
   </p:sldIdLst>
   <p:sldSz cx="5759450" cy="8640763"/>
   <p:notesSz cx="6858000" cy="9144000"/>
@@ -320,7 +322,7 @@
           <a:p>
             <a:fld id="{2E700DB3-DBF0-4086-B675-117E7A9610B8}" type="datetimeFigureOut">
               <a:rPr lang="pt-BR" smtClean="0"/>
-              <a:t>02/02/2018</a:t>
+              <a:t>03/02/2018</a:t>
             </a:fld>
             <a:endParaRPr lang="pt-BR"/>
           </a:p>
@@ -483,7 +485,7 @@
           <a:p>
             <a:fld id="{2E700DB3-DBF0-4086-B675-117E7A9610B8}" type="datetimeFigureOut">
               <a:rPr lang="pt-BR" smtClean="0"/>
-              <a:t>02/02/2018</a:t>
+              <a:t>03/02/2018</a:t>
             </a:fld>
             <a:endParaRPr lang="pt-BR"/>
           </a:p>
@@ -656,7 +658,7 @@
           <a:p>
             <a:fld id="{2E700DB3-DBF0-4086-B675-117E7A9610B8}" type="datetimeFigureOut">
               <a:rPr lang="pt-BR" smtClean="0"/>
-              <a:t>02/02/2018</a:t>
+              <a:t>03/02/2018</a:t>
             </a:fld>
             <a:endParaRPr lang="pt-BR"/>
           </a:p>
@@ -819,7 +821,7 @@
           <a:p>
             <a:fld id="{2E700DB3-DBF0-4086-B675-117E7A9610B8}" type="datetimeFigureOut">
               <a:rPr lang="pt-BR" smtClean="0"/>
-              <a:t>02/02/2018</a:t>
+              <a:t>03/02/2018</a:t>
             </a:fld>
             <a:endParaRPr lang="pt-BR"/>
           </a:p>
@@ -1059,7 +1061,7 @@
           <a:p>
             <a:fld id="{2E700DB3-DBF0-4086-B675-117E7A9610B8}" type="datetimeFigureOut">
               <a:rPr lang="pt-BR" smtClean="0"/>
-              <a:t>02/02/2018</a:t>
+              <a:t>03/02/2018</a:t>
             </a:fld>
             <a:endParaRPr lang="pt-BR"/>
           </a:p>
@@ -1339,7 +1341,7 @@
           <a:p>
             <a:fld id="{2E700DB3-DBF0-4086-B675-117E7A9610B8}" type="datetimeFigureOut">
               <a:rPr lang="pt-BR" smtClean="0"/>
-              <a:t>02/02/2018</a:t>
+              <a:t>03/02/2018</a:t>
             </a:fld>
             <a:endParaRPr lang="pt-BR"/>
           </a:p>
@@ -1753,7 +1755,7 @@
           <a:p>
             <a:fld id="{2E700DB3-DBF0-4086-B675-117E7A9610B8}" type="datetimeFigureOut">
               <a:rPr lang="pt-BR" smtClean="0"/>
-              <a:t>02/02/2018</a:t>
+              <a:t>03/02/2018</a:t>
             </a:fld>
             <a:endParaRPr lang="pt-BR"/>
           </a:p>
@@ -1865,7 +1867,7 @@
           <a:p>
             <a:fld id="{2E700DB3-DBF0-4086-B675-117E7A9610B8}" type="datetimeFigureOut">
               <a:rPr lang="pt-BR" smtClean="0"/>
-              <a:t>02/02/2018</a:t>
+              <a:t>03/02/2018</a:t>
             </a:fld>
             <a:endParaRPr lang="pt-BR"/>
           </a:p>
@@ -1955,7 +1957,7 @@
           <a:p>
             <a:fld id="{2E700DB3-DBF0-4086-B675-117E7A9610B8}" type="datetimeFigureOut">
               <a:rPr lang="pt-BR" smtClean="0"/>
-              <a:t>02/02/2018</a:t>
+              <a:t>03/02/2018</a:t>
             </a:fld>
             <a:endParaRPr lang="pt-BR"/>
           </a:p>
@@ -2225,7 +2227,7 @@
           <a:p>
             <a:fld id="{2E700DB3-DBF0-4086-B675-117E7A9610B8}" type="datetimeFigureOut">
               <a:rPr lang="pt-BR" smtClean="0"/>
-              <a:t>02/02/2018</a:t>
+              <a:t>03/02/2018</a:t>
             </a:fld>
             <a:endParaRPr lang="pt-BR"/>
           </a:p>
@@ -2472,7 +2474,7 @@
           <a:p>
             <a:fld id="{2E700DB3-DBF0-4086-B675-117E7A9610B8}" type="datetimeFigureOut">
               <a:rPr lang="pt-BR" smtClean="0"/>
-              <a:t>02/02/2018</a:t>
+              <a:t>03/02/2018</a:t>
             </a:fld>
             <a:endParaRPr lang="pt-BR"/>
           </a:p>
@@ -2678,7 +2680,7 @@
           <a:p>
             <a:fld id="{2E700DB3-DBF0-4086-B675-117E7A9610B8}" type="datetimeFigureOut">
               <a:rPr lang="pt-BR" smtClean="0"/>
-              <a:t>02/02/2018</a:t>
+              <a:t>03/02/2018</a:t>
             </a:fld>
             <a:endParaRPr lang="pt-BR"/>
           </a:p>
@@ -13404,60 +13406,935 @@
           <a:chExt cx="0" cy="0"/>
         </a:xfrm>
       </p:grpSpPr>
-      <p:sp>
-        <p:nvSpPr>
-          <p:cNvPr id="2" name="Título 1">
+      <p:pic>
+        <p:nvPicPr>
+          <p:cNvPr id="4" name="Imagem 3">
             <a:extLst>
               <a:ext uri="{FF2B5EF4-FFF2-40B4-BE49-F238E27FC236}">
-                <a16:creationId xmlns:a16="http://schemas.microsoft.com/office/drawing/2014/main" id="{05DA1582-2C24-4D3A-A095-71F0ECD00204}"/>
+                <a16:creationId xmlns:a16="http://schemas.microsoft.com/office/drawing/2014/main" id="{9CB8AA96-C351-495C-8E1B-10D1C952BA04}"/>
               </a:ext>
             </a:extLst>
           </p:cNvPr>
-          <p:cNvSpPr>
-            <a:spLocks noGrp="1"/>
-          </p:cNvSpPr>
-          <p:nvPr>
-            <p:ph type="title"/>
-          </p:nvPr>
+          <p:cNvPicPr>
+            <a:picLocks noChangeAspect="1"/>
+          </p:cNvPicPr>
+          <p:nvPr/>
+        </p:nvPicPr>
+        <p:blipFill>
+          <a:blip r:embed="rId2" cstate="print">
+            <a:extLst>
+              <a:ext uri="{28A0092B-C50C-407E-A947-70E740481C1C}">
+                <a14:useLocalDpi xmlns:a14="http://schemas.microsoft.com/office/drawing/2010/main" val="0"/>
+              </a:ext>
+            </a:extLst>
+          </a:blip>
+          <a:stretch>
+            <a:fillRect/>
+          </a:stretch>
+        </p:blipFill>
+        <p:spPr>
+          <a:xfrm>
+            <a:off x="0" y="794"/>
+            <a:ext cx="5759450" cy="8639175"/>
+          </a:xfrm>
+          <a:prstGeom prst="rect">
+            <a:avLst/>
+          </a:prstGeom>
+        </p:spPr>
+      </p:pic>
+      <p:cxnSp>
+        <p:nvCxnSpPr>
+          <p:cNvPr id="7" name="Conector de Seta Reta 6">
+            <a:extLst>
+              <a:ext uri="{FF2B5EF4-FFF2-40B4-BE49-F238E27FC236}">
+                <a16:creationId xmlns:a16="http://schemas.microsoft.com/office/drawing/2014/main" id="{FBF95A3F-120C-40F8-A89D-35D3110CE65E}"/>
+              </a:ext>
+            </a:extLst>
+          </p:cNvPr>
+          <p:cNvCxnSpPr>
+            <a:cxnSpLocks/>
+          </p:cNvCxnSpPr>
+          <p:nvPr/>
+        </p:nvCxnSpPr>
+        <p:spPr>
+          <a:xfrm flipH="1" flipV="1">
+            <a:off x="1223541" y="863997"/>
+            <a:ext cx="216024" cy="288032"/>
+          </a:xfrm>
+          <a:prstGeom prst="straightConnector1">
+            <a:avLst/>
+          </a:prstGeom>
+          <a:ln>
+            <a:tailEnd type="triangle"/>
+          </a:ln>
+        </p:spPr>
+        <p:style>
+          <a:lnRef idx="1">
+            <a:schemeClr val="dk1"/>
+          </a:lnRef>
+          <a:fillRef idx="0">
+            <a:schemeClr val="dk1"/>
+          </a:fillRef>
+          <a:effectRef idx="0">
+            <a:schemeClr val="dk1"/>
+          </a:effectRef>
+          <a:fontRef idx="minor">
+            <a:schemeClr val="tx1"/>
+          </a:fontRef>
+        </p:style>
+      </p:cxnSp>
+      <p:cxnSp>
+        <p:nvCxnSpPr>
+          <p:cNvPr id="8" name="Conector de Seta Reta 7">
+            <a:extLst>
+              <a:ext uri="{FF2B5EF4-FFF2-40B4-BE49-F238E27FC236}">
+                <a16:creationId xmlns:a16="http://schemas.microsoft.com/office/drawing/2014/main" id="{4EB2190A-FF43-427E-A178-C6C95EF423C2}"/>
+              </a:ext>
+            </a:extLst>
+          </p:cNvPr>
+          <p:cNvCxnSpPr>
+            <a:cxnSpLocks/>
+          </p:cNvCxnSpPr>
+          <p:nvPr/>
+        </p:nvCxnSpPr>
+        <p:spPr>
+          <a:xfrm flipV="1">
+            <a:off x="2627697" y="1152029"/>
+            <a:ext cx="252028" cy="236835"/>
+          </a:xfrm>
+          <a:prstGeom prst="straightConnector1">
+            <a:avLst/>
+          </a:prstGeom>
+          <a:ln>
+            <a:tailEnd type="triangle"/>
+          </a:ln>
+        </p:spPr>
+        <p:style>
+          <a:lnRef idx="1">
+            <a:schemeClr val="dk1"/>
+          </a:lnRef>
+          <a:fillRef idx="0">
+            <a:schemeClr val="dk1"/>
+          </a:fillRef>
+          <a:effectRef idx="0">
+            <a:schemeClr val="dk1"/>
+          </a:effectRef>
+          <a:fontRef idx="minor">
+            <a:schemeClr val="tx1"/>
+          </a:fontRef>
+        </p:style>
+      </p:cxnSp>
+      <p:cxnSp>
+        <p:nvCxnSpPr>
+          <p:cNvPr id="11" name="Conector de Seta Reta 10">
+            <a:extLst>
+              <a:ext uri="{FF2B5EF4-FFF2-40B4-BE49-F238E27FC236}">
+                <a16:creationId xmlns:a16="http://schemas.microsoft.com/office/drawing/2014/main" id="{C26D262C-C104-4CB7-A01A-C24424F56AE7}"/>
+              </a:ext>
+            </a:extLst>
+          </p:cNvPr>
+          <p:cNvCxnSpPr>
+            <a:cxnSpLocks/>
+          </p:cNvCxnSpPr>
+          <p:nvPr/>
+        </p:nvCxnSpPr>
+        <p:spPr>
+          <a:xfrm flipV="1">
+            <a:off x="5111973" y="627162"/>
+            <a:ext cx="252028" cy="236835"/>
+          </a:xfrm>
+          <a:prstGeom prst="straightConnector1">
+            <a:avLst/>
+          </a:prstGeom>
+          <a:ln>
+            <a:tailEnd type="triangle"/>
+          </a:ln>
+        </p:spPr>
+        <p:style>
+          <a:lnRef idx="1">
+            <a:schemeClr val="dk1"/>
+          </a:lnRef>
+          <a:fillRef idx="0">
+            <a:schemeClr val="dk1"/>
+          </a:fillRef>
+          <a:effectRef idx="0">
+            <a:schemeClr val="dk1"/>
+          </a:effectRef>
+          <a:fontRef idx="minor">
+            <a:schemeClr val="tx1"/>
+          </a:fontRef>
+        </p:style>
+      </p:cxnSp>
+      <p:cxnSp>
+        <p:nvCxnSpPr>
+          <p:cNvPr id="12" name="Conector de Seta Reta 11">
+            <a:extLst>
+              <a:ext uri="{FF2B5EF4-FFF2-40B4-BE49-F238E27FC236}">
+                <a16:creationId xmlns:a16="http://schemas.microsoft.com/office/drawing/2014/main" id="{065E8F15-D796-4DB6-B001-3F66CEFC9343}"/>
+              </a:ext>
+            </a:extLst>
+          </p:cNvPr>
+          <p:cNvCxnSpPr>
+            <a:cxnSpLocks/>
+          </p:cNvCxnSpPr>
+          <p:nvPr/>
+        </p:nvCxnSpPr>
+        <p:spPr>
+          <a:xfrm>
+            <a:off x="3023741" y="2808213"/>
+            <a:ext cx="144016" cy="432048"/>
+          </a:xfrm>
+          <a:prstGeom prst="straightConnector1">
+            <a:avLst/>
+          </a:prstGeom>
+          <a:ln>
+            <a:tailEnd type="triangle"/>
+          </a:ln>
+        </p:spPr>
+        <p:style>
+          <a:lnRef idx="1">
+            <a:schemeClr val="dk1"/>
+          </a:lnRef>
+          <a:fillRef idx="0">
+            <a:schemeClr val="dk1"/>
+          </a:fillRef>
+          <a:effectRef idx="0">
+            <a:schemeClr val="dk1"/>
+          </a:effectRef>
+          <a:fontRef idx="minor">
+            <a:schemeClr val="tx1"/>
+          </a:fontRef>
+        </p:style>
+      </p:cxnSp>
+    </p:spTree>
+    <p:extLst>
+      <p:ext uri="{BB962C8B-B14F-4D97-AF65-F5344CB8AC3E}">
+        <p14:creationId xmlns:p14="http://schemas.microsoft.com/office/powerpoint/2010/main" val="777005738"/>
+      </p:ext>
+    </p:extLst>
+  </p:cSld>
+  <p:clrMapOvr>
+    <a:masterClrMapping/>
+  </p:clrMapOvr>
+</p:sld>
+</file>
+
+<file path=ppt/slides/slide16.xml><?xml version="1.0" encoding="utf-8"?>
+<p:sld xmlns:a="http://schemas.openxmlformats.org/drawingml/2006/main" xmlns:r="http://schemas.openxmlformats.org/officeDocument/2006/relationships" xmlns:p="http://schemas.openxmlformats.org/presentationml/2006/main">
+  <p:cSld>
+    <p:spTree>
+      <p:nvGrpSpPr>
+        <p:cNvPr id="1" name=""/>
+        <p:cNvGrpSpPr/>
+        <p:nvPr/>
+      </p:nvGrpSpPr>
+      <p:grpSpPr>
+        <a:xfrm>
+          <a:off x="0" y="0"/>
+          <a:ext cx="0" cy="0"/>
+          <a:chOff x="0" y="0"/>
+          <a:chExt cx="0" cy="0"/>
+        </a:xfrm>
+      </p:grpSpPr>
+      <p:pic>
+        <p:nvPicPr>
+          <p:cNvPr id="5" name="Imagem 4">
+            <a:extLst>
+              <a:ext uri="{FF2B5EF4-FFF2-40B4-BE49-F238E27FC236}">
+                <a16:creationId xmlns:a16="http://schemas.microsoft.com/office/drawing/2014/main" id="{6F0AB9C0-C995-499F-A402-5D2B3512097D}"/>
+              </a:ext>
+            </a:extLst>
+          </p:cNvPr>
+          <p:cNvPicPr>
+            <a:picLocks noChangeAspect="1"/>
+          </p:cNvPicPr>
+          <p:nvPr/>
+        </p:nvPicPr>
+        <p:blipFill>
+          <a:blip r:embed="rId2" cstate="print">
+            <a:extLst>
+              <a:ext uri="{28A0092B-C50C-407E-A947-70E740481C1C}">
+                <a14:useLocalDpi xmlns:a14="http://schemas.microsoft.com/office/drawing/2010/main" val="0"/>
+              </a:ext>
+            </a:extLst>
+          </a:blip>
+          <a:stretch>
+            <a:fillRect/>
+          </a:stretch>
+        </p:blipFill>
+        <p:spPr>
+          <a:xfrm>
+            <a:off x="0" y="2674824"/>
+            <a:ext cx="5759450" cy="3291114"/>
+          </a:xfrm>
+          <a:prstGeom prst="rect">
+            <a:avLst/>
+          </a:prstGeom>
+        </p:spPr>
+      </p:pic>
+      <p:cxnSp>
+        <p:nvCxnSpPr>
+          <p:cNvPr id="7" name="Conector de Seta Reta 6">
+            <a:extLst>
+              <a:ext uri="{FF2B5EF4-FFF2-40B4-BE49-F238E27FC236}">
+                <a16:creationId xmlns:a16="http://schemas.microsoft.com/office/drawing/2014/main" id="{F8DDB97A-8827-4313-A11A-822FEB0A3AB5}"/>
+              </a:ext>
+            </a:extLst>
+          </p:cNvPr>
+          <p:cNvCxnSpPr/>
+          <p:nvPr/>
+        </p:nvCxnSpPr>
+        <p:spPr>
+          <a:xfrm>
+            <a:off x="1007517" y="4320381"/>
+            <a:ext cx="360040" cy="216024"/>
+          </a:xfrm>
+          <a:prstGeom prst="straightConnector1">
+            <a:avLst/>
+          </a:prstGeom>
+          <a:ln>
+            <a:tailEnd type="triangle"/>
+          </a:ln>
+        </p:spPr>
+        <p:style>
+          <a:lnRef idx="1">
+            <a:schemeClr val="dk1"/>
+          </a:lnRef>
+          <a:fillRef idx="0">
+            <a:schemeClr val="dk1"/>
+          </a:fillRef>
+          <a:effectRef idx="0">
+            <a:schemeClr val="dk1"/>
+          </a:effectRef>
+          <a:fontRef idx="minor">
+            <a:schemeClr val="tx1"/>
+          </a:fontRef>
+        </p:style>
+      </p:cxnSp>
+      <p:cxnSp>
+        <p:nvCxnSpPr>
+          <p:cNvPr id="8" name="Conector de Seta Reta 7">
+            <a:extLst>
+              <a:ext uri="{FF2B5EF4-FFF2-40B4-BE49-F238E27FC236}">
+                <a16:creationId xmlns:a16="http://schemas.microsoft.com/office/drawing/2014/main" id="{FB9242C6-16AE-479A-AA46-DCEBF82D27EF}"/>
+              </a:ext>
+            </a:extLst>
+          </p:cNvPr>
+          <p:cNvCxnSpPr>
+            <a:cxnSpLocks/>
+          </p:cNvCxnSpPr>
+          <p:nvPr/>
+        </p:nvCxnSpPr>
+        <p:spPr>
+          <a:xfrm>
+            <a:off x="1655589" y="3587446"/>
+            <a:ext cx="288032" cy="476845"/>
+          </a:xfrm>
+          <a:prstGeom prst="straightConnector1">
+            <a:avLst/>
+          </a:prstGeom>
+          <a:ln>
+            <a:tailEnd type="triangle"/>
+          </a:ln>
+        </p:spPr>
+        <p:style>
+          <a:lnRef idx="1">
+            <a:schemeClr val="dk1"/>
+          </a:lnRef>
+          <a:fillRef idx="0">
+            <a:schemeClr val="dk1"/>
+          </a:fillRef>
+          <a:effectRef idx="0">
+            <a:schemeClr val="dk1"/>
+          </a:effectRef>
+          <a:fontRef idx="minor">
+            <a:schemeClr val="tx1"/>
+          </a:fontRef>
+        </p:style>
+      </p:cxnSp>
+      <p:cxnSp>
+        <p:nvCxnSpPr>
+          <p:cNvPr id="10" name="Conector de Seta Reta 9">
+            <a:extLst>
+              <a:ext uri="{FF2B5EF4-FFF2-40B4-BE49-F238E27FC236}">
+                <a16:creationId xmlns:a16="http://schemas.microsoft.com/office/drawing/2014/main" id="{AB03A635-9287-4630-B35A-F27C77A4E42B}"/>
+              </a:ext>
+            </a:extLst>
+          </p:cNvPr>
+          <p:cNvCxnSpPr>
+            <a:cxnSpLocks/>
+          </p:cNvCxnSpPr>
+          <p:nvPr/>
+        </p:nvCxnSpPr>
+        <p:spPr>
+          <a:xfrm>
+            <a:off x="2591693" y="3384277"/>
+            <a:ext cx="0" cy="594509"/>
+          </a:xfrm>
+          <a:prstGeom prst="straightConnector1">
+            <a:avLst/>
+          </a:prstGeom>
+          <a:ln>
+            <a:tailEnd type="triangle"/>
+          </a:ln>
+        </p:spPr>
+        <p:style>
+          <a:lnRef idx="1">
+            <a:schemeClr val="dk1"/>
+          </a:lnRef>
+          <a:fillRef idx="0">
+            <a:schemeClr val="dk1"/>
+          </a:fillRef>
+          <a:effectRef idx="0">
+            <a:schemeClr val="dk1"/>
+          </a:effectRef>
+          <a:fontRef idx="minor">
+            <a:schemeClr val="tx1"/>
+          </a:fontRef>
+        </p:style>
+      </p:cxnSp>
+      <p:cxnSp>
+        <p:nvCxnSpPr>
+          <p:cNvPr id="12" name="Conector de Seta Reta 11">
+            <a:extLst>
+              <a:ext uri="{FF2B5EF4-FFF2-40B4-BE49-F238E27FC236}">
+                <a16:creationId xmlns:a16="http://schemas.microsoft.com/office/drawing/2014/main" id="{F8CAE63B-53A9-431C-B126-937B3C30B52C}"/>
+              </a:ext>
+            </a:extLst>
+          </p:cNvPr>
+          <p:cNvCxnSpPr/>
+          <p:nvPr/>
+        </p:nvCxnSpPr>
+        <p:spPr>
+          <a:xfrm>
+            <a:off x="3743821" y="4320381"/>
+            <a:ext cx="360040" cy="216024"/>
+          </a:xfrm>
+          <a:prstGeom prst="straightConnector1">
+            <a:avLst/>
+          </a:prstGeom>
+          <a:ln>
+            <a:tailEnd type="triangle"/>
+          </a:ln>
+        </p:spPr>
+        <p:style>
+          <a:lnRef idx="1">
+            <a:schemeClr val="dk1"/>
+          </a:lnRef>
+          <a:fillRef idx="0">
+            <a:schemeClr val="dk1"/>
+          </a:fillRef>
+          <a:effectRef idx="0">
+            <a:schemeClr val="dk1"/>
+          </a:effectRef>
+          <a:fontRef idx="minor">
+            <a:schemeClr val="tx1"/>
+          </a:fontRef>
+        </p:style>
+      </p:cxnSp>
+      <p:cxnSp>
+        <p:nvCxnSpPr>
+          <p:cNvPr id="13" name="Conector de Seta Reta 12">
+            <a:extLst>
+              <a:ext uri="{FF2B5EF4-FFF2-40B4-BE49-F238E27FC236}">
+                <a16:creationId xmlns:a16="http://schemas.microsoft.com/office/drawing/2014/main" id="{64DE6B18-1B7E-4908-AEF1-9E03D8686711}"/>
+              </a:ext>
+            </a:extLst>
+          </p:cNvPr>
+          <p:cNvCxnSpPr>
+            <a:cxnSpLocks/>
+          </p:cNvCxnSpPr>
+          <p:nvPr/>
+        </p:nvCxnSpPr>
+        <p:spPr>
+          <a:xfrm>
+            <a:off x="4109427" y="3447137"/>
+            <a:ext cx="288032" cy="476845"/>
+          </a:xfrm>
+          <a:prstGeom prst="straightConnector1">
+            <a:avLst/>
+          </a:prstGeom>
+          <a:ln>
+            <a:tailEnd type="triangle"/>
+          </a:ln>
+        </p:spPr>
+        <p:style>
+          <a:lnRef idx="1">
+            <a:schemeClr val="dk1"/>
+          </a:lnRef>
+          <a:fillRef idx="0">
+            <a:schemeClr val="dk1"/>
+          </a:fillRef>
+          <a:effectRef idx="0">
+            <a:schemeClr val="dk1"/>
+          </a:effectRef>
+          <a:fontRef idx="minor">
+            <a:schemeClr val="tx1"/>
+          </a:fontRef>
+        </p:style>
+      </p:cxnSp>
+      <p:cxnSp>
+        <p:nvCxnSpPr>
+          <p:cNvPr id="14" name="Conector de Seta Reta 13">
+            <a:extLst>
+              <a:ext uri="{FF2B5EF4-FFF2-40B4-BE49-F238E27FC236}">
+                <a16:creationId xmlns:a16="http://schemas.microsoft.com/office/drawing/2014/main" id="{F01B8380-5081-46A9-9096-839605FE8AA7}"/>
+              </a:ext>
+            </a:extLst>
+          </p:cNvPr>
+          <p:cNvCxnSpPr>
+            <a:cxnSpLocks/>
+          </p:cNvCxnSpPr>
+          <p:nvPr/>
+        </p:nvCxnSpPr>
+        <p:spPr>
+          <a:xfrm>
+            <a:off x="5400005" y="3329473"/>
+            <a:ext cx="0" cy="594509"/>
+          </a:xfrm>
+          <a:prstGeom prst="straightConnector1">
+            <a:avLst/>
+          </a:prstGeom>
+          <a:ln>
+            <a:tailEnd type="triangle"/>
+          </a:ln>
+        </p:spPr>
+        <p:style>
+          <a:lnRef idx="1">
+            <a:schemeClr val="dk1"/>
+          </a:lnRef>
+          <a:fillRef idx="0">
+            <a:schemeClr val="dk1"/>
+          </a:fillRef>
+          <a:effectRef idx="0">
+            <a:schemeClr val="dk1"/>
+          </a:effectRef>
+          <a:fontRef idx="minor">
+            <a:schemeClr val="tx1"/>
+          </a:fontRef>
+        </p:style>
+      </p:cxnSp>
+    </p:spTree>
+    <p:extLst>
+      <p:ext uri="{BB962C8B-B14F-4D97-AF65-F5344CB8AC3E}">
+        <p14:creationId xmlns:p14="http://schemas.microsoft.com/office/powerpoint/2010/main" val="1232225254"/>
+      </p:ext>
+    </p:extLst>
+  </p:cSld>
+  <p:clrMapOvr>
+    <a:masterClrMapping/>
+  </p:clrMapOvr>
+</p:sld>
+</file>
+
+<file path=ppt/slides/slide17.xml><?xml version="1.0" encoding="utf-8"?>
+<p:sld xmlns:a="http://schemas.openxmlformats.org/drawingml/2006/main" xmlns:r="http://schemas.openxmlformats.org/officeDocument/2006/relationships" xmlns:p="http://schemas.openxmlformats.org/presentationml/2006/main">
+  <p:cSld>
+    <p:spTree>
+      <p:nvGrpSpPr>
+        <p:cNvPr id="1" name=""/>
+        <p:cNvGrpSpPr/>
+        <p:nvPr/>
+      </p:nvGrpSpPr>
+      <p:grpSpPr>
+        <a:xfrm>
+          <a:off x="0" y="0"/>
+          <a:ext cx="0" cy="0"/>
+          <a:chOff x="0" y="0"/>
+          <a:chExt cx="0" cy="0"/>
+        </a:xfrm>
+      </p:grpSpPr>
+      <p:pic>
+        <p:nvPicPr>
+          <p:cNvPr id="3" name="Imagem 2">
+            <a:extLst>
+              <a:ext uri="{FF2B5EF4-FFF2-40B4-BE49-F238E27FC236}">
+                <a16:creationId xmlns:a16="http://schemas.microsoft.com/office/drawing/2014/main" id="{11434424-5AF6-4712-A111-15F0A46C7016}"/>
+              </a:ext>
+            </a:extLst>
+          </p:cNvPr>
+          <p:cNvPicPr>
+            <a:picLocks noChangeAspect="1"/>
+          </p:cNvPicPr>
+          <p:nvPr/>
+        </p:nvPicPr>
+        <p:blipFill>
+          <a:blip r:embed="rId2" cstate="print">
+            <a:extLst>
+              <a:ext uri="{28A0092B-C50C-407E-A947-70E740481C1C}">
+                <a14:useLocalDpi xmlns:a14="http://schemas.microsoft.com/office/drawing/2010/main" val="0"/>
+              </a:ext>
+            </a:extLst>
+          </a:blip>
+          <a:stretch>
+            <a:fillRect/>
+          </a:stretch>
+        </p:blipFill>
+        <p:spPr>
+          <a:xfrm>
+            <a:off x="0" y="2674824"/>
+            <a:ext cx="5759450" cy="3291114"/>
+          </a:xfrm>
+          <a:prstGeom prst="rect">
+            <a:avLst/>
+          </a:prstGeom>
+        </p:spPr>
+      </p:pic>
+      <p:cxnSp>
+        <p:nvCxnSpPr>
+          <p:cNvPr id="6" name="Conector reto 5">
+            <a:extLst>
+              <a:ext uri="{FF2B5EF4-FFF2-40B4-BE49-F238E27FC236}">
+                <a16:creationId xmlns:a16="http://schemas.microsoft.com/office/drawing/2014/main" id="{3D7DD0F4-AA0C-471A-A0F9-6A31FDD9C21E}"/>
+              </a:ext>
+            </a:extLst>
+          </p:cNvPr>
+          <p:cNvCxnSpPr>
+            <a:cxnSpLocks/>
+          </p:cNvCxnSpPr>
+          <p:nvPr/>
+        </p:nvCxnSpPr>
+        <p:spPr>
+          <a:xfrm flipV="1">
+            <a:off x="1909713" y="2736205"/>
+            <a:ext cx="0" cy="2880320"/>
+          </a:xfrm>
+          <a:prstGeom prst="line">
+            <a:avLst/>
+          </a:prstGeom>
+          <a:ln>
+            <a:solidFill>
+              <a:schemeClr val="tx1">
+                <a:lumMod val="50000"/>
+                <a:lumOff val="50000"/>
+              </a:schemeClr>
+            </a:solidFill>
+          </a:ln>
+        </p:spPr>
+        <p:style>
+          <a:lnRef idx="1">
+            <a:schemeClr val="dk1"/>
+          </a:lnRef>
+          <a:fillRef idx="0">
+            <a:schemeClr val="dk1"/>
+          </a:fillRef>
+          <a:effectRef idx="0">
+            <a:schemeClr val="dk1"/>
+          </a:effectRef>
+          <a:fontRef idx="minor">
+            <a:schemeClr val="tx1"/>
+          </a:fontRef>
+        </p:style>
+      </p:cxnSp>
+      <p:cxnSp>
+        <p:nvCxnSpPr>
+          <p:cNvPr id="15" name="Conector reto 14">
+            <a:extLst>
+              <a:ext uri="{FF2B5EF4-FFF2-40B4-BE49-F238E27FC236}">
+                <a16:creationId xmlns:a16="http://schemas.microsoft.com/office/drawing/2014/main" id="{680A8571-EE38-44FC-9B2C-15A529D13A91}"/>
+              </a:ext>
+            </a:extLst>
+          </p:cNvPr>
+          <p:cNvCxnSpPr>
+            <a:cxnSpLocks/>
+          </p:cNvCxnSpPr>
+          <p:nvPr/>
+        </p:nvCxnSpPr>
+        <p:spPr>
+          <a:xfrm flipV="1">
+            <a:off x="2692276" y="2736205"/>
+            <a:ext cx="0" cy="2880320"/>
+          </a:xfrm>
+          <a:prstGeom prst="line">
+            <a:avLst/>
+          </a:prstGeom>
+          <a:ln>
+            <a:solidFill>
+              <a:schemeClr val="tx1">
+                <a:lumMod val="50000"/>
+                <a:lumOff val="50000"/>
+              </a:schemeClr>
+            </a:solidFill>
+          </a:ln>
+        </p:spPr>
+        <p:style>
+          <a:lnRef idx="1">
+            <a:schemeClr val="dk1"/>
+          </a:lnRef>
+          <a:fillRef idx="0">
+            <a:schemeClr val="dk1"/>
+          </a:fillRef>
+          <a:effectRef idx="0">
+            <a:schemeClr val="dk1"/>
+          </a:effectRef>
+          <a:fontRef idx="minor">
+            <a:schemeClr val="tx1"/>
+          </a:fontRef>
+        </p:style>
+      </p:cxnSp>
+      <p:sp>
+        <p:nvSpPr>
+          <p:cNvPr id="11" name="CaixaDeTexto 10">
+            <a:extLst>
+              <a:ext uri="{FF2B5EF4-FFF2-40B4-BE49-F238E27FC236}">
+                <a16:creationId xmlns:a16="http://schemas.microsoft.com/office/drawing/2014/main" id="{5085421E-C549-40DF-A0CF-48D2AC012678}"/>
+              </a:ext>
+            </a:extLst>
+          </p:cNvPr>
+          <p:cNvSpPr txBox="1"/>
+          <p:nvPr/>
         </p:nvSpPr>
-        <p:spPr/>
+        <p:spPr>
+          <a:xfrm>
+            <a:off x="1001382" y="3456285"/>
+            <a:ext cx="504044" cy="369332"/>
+          </a:xfrm>
+          <a:prstGeom prst="rect">
+            <a:avLst/>
+          </a:prstGeom>
+          <a:noFill/>
+        </p:spPr>
         <p:txBody>
-          <a:bodyPr/>
+          <a:bodyPr wrap="square" rtlCol="0">
+            <a:spAutoFit/>
+          </a:bodyPr>
           <a:lstStyle/>
           <a:p>
-            <a:endParaRPr lang="pt-BR"/>
+            <a:pPr algn="ctr"/>
+            <a:r>
+              <a:rPr lang="pt-BR" dirty="0">
+                <a:latin typeface="Arial" panose="020B0604020202020204" pitchFamily="34" charset="0"/>
+                <a:cs typeface="Arial" panose="020B0604020202020204" pitchFamily="34" charset="0"/>
+              </a:rPr>
+              <a:t>31</a:t>
+            </a:r>
           </a:p>
         </p:txBody>
       </p:sp>
       <p:sp>
         <p:nvSpPr>
-          <p:cNvPr id="5" name="Espaço Reservado para Conteúdo 4">
+          <p:cNvPr id="16" name="CaixaDeTexto 15">
             <a:extLst>
               <a:ext uri="{FF2B5EF4-FFF2-40B4-BE49-F238E27FC236}">
-                <a16:creationId xmlns:a16="http://schemas.microsoft.com/office/drawing/2014/main" id="{090E81A0-AE6D-43B0-84DE-96452B153D43}"/>
+                <a16:creationId xmlns:a16="http://schemas.microsoft.com/office/drawing/2014/main" id="{D8894B31-E61E-41C5-B929-E072A1534CA0}"/>
               </a:ext>
             </a:extLst>
           </p:cNvPr>
-          <p:cNvSpPr>
-            <a:spLocks noGrp="1"/>
-          </p:cNvSpPr>
-          <p:nvPr>
-            <p:ph idx="1"/>
-          </p:nvPr>
+          <p:cNvSpPr txBox="1"/>
+          <p:nvPr/>
         </p:nvSpPr>
-        <p:spPr/>
+        <p:spPr>
+          <a:xfrm>
+            <a:off x="2048973" y="3454995"/>
+            <a:ext cx="504044" cy="369332"/>
+          </a:xfrm>
+          <a:prstGeom prst="rect">
+            <a:avLst/>
+          </a:prstGeom>
+          <a:noFill/>
+        </p:spPr>
         <p:txBody>
-          <a:bodyPr/>
+          <a:bodyPr wrap="square" rtlCol="0">
+            <a:spAutoFit/>
+          </a:bodyPr>
           <a:lstStyle/>
           <a:p>
-            <a:endParaRPr lang="pt-BR"/>
+            <a:pPr algn="ctr"/>
+            <a:r>
+              <a:rPr lang="pt-BR" dirty="0">
+                <a:latin typeface="Arial" panose="020B0604020202020204" pitchFamily="34" charset="0"/>
+                <a:cs typeface="Arial" panose="020B0604020202020204" pitchFamily="34" charset="0"/>
+              </a:rPr>
+              <a:t>19</a:t>
+            </a:r>
           </a:p>
         </p:txBody>
       </p:sp>
+      <p:sp>
+        <p:nvSpPr>
+          <p:cNvPr id="17" name="CaixaDeTexto 16">
+            <a:extLst>
+              <a:ext uri="{FF2B5EF4-FFF2-40B4-BE49-F238E27FC236}">
+                <a16:creationId xmlns:a16="http://schemas.microsoft.com/office/drawing/2014/main" id="{B426ACAB-467E-4A36-B42B-569C828839B6}"/>
+              </a:ext>
+            </a:extLst>
+          </p:cNvPr>
+          <p:cNvSpPr txBox="1"/>
+          <p:nvPr/>
+        </p:nvSpPr>
+        <p:spPr>
+          <a:xfrm>
+            <a:off x="3582559" y="3454995"/>
+            <a:ext cx="504044" cy="369332"/>
+          </a:xfrm>
+          <a:prstGeom prst="rect">
+            <a:avLst/>
+          </a:prstGeom>
+          <a:noFill/>
+        </p:spPr>
+        <p:txBody>
+          <a:bodyPr wrap="square" rtlCol="0">
+            <a:spAutoFit/>
+          </a:bodyPr>
+          <a:lstStyle/>
+          <a:p>
+            <a:pPr algn="ctr"/>
+            <a:r>
+              <a:rPr lang="pt-BR" dirty="0">
+                <a:latin typeface="Arial" panose="020B0604020202020204" pitchFamily="34" charset="0"/>
+                <a:cs typeface="Arial" panose="020B0604020202020204" pitchFamily="34" charset="0"/>
+              </a:rPr>
+              <a:t>25</a:t>
+            </a:r>
+          </a:p>
+        </p:txBody>
+      </p:sp>
+      <p:cxnSp>
+        <p:nvCxnSpPr>
+          <p:cNvPr id="19" name="Conector de Seta Reta 18">
+            <a:extLst>
+              <a:ext uri="{FF2B5EF4-FFF2-40B4-BE49-F238E27FC236}">
+                <a16:creationId xmlns:a16="http://schemas.microsoft.com/office/drawing/2014/main" id="{5AFBABD6-CA73-4317-87EC-962ADF9D19F2}"/>
+              </a:ext>
+            </a:extLst>
+          </p:cNvPr>
+          <p:cNvCxnSpPr>
+            <a:cxnSpLocks/>
+            <a:stCxn id="11" idx="2"/>
+          </p:cNvCxnSpPr>
+          <p:nvPr/>
+        </p:nvCxnSpPr>
+        <p:spPr>
+          <a:xfrm>
+            <a:off x="1253404" y="3825617"/>
+            <a:ext cx="0" cy="1574884"/>
+          </a:xfrm>
+          <a:prstGeom prst="straightConnector1">
+            <a:avLst/>
+          </a:prstGeom>
+          <a:ln>
+            <a:solidFill>
+              <a:schemeClr val="tx1">
+                <a:lumMod val="50000"/>
+                <a:lumOff val="50000"/>
+              </a:schemeClr>
+            </a:solidFill>
+            <a:tailEnd type="triangle"/>
+          </a:ln>
+        </p:spPr>
+        <p:style>
+          <a:lnRef idx="1">
+            <a:schemeClr val="dk1"/>
+          </a:lnRef>
+          <a:fillRef idx="0">
+            <a:schemeClr val="dk1"/>
+          </a:fillRef>
+          <a:effectRef idx="0">
+            <a:schemeClr val="dk1"/>
+          </a:effectRef>
+          <a:fontRef idx="minor">
+            <a:schemeClr val="tx1"/>
+          </a:fontRef>
+        </p:style>
+      </p:cxnSp>
+      <p:cxnSp>
+        <p:nvCxnSpPr>
+          <p:cNvPr id="20" name="Conector de Seta Reta 19">
+            <a:extLst>
+              <a:ext uri="{FF2B5EF4-FFF2-40B4-BE49-F238E27FC236}">
+                <a16:creationId xmlns:a16="http://schemas.microsoft.com/office/drawing/2014/main" id="{EDBF2E31-5966-404A-9DB9-9759361D3A30}"/>
+              </a:ext>
+            </a:extLst>
+          </p:cNvPr>
+          <p:cNvCxnSpPr>
+            <a:cxnSpLocks/>
+          </p:cNvCxnSpPr>
+          <p:nvPr/>
+        </p:nvCxnSpPr>
+        <p:spPr>
+          <a:xfrm>
+            <a:off x="2306624" y="3825617"/>
+            <a:ext cx="0" cy="1214844"/>
+          </a:xfrm>
+          <a:prstGeom prst="straightConnector1">
+            <a:avLst/>
+          </a:prstGeom>
+          <a:ln>
+            <a:solidFill>
+              <a:schemeClr val="tx1">
+                <a:lumMod val="50000"/>
+                <a:lumOff val="50000"/>
+              </a:schemeClr>
+            </a:solidFill>
+            <a:tailEnd type="triangle"/>
+          </a:ln>
+        </p:spPr>
+        <p:style>
+          <a:lnRef idx="1">
+            <a:schemeClr val="dk1"/>
+          </a:lnRef>
+          <a:fillRef idx="0">
+            <a:schemeClr val="dk1"/>
+          </a:fillRef>
+          <a:effectRef idx="0">
+            <a:schemeClr val="dk1"/>
+          </a:effectRef>
+          <a:fontRef idx="minor">
+            <a:schemeClr val="tx1"/>
+          </a:fontRef>
+        </p:style>
+      </p:cxnSp>
+      <p:cxnSp>
+        <p:nvCxnSpPr>
+          <p:cNvPr id="21" name="Conector de Seta Reta 20">
+            <a:extLst>
+              <a:ext uri="{FF2B5EF4-FFF2-40B4-BE49-F238E27FC236}">
+                <a16:creationId xmlns:a16="http://schemas.microsoft.com/office/drawing/2014/main" id="{9AEE80E4-D0DD-4BB3-A9A8-6942A698054E}"/>
+              </a:ext>
+            </a:extLst>
+          </p:cNvPr>
+          <p:cNvCxnSpPr>
+            <a:cxnSpLocks/>
+          </p:cNvCxnSpPr>
+          <p:nvPr/>
+        </p:nvCxnSpPr>
+        <p:spPr>
+          <a:xfrm>
+            <a:off x="3807580" y="3825617"/>
+            <a:ext cx="0" cy="1142836"/>
+          </a:xfrm>
+          <a:prstGeom prst="straightConnector1">
+            <a:avLst/>
+          </a:prstGeom>
+          <a:ln>
+            <a:solidFill>
+              <a:schemeClr val="tx1">
+                <a:lumMod val="50000"/>
+                <a:lumOff val="50000"/>
+              </a:schemeClr>
+            </a:solidFill>
+            <a:tailEnd type="triangle"/>
+          </a:ln>
+        </p:spPr>
+        <p:style>
+          <a:lnRef idx="1">
+            <a:schemeClr val="dk1"/>
+          </a:lnRef>
+          <a:fillRef idx="0">
+            <a:schemeClr val="dk1"/>
+          </a:fillRef>
+          <a:effectRef idx="0">
+            <a:schemeClr val="dk1"/>
+          </a:effectRef>
+          <a:fontRef idx="minor">
+            <a:schemeClr val="tx1"/>
+          </a:fontRef>
+        </p:style>
+      </p:cxnSp>
     </p:spTree>
     <p:extLst>
       <p:ext uri="{BB962C8B-B14F-4D97-AF65-F5344CB8AC3E}">
-        <p14:creationId xmlns:p14="http://schemas.microsoft.com/office/powerpoint/2010/main" val="777005738"/>
+        <p14:creationId xmlns:p14="http://schemas.microsoft.com/office/powerpoint/2010/main" val="3555695090"/>
       </p:ext>
     </p:extLst>
   </p:cSld>

--- a/dissertacao-docs/apresentacoes/Dissertação - RDM - EMA - Imagens-Retrato.pptx
+++ b/dissertacao-docs/apresentacoes/Dissertação - RDM - EMA - Imagens-Retrato.pptx
@@ -19,9 +19,13 @@
     <p:sldId id="269" r:id="rId13"/>
     <p:sldId id="270" r:id="rId14"/>
     <p:sldId id="273" r:id="rId15"/>
-    <p:sldId id="271" r:id="rId16"/>
-    <p:sldId id="274" r:id="rId17"/>
-    <p:sldId id="275" r:id="rId18"/>
+    <p:sldId id="277" r:id="rId16"/>
+    <p:sldId id="271" r:id="rId17"/>
+    <p:sldId id="274" r:id="rId18"/>
+    <p:sldId id="276" r:id="rId19"/>
+    <p:sldId id="279" r:id="rId20"/>
+    <p:sldId id="275" r:id="rId21"/>
+    <p:sldId id="278" r:id="rId22"/>
   </p:sldIdLst>
   <p:sldSz cx="5759450" cy="8640763"/>
   <p:notesSz cx="6858000" cy="9144000"/>
@@ -139,10 +143,6 @@
 </p:presentation>
 </file>
 
-<file path=ppt/revisionInfo.xml><?xml version="1.0" encoding="utf-8"?>
-<p1510:revInfo xmlns:a="http://schemas.openxmlformats.org/drawingml/2006/main" xmlns:r="http://schemas.openxmlformats.org/officeDocument/2006/relationships" xmlns:p1510="http://schemas.microsoft.com/office/powerpoint/2015/10/main"/>
-</file>
-
 <file path=ppt/slideLayouts/slideLayout1.xml><?xml version="1.0" encoding="utf-8"?>
 <p:sldLayout xmlns:a="http://schemas.openxmlformats.org/drawingml/2006/main" xmlns:r="http://schemas.openxmlformats.org/officeDocument/2006/relationships" xmlns:p="http://schemas.openxmlformats.org/presentationml/2006/main" type="title" preserve="1">
   <p:cSld name="Slide de título">
@@ -322,7 +322,7 @@
           <a:p>
             <a:fld id="{2E700DB3-DBF0-4086-B675-117E7A9610B8}" type="datetimeFigureOut">
               <a:rPr lang="pt-BR" smtClean="0"/>
-              <a:t>03/02/2018</a:t>
+              <a:t>07/11/2018</a:t>
             </a:fld>
             <a:endParaRPr lang="pt-BR"/>
           </a:p>
@@ -485,7 +485,7 @@
           <a:p>
             <a:fld id="{2E700DB3-DBF0-4086-B675-117E7A9610B8}" type="datetimeFigureOut">
               <a:rPr lang="pt-BR" smtClean="0"/>
-              <a:t>03/02/2018</a:t>
+              <a:t>07/11/2018</a:t>
             </a:fld>
             <a:endParaRPr lang="pt-BR"/>
           </a:p>
@@ -658,7 +658,7 @@
           <a:p>
             <a:fld id="{2E700DB3-DBF0-4086-B675-117E7A9610B8}" type="datetimeFigureOut">
               <a:rPr lang="pt-BR" smtClean="0"/>
-              <a:t>03/02/2018</a:t>
+              <a:t>07/11/2018</a:t>
             </a:fld>
             <a:endParaRPr lang="pt-BR"/>
           </a:p>
@@ -821,7 +821,7 @@
           <a:p>
             <a:fld id="{2E700DB3-DBF0-4086-B675-117E7A9610B8}" type="datetimeFigureOut">
               <a:rPr lang="pt-BR" smtClean="0"/>
-              <a:t>03/02/2018</a:t>
+              <a:t>07/11/2018</a:t>
             </a:fld>
             <a:endParaRPr lang="pt-BR"/>
           </a:p>
@@ -1061,7 +1061,7 @@
           <a:p>
             <a:fld id="{2E700DB3-DBF0-4086-B675-117E7A9610B8}" type="datetimeFigureOut">
               <a:rPr lang="pt-BR" smtClean="0"/>
-              <a:t>03/02/2018</a:t>
+              <a:t>07/11/2018</a:t>
             </a:fld>
             <a:endParaRPr lang="pt-BR"/>
           </a:p>
@@ -1341,7 +1341,7 @@
           <a:p>
             <a:fld id="{2E700DB3-DBF0-4086-B675-117E7A9610B8}" type="datetimeFigureOut">
               <a:rPr lang="pt-BR" smtClean="0"/>
-              <a:t>03/02/2018</a:t>
+              <a:t>07/11/2018</a:t>
             </a:fld>
             <a:endParaRPr lang="pt-BR"/>
           </a:p>
@@ -1755,7 +1755,7 @@
           <a:p>
             <a:fld id="{2E700DB3-DBF0-4086-B675-117E7A9610B8}" type="datetimeFigureOut">
               <a:rPr lang="pt-BR" smtClean="0"/>
-              <a:t>03/02/2018</a:t>
+              <a:t>07/11/2018</a:t>
             </a:fld>
             <a:endParaRPr lang="pt-BR"/>
           </a:p>
@@ -1867,7 +1867,7 @@
           <a:p>
             <a:fld id="{2E700DB3-DBF0-4086-B675-117E7A9610B8}" type="datetimeFigureOut">
               <a:rPr lang="pt-BR" smtClean="0"/>
-              <a:t>03/02/2018</a:t>
+              <a:t>07/11/2018</a:t>
             </a:fld>
             <a:endParaRPr lang="pt-BR"/>
           </a:p>
@@ -1957,7 +1957,7 @@
           <a:p>
             <a:fld id="{2E700DB3-DBF0-4086-B675-117E7A9610B8}" type="datetimeFigureOut">
               <a:rPr lang="pt-BR" smtClean="0"/>
-              <a:t>03/02/2018</a:t>
+              <a:t>07/11/2018</a:t>
             </a:fld>
             <a:endParaRPr lang="pt-BR"/>
           </a:p>
@@ -2227,7 +2227,7 @@
           <a:p>
             <a:fld id="{2E700DB3-DBF0-4086-B675-117E7A9610B8}" type="datetimeFigureOut">
               <a:rPr lang="pt-BR" smtClean="0"/>
-              <a:t>03/02/2018</a:t>
+              <a:t>07/11/2018</a:t>
             </a:fld>
             <a:endParaRPr lang="pt-BR"/>
           </a:p>
@@ -2474,7 +2474,7 @@
           <a:p>
             <a:fld id="{2E700DB3-DBF0-4086-B675-117E7A9610B8}" type="datetimeFigureOut">
               <a:rPr lang="pt-BR" smtClean="0"/>
-              <a:t>03/02/2018</a:t>
+              <a:t>07/11/2018</a:t>
             </a:fld>
             <a:endParaRPr lang="pt-BR"/>
           </a:p>
@@ -2680,7 +2680,7 @@
           <a:p>
             <a:fld id="{2E700DB3-DBF0-4086-B675-117E7A9610B8}" type="datetimeFigureOut">
               <a:rPr lang="pt-BR" smtClean="0"/>
-              <a:t>03/02/2018</a:t>
+              <a:t>07/11/2018</a:t>
             </a:fld>
             <a:endParaRPr lang="pt-BR"/>
           </a:p>
@@ -13408,46 +13408,1287 @@
       </p:grpSpPr>
       <p:pic>
         <p:nvPicPr>
-          <p:cNvPr id="4" name="Imagem 3">
+          <p:cNvPr id="5" name="Imagem 4">
             <a:extLst>
               <a:ext uri="{FF2B5EF4-FFF2-40B4-BE49-F238E27FC236}">
-                <a16:creationId xmlns:a16="http://schemas.microsoft.com/office/drawing/2014/main" id="{9CB8AA96-C351-495C-8E1B-10D1C952BA04}"/>
+                <a16:creationId xmlns:a16="http://schemas.microsoft.com/office/drawing/2014/main" id="{1BE41894-C87C-462D-84AE-86EA576E25E9}"/>
               </a:ext>
             </a:extLst>
           </p:cNvPr>
-          <p:cNvPicPr>
-            <a:picLocks noChangeAspect="1"/>
-          </p:cNvPicPr>
+          <p:cNvPicPr/>
           <p:nvPr/>
         </p:nvPicPr>
-        <p:blipFill>
-          <a:blip r:embed="rId2" cstate="print">
+        <p:blipFill rotWithShape="1">
+          <a:blip r:embed="rId2">
             <a:extLst>
               <a:ext uri="{28A0092B-C50C-407E-A947-70E740481C1C}">
                 <a14:useLocalDpi xmlns:a14="http://schemas.microsoft.com/office/drawing/2010/main" val="0"/>
               </a:ext>
             </a:extLst>
           </a:blip>
-          <a:stretch>
-            <a:fillRect/>
-          </a:stretch>
+          <a:srcRect l="51828"/>
+          <a:stretch/>
         </p:blipFill>
-        <p:spPr>
-          <a:xfrm>
-            <a:off x="0" y="794"/>
-            <a:ext cx="5759450" cy="8639175"/>
+        <p:spPr bwMode="auto">
+          <a:xfrm rot="5400000">
+            <a:off x="-2347433" y="8755451"/>
+            <a:ext cx="9158173" cy="9505057"/>
           </a:xfrm>
           <a:prstGeom prst="rect">
             <a:avLst/>
           </a:prstGeom>
+          <a:noFill/>
+          <a:ln>
+            <a:noFill/>
+          </a:ln>
         </p:spPr>
       </p:pic>
+      <p:graphicFrame>
+        <p:nvGraphicFramePr>
+          <p:cNvPr id="4" name="Tabela 3">
+            <a:extLst>
+              <a:ext uri="{FF2B5EF4-FFF2-40B4-BE49-F238E27FC236}">
+                <a16:creationId xmlns:a16="http://schemas.microsoft.com/office/drawing/2014/main" id="{E2DE5C17-10EC-4452-9155-F29BC6A6DA5B}"/>
+              </a:ext>
+            </a:extLst>
+          </p:cNvPr>
+          <p:cNvGraphicFramePr>
+            <a:graphicFrameLocks noGrp="1"/>
+          </p:cNvGraphicFramePr>
+          <p:nvPr>
+            <p:extLst>
+              <p:ext uri="{D42A27DB-BD31-4B8C-83A1-F6EECF244321}">
+                <p14:modId xmlns:p14="http://schemas.microsoft.com/office/powerpoint/2010/main" val="3278861462"/>
+              </p:ext>
+            </p:extLst>
+          </p:nvPr>
+        </p:nvGraphicFramePr>
+        <p:xfrm>
+          <a:off x="129332" y="930479"/>
+          <a:ext cx="5400600" cy="3329580"/>
+        </p:xfrm>
+        <a:graphic>
+          <a:graphicData uri="http://schemas.openxmlformats.org/drawingml/2006/table">
+            <a:tbl>
+              <a:tblPr firstRow="1" bandRow="1">
+                <a:tableStyleId>{5940675A-B579-460E-94D1-54222C63F5DA}</a:tableStyleId>
+              </a:tblPr>
+              <a:tblGrid>
+                <a:gridCol w="1908212">
+                  <a:extLst>
+                    <a:ext uri="{9D8B030D-6E8A-4147-A177-3AD203B41FA5}">
+                      <a16:colId xmlns:a16="http://schemas.microsoft.com/office/drawing/2014/main" val="4202968456"/>
+                    </a:ext>
+                  </a:extLst>
+                </a:gridCol>
+                <a:gridCol w="3492388">
+                  <a:extLst>
+                    <a:ext uri="{9D8B030D-6E8A-4147-A177-3AD203B41FA5}">
+                      <a16:colId xmlns:a16="http://schemas.microsoft.com/office/drawing/2014/main" val="1938842175"/>
+                    </a:ext>
+                  </a:extLst>
+                </a:gridCol>
+              </a:tblGrid>
+              <a:tr h="276310">
+                <a:tc gridSpan="2">
+                  <a:txBody>
+                    <a:bodyPr/>
+                    <a:lstStyle/>
+                    <a:p>
+                      <a:pPr algn="ctr"/>
+                      <a:r>
+                        <a:rPr lang="en-US" sz="1100" b="1" noProof="0" dirty="0">
+                          <a:latin typeface="CMU Sans Serif" panose="02000603000000000000" pitchFamily="2" charset="0"/>
+                          <a:ea typeface="CMU Sans Serif" panose="02000603000000000000" pitchFamily="2" charset="0"/>
+                          <a:cs typeface="CMU Sans Serif" panose="02000603000000000000" pitchFamily="2" charset="0"/>
+                        </a:rPr>
+                        <a:t>PRIM Results – Conditions under Which Strategy 31 fails</a:t>
+                      </a:r>
+                    </a:p>
+                  </a:txBody>
+                  <a:tcPr anchor="b">
+                    <a:lnL w="12700" cmpd="sng">
+                      <a:noFill/>
+                    </a:lnL>
+                    <a:lnR w="12700" cmpd="sng">
+                      <a:noFill/>
+                    </a:lnR>
+                    <a:lnT w="12700" cmpd="sng">
+                      <a:noFill/>
+                    </a:lnT>
+                    <a:lnB w="12700" cmpd="sng">
+                      <a:noFill/>
+                    </a:lnB>
+                    <a:lnTlToBr w="12700" cmpd="sng">
+                      <a:noFill/>
+                      <a:prstDash val="solid"/>
+                    </a:lnTlToBr>
+                    <a:lnBlToTr w="12700" cmpd="sng">
+                      <a:noFill/>
+                      <a:prstDash val="solid"/>
+                    </a:lnBlToTr>
+                  </a:tcPr>
+                </a:tc>
+                <a:tc hMerge="1">
+                  <a:txBody>
+                    <a:bodyPr/>
+                    <a:lstStyle/>
+                    <a:p>
+                      <a:pPr algn="ctr"/>
+                      <a:endParaRPr lang="pt-BR" sz="1100" b="1" dirty="0">
+                        <a:latin typeface="CMU Sans Serif" panose="02000603000000000000" pitchFamily="2" charset="0"/>
+                        <a:ea typeface="CMU Sans Serif" panose="02000603000000000000" pitchFamily="2" charset="0"/>
+                        <a:cs typeface="CMU Sans Serif" panose="02000603000000000000" pitchFamily="2" charset="0"/>
+                      </a:endParaRPr>
+                    </a:p>
+                  </a:txBody>
+                  <a:tcPr anchor="b">
+                    <a:lnL w="12700" cmpd="sng">
+                      <a:noFill/>
+                    </a:lnL>
+                    <a:lnR w="12700" cmpd="sng">
+                      <a:noFill/>
+                    </a:lnR>
+                    <a:lnT w="12700" cmpd="sng">
+                      <a:noFill/>
+                    </a:lnT>
+                    <a:lnB w="12700" cmpd="sng">
+                      <a:noFill/>
+                    </a:lnB>
+                    <a:lnTlToBr w="12700" cmpd="sng">
+                      <a:noFill/>
+                      <a:prstDash val="solid"/>
+                    </a:lnTlToBr>
+                    <a:lnBlToTr w="12700" cmpd="sng">
+                      <a:noFill/>
+                      <a:prstDash val="solid"/>
+                    </a:lnBlToTr>
+                  </a:tcPr>
+                </a:tc>
+                <a:extLst>
+                  <a:ext uri="{0D108BD9-81ED-4DB2-BD59-A6C34878D82A}">
+                    <a16:rowId xmlns:a16="http://schemas.microsoft.com/office/drawing/2014/main" val="3108911947"/>
+                  </a:ext>
+                </a:extLst>
+              </a:tr>
+              <a:tr h="276310">
+                <a:tc>
+                  <a:txBody>
+                    <a:bodyPr/>
+                    <a:lstStyle/>
+                    <a:p>
+                      <a:pPr algn="r"/>
+                      <a:r>
+                        <a:rPr lang="pt-BR" sz="1100" b="1" dirty="0">
+                          <a:latin typeface="CMU Sans Serif" panose="02000603000000000000" pitchFamily="2" charset="0"/>
+                          <a:ea typeface="CMU Sans Serif" panose="02000603000000000000" pitchFamily="2" charset="0"/>
+                          <a:cs typeface="CMU Sans Serif" panose="02000603000000000000" pitchFamily="2" charset="0"/>
+                        </a:rPr>
+                        <a:t>Uncertainty</a:t>
+                      </a:r>
+                    </a:p>
+                  </a:txBody>
+                  <a:tcPr anchor="b">
+                    <a:lnL w="12700" cmpd="sng">
+                      <a:noFill/>
+                    </a:lnL>
+                    <a:lnR w="12700" cmpd="sng">
+                      <a:noFill/>
+                    </a:lnR>
+                    <a:lnT w="12700" cmpd="sng">
+                      <a:noFill/>
+                    </a:lnT>
+                    <a:lnB w="12700" cmpd="sng">
+                      <a:noFill/>
+                    </a:lnB>
+                    <a:lnTlToBr w="12700" cmpd="sng">
+                      <a:noFill/>
+                      <a:prstDash val="solid"/>
+                    </a:lnTlToBr>
+                    <a:lnBlToTr w="12700" cmpd="sng">
+                      <a:noFill/>
+                      <a:prstDash val="solid"/>
+                    </a:lnBlToTr>
+                  </a:tcPr>
+                </a:tc>
+                <a:tc>
+                  <a:txBody>
+                    <a:bodyPr/>
+                    <a:lstStyle/>
+                    <a:p>
+                      <a:pPr algn="ctr"/>
+                      <a:r>
+                        <a:rPr lang="en-US" sz="1100" b="1" noProof="0" dirty="0">
+                          <a:latin typeface="CMU Sans Serif" panose="02000603000000000000" pitchFamily="2" charset="0"/>
+                          <a:ea typeface="CMU Sans Serif" panose="02000603000000000000" pitchFamily="2" charset="0"/>
+                          <a:cs typeface="CMU Sans Serif" panose="02000603000000000000" pitchFamily="2" charset="0"/>
+                        </a:rPr>
+                        <a:t>Vulnerability</a:t>
+                      </a:r>
+                      <a:r>
+                        <a:rPr lang="pt-BR" sz="1100" b="1" dirty="0">
+                          <a:latin typeface="CMU Sans Serif" panose="02000603000000000000" pitchFamily="2" charset="0"/>
+                          <a:ea typeface="CMU Sans Serif" panose="02000603000000000000" pitchFamily="2" charset="0"/>
+                          <a:cs typeface="CMU Sans Serif" panose="02000603000000000000" pitchFamily="2" charset="0"/>
+                        </a:rPr>
+                        <a:t> Range</a:t>
+                      </a:r>
+                    </a:p>
+                  </a:txBody>
+                  <a:tcPr anchor="b">
+                    <a:lnL w="12700" cmpd="sng">
+                      <a:noFill/>
+                    </a:lnL>
+                    <a:lnR w="12700" cmpd="sng">
+                      <a:noFill/>
+                    </a:lnR>
+                    <a:lnT w="12700" cmpd="sng">
+                      <a:noFill/>
+                    </a:lnT>
+                    <a:lnB w="12700" cmpd="sng">
+                      <a:noFill/>
+                    </a:lnB>
+                    <a:lnTlToBr w="12700" cmpd="sng">
+                      <a:noFill/>
+                      <a:prstDash val="solid"/>
+                    </a:lnTlToBr>
+                    <a:lnBlToTr w="12700" cmpd="sng">
+                      <a:noFill/>
+                      <a:prstDash val="solid"/>
+                    </a:lnBlToTr>
+                  </a:tcPr>
+                </a:tc>
+                <a:extLst>
+                  <a:ext uri="{0D108BD9-81ED-4DB2-BD59-A6C34878D82A}">
+                    <a16:rowId xmlns:a16="http://schemas.microsoft.com/office/drawing/2014/main" val="145143281"/>
+                  </a:ext>
+                </a:extLst>
+              </a:tr>
+              <a:tr h="252000">
+                <a:tc rowSpan="2">
+                  <a:txBody>
+                    <a:bodyPr/>
+                    <a:lstStyle/>
+                    <a:p>
+                      <a:pPr algn="r"/>
+                      <a:r>
+                        <a:rPr lang="en-US" sz="900" noProof="0" dirty="0">
+                          <a:latin typeface="CMU Sans Serif" panose="02000603000000000000" pitchFamily="2" charset="0"/>
+                          <a:ea typeface="CMU Sans Serif" panose="02000603000000000000" pitchFamily="2" charset="0"/>
+                          <a:cs typeface="CMU Sans Serif" panose="02000603000000000000" pitchFamily="2" charset="0"/>
+                        </a:rPr>
+                        <a:t>Reference Market Size</a:t>
+                      </a:r>
+                    </a:p>
+                  </a:txBody>
+                  <a:tcPr anchor="ctr">
+                    <a:lnL w="12700" cmpd="sng">
+                      <a:noFill/>
+                    </a:lnL>
+                    <a:lnR w="12700" cmpd="sng">
+                      <a:noFill/>
+                    </a:lnR>
+                    <a:lnT w="12700" cmpd="sng">
+                      <a:noFill/>
+                    </a:lnT>
+                    <a:lnB w="12700" cmpd="sng">
+                      <a:noFill/>
+                    </a:lnB>
+                    <a:lnTlToBr w="12700" cmpd="sng">
+                      <a:noFill/>
+                      <a:prstDash val="solid"/>
+                    </a:lnTlToBr>
+                    <a:lnBlToTr w="12700" cmpd="sng">
+                      <a:noFill/>
+                      <a:prstDash val="solid"/>
+                    </a:lnBlToTr>
+                  </a:tcPr>
+                </a:tc>
+                <a:tc>
+                  <a:txBody>
+                    <a:bodyPr/>
+                    <a:lstStyle/>
+                    <a:p>
+                      <a:pPr algn="l"/>
+                      <a:r>
+                        <a:rPr lang="pt-BR" sz="800" dirty="0">
+                          <a:solidFill>
+                            <a:schemeClr val="bg1">
+                              <a:lumMod val="50000"/>
+                            </a:schemeClr>
+                          </a:solidFill>
+                          <a:latin typeface="CMU Sans Serif" panose="02000603000000000000" pitchFamily="2" charset="0"/>
+                          <a:ea typeface="CMU Sans Serif" panose="02000603000000000000" pitchFamily="2" charset="0"/>
+                          <a:cs typeface="CMU Sans Serif" panose="02000603000000000000" pitchFamily="2" charset="0"/>
+                        </a:rPr>
+                        <a:t>25K                                                                                       100K</a:t>
+                      </a:r>
+                    </a:p>
+                  </a:txBody>
+                  <a:tcPr anchor="b">
+                    <a:lnL w="12700" cmpd="sng">
+                      <a:noFill/>
+                    </a:lnL>
+                    <a:lnR w="12700" cmpd="sng">
+                      <a:noFill/>
+                    </a:lnR>
+                    <a:lnT w="12700" cmpd="sng">
+                      <a:noFill/>
+                    </a:lnT>
+                    <a:lnB w="12700" cap="flat" cmpd="sng" algn="ctr">
+                      <a:solidFill>
+                        <a:schemeClr val="bg1">
+                          <a:lumMod val="75000"/>
+                        </a:schemeClr>
+                      </a:solidFill>
+                      <a:prstDash val="solid"/>
+                      <a:round/>
+                      <a:headEnd type="none" w="med" len="med"/>
+                      <a:tailEnd type="none" w="med" len="med"/>
+                    </a:lnB>
+                    <a:lnTlToBr w="12700" cmpd="sng">
+                      <a:noFill/>
+                      <a:prstDash val="solid"/>
+                    </a:lnTlToBr>
+                    <a:lnBlToTr w="12700" cmpd="sng">
+                      <a:noFill/>
+                      <a:prstDash val="solid"/>
+                    </a:lnBlToTr>
+                  </a:tcPr>
+                </a:tc>
+                <a:extLst>
+                  <a:ext uri="{0D108BD9-81ED-4DB2-BD59-A6C34878D82A}">
+                    <a16:rowId xmlns:a16="http://schemas.microsoft.com/office/drawing/2014/main" val="1941192736"/>
+                  </a:ext>
+                </a:extLst>
+              </a:tr>
+              <a:tr h="252000">
+                <a:tc vMerge="1">
+                  <a:txBody>
+                    <a:bodyPr/>
+                    <a:lstStyle/>
+                    <a:p>
+                      <a:endParaRPr lang="pt-BR"/>
+                    </a:p>
+                  </a:txBody>
+                  <a:tcPr/>
+                </a:tc>
+                <a:tc>
+                  <a:txBody>
+                    <a:bodyPr/>
+                    <a:lstStyle/>
+                    <a:p>
+                      <a:pPr algn="l"/>
+                      <a:r>
+                        <a:rPr lang="pt-BR" sz="800" dirty="0">
+                          <a:latin typeface="CMU Sans Serif" panose="02000603000000000000" pitchFamily="2" charset="0"/>
+                          <a:ea typeface="CMU Sans Serif" panose="02000603000000000000" pitchFamily="2" charset="0"/>
+                          <a:cs typeface="CMU Sans Serif" panose="02000603000000000000" pitchFamily="2" charset="0"/>
+                        </a:rPr>
+                        <a:t>                                         58K                                              100K</a:t>
+                      </a:r>
+                    </a:p>
+                  </a:txBody>
+                  <a:tcPr>
+                    <a:lnL w="12700" cmpd="sng">
+                      <a:noFill/>
+                    </a:lnL>
+                    <a:lnR w="12700" cmpd="sng">
+                      <a:noFill/>
+                    </a:lnR>
+                    <a:lnT w="12700" cap="flat" cmpd="sng" algn="ctr">
+                      <a:solidFill>
+                        <a:schemeClr val="bg1">
+                          <a:lumMod val="75000"/>
+                        </a:schemeClr>
+                      </a:solidFill>
+                      <a:prstDash val="solid"/>
+                      <a:round/>
+                      <a:headEnd type="none" w="med" len="med"/>
+                      <a:tailEnd type="none" w="med" len="med"/>
+                    </a:lnT>
+                    <a:lnB w="12700" cmpd="sng">
+                      <a:noFill/>
+                    </a:lnB>
+                    <a:lnTlToBr w="12700" cmpd="sng">
+                      <a:noFill/>
+                      <a:prstDash val="solid"/>
+                    </a:lnTlToBr>
+                    <a:lnBlToTr w="12700" cmpd="sng">
+                      <a:noFill/>
+                      <a:prstDash val="solid"/>
+                    </a:lnBlToTr>
+                  </a:tcPr>
+                </a:tc>
+                <a:extLst>
+                  <a:ext uri="{0D108BD9-81ED-4DB2-BD59-A6C34878D82A}">
+                    <a16:rowId xmlns:a16="http://schemas.microsoft.com/office/drawing/2014/main" val="1639889444"/>
+                  </a:ext>
+                </a:extLst>
+              </a:tr>
+              <a:tr h="252000">
+                <a:tc rowSpan="2">
+                  <a:txBody>
+                    <a:bodyPr/>
+                    <a:lstStyle/>
+                    <a:p>
+                      <a:pPr algn="r"/>
+                      <a:r>
+                        <a:rPr lang="en-US" sz="900" noProof="0" dirty="0">
+                          <a:latin typeface="CMU Sans Serif" panose="02000603000000000000" pitchFamily="2" charset="0"/>
+                          <a:ea typeface="CMU Sans Serif" panose="02000603000000000000" pitchFamily="2" charset="0"/>
+                          <a:cs typeface="CMU Sans Serif" panose="02000603000000000000" pitchFamily="2" charset="0"/>
+                        </a:rPr>
+                        <a:t>Capacity Utilization %</a:t>
+                      </a:r>
+                    </a:p>
+                  </a:txBody>
+                  <a:tcPr anchor="ctr">
+                    <a:lnL w="12700" cmpd="sng">
+                      <a:noFill/>
+                    </a:lnL>
+                    <a:lnR w="12700" cmpd="sng">
+                      <a:noFill/>
+                    </a:lnR>
+                    <a:lnT w="12700" cmpd="sng">
+                      <a:noFill/>
+                    </a:lnT>
+                    <a:lnB w="12700" cmpd="sng">
+                      <a:noFill/>
+                    </a:lnB>
+                    <a:lnTlToBr w="12700" cmpd="sng">
+                      <a:noFill/>
+                      <a:prstDash val="solid"/>
+                    </a:lnTlToBr>
+                    <a:lnBlToTr w="12700" cmpd="sng">
+                      <a:noFill/>
+                      <a:prstDash val="solid"/>
+                    </a:lnBlToTr>
+                  </a:tcPr>
+                </a:tc>
+                <a:tc>
+                  <a:txBody>
+                    <a:bodyPr/>
+                    <a:lstStyle/>
+                    <a:p>
+                      <a:pPr algn="l"/>
+                      <a:r>
+                        <a:rPr lang="pt-BR" sz="800" dirty="0">
+                          <a:solidFill>
+                            <a:schemeClr val="bg1">
+                              <a:lumMod val="50000"/>
+                            </a:schemeClr>
+                          </a:solidFill>
+                          <a:latin typeface="CMU Sans Serif" panose="02000603000000000000" pitchFamily="2" charset="0"/>
+                          <a:ea typeface="CMU Sans Serif" panose="02000603000000000000" pitchFamily="2" charset="0"/>
+                          <a:cs typeface="CMU Sans Serif" panose="02000603000000000000" pitchFamily="2" charset="0"/>
+                        </a:rPr>
+                        <a:t>0,6                                                                                             1</a:t>
+                      </a:r>
+                    </a:p>
+                  </a:txBody>
+                  <a:tcPr anchor="b">
+                    <a:lnL w="12700" cmpd="sng">
+                      <a:noFill/>
+                    </a:lnL>
+                    <a:lnR w="12700" cmpd="sng">
+                      <a:noFill/>
+                    </a:lnR>
+                    <a:lnT w="12700" cmpd="sng">
+                      <a:noFill/>
+                    </a:lnT>
+                    <a:lnB w="12700" cap="flat" cmpd="sng" algn="ctr">
+                      <a:solidFill>
+                        <a:schemeClr val="bg1">
+                          <a:lumMod val="75000"/>
+                        </a:schemeClr>
+                      </a:solidFill>
+                      <a:prstDash val="solid"/>
+                      <a:round/>
+                      <a:headEnd type="none" w="med" len="med"/>
+                      <a:tailEnd type="none" w="med" len="med"/>
+                    </a:lnB>
+                    <a:lnTlToBr w="12700" cmpd="sng">
+                      <a:noFill/>
+                      <a:prstDash val="solid"/>
+                    </a:lnTlToBr>
+                    <a:lnBlToTr w="12700" cmpd="sng">
+                      <a:noFill/>
+                      <a:prstDash val="solid"/>
+                    </a:lnBlToTr>
+                  </a:tcPr>
+                </a:tc>
+                <a:extLst>
+                  <a:ext uri="{0D108BD9-81ED-4DB2-BD59-A6C34878D82A}">
+                    <a16:rowId xmlns:a16="http://schemas.microsoft.com/office/drawing/2014/main" val="1642731224"/>
+                  </a:ext>
+                </a:extLst>
+              </a:tr>
+              <a:tr h="252000">
+                <a:tc vMerge="1">
+                  <a:txBody>
+                    <a:bodyPr/>
+                    <a:lstStyle/>
+                    <a:p>
+                      <a:endParaRPr lang="pt-BR"/>
+                    </a:p>
+                  </a:txBody>
+                  <a:tcPr/>
+                </a:tc>
+                <a:tc>
+                  <a:txBody>
+                    <a:bodyPr/>
+                    <a:lstStyle/>
+                    <a:p>
+                      <a:pPr algn="l"/>
+                      <a:r>
+                        <a:rPr lang="pt-BR" sz="800" dirty="0">
+                          <a:latin typeface="CMU Sans Serif" panose="02000603000000000000" pitchFamily="2" charset="0"/>
+                          <a:ea typeface="CMU Sans Serif" panose="02000603000000000000" pitchFamily="2" charset="0"/>
+                          <a:cs typeface="CMU Sans Serif" panose="02000603000000000000" pitchFamily="2" charset="0"/>
+                        </a:rPr>
+                        <a:t>0,626                                                0,864</a:t>
+                      </a:r>
+                    </a:p>
+                  </a:txBody>
+                  <a:tcPr>
+                    <a:lnL w="12700" cmpd="sng">
+                      <a:noFill/>
+                    </a:lnL>
+                    <a:lnR w="12700" cmpd="sng">
+                      <a:noFill/>
+                    </a:lnR>
+                    <a:lnT w="12700" cap="flat" cmpd="sng" algn="ctr">
+                      <a:solidFill>
+                        <a:schemeClr val="bg1">
+                          <a:lumMod val="75000"/>
+                        </a:schemeClr>
+                      </a:solidFill>
+                      <a:prstDash val="solid"/>
+                      <a:round/>
+                      <a:headEnd type="none" w="med" len="med"/>
+                      <a:tailEnd type="none" w="med" len="med"/>
+                    </a:lnT>
+                    <a:lnB w="12700" cmpd="sng">
+                      <a:noFill/>
+                    </a:lnB>
+                    <a:lnTlToBr w="12700" cmpd="sng">
+                      <a:noFill/>
+                      <a:prstDash val="solid"/>
+                    </a:lnTlToBr>
+                    <a:lnBlToTr w="12700" cmpd="sng">
+                      <a:noFill/>
+                      <a:prstDash val="solid"/>
+                    </a:lnBlToTr>
+                  </a:tcPr>
+                </a:tc>
+                <a:extLst>
+                  <a:ext uri="{0D108BD9-81ED-4DB2-BD59-A6C34878D82A}">
+                    <a16:rowId xmlns:a16="http://schemas.microsoft.com/office/drawing/2014/main" val="1361060795"/>
+                  </a:ext>
+                </a:extLst>
+              </a:tr>
+              <a:tr h="252000">
+                <a:tc rowSpan="2">
+                  <a:txBody>
+                    <a:bodyPr/>
+                    <a:lstStyle/>
+                    <a:p>
+                      <a:pPr algn="r"/>
+                      <a:r>
+                        <a:rPr lang="en-US" sz="900" dirty="0">
+                          <a:latin typeface="CMU Sans Serif" panose="02000603000000000000" pitchFamily="2" charset="0"/>
+                          <a:ea typeface="CMU Sans Serif" panose="02000603000000000000" pitchFamily="2" charset="0"/>
+                          <a:cs typeface="CMU Sans Serif" panose="02000603000000000000" pitchFamily="2" charset="0"/>
+                        </a:rPr>
+                        <a:t>Player 2 Desired Market Share</a:t>
+                      </a:r>
+                    </a:p>
+                  </a:txBody>
+                  <a:tcPr anchor="ctr">
+                    <a:lnL w="12700" cmpd="sng">
+                      <a:noFill/>
+                    </a:lnL>
+                    <a:lnR w="12700" cmpd="sng">
+                      <a:noFill/>
+                    </a:lnR>
+                    <a:lnT w="12700" cmpd="sng">
+                      <a:noFill/>
+                    </a:lnT>
+                    <a:lnB w="12700" cmpd="sng">
+                      <a:noFill/>
+                    </a:lnB>
+                    <a:lnTlToBr w="12700" cmpd="sng">
+                      <a:noFill/>
+                      <a:prstDash val="solid"/>
+                    </a:lnTlToBr>
+                    <a:lnBlToTr w="12700" cmpd="sng">
+                      <a:noFill/>
+                      <a:prstDash val="solid"/>
+                    </a:lnBlToTr>
+                  </a:tcPr>
+                </a:tc>
+                <a:tc>
+                  <a:txBody>
+                    <a:bodyPr/>
+                    <a:lstStyle/>
+                    <a:p>
+                      <a:pPr marL="0" marR="0" lvl="0" indent="0" algn="l" defTabSz="575981" rtl="0" eaLnBrk="1" fontAlgn="auto" latinLnBrk="0" hangingPunct="1">
+                        <a:lnSpc>
+                          <a:spcPct val="100000"/>
+                        </a:lnSpc>
+                        <a:spcBef>
+                          <a:spcPts val="0"/>
+                        </a:spcBef>
+                        <a:spcAft>
+                          <a:spcPts val="0"/>
+                        </a:spcAft>
+                        <a:buClrTx/>
+                        <a:buSzTx/>
+                        <a:buFontTx/>
+                        <a:buNone/>
+                        <a:tabLst/>
+                        <a:defRPr/>
+                      </a:pPr>
+                      <a:r>
+                        <a:rPr lang="pt-BR" sz="800" dirty="0">
+                          <a:solidFill>
+                            <a:schemeClr val="bg1">
+                              <a:lumMod val="50000"/>
+                            </a:schemeClr>
+                          </a:solidFill>
+                          <a:latin typeface="CMU Sans Serif" panose="02000603000000000000" pitchFamily="2" charset="0"/>
+                          <a:ea typeface="CMU Sans Serif" panose="02000603000000000000" pitchFamily="2" charset="0"/>
+                          <a:cs typeface="CMU Sans Serif" panose="02000603000000000000" pitchFamily="2" charset="0"/>
+                        </a:rPr>
+                        <a:t>0,29                                                                                        0,58</a:t>
+                      </a:r>
+                    </a:p>
+                  </a:txBody>
+                  <a:tcPr anchor="b">
+                    <a:lnL w="12700" cmpd="sng">
+                      <a:noFill/>
+                    </a:lnL>
+                    <a:lnR w="12700" cmpd="sng">
+                      <a:noFill/>
+                    </a:lnR>
+                    <a:lnT w="12700" cmpd="sng">
+                      <a:noFill/>
+                    </a:lnT>
+                    <a:lnB w="12700" cap="flat" cmpd="sng" algn="ctr">
+                      <a:solidFill>
+                        <a:schemeClr val="bg1">
+                          <a:lumMod val="75000"/>
+                        </a:schemeClr>
+                      </a:solidFill>
+                      <a:prstDash val="solid"/>
+                      <a:round/>
+                      <a:headEnd type="none" w="med" len="med"/>
+                      <a:tailEnd type="none" w="med" len="med"/>
+                    </a:lnB>
+                    <a:lnTlToBr w="12700" cmpd="sng">
+                      <a:noFill/>
+                      <a:prstDash val="solid"/>
+                    </a:lnTlToBr>
+                    <a:lnBlToTr w="12700" cmpd="sng">
+                      <a:noFill/>
+                      <a:prstDash val="solid"/>
+                    </a:lnBlToTr>
+                  </a:tcPr>
+                </a:tc>
+                <a:extLst>
+                  <a:ext uri="{0D108BD9-81ED-4DB2-BD59-A6C34878D82A}">
+                    <a16:rowId xmlns:a16="http://schemas.microsoft.com/office/drawing/2014/main" val="1404429461"/>
+                  </a:ext>
+                </a:extLst>
+              </a:tr>
+              <a:tr h="252000">
+                <a:tc vMerge="1">
+                  <a:txBody>
+                    <a:bodyPr/>
+                    <a:lstStyle/>
+                    <a:p>
+                      <a:endParaRPr lang="pt-BR"/>
+                    </a:p>
+                  </a:txBody>
+                  <a:tcPr/>
+                </a:tc>
+                <a:tc>
+                  <a:txBody>
+                    <a:bodyPr/>
+                    <a:lstStyle/>
+                    <a:p>
+                      <a:pPr marL="0" marR="0" lvl="0" indent="0" algn="l" defTabSz="575981" rtl="0" eaLnBrk="1" fontAlgn="auto" latinLnBrk="0" hangingPunct="1">
+                        <a:lnSpc>
+                          <a:spcPct val="100000"/>
+                        </a:lnSpc>
+                        <a:spcBef>
+                          <a:spcPts val="0"/>
+                        </a:spcBef>
+                        <a:spcAft>
+                          <a:spcPts val="0"/>
+                        </a:spcAft>
+                        <a:buClrTx/>
+                        <a:buSzTx/>
+                        <a:buFontTx/>
+                        <a:buNone/>
+                        <a:tabLst/>
+                        <a:defRPr/>
+                      </a:pPr>
+                      <a:r>
+                        <a:rPr lang="pt-BR" sz="800" dirty="0">
+                          <a:latin typeface="CMU Sans Serif" panose="02000603000000000000" pitchFamily="2" charset="0"/>
+                          <a:ea typeface="CMU Sans Serif" panose="02000603000000000000" pitchFamily="2" charset="0"/>
+                          <a:cs typeface="CMU Sans Serif" panose="02000603000000000000" pitchFamily="2" charset="0"/>
+                        </a:rPr>
+                        <a:t>      0,325                                                                0,528</a:t>
+                      </a:r>
+                    </a:p>
+                  </a:txBody>
+                  <a:tcPr>
+                    <a:lnL w="12700" cmpd="sng">
+                      <a:noFill/>
+                    </a:lnL>
+                    <a:lnR w="12700" cmpd="sng">
+                      <a:noFill/>
+                    </a:lnR>
+                    <a:lnT w="12700" cap="flat" cmpd="sng" algn="ctr">
+                      <a:solidFill>
+                        <a:schemeClr val="bg1">
+                          <a:lumMod val="75000"/>
+                        </a:schemeClr>
+                      </a:solidFill>
+                      <a:prstDash val="solid"/>
+                      <a:round/>
+                      <a:headEnd type="none" w="med" len="med"/>
+                      <a:tailEnd type="none" w="med" len="med"/>
+                    </a:lnT>
+                    <a:lnB w="12700" cmpd="sng">
+                      <a:noFill/>
+                    </a:lnB>
+                    <a:lnTlToBr w="12700" cmpd="sng">
+                      <a:noFill/>
+                      <a:prstDash val="solid"/>
+                    </a:lnTlToBr>
+                    <a:lnBlToTr w="12700" cmpd="sng">
+                      <a:noFill/>
+                      <a:prstDash val="solid"/>
+                    </a:lnBlToTr>
+                  </a:tcPr>
+                </a:tc>
+                <a:extLst>
+                  <a:ext uri="{0D108BD9-81ED-4DB2-BD59-A6C34878D82A}">
+                    <a16:rowId xmlns:a16="http://schemas.microsoft.com/office/drawing/2014/main" val="3494853704"/>
+                  </a:ext>
+                </a:extLst>
+              </a:tr>
+              <a:tr h="252000">
+                <a:tc rowSpan="2">
+                  <a:txBody>
+                    <a:bodyPr/>
+                    <a:lstStyle/>
+                    <a:p>
+                      <a:pPr algn="r"/>
+                      <a:r>
+                        <a:rPr lang="en-US" sz="900" noProof="0" dirty="0">
+                          <a:latin typeface="CMU Sans Serif" panose="02000603000000000000" pitchFamily="2" charset="0"/>
+                          <a:ea typeface="CMU Sans Serif" panose="02000603000000000000" pitchFamily="2" charset="0"/>
+                          <a:cs typeface="CMU Sans Serif" panose="02000603000000000000" pitchFamily="2" charset="0"/>
+                        </a:rPr>
+                        <a:t>Player 4 Capacity Strategy</a:t>
+                      </a:r>
+                    </a:p>
+                  </a:txBody>
+                  <a:tcPr anchor="ctr">
+                    <a:lnL w="12700" cmpd="sng">
+                      <a:noFill/>
+                    </a:lnL>
+                    <a:lnR w="12700" cmpd="sng">
+                      <a:noFill/>
+                    </a:lnR>
+                    <a:lnT w="12700" cmpd="sng">
+                      <a:noFill/>
+                    </a:lnT>
+                    <a:lnB w="12700" cmpd="sng">
+                      <a:noFill/>
+                    </a:lnB>
+                    <a:lnTlToBr w="12700" cmpd="sng">
+                      <a:noFill/>
+                      <a:prstDash val="solid"/>
+                    </a:lnTlToBr>
+                    <a:lnBlToTr w="12700" cmpd="sng">
+                      <a:noFill/>
+                      <a:prstDash val="solid"/>
+                    </a:lnBlToTr>
+                  </a:tcPr>
+                </a:tc>
+                <a:tc>
+                  <a:txBody>
+                    <a:bodyPr/>
+                    <a:lstStyle/>
+                    <a:p>
+                      <a:pPr marL="0" marR="0" lvl="0" indent="0" algn="l" defTabSz="575981" rtl="0" eaLnBrk="1" fontAlgn="auto" latinLnBrk="0" hangingPunct="1">
+                        <a:lnSpc>
+                          <a:spcPct val="100000"/>
+                        </a:lnSpc>
+                        <a:spcBef>
+                          <a:spcPts val="0"/>
+                        </a:spcBef>
+                        <a:spcAft>
+                          <a:spcPts val="0"/>
+                        </a:spcAft>
+                        <a:buClrTx/>
+                        <a:buSzTx/>
+                        <a:buFontTx/>
+                        <a:buNone/>
+                        <a:tabLst/>
+                        <a:defRPr/>
+                      </a:pPr>
+                      <a:r>
+                        <a:rPr lang="pt-BR" sz="800" dirty="0">
+                          <a:solidFill>
+                            <a:schemeClr val="bg1">
+                              <a:lumMod val="50000"/>
+                            </a:schemeClr>
+                          </a:solidFill>
+                          <a:latin typeface="CMU Sans Serif" panose="02000603000000000000" pitchFamily="2" charset="0"/>
+                          <a:ea typeface="CMU Sans Serif" panose="02000603000000000000" pitchFamily="2" charset="0"/>
+                          <a:cs typeface="CMU Sans Serif" panose="02000603000000000000" pitchFamily="2" charset="0"/>
+                        </a:rPr>
+                        <a:t>0,5                                                                                           2,5</a:t>
+                      </a:r>
+                    </a:p>
+                  </a:txBody>
+                  <a:tcPr anchor="b">
+                    <a:lnL w="12700" cmpd="sng">
+                      <a:noFill/>
+                    </a:lnL>
+                    <a:lnR w="12700" cmpd="sng">
+                      <a:noFill/>
+                    </a:lnR>
+                    <a:lnT w="12700" cmpd="sng">
+                      <a:noFill/>
+                    </a:lnT>
+                    <a:lnB w="12700" cap="flat" cmpd="sng" algn="ctr">
+                      <a:solidFill>
+                        <a:schemeClr val="bg1">
+                          <a:lumMod val="75000"/>
+                        </a:schemeClr>
+                      </a:solidFill>
+                      <a:prstDash val="solid"/>
+                      <a:round/>
+                      <a:headEnd type="none" w="med" len="med"/>
+                      <a:tailEnd type="none" w="med" len="med"/>
+                    </a:lnB>
+                    <a:lnTlToBr w="12700" cmpd="sng">
+                      <a:noFill/>
+                      <a:prstDash val="solid"/>
+                    </a:lnTlToBr>
+                    <a:lnBlToTr w="12700" cmpd="sng">
+                      <a:noFill/>
+                      <a:prstDash val="solid"/>
+                    </a:lnBlToTr>
+                  </a:tcPr>
+                </a:tc>
+                <a:extLst>
+                  <a:ext uri="{0D108BD9-81ED-4DB2-BD59-A6C34878D82A}">
+                    <a16:rowId xmlns:a16="http://schemas.microsoft.com/office/drawing/2014/main" val="2654987933"/>
+                  </a:ext>
+                </a:extLst>
+              </a:tr>
+              <a:tr h="252000">
+                <a:tc vMerge="1">
+                  <a:txBody>
+                    <a:bodyPr/>
+                    <a:lstStyle/>
+                    <a:p>
+                      <a:endParaRPr lang="pt-BR"/>
+                    </a:p>
+                  </a:txBody>
+                  <a:tcPr/>
+                </a:tc>
+                <a:tc>
+                  <a:txBody>
+                    <a:bodyPr/>
+                    <a:lstStyle/>
+                    <a:p>
+                      <a:pPr marL="0" marR="0" lvl="0" indent="0" algn="l" defTabSz="575981" rtl="0" eaLnBrk="1" fontAlgn="auto" latinLnBrk="0" hangingPunct="1">
+                        <a:lnSpc>
+                          <a:spcPct val="100000"/>
+                        </a:lnSpc>
+                        <a:spcBef>
+                          <a:spcPts val="0"/>
+                        </a:spcBef>
+                        <a:spcAft>
+                          <a:spcPts val="0"/>
+                        </a:spcAft>
+                        <a:buClrTx/>
+                        <a:buSzTx/>
+                        <a:buFontTx/>
+                        <a:buNone/>
+                        <a:tabLst/>
+                        <a:defRPr/>
+                      </a:pPr>
+                      <a:r>
+                        <a:rPr lang="pt-BR" sz="800" dirty="0">
+                          <a:latin typeface="CMU Sans Serif" panose="02000603000000000000" pitchFamily="2" charset="0"/>
+                          <a:ea typeface="CMU Sans Serif" panose="02000603000000000000" pitchFamily="2" charset="0"/>
+                          <a:cs typeface="CMU Sans Serif" panose="02000603000000000000" pitchFamily="2" charset="0"/>
+                        </a:rPr>
+                        <a:t>0,611                                                                      2,14</a:t>
+                      </a:r>
+                    </a:p>
+                  </a:txBody>
+                  <a:tcPr anchor="ctr">
+                    <a:lnL w="12700" cmpd="sng">
+                      <a:noFill/>
+                    </a:lnL>
+                    <a:lnR w="12700" cmpd="sng">
+                      <a:noFill/>
+                    </a:lnR>
+                    <a:lnT w="12700" cap="flat" cmpd="sng" algn="ctr">
+                      <a:solidFill>
+                        <a:schemeClr val="bg1">
+                          <a:lumMod val="75000"/>
+                        </a:schemeClr>
+                      </a:solidFill>
+                      <a:prstDash val="solid"/>
+                      <a:round/>
+                      <a:headEnd type="none" w="med" len="med"/>
+                      <a:tailEnd type="none" w="med" len="med"/>
+                    </a:lnT>
+                    <a:lnB w="12700" cmpd="sng">
+                      <a:noFill/>
+                    </a:lnB>
+                    <a:lnTlToBr w="12700" cmpd="sng">
+                      <a:noFill/>
+                      <a:prstDash val="solid"/>
+                    </a:lnTlToBr>
+                    <a:lnBlToTr w="12700" cmpd="sng">
+                      <a:noFill/>
+                      <a:prstDash val="solid"/>
+                    </a:lnBlToTr>
+                  </a:tcPr>
+                </a:tc>
+                <a:extLst>
+                  <a:ext uri="{0D108BD9-81ED-4DB2-BD59-A6C34878D82A}">
+                    <a16:rowId xmlns:a16="http://schemas.microsoft.com/office/drawing/2014/main" val="2962924277"/>
+                  </a:ext>
+                </a:extLst>
+              </a:tr>
+              <a:tr h="252000">
+                <a:tc rowSpan="2">
+                  <a:txBody>
+                    <a:bodyPr/>
+                    <a:lstStyle/>
+                    <a:p>
+                      <a:pPr algn="r"/>
+                      <a:r>
+                        <a:rPr lang="en-US" sz="900" noProof="0" dirty="0">
+                          <a:latin typeface="CMU Sans Serif" panose="02000603000000000000" pitchFamily="2" charset="0"/>
+                          <a:ea typeface="CMU Sans Serif" panose="02000603000000000000" pitchFamily="2" charset="0"/>
+                          <a:cs typeface="CMU Sans Serif" panose="02000603000000000000" pitchFamily="2" charset="0"/>
+                        </a:rPr>
+                        <a:t>Market Share Sensitivity to Price</a:t>
+                      </a:r>
+                    </a:p>
+                  </a:txBody>
+                  <a:tcPr anchor="ctr">
+                    <a:lnL w="12700" cmpd="sng">
+                      <a:noFill/>
+                    </a:lnL>
+                    <a:lnR w="12700" cmpd="sng">
+                      <a:noFill/>
+                    </a:lnR>
+                    <a:lnT w="12700" cmpd="sng">
+                      <a:noFill/>
+                    </a:lnT>
+                    <a:lnB w="12700" cmpd="sng">
+                      <a:noFill/>
+                    </a:lnB>
+                    <a:lnTlToBr w="12700" cmpd="sng">
+                      <a:noFill/>
+                      <a:prstDash val="solid"/>
+                    </a:lnTlToBr>
+                    <a:lnBlToTr w="12700" cmpd="sng">
+                      <a:noFill/>
+                      <a:prstDash val="solid"/>
+                    </a:lnBlToTr>
+                  </a:tcPr>
+                </a:tc>
+                <a:tc>
+                  <a:txBody>
+                    <a:bodyPr/>
+                    <a:lstStyle/>
+                    <a:p>
+                      <a:pPr marL="0" marR="0" lvl="0" indent="0" algn="l" defTabSz="575981" rtl="0" eaLnBrk="1" fontAlgn="auto" latinLnBrk="0" hangingPunct="1">
+                        <a:lnSpc>
+                          <a:spcPct val="100000"/>
+                        </a:lnSpc>
+                        <a:spcBef>
+                          <a:spcPts val="0"/>
+                        </a:spcBef>
+                        <a:spcAft>
+                          <a:spcPts val="0"/>
+                        </a:spcAft>
+                        <a:buClrTx/>
+                        <a:buSzTx/>
+                        <a:buFontTx/>
+                        <a:buNone/>
+                        <a:tabLst/>
+                        <a:defRPr/>
+                      </a:pPr>
+                      <a:r>
+                        <a:rPr lang="pt-BR" sz="800" dirty="0">
+                          <a:solidFill>
+                            <a:schemeClr val="bg1">
+                              <a:lumMod val="50000"/>
+                            </a:schemeClr>
+                          </a:solidFill>
+                          <a:latin typeface="CMU Sans Serif" panose="02000603000000000000" pitchFamily="2" charset="0"/>
+                          <a:ea typeface="CMU Sans Serif" panose="02000603000000000000" pitchFamily="2" charset="0"/>
+                          <a:cs typeface="CMU Sans Serif" panose="02000603000000000000" pitchFamily="2" charset="0"/>
+                        </a:rPr>
+                        <a:t>-12                                                                                            -4</a:t>
+                      </a:r>
+                    </a:p>
+                  </a:txBody>
+                  <a:tcPr anchor="b">
+                    <a:lnL w="12700" cmpd="sng">
+                      <a:noFill/>
+                    </a:lnL>
+                    <a:lnR w="12700" cmpd="sng">
+                      <a:noFill/>
+                    </a:lnR>
+                    <a:lnT w="12700" cmpd="sng">
+                      <a:noFill/>
+                    </a:lnT>
+                    <a:lnB w="12700" cap="flat" cmpd="sng" algn="ctr">
+                      <a:solidFill>
+                        <a:schemeClr val="bg1">
+                          <a:lumMod val="75000"/>
+                        </a:schemeClr>
+                      </a:solidFill>
+                      <a:prstDash val="solid"/>
+                      <a:round/>
+                      <a:headEnd type="none" w="med" len="med"/>
+                      <a:tailEnd type="none" w="med" len="med"/>
+                    </a:lnB>
+                    <a:lnTlToBr w="12700" cmpd="sng">
+                      <a:noFill/>
+                      <a:prstDash val="solid"/>
+                    </a:lnTlToBr>
+                    <a:lnBlToTr w="12700" cmpd="sng">
+                      <a:noFill/>
+                      <a:prstDash val="solid"/>
+                    </a:lnBlToTr>
+                  </a:tcPr>
+                </a:tc>
+                <a:extLst>
+                  <a:ext uri="{0D108BD9-81ED-4DB2-BD59-A6C34878D82A}">
+                    <a16:rowId xmlns:a16="http://schemas.microsoft.com/office/drawing/2014/main" val="2429684244"/>
+                  </a:ext>
+                </a:extLst>
+              </a:tr>
+              <a:tr h="252000">
+                <a:tc vMerge="1">
+                  <a:txBody>
+                    <a:bodyPr/>
+                    <a:lstStyle/>
+                    <a:p>
+                      <a:endParaRPr lang="pt-BR"/>
+                    </a:p>
+                  </a:txBody>
+                  <a:tcPr/>
+                </a:tc>
+                <a:tc>
+                  <a:txBody>
+                    <a:bodyPr/>
+                    <a:lstStyle/>
+                    <a:p>
+                      <a:pPr marL="0" marR="0" lvl="0" indent="0" algn="l" defTabSz="575981" rtl="0" eaLnBrk="1" fontAlgn="auto" latinLnBrk="0" hangingPunct="1">
+                        <a:lnSpc>
+                          <a:spcPct val="100000"/>
+                        </a:lnSpc>
+                        <a:spcBef>
+                          <a:spcPts val="0"/>
+                        </a:spcBef>
+                        <a:spcAft>
+                          <a:spcPts val="0"/>
+                        </a:spcAft>
+                        <a:buClrTx/>
+                        <a:buSzTx/>
+                        <a:buFontTx/>
+                        <a:buNone/>
+                        <a:tabLst/>
+                        <a:defRPr/>
+                      </a:pPr>
+                      <a:r>
+                        <a:rPr lang="pt-BR" sz="800" dirty="0">
+                          <a:latin typeface="CMU Sans Serif" panose="02000603000000000000" pitchFamily="2" charset="0"/>
+                          <a:ea typeface="CMU Sans Serif" panose="02000603000000000000" pitchFamily="2" charset="0"/>
+                          <a:cs typeface="CMU Sans Serif" panose="02000603000000000000" pitchFamily="2" charset="0"/>
+                        </a:rPr>
+                        <a:t> -11,3                                                                                     -4,01</a:t>
+                      </a:r>
+                    </a:p>
+                  </a:txBody>
+                  <a:tcPr>
+                    <a:lnL w="12700" cmpd="sng">
+                      <a:noFill/>
+                    </a:lnL>
+                    <a:lnR w="12700" cmpd="sng">
+                      <a:noFill/>
+                    </a:lnR>
+                    <a:lnT w="12700" cap="flat" cmpd="sng" algn="ctr">
+                      <a:solidFill>
+                        <a:schemeClr val="bg1">
+                          <a:lumMod val="75000"/>
+                        </a:schemeClr>
+                      </a:solidFill>
+                      <a:prstDash val="solid"/>
+                      <a:round/>
+                      <a:headEnd type="none" w="med" len="med"/>
+                      <a:tailEnd type="none" w="med" len="med"/>
+                    </a:lnT>
+                    <a:lnB w="12700" cap="flat" cmpd="sng" algn="ctr">
+                      <a:noFill/>
+                      <a:prstDash val="solid"/>
+                      <a:round/>
+                      <a:headEnd type="none" w="med" len="med"/>
+                      <a:tailEnd type="none" w="med" len="med"/>
+                    </a:lnB>
+                    <a:lnTlToBr w="12700" cmpd="sng">
+                      <a:noFill/>
+                      <a:prstDash val="solid"/>
+                    </a:lnTlToBr>
+                    <a:lnBlToTr w="12700" cmpd="sng">
+                      <a:noFill/>
+                      <a:prstDash val="solid"/>
+                    </a:lnBlToTr>
+                  </a:tcPr>
+                </a:tc>
+                <a:extLst>
+                  <a:ext uri="{0D108BD9-81ED-4DB2-BD59-A6C34878D82A}">
+                    <a16:rowId xmlns:a16="http://schemas.microsoft.com/office/drawing/2014/main" val="2989534437"/>
+                  </a:ext>
+                </a:extLst>
+              </a:tr>
+              <a:tr h="256960">
+                <a:tc gridSpan="2">
+                  <a:txBody>
+                    <a:bodyPr/>
+                    <a:lstStyle/>
+                    <a:p>
+                      <a:pPr algn="ctr"/>
+                      <a:r>
+                        <a:rPr lang="en-US" sz="900" noProof="0" dirty="0">
+                          <a:latin typeface="CMU Sans Serif" panose="02000603000000000000" pitchFamily="2" charset="0"/>
+                          <a:ea typeface="CMU Sans Serif" panose="02000603000000000000" pitchFamily="2" charset="0"/>
+                          <a:cs typeface="CMU Sans Serif" panose="02000603000000000000" pitchFamily="2" charset="0"/>
+                        </a:rPr>
+                        <a:t>Coverage: 46%, Density: 82,6%, Mass: 14 %</a:t>
+                      </a:r>
+                    </a:p>
+                  </a:txBody>
+                  <a:tcPr anchor="ctr">
+                    <a:lnL w="12700" cmpd="sng">
+                      <a:noFill/>
+                    </a:lnL>
+                    <a:lnR w="12700" cmpd="sng">
+                      <a:noFill/>
+                    </a:lnR>
+                    <a:lnT w="12700" cmpd="sng">
+                      <a:noFill/>
+                    </a:lnT>
+                    <a:lnB w="12700" cmpd="sng">
+                      <a:noFill/>
+                    </a:lnB>
+                    <a:lnTlToBr w="12700" cmpd="sng">
+                      <a:noFill/>
+                      <a:prstDash val="solid"/>
+                    </a:lnTlToBr>
+                    <a:lnBlToTr w="12700" cmpd="sng">
+                      <a:noFill/>
+                      <a:prstDash val="solid"/>
+                    </a:lnBlToTr>
+                  </a:tcPr>
+                </a:tc>
+                <a:tc hMerge="1">
+                  <a:txBody>
+                    <a:bodyPr/>
+                    <a:lstStyle/>
+                    <a:p>
+                      <a:pPr marL="0" marR="0" lvl="0" indent="0" algn="l" defTabSz="575981" rtl="0" eaLnBrk="1" fontAlgn="auto" latinLnBrk="0" hangingPunct="1">
+                        <a:lnSpc>
+                          <a:spcPct val="100000"/>
+                        </a:lnSpc>
+                        <a:spcBef>
+                          <a:spcPts val="0"/>
+                        </a:spcBef>
+                        <a:spcAft>
+                          <a:spcPts val="0"/>
+                        </a:spcAft>
+                        <a:buClrTx/>
+                        <a:buSzTx/>
+                        <a:buFontTx/>
+                        <a:buNone/>
+                        <a:tabLst/>
+                        <a:defRPr/>
+                      </a:pPr>
+                      <a:endParaRPr lang="pt-BR" sz="1100" dirty="0">
+                        <a:latin typeface="Times New Roman" panose="02020603050405020304" pitchFamily="18" charset="0"/>
+                        <a:cs typeface="Times New Roman" panose="02020603050405020304" pitchFamily="18" charset="0"/>
+                      </a:endParaRPr>
+                    </a:p>
+                  </a:txBody>
+                  <a:tcPr>
+                    <a:lnL w="12700" cmpd="sng">
+                      <a:noFill/>
+                    </a:lnL>
+                    <a:lnR w="12700" cmpd="sng">
+                      <a:noFill/>
+                    </a:lnR>
+                    <a:lnT w="12700" cap="flat" cmpd="sng" algn="ctr">
+                      <a:solidFill>
+                        <a:schemeClr val="bg1">
+                          <a:lumMod val="75000"/>
+                        </a:schemeClr>
+                      </a:solidFill>
+                      <a:prstDash val="solid"/>
+                      <a:round/>
+                      <a:headEnd type="none" w="med" len="med"/>
+                      <a:tailEnd type="none" w="med" len="med"/>
+                    </a:lnT>
+                    <a:lnB w="12700" cmpd="sng">
+                      <a:noFill/>
+                    </a:lnB>
+                    <a:lnTlToBr w="12700" cmpd="sng">
+                      <a:noFill/>
+                      <a:prstDash val="solid"/>
+                    </a:lnTlToBr>
+                    <a:lnBlToTr w="12700" cmpd="sng">
+                      <a:noFill/>
+                      <a:prstDash val="solid"/>
+                    </a:lnBlToTr>
+                  </a:tcPr>
+                </a:tc>
+                <a:extLst>
+                  <a:ext uri="{0D108BD9-81ED-4DB2-BD59-A6C34878D82A}">
+                    <a16:rowId xmlns:a16="http://schemas.microsoft.com/office/drawing/2014/main" val="1770878923"/>
+                  </a:ext>
+                </a:extLst>
+              </a:tr>
+            </a:tbl>
+          </a:graphicData>
+        </a:graphic>
+      </p:graphicFrame>
       <p:cxnSp>
         <p:nvCxnSpPr>
-          <p:cNvPr id="7" name="Conector de Seta Reta 6">
+          <p:cNvPr id="52" name="Conector de Seta Reta 51">
             <a:extLst>
               <a:ext uri="{FF2B5EF4-FFF2-40B4-BE49-F238E27FC236}">
-                <a16:creationId xmlns:a16="http://schemas.microsoft.com/office/drawing/2014/main" id="{FBF95A3F-120C-40F8-A89D-35D3110CE65E}"/>
+                <a16:creationId xmlns:a16="http://schemas.microsoft.com/office/drawing/2014/main" id="{DE520F10-41EA-47EE-891C-6A4AF56A149A}"/>
               </a:ext>
             </a:extLst>
           </p:cNvPr>
@@ -13457,25 +14698,26 @@
           <p:nvPr/>
         </p:nvCxnSpPr>
         <p:spPr>
-          <a:xfrm flipH="1" flipV="1">
-            <a:off x="1223541" y="863997"/>
-            <a:ext cx="216024" cy="288032"/>
+          <a:xfrm>
+            <a:off x="3599805" y="9888278"/>
+            <a:ext cx="1980220" cy="0"/>
           </a:xfrm>
           <a:prstGeom prst="straightConnector1">
             <a:avLst/>
           </a:prstGeom>
           <a:ln>
-            <a:tailEnd type="triangle"/>
-          </a:ln>
-        </p:spPr>
-        <p:style>
-          <a:lnRef idx="1">
+            <a:headEnd type="diamond"/>
+            <a:tailEnd type="diamond"/>
+          </a:ln>
+        </p:spPr>
+        <p:style>
+          <a:lnRef idx="2">
             <a:schemeClr val="dk1"/>
           </a:lnRef>
           <a:fillRef idx="0">
             <a:schemeClr val="dk1"/>
           </a:fillRef>
-          <a:effectRef idx="0">
+          <a:effectRef idx="1">
             <a:schemeClr val="dk1"/>
           </a:effectRef>
           <a:fontRef idx="minor">
@@ -13485,10 +14727,10 @@
       </p:cxnSp>
       <p:cxnSp>
         <p:nvCxnSpPr>
-          <p:cNvPr id="8" name="Conector de Seta Reta 7">
+          <p:cNvPr id="56" name="Conector de Seta Reta 55">
             <a:extLst>
               <a:ext uri="{FF2B5EF4-FFF2-40B4-BE49-F238E27FC236}">
-                <a16:creationId xmlns:a16="http://schemas.microsoft.com/office/drawing/2014/main" id="{4EB2190A-FF43-427E-A178-C6C95EF423C2}"/>
+                <a16:creationId xmlns:a16="http://schemas.microsoft.com/office/drawing/2014/main" id="{CE0CEE9F-2FD9-4F59-9047-5E4EFD3EF5CA}"/>
               </a:ext>
             </a:extLst>
           </p:cNvPr>
@@ -13498,25 +14740,26 @@
           <p:nvPr/>
         </p:nvCxnSpPr>
         <p:spPr>
-          <a:xfrm flipV="1">
-            <a:off x="2627697" y="1152029"/>
-            <a:ext cx="252028" cy="236835"/>
+          <a:xfrm>
+            <a:off x="2231653" y="11328438"/>
+            <a:ext cx="2088232" cy="0"/>
           </a:xfrm>
           <a:prstGeom prst="straightConnector1">
             <a:avLst/>
           </a:prstGeom>
           <a:ln>
-            <a:tailEnd type="triangle"/>
-          </a:ln>
-        </p:spPr>
-        <p:style>
-          <a:lnRef idx="1">
+            <a:headEnd type="diamond"/>
+            <a:tailEnd type="diamond"/>
+          </a:ln>
+        </p:spPr>
+        <p:style>
+          <a:lnRef idx="2">
             <a:schemeClr val="dk1"/>
           </a:lnRef>
           <a:fillRef idx="0">
             <a:schemeClr val="dk1"/>
           </a:fillRef>
-          <a:effectRef idx="0">
+          <a:effectRef idx="1">
             <a:schemeClr val="dk1"/>
           </a:effectRef>
           <a:fontRef idx="minor">
@@ -13526,10 +14769,10 @@
       </p:cxnSp>
       <p:cxnSp>
         <p:nvCxnSpPr>
-          <p:cNvPr id="11" name="Conector de Seta Reta 10">
+          <p:cNvPr id="58" name="Conector de Seta Reta 57">
             <a:extLst>
               <a:ext uri="{FF2B5EF4-FFF2-40B4-BE49-F238E27FC236}">
-                <a16:creationId xmlns:a16="http://schemas.microsoft.com/office/drawing/2014/main" id="{C26D262C-C104-4CB7-A01A-C24424F56AE7}"/>
+                <a16:creationId xmlns:a16="http://schemas.microsoft.com/office/drawing/2014/main" id="{EAE368E8-0AD5-471C-9384-62CBB80E02A7}"/>
               </a:ext>
             </a:extLst>
           </p:cNvPr>
@@ -13539,25 +14782,26 @@
           <p:nvPr/>
         </p:nvCxnSpPr>
         <p:spPr>
-          <a:xfrm flipV="1">
-            <a:off x="5111973" y="627162"/>
-            <a:ext cx="252028" cy="236835"/>
+          <a:xfrm>
+            <a:off x="2447677" y="12696590"/>
+            <a:ext cx="2448272" cy="0"/>
           </a:xfrm>
           <a:prstGeom prst="straightConnector1">
             <a:avLst/>
           </a:prstGeom>
           <a:ln>
-            <a:tailEnd type="triangle"/>
-          </a:ln>
-        </p:spPr>
-        <p:style>
-          <a:lnRef idx="1">
+            <a:headEnd type="diamond"/>
+            <a:tailEnd type="diamond"/>
+          </a:ln>
+        </p:spPr>
+        <p:style>
+          <a:lnRef idx="2">
             <a:schemeClr val="dk1"/>
           </a:lnRef>
           <a:fillRef idx="0">
             <a:schemeClr val="dk1"/>
           </a:fillRef>
-          <a:effectRef idx="0">
+          <a:effectRef idx="1">
             <a:schemeClr val="dk1"/>
           </a:effectRef>
           <a:fontRef idx="minor">
@@ -13567,10 +14811,10 @@
       </p:cxnSp>
       <p:cxnSp>
         <p:nvCxnSpPr>
-          <p:cNvPr id="12" name="Conector de Seta Reta 11">
+          <p:cNvPr id="62" name="Conector de Seta Reta 61">
             <a:extLst>
               <a:ext uri="{FF2B5EF4-FFF2-40B4-BE49-F238E27FC236}">
-                <a16:creationId xmlns:a16="http://schemas.microsoft.com/office/drawing/2014/main" id="{065E8F15-D796-4DB6-B001-3F66CEFC9343}"/>
+                <a16:creationId xmlns:a16="http://schemas.microsoft.com/office/drawing/2014/main" id="{9A60B805-DFF4-48E2-908D-27869C04882F}"/>
               </a:ext>
             </a:extLst>
           </p:cNvPr>
@@ -13581,24 +14825,277 @@
         </p:nvCxnSpPr>
         <p:spPr>
           <a:xfrm>
-            <a:off x="3023741" y="2808213"/>
-            <a:ext cx="144016" cy="432048"/>
+            <a:off x="2231653" y="14064742"/>
+            <a:ext cx="2671261" cy="0"/>
           </a:xfrm>
           <a:prstGeom prst="straightConnector1">
             <a:avLst/>
           </a:prstGeom>
           <a:ln>
-            <a:tailEnd type="triangle"/>
-          </a:ln>
-        </p:spPr>
-        <p:style>
-          <a:lnRef idx="1">
+            <a:headEnd type="diamond"/>
+            <a:tailEnd type="diamond"/>
+          </a:ln>
+        </p:spPr>
+        <p:style>
+          <a:lnRef idx="2">
             <a:schemeClr val="dk1"/>
           </a:lnRef>
           <a:fillRef idx="0">
             <a:schemeClr val="dk1"/>
           </a:fillRef>
-          <a:effectRef idx="0">
+          <a:effectRef idx="1">
+            <a:schemeClr val="dk1"/>
+          </a:effectRef>
+          <a:fontRef idx="minor">
+            <a:schemeClr val="tx1"/>
+          </a:fontRef>
+        </p:style>
+      </p:cxnSp>
+      <p:cxnSp>
+        <p:nvCxnSpPr>
+          <p:cNvPr id="64" name="Conector de Seta Reta 63">
+            <a:extLst>
+              <a:ext uri="{FF2B5EF4-FFF2-40B4-BE49-F238E27FC236}">
+                <a16:creationId xmlns:a16="http://schemas.microsoft.com/office/drawing/2014/main" id="{7DB07C9B-D6FD-414A-826B-57A76FBD48E4}"/>
+              </a:ext>
+            </a:extLst>
+          </p:cNvPr>
+          <p:cNvCxnSpPr>
+            <a:cxnSpLocks/>
+          </p:cNvCxnSpPr>
+          <p:nvPr/>
+        </p:nvCxnSpPr>
+        <p:spPr>
+          <a:xfrm>
+            <a:off x="2336182" y="15504902"/>
+            <a:ext cx="3207839" cy="0"/>
+          </a:xfrm>
+          <a:prstGeom prst="straightConnector1">
+            <a:avLst/>
+          </a:prstGeom>
+          <a:ln>
+            <a:headEnd type="diamond"/>
+            <a:tailEnd type="diamond"/>
+          </a:ln>
+        </p:spPr>
+        <p:style>
+          <a:lnRef idx="2">
+            <a:schemeClr val="dk1"/>
+          </a:lnRef>
+          <a:fillRef idx="0">
+            <a:schemeClr val="dk1"/>
+          </a:fillRef>
+          <a:effectRef idx="1">
+            <a:schemeClr val="dk1"/>
+          </a:effectRef>
+          <a:fontRef idx="minor">
+            <a:schemeClr val="tx1"/>
+          </a:fontRef>
+        </p:style>
+      </p:cxnSp>
+      <p:cxnSp>
+        <p:nvCxnSpPr>
+          <p:cNvPr id="67" name="Conector de Seta Reta 66">
+            <a:extLst>
+              <a:ext uri="{FF2B5EF4-FFF2-40B4-BE49-F238E27FC236}">
+                <a16:creationId xmlns:a16="http://schemas.microsoft.com/office/drawing/2014/main" id="{31EB044F-5A00-41F6-B5E4-A6027C6412D6}"/>
+              </a:ext>
+            </a:extLst>
+          </p:cNvPr>
+          <p:cNvCxnSpPr>
+            <a:cxnSpLocks/>
+          </p:cNvCxnSpPr>
+          <p:nvPr/>
+        </p:nvCxnSpPr>
+        <p:spPr>
+          <a:xfrm>
+            <a:off x="3549712" y="1728093"/>
+            <a:ext cx="1980220" cy="0"/>
+          </a:xfrm>
+          <a:prstGeom prst="straightConnector1">
+            <a:avLst/>
+          </a:prstGeom>
+          <a:ln>
+            <a:headEnd type="diamond"/>
+            <a:tailEnd type="diamond"/>
+          </a:ln>
+        </p:spPr>
+        <p:style>
+          <a:lnRef idx="2">
+            <a:schemeClr val="dk1"/>
+          </a:lnRef>
+          <a:fillRef idx="0">
+            <a:schemeClr val="dk1"/>
+          </a:fillRef>
+          <a:effectRef idx="1">
+            <a:schemeClr val="dk1"/>
+          </a:effectRef>
+          <a:fontRef idx="minor">
+            <a:schemeClr val="tx1"/>
+          </a:fontRef>
+        </p:style>
+      </p:cxnSp>
+      <p:cxnSp>
+        <p:nvCxnSpPr>
+          <p:cNvPr id="68" name="Conector de Seta Reta 67">
+            <a:extLst>
+              <a:ext uri="{FF2B5EF4-FFF2-40B4-BE49-F238E27FC236}">
+                <a16:creationId xmlns:a16="http://schemas.microsoft.com/office/drawing/2014/main" id="{D29EA2C6-4082-4DB1-B972-80196CBBF48D}"/>
+              </a:ext>
+            </a:extLst>
+          </p:cNvPr>
+          <p:cNvCxnSpPr>
+            <a:cxnSpLocks/>
+          </p:cNvCxnSpPr>
+          <p:nvPr/>
+        </p:nvCxnSpPr>
+        <p:spPr>
+          <a:xfrm>
+            <a:off x="2181560" y="2251201"/>
+            <a:ext cx="2088232" cy="0"/>
+          </a:xfrm>
+          <a:prstGeom prst="straightConnector1">
+            <a:avLst/>
+          </a:prstGeom>
+          <a:ln>
+            <a:headEnd type="diamond"/>
+            <a:tailEnd type="diamond"/>
+          </a:ln>
+        </p:spPr>
+        <p:style>
+          <a:lnRef idx="2">
+            <a:schemeClr val="dk1"/>
+          </a:lnRef>
+          <a:fillRef idx="0">
+            <a:schemeClr val="dk1"/>
+          </a:fillRef>
+          <a:effectRef idx="1">
+            <a:schemeClr val="dk1"/>
+          </a:effectRef>
+          <a:fontRef idx="minor">
+            <a:schemeClr val="tx1"/>
+          </a:fontRef>
+        </p:style>
+      </p:cxnSp>
+      <p:cxnSp>
+        <p:nvCxnSpPr>
+          <p:cNvPr id="69" name="Conector de Seta Reta 68">
+            <a:extLst>
+              <a:ext uri="{FF2B5EF4-FFF2-40B4-BE49-F238E27FC236}">
+                <a16:creationId xmlns:a16="http://schemas.microsoft.com/office/drawing/2014/main" id="{8ED44656-6A5A-4CC7-AD6B-D0AD44277034}"/>
+              </a:ext>
+            </a:extLst>
+          </p:cNvPr>
+          <p:cNvCxnSpPr>
+            <a:cxnSpLocks/>
+          </p:cNvCxnSpPr>
+          <p:nvPr/>
+        </p:nvCxnSpPr>
+        <p:spPr>
+          <a:xfrm>
+            <a:off x="2397584" y="2752872"/>
+            <a:ext cx="2448272" cy="0"/>
+          </a:xfrm>
+          <a:prstGeom prst="straightConnector1">
+            <a:avLst/>
+          </a:prstGeom>
+          <a:ln>
+            <a:headEnd type="diamond"/>
+            <a:tailEnd type="diamond"/>
+          </a:ln>
+        </p:spPr>
+        <p:style>
+          <a:lnRef idx="2">
+            <a:schemeClr val="dk1"/>
+          </a:lnRef>
+          <a:fillRef idx="0">
+            <a:schemeClr val="dk1"/>
+          </a:fillRef>
+          <a:effectRef idx="1">
+            <a:schemeClr val="dk1"/>
+          </a:effectRef>
+          <a:fontRef idx="minor">
+            <a:schemeClr val="tx1"/>
+          </a:fontRef>
+        </p:style>
+      </p:cxnSp>
+      <p:cxnSp>
+        <p:nvCxnSpPr>
+          <p:cNvPr id="70" name="Conector de Seta Reta 69">
+            <a:extLst>
+              <a:ext uri="{FF2B5EF4-FFF2-40B4-BE49-F238E27FC236}">
+                <a16:creationId xmlns:a16="http://schemas.microsoft.com/office/drawing/2014/main" id="{52BC800E-4E51-4F64-8BC5-2A23D531A3C3}"/>
+              </a:ext>
+            </a:extLst>
+          </p:cNvPr>
+          <p:cNvCxnSpPr>
+            <a:cxnSpLocks/>
+          </p:cNvCxnSpPr>
+          <p:nvPr/>
+        </p:nvCxnSpPr>
+        <p:spPr>
+          <a:xfrm>
+            <a:off x="2181560" y="3252737"/>
+            <a:ext cx="2671261" cy="0"/>
+          </a:xfrm>
+          <a:prstGeom prst="straightConnector1">
+            <a:avLst/>
+          </a:prstGeom>
+          <a:ln>
+            <a:headEnd type="diamond"/>
+            <a:tailEnd type="diamond"/>
+          </a:ln>
+        </p:spPr>
+        <p:style>
+          <a:lnRef idx="2">
+            <a:schemeClr val="dk1"/>
+          </a:lnRef>
+          <a:fillRef idx="0">
+            <a:schemeClr val="dk1"/>
+          </a:fillRef>
+          <a:effectRef idx="1">
+            <a:schemeClr val="dk1"/>
+          </a:effectRef>
+          <a:fontRef idx="minor">
+            <a:schemeClr val="tx1"/>
+          </a:fontRef>
+        </p:style>
+      </p:cxnSp>
+      <p:cxnSp>
+        <p:nvCxnSpPr>
+          <p:cNvPr id="71" name="Conector de Seta Reta 70">
+            <a:extLst>
+              <a:ext uri="{FF2B5EF4-FFF2-40B4-BE49-F238E27FC236}">
+                <a16:creationId xmlns:a16="http://schemas.microsoft.com/office/drawing/2014/main" id="{1D90E5D2-087A-4E0B-9283-AE7ABF5DA837}"/>
+              </a:ext>
+            </a:extLst>
+          </p:cNvPr>
+          <p:cNvCxnSpPr>
+            <a:cxnSpLocks/>
+          </p:cNvCxnSpPr>
+          <p:nvPr/>
+        </p:nvCxnSpPr>
+        <p:spPr>
+          <a:xfrm>
+            <a:off x="2286089" y="3758974"/>
+            <a:ext cx="3207839" cy="0"/>
+          </a:xfrm>
+          <a:prstGeom prst="straightConnector1">
+            <a:avLst/>
+          </a:prstGeom>
+          <a:ln>
+            <a:headEnd type="diamond"/>
+            <a:tailEnd type="diamond"/>
+          </a:ln>
+        </p:spPr>
+        <p:style>
+          <a:lnRef idx="2">
+            <a:schemeClr val="dk1"/>
+          </a:lnRef>
+          <a:fillRef idx="0">
+            <a:schemeClr val="dk1"/>
+          </a:fillRef>
+          <a:effectRef idx="1">
             <a:schemeClr val="dk1"/>
           </a:effectRef>
           <a:fontRef idx="minor">
@@ -13609,7 +15106,7 @@
     </p:spTree>
     <p:extLst>
       <p:ext uri="{BB962C8B-B14F-4D97-AF65-F5344CB8AC3E}">
-        <p14:creationId xmlns:p14="http://schemas.microsoft.com/office/powerpoint/2010/main" val="777005738"/>
+        <p14:creationId xmlns:p14="http://schemas.microsoft.com/office/powerpoint/2010/main" val="433178934"/>
       </p:ext>
     </p:extLst>
   </p:cSld>
@@ -13638,10 +15135,10 @@
       </p:grpSpPr>
       <p:pic>
         <p:nvPicPr>
-          <p:cNvPr id="5" name="Imagem 4">
+          <p:cNvPr id="4" name="Imagem 3">
             <a:extLst>
               <a:ext uri="{FF2B5EF4-FFF2-40B4-BE49-F238E27FC236}">
-                <a16:creationId xmlns:a16="http://schemas.microsoft.com/office/drawing/2014/main" id="{6F0AB9C0-C995-499F-A402-5D2B3512097D}"/>
+                <a16:creationId xmlns:a16="http://schemas.microsoft.com/office/drawing/2014/main" id="{9CB8AA96-C351-495C-8E1B-10D1C952BA04}"/>
               </a:ext>
             </a:extLst>
           </p:cNvPr>
@@ -13664,8 +15161,8 @@
         </p:blipFill>
         <p:spPr>
           <a:xfrm>
-            <a:off x="0" y="2674824"/>
-            <a:ext cx="5759450" cy="3291114"/>
+            <a:off x="0" y="794"/>
+            <a:ext cx="5759450" cy="8639175"/>
           </a:xfrm>
           <a:prstGeom prst="rect">
             <a:avLst/>
@@ -13677,17 +15174,19 @@
           <p:cNvPr id="7" name="Conector de Seta Reta 6">
             <a:extLst>
               <a:ext uri="{FF2B5EF4-FFF2-40B4-BE49-F238E27FC236}">
-                <a16:creationId xmlns:a16="http://schemas.microsoft.com/office/drawing/2014/main" id="{F8DDB97A-8827-4313-A11A-822FEB0A3AB5}"/>
+                <a16:creationId xmlns:a16="http://schemas.microsoft.com/office/drawing/2014/main" id="{FBF95A3F-120C-40F8-A89D-35D3110CE65E}"/>
               </a:ext>
             </a:extLst>
           </p:cNvPr>
-          <p:cNvCxnSpPr/>
+          <p:cNvCxnSpPr>
+            <a:cxnSpLocks/>
+          </p:cNvCxnSpPr>
           <p:nvPr/>
         </p:nvCxnSpPr>
         <p:spPr>
-          <a:xfrm>
-            <a:off x="1007517" y="4320381"/>
-            <a:ext cx="360040" cy="216024"/>
+          <a:xfrm flipH="1" flipV="1">
+            <a:off x="1223541" y="863997"/>
+            <a:ext cx="216024" cy="288032"/>
           </a:xfrm>
           <a:prstGeom prst="straightConnector1">
             <a:avLst/>
@@ -13716,7 +15215,7 @@
           <p:cNvPr id="8" name="Conector de Seta Reta 7">
             <a:extLst>
               <a:ext uri="{FF2B5EF4-FFF2-40B4-BE49-F238E27FC236}">
-                <a16:creationId xmlns:a16="http://schemas.microsoft.com/office/drawing/2014/main" id="{FB9242C6-16AE-479A-AA46-DCEBF82D27EF}"/>
+                <a16:creationId xmlns:a16="http://schemas.microsoft.com/office/drawing/2014/main" id="{4EB2190A-FF43-427E-A178-C6C95EF423C2}"/>
               </a:ext>
             </a:extLst>
           </p:cNvPr>
@@ -13726,9 +15225,9 @@
           <p:nvPr/>
         </p:nvCxnSpPr>
         <p:spPr>
-          <a:xfrm>
-            <a:off x="1655589" y="3587446"/>
-            <a:ext cx="288032" cy="476845"/>
+          <a:xfrm flipV="1">
+            <a:off x="2627697" y="1152029"/>
+            <a:ext cx="252028" cy="236835"/>
           </a:xfrm>
           <a:prstGeom prst="straightConnector1">
             <a:avLst/>
@@ -13754,10 +15253,10 @@
       </p:cxnSp>
       <p:cxnSp>
         <p:nvCxnSpPr>
-          <p:cNvPr id="10" name="Conector de Seta Reta 9">
+          <p:cNvPr id="11" name="Conector de Seta Reta 10">
             <a:extLst>
               <a:ext uri="{FF2B5EF4-FFF2-40B4-BE49-F238E27FC236}">
-                <a16:creationId xmlns:a16="http://schemas.microsoft.com/office/drawing/2014/main" id="{AB03A635-9287-4630-B35A-F27C77A4E42B}"/>
+                <a16:creationId xmlns:a16="http://schemas.microsoft.com/office/drawing/2014/main" id="{C26D262C-C104-4CB7-A01A-C24424F56AE7}"/>
               </a:ext>
             </a:extLst>
           </p:cNvPr>
@@ -13767,9 +15266,9 @@
           <p:nvPr/>
         </p:nvCxnSpPr>
         <p:spPr>
-          <a:xfrm>
-            <a:off x="2591693" y="3384277"/>
-            <a:ext cx="0" cy="594509"/>
+          <a:xfrm flipV="1">
+            <a:off x="5111973" y="627162"/>
+            <a:ext cx="252028" cy="236835"/>
           </a:xfrm>
           <a:prstGeom prst="straightConnector1">
             <a:avLst/>
@@ -13798,46 +15297,7 @@
           <p:cNvPr id="12" name="Conector de Seta Reta 11">
             <a:extLst>
               <a:ext uri="{FF2B5EF4-FFF2-40B4-BE49-F238E27FC236}">
-                <a16:creationId xmlns:a16="http://schemas.microsoft.com/office/drawing/2014/main" id="{F8CAE63B-53A9-431C-B126-937B3C30B52C}"/>
-              </a:ext>
-            </a:extLst>
-          </p:cNvPr>
-          <p:cNvCxnSpPr/>
-          <p:nvPr/>
-        </p:nvCxnSpPr>
-        <p:spPr>
-          <a:xfrm>
-            <a:off x="3743821" y="4320381"/>
-            <a:ext cx="360040" cy="216024"/>
-          </a:xfrm>
-          <a:prstGeom prst="straightConnector1">
-            <a:avLst/>
-          </a:prstGeom>
-          <a:ln>
-            <a:tailEnd type="triangle"/>
-          </a:ln>
-        </p:spPr>
-        <p:style>
-          <a:lnRef idx="1">
-            <a:schemeClr val="dk1"/>
-          </a:lnRef>
-          <a:fillRef idx="0">
-            <a:schemeClr val="dk1"/>
-          </a:fillRef>
-          <a:effectRef idx="0">
-            <a:schemeClr val="dk1"/>
-          </a:effectRef>
-          <a:fontRef idx="minor">
-            <a:schemeClr val="tx1"/>
-          </a:fontRef>
-        </p:style>
-      </p:cxnSp>
-      <p:cxnSp>
-        <p:nvCxnSpPr>
-          <p:cNvPr id="13" name="Conector de Seta Reta 12">
-            <a:extLst>
-              <a:ext uri="{FF2B5EF4-FFF2-40B4-BE49-F238E27FC236}">
-                <a16:creationId xmlns:a16="http://schemas.microsoft.com/office/drawing/2014/main" id="{64DE6B18-1B7E-4908-AEF1-9E03D8686711}"/>
+                <a16:creationId xmlns:a16="http://schemas.microsoft.com/office/drawing/2014/main" id="{065E8F15-D796-4DB6-B001-3F66CEFC9343}"/>
               </a:ext>
             </a:extLst>
           </p:cNvPr>
@@ -13848,49 +15308,8 @@
         </p:nvCxnSpPr>
         <p:spPr>
           <a:xfrm>
-            <a:off x="4109427" y="3447137"/>
-            <a:ext cx="288032" cy="476845"/>
-          </a:xfrm>
-          <a:prstGeom prst="straightConnector1">
-            <a:avLst/>
-          </a:prstGeom>
-          <a:ln>
-            <a:tailEnd type="triangle"/>
-          </a:ln>
-        </p:spPr>
-        <p:style>
-          <a:lnRef idx="1">
-            <a:schemeClr val="dk1"/>
-          </a:lnRef>
-          <a:fillRef idx="0">
-            <a:schemeClr val="dk1"/>
-          </a:fillRef>
-          <a:effectRef idx="0">
-            <a:schemeClr val="dk1"/>
-          </a:effectRef>
-          <a:fontRef idx="minor">
-            <a:schemeClr val="tx1"/>
-          </a:fontRef>
-        </p:style>
-      </p:cxnSp>
-      <p:cxnSp>
-        <p:nvCxnSpPr>
-          <p:cNvPr id="14" name="Conector de Seta Reta 13">
-            <a:extLst>
-              <a:ext uri="{FF2B5EF4-FFF2-40B4-BE49-F238E27FC236}">
-                <a16:creationId xmlns:a16="http://schemas.microsoft.com/office/drawing/2014/main" id="{F01B8380-5081-46A9-9096-839605FE8AA7}"/>
-              </a:ext>
-            </a:extLst>
-          </p:cNvPr>
-          <p:cNvCxnSpPr>
-            <a:cxnSpLocks/>
-          </p:cNvCxnSpPr>
-          <p:nvPr/>
-        </p:nvCxnSpPr>
-        <p:spPr>
-          <a:xfrm>
-            <a:off x="5400005" y="3329473"/>
-            <a:ext cx="0" cy="594509"/>
+            <a:off x="3023741" y="2808213"/>
+            <a:ext cx="144016" cy="432048"/>
           </a:xfrm>
           <a:prstGeom prst="straightConnector1">
             <a:avLst/>
@@ -13917,7 +15336,7 @@
     </p:spTree>
     <p:extLst>
       <p:ext uri="{BB962C8B-B14F-4D97-AF65-F5344CB8AC3E}">
-        <p14:creationId xmlns:p14="http://schemas.microsoft.com/office/powerpoint/2010/main" val="1232225254"/>
+        <p14:creationId xmlns:p14="http://schemas.microsoft.com/office/powerpoint/2010/main" val="777005738"/>
       </p:ext>
     </p:extLst>
   </p:cSld>
@@ -13946,10 +15365,10 @@
       </p:grpSpPr>
       <p:pic>
         <p:nvPicPr>
-          <p:cNvPr id="3" name="Imagem 2">
+          <p:cNvPr id="5" name="Imagem 4">
             <a:extLst>
               <a:ext uri="{FF2B5EF4-FFF2-40B4-BE49-F238E27FC236}">
-                <a16:creationId xmlns:a16="http://schemas.microsoft.com/office/drawing/2014/main" id="{11434424-5AF6-4712-A111-15F0A46C7016}"/>
+                <a16:creationId xmlns:a16="http://schemas.microsoft.com/office/drawing/2014/main" id="{6F0AB9C0-C995-499F-A402-5D2B3512097D}"/>
               </a:ext>
             </a:extLst>
           </p:cNvPr>
@@ -13982,10 +15401,49 @@
       </p:pic>
       <p:cxnSp>
         <p:nvCxnSpPr>
-          <p:cNvPr id="6" name="Conector reto 5">
+          <p:cNvPr id="7" name="Conector de Seta Reta 6">
             <a:extLst>
               <a:ext uri="{FF2B5EF4-FFF2-40B4-BE49-F238E27FC236}">
-                <a16:creationId xmlns:a16="http://schemas.microsoft.com/office/drawing/2014/main" id="{3D7DD0F4-AA0C-471A-A0F9-6A31FDD9C21E}"/>
+                <a16:creationId xmlns:a16="http://schemas.microsoft.com/office/drawing/2014/main" id="{F8DDB97A-8827-4313-A11A-822FEB0A3AB5}"/>
+              </a:ext>
+            </a:extLst>
+          </p:cNvPr>
+          <p:cNvCxnSpPr/>
+          <p:nvPr/>
+        </p:nvCxnSpPr>
+        <p:spPr>
+          <a:xfrm>
+            <a:off x="1007517" y="4320381"/>
+            <a:ext cx="360040" cy="216024"/>
+          </a:xfrm>
+          <a:prstGeom prst="straightConnector1">
+            <a:avLst/>
+          </a:prstGeom>
+          <a:ln>
+            <a:tailEnd type="triangle"/>
+          </a:ln>
+        </p:spPr>
+        <p:style>
+          <a:lnRef idx="1">
+            <a:schemeClr val="dk1"/>
+          </a:lnRef>
+          <a:fillRef idx="0">
+            <a:schemeClr val="dk1"/>
+          </a:fillRef>
+          <a:effectRef idx="0">
+            <a:schemeClr val="dk1"/>
+          </a:effectRef>
+          <a:fontRef idx="minor">
+            <a:schemeClr val="tx1"/>
+          </a:fontRef>
+        </p:style>
+      </p:cxnSp>
+      <p:cxnSp>
+        <p:nvCxnSpPr>
+          <p:cNvPr id="8" name="Conector de Seta Reta 7">
+            <a:extLst>
+              <a:ext uri="{FF2B5EF4-FFF2-40B4-BE49-F238E27FC236}">
+                <a16:creationId xmlns:a16="http://schemas.microsoft.com/office/drawing/2014/main" id="{FB9242C6-16AE-479A-AA46-DCEBF82D27EF}"/>
               </a:ext>
             </a:extLst>
           </p:cNvPr>
@@ -13995,20 +15453,15 @@
           <p:nvPr/>
         </p:nvCxnSpPr>
         <p:spPr>
-          <a:xfrm flipV="1">
-            <a:off x="1909713" y="2736205"/>
-            <a:ext cx="0" cy="2880320"/>
-          </a:xfrm>
-          <a:prstGeom prst="line">
+          <a:xfrm>
+            <a:off x="1655589" y="3587446"/>
+            <a:ext cx="288032" cy="476845"/>
+          </a:xfrm>
+          <a:prstGeom prst="straightConnector1">
             <a:avLst/>
           </a:prstGeom>
           <a:ln>
-            <a:solidFill>
-              <a:schemeClr val="tx1">
-                <a:lumMod val="50000"/>
-                <a:lumOff val="50000"/>
-              </a:schemeClr>
-            </a:solidFill>
+            <a:tailEnd type="triangle"/>
           </a:ln>
         </p:spPr>
         <p:style>
@@ -14028,10 +15481,10 @@
       </p:cxnSp>
       <p:cxnSp>
         <p:nvCxnSpPr>
-          <p:cNvPr id="15" name="Conector reto 14">
+          <p:cNvPr id="10" name="Conector de Seta Reta 9">
             <a:extLst>
               <a:ext uri="{FF2B5EF4-FFF2-40B4-BE49-F238E27FC236}">
-                <a16:creationId xmlns:a16="http://schemas.microsoft.com/office/drawing/2014/main" id="{680A8571-EE38-44FC-9B2C-15A529D13A91}"/>
+                <a16:creationId xmlns:a16="http://schemas.microsoft.com/office/drawing/2014/main" id="{AB03A635-9287-4630-B35A-F27C77A4E42B}"/>
               </a:ext>
             </a:extLst>
           </p:cNvPr>
@@ -14041,20 +15494,15 @@
           <p:nvPr/>
         </p:nvCxnSpPr>
         <p:spPr>
-          <a:xfrm flipV="1">
-            <a:off x="2692276" y="2736205"/>
-            <a:ext cx="0" cy="2880320"/>
-          </a:xfrm>
-          <a:prstGeom prst="line">
+          <a:xfrm>
+            <a:off x="2591693" y="3384277"/>
+            <a:ext cx="0" cy="594509"/>
+          </a:xfrm>
+          <a:prstGeom prst="straightConnector1">
             <a:avLst/>
           </a:prstGeom>
           <a:ln>
-            <a:solidFill>
-              <a:schemeClr val="tx1">
-                <a:lumMod val="50000"/>
-                <a:lumOff val="50000"/>
-              </a:schemeClr>
-            </a:solidFill>
+            <a:tailEnd type="triangle"/>
           </a:ln>
         </p:spPr>
         <p:style>
@@ -14072,12 +15520,482 @@
           </a:fontRef>
         </p:style>
       </p:cxnSp>
+      <p:cxnSp>
+        <p:nvCxnSpPr>
+          <p:cNvPr id="12" name="Conector de Seta Reta 11">
+            <a:extLst>
+              <a:ext uri="{FF2B5EF4-FFF2-40B4-BE49-F238E27FC236}">
+                <a16:creationId xmlns:a16="http://schemas.microsoft.com/office/drawing/2014/main" id="{F8CAE63B-53A9-431C-B126-937B3C30B52C}"/>
+              </a:ext>
+            </a:extLst>
+          </p:cNvPr>
+          <p:cNvCxnSpPr/>
+          <p:nvPr/>
+        </p:nvCxnSpPr>
+        <p:spPr>
+          <a:xfrm>
+            <a:off x="3743821" y="4320381"/>
+            <a:ext cx="360040" cy="216024"/>
+          </a:xfrm>
+          <a:prstGeom prst="straightConnector1">
+            <a:avLst/>
+          </a:prstGeom>
+          <a:ln>
+            <a:tailEnd type="triangle"/>
+          </a:ln>
+        </p:spPr>
+        <p:style>
+          <a:lnRef idx="1">
+            <a:schemeClr val="dk1"/>
+          </a:lnRef>
+          <a:fillRef idx="0">
+            <a:schemeClr val="dk1"/>
+          </a:fillRef>
+          <a:effectRef idx="0">
+            <a:schemeClr val="dk1"/>
+          </a:effectRef>
+          <a:fontRef idx="minor">
+            <a:schemeClr val="tx1"/>
+          </a:fontRef>
+        </p:style>
+      </p:cxnSp>
+      <p:cxnSp>
+        <p:nvCxnSpPr>
+          <p:cNvPr id="13" name="Conector de Seta Reta 12">
+            <a:extLst>
+              <a:ext uri="{FF2B5EF4-FFF2-40B4-BE49-F238E27FC236}">
+                <a16:creationId xmlns:a16="http://schemas.microsoft.com/office/drawing/2014/main" id="{64DE6B18-1B7E-4908-AEF1-9E03D8686711}"/>
+              </a:ext>
+            </a:extLst>
+          </p:cNvPr>
+          <p:cNvCxnSpPr>
+            <a:cxnSpLocks/>
+          </p:cNvCxnSpPr>
+          <p:nvPr/>
+        </p:nvCxnSpPr>
+        <p:spPr>
+          <a:xfrm>
+            <a:off x="4109427" y="3447137"/>
+            <a:ext cx="288032" cy="476845"/>
+          </a:xfrm>
+          <a:prstGeom prst="straightConnector1">
+            <a:avLst/>
+          </a:prstGeom>
+          <a:ln>
+            <a:tailEnd type="triangle"/>
+          </a:ln>
+        </p:spPr>
+        <p:style>
+          <a:lnRef idx="1">
+            <a:schemeClr val="dk1"/>
+          </a:lnRef>
+          <a:fillRef idx="0">
+            <a:schemeClr val="dk1"/>
+          </a:fillRef>
+          <a:effectRef idx="0">
+            <a:schemeClr val="dk1"/>
+          </a:effectRef>
+          <a:fontRef idx="minor">
+            <a:schemeClr val="tx1"/>
+          </a:fontRef>
+        </p:style>
+      </p:cxnSp>
+      <p:cxnSp>
+        <p:nvCxnSpPr>
+          <p:cNvPr id="14" name="Conector de Seta Reta 13">
+            <a:extLst>
+              <a:ext uri="{FF2B5EF4-FFF2-40B4-BE49-F238E27FC236}">
+                <a16:creationId xmlns:a16="http://schemas.microsoft.com/office/drawing/2014/main" id="{F01B8380-5081-46A9-9096-839605FE8AA7}"/>
+              </a:ext>
+            </a:extLst>
+          </p:cNvPr>
+          <p:cNvCxnSpPr>
+            <a:cxnSpLocks/>
+          </p:cNvCxnSpPr>
+          <p:nvPr/>
+        </p:nvCxnSpPr>
+        <p:spPr>
+          <a:xfrm>
+            <a:off x="5400005" y="3329473"/>
+            <a:ext cx="0" cy="594509"/>
+          </a:xfrm>
+          <a:prstGeom prst="straightConnector1">
+            <a:avLst/>
+          </a:prstGeom>
+          <a:ln>
+            <a:tailEnd type="triangle"/>
+          </a:ln>
+        </p:spPr>
+        <p:style>
+          <a:lnRef idx="1">
+            <a:schemeClr val="dk1"/>
+          </a:lnRef>
+          <a:fillRef idx="0">
+            <a:schemeClr val="dk1"/>
+          </a:fillRef>
+          <a:effectRef idx="0">
+            <a:schemeClr val="dk1"/>
+          </a:effectRef>
+          <a:fontRef idx="minor">
+            <a:schemeClr val="tx1"/>
+          </a:fontRef>
+        </p:style>
+      </p:cxnSp>
+    </p:spTree>
+    <p:extLst>
+      <p:ext uri="{BB962C8B-B14F-4D97-AF65-F5344CB8AC3E}">
+        <p14:creationId xmlns:p14="http://schemas.microsoft.com/office/powerpoint/2010/main" val="1232225254"/>
+      </p:ext>
+    </p:extLst>
+  </p:cSld>
+  <p:clrMapOvr>
+    <a:masterClrMapping/>
+  </p:clrMapOvr>
+</p:sld>
+</file>
+
+<file path=ppt/slides/slide18.xml><?xml version="1.0" encoding="utf-8"?>
+<p:sld xmlns:a="http://schemas.openxmlformats.org/drawingml/2006/main" xmlns:r="http://schemas.openxmlformats.org/officeDocument/2006/relationships" xmlns:p="http://schemas.openxmlformats.org/presentationml/2006/main">
+  <p:cSld>
+    <p:spTree>
+      <p:nvGrpSpPr>
+        <p:cNvPr id="1" name=""/>
+        <p:cNvGrpSpPr/>
+        <p:nvPr/>
+      </p:nvGrpSpPr>
+      <p:grpSpPr>
+        <a:xfrm>
+          <a:off x="0" y="0"/>
+          <a:ext cx="0" cy="0"/>
+          <a:chOff x="0" y="0"/>
+          <a:chExt cx="0" cy="0"/>
+        </a:xfrm>
+      </p:grpSpPr>
+      <p:pic>
+        <p:nvPicPr>
+          <p:cNvPr id="5" name="Imagem 4">
+            <a:extLst>
+              <a:ext uri="{FF2B5EF4-FFF2-40B4-BE49-F238E27FC236}">
+                <a16:creationId xmlns:a16="http://schemas.microsoft.com/office/drawing/2014/main" id="{6F0AB9C0-C995-499F-A402-5D2B3512097D}"/>
+              </a:ext>
+            </a:extLst>
+          </p:cNvPr>
+          <p:cNvPicPr>
+            <a:picLocks noChangeAspect="1"/>
+          </p:cNvPicPr>
+          <p:nvPr/>
+        </p:nvPicPr>
+        <p:blipFill>
+          <a:blip r:embed="rId2" cstate="print">
+            <a:extLst>
+              <a:ext uri="{28A0092B-C50C-407E-A947-70E740481C1C}">
+                <a14:useLocalDpi xmlns:a14="http://schemas.microsoft.com/office/drawing/2010/main" val="0"/>
+              </a:ext>
+            </a:extLst>
+          </a:blip>
+          <a:stretch>
+            <a:fillRect/>
+          </a:stretch>
+        </p:blipFill>
+        <p:spPr>
+          <a:xfrm>
+            <a:off x="0" y="2674824"/>
+            <a:ext cx="5759450" cy="3291114"/>
+          </a:xfrm>
+          <a:prstGeom prst="rect">
+            <a:avLst/>
+          </a:prstGeom>
+        </p:spPr>
+      </p:pic>
+      <p:cxnSp>
+        <p:nvCxnSpPr>
+          <p:cNvPr id="7" name="Conector de Seta Reta 6">
+            <a:extLst>
+              <a:ext uri="{FF2B5EF4-FFF2-40B4-BE49-F238E27FC236}">
+                <a16:creationId xmlns:a16="http://schemas.microsoft.com/office/drawing/2014/main" id="{F8DDB97A-8827-4313-A11A-822FEB0A3AB5}"/>
+              </a:ext>
+            </a:extLst>
+          </p:cNvPr>
+          <p:cNvCxnSpPr/>
+          <p:nvPr/>
+        </p:nvCxnSpPr>
+        <p:spPr>
+          <a:xfrm>
+            <a:off x="1007517" y="4320381"/>
+            <a:ext cx="360040" cy="216024"/>
+          </a:xfrm>
+          <a:prstGeom prst="straightConnector1">
+            <a:avLst/>
+          </a:prstGeom>
+          <a:ln>
+            <a:tailEnd type="triangle"/>
+          </a:ln>
+        </p:spPr>
+        <p:style>
+          <a:lnRef idx="1">
+            <a:schemeClr val="dk1"/>
+          </a:lnRef>
+          <a:fillRef idx="0">
+            <a:schemeClr val="dk1"/>
+          </a:fillRef>
+          <a:effectRef idx="0">
+            <a:schemeClr val="dk1"/>
+          </a:effectRef>
+          <a:fontRef idx="minor">
+            <a:schemeClr val="tx1"/>
+          </a:fontRef>
+        </p:style>
+      </p:cxnSp>
+      <p:cxnSp>
+        <p:nvCxnSpPr>
+          <p:cNvPr id="8" name="Conector de Seta Reta 7">
+            <a:extLst>
+              <a:ext uri="{FF2B5EF4-FFF2-40B4-BE49-F238E27FC236}">
+                <a16:creationId xmlns:a16="http://schemas.microsoft.com/office/drawing/2014/main" id="{FB9242C6-16AE-479A-AA46-DCEBF82D27EF}"/>
+              </a:ext>
+            </a:extLst>
+          </p:cNvPr>
+          <p:cNvCxnSpPr>
+            <a:cxnSpLocks/>
+          </p:cNvCxnSpPr>
+          <p:nvPr/>
+        </p:nvCxnSpPr>
+        <p:spPr>
+          <a:xfrm>
+            <a:off x="1655589" y="3587446"/>
+            <a:ext cx="288032" cy="476845"/>
+          </a:xfrm>
+          <a:prstGeom prst="straightConnector1">
+            <a:avLst/>
+          </a:prstGeom>
+          <a:ln>
+            <a:tailEnd type="triangle"/>
+          </a:ln>
+        </p:spPr>
+        <p:style>
+          <a:lnRef idx="1">
+            <a:schemeClr val="dk1"/>
+          </a:lnRef>
+          <a:fillRef idx="0">
+            <a:schemeClr val="dk1"/>
+          </a:fillRef>
+          <a:effectRef idx="0">
+            <a:schemeClr val="dk1"/>
+          </a:effectRef>
+          <a:fontRef idx="minor">
+            <a:schemeClr val="tx1"/>
+          </a:fontRef>
+        </p:style>
+      </p:cxnSp>
+      <p:cxnSp>
+        <p:nvCxnSpPr>
+          <p:cNvPr id="10" name="Conector de Seta Reta 9">
+            <a:extLst>
+              <a:ext uri="{FF2B5EF4-FFF2-40B4-BE49-F238E27FC236}">
+                <a16:creationId xmlns:a16="http://schemas.microsoft.com/office/drawing/2014/main" id="{AB03A635-9287-4630-B35A-F27C77A4E42B}"/>
+              </a:ext>
+            </a:extLst>
+          </p:cNvPr>
+          <p:cNvCxnSpPr>
+            <a:cxnSpLocks/>
+          </p:cNvCxnSpPr>
+          <p:nvPr/>
+        </p:nvCxnSpPr>
+        <p:spPr>
+          <a:xfrm>
+            <a:off x="2591693" y="3384277"/>
+            <a:ext cx="0" cy="594509"/>
+          </a:xfrm>
+          <a:prstGeom prst="straightConnector1">
+            <a:avLst/>
+          </a:prstGeom>
+          <a:ln>
+            <a:tailEnd type="triangle"/>
+          </a:ln>
+        </p:spPr>
+        <p:style>
+          <a:lnRef idx="1">
+            <a:schemeClr val="dk1"/>
+          </a:lnRef>
+          <a:fillRef idx="0">
+            <a:schemeClr val="dk1"/>
+          </a:fillRef>
+          <a:effectRef idx="0">
+            <a:schemeClr val="dk1"/>
+          </a:effectRef>
+          <a:fontRef idx="minor">
+            <a:schemeClr val="tx1"/>
+          </a:fontRef>
+        </p:style>
+      </p:cxnSp>
+      <p:cxnSp>
+        <p:nvCxnSpPr>
+          <p:cNvPr id="12" name="Conector de Seta Reta 11">
+            <a:extLst>
+              <a:ext uri="{FF2B5EF4-FFF2-40B4-BE49-F238E27FC236}">
+                <a16:creationId xmlns:a16="http://schemas.microsoft.com/office/drawing/2014/main" id="{F8CAE63B-53A9-431C-B126-937B3C30B52C}"/>
+              </a:ext>
+            </a:extLst>
+          </p:cNvPr>
+          <p:cNvCxnSpPr/>
+          <p:nvPr/>
+        </p:nvCxnSpPr>
+        <p:spPr>
+          <a:xfrm>
+            <a:off x="3743821" y="4320381"/>
+            <a:ext cx="360040" cy="216024"/>
+          </a:xfrm>
+          <a:prstGeom prst="straightConnector1">
+            <a:avLst/>
+          </a:prstGeom>
+          <a:ln>
+            <a:tailEnd type="triangle"/>
+          </a:ln>
+        </p:spPr>
+        <p:style>
+          <a:lnRef idx="1">
+            <a:schemeClr val="dk1"/>
+          </a:lnRef>
+          <a:fillRef idx="0">
+            <a:schemeClr val="dk1"/>
+          </a:fillRef>
+          <a:effectRef idx="0">
+            <a:schemeClr val="dk1"/>
+          </a:effectRef>
+          <a:fontRef idx="minor">
+            <a:schemeClr val="tx1"/>
+          </a:fontRef>
+        </p:style>
+      </p:cxnSp>
+      <p:cxnSp>
+        <p:nvCxnSpPr>
+          <p:cNvPr id="13" name="Conector de Seta Reta 12">
+            <a:extLst>
+              <a:ext uri="{FF2B5EF4-FFF2-40B4-BE49-F238E27FC236}">
+                <a16:creationId xmlns:a16="http://schemas.microsoft.com/office/drawing/2014/main" id="{64DE6B18-1B7E-4908-AEF1-9E03D8686711}"/>
+              </a:ext>
+            </a:extLst>
+          </p:cNvPr>
+          <p:cNvCxnSpPr>
+            <a:cxnSpLocks/>
+          </p:cNvCxnSpPr>
+          <p:nvPr/>
+        </p:nvCxnSpPr>
+        <p:spPr>
+          <a:xfrm>
+            <a:off x="4109427" y="3447137"/>
+            <a:ext cx="288032" cy="476845"/>
+          </a:xfrm>
+          <a:prstGeom prst="straightConnector1">
+            <a:avLst/>
+          </a:prstGeom>
+          <a:ln>
+            <a:tailEnd type="triangle"/>
+          </a:ln>
+        </p:spPr>
+        <p:style>
+          <a:lnRef idx="1">
+            <a:schemeClr val="dk1"/>
+          </a:lnRef>
+          <a:fillRef idx="0">
+            <a:schemeClr val="dk1"/>
+          </a:fillRef>
+          <a:effectRef idx="0">
+            <a:schemeClr val="dk1"/>
+          </a:effectRef>
+          <a:fontRef idx="minor">
+            <a:schemeClr val="tx1"/>
+          </a:fontRef>
+        </p:style>
+      </p:cxnSp>
+      <p:cxnSp>
+        <p:nvCxnSpPr>
+          <p:cNvPr id="14" name="Conector de Seta Reta 13">
+            <a:extLst>
+              <a:ext uri="{FF2B5EF4-FFF2-40B4-BE49-F238E27FC236}">
+                <a16:creationId xmlns:a16="http://schemas.microsoft.com/office/drawing/2014/main" id="{F01B8380-5081-46A9-9096-839605FE8AA7}"/>
+              </a:ext>
+            </a:extLst>
+          </p:cNvPr>
+          <p:cNvCxnSpPr>
+            <a:cxnSpLocks/>
+          </p:cNvCxnSpPr>
+          <p:nvPr/>
+        </p:nvCxnSpPr>
+        <p:spPr>
+          <a:xfrm>
+            <a:off x="5400005" y="3329473"/>
+            <a:ext cx="0" cy="594509"/>
+          </a:xfrm>
+          <a:prstGeom prst="straightConnector1">
+            <a:avLst/>
+          </a:prstGeom>
+          <a:ln>
+            <a:tailEnd type="triangle"/>
+          </a:ln>
+        </p:spPr>
+        <p:style>
+          <a:lnRef idx="1">
+            <a:schemeClr val="dk1"/>
+          </a:lnRef>
+          <a:fillRef idx="0">
+            <a:schemeClr val="dk1"/>
+          </a:fillRef>
+          <a:effectRef idx="0">
+            <a:schemeClr val="dk1"/>
+          </a:effectRef>
+          <a:fontRef idx="minor">
+            <a:schemeClr val="tx1"/>
+          </a:fontRef>
+        </p:style>
+      </p:cxnSp>
+      <p:sp>
+        <p:nvSpPr>
+          <p:cNvPr id="2" name="CaixaDeTexto 1">
+            <a:extLst>
+              <a:ext uri="{FF2B5EF4-FFF2-40B4-BE49-F238E27FC236}">
+                <a16:creationId xmlns:a16="http://schemas.microsoft.com/office/drawing/2014/main" id="{237E5708-7747-48B3-B347-8645518A6D13}"/>
+              </a:ext>
+            </a:extLst>
+          </p:cNvPr>
+          <p:cNvSpPr txBox="1"/>
+          <p:nvPr/>
+        </p:nvSpPr>
+        <p:spPr>
+          <a:xfrm>
+            <a:off x="359445" y="2613849"/>
+            <a:ext cx="2376265" cy="276999"/>
+          </a:xfrm>
+          <a:prstGeom prst="rect">
+            <a:avLst/>
+          </a:prstGeom>
+          <a:solidFill>
+            <a:schemeClr val="bg1"/>
+          </a:solidFill>
+        </p:spPr>
+        <p:txBody>
+          <a:bodyPr wrap="square" rtlCol="0">
+            <a:spAutoFit/>
+          </a:bodyPr>
+          <a:lstStyle/>
+          <a:p>
+            <a:r>
+              <a:rPr lang="en-US" sz="1200">
+                <a:latin typeface="CMU Sans Serif" panose="02000603000000000000" pitchFamily="2" charset="0"/>
+                <a:ea typeface="CMU Sans Serif" panose="02000603000000000000" pitchFamily="2" charset="0"/>
+                <a:cs typeface="CMU Sans Serif" panose="02000603000000000000" pitchFamily="2" charset="0"/>
+              </a:rPr>
+              <a:t>Random Forest - PDP</a:t>
+            </a:r>
+          </a:p>
+        </p:txBody>
+      </p:sp>
       <p:sp>
         <p:nvSpPr>
           <p:cNvPr id="11" name="CaixaDeTexto 10">
             <a:extLst>
               <a:ext uri="{FF2B5EF4-FFF2-40B4-BE49-F238E27FC236}">
-                <a16:creationId xmlns:a16="http://schemas.microsoft.com/office/drawing/2014/main" id="{5085421E-C549-40DF-A0CF-48D2AC012678}"/>
+                <a16:creationId xmlns:a16="http://schemas.microsoft.com/office/drawing/2014/main" id="{489FCDEB-29E4-48DB-846A-625C57EA61DD}"/>
               </a:ext>
             </a:extLst>
           </p:cNvPr>
@@ -14086,13 +16004,15 @@
         </p:nvSpPr>
         <p:spPr>
           <a:xfrm>
-            <a:off x="1001382" y="3456285"/>
-            <a:ext cx="504044" cy="369332"/>
+            <a:off x="3311773" y="2616049"/>
+            <a:ext cx="2376265" cy="276999"/>
           </a:xfrm>
           <a:prstGeom prst="rect">
             <a:avLst/>
           </a:prstGeom>
-          <a:noFill/>
+          <a:solidFill>
+            <a:schemeClr val="bg1"/>
+          </a:solidFill>
         </p:spPr>
         <p:txBody>
           <a:bodyPr wrap="square" rtlCol="0">
@@ -14100,13 +16020,13 @@
           </a:bodyPr>
           <a:lstStyle/>
           <a:p>
-            <a:pPr algn="ctr"/>
-            <a:r>
-              <a:rPr lang="pt-BR" dirty="0">
-                <a:latin typeface="Arial" panose="020B0604020202020204" pitchFamily="34" charset="0"/>
-                <a:cs typeface="Arial" panose="020B0604020202020204" pitchFamily="34" charset="0"/>
-              </a:rPr>
-              <a:t>31</a:t>
+            <a:r>
+              <a:rPr lang="en-US" sz="1200">
+                <a:latin typeface="CMU Sans Serif" panose="02000603000000000000" pitchFamily="2" charset="0"/>
+                <a:ea typeface="CMU Sans Serif" panose="02000603000000000000" pitchFamily="2" charset="0"/>
+                <a:cs typeface="CMU Sans Serif" panose="02000603000000000000" pitchFamily="2" charset="0"/>
+              </a:rPr>
+              <a:t>Simulation Results (strat. 31)</a:t>
             </a:r>
           </a:p>
         </p:txBody>
@@ -14116,7 +16036,7 @@
           <p:cNvPr id="16" name="CaixaDeTexto 15">
             <a:extLst>
               <a:ext uri="{FF2B5EF4-FFF2-40B4-BE49-F238E27FC236}">
-                <a16:creationId xmlns:a16="http://schemas.microsoft.com/office/drawing/2014/main" id="{D8894B31-E61E-41C5-B929-E072A1534CA0}"/>
+                <a16:creationId xmlns:a16="http://schemas.microsoft.com/office/drawing/2014/main" id="{7D1ABB4F-ECC4-4722-A930-D8A7BBF90CA3}"/>
               </a:ext>
             </a:extLst>
           </p:cNvPr>
@@ -14124,14 +16044,16 @@
           <p:nvPr/>
         </p:nvSpPr>
         <p:spPr>
-          <a:xfrm>
-            <a:off x="2048973" y="3454995"/>
-            <a:ext cx="504044" cy="369332"/>
+          <a:xfrm rot="16200000">
+            <a:off x="1804061" y="3663482"/>
+            <a:ext cx="2376265" cy="276999"/>
           </a:xfrm>
           <a:prstGeom prst="rect">
             <a:avLst/>
           </a:prstGeom>
-          <a:noFill/>
+          <a:solidFill>
+            <a:schemeClr val="bg1"/>
+          </a:solidFill>
         </p:spPr>
         <p:txBody>
           <a:bodyPr wrap="square" rtlCol="0">
@@ -14139,14 +16061,11 @@
           </a:bodyPr>
           <a:lstStyle/>
           <a:p>
-            <a:pPr algn="ctr"/>
-            <a:r>
-              <a:rPr lang="pt-BR" dirty="0">
-                <a:latin typeface="Arial" panose="020B0604020202020204" pitchFamily="34" charset="0"/>
-                <a:cs typeface="Arial" panose="020B0604020202020204" pitchFamily="34" charset="0"/>
-              </a:rPr>
-              <a:t>19</a:t>
-            </a:r>
+            <a:endParaRPr lang="pt-BR" sz="1200" dirty="0">
+              <a:latin typeface="CMU Sans Serif" panose="02000603000000000000" pitchFamily="2" charset="0"/>
+              <a:ea typeface="CMU Sans Serif" panose="02000603000000000000" pitchFamily="2" charset="0"/>
+              <a:cs typeface="CMU Sans Serif" panose="02000603000000000000" pitchFamily="2" charset="0"/>
+            </a:endParaRPr>
           </a:p>
         </p:txBody>
       </p:sp>
@@ -14155,7 +16074,7 @@
           <p:cNvPr id="17" name="CaixaDeTexto 16">
             <a:extLst>
               <a:ext uri="{FF2B5EF4-FFF2-40B4-BE49-F238E27FC236}">
-                <a16:creationId xmlns:a16="http://schemas.microsoft.com/office/drawing/2014/main" id="{B426ACAB-467E-4A36-B42B-569C828839B6}"/>
+                <a16:creationId xmlns:a16="http://schemas.microsoft.com/office/drawing/2014/main" id="{D473A029-C341-411F-9826-3283AF11FF8B}"/>
               </a:ext>
             </a:extLst>
           </p:cNvPr>
@@ -14163,14 +16082,16 @@
           <p:nvPr/>
         </p:nvSpPr>
         <p:spPr>
-          <a:xfrm>
-            <a:off x="3582559" y="3454995"/>
-            <a:ext cx="504044" cy="369332"/>
+          <a:xfrm rot="16200000">
+            <a:off x="-1032947" y="3709357"/>
+            <a:ext cx="2315290" cy="246221"/>
           </a:xfrm>
           <a:prstGeom prst="rect">
             <a:avLst/>
           </a:prstGeom>
-          <a:noFill/>
+          <a:solidFill>
+            <a:schemeClr val="bg1"/>
+          </a:solidFill>
         </p:spPr>
         <p:txBody>
           <a:bodyPr wrap="square" rtlCol="0">
@@ -14178,163 +16099,565 @@
           </a:bodyPr>
           <a:lstStyle/>
           <a:p>
-            <a:pPr algn="ctr"/>
-            <a:r>
-              <a:rPr lang="pt-BR" dirty="0">
-                <a:latin typeface="Arial" panose="020B0604020202020204" pitchFamily="34" charset="0"/>
-                <a:cs typeface="Arial" panose="020B0604020202020204" pitchFamily="34" charset="0"/>
-              </a:rPr>
-              <a:t>25</a:t>
+            <a:r>
+              <a:rPr lang="en-US" sz="1000">
+                <a:latin typeface="CMU Sans Serif" panose="02000603000000000000" pitchFamily="2" charset="0"/>
+                <a:ea typeface="CMU Sans Serif" panose="02000603000000000000" pitchFamily="2" charset="0"/>
+                <a:cs typeface="CMU Sans Serif" panose="02000603000000000000" pitchFamily="2" charset="0"/>
+              </a:rPr>
+              <a:t>P2 – Agressive         P2 - Conservative</a:t>
             </a:r>
           </a:p>
         </p:txBody>
       </p:sp>
-      <p:cxnSp>
-        <p:nvCxnSpPr>
-          <p:cNvPr id="19" name="Conector de Seta Reta 18">
+      <p:sp>
+        <p:nvSpPr>
+          <p:cNvPr id="18" name="CaixaDeTexto 17">
             <a:extLst>
               <a:ext uri="{FF2B5EF4-FFF2-40B4-BE49-F238E27FC236}">
-                <a16:creationId xmlns:a16="http://schemas.microsoft.com/office/drawing/2014/main" id="{5AFBABD6-CA73-4317-87EC-962ADF9D19F2}"/>
+                <a16:creationId xmlns:a16="http://schemas.microsoft.com/office/drawing/2014/main" id="{294C30D9-B3BC-442A-A697-6CDC74D86BAE}"/>
               </a:ext>
             </a:extLst>
           </p:cNvPr>
-          <p:cNvCxnSpPr>
-            <a:cxnSpLocks/>
-            <a:stCxn id="11" idx="2"/>
-          </p:cNvCxnSpPr>
-          <p:nvPr/>
-        </p:nvCxnSpPr>
-        <p:spPr>
-          <a:xfrm>
-            <a:off x="1253404" y="3825617"/>
-            <a:ext cx="0" cy="1574884"/>
-          </a:xfrm>
-          <a:prstGeom prst="straightConnector1">
-            <a:avLst/>
-          </a:prstGeom>
-          <a:ln>
-            <a:solidFill>
-              <a:schemeClr val="tx1">
-                <a:lumMod val="50000"/>
-                <a:lumOff val="50000"/>
-              </a:schemeClr>
-            </a:solidFill>
-            <a:tailEnd type="triangle"/>
-          </a:ln>
-        </p:spPr>
-        <p:style>
-          <a:lnRef idx="1">
-            <a:schemeClr val="dk1"/>
-          </a:lnRef>
-          <a:fillRef idx="0">
-            <a:schemeClr val="dk1"/>
-          </a:fillRef>
-          <a:effectRef idx="0">
-            <a:schemeClr val="dk1"/>
-          </a:effectRef>
-          <a:fontRef idx="minor">
-            <a:schemeClr val="tx1"/>
-          </a:fontRef>
-        </p:style>
-      </p:cxnSp>
-      <p:cxnSp>
-        <p:nvCxnSpPr>
-          <p:cNvPr id="20" name="Conector de Seta Reta 19">
+          <p:cNvSpPr txBox="1"/>
+          <p:nvPr/>
+        </p:nvSpPr>
+        <p:spPr>
+          <a:xfrm>
+            <a:off x="359445" y="5184477"/>
+            <a:ext cx="2376265" cy="276999"/>
+          </a:xfrm>
+          <a:prstGeom prst="rect">
+            <a:avLst/>
+          </a:prstGeom>
+          <a:solidFill>
+            <a:schemeClr val="bg1"/>
+          </a:solidFill>
+        </p:spPr>
+        <p:txBody>
+          <a:bodyPr wrap="square" rtlCol="0">
+            <a:spAutoFit/>
+          </a:bodyPr>
+          <a:lstStyle/>
+          <a:p>
+            <a:pPr algn="ctr"/>
+            <a:r>
+              <a:rPr lang="en-US" sz="1200" dirty="0">
+                <a:latin typeface="CMU Sans Serif" panose="02000603000000000000" pitchFamily="2" charset="0"/>
+                <a:ea typeface="CMU Sans Serif" panose="02000603000000000000" pitchFamily="2" charset="0"/>
+                <a:cs typeface="CMU Sans Serif" panose="02000603000000000000" pitchFamily="2" charset="0"/>
+              </a:rPr>
+              <a:t>Reference Market Size</a:t>
+            </a:r>
+          </a:p>
+        </p:txBody>
+      </p:sp>
+      <p:sp>
+        <p:nvSpPr>
+          <p:cNvPr id="19" name="CaixaDeTexto 18">
             <a:extLst>
               <a:ext uri="{FF2B5EF4-FFF2-40B4-BE49-F238E27FC236}">
-                <a16:creationId xmlns:a16="http://schemas.microsoft.com/office/drawing/2014/main" id="{EDBF2E31-5966-404A-9DB9-9759361D3A30}"/>
+                <a16:creationId xmlns:a16="http://schemas.microsoft.com/office/drawing/2014/main" id="{9F5BD2FC-42F5-40D1-8C53-A32285E39333}"/>
               </a:ext>
             </a:extLst>
           </p:cNvPr>
-          <p:cNvCxnSpPr>
-            <a:cxnSpLocks/>
-          </p:cNvCxnSpPr>
-          <p:nvPr/>
-        </p:nvCxnSpPr>
-        <p:spPr>
-          <a:xfrm>
-            <a:off x="2306624" y="3825617"/>
-            <a:ext cx="0" cy="1214844"/>
-          </a:xfrm>
-          <a:prstGeom prst="straightConnector1">
-            <a:avLst/>
-          </a:prstGeom>
-          <a:ln>
-            <a:solidFill>
-              <a:schemeClr val="tx1">
-                <a:lumMod val="50000"/>
-                <a:lumOff val="50000"/>
-              </a:schemeClr>
-            </a:solidFill>
-            <a:tailEnd type="triangle"/>
-          </a:ln>
-        </p:spPr>
-        <p:style>
-          <a:lnRef idx="1">
-            <a:schemeClr val="dk1"/>
-          </a:lnRef>
-          <a:fillRef idx="0">
-            <a:schemeClr val="dk1"/>
-          </a:fillRef>
-          <a:effectRef idx="0">
-            <a:schemeClr val="dk1"/>
-          </a:effectRef>
-          <a:fontRef idx="minor">
-            <a:schemeClr val="tx1"/>
-          </a:fontRef>
-        </p:style>
-      </p:cxnSp>
-      <p:cxnSp>
-        <p:nvCxnSpPr>
-          <p:cNvPr id="21" name="Conector de Seta Reta 20">
+          <p:cNvSpPr txBox="1"/>
+          <p:nvPr/>
+        </p:nvSpPr>
+        <p:spPr>
+          <a:xfrm>
+            <a:off x="3311772" y="5309642"/>
+            <a:ext cx="2376265" cy="276999"/>
+          </a:xfrm>
+          <a:prstGeom prst="rect">
+            <a:avLst/>
+          </a:prstGeom>
+          <a:solidFill>
+            <a:schemeClr val="bg1"/>
+          </a:solidFill>
+        </p:spPr>
+        <p:txBody>
+          <a:bodyPr wrap="square" rtlCol="0">
+            <a:spAutoFit/>
+          </a:bodyPr>
+          <a:lstStyle/>
+          <a:p>
+            <a:pPr algn="ctr"/>
+            <a:r>
+              <a:rPr lang="en-US" sz="1200" dirty="0">
+                <a:latin typeface="CMU Sans Serif" panose="02000603000000000000" pitchFamily="2" charset="0"/>
+                <a:ea typeface="CMU Sans Serif" panose="02000603000000000000" pitchFamily="2" charset="0"/>
+                <a:cs typeface="CMU Sans Serif" panose="02000603000000000000" pitchFamily="2" charset="0"/>
+              </a:rPr>
+              <a:t>Reference Market Size</a:t>
+            </a:r>
+          </a:p>
+        </p:txBody>
+      </p:sp>
+      <p:sp>
+        <p:nvSpPr>
+          <p:cNvPr id="20" name="CaixaDeTexto 19">
             <a:extLst>
               <a:ext uri="{FF2B5EF4-FFF2-40B4-BE49-F238E27FC236}">
-                <a16:creationId xmlns:a16="http://schemas.microsoft.com/office/drawing/2014/main" id="{9AEE80E4-D0DD-4BB3-A9A8-6942A698054E}"/>
+                <a16:creationId xmlns:a16="http://schemas.microsoft.com/office/drawing/2014/main" id="{2E0188B0-9A02-4FE6-A0D6-6AF637DD4B96}"/>
               </a:ext>
             </a:extLst>
           </p:cNvPr>
-          <p:cNvCxnSpPr>
-            <a:cxnSpLocks/>
-          </p:cNvCxnSpPr>
-          <p:nvPr/>
-        </p:nvCxnSpPr>
-        <p:spPr>
-          <a:xfrm>
-            <a:off x="3807580" y="3825617"/>
-            <a:ext cx="0" cy="1142836"/>
-          </a:xfrm>
-          <a:prstGeom prst="straightConnector1">
-            <a:avLst/>
-          </a:prstGeom>
-          <a:ln>
-            <a:solidFill>
-              <a:schemeClr val="tx1">
-                <a:lumMod val="50000"/>
-                <a:lumOff val="50000"/>
-              </a:schemeClr>
-            </a:solidFill>
-            <a:tailEnd type="triangle"/>
-          </a:ln>
-        </p:spPr>
-        <p:style>
-          <a:lnRef idx="1">
-            <a:schemeClr val="dk1"/>
-          </a:lnRef>
-          <a:fillRef idx="0">
-            <a:schemeClr val="dk1"/>
-          </a:fillRef>
-          <a:effectRef idx="0">
-            <a:schemeClr val="dk1"/>
-          </a:effectRef>
-          <a:fontRef idx="minor">
-            <a:schemeClr val="tx1"/>
-          </a:fontRef>
-        </p:style>
-      </p:cxnSp>
+          <p:cNvSpPr txBox="1"/>
+          <p:nvPr/>
+        </p:nvSpPr>
+        <p:spPr>
+          <a:xfrm>
+            <a:off x="3370807" y="5625006"/>
+            <a:ext cx="1368153" cy="276999"/>
+          </a:xfrm>
+          <a:prstGeom prst="rect">
+            <a:avLst/>
+          </a:prstGeom>
+          <a:solidFill>
+            <a:schemeClr val="bg1"/>
+          </a:solidFill>
+        </p:spPr>
+        <p:txBody>
+          <a:bodyPr wrap="square" rtlCol="0">
+            <a:spAutoFit/>
+          </a:bodyPr>
+          <a:lstStyle/>
+          <a:p>
+            <a:pPr algn="ctr"/>
+            <a:r>
+              <a:rPr lang="en-US" sz="1200" dirty="0">
+                <a:latin typeface="CMU Sans Serif" panose="02000603000000000000" pitchFamily="2" charset="0"/>
+                <a:ea typeface="CMU Sans Serif" panose="02000603000000000000" pitchFamily="2" charset="0"/>
+                <a:cs typeface="CMU Sans Serif" panose="02000603000000000000" pitchFamily="2" charset="0"/>
+              </a:rPr>
+              <a:t>Strat. Fails</a:t>
+            </a:r>
+          </a:p>
+        </p:txBody>
+      </p:sp>
+      <p:sp>
+        <p:nvSpPr>
+          <p:cNvPr id="21" name="CaixaDeTexto 20">
+            <a:extLst>
+              <a:ext uri="{FF2B5EF4-FFF2-40B4-BE49-F238E27FC236}">
+                <a16:creationId xmlns:a16="http://schemas.microsoft.com/office/drawing/2014/main" id="{9A6008D7-3ACB-4A26-9E6C-F40DE27FDBB2}"/>
+              </a:ext>
+            </a:extLst>
+          </p:cNvPr>
+          <p:cNvSpPr txBox="1"/>
+          <p:nvPr/>
+        </p:nvSpPr>
+        <p:spPr>
+          <a:xfrm>
+            <a:off x="494099" y="5425758"/>
+            <a:ext cx="1026835" cy="461665"/>
+          </a:xfrm>
+          <a:prstGeom prst="rect">
+            <a:avLst/>
+          </a:prstGeom>
+          <a:solidFill>
+            <a:schemeClr val="bg1"/>
+          </a:solidFill>
+        </p:spPr>
+        <p:txBody>
+          <a:bodyPr wrap="square" rtlCol="0">
+            <a:spAutoFit/>
+          </a:bodyPr>
+          <a:lstStyle/>
+          <a:p>
+            <a:r>
+              <a:rPr lang="en-US" sz="1200" dirty="0">
+                <a:latin typeface="CMU Sans Serif" panose="02000603000000000000" pitchFamily="2" charset="0"/>
+                <a:ea typeface="CMU Sans Serif" panose="02000603000000000000" pitchFamily="2" charset="0"/>
+                <a:cs typeface="CMU Sans Serif" panose="02000603000000000000" pitchFamily="2" charset="0"/>
+              </a:rPr>
+              <a:t>Partial Dependence</a:t>
+            </a:r>
+          </a:p>
+        </p:txBody>
+      </p:sp>
     </p:spTree>
     <p:extLst>
       <p:ext uri="{BB962C8B-B14F-4D97-AF65-F5344CB8AC3E}">
-        <p14:creationId xmlns:p14="http://schemas.microsoft.com/office/powerpoint/2010/main" val="3555695090"/>
+        <p14:creationId xmlns:p14="http://schemas.microsoft.com/office/powerpoint/2010/main" val="1050340218"/>
+      </p:ext>
+    </p:extLst>
+  </p:cSld>
+  <p:clrMapOvr>
+    <a:masterClrMapping/>
+  </p:clrMapOvr>
+</p:sld>
+</file>
+
+<file path=ppt/slides/slide19.xml><?xml version="1.0" encoding="utf-8"?>
+<p:sld xmlns:a="http://schemas.openxmlformats.org/drawingml/2006/main" xmlns:r="http://schemas.openxmlformats.org/officeDocument/2006/relationships" xmlns:p="http://schemas.openxmlformats.org/presentationml/2006/main">
+  <p:cSld>
+    <p:spTree>
+      <p:nvGrpSpPr>
+        <p:cNvPr id="1" name=""/>
+        <p:cNvGrpSpPr/>
+        <p:nvPr/>
+      </p:nvGrpSpPr>
+      <p:grpSpPr>
+        <a:xfrm>
+          <a:off x="0" y="0"/>
+          <a:ext cx="0" cy="0"/>
+          <a:chOff x="0" y="0"/>
+          <a:chExt cx="0" cy="0"/>
+        </a:xfrm>
+      </p:grpSpPr>
+      <p:grpSp>
+        <p:nvGrpSpPr>
+          <p:cNvPr id="15" name="Agrupar 14">
+            <a:extLst>
+              <a:ext uri="{FF2B5EF4-FFF2-40B4-BE49-F238E27FC236}">
+                <a16:creationId xmlns:a16="http://schemas.microsoft.com/office/drawing/2014/main" id="{041205F2-60AB-4C82-BC0C-AC0633C8A8FB}"/>
+              </a:ext>
+            </a:extLst>
+          </p:cNvPr>
+          <p:cNvGrpSpPr/>
+          <p:nvPr/>
+        </p:nvGrpSpPr>
+        <p:grpSpPr>
+          <a:xfrm>
+            <a:off x="135608" y="2738976"/>
+            <a:ext cx="5929445" cy="3162809"/>
+            <a:chOff x="135608" y="2738976"/>
+            <a:chExt cx="5929445" cy="3162809"/>
+          </a:xfrm>
+        </p:grpSpPr>
+        <p:pic>
+          <p:nvPicPr>
+            <p:cNvPr id="5" name="Imagem 4" descr="Uma imagem contendo captura de tela&#10;&#10;Descrição gerada automaticamente">
+              <a:extLst>
+                <a:ext uri="{FF2B5EF4-FFF2-40B4-BE49-F238E27FC236}">
+                  <a16:creationId xmlns:a16="http://schemas.microsoft.com/office/drawing/2014/main" id="{4890A692-CB10-4A0F-8AE8-D7B4A1CB2887}"/>
+                </a:ext>
+              </a:extLst>
+            </p:cNvPr>
+            <p:cNvPicPr>
+              <a:picLocks noChangeAspect="1"/>
+            </p:cNvPicPr>
+            <p:nvPr/>
+          </p:nvPicPr>
+          <p:blipFill>
+            <a:blip r:embed="rId2">
+              <a:extLst>
+                <a:ext uri="{28A0092B-C50C-407E-A947-70E740481C1C}">
+                  <a14:useLocalDpi xmlns:a14="http://schemas.microsoft.com/office/drawing/2010/main" val="0"/>
+                </a:ext>
+              </a:extLst>
+            </a:blip>
+            <a:stretch>
+              <a:fillRect/>
+            </a:stretch>
+          </p:blipFill>
+          <p:spPr>
+            <a:xfrm>
+              <a:off x="229120" y="2812920"/>
+              <a:ext cx="5759450" cy="2876449"/>
+            </a:xfrm>
+            <a:prstGeom prst="rect">
+              <a:avLst/>
+            </a:prstGeom>
+          </p:spPr>
+        </p:pic>
+        <p:cxnSp>
+          <p:nvCxnSpPr>
+            <p:cNvPr id="6" name="Conector de Seta Reta 5">
+              <a:extLst>
+                <a:ext uri="{FF2B5EF4-FFF2-40B4-BE49-F238E27FC236}">
+                  <a16:creationId xmlns:a16="http://schemas.microsoft.com/office/drawing/2014/main" id="{381D94FC-BE18-4218-BAD6-5E882F567A1E}"/>
+                </a:ext>
+              </a:extLst>
+            </p:cNvPr>
+            <p:cNvCxnSpPr>
+              <a:cxnSpLocks/>
+            </p:cNvCxnSpPr>
+            <p:nvPr/>
+          </p:nvCxnSpPr>
+          <p:spPr>
+            <a:xfrm flipH="1">
+              <a:off x="948605" y="3963112"/>
+              <a:ext cx="216024" cy="288032"/>
+            </a:xfrm>
+            <a:prstGeom prst="straightConnector1">
+              <a:avLst/>
+            </a:prstGeom>
+            <a:ln>
+              <a:tailEnd type="triangle"/>
+            </a:ln>
+          </p:spPr>
+          <p:style>
+            <a:lnRef idx="1">
+              <a:schemeClr val="dk1"/>
+            </a:lnRef>
+            <a:fillRef idx="0">
+              <a:schemeClr val="dk1"/>
+            </a:fillRef>
+            <a:effectRef idx="0">
+              <a:schemeClr val="dk1"/>
+            </a:effectRef>
+            <a:fontRef idx="minor">
+              <a:schemeClr val="tx1"/>
+            </a:fontRef>
+          </p:style>
+        </p:cxnSp>
+        <p:cxnSp>
+          <p:nvCxnSpPr>
+            <p:cNvPr id="9" name="Conector de Seta Reta 8">
+              <a:extLst>
+                <a:ext uri="{FF2B5EF4-FFF2-40B4-BE49-F238E27FC236}">
+                  <a16:creationId xmlns:a16="http://schemas.microsoft.com/office/drawing/2014/main" id="{85A802D5-5453-4475-86C6-C03CC0095B9E}"/>
+                </a:ext>
+              </a:extLst>
+            </p:cNvPr>
+            <p:cNvCxnSpPr>
+              <a:cxnSpLocks/>
+            </p:cNvCxnSpPr>
+            <p:nvPr/>
+          </p:nvCxnSpPr>
+          <p:spPr>
+            <a:xfrm flipH="1">
+              <a:off x="1236637" y="4827208"/>
+              <a:ext cx="216024" cy="288032"/>
+            </a:xfrm>
+            <a:prstGeom prst="straightConnector1">
+              <a:avLst/>
+            </a:prstGeom>
+            <a:ln>
+              <a:tailEnd type="triangle"/>
+            </a:ln>
+          </p:spPr>
+          <p:style>
+            <a:lnRef idx="1">
+              <a:schemeClr val="dk1"/>
+            </a:lnRef>
+            <a:fillRef idx="0">
+              <a:schemeClr val="dk1"/>
+            </a:fillRef>
+            <a:effectRef idx="0">
+              <a:schemeClr val="dk1"/>
+            </a:effectRef>
+            <a:fontRef idx="minor">
+              <a:schemeClr val="tx1"/>
+            </a:fontRef>
+          </p:style>
+        </p:cxnSp>
+        <p:cxnSp>
+          <p:nvCxnSpPr>
+            <p:cNvPr id="10" name="Conector de Seta Reta 9">
+              <a:extLst>
+                <a:ext uri="{FF2B5EF4-FFF2-40B4-BE49-F238E27FC236}">
+                  <a16:creationId xmlns:a16="http://schemas.microsoft.com/office/drawing/2014/main" id="{BD3DA87B-010B-4E73-876C-B025D669EE23}"/>
+                </a:ext>
+              </a:extLst>
+            </p:cNvPr>
+            <p:cNvCxnSpPr>
+              <a:cxnSpLocks/>
+            </p:cNvCxnSpPr>
+            <p:nvPr/>
+          </p:nvCxnSpPr>
+          <p:spPr>
+            <a:xfrm flipH="1">
+              <a:off x="1524669" y="4899216"/>
+              <a:ext cx="216024" cy="288032"/>
+            </a:xfrm>
+            <a:prstGeom prst="straightConnector1">
+              <a:avLst/>
+            </a:prstGeom>
+            <a:ln>
+              <a:tailEnd type="triangle"/>
+            </a:ln>
+          </p:spPr>
+          <p:style>
+            <a:lnRef idx="1">
+              <a:schemeClr val="dk1"/>
+            </a:lnRef>
+            <a:fillRef idx="0">
+              <a:schemeClr val="dk1"/>
+            </a:fillRef>
+            <a:effectRef idx="0">
+              <a:schemeClr val="dk1"/>
+            </a:effectRef>
+            <a:fontRef idx="minor">
+              <a:schemeClr val="tx1"/>
+            </a:fontRef>
+          </p:style>
+        </p:cxnSp>
+        <p:cxnSp>
+          <p:nvCxnSpPr>
+            <p:cNvPr id="11" name="Conector de Seta Reta 10">
+              <a:extLst>
+                <a:ext uri="{FF2B5EF4-FFF2-40B4-BE49-F238E27FC236}">
+                  <a16:creationId xmlns:a16="http://schemas.microsoft.com/office/drawing/2014/main" id="{CE3AA7EF-B195-4A16-AE93-41A62004AC98}"/>
+                </a:ext>
+              </a:extLst>
+            </p:cNvPr>
+            <p:cNvCxnSpPr>
+              <a:cxnSpLocks/>
+            </p:cNvCxnSpPr>
+            <p:nvPr/>
+          </p:nvCxnSpPr>
+          <p:spPr>
+            <a:xfrm flipH="1">
+              <a:off x="1956717" y="4864757"/>
+              <a:ext cx="216024" cy="288032"/>
+            </a:xfrm>
+            <a:prstGeom prst="straightConnector1">
+              <a:avLst/>
+            </a:prstGeom>
+            <a:ln>
+              <a:tailEnd type="triangle"/>
+            </a:ln>
+          </p:spPr>
+          <p:style>
+            <a:lnRef idx="1">
+              <a:schemeClr val="dk1"/>
+            </a:lnRef>
+            <a:fillRef idx="0">
+              <a:schemeClr val="dk1"/>
+            </a:fillRef>
+            <a:effectRef idx="0">
+              <a:schemeClr val="dk1"/>
+            </a:effectRef>
+            <a:fontRef idx="minor">
+              <a:schemeClr val="tx1"/>
+            </a:fontRef>
+          </p:style>
+        </p:cxnSp>
+        <p:sp>
+          <p:nvSpPr>
+            <p:cNvPr id="12" name="CaixaDeTexto 11">
+              <a:extLst>
+                <a:ext uri="{FF2B5EF4-FFF2-40B4-BE49-F238E27FC236}">
+                  <a16:creationId xmlns:a16="http://schemas.microsoft.com/office/drawing/2014/main" id="{54137FCF-3F4D-434D-A88F-447AFC088E33}"/>
+                </a:ext>
+              </a:extLst>
+            </p:cNvPr>
+            <p:cNvSpPr txBox="1"/>
+            <p:nvPr/>
+          </p:nvSpPr>
+          <p:spPr>
+            <a:xfrm>
+              <a:off x="1174278" y="5549534"/>
+              <a:ext cx="3162809" cy="260597"/>
+            </a:xfrm>
+            <a:prstGeom prst="rect">
+              <a:avLst/>
+            </a:prstGeom>
+            <a:solidFill>
+              <a:schemeClr val="bg1"/>
+            </a:solidFill>
+          </p:spPr>
+          <p:txBody>
+            <a:bodyPr wrap="square" rtlCol="0">
+              <a:spAutoFit/>
+            </a:bodyPr>
+            <a:lstStyle/>
+            <a:p>
+              <a:pPr algn="ctr"/>
+              <a:r>
+                <a:rPr lang="en-US" sz="1100" dirty="0">
+                  <a:latin typeface="CMU Sans Serif" panose="02000603000000000000" pitchFamily="2" charset="0"/>
+                  <a:ea typeface="CMU Sans Serif" panose="02000603000000000000" pitchFamily="2" charset="0"/>
+                  <a:cs typeface="CMU Sans Serif" panose="02000603000000000000" pitchFamily="2" charset="0"/>
+                </a:rPr>
+                <a:t>75th percentile Regret over all futures</a:t>
+              </a:r>
+            </a:p>
+          </p:txBody>
+        </p:sp>
+        <p:sp>
+          <p:nvSpPr>
+            <p:cNvPr id="13" name="CaixaDeTexto 12">
+              <a:extLst>
+                <a:ext uri="{FF2B5EF4-FFF2-40B4-BE49-F238E27FC236}">
+                  <a16:creationId xmlns:a16="http://schemas.microsoft.com/office/drawing/2014/main" id="{74FA3638-4FD9-415E-8A16-16AA81A8C0A8}"/>
+                </a:ext>
+              </a:extLst>
+            </p:cNvPr>
+            <p:cNvSpPr txBox="1"/>
+            <p:nvPr/>
+          </p:nvSpPr>
+          <p:spPr>
+            <a:xfrm rot="16200000">
+              <a:off x="-1315498" y="4190082"/>
+              <a:ext cx="3162809" cy="260597"/>
+            </a:xfrm>
+            <a:prstGeom prst="rect">
+              <a:avLst/>
+            </a:prstGeom>
+            <a:solidFill>
+              <a:schemeClr val="bg1"/>
+            </a:solidFill>
+          </p:spPr>
+          <p:txBody>
+            <a:bodyPr wrap="square" rtlCol="0">
+              <a:spAutoFit/>
+            </a:bodyPr>
+            <a:lstStyle/>
+            <a:p>
+              <a:pPr algn="ctr"/>
+              <a:r>
+                <a:rPr lang="en-US" sz="1100" dirty="0">
+                  <a:latin typeface="CMU Sans Serif" panose="02000603000000000000" pitchFamily="2" charset="0"/>
+                  <a:ea typeface="CMU Sans Serif" panose="02000603000000000000" pitchFamily="2" charset="0"/>
+                  <a:cs typeface="CMU Sans Serif" panose="02000603000000000000" pitchFamily="2" charset="0"/>
+                </a:rPr>
+                <a:t>75th percentile Regret over high-regret scenario</a:t>
+              </a:r>
+            </a:p>
+          </p:txBody>
+        </p:sp>
+        <p:sp>
+          <p:nvSpPr>
+            <p:cNvPr id="14" name="CaixaDeTexto 13">
+              <a:extLst>
+                <a:ext uri="{FF2B5EF4-FFF2-40B4-BE49-F238E27FC236}">
+                  <a16:creationId xmlns:a16="http://schemas.microsoft.com/office/drawing/2014/main" id="{053C970F-5EEC-4B32-8F26-46AB4B4A2256}"/>
+                </a:ext>
+              </a:extLst>
+            </p:cNvPr>
+            <p:cNvSpPr txBox="1"/>
+            <p:nvPr/>
+          </p:nvSpPr>
+          <p:spPr>
+            <a:xfrm>
+              <a:off x="5057285" y="3528293"/>
+              <a:ext cx="1007768" cy="261610"/>
+            </a:xfrm>
+            <a:prstGeom prst="rect">
+              <a:avLst/>
+            </a:prstGeom>
+            <a:solidFill>
+              <a:schemeClr val="bg1"/>
+            </a:solidFill>
+          </p:spPr>
+          <p:txBody>
+            <a:bodyPr wrap="square" rtlCol="0">
+              <a:spAutoFit/>
+            </a:bodyPr>
+            <a:lstStyle/>
+            <a:p>
+              <a:pPr algn="ctr"/>
+              <a:r>
+                <a:rPr lang="en-US" sz="1100" dirty="0">
+                  <a:latin typeface="CMU Sans Serif" panose="02000603000000000000" pitchFamily="2" charset="0"/>
+                  <a:ea typeface="CMU Sans Serif" panose="02000603000000000000" pitchFamily="2" charset="0"/>
+                  <a:cs typeface="CMU Sans Serif" panose="02000603000000000000" pitchFamily="2" charset="0"/>
+                </a:rPr>
+                <a:t>Open R&amp;D %</a:t>
+              </a:r>
+            </a:p>
+          </p:txBody>
+        </p:sp>
+      </p:grpSp>
+    </p:spTree>
+    <p:extLst>
+      <p:ext uri="{BB962C8B-B14F-4D97-AF65-F5344CB8AC3E}">
+        <p14:creationId xmlns:p14="http://schemas.microsoft.com/office/powerpoint/2010/main" val="647281878"/>
       </p:ext>
     </p:extLst>
   </p:cSld>
@@ -14760,6 +17083,1156 @@
     <p:extLst>
       <p:ext uri="{BB962C8B-B14F-4D97-AF65-F5344CB8AC3E}">
         <p14:creationId xmlns:p14="http://schemas.microsoft.com/office/powerpoint/2010/main" val="1729427822"/>
+      </p:ext>
+    </p:extLst>
+  </p:cSld>
+  <p:clrMapOvr>
+    <a:masterClrMapping/>
+  </p:clrMapOvr>
+</p:sld>
+</file>
+
+<file path=ppt/slides/slide20.xml><?xml version="1.0" encoding="utf-8"?>
+<p:sld xmlns:a="http://schemas.openxmlformats.org/drawingml/2006/main" xmlns:r="http://schemas.openxmlformats.org/officeDocument/2006/relationships" xmlns:p="http://schemas.openxmlformats.org/presentationml/2006/main">
+  <p:cSld>
+    <p:spTree>
+      <p:nvGrpSpPr>
+        <p:cNvPr id="1" name=""/>
+        <p:cNvGrpSpPr/>
+        <p:nvPr/>
+      </p:nvGrpSpPr>
+      <p:grpSpPr>
+        <a:xfrm>
+          <a:off x="0" y="0"/>
+          <a:ext cx="0" cy="0"/>
+          <a:chOff x="0" y="0"/>
+          <a:chExt cx="0" cy="0"/>
+        </a:xfrm>
+      </p:grpSpPr>
+      <p:sp>
+        <p:nvSpPr>
+          <p:cNvPr id="14" name="CaixaDeTexto 13">
+            <a:extLst>
+              <a:ext uri="{FF2B5EF4-FFF2-40B4-BE49-F238E27FC236}">
+                <a16:creationId xmlns:a16="http://schemas.microsoft.com/office/drawing/2014/main" id="{18C62B45-3786-401F-90C3-60568F1DA5A0}"/>
+              </a:ext>
+            </a:extLst>
+          </p:cNvPr>
+          <p:cNvSpPr txBox="1"/>
+          <p:nvPr/>
+        </p:nvSpPr>
+        <p:spPr>
+          <a:xfrm>
+            <a:off x="705638" y="2248699"/>
+            <a:ext cx="2686669" cy="276999"/>
+          </a:xfrm>
+          <a:prstGeom prst="rect">
+            <a:avLst/>
+          </a:prstGeom>
+          <a:solidFill>
+            <a:schemeClr val="bg1"/>
+          </a:solidFill>
+        </p:spPr>
+        <p:txBody>
+          <a:bodyPr wrap="square" rtlCol="0">
+            <a:spAutoFit/>
+          </a:bodyPr>
+          <a:lstStyle/>
+          <a:p>
+            <a:pPr algn="ctr"/>
+            <a:r>
+              <a:rPr lang="en-US" sz="1200" dirty="0">
+                <a:latin typeface="CMU Sans Serif" panose="02000603000000000000" pitchFamily="2" charset="0"/>
+                <a:ea typeface="CMU Sans Serif" panose="02000603000000000000" pitchFamily="2" charset="0"/>
+                <a:cs typeface="CMU Sans Serif" panose="02000603000000000000" pitchFamily="2" charset="0"/>
+              </a:rPr>
+              <a:t>Odds of High Regret Scenario</a:t>
+            </a:r>
+          </a:p>
+        </p:txBody>
+      </p:sp>
+      <p:grpSp>
+        <p:nvGrpSpPr>
+          <p:cNvPr id="10" name="Agrupar 9">
+            <a:extLst>
+              <a:ext uri="{FF2B5EF4-FFF2-40B4-BE49-F238E27FC236}">
+                <a16:creationId xmlns:a16="http://schemas.microsoft.com/office/drawing/2014/main" id="{C1282C3F-B0C2-47F4-8C33-924786022044}"/>
+              </a:ext>
+            </a:extLst>
+          </p:cNvPr>
+          <p:cNvGrpSpPr/>
+          <p:nvPr/>
+        </p:nvGrpSpPr>
+        <p:grpSpPr>
+          <a:xfrm>
+            <a:off x="-29201" y="2674824"/>
+            <a:ext cx="5788651" cy="3362716"/>
+            <a:chOff x="-29201" y="2674824"/>
+            <a:chExt cx="5788651" cy="3362716"/>
+          </a:xfrm>
+        </p:grpSpPr>
+        <p:pic>
+          <p:nvPicPr>
+            <p:cNvPr id="3" name="Imagem 2">
+              <a:extLst>
+                <a:ext uri="{FF2B5EF4-FFF2-40B4-BE49-F238E27FC236}">
+                  <a16:creationId xmlns:a16="http://schemas.microsoft.com/office/drawing/2014/main" id="{11434424-5AF6-4712-A111-15F0A46C7016}"/>
+                </a:ext>
+              </a:extLst>
+            </p:cNvPr>
+            <p:cNvPicPr>
+              <a:picLocks noChangeAspect="1"/>
+            </p:cNvPicPr>
+            <p:nvPr/>
+          </p:nvPicPr>
+          <p:blipFill>
+            <a:blip r:embed="rId2" cstate="print">
+              <a:extLst>
+                <a:ext uri="{28A0092B-C50C-407E-A947-70E740481C1C}">
+                  <a14:useLocalDpi xmlns:a14="http://schemas.microsoft.com/office/drawing/2010/main" val="0"/>
+                </a:ext>
+              </a:extLst>
+            </a:blip>
+            <a:stretch>
+              <a:fillRect/>
+            </a:stretch>
+          </p:blipFill>
+          <p:spPr>
+            <a:xfrm>
+              <a:off x="0" y="2674824"/>
+              <a:ext cx="5759450" cy="3291114"/>
+            </a:xfrm>
+            <a:prstGeom prst="rect">
+              <a:avLst/>
+            </a:prstGeom>
+          </p:spPr>
+        </p:pic>
+        <p:cxnSp>
+          <p:nvCxnSpPr>
+            <p:cNvPr id="6" name="Conector reto 5">
+              <a:extLst>
+                <a:ext uri="{FF2B5EF4-FFF2-40B4-BE49-F238E27FC236}">
+                  <a16:creationId xmlns:a16="http://schemas.microsoft.com/office/drawing/2014/main" id="{3D7DD0F4-AA0C-471A-A0F9-6A31FDD9C21E}"/>
+                </a:ext>
+              </a:extLst>
+            </p:cNvPr>
+            <p:cNvCxnSpPr>
+              <a:cxnSpLocks/>
+            </p:cNvCxnSpPr>
+            <p:nvPr/>
+          </p:nvCxnSpPr>
+          <p:spPr>
+            <a:xfrm flipV="1">
+              <a:off x="1909713" y="2736205"/>
+              <a:ext cx="0" cy="2880320"/>
+            </a:xfrm>
+            <a:prstGeom prst="line">
+              <a:avLst/>
+            </a:prstGeom>
+            <a:ln>
+              <a:solidFill>
+                <a:schemeClr val="tx1">
+                  <a:lumMod val="50000"/>
+                  <a:lumOff val="50000"/>
+                </a:schemeClr>
+              </a:solidFill>
+            </a:ln>
+          </p:spPr>
+          <p:style>
+            <a:lnRef idx="1">
+              <a:schemeClr val="dk1"/>
+            </a:lnRef>
+            <a:fillRef idx="0">
+              <a:schemeClr val="dk1"/>
+            </a:fillRef>
+            <a:effectRef idx="0">
+              <a:schemeClr val="dk1"/>
+            </a:effectRef>
+            <a:fontRef idx="minor">
+              <a:schemeClr val="tx1"/>
+            </a:fontRef>
+          </p:style>
+        </p:cxnSp>
+        <p:cxnSp>
+          <p:nvCxnSpPr>
+            <p:cNvPr id="15" name="Conector reto 14">
+              <a:extLst>
+                <a:ext uri="{FF2B5EF4-FFF2-40B4-BE49-F238E27FC236}">
+                  <a16:creationId xmlns:a16="http://schemas.microsoft.com/office/drawing/2014/main" id="{680A8571-EE38-44FC-9B2C-15A529D13A91}"/>
+                </a:ext>
+              </a:extLst>
+            </p:cNvPr>
+            <p:cNvCxnSpPr>
+              <a:cxnSpLocks/>
+            </p:cNvCxnSpPr>
+            <p:nvPr/>
+          </p:nvCxnSpPr>
+          <p:spPr>
+            <a:xfrm flipV="1">
+              <a:off x="2692276" y="2736205"/>
+              <a:ext cx="0" cy="2880320"/>
+            </a:xfrm>
+            <a:prstGeom prst="line">
+              <a:avLst/>
+            </a:prstGeom>
+            <a:ln>
+              <a:solidFill>
+                <a:schemeClr val="tx1">
+                  <a:lumMod val="50000"/>
+                  <a:lumOff val="50000"/>
+                </a:schemeClr>
+              </a:solidFill>
+            </a:ln>
+          </p:spPr>
+          <p:style>
+            <a:lnRef idx="1">
+              <a:schemeClr val="dk1"/>
+            </a:lnRef>
+            <a:fillRef idx="0">
+              <a:schemeClr val="dk1"/>
+            </a:fillRef>
+            <a:effectRef idx="0">
+              <a:schemeClr val="dk1"/>
+            </a:effectRef>
+            <a:fontRef idx="minor">
+              <a:schemeClr val="tx1"/>
+            </a:fontRef>
+          </p:style>
+        </p:cxnSp>
+        <p:sp>
+          <p:nvSpPr>
+            <p:cNvPr id="11" name="CaixaDeTexto 10">
+              <a:extLst>
+                <a:ext uri="{FF2B5EF4-FFF2-40B4-BE49-F238E27FC236}">
+                  <a16:creationId xmlns:a16="http://schemas.microsoft.com/office/drawing/2014/main" id="{5085421E-C549-40DF-A0CF-48D2AC012678}"/>
+                </a:ext>
+              </a:extLst>
+            </p:cNvPr>
+            <p:cNvSpPr txBox="1"/>
+            <p:nvPr/>
+          </p:nvSpPr>
+          <p:spPr>
+            <a:xfrm>
+              <a:off x="847521" y="2920122"/>
+              <a:ext cx="811767" cy="523220"/>
+            </a:xfrm>
+            <a:prstGeom prst="rect">
+              <a:avLst/>
+            </a:prstGeom>
+          </p:spPr>
+          <p:style>
+            <a:lnRef idx="1">
+              <a:schemeClr val="accent1"/>
+            </a:lnRef>
+            <a:fillRef idx="3">
+              <a:schemeClr val="accent1"/>
+            </a:fillRef>
+            <a:effectRef idx="2">
+              <a:schemeClr val="accent1"/>
+            </a:effectRef>
+            <a:fontRef idx="minor">
+              <a:schemeClr val="lt1"/>
+            </a:fontRef>
+          </p:style>
+          <p:txBody>
+            <a:bodyPr wrap="square" rtlCol="0">
+              <a:spAutoFit/>
+            </a:bodyPr>
+            <a:lstStyle/>
+            <a:p>
+              <a:pPr algn="ctr"/>
+              <a:r>
+                <a:rPr lang="pt-BR" sz="1600" dirty="0">
+                  <a:latin typeface="CMU Sans Serif" panose="02000603000000000000" pitchFamily="2" charset="0"/>
+                  <a:ea typeface="CMU Sans Serif" panose="02000603000000000000" pitchFamily="2" charset="0"/>
+                  <a:cs typeface="CMU Sans Serif" panose="02000603000000000000" pitchFamily="2" charset="0"/>
+                </a:rPr>
+                <a:t>S 31 </a:t>
+              </a:r>
+            </a:p>
+            <a:p>
+              <a:pPr algn="ctr"/>
+              <a:r>
+                <a:rPr lang="pt-BR" sz="1200" dirty="0">
+                  <a:latin typeface="CMU Sans Serif" panose="02000603000000000000" pitchFamily="2" charset="0"/>
+                  <a:ea typeface="CMU Sans Serif" panose="02000603000000000000" pitchFamily="2" charset="0"/>
+                  <a:cs typeface="CMU Sans Serif" panose="02000603000000000000" pitchFamily="2" charset="0"/>
+                </a:rPr>
+                <a:t>TM: 40%</a:t>
+              </a:r>
+            </a:p>
+          </p:txBody>
+        </p:sp>
+        <p:cxnSp>
+          <p:nvCxnSpPr>
+            <p:cNvPr id="19" name="Conector de Seta Reta 18">
+              <a:extLst>
+                <a:ext uri="{FF2B5EF4-FFF2-40B4-BE49-F238E27FC236}">
+                  <a16:creationId xmlns:a16="http://schemas.microsoft.com/office/drawing/2014/main" id="{5AFBABD6-CA73-4317-87EC-962ADF9D19F2}"/>
+                </a:ext>
+              </a:extLst>
+            </p:cNvPr>
+            <p:cNvCxnSpPr>
+              <a:cxnSpLocks/>
+              <a:stCxn id="11" idx="2"/>
+            </p:cNvCxnSpPr>
+            <p:nvPr/>
+          </p:nvCxnSpPr>
+          <p:spPr>
+            <a:xfrm>
+              <a:off x="1253405" y="3443342"/>
+              <a:ext cx="0" cy="1957159"/>
+            </a:xfrm>
+            <a:prstGeom prst="straightConnector1">
+              <a:avLst/>
+            </a:prstGeom>
+            <a:ln>
+              <a:solidFill>
+                <a:schemeClr val="tx1">
+                  <a:lumMod val="50000"/>
+                  <a:lumOff val="50000"/>
+                </a:schemeClr>
+              </a:solidFill>
+              <a:tailEnd type="triangle"/>
+            </a:ln>
+          </p:spPr>
+          <p:style>
+            <a:lnRef idx="1">
+              <a:schemeClr val="dk1"/>
+            </a:lnRef>
+            <a:fillRef idx="0">
+              <a:schemeClr val="dk1"/>
+            </a:fillRef>
+            <a:effectRef idx="0">
+              <a:schemeClr val="dk1"/>
+            </a:effectRef>
+            <a:fontRef idx="minor">
+              <a:schemeClr val="tx1"/>
+            </a:fontRef>
+          </p:style>
+        </p:cxnSp>
+        <p:sp>
+          <p:nvSpPr>
+            <p:cNvPr id="12" name="CaixaDeTexto 11">
+              <a:extLst>
+                <a:ext uri="{FF2B5EF4-FFF2-40B4-BE49-F238E27FC236}">
+                  <a16:creationId xmlns:a16="http://schemas.microsoft.com/office/drawing/2014/main" id="{154AA18B-BEFE-4E02-A4C3-7A52CBFF49E1}"/>
+                </a:ext>
+              </a:extLst>
+            </p:cNvPr>
+            <p:cNvSpPr txBox="1"/>
+            <p:nvPr/>
+          </p:nvSpPr>
+          <p:spPr>
+            <a:xfrm>
+              <a:off x="1362715" y="5760541"/>
+              <a:ext cx="3245202" cy="276999"/>
+            </a:xfrm>
+            <a:prstGeom prst="rect">
+              <a:avLst/>
+            </a:prstGeom>
+            <a:solidFill>
+              <a:schemeClr val="bg1"/>
+            </a:solidFill>
+          </p:spPr>
+          <p:txBody>
+            <a:bodyPr wrap="square" rtlCol="0">
+              <a:spAutoFit/>
+            </a:bodyPr>
+            <a:lstStyle/>
+            <a:p>
+              <a:pPr algn="ctr"/>
+              <a:r>
+                <a:rPr lang="en-US" sz="1200" dirty="0">
+                  <a:latin typeface="CMU Sans Serif" panose="02000603000000000000" pitchFamily="2" charset="0"/>
+                  <a:ea typeface="CMU Sans Serif" panose="02000603000000000000" pitchFamily="2" charset="0"/>
+                  <a:cs typeface="CMU Sans Serif" panose="02000603000000000000" pitchFamily="2" charset="0"/>
+                </a:rPr>
+                <a:t>Odds of High Regret Scenario</a:t>
+              </a:r>
+            </a:p>
+          </p:txBody>
+        </p:sp>
+        <p:sp>
+          <p:nvSpPr>
+            <p:cNvPr id="13" name="CaixaDeTexto 12">
+              <a:extLst>
+                <a:ext uri="{FF2B5EF4-FFF2-40B4-BE49-F238E27FC236}">
+                  <a16:creationId xmlns:a16="http://schemas.microsoft.com/office/drawing/2014/main" id="{B1F36935-A71C-47BD-A542-D63C01F53944}"/>
+                </a:ext>
+              </a:extLst>
+            </p:cNvPr>
+            <p:cNvSpPr txBox="1"/>
+            <p:nvPr/>
+          </p:nvSpPr>
+          <p:spPr>
+            <a:xfrm rot="16200000">
+              <a:off x="-1234036" y="4168068"/>
+              <a:ext cx="2686669" cy="276999"/>
+            </a:xfrm>
+            <a:prstGeom prst="rect">
+              <a:avLst/>
+            </a:prstGeom>
+            <a:solidFill>
+              <a:schemeClr val="bg1"/>
+            </a:solidFill>
+          </p:spPr>
+          <p:txBody>
+            <a:bodyPr wrap="square" rtlCol="0">
+              <a:spAutoFit/>
+            </a:bodyPr>
+            <a:lstStyle/>
+            <a:p>
+              <a:pPr algn="ctr"/>
+              <a:r>
+                <a:rPr lang="en-US" sz="1200" dirty="0">
+                  <a:latin typeface="CMU Sans Serif" panose="02000603000000000000" pitchFamily="2" charset="0"/>
+                  <a:ea typeface="CMU Sans Serif" panose="02000603000000000000" pitchFamily="2" charset="0"/>
+                  <a:cs typeface="CMU Sans Serif" panose="02000603000000000000" pitchFamily="2" charset="0"/>
+                </a:rPr>
+                <a:t>Expected Regret</a:t>
+              </a:r>
+            </a:p>
+          </p:txBody>
+        </p:sp>
+        <p:sp>
+          <p:nvSpPr>
+            <p:cNvPr id="24" name="CaixaDeTexto 23">
+              <a:extLst>
+                <a:ext uri="{FF2B5EF4-FFF2-40B4-BE49-F238E27FC236}">
+                  <a16:creationId xmlns:a16="http://schemas.microsoft.com/office/drawing/2014/main" id="{6D7B75C6-C333-4C55-A5C9-5BE381D3449F}"/>
+                </a:ext>
+              </a:extLst>
+            </p:cNvPr>
+            <p:cNvSpPr txBox="1"/>
+            <p:nvPr/>
+          </p:nvSpPr>
+          <p:spPr>
+            <a:xfrm>
+              <a:off x="1909711" y="2920122"/>
+              <a:ext cx="811767" cy="523220"/>
+            </a:xfrm>
+            <a:prstGeom prst="rect">
+              <a:avLst/>
+            </a:prstGeom>
+          </p:spPr>
+          <p:style>
+            <a:lnRef idx="1">
+              <a:schemeClr val="accent1"/>
+            </a:lnRef>
+            <a:fillRef idx="3">
+              <a:schemeClr val="accent1"/>
+            </a:fillRef>
+            <a:effectRef idx="2">
+              <a:schemeClr val="accent1"/>
+            </a:effectRef>
+            <a:fontRef idx="minor">
+              <a:schemeClr val="lt1"/>
+            </a:fontRef>
+          </p:style>
+          <p:txBody>
+            <a:bodyPr wrap="square" rtlCol="0">
+              <a:spAutoFit/>
+            </a:bodyPr>
+            <a:lstStyle/>
+            <a:p>
+              <a:pPr algn="ctr"/>
+              <a:r>
+                <a:rPr lang="pt-BR" sz="1600" dirty="0">
+                  <a:latin typeface="CMU Sans Serif" panose="02000603000000000000" pitchFamily="2" charset="0"/>
+                  <a:ea typeface="CMU Sans Serif" panose="02000603000000000000" pitchFamily="2" charset="0"/>
+                  <a:cs typeface="CMU Sans Serif" panose="02000603000000000000" pitchFamily="2" charset="0"/>
+                </a:rPr>
+                <a:t>S 25 </a:t>
+              </a:r>
+            </a:p>
+            <a:p>
+              <a:pPr algn="ctr"/>
+              <a:r>
+                <a:rPr lang="pt-BR" sz="1200" dirty="0">
+                  <a:latin typeface="CMU Sans Serif" panose="02000603000000000000" pitchFamily="2" charset="0"/>
+                  <a:ea typeface="CMU Sans Serif" panose="02000603000000000000" pitchFamily="2" charset="0"/>
+                  <a:cs typeface="CMU Sans Serif" panose="02000603000000000000" pitchFamily="2" charset="0"/>
+                </a:rPr>
+                <a:t>TM: 30%</a:t>
+              </a:r>
+            </a:p>
+          </p:txBody>
+        </p:sp>
+        <p:cxnSp>
+          <p:nvCxnSpPr>
+            <p:cNvPr id="25" name="Conector de Seta Reta 24">
+              <a:extLst>
+                <a:ext uri="{FF2B5EF4-FFF2-40B4-BE49-F238E27FC236}">
+                  <a16:creationId xmlns:a16="http://schemas.microsoft.com/office/drawing/2014/main" id="{70F5022D-07C9-48FE-9BC4-A957F142F3A6}"/>
+                </a:ext>
+              </a:extLst>
+            </p:cNvPr>
+            <p:cNvCxnSpPr>
+              <a:cxnSpLocks/>
+              <a:stCxn id="24" idx="2"/>
+            </p:cNvCxnSpPr>
+            <p:nvPr/>
+          </p:nvCxnSpPr>
+          <p:spPr>
+            <a:xfrm>
+              <a:off x="2315595" y="3443342"/>
+              <a:ext cx="0" cy="1597119"/>
+            </a:xfrm>
+            <a:prstGeom prst="straightConnector1">
+              <a:avLst/>
+            </a:prstGeom>
+            <a:ln>
+              <a:solidFill>
+                <a:schemeClr val="tx1">
+                  <a:lumMod val="50000"/>
+                  <a:lumOff val="50000"/>
+                </a:schemeClr>
+              </a:solidFill>
+              <a:tailEnd type="triangle"/>
+            </a:ln>
+          </p:spPr>
+          <p:style>
+            <a:lnRef idx="1">
+              <a:schemeClr val="dk1"/>
+            </a:lnRef>
+            <a:fillRef idx="0">
+              <a:schemeClr val="dk1"/>
+            </a:fillRef>
+            <a:effectRef idx="0">
+              <a:schemeClr val="dk1"/>
+            </a:effectRef>
+            <a:fontRef idx="minor">
+              <a:schemeClr val="tx1"/>
+            </a:fontRef>
+          </p:style>
+        </p:cxnSp>
+        <p:sp>
+          <p:nvSpPr>
+            <p:cNvPr id="26" name="CaixaDeTexto 25">
+              <a:extLst>
+                <a:ext uri="{FF2B5EF4-FFF2-40B4-BE49-F238E27FC236}">
+                  <a16:creationId xmlns:a16="http://schemas.microsoft.com/office/drawing/2014/main" id="{E4C107EE-4C79-4A89-A7E4-9D0F50471DA7}"/>
+                </a:ext>
+              </a:extLst>
+            </p:cNvPr>
+            <p:cNvSpPr txBox="1"/>
+            <p:nvPr/>
+          </p:nvSpPr>
+          <p:spPr>
+            <a:xfrm>
+              <a:off x="3323623" y="2920122"/>
+              <a:ext cx="811767" cy="523220"/>
+            </a:xfrm>
+            <a:prstGeom prst="rect">
+              <a:avLst/>
+            </a:prstGeom>
+          </p:spPr>
+          <p:style>
+            <a:lnRef idx="1">
+              <a:schemeClr val="accent1"/>
+            </a:lnRef>
+            <a:fillRef idx="3">
+              <a:schemeClr val="accent1"/>
+            </a:fillRef>
+            <a:effectRef idx="2">
+              <a:schemeClr val="accent1"/>
+            </a:effectRef>
+            <a:fontRef idx="minor">
+              <a:schemeClr val="lt1"/>
+            </a:fontRef>
+          </p:style>
+          <p:txBody>
+            <a:bodyPr wrap="square" rtlCol="0">
+              <a:spAutoFit/>
+            </a:bodyPr>
+            <a:lstStyle/>
+            <a:p>
+              <a:pPr algn="ctr"/>
+              <a:r>
+                <a:rPr lang="pt-BR" sz="1600" dirty="0">
+                  <a:latin typeface="CMU Sans Serif" panose="02000603000000000000" pitchFamily="2" charset="0"/>
+                  <a:ea typeface="CMU Sans Serif" panose="02000603000000000000" pitchFamily="2" charset="0"/>
+                  <a:cs typeface="CMU Sans Serif" panose="02000603000000000000" pitchFamily="2" charset="0"/>
+                </a:rPr>
+                <a:t>S 19 </a:t>
+              </a:r>
+            </a:p>
+            <a:p>
+              <a:pPr algn="ctr"/>
+              <a:r>
+                <a:rPr lang="pt-BR" sz="1200" dirty="0">
+                  <a:latin typeface="CMU Sans Serif" panose="02000603000000000000" pitchFamily="2" charset="0"/>
+                  <a:ea typeface="CMU Sans Serif" panose="02000603000000000000" pitchFamily="2" charset="0"/>
+                  <a:cs typeface="CMU Sans Serif" panose="02000603000000000000" pitchFamily="2" charset="0"/>
+                </a:rPr>
+                <a:t>TM: 20%</a:t>
+              </a:r>
+            </a:p>
+          </p:txBody>
+        </p:sp>
+        <p:cxnSp>
+          <p:nvCxnSpPr>
+            <p:cNvPr id="27" name="Conector de Seta Reta 26">
+              <a:extLst>
+                <a:ext uri="{FF2B5EF4-FFF2-40B4-BE49-F238E27FC236}">
+                  <a16:creationId xmlns:a16="http://schemas.microsoft.com/office/drawing/2014/main" id="{E7267F6E-4F26-43E9-B20A-16026B9F528E}"/>
+                </a:ext>
+              </a:extLst>
+            </p:cNvPr>
+            <p:cNvCxnSpPr>
+              <a:cxnSpLocks/>
+              <a:stCxn id="26" idx="2"/>
+            </p:cNvCxnSpPr>
+            <p:nvPr/>
+          </p:nvCxnSpPr>
+          <p:spPr>
+            <a:xfrm>
+              <a:off x="3729507" y="3443342"/>
+              <a:ext cx="0" cy="1525111"/>
+            </a:xfrm>
+            <a:prstGeom prst="straightConnector1">
+              <a:avLst/>
+            </a:prstGeom>
+            <a:ln>
+              <a:solidFill>
+                <a:schemeClr val="tx1">
+                  <a:lumMod val="50000"/>
+                  <a:lumOff val="50000"/>
+                </a:schemeClr>
+              </a:solidFill>
+              <a:tailEnd type="triangle"/>
+            </a:ln>
+          </p:spPr>
+          <p:style>
+            <a:lnRef idx="1">
+              <a:schemeClr val="dk1"/>
+            </a:lnRef>
+            <a:fillRef idx="0">
+              <a:schemeClr val="dk1"/>
+            </a:fillRef>
+            <a:effectRef idx="0">
+              <a:schemeClr val="dk1"/>
+            </a:effectRef>
+            <a:fontRef idx="minor">
+              <a:schemeClr val="tx1"/>
+            </a:fontRef>
+          </p:style>
+        </p:cxnSp>
+        <p:sp>
+          <p:nvSpPr>
+            <p:cNvPr id="28" name="CaixaDeTexto 27">
+              <a:extLst>
+                <a:ext uri="{FF2B5EF4-FFF2-40B4-BE49-F238E27FC236}">
+                  <a16:creationId xmlns:a16="http://schemas.microsoft.com/office/drawing/2014/main" id="{3A1D44A0-6F62-4D0A-94BF-BFB2DBF58749}"/>
+                </a:ext>
+              </a:extLst>
+            </p:cNvPr>
+            <p:cNvSpPr txBox="1"/>
+            <p:nvPr/>
+          </p:nvSpPr>
+          <p:spPr>
+            <a:xfrm>
+              <a:off x="1367557" y="5750320"/>
+              <a:ext cx="3245202" cy="276999"/>
+            </a:xfrm>
+            <a:prstGeom prst="rect">
+              <a:avLst/>
+            </a:prstGeom>
+            <a:solidFill>
+              <a:schemeClr val="bg1"/>
+            </a:solidFill>
+          </p:spPr>
+          <p:txBody>
+            <a:bodyPr wrap="square" rtlCol="0">
+              <a:spAutoFit/>
+            </a:bodyPr>
+            <a:lstStyle/>
+            <a:p>
+              <a:pPr algn="ctr"/>
+              <a:r>
+                <a:rPr lang="en-US" sz="1200" dirty="0">
+                  <a:latin typeface="CMU Sans Serif" panose="02000603000000000000" pitchFamily="2" charset="0"/>
+                  <a:ea typeface="CMU Sans Serif" panose="02000603000000000000" pitchFamily="2" charset="0"/>
+                  <a:cs typeface="CMU Sans Serif" panose="02000603000000000000" pitchFamily="2" charset="0"/>
+                </a:rPr>
+                <a:t>Odds of High Regret Scenario</a:t>
+              </a:r>
+            </a:p>
+          </p:txBody>
+        </p:sp>
+        <p:sp>
+          <p:nvSpPr>
+            <p:cNvPr id="29" name="CaixaDeTexto 28">
+              <a:extLst>
+                <a:ext uri="{FF2B5EF4-FFF2-40B4-BE49-F238E27FC236}">
+                  <a16:creationId xmlns:a16="http://schemas.microsoft.com/office/drawing/2014/main" id="{EA217782-E935-44DE-AFDD-70D165BA0F63}"/>
+                </a:ext>
+              </a:extLst>
+            </p:cNvPr>
+            <p:cNvSpPr txBox="1"/>
+            <p:nvPr/>
+          </p:nvSpPr>
+          <p:spPr>
+            <a:xfrm>
+              <a:off x="4957511" y="3384277"/>
+              <a:ext cx="776876" cy="276999"/>
+            </a:xfrm>
+            <a:prstGeom prst="rect">
+              <a:avLst/>
+            </a:prstGeom>
+            <a:solidFill>
+              <a:schemeClr val="bg1"/>
+            </a:solidFill>
+          </p:spPr>
+          <p:txBody>
+            <a:bodyPr wrap="square" rtlCol="0">
+              <a:spAutoFit/>
+            </a:bodyPr>
+            <a:lstStyle/>
+            <a:p>
+              <a:pPr algn="ctr"/>
+              <a:r>
+                <a:rPr lang="en-US" sz="1200">
+                  <a:latin typeface="CMU Sans Serif" panose="02000603000000000000" pitchFamily="2" charset="0"/>
+                  <a:ea typeface="CMU Sans Serif" panose="02000603000000000000" pitchFamily="2" charset="0"/>
+                  <a:cs typeface="CMU Sans Serif" panose="02000603000000000000" pitchFamily="2" charset="0"/>
+                </a:rPr>
+                <a:t>Strategy</a:t>
+              </a:r>
+              <a:endParaRPr lang="en-US" sz="1200" dirty="0">
+                <a:latin typeface="CMU Sans Serif" panose="02000603000000000000" pitchFamily="2" charset="0"/>
+                <a:ea typeface="CMU Sans Serif" panose="02000603000000000000" pitchFamily="2" charset="0"/>
+                <a:cs typeface="CMU Sans Serif" panose="02000603000000000000" pitchFamily="2" charset="0"/>
+              </a:endParaRPr>
+            </a:p>
+          </p:txBody>
+        </p:sp>
+      </p:grpSp>
+    </p:spTree>
+    <p:extLst>
+      <p:ext uri="{BB962C8B-B14F-4D97-AF65-F5344CB8AC3E}">
+        <p14:creationId xmlns:p14="http://schemas.microsoft.com/office/powerpoint/2010/main" val="3555695090"/>
+      </p:ext>
+    </p:extLst>
+  </p:cSld>
+  <p:clrMapOvr>
+    <a:masterClrMapping/>
+  </p:clrMapOvr>
+</p:sld>
+</file>
+
+<file path=ppt/slides/slide21.xml><?xml version="1.0" encoding="utf-8"?>
+<p:sld xmlns:a="http://schemas.openxmlformats.org/drawingml/2006/main" xmlns:r="http://schemas.openxmlformats.org/officeDocument/2006/relationships" xmlns:p="http://schemas.openxmlformats.org/presentationml/2006/main">
+  <p:cSld>
+    <p:spTree>
+      <p:nvGrpSpPr>
+        <p:cNvPr id="1" name=""/>
+        <p:cNvGrpSpPr/>
+        <p:nvPr/>
+      </p:nvGrpSpPr>
+      <p:grpSpPr>
+        <a:xfrm>
+          <a:off x="0" y="0"/>
+          <a:ext cx="0" cy="0"/>
+          <a:chOff x="0" y="0"/>
+          <a:chExt cx="0" cy="0"/>
+        </a:xfrm>
+      </p:grpSpPr>
+      <p:pic>
+        <p:nvPicPr>
+          <p:cNvPr id="3" name="Imagem 2">
+            <a:extLst>
+              <a:ext uri="{FF2B5EF4-FFF2-40B4-BE49-F238E27FC236}">
+                <a16:creationId xmlns:a16="http://schemas.microsoft.com/office/drawing/2014/main" id="{11434424-5AF6-4712-A111-15F0A46C7016}"/>
+              </a:ext>
+            </a:extLst>
+          </p:cNvPr>
+          <p:cNvPicPr>
+            <a:picLocks noChangeAspect="1"/>
+          </p:cNvPicPr>
+          <p:nvPr/>
+        </p:nvPicPr>
+        <p:blipFill>
+          <a:blip r:embed="rId2" cstate="print">
+            <a:extLst>
+              <a:ext uri="{28A0092B-C50C-407E-A947-70E740481C1C}">
+                <a14:useLocalDpi xmlns:a14="http://schemas.microsoft.com/office/drawing/2010/main" val="0"/>
+              </a:ext>
+            </a:extLst>
+          </a:blip>
+          <a:stretch>
+            <a:fillRect/>
+          </a:stretch>
+        </p:blipFill>
+        <p:spPr>
+          <a:xfrm>
+            <a:off x="0" y="2674824"/>
+            <a:ext cx="5759450" cy="3291114"/>
+          </a:xfrm>
+          <a:prstGeom prst="rect">
+            <a:avLst/>
+          </a:prstGeom>
+        </p:spPr>
+      </p:pic>
+      <p:cxnSp>
+        <p:nvCxnSpPr>
+          <p:cNvPr id="6" name="Conector reto 5">
+            <a:extLst>
+              <a:ext uri="{FF2B5EF4-FFF2-40B4-BE49-F238E27FC236}">
+                <a16:creationId xmlns:a16="http://schemas.microsoft.com/office/drawing/2014/main" id="{3D7DD0F4-AA0C-471A-A0F9-6A31FDD9C21E}"/>
+              </a:ext>
+            </a:extLst>
+          </p:cNvPr>
+          <p:cNvCxnSpPr>
+            <a:cxnSpLocks/>
+          </p:cNvCxnSpPr>
+          <p:nvPr/>
+        </p:nvCxnSpPr>
+        <p:spPr>
+          <a:xfrm flipV="1">
+            <a:off x="1909713" y="2736205"/>
+            <a:ext cx="0" cy="2880320"/>
+          </a:xfrm>
+          <a:prstGeom prst="line">
+            <a:avLst/>
+          </a:prstGeom>
+          <a:ln>
+            <a:solidFill>
+              <a:schemeClr val="tx1">
+                <a:lumMod val="50000"/>
+                <a:lumOff val="50000"/>
+              </a:schemeClr>
+            </a:solidFill>
+          </a:ln>
+        </p:spPr>
+        <p:style>
+          <a:lnRef idx="1">
+            <a:schemeClr val="dk1"/>
+          </a:lnRef>
+          <a:fillRef idx="0">
+            <a:schemeClr val="dk1"/>
+          </a:fillRef>
+          <a:effectRef idx="0">
+            <a:schemeClr val="dk1"/>
+          </a:effectRef>
+          <a:fontRef idx="minor">
+            <a:schemeClr val="tx1"/>
+          </a:fontRef>
+        </p:style>
+      </p:cxnSp>
+      <p:cxnSp>
+        <p:nvCxnSpPr>
+          <p:cNvPr id="15" name="Conector reto 14">
+            <a:extLst>
+              <a:ext uri="{FF2B5EF4-FFF2-40B4-BE49-F238E27FC236}">
+                <a16:creationId xmlns:a16="http://schemas.microsoft.com/office/drawing/2014/main" id="{680A8571-EE38-44FC-9B2C-15A529D13A91}"/>
+              </a:ext>
+            </a:extLst>
+          </p:cNvPr>
+          <p:cNvCxnSpPr>
+            <a:cxnSpLocks/>
+          </p:cNvCxnSpPr>
+          <p:nvPr/>
+        </p:nvCxnSpPr>
+        <p:spPr>
+          <a:xfrm flipV="1">
+            <a:off x="2692276" y="2736205"/>
+            <a:ext cx="0" cy="2880320"/>
+          </a:xfrm>
+          <a:prstGeom prst="line">
+            <a:avLst/>
+          </a:prstGeom>
+          <a:ln>
+            <a:solidFill>
+              <a:schemeClr val="tx1">
+                <a:lumMod val="50000"/>
+                <a:lumOff val="50000"/>
+              </a:schemeClr>
+            </a:solidFill>
+          </a:ln>
+        </p:spPr>
+        <p:style>
+          <a:lnRef idx="1">
+            <a:schemeClr val="dk1"/>
+          </a:lnRef>
+          <a:fillRef idx="0">
+            <a:schemeClr val="dk1"/>
+          </a:fillRef>
+          <a:effectRef idx="0">
+            <a:schemeClr val="dk1"/>
+          </a:effectRef>
+          <a:fontRef idx="minor">
+            <a:schemeClr val="tx1"/>
+          </a:fontRef>
+        </p:style>
+      </p:cxnSp>
+      <p:sp>
+        <p:nvSpPr>
+          <p:cNvPr id="11" name="CaixaDeTexto 10">
+            <a:extLst>
+              <a:ext uri="{FF2B5EF4-FFF2-40B4-BE49-F238E27FC236}">
+                <a16:creationId xmlns:a16="http://schemas.microsoft.com/office/drawing/2014/main" id="{5085421E-C549-40DF-A0CF-48D2AC012678}"/>
+              </a:ext>
+            </a:extLst>
+          </p:cNvPr>
+          <p:cNvSpPr txBox="1"/>
+          <p:nvPr/>
+        </p:nvSpPr>
+        <p:spPr>
+          <a:xfrm>
+            <a:off x="1001382" y="3456285"/>
+            <a:ext cx="504044" cy="369332"/>
+          </a:xfrm>
+          <a:prstGeom prst="rect">
+            <a:avLst/>
+          </a:prstGeom>
+          <a:noFill/>
+        </p:spPr>
+        <p:txBody>
+          <a:bodyPr wrap="square" rtlCol="0">
+            <a:spAutoFit/>
+          </a:bodyPr>
+          <a:lstStyle/>
+          <a:p>
+            <a:pPr algn="ctr"/>
+            <a:r>
+              <a:rPr lang="pt-BR" dirty="0">
+                <a:latin typeface="CMU Sans Serif" panose="02000603000000000000" pitchFamily="2" charset="0"/>
+                <a:ea typeface="CMU Sans Serif" panose="02000603000000000000" pitchFamily="2" charset="0"/>
+                <a:cs typeface="CMU Sans Serif" panose="02000603000000000000" pitchFamily="2" charset="0"/>
+              </a:rPr>
+              <a:t>31</a:t>
+            </a:r>
+          </a:p>
+        </p:txBody>
+      </p:sp>
+      <p:sp>
+        <p:nvSpPr>
+          <p:cNvPr id="16" name="CaixaDeTexto 15">
+            <a:extLst>
+              <a:ext uri="{FF2B5EF4-FFF2-40B4-BE49-F238E27FC236}">
+                <a16:creationId xmlns:a16="http://schemas.microsoft.com/office/drawing/2014/main" id="{D8894B31-E61E-41C5-B929-E072A1534CA0}"/>
+              </a:ext>
+            </a:extLst>
+          </p:cNvPr>
+          <p:cNvSpPr txBox="1"/>
+          <p:nvPr/>
+        </p:nvSpPr>
+        <p:spPr>
+          <a:xfrm>
+            <a:off x="2048973" y="3454995"/>
+            <a:ext cx="504044" cy="369332"/>
+          </a:xfrm>
+          <a:prstGeom prst="rect">
+            <a:avLst/>
+          </a:prstGeom>
+          <a:noFill/>
+        </p:spPr>
+        <p:txBody>
+          <a:bodyPr wrap="square" rtlCol="0">
+            <a:spAutoFit/>
+          </a:bodyPr>
+          <a:lstStyle/>
+          <a:p>
+            <a:pPr algn="ctr"/>
+            <a:r>
+              <a:rPr lang="pt-BR" dirty="0">
+                <a:latin typeface="CMU Sans Serif" panose="02000603000000000000" pitchFamily="2" charset="0"/>
+                <a:ea typeface="CMU Sans Serif" panose="02000603000000000000" pitchFamily="2" charset="0"/>
+                <a:cs typeface="CMU Sans Serif" panose="02000603000000000000" pitchFamily="2" charset="0"/>
+              </a:rPr>
+              <a:t>19</a:t>
+            </a:r>
+          </a:p>
+        </p:txBody>
+      </p:sp>
+      <p:sp>
+        <p:nvSpPr>
+          <p:cNvPr id="17" name="CaixaDeTexto 16">
+            <a:extLst>
+              <a:ext uri="{FF2B5EF4-FFF2-40B4-BE49-F238E27FC236}">
+                <a16:creationId xmlns:a16="http://schemas.microsoft.com/office/drawing/2014/main" id="{B426ACAB-467E-4A36-B42B-569C828839B6}"/>
+              </a:ext>
+            </a:extLst>
+          </p:cNvPr>
+          <p:cNvSpPr txBox="1"/>
+          <p:nvPr/>
+        </p:nvSpPr>
+        <p:spPr>
+          <a:xfrm>
+            <a:off x="3582559" y="3454995"/>
+            <a:ext cx="504044" cy="369332"/>
+          </a:xfrm>
+          <a:prstGeom prst="rect">
+            <a:avLst/>
+          </a:prstGeom>
+          <a:noFill/>
+        </p:spPr>
+        <p:txBody>
+          <a:bodyPr wrap="square" rtlCol="0">
+            <a:spAutoFit/>
+          </a:bodyPr>
+          <a:lstStyle/>
+          <a:p>
+            <a:pPr algn="ctr"/>
+            <a:r>
+              <a:rPr lang="pt-BR" dirty="0">
+                <a:latin typeface="CMU Sans Serif" panose="02000603000000000000" pitchFamily="2" charset="0"/>
+                <a:ea typeface="CMU Sans Serif" panose="02000603000000000000" pitchFamily="2" charset="0"/>
+                <a:cs typeface="CMU Sans Serif" panose="02000603000000000000" pitchFamily="2" charset="0"/>
+              </a:rPr>
+              <a:t>25</a:t>
+            </a:r>
+          </a:p>
+        </p:txBody>
+      </p:sp>
+      <p:cxnSp>
+        <p:nvCxnSpPr>
+          <p:cNvPr id="19" name="Conector de Seta Reta 18">
+            <a:extLst>
+              <a:ext uri="{FF2B5EF4-FFF2-40B4-BE49-F238E27FC236}">
+                <a16:creationId xmlns:a16="http://schemas.microsoft.com/office/drawing/2014/main" id="{5AFBABD6-CA73-4317-87EC-962ADF9D19F2}"/>
+              </a:ext>
+            </a:extLst>
+          </p:cNvPr>
+          <p:cNvCxnSpPr>
+            <a:cxnSpLocks/>
+            <a:stCxn id="11" idx="2"/>
+          </p:cNvCxnSpPr>
+          <p:nvPr/>
+        </p:nvCxnSpPr>
+        <p:spPr>
+          <a:xfrm>
+            <a:off x="1253404" y="3825617"/>
+            <a:ext cx="0" cy="1574884"/>
+          </a:xfrm>
+          <a:prstGeom prst="straightConnector1">
+            <a:avLst/>
+          </a:prstGeom>
+          <a:ln>
+            <a:solidFill>
+              <a:schemeClr val="tx1">
+                <a:lumMod val="50000"/>
+                <a:lumOff val="50000"/>
+              </a:schemeClr>
+            </a:solidFill>
+            <a:tailEnd type="triangle"/>
+          </a:ln>
+        </p:spPr>
+        <p:style>
+          <a:lnRef idx="1">
+            <a:schemeClr val="dk1"/>
+          </a:lnRef>
+          <a:fillRef idx="0">
+            <a:schemeClr val="dk1"/>
+          </a:fillRef>
+          <a:effectRef idx="0">
+            <a:schemeClr val="dk1"/>
+          </a:effectRef>
+          <a:fontRef idx="minor">
+            <a:schemeClr val="tx1"/>
+          </a:fontRef>
+        </p:style>
+      </p:cxnSp>
+      <p:cxnSp>
+        <p:nvCxnSpPr>
+          <p:cNvPr id="20" name="Conector de Seta Reta 19">
+            <a:extLst>
+              <a:ext uri="{FF2B5EF4-FFF2-40B4-BE49-F238E27FC236}">
+                <a16:creationId xmlns:a16="http://schemas.microsoft.com/office/drawing/2014/main" id="{EDBF2E31-5966-404A-9DB9-9759361D3A30}"/>
+              </a:ext>
+            </a:extLst>
+          </p:cNvPr>
+          <p:cNvCxnSpPr>
+            <a:cxnSpLocks/>
+          </p:cNvCxnSpPr>
+          <p:nvPr/>
+        </p:nvCxnSpPr>
+        <p:spPr>
+          <a:xfrm>
+            <a:off x="2306624" y="3825617"/>
+            <a:ext cx="0" cy="1214844"/>
+          </a:xfrm>
+          <a:prstGeom prst="straightConnector1">
+            <a:avLst/>
+          </a:prstGeom>
+          <a:ln>
+            <a:solidFill>
+              <a:schemeClr val="tx1">
+                <a:lumMod val="50000"/>
+                <a:lumOff val="50000"/>
+              </a:schemeClr>
+            </a:solidFill>
+            <a:tailEnd type="triangle"/>
+          </a:ln>
+        </p:spPr>
+        <p:style>
+          <a:lnRef idx="1">
+            <a:schemeClr val="dk1"/>
+          </a:lnRef>
+          <a:fillRef idx="0">
+            <a:schemeClr val="dk1"/>
+          </a:fillRef>
+          <a:effectRef idx="0">
+            <a:schemeClr val="dk1"/>
+          </a:effectRef>
+          <a:fontRef idx="minor">
+            <a:schemeClr val="tx1"/>
+          </a:fontRef>
+        </p:style>
+      </p:cxnSp>
+      <p:cxnSp>
+        <p:nvCxnSpPr>
+          <p:cNvPr id="21" name="Conector de Seta Reta 20">
+            <a:extLst>
+              <a:ext uri="{FF2B5EF4-FFF2-40B4-BE49-F238E27FC236}">
+                <a16:creationId xmlns:a16="http://schemas.microsoft.com/office/drawing/2014/main" id="{9AEE80E4-D0DD-4BB3-A9A8-6942A698054E}"/>
+              </a:ext>
+            </a:extLst>
+          </p:cNvPr>
+          <p:cNvCxnSpPr>
+            <a:cxnSpLocks/>
+          </p:cNvCxnSpPr>
+          <p:nvPr/>
+        </p:nvCxnSpPr>
+        <p:spPr>
+          <a:xfrm>
+            <a:off x="3807580" y="3825617"/>
+            <a:ext cx="0" cy="1142836"/>
+          </a:xfrm>
+          <a:prstGeom prst="straightConnector1">
+            <a:avLst/>
+          </a:prstGeom>
+          <a:ln>
+            <a:solidFill>
+              <a:schemeClr val="tx1">
+                <a:lumMod val="50000"/>
+                <a:lumOff val="50000"/>
+              </a:schemeClr>
+            </a:solidFill>
+            <a:tailEnd type="triangle"/>
+          </a:ln>
+        </p:spPr>
+        <p:style>
+          <a:lnRef idx="1">
+            <a:schemeClr val="dk1"/>
+          </a:lnRef>
+          <a:fillRef idx="0">
+            <a:schemeClr val="dk1"/>
+          </a:fillRef>
+          <a:effectRef idx="0">
+            <a:schemeClr val="dk1"/>
+          </a:effectRef>
+          <a:fontRef idx="minor">
+            <a:schemeClr val="tx1"/>
+          </a:fontRef>
+        </p:style>
+      </p:cxnSp>
+    </p:spTree>
+    <p:extLst>
+      <p:ext uri="{BB962C8B-B14F-4D97-AF65-F5344CB8AC3E}">
+        <p14:creationId xmlns:p14="http://schemas.microsoft.com/office/powerpoint/2010/main" val="857571031"/>
       </p:ext>
     </p:extLst>
   </p:cSld>
